--- a/Project/project_poster.pptx
+++ b/Project/project_poster.pptx
@@ -123,477 +123,6 @@
 </p:presentation>
 </file>
 
-<file path=ppt/charts/chart1.xml><?xml version="1.0" encoding="utf-8"?>
-<c:chartSpace xmlns:c="http://schemas.openxmlformats.org/drawingml/2006/chart" xmlns:a="http://schemas.openxmlformats.org/drawingml/2006/main" xmlns:r="http://schemas.openxmlformats.org/officeDocument/2006/relationships" xmlns:c16r2="http://schemas.microsoft.com/office/drawing/2015/06/chart">
-  <c:date1904 val="0"/>
-  <c:lang val="en-US"/>
-  <c:roundedCorners val="0"/>
-  <mc:AlternateContent xmlns:mc="http://schemas.openxmlformats.org/markup-compatibility/2006">
-    <mc:Choice xmlns:c14="http://schemas.microsoft.com/office/drawing/2007/8/2/chart" Requires="c14">
-      <c14:style val="102"/>
-    </mc:Choice>
-    <mc:Fallback>
-      <c:style val="2"/>
-    </mc:Fallback>
-  </mc:AlternateContent>
-  <c:chart>
-    <c:autoTitleDeleted val="0"/>
-    <c:plotArea>
-      <c:layout>
-        <c:manualLayout>
-          <c:layoutTarget val="inner"/>
-          <c:xMode val="edge"/>
-          <c:yMode val="edge"/>
-          <c:x val="8.4488407699037621E-2"/>
-          <c:y val="5.1400554097404488E-2"/>
-          <c:w val="0.89140179352580962"/>
-          <c:h val="0.79822506561679785"/>
-        </c:manualLayout>
-      </c:layout>
-      <c:barChart>
-        <c:barDir val="col"/>
-        <c:grouping val="clustered"/>
-        <c:varyColors val="0"/>
-        <c:ser>
-          <c:idx val="0"/>
-          <c:order val="0"/>
-          <c:tx>
-            <c:strRef>
-              <c:f>Sheet1!$D$3</c:f>
-              <c:strCache>
-                <c:ptCount val="1"/>
-                <c:pt idx="0">
-                  <c:v>Transcription regulation</c:v>
-                </c:pt>
-              </c:strCache>
-            </c:strRef>
-          </c:tx>
-          <c:spPr>
-            <a:solidFill>
-              <a:srgbClr val="0000FF"/>
-            </a:solidFill>
-          </c:spPr>
-          <c:invertIfNegative val="0"/>
-          <c:cat>
-            <c:strRef>
-              <c:f>Sheet1!$A$4:$A$7</c:f>
-              <c:strCache>
-                <c:ptCount val="3"/>
-                <c:pt idx="0">
-                  <c:v>SF</c:v>
-                </c:pt>
-                <c:pt idx="1">
-                  <c:v>TF</c:v>
-                </c:pt>
-                <c:pt idx="2">
-                  <c:v>Kinase</c:v>
-                </c:pt>
-              </c:strCache>
-            </c:strRef>
-          </c:cat>
-          <c:val>
-            <c:numRef>
-              <c:f>Sheet1!$D$4:$D$6</c:f>
-              <c:numCache>
-                <c:formatCode>General</c:formatCode>
-                <c:ptCount val="3"/>
-                <c:pt idx="0">
-                  <c:v>5.1052631578947407</c:v>
-                </c:pt>
-                <c:pt idx="1">
-                  <c:v>8.313725490196072</c:v>
-                </c:pt>
-                <c:pt idx="2">
-                  <c:v>4.1156462585033982</c:v>
-                </c:pt>
-              </c:numCache>
-            </c:numRef>
-          </c:val>
-          <c:extLst>
-            <c:ext xmlns:c16="http://schemas.microsoft.com/office/drawing/2014/chart" uri="{C3380CC4-5D6E-409C-BE32-E72D297353CC}">
-              <c16:uniqueId val="{00000000-2E2C-4824-8D70-1A8C1A670A1A}"/>
-            </c:ext>
-          </c:extLst>
-        </c:ser>
-        <c:ser>
-          <c:idx val="1"/>
-          <c:order val="1"/>
-          <c:tx>
-            <c:strRef>
-              <c:f>Sheet1!$H$3</c:f>
-              <c:strCache>
-                <c:ptCount val="1"/>
-                <c:pt idx="0">
-                  <c:v>Splicing regulation</c:v>
-                </c:pt>
-              </c:strCache>
-            </c:strRef>
-          </c:tx>
-          <c:spPr>
-            <a:solidFill>
-              <a:srgbClr val="FF0000"/>
-            </a:solidFill>
-          </c:spPr>
-          <c:invertIfNegative val="0"/>
-          <c:cat>
-            <c:strRef>
-              <c:f>Sheet1!$A$4:$A$7</c:f>
-              <c:strCache>
-                <c:ptCount val="3"/>
-                <c:pt idx="0">
-                  <c:v>SF</c:v>
-                </c:pt>
-                <c:pt idx="1">
-                  <c:v>TF</c:v>
-                </c:pt>
-                <c:pt idx="2">
-                  <c:v>Kinase</c:v>
-                </c:pt>
-              </c:strCache>
-            </c:strRef>
-          </c:cat>
-          <c:val>
-            <c:numRef>
-              <c:f>Sheet1!$H$4:$H$6</c:f>
-              <c:numCache>
-                <c:formatCode>General</c:formatCode>
-                <c:ptCount val="3"/>
-                <c:pt idx="0">
-                  <c:v>10.200000000000001</c:v>
-                </c:pt>
-                <c:pt idx="1">
-                  <c:v>9.92</c:v>
-                </c:pt>
-                <c:pt idx="2">
-                  <c:v>8.3833333333333346</c:v>
-                </c:pt>
-              </c:numCache>
-            </c:numRef>
-          </c:val>
-          <c:extLst>
-            <c:ext xmlns:c16="http://schemas.microsoft.com/office/drawing/2014/chart" uri="{C3380CC4-5D6E-409C-BE32-E72D297353CC}">
-              <c16:uniqueId val="{00000001-2E2C-4824-8D70-1A8C1A670A1A}"/>
-            </c:ext>
-          </c:extLst>
-        </c:ser>
-        <c:dLbls>
-          <c:showLegendKey val="0"/>
-          <c:showVal val="0"/>
-          <c:showCatName val="0"/>
-          <c:showSerName val="0"/>
-          <c:showPercent val="0"/>
-          <c:showBubbleSize val="0"/>
-        </c:dLbls>
-        <c:gapWidth val="150"/>
-        <c:axId val="106591360"/>
-        <c:axId val="106592896"/>
-      </c:barChart>
-      <c:catAx>
-        <c:axId val="106591360"/>
-        <c:scaling>
-          <c:orientation val="minMax"/>
-        </c:scaling>
-        <c:delete val="1"/>
-        <c:axPos val="b"/>
-        <c:numFmt formatCode="General" sourceLinked="0"/>
-        <c:majorTickMark val="out"/>
-        <c:minorTickMark val="none"/>
-        <c:tickLblPos val="none"/>
-        <c:crossAx val="106592896"/>
-        <c:crosses val="autoZero"/>
-        <c:auto val="1"/>
-        <c:lblAlgn val="ctr"/>
-        <c:lblOffset val="100"/>
-        <c:noMultiLvlLbl val="0"/>
-      </c:catAx>
-      <c:valAx>
-        <c:axId val="106592896"/>
-        <c:scaling>
-          <c:orientation val="minMax"/>
-        </c:scaling>
-        <c:delete val="0"/>
-        <c:axPos val="l"/>
-        <c:numFmt formatCode="General" sourceLinked="1"/>
-        <c:majorTickMark val="out"/>
-        <c:minorTickMark val="none"/>
-        <c:tickLblPos val="nextTo"/>
-        <c:crossAx val="106591360"/>
-        <c:crosses val="autoZero"/>
-        <c:crossBetween val="between"/>
-      </c:valAx>
-    </c:plotArea>
-    <c:plotVisOnly val="1"/>
-    <c:dispBlanksAs val="gap"/>
-    <c:showDLblsOverMax val="0"/>
-  </c:chart>
-  <c:txPr>
-    <a:bodyPr/>
-    <a:lstStyle/>
-    <a:p>
-      <a:pPr>
-        <a:defRPr sz="1500"/>
-      </a:pPr>
-      <a:endParaRPr lang="en-IL"/>
-    </a:p>
-  </c:txPr>
-  <c:externalData r:id="rId1">
-    <c:autoUpdate val="0"/>
-  </c:externalData>
-</c:chartSpace>
-</file>
-
-<file path=ppt/charts/chart2.xml><?xml version="1.0" encoding="utf-8"?>
-<c:chartSpace xmlns:c="http://schemas.openxmlformats.org/drawingml/2006/chart" xmlns:a="http://schemas.openxmlformats.org/drawingml/2006/main" xmlns:r="http://schemas.openxmlformats.org/officeDocument/2006/relationships" xmlns:c16r2="http://schemas.microsoft.com/office/drawing/2015/06/chart">
-  <c:date1904 val="0"/>
-  <c:lang val="en-US"/>
-  <c:roundedCorners val="0"/>
-  <mc:AlternateContent xmlns:mc="http://schemas.openxmlformats.org/markup-compatibility/2006">
-    <mc:Choice xmlns:c14="http://schemas.microsoft.com/office/drawing/2007/8/2/chart" Requires="c14">
-      <c14:style val="102"/>
-    </mc:Choice>
-    <mc:Fallback>
-      <c:style val="2"/>
-    </mc:Fallback>
-  </mc:AlternateContent>
-  <c:chart>
-    <c:autoTitleDeleted val="0"/>
-    <c:plotArea>
-      <c:layout/>
-      <c:barChart>
-        <c:barDir val="col"/>
-        <c:grouping val="clustered"/>
-        <c:varyColors val="0"/>
-        <c:ser>
-          <c:idx val="0"/>
-          <c:order val="0"/>
-          <c:tx>
-            <c:strRef>
-              <c:f>Sheet1!$A$4</c:f>
-              <c:strCache>
-                <c:ptCount val="1"/>
-                <c:pt idx="0">
-                  <c:v>SF</c:v>
-                </c:pt>
-              </c:strCache>
-            </c:strRef>
-          </c:tx>
-          <c:spPr>
-            <a:solidFill>
-              <a:srgbClr val="FF0000"/>
-            </a:solidFill>
-          </c:spPr>
-          <c:invertIfNegative val="0"/>
-          <c:cat>
-            <c:strRef>
-              <c:f>(Sheet1!$D$3,Sheet1!$H$3)</c:f>
-              <c:strCache>
-                <c:ptCount val="2"/>
-                <c:pt idx="0">
-                  <c:v>Transcription regulation</c:v>
-                </c:pt>
-                <c:pt idx="1">
-                  <c:v>Splicing regulation</c:v>
-                </c:pt>
-              </c:strCache>
-            </c:strRef>
-          </c:cat>
-          <c:val>
-            <c:numRef>
-              <c:f>(Sheet1!$D$4,Sheet1!$H$4)</c:f>
-              <c:numCache>
-                <c:formatCode>General</c:formatCode>
-                <c:ptCount val="2"/>
-                <c:pt idx="0">
-                  <c:v>5.1052631578947407</c:v>
-                </c:pt>
-                <c:pt idx="1">
-                  <c:v>10.200000000000001</c:v>
-                </c:pt>
-              </c:numCache>
-            </c:numRef>
-          </c:val>
-          <c:extLst>
-            <c:ext xmlns:c16="http://schemas.microsoft.com/office/drawing/2014/chart" uri="{C3380CC4-5D6E-409C-BE32-E72D297353CC}">
-              <c16:uniqueId val="{00000000-8E09-4B6C-8BBF-D39B47B7DD2A}"/>
-            </c:ext>
-          </c:extLst>
-        </c:ser>
-        <c:ser>
-          <c:idx val="1"/>
-          <c:order val="1"/>
-          <c:tx>
-            <c:strRef>
-              <c:f>Sheet1!$A$5</c:f>
-              <c:strCache>
-                <c:ptCount val="1"/>
-                <c:pt idx="0">
-                  <c:v>TF</c:v>
-                </c:pt>
-              </c:strCache>
-            </c:strRef>
-          </c:tx>
-          <c:spPr>
-            <a:solidFill>
-              <a:srgbClr val="0000FF"/>
-            </a:solidFill>
-          </c:spPr>
-          <c:invertIfNegative val="0"/>
-          <c:cat>
-            <c:strRef>
-              <c:f>(Sheet1!$D$3,Sheet1!$H$3)</c:f>
-              <c:strCache>
-                <c:ptCount val="2"/>
-                <c:pt idx="0">
-                  <c:v>Transcription regulation</c:v>
-                </c:pt>
-                <c:pt idx="1">
-                  <c:v>Splicing regulation</c:v>
-                </c:pt>
-              </c:strCache>
-            </c:strRef>
-          </c:cat>
-          <c:val>
-            <c:numRef>
-              <c:f>(Sheet1!$D$5,Sheet1!$H$5)</c:f>
-              <c:numCache>
-                <c:formatCode>General</c:formatCode>
-                <c:ptCount val="2"/>
-                <c:pt idx="0">
-                  <c:v>8.313725490196072</c:v>
-                </c:pt>
-                <c:pt idx="1">
-                  <c:v>9.92</c:v>
-                </c:pt>
-              </c:numCache>
-            </c:numRef>
-          </c:val>
-          <c:extLst>
-            <c:ext xmlns:c16="http://schemas.microsoft.com/office/drawing/2014/chart" uri="{C3380CC4-5D6E-409C-BE32-E72D297353CC}">
-              <c16:uniqueId val="{00000001-8E09-4B6C-8BBF-D39B47B7DD2A}"/>
-            </c:ext>
-          </c:extLst>
-        </c:ser>
-        <c:ser>
-          <c:idx val="2"/>
-          <c:order val="2"/>
-          <c:tx>
-            <c:strRef>
-              <c:f>Sheet1!$A$6</c:f>
-              <c:strCache>
-                <c:ptCount val="1"/>
-                <c:pt idx="0">
-                  <c:v>Kinase</c:v>
-                </c:pt>
-              </c:strCache>
-            </c:strRef>
-          </c:tx>
-          <c:spPr>
-            <a:solidFill>
-              <a:srgbClr val="FFFF00"/>
-            </a:solidFill>
-          </c:spPr>
-          <c:invertIfNegative val="0"/>
-          <c:cat>
-            <c:strRef>
-              <c:f>(Sheet1!$D$3,Sheet1!$H$3)</c:f>
-              <c:strCache>
-                <c:ptCount val="2"/>
-                <c:pt idx="0">
-                  <c:v>Transcription regulation</c:v>
-                </c:pt>
-                <c:pt idx="1">
-                  <c:v>Splicing regulation</c:v>
-                </c:pt>
-              </c:strCache>
-            </c:strRef>
-          </c:cat>
-          <c:val>
-            <c:numRef>
-              <c:f>(Sheet1!$D$6,Sheet1!$H$6)</c:f>
-              <c:numCache>
-                <c:formatCode>General</c:formatCode>
-                <c:ptCount val="2"/>
-                <c:pt idx="0">
-                  <c:v>4.1156462585033982</c:v>
-                </c:pt>
-                <c:pt idx="1">
-                  <c:v>8.3833333333333346</c:v>
-                </c:pt>
-              </c:numCache>
-            </c:numRef>
-          </c:val>
-          <c:extLst>
-            <c:ext xmlns:c16="http://schemas.microsoft.com/office/drawing/2014/chart" uri="{C3380CC4-5D6E-409C-BE32-E72D297353CC}">
-              <c16:uniqueId val="{00000002-8E09-4B6C-8BBF-D39B47B7DD2A}"/>
-            </c:ext>
-          </c:extLst>
-        </c:ser>
-        <c:dLbls>
-          <c:showLegendKey val="0"/>
-          <c:showVal val="0"/>
-          <c:showCatName val="0"/>
-          <c:showSerName val="0"/>
-          <c:showPercent val="0"/>
-          <c:showBubbleSize val="0"/>
-        </c:dLbls>
-        <c:gapWidth val="150"/>
-        <c:axId val="109576960"/>
-        <c:axId val="109578496"/>
-      </c:barChart>
-      <c:catAx>
-        <c:axId val="109576960"/>
-        <c:scaling>
-          <c:orientation val="minMax"/>
-        </c:scaling>
-        <c:delete val="1"/>
-        <c:axPos val="b"/>
-        <c:numFmt formatCode="General" sourceLinked="0"/>
-        <c:majorTickMark val="out"/>
-        <c:minorTickMark val="none"/>
-        <c:tickLblPos val="none"/>
-        <c:crossAx val="109578496"/>
-        <c:crosses val="autoZero"/>
-        <c:auto val="1"/>
-        <c:lblAlgn val="ctr"/>
-        <c:lblOffset val="100"/>
-        <c:noMultiLvlLbl val="0"/>
-      </c:catAx>
-      <c:valAx>
-        <c:axId val="109578496"/>
-        <c:scaling>
-          <c:orientation val="minMax"/>
-        </c:scaling>
-        <c:delete val="0"/>
-        <c:axPos val="l"/>
-        <c:numFmt formatCode="General" sourceLinked="1"/>
-        <c:majorTickMark val="out"/>
-        <c:minorTickMark val="none"/>
-        <c:tickLblPos val="nextTo"/>
-        <c:crossAx val="109576960"/>
-        <c:crosses val="autoZero"/>
-        <c:crossBetween val="between"/>
-      </c:valAx>
-    </c:plotArea>
-    <c:plotVisOnly val="1"/>
-    <c:dispBlanksAs val="gap"/>
-    <c:showDLblsOverMax val="0"/>
-  </c:chart>
-  <c:txPr>
-    <a:bodyPr/>
-    <a:lstStyle/>
-    <a:p>
-      <a:pPr>
-        <a:defRPr sz="1500"/>
-      </a:pPr>
-      <a:endParaRPr lang="en-IL"/>
-    </a:p>
-  </c:txPr>
-  <c:externalData r:id="rId1">
-    <c:autoUpdate val="0"/>
-  </c:externalData>
-</c:chartSpace>
-</file>
-
 <file path=ppt/slideLayouts/slideLayout1.xml><?xml version="1.0" encoding="utf-8"?>
 <p:sldLayout xmlns:a="http://schemas.openxmlformats.org/drawingml/2006/main" xmlns:r="http://schemas.openxmlformats.org/officeDocument/2006/relationships" xmlns:p="http://schemas.openxmlformats.org/presentationml/2006/main" type="title" preserve="1">
   <p:cSld name="Title Slide">
@@ -774,7 +303,7 @@
             <a:fld id="{C33D5922-1A10-453D-B34B-87D0376FB0F9}" type="datetimeFigureOut">
               <a:rPr lang="en-US" smtClean="0"/>
               <a:pPr/>
-              <a:t>2/23/2019</a:t>
+              <a:t>09-Mar-19</a:t>
             </a:fld>
             <a:endParaRPr lang="en-US"/>
           </a:p>
@@ -939,7 +468,7 @@
             <a:fld id="{C33D5922-1A10-453D-B34B-87D0376FB0F9}" type="datetimeFigureOut">
               <a:rPr lang="en-US" smtClean="0"/>
               <a:pPr/>
-              <a:t>2/23/2019</a:t>
+              <a:t>09-Mar-19</a:t>
             </a:fld>
             <a:endParaRPr lang="en-US"/>
           </a:p>
@@ -1114,7 +643,7 @@
             <a:fld id="{C33D5922-1A10-453D-B34B-87D0376FB0F9}" type="datetimeFigureOut">
               <a:rPr lang="en-US" smtClean="0"/>
               <a:pPr/>
-              <a:t>2/23/2019</a:t>
+              <a:t>09-Mar-19</a:t>
             </a:fld>
             <a:endParaRPr lang="en-US"/>
           </a:p>
@@ -1279,7 +808,7 @@
             <a:fld id="{C33D5922-1A10-453D-B34B-87D0376FB0F9}" type="datetimeFigureOut">
               <a:rPr lang="en-US" smtClean="0"/>
               <a:pPr/>
-              <a:t>2/23/2019</a:t>
+              <a:t>09-Mar-19</a:t>
             </a:fld>
             <a:endParaRPr lang="en-US"/>
           </a:p>
@@ -1521,7 +1050,7 @@
             <a:fld id="{C33D5922-1A10-453D-B34B-87D0376FB0F9}" type="datetimeFigureOut">
               <a:rPr lang="en-US" smtClean="0"/>
               <a:pPr/>
-              <a:t>2/23/2019</a:t>
+              <a:t>09-Mar-19</a:t>
             </a:fld>
             <a:endParaRPr lang="en-US"/>
           </a:p>
@@ -1803,7 +1332,7 @@
             <a:fld id="{C33D5922-1A10-453D-B34B-87D0376FB0F9}" type="datetimeFigureOut">
               <a:rPr lang="en-US" smtClean="0"/>
               <a:pPr/>
-              <a:t>2/23/2019</a:t>
+              <a:t>09-Mar-19</a:t>
             </a:fld>
             <a:endParaRPr lang="en-US"/>
           </a:p>
@@ -2224,7 +1753,7 @@
             <a:fld id="{C33D5922-1A10-453D-B34B-87D0376FB0F9}" type="datetimeFigureOut">
               <a:rPr lang="en-US" smtClean="0"/>
               <a:pPr/>
-              <a:t>2/23/2019</a:t>
+              <a:t>09-Mar-19</a:t>
             </a:fld>
             <a:endParaRPr lang="en-US"/>
           </a:p>
@@ -2338,7 +1867,7 @@
             <a:fld id="{C33D5922-1A10-453D-B34B-87D0376FB0F9}" type="datetimeFigureOut">
               <a:rPr lang="en-US" smtClean="0"/>
               <a:pPr/>
-              <a:t>2/23/2019</a:t>
+              <a:t>09-Mar-19</a:t>
             </a:fld>
             <a:endParaRPr lang="en-US"/>
           </a:p>
@@ -2430,7 +1959,7 @@
             <a:fld id="{C33D5922-1A10-453D-B34B-87D0376FB0F9}" type="datetimeFigureOut">
               <a:rPr lang="en-US" smtClean="0"/>
               <a:pPr/>
-              <a:t>2/23/2019</a:t>
+              <a:t>09-Mar-19</a:t>
             </a:fld>
             <a:endParaRPr lang="en-US"/>
           </a:p>
@@ -2702,7 +2231,7 @@
             <a:fld id="{C33D5922-1A10-453D-B34B-87D0376FB0F9}" type="datetimeFigureOut">
               <a:rPr lang="en-US" smtClean="0"/>
               <a:pPr/>
-              <a:t>2/23/2019</a:t>
+              <a:t>09-Mar-19</a:t>
             </a:fld>
             <a:endParaRPr lang="en-US"/>
           </a:p>
@@ -2951,7 +2480,7 @@
             <a:fld id="{C33D5922-1A10-453D-B34B-87D0376FB0F9}" type="datetimeFigureOut">
               <a:rPr lang="en-US" smtClean="0"/>
               <a:pPr/>
-              <a:t>2/23/2019</a:t>
+              <a:t>09-Mar-19</a:t>
             </a:fld>
             <a:endParaRPr lang="en-US"/>
           </a:p>
@@ -3159,7 +2688,7 @@
             <a:fld id="{C33D5922-1A10-453D-B34B-87D0376FB0F9}" type="datetimeFigureOut">
               <a:rPr lang="en-US" smtClean="0"/>
               <a:pPr/>
-              <a:t>2/23/2019</a:t>
+              <a:t>09-Mar-19</a:t>
             </a:fld>
             <a:endParaRPr lang="en-US"/>
           </a:p>
@@ -3519,7 +3048,7 @@
     <p:bg>
       <p:bgPr>
         <a:blipFill dpi="0" rotWithShape="1">
-          <a:blip r:embed="rId3">
+          <a:blip r:embed="rId2">
             <a:lum/>
           </a:blip>
           <a:srcRect/>
@@ -3599,40 +3128,48 @@
               <a:tabLst/>
             </a:pPr>
             <a:r>
-              <a:rPr lang="en-US" b="1" dirty="0">
-                <a:ln w="6600">
+              <a:rPr lang="en-US" b="1" spc="50" dirty="0">
+                <a:ln w="9525" cmpd="sng">
                   <a:solidFill>
-                    <a:schemeClr val="accent2"/>
+                    <a:schemeClr val="accent1"/>
                   </a:solidFill>
                   <a:prstDash val="solid"/>
                 </a:ln>
                 <a:solidFill>
-                  <a:srgbClr val="FFFFFF"/>
+                  <a:srgbClr val="70AD47">
+                    <a:tint val="1000"/>
+                  </a:srgbClr>
                 </a:solidFill>
                 <a:effectLst>
-                  <a:outerShdw dist="38100" dir="2700000" algn="tl" rotWithShape="0">
-                    <a:schemeClr val="accent2"/>
-                  </a:outerShdw>
+                  <a:glow rad="38100">
+                    <a:schemeClr val="accent1">
+                      <a:alpha val="40000"/>
+                    </a:schemeClr>
+                  </a:glow>
                 </a:effectLst>
                 <a:latin typeface="+mj-lt"/>
                 <a:cs typeface="Times New Roman" pitchFamily="18" charset="0"/>
               </a:rPr>
               <a:t>Comparing between supervised and unsupervised approaches to classify gene expression profiles of cancer patients</a:t>
             </a:r>
-            <a:endParaRPr kumimoji="0" lang="en-US" b="1" i="0" u="none" strike="noStrike" normalizeH="0" baseline="0" dirty="0">
-              <a:ln w="6600">
+            <a:endParaRPr kumimoji="0" lang="en-US" b="1" i="0" u="none" strike="noStrike" spc="50" normalizeH="0" baseline="0" dirty="0">
+              <a:ln w="9525" cmpd="sng">
                 <a:solidFill>
-                  <a:schemeClr val="accent2"/>
+                  <a:schemeClr val="accent1"/>
                 </a:solidFill>
                 <a:prstDash val="solid"/>
               </a:ln>
               <a:solidFill>
-                <a:srgbClr val="FFFFFF"/>
+                <a:srgbClr val="70AD47">
+                  <a:tint val="1000"/>
+                </a:srgbClr>
               </a:solidFill>
               <a:effectLst>
-                <a:outerShdw dist="38100" dir="2700000" algn="tl" rotWithShape="0">
-                  <a:schemeClr val="accent2"/>
-                </a:outerShdw>
+                <a:glow rad="38100">
+                  <a:schemeClr val="accent1">
+                    <a:alpha val="40000"/>
+                  </a:schemeClr>
+                </a:glow>
               </a:effectLst>
               <a:latin typeface="+mj-lt"/>
               <a:cs typeface="Arial" pitchFamily="34" charset="0"/>
@@ -3970,8 +3507,8 @@
         </p:nvSpPr>
         <p:spPr>
           <a:xfrm>
-            <a:off x="4772922" y="5182800"/>
-            <a:ext cx="7766601" cy="1015663"/>
+            <a:off x="6506067" y="5092818"/>
+            <a:ext cx="4012279" cy="1015663"/>
           </a:xfrm>
           <a:prstGeom prst="rect">
             <a:avLst/>
@@ -3999,8 +3536,8 @@
         </p:nvSpPr>
         <p:spPr>
           <a:xfrm>
-            <a:off x="18059412" y="4876785"/>
-            <a:ext cx="13701695" cy="32855707"/>
+            <a:off x="16941862" y="4876787"/>
+            <a:ext cx="14819246" cy="24780238"/>
           </a:xfrm>
           <a:prstGeom prst="flowChartAlternateProcess">
             <a:avLst/>
@@ -4079,7 +3616,7 @@
         </p:nvSpPr>
         <p:spPr>
           <a:xfrm>
-            <a:off x="19447732" y="5574985"/>
+            <a:off x="18578289" y="4896844"/>
             <a:ext cx="11582400" cy="1015663"/>
           </a:xfrm>
           <a:prstGeom prst="rect">
@@ -4096,7 +3633,7 @@
             <a:pPr algn="ctr"/>
             <a:r>
               <a:rPr lang="en-US" sz="6000" b="1" dirty="0"/>
-              <a:t>Results</a:t>
+              <a:t>Classifying</a:t>
             </a:r>
           </a:p>
         </p:txBody>
@@ -4109,8 +3646,8 @@
         </p:nvSpPr>
         <p:spPr>
           <a:xfrm>
-            <a:off x="628541" y="21304639"/>
-            <a:ext cx="15861516" cy="16119178"/>
+            <a:off x="628541" y="19766920"/>
+            <a:ext cx="15861516" cy="22502077"/>
           </a:xfrm>
           <a:prstGeom prst="flowChartAlternateProcess">
             <a:avLst/>
@@ -4184,8 +3721,8 @@
         </p:nvSpPr>
         <p:spPr>
           <a:xfrm>
-            <a:off x="534358" y="14780440"/>
-            <a:ext cx="15955699" cy="5832648"/>
+            <a:off x="534358" y="14534205"/>
+            <a:ext cx="15955699" cy="4925045"/>
           </a:xfrm>
           <a:prstGeom prst="flowChartAlternateProcess">
             <a:avLst/>
@@ -4259,8 +3796,8 @@
         </p:nvSpPr>
         <p:spPr>
           <a:xfrm>
-            <a:off x="534358" y="37732492"/>
-            <a:ext cx="16243731" cy="4536505"/>
+            <a:off x="16941862" y="30027636"/>
+            <a:ext cx="14833648" cy="8856983"/>
           </a:xfrm>
           <a:prstGeom prst="flowChartAlternateProcess">
             <a:avLst/>
@@ -4334,8 +3871,8 @@
         </p:nvSpPr>
         <p:spPr>
           <a:xfrm>
-            <a:off x="18059412" y="38097112"/>
-            <a:ext cx="13701695" cy="4171885"/>
+            <a:off x="16927460" y="39244660"/>
+            <a:ext cx="14833647" cy="3024337"/>
           </a:xfrm>
           <a:prstGeom prst="flowChartAlternateProcess">
             <a:avLst/>
@@ -4397,7 +3934,7 @@
           <a:lstStyle/>
           <a:p>
             <a:pPr algn="ctr"/>
-            <a:endParaRPr lang="en-US"/>
+            <a:endParaRPr lang="en-US" dirty="0"/>
           </a:p>
         </p:txBody>
       </p:sp>
@@ -4409,7 +3946,7 @@
         </p:nvSpPr>
         <p:spPr>
           <a:xfrm>
-            <a:off x="2652660" y="23042860"/>
+            <a:off x="2073307" y="19938965"/>
             <a:ext cx="12877800" cy="1015663"/>
           </a:xfrm>
           <a:prstGeom prst="rect">
@@ -4439,8 +3976,8 @@
         </p:nvSpPr>
         <p:spPr>
           <a:xfrm>
-            <a:off x="19130983" y="38604944"/>
-            <a:ext cx="5410200" cy="1015663"/>
+            <a:off x="17282145" y="39411323"/>
+            <a:ext cx="5410200" cy="769441"/>
           </a:xfrm>
           <a:prstGeom prst="rect">
             <a:avLst/>
@@ -4454,7 +3991,7 @@
           <a:lstStyle/>
           <a:p>
             <a:r>
-              <a:rPr lang="en-US" sz="6000" b="1" dirty="0"/>
+              <a:rPr lang="en-US" sz="4400" b="1" dirty="0"/>
               <a:t>References</a:t>
             </a:r>
           </a:p>
@@ -4468,7 +4005,7 @@
         </p:nvSpPr>
         <p:spPr>
           <a:xfrm>
-            <a:off x="534358" y="38097112"/>
+            <a:off x="16413515" y="30080382"/>
             <a:ext cx="15955699" cy="1015663"/>
           </a:xfrm>
           <a:prstGeom prst="rect">
@@ -4490,79 +4027,6 @@
           </a:p>
         </p:txBody>
       </p:sp>
-      <p:graphicFrame>
-        <p:nvGraphicFramePr>
-          <p:cNvPr id="159" name="Chart 158"/>
-          <p:cNvGraphicFramePr/>
-          <p:nvPr>
-            <p:extLst>
-              <p:ext uri="{D42A27DB-BD31-4B8C-83A1-F6EECF244321}">
-                <p14:modId xmlns:p14="http://schemas.microsoft.com/office/powerpoint/2010/main" val="4046628627"/>
-              </p:ext>
-            </p:extLst>
-          </p:nvPr>
-        </p:nvGraphicFramePr>
-        <p:xfrm>
-          <a:off x="25563064" y="19614396"/>
-          <a:ext cx="4692559" cy="4133372"/>
-        </p:xfrm>
-        <a:graphic>
-          <a:graphicData uri="http://schemas.openxmlformats.org/drawingml/2006/chart">
-            <c:chart xmlns:c="http://schemas.openxmlformats.org/drawingml/2006/chart" xmlns:r="http://schemas.openxmlformats.org/officeDocument/2006/relationships" r:id="rId4"/>
-          </a:graphicData>
-        </a:graphic>
-      </p:graphicFrame>
-      <p:graphicFrame>
-        <p:nvGraphicFramePr>
-          <p:cNvPr id="164" name="Chart 163"/>
-          <p:cNvGraphicFramePr/>
-          <p:nvPr>
-            <p:extLst>
-              <p:ext uri="{D42A27DB-BD31-4B8C-83A1-F6EECF244321}">
-                <p14:modId xmlns:p14="http://schemas.microsoft.com/office/powerpoint/2010/main" val="1565819315"/>
-              </p:ext>
-            </p:extLst>
-          </p:nvPr>
-        </p:nvGraphicFramePr>
-        <p:xfrm>
-          <a:off x="21836083" y="29163540"/>
-          <a:ext cx="6574284" cy="3600400"/>
-        </p:xfrm>
-        <a:graphic>
-          <a:graphicData uri="http://schemas.openxmlformats.org/drawingml/2006/chart">
-            <c:chart xmlns:c="http://schemas.openxmlformats.org/drawingml/2006/chart" xmlns:r="http://schemas.openxmlformats.org/officeDocument/2006/relationships" r:id="rId5"/>
-          </a:graphicData>
-        </a:graphic>
-      </p:graphicFrame>
-      <p:sp>
-        <p:nvSpPr>
-          <p:cNvPr id="290" name="TextBox 289"/>
-          <p:cNvSpPr txBox="1"/>
-          <p:nvPr/>
-        </p:nvSpPr>
-        <p:spPr>
-          <a:xfrm>
-            <a:off x="29275179" y="17173544"/>
-            <a:ext cx="785818" cy="523220"/>
-          </a:xfrm>
-          <a:prstGeom prst="rect">
-            <a:avLst/>
-          </a:prstGeom>
-          <a:noFill/>
-        </p:spPr>
-        <p:txBody>
-          <a:bodyPr wrap="square" rtlCol="0">
-            <a:spAutoFit/>
-          </a:bodyPr>
-          <a:lstStyle/>
-          <a:p>
-            <a:r>
-              <a:rPr lang="en-US" sz="2800" dirty="0"/>
-              <a:t>97</a:t>
-            </a:r>
-          </a:p>
-        </p:txBody>
-      </p:sp>
       <p:sp>
         <p:nvSpPr>
           <p:cNvPr id="208" name="TextBox 207"/>
@@ -4571,7 +4035,7 @@
         </p:nvSpPr>
         <p:spPr>
           <a:xfrm>
-            <a:off x="2386010" y="15265996"/>
+            <a:off x="2963441" y="14818943"/>
             <a:ext cx="11582400" cy="1015663"/>
           </a:xfrm>
           <a:prstGeom prst="rect">
@@ -4589,1046 +4053,6 @@
             <a:r>
               <a:rPr lang="en-US" sz="6000" b="1" dirty="0"/>
               <a:t>Goals </a:t>
-            </a:r>
-          </a:p>
-        </p:txBody>
-      </p:sp>
-      <p:sp>
-        <p:nvSpPr>
-          <p:cNvPr id="2" name="Rectangle 1"/>
-          <p:cNvSpPr/>
-          <p:nvPr/>
-        </p:nvSpPr>
-        <p:spPr>
-          <a:xfrm>
-            <a:off x="19130983" y="24058523"/>
-            <a:ext cx="11472641" cy="4168913"/>
-          </a:xfrm>
-          <a:prstGeom prst="rect">
-            <a:avLst/>
-          </a:prstGeom>
-        </p:spPr>
-        <p:style>
-          <a:lnRef idx="2">
-            <a:schemeClr val="accent1">
-              <a:shade val="50000"/>
-            </a:schemeClr>
-          </a:lnRef>
-          <a:fillRef idx="1">
-            <a:schemeClr val="accent1"/>
-          </a:fillRef>
-          <a:effectRef idx="0">
-            <a:schemeClr val="accent1"/>
-          </a:effectRef>
-          <a:fontRef idx="minor">
-            <a:schemeClr val="lt1"/>
-          </a:fontRef>
-        </p:style>
-        <p:txBody>
-          <a:bodyPr rtlCol="0" anchor="ctr"/>
-          <a:lstStyle/>
-          <a:p>
-            <a:pPr algn="ctr"/>
-            <a:r>
-              <a:rPr lang="en-US" dirty="0"/>
-              <a:t>Text for figure 1A and 1B</a:t>
-            </a:r>
-          </a:p>
-        </p:txBody>
-      </p:sp>
-      <p:sp>
-        <p:nvSpPr>
-          <p:cNvPr id="210" name="Rectangle 209"/>
-          <p:cNvSpPr/>
-          <p:nvPr/>
-        </p:nvSpPr>
-        <p:spPr>
-          <a:xfrm>
-            <a:off x="19283383" y="33123980"/>
-            <a:ext cx="11320242" cy="3865992"/>
-          </a:xfrm>
-          <a:prstGeom prst="rect">
-            <a:avLst/>
-          </a:prstGeom>
-        </p:spPr>
-        <p:style>
-          <a:lnRef idx="2">
-            <a:schemeClr val="accent1">
-              <a:shade val="50000"/>
-            </a:schemeClr>
-          </a:lnRef>
-          <a:fillRef idx="1">
-            <a:schemeClr val="accent1"/>
-          </a:fillRef>
-          <a:effectRef idx="0">
-            <a:schemeClr val="accent1"/>
-          </a:effectRef>
-          <a:fontRef idx="minor">
-            <a:schemeClr val="lt1"/>
-          </a:fontRef>
-        </p:style>
-        <p:txBody>
-          <a:bodyPr rtlCol="0" anchor="ctr"/>
-          <a:lstStyle/>
-          <a:p>
-            <a:pPr algn="ctr"/>
-            <a:r>
-              <a:rPr lang="en-US" dirty="0"/>
-              <a:t>Text for figure 2</a:t>
-            </a:r>
-          </a:p>
-        </p:txBody>
-      </p:sp>
-      <p:sp>
-        <p:nvSpPr>
-          <p:cNvPr id="211" name="Rectangle 210"/>
-          <p:cNvSpPr/>
-          <p:nvPr/>
-        </p:nvSpPr>
-        <p:spPr>
-          <a:xfrm>
-            <a:off x="19283383" y="14185876"/>
-            <a:ext cx="11134555" cy="5040560"/>
-          </a:xfrm>
-          <a:prstGeom prst="rect">
-            <a:avLst/>
-          </a:prstGeom>
-        </p:spPr>
-        <p:style>
-          <a:lnRef idx="2">
-            <a:schemeClr val="accent1">
-              <a:shade val="50000"/>
-            </a:schemeClr>
-          </a:lnRef>
-          <a:fillRef idx="1">
-            <a:schemeClr val="accent1"/>
-          </a:fillRef>
-          <a:effectRef idx="0">
-            <a:schemeClr val="accent1"/>
-          </a:effectRef>
-          <a:fontRef idx="minor">
-            <a:schemeClr val="lt1"/>
-          </a:fontRef>
-        </p:style>
-        <p:txBody>
-          <a:bodyPr rtlCol="0" anchor="ctr"/>
-          <a:lstStyle/>
-          <a:p>
-            <a:pPr algn="ctr"/>
-            <a:r>
-              <a:rPr lang="en-US" dirty="0"/>
-              <a:t>Text for Table 1</a:t>
-            </a:r>
-          </a:p>
-        </p:txBody>
-      </p:sp>
-      <p:graphicFrame>
-        <p:nvGraphicFramePr>
-          <p:cNvPr id="5" name="Table 4"/>
-          <p:cNvGraphicFramePr>
-            <a:graphicFrameLocks noGrp="1"/>
-          </p:cNvGraphicFramePr>
-          <p:nvPr>
-            <p:extLst>
-              <p:ext uri="{D42A27DB-BD31-4B8C-83A1-F6EECF244321}">
-                <p14:modId xmlns:p14="http://schemas.microsoft.com/office/powerpoint/2010/main" val="3037819443"/>
-              </p:ext>
-            </p:extLst>
-          </p:nvPr>
-        </p:nvGraphicFramePr>
-        <p:xfrm>
-          <a:off x="19161665" y="6913068"/>
-          <a:ext cx="11420628" cy="6934200"/>
-        </p:xfrm>
-        <a:graphic>
-          <a:graphicData uri="http://schemas.openxmlformats.org/drawingml/2006/table">
-            <a:tbl>
-              <a:tblPr firstRow="1" bandRow="1">
-                <a:tableStyleId>{5C22544A-7EE6-4342-B048-85BDC9FD1C3A}</a:tableStyleId>
-              </a:tblPr>
-              <a:tblGrid>
-                <a:gridCol w="951719">
-                  <a:extLst>
-                    <a:ext uri="{9D8B030D-6E8A-4147-A177-3AD203B41FA5}">
-                      <a16:colId xmlns:a16="http://schemas.microsoft.com/office/drawing/2014/main" val="20000"/>
-                    </a:ext>
-                  </a:extLst>
-                </a:gridCol>
-                <a:gridCol w="951719">
-                  <a:extLst>
-                    <a:ext uri="{9D8B030D-6E8A-4147-A177-3AD203B41FA5}">
-                      <a16:colId xmlns:a16="http://schemas.microsoft.com/office/drawing/2014/main" val="20001"/>
-                    </a:ext>
-                  </a:extLst>
-                </a:gridCol>
-                <a:gridCol w="951719">
-                  <a:extLst>
-                    <a:ext uri="{9D8B030D-6E8A-4147-A177-3AD203B41FA5}">
-                      <a16:colId xmlns:a16="http://schemas.microsoft.com/office/drawing/2014/main" val="20002"/>
-                    </a:ext>
-                  </a:extLst>
-                </a:gridCol>
-                <a:gridCol w="951719">
-                  <a:extLst>
-                    <a:ext uri="{9D8B030D-6E8A-4147-A177-3AD203B41FA5}">
-                      <a16:colId xmlns:a16="http://schemas.microsoft.com/office/drawing/2014/main" val="20003"/>
-                    </a:ext>
-                  </a:extLst>
-                </a:gridCol>
-                <a:gridCol w="951719">
-                  <a:extLst>
-                    <a:ext uri="{9D8B030D-6E8A-4147-A177-3AD203B41FA5}">
-                      <a16:colId xmlns:a16="http://schemas.microsoft.com/office/drawing/2014/main" val="20004"/>
-                    </a:ext>
-                  </a:extLst>
-                </a:gridCol>
-                <a:gridCol w="951719">
-                  <a:extLst>
-                    <a:ext uri="{9D8B030D-6E8A-4147-A177-3AD203B41FA5}">
-                      <a16:colId xmlns:a16="http://schemas.microsoft.com/office/drawing/2014/main" val="20005"/>
-                    </a:ext>
-                  </a:extLst>
-                </a:gridCol>
-                <a:gridCol w="951719">
-                  <a:extLst>
-                    <a:ext uri="{9D8B030D-6E8A-4147-A177-3AD203B41FA5}">
-                      <a16:colId xmlns:a16="http://schemas.microsoft.com/office/drawing/2014/main" val="20006"/>
-                    </a:ext>
-                  </a:extLst>
-                </a:gridCol>
-                <a:gridCol w="951719">
-                  <a:extLst>
-                    <a:ext uri="{9D8B030D-6E8A-4147-A177-3AD203B41FA5}">
-                      <a16:colId xmlns:a16="http://schemas.microsoft.com/office/drawing/2014/main" val="20007"/>
-                    </a:ext>
-                  </a:extLst>
-                </a:gridCol>
-                <a:gridCol w="951719">
-                  <a:extLst>
-                    <a:ext uri="{9D8B030D-6E8A-4147-A177-3AD203B41FA5}">
-                      <a16:colId xmlns:a16="http://schemas.microsoft.com/office/drawing/2014/main" val="20008"/>
-                    </a:ext>
-                  </a:extLst>
-                </a:gridCol>
-                <a:gridCol w="951719">
-                  <a:extLst>
-                    <a:ext uri="{9D8B030D-6E8A-4147-A177-3AD203B41FA5}">
-                      <a16:colId xmlns:a16="http://schemas.microsoft.com/office/drawing/2014/main" val="20009"/>
-                    </a:ext>
-                  </a:extLst>
-                </a:gridCol>
-                <a:gridCol w="951719">
-                  <a:extLst>
-                    <a:ext uri="{9D8B030D-6E8A-4147-A177-3AD203B41FA5}">
-                      <a16:colId xmlns:a16="http://schemas.microsoft.com/office/drawing/2014/main" val="20010"/>
-                    </a:ext>
-                  </a:extLst>
-                </a:gridCol>
-                <a:gridCol w="951719">
-                  <a:extLst>
-                    <a:ext uri="{9D8B030D-6E8A-4147-A177-3AD203B41FA5}">
-                      <a16:colId xmlns:a16="http://schemas.microsoft.com/office/drawing/2014/main" val="20011"/>
-                    </a:ext>
-                  </a:extLst>
-                </a:gridCol>
-              </a:tblGrid>
-              <a:tr h="950506">
-                <a:tc>
-                  <a:txBody>
-                    <a:bodyPr/>
-                    <a:lstStyle/>
-                    <a:p>
-                      <a:endParaRPr lang="en-US" dirty="0"/>
-                    </a:p>
-                  </a:txBody>
-                  <a:tcPr/>
-                </a:tc>
-                <a:tc>
-                  <a:txBody>
-                    <a:bodyPr/>
-                    <a:lstStyle/>
-                    <a:p>
-                      <a:endParaRPr lang="en-US"/>
-                    </a:p>
-                  </a:txBody>
-                  <a:tcPr/>
-                </a:tc>
-                <a:tc>
-                  <a:txBody>
-                    <a:bodyPr/>
-                    <a:lstStyle/>
-                    <a:p>
-                      <a:endParaRPr lang="en-US"/>
-                    </a:p>
-                  </a:txBody>
-                  <a:tcPr/>
-                </a:tc>
-                <a:tc>
-                  <a:txBody>
-                    <a:bodyPr/>
-                    <a:lstStyle/>
-                    <a:p>
-                      <a:endParaRPr lang="en-US"/>
-                    </a:p>
-                  </a:txBody>
-                  <a:tcPr/>
-                </a:tc>
-                <a:tc>
-                  <a:txBody>
-                    <a:bodyPr/>
-                    <a:lstStyle/>
-                    <a:p>
-                      <a:endParaRPr lang="en-US"/>
-                    </a:p>
-                  </a:txBody>
-                  <a:tcPr/>
-                </a:tc>
-                <a:tc>
-                  <a:txBody>
-                    <a:bodyPr/>
-                    <a:lstStyle/>
-                    <a:p>
-                      <a:endParaRPr lang="en-US"/>
-                    </a:p>
-                  </a:txBody>
-                  <a:tcPr/>
-                </a:tc>
-                <a:tc>
-                  <a:txBody>
-                    <a:bodyPr/>
-                    <a:lstStyle/>
-                    <a:p>
-                      <a:endParaRPr lang="en-US"/>
-                    </a:p>
-                  </a:txBody>
-                  <a:tcPr/>
-                </a:tc>
-                <a:tc>
-                  <a:txBody>
-                    <a:bodyPr/>
-                    <a:lstStyle/>
-                    <a:p>
-                      <a:endParaRPr lang="en-US"/>
-                    </a:p>
-                  </a:txBody>
-                  <a:tcPr/>
-                </a:tc>
-                <a:tc>
-                  <a:txBody>
-                    <a:bodyPr/>
-                    <a:lstStyle/>
-                    <a:p>
-                      <a:endParaRPr lang="en-US"/>
-                    </a:p>
-                  </a:txBody>
-                  <a:tcPr/>
-                </a:tc>
-                <a:tc>
-                  <a:txBody>
-                    <a:bodyPr/>
-                    <a:lstStyle/>
-                    <a:p>
-                      <a:endParaRPr lang="en-US"/>
-                    </a:p>
-                  </a:txBody>
-                  <a:tcPr/>
-                </a:tc>
-                <a:tc>
-                  <a:txBody>
-                    <a:bodyPr/>
-                    <a:lstStyle/>
-                    <a:p>
-                      <a:endParaRPr lang="en-US"/>
-                    </a:p>
-                  </a:txBody>
-                  <a:tcPr/>
-                </a:tc>
-                <a:tc>
-                  <a:txBody>
-                    <a:bodyPr/>
-                    <a:lstStyle/>
-                    <a:p>
-                      <a:endParaRPr lang="en-US"/>
-                    </a:p>
-                  </a:txBody>
-                  <a:tcPr/>
-                </a:tc>
-                <a:extLst>
-                  <a:ext uri="{0D108BD9-81ED-4DB2-BD59-A6C34878D82A}">
-                    <a16:rowId xmlns:a16="http://schemas.microsoft.com/office/drawing/2014/main" val="10000"/>
-                  </a:ext>
-                </a:extLst>
-              </a:tr>
-              <a:tr h="950506">
-                <a:tc>
-                  <a:txBody>
-                    <a:bodyPr/>
-                    <a:lstStyle/>
-                    <a:p>
-                      <a:endParaRPr lang="en-US"/>
-                    </a:p>
-                  </a:txBody>
-                  <a:tcPr/>
-                </a:tc>
-                <a:tc>
-                  <a:txBody>
-                    <a:bodyPr/>
-                    <a:lstStyle/>
-                    <a:p>
-                      <a:endParaRPr lang="en-US"/>
-                    </a:p>
-                  </a:txBody>
-                  <a:tcPr/>
-                </a:tc>
-                <a:tc>
-                  <a:txBody>
-                    <a:bodyPr/>
-                    <a:lstStyle/>
-                    <a:p>
-                      <a:endParaRPr lang="en-US"/>
-                    </a:p>
-                  </a:txBody>
-                  <a:tcPr/>
-                </a:tc>
-                <a:tc>
-                  <a:txBody>
-                    <a:bodyPr/>
-                    <a:lstStyle/>
-                    <a:p>
-                      <a:endParaRPr lang="en-US"/>
-                    </a:p>
-                  </a:txBody>
-                  <a:tcPr/>
-                </a:tc>
-                <a:tc>
-                  <a:txBody>
-                    <a:bodyPr/>
-                    <a:lstStyle/>
-                    <a:p>
-                      <a:endParaRPr lang="en-US"/>
-                    </a:p>
-                  </a:txBody>
-                  <a:tcPr/>
-                </a:tc>
-                <a:tc>
-                  <a:txBody>
-                    <a:bodyPr/>
-                    <a:lstStyle/>
-                    <a:p>
-                      <a:endParaRPr lang="en-US"/>
-                    </a:p>
-                  </a:txBody>
-                  <a:tcPr/>
-                </a:tc>
-                <a:tc>
-                  <a:txBody>
-                    <a:bodyPr/>
-                    <a:lstStyle/>
-                    <a:p>
-                      <a:endParaRPr lang="en-US"/>
-                    </a:p>
-                  </a:txBody>
-                  <a:tcPr/>
-                </a:tc>
-                <a:tc>
-                  <a:txBody>
-                    <a:bodyPr/>
-                    <a:lstStyle/>
-                    <a:p>
-                      <a:endParaRPr lang="en-US"/>
-                    </a:p>
-                  </a:txBody>
-                  <a:tcPr/>
-                </a:tc>
-                <a:tc>
-                  <a:txBody>
-                    <a:bodyPr/>
-                    <a:lstStyle/>
-                    <a:p>
-                      <a:endParaRPr lang="en-US"/>
-                    </a:p>
-                  </a:txBody>
-                  <a:tcPr/>
-                </a:tc>
-                <a:tc>
-                  <a:txBody>
-                    <a:bodyPr/>
-                    <a:lstStyle/>
-                    <a:p>
-                      <a:endParaRPr lang="en-US"/>
-                    </a:p>
-                  </a:txBody>
-                  <a:tcPr/>
-                </a:tc>
-                <a:tc>
-                  <a:txBody>
-                    <a:bodyPr/>
-                    <a:lstStyle/>
-                    <a:p>
-                      <a:endParaRPr lang="en-US"/>
-                    </a:p>
-                  </a:txBody>
-                  <a:tcPr/>
-                </a:tc>
-                <a:tc>
-                  <a:txBody>
-                    <a:bodyPr/>
-                    <a:lstStyle/>
-                    <a:p>
-                      <a:endParaRPr lang="en-US"/>
-                    </a:p>
-                  </a:txBody>
-                  <a:tcPr/>
-                </a:tc>
-                <a:extLst>
-                  <a:ext uri="{0D108BD9-81ED-4DB2-BD59-A6C34878D82A}">
-                    <a16:rowId xmlns:a16="http://schemas.microsoft.com/office/drawing/2014/main" val="10001"/>
-                  </a:ext>
-                </a:extLst>
-              </a:tr>
-              <a:tr h="950506">
-                <a:tc>
-                  <a:txBody>
-                    <a:bodyPr/>
-                    <a:lstStyle/>
-                    <a:p>
-                      <a:endParaRPr lang="en-US"/>
-                    </a:p>
-                  </a:txBody>
-                  <a:tcPr/>
-                </a:tc>
-                <a:tc>
-                  <a:txBody>
-                    <a:bodyPr/>
-                    <a:lstStyle/>
-                    <a:p>
-                      <a:endParaRPr lang="en-US"/>
-                    </a:p>
-                  </a:txBody>
-                  <a:tcPr/>
-                </a:tc>
-                <a:tc>
-                  <a:txBody>
-                    <a:bodyPr/>
-                    <a:lstStyle/>
-                    <a:p>
-                      <a:endParaRPr lang="en-US"/>
-                    </a:p>
-                  </a:txBody>
-                  <a:tcPr/>
-                </a:tc>
-                <a:tc>
-                  <a:txBody>
-                    <a:bodyPr/>
-                    <a:lstStyle/>
-                    <a:p>
-                      <a:endParaRPr lang="en-US"/>
-                    </a:p>
-                  </a:txBody>
-                  <a:tcPr/>
-                </a:tc>
-                <a:tc>
-                  <a:txBody>
-                    <a:bodyPr/>
-                    <a:lstStyle/>
-                    <a:p>
-                      <a:endParaRPr lang="en-US"/>
-                    </a:p>
-                  </a:txBody>
-                  <a:tcPr/>
-                </a:tc>
-                <a:tc>
-                  <a:txBody>
-                    <a:bodyPr/>
-                    <a:lstStyle/>
-                    <a:p>
-                      <a:endParaRPr lang="en-US"/>
-                    </a:p>
-                  </a:txBody>
-                  <a:tcPr/>
-                </a:tc>
-                <a:tc>
-                  <a:txBody>
-                    <a:bodyPr/>
-                    <a:lstStyle/>
-                    <a:p>
-                      <a:endParaRPr lang="en-US"/>
-                    </a:p>
-                  </a:txBody>
-                  <a:tcPr/>
-                </a:tc>
-                <a:tc>
-                  <a:txBody>
-                    <a:bodyPr/>
-                    <a:lstStyle/>
-                    <a:p>
-                      <a:endParaRPr lang="en-US"/>
-                    </a:p>
-                  </a:txBody>
-                  <a:tcPr/>
-                </a:tc>
-                <a:tc>
-                  <a:txBody>
-                    <a:bodyPr/>
-                    <a:lstStyle/>
-                    <a:p>
-                      <a:endParaRPr lang="en-US"/>
-                    </a:p>
-                  </a:txBody>
-                  <a:tcPr/>
-                </a:tc>
-                <a:tc>
-                  <a:txBody>
-                    <a:bodyPr/>
-                    <a:lstStyle/>
-                    <a:p>
-                      <a:endParaRPr lang="en-US"/>
-                    </a:p>
-                  </a:txBody>
-                  <a:tcPr/>
-                </a:tc>
-                <a:tc>
-                  <a:txBody>
-                    <a:bodyPr/>
-                    <a:lstStyle/>
-                    <a:p>
-                      <a:endParaRPr lang="en-US"/>
-                    </a:p>
-                  </a:txBody>
-                  <a:tcPr/>
-                </a:tc>
-                <a:tc>
-                  <a:txBody>
-                    <a:bodyPr/>
-                    <a:lstStyle/>
-                    <a:p>
-                      <a:endParaRPr lang="en-US"/>
-                    </a:p>
-                  </a:txBody>
-                  <a:tcPr/>
-                </a:tc>
-                <a:extLst>
-                  <a:ext uri="{0D108BD9-81ED-4DB2-BD59-A6C34878D82A}">
-                    <a16:rowId xmlns:a16="http://schemas.microsoft.com/office/drawing/2014/main" val="10002"/>
-                  </a:ext>
-                </a:extLst>
-              </a:tr>
-              <a:tr h="950506">
-                <a:tc>
-                  <a:txBody>
-                    <a:bodyPr/>
-                    <a:lstStyle/>
-                    <a:p>
-                      <a:endParaRPr lang="en-US"/>
-                    </a:p>
-                  </a:txBody>
-                  <a:tcPr/>
-                </a:tc>
-                <a:tc>
-                  <a:txBody>
-                    <a:bodyPr/>
-                    <a:lstStyle/>
-                    <a:p>
-                      <a:endParaRPr lang="en-US"/>
-                    </a:p>
-                  </a:txBody>
-                  <a:tcPr/>
-                </a:tc>
-                <a:tc>
-                  <a:txBody>
-                    <a:bodyPr/>
-                    <a:lstStyle/>
-                    <a:p>
-                      <a:endParaRPr lang="en-US"/>
-                    </a:p>
-                  </a:txBody>
-                  <a:tcPr/>
-                </a:tc>
-                <a:tc>
-                  <a:txBody>
-                    <a:bodyPr/>
-                    <a:lstStyle/>
-                    <a:p>
-                      <a:endParaRPr lang="en-US"/>
-                    </a:p>
-                  </a:txBody>
-                  <a:tcPr/>
-                </a:tc>
-                <a:tc>
-                  <a:txBody>
-                    <a:bodyPr/>
-                    <a:lstStyle/>
-                    <a:p>
-                      <a:endParaRPr lang="en-US"/>
-                    </a:p>
-                  </a:txBody>
-                  <a:tcPr/>
-                </a:tc>
-                <a:tc>
-                  <a:txBody>
-                    <a:bodyPr/>
-                    <a:lstStyle/>
-                    <a:p>
-                      <a:endParaRPr lang="en-US"/>
-                    </a:p>
-                  </a:txBody>
-                  <a:tcPr/>
-                </a:tc>
-                <a:tc>
-                  <a:txBody>
-                    <a:bodyPr/>
-                    <a:lstStyle/>
-                    <a:p>
-                      <a:endParaRPr lang="en-US"/>
-                    </a:p>
-                  </a:txBody>
-                  <a:tcPr/>
-                </a:tc>
-                <a:tc>
-                  <a:txBody>
-                    <a:bodyPr/>
-                    <a:lstStyle/>
-                    <a:p>
-                      <a:endParaRPr lang="en-US"/>
-                    </a:p>
-                  </a:txBody>
-                  <a:tcPr/>
-                </a:tc>
-                <a:tc>
-                  <a:txBody>
-                    <a:bodyPr/>
-                    <a:lstStyle/>
-                    <a:p>
-                      <a:endParaRPr lang="en-US"/>
-                    </a:p>
-                  </a:txBody>
-                  <a:tcPr/>
-                </a:tc>
-                <a:tc>
-                  <a:txBody>
-                    <a:bodyPr/>
-                    <a:lstStyle/>
-                    <a:p>
-                      <a:endParaRPr lang="en-US"/>
-                    </a:p>
-                  </a:txBody>
-                  <a:tcPr/>
-                </a:tc>
-                <a:tc>
-                  <a:txBody>
-                    <a:bodyPr/>
-                    <a:lstStyle/>
-                    <a:p>
-                      <a:endParaRPr lang="en-US"/>
-                    </a:p>
-                  </a:txBody>
-                  <a:tcPr/>
-                </a:tc>
-                <a:tc>
-                  <a:txBody>
-                    <a:bodyPr/>
-                    <a:lstStyle/>
-                    <a:p>
-                      <a:endParaRPr lang="en-US"/>
-                    </a:p>
-                  </a:txBody>
-                  <a:tcPr/>
-                </a:tc>
-                <a:extLst>
-                  <a:ext uri="{0D108BD9-81ED-4DB2-BD59-A6C34878D82A}">
-                    <a16:rowId xmlns:a16="http://schemas.microsoft.com/office/drawing/2014/main" val="10003"/>
-                  </a:ext>
-                </a:extLst>
-              </a:tr>
-              <a:tr h="950506">
-                <a:tc>
-                  <a:txBody>
-                    <a:bodyPr/>
-                    <a:lstStyle/>
-                    <a:p>
-                      <a:endParaRPr lang="en-US"/>
-                    </a:p>
-                  </a:txBody>
-                  <a:tcPr/>
-                </a:tc>
-                <a:tc>
-                  <a:txBody>
-                    <a:bodyPr/>
-                    <a:lstStyle/>
-                    <a:p>
-                      <a:endParaRPr lang="en-US"/>
-                    </a:p>
-                  </a:txBody>
-                  <a:tcPr/>
-                </a:tc>
-                <a:tc>
-                  <a:txBody>
-                    <a:bodyPr/>
-                    <a:lstStyle/>
-                    <a:p>
-                      <a:endParaRPr lang="en-US"/>
-                    </a:p>
-                  </a:txBody>
-                  <a:tcPr/>
-                </a:tc>
-                <a:tc>
-                  <a:txBody>
-                    <a:bodyPr/>
-                    <a:lstStyle/>
-                    <a:p>
-                      <a:endParaRPr lang="en-US"/>
-                    </a:p>
-                  </a:txBody>
-                  <a:tcPr/>
-                </a:tc>
-                <a:tc>
-                  <a:txBody>
-                    <a:bodyPr/>
-                    <a:lstStyle/>
-                    <a:p>
-                      <a:endParaRPr lang="en-US"/>
-                    </a:p>
-                  </a:txBody>
-                  <a:tcPr/>
-                </a:tc>
-                <a:tc>
-                  <a:txBody>
-                    <a:bodyPr/>
-                    <a:lstStyle/>
-                    <a:p>
-                      <a:endParaRPr lang="en-US"/>
-                    </a:p>
-                  </a:txBody>
-                  <a:tcPr/>
-                </a:tc>
-                <a:tc>
-                  <a:txBody>
-                    <a:bodyPr/>
-                    <a:lstStyle/>
-                    <a:p>
-                      <a:endParaRPr lang="en-US"/>
-                    </a:p>
-                  </a:txBody>
-                  <a:tcPr/>
-                </a:tc>
-                <a:tc>
-                  <a:txBody>
-                    <a:bodyPr/>
-                    <a:lstStyle/>
-                    <a:p>
-                      <a:endParaRPr lang="en-US"/>
-                    </a:p>
-                  </a:txBody>
-                  <a:tcPr/>
-                </a:tc>
-                <a:tc>
-                  <a:txBody>
-                    <a:bodyPr/>
-                    <a:lstStyle/>
-                    <a:p>
-                      <a:endParaRPr lang="en-US"/>
-                    </a:p>
-                  </a:txBody>
-                  <a:tcPr/>
-                </a:tc>
-                <a:tc>
-                  <a:txBody>
-                    <a:bodyPr/>
-                    <a:lstStyle/>
-                    <a:p>
-                      <a:endParaRPr lang="en-US"/>
-                    </a:p>
-                  </a:txBody>
-                  <a:tcPr/>
-                </a:tc>
-                <a:tc>
-                  <a:txBody>
-                    <a:bodyPr/>
-                    <a:lstStyle/>
-                    <a:p>
-                      <a:endParaRPr lang="en-US"/>
-                    </a:p>
-                  </a:txBody>
-                  <a:tcPr/>
-                </a:tc>
-                <a:tc>
-                  <a:txBody>
-                    <a:bodyPr/>
-                    <a:lstStyle/>
-                    <a:p>
-                      <a:endParaRPr lang="en-US" dirty="0"/>
-                    </a:p>
-                  </a:txBody>
-                  <a:tcPr/>
-                </a:tc>
-                <a:extLst>
-                  <a:ext uri="{0D108BD9-81ED-4DB2-BD59-A6C34878D82A}">
-                    <a16:rowId xmlns:a16="http://schemas.microsoft.com/office/drawing/2014/main" val="10004"/>
-                  </a:ext>
-                </a:extLst>
-              </a:tr>
-            </a:tbl>
-          </a:graphicData>
-        </a:graphic>
-      </p:graphicFrame>
-      <p:graphicFrame>
-        <p:nvGraphicFramePr>
-          <p:cNvPr id="237" name="Object 236"/>
-          <p:cNvGraphicFramePr>
-            <a:graphicFrameLocks noChangeAspect="1"/>
-          </p:cNvGraphicFramePr>
-          <p:nvPr>
-            <p:extLst>
-              <p:ext uri="{D42A27DB-BD31-4B8C-83A1-F6EECF244321}">
-                <p14:modId xmlns:p14="http://schemas.microsoft.com/office/powerpoint/2010/main" val="1567003672"/>
-              </p:ext>
-            </p:extLst>
-          </p:nvPr>
-        </p:nvGraphicFramePr>
-        <p:xfrm>
-          <a:off x="20173971" y="19554713"/>
-          <a:ext cx="4367212" cy="3995978"/>
-        </p:xfrm>
-        <a:graphic>
-          <a:graphicData uri="http://schemas.openxmlformats.org/presentationml/2006/ole">
-            <mc:AlternateContent xmlns:mc="http://schemas.openxmlformats.org/markup-compatibility/2006">
-              <mc:Choice xmlns:v="urn:schemas-microsoft-com:vml" Requires="v">
-                <p:oleObj spid="_x0000_s1037" name="Bitmap Image" r:id="rId6" imgW="5458587" imgH="5200000" progId="PBrush">
-                  <p:embed/>
-                </p:oleObj>
-              </mc:Choice>
-              <mc:Fallback>
-                <p:oleObj name="Bitmap Image" r:id="rId6" imgW="5458587" imgH="5200000" progId="PBrush">
-                  <p:embed/>
-                  <p:pic>
-                    <p:nvPicPr>
-                      <p:cNvPr id="0" name="Picture 5"/>
-                      <p:cNvPicPr>
-                        <a:picLocks noChangeAspect="1" noChangeArrowheads="1"/>
-                      </p:cNvPicPr>
-                      <p:nvPr/>
-                    </p:nvPicPr>
-                    <p:blipFill>
-                      <a:blip r:embed="rId7">
-                        <a:extLst>
-                          <a:ext uri="{28A0092B-C50C-407E-A947-70E740481C1C}">
-                            <a14:useLocalDpi xmlns:a14="http://schemas.microsoft.com/office/drawing/2010/main" val="0"/>
-                          </a:ext>
-                        </a:extLst>
-                      </a:blip>
-                      <a:srcRect/>
-                      <a:stretch>
-                        <a:fillRect/>
-                      </a:stretch>
-                    </p:blipFill>
-                    <p:spPr bwMode="auto">
-                      <a:xfrm>
-                        <a:off x="20173971" y="19554713"/>
-                        <a:ext cx="4367212" cy="3995978"/>
-                      </a:xfrm>
-                      <a:prstGeom prst="rect">
-                        <a:avLst/>
-                      </a:prstGeom>
-                      <a:noFill/>
-                      <a:extLst>
-                        <a:ext uri="{909E8E84-426E-40DD-AFC4-6F175D3DCCD1}">
-                          <a14:hiddenFill xmlns:a14="http://schemas.microsoft.com/office/drawing/2010/main">
-                            <a:solidFill>
-                              <a:srgbClr val="FFFFFF"/>
-                            </a:solidFill>
-                          </a14:hiddenFill>
-                        </a:ext>
-                      </a:extLst>
-                    </p:spPr>
-                  </p:pic>
-                </p:oleObj>
-              </mc:Fallback>
-            </mc:AlternateContent>
-          </a:graphicData>
-        </a:graphic>
-      </p:graphicFrame>
-      <p:sp>
-        <p:nvSpPr>
-          <p:cNvPr id="241" name="Rectangle 240"/>
-          <p:cNvSpPr/>
-          <p:nvPr/>
-        </p:nvSpPr>
-        <p:spPr>
-          <a:xfrm>
-            <a:off x="19147715" y="19614396"/>
-            <a:ext cx="807074" cy="666572"/>
-          </a:xfrm>
-          <a:prstGeom prst="rect">
-            <a:avLst/>
-          </a:prstGeom>
-        </p:spPr>
-        <p:style>
-          <a:lnRef idx="2">
-            <a:schemeClr val="accent1">
-              <a:shade val="50000"/>
-            </a:schemeClr>
-          </a:lnRef>
-          <a:fillRef idx="1">
-            <a:schemeClr val="accent1"/>
-          </a:fillRef>
-          <a:effectRef idx="0">
-            <a:schemeClr val="accent1"/>
-          </a:effectRef>
-          <a:fontRef idx="minor">
-            <a:schemeClr val="lt1"/>
-          </a:fontRef>
-        </p:style>
-        <p:txBody>
-          <a:bodyPr rtlCol="0" anchor="ctr"/>
-          <a:lstStyle/>
-          <a:p>
-            <a:pPr algn="ctr"/>
-            <a:r>
-              <a:rPr lang="en-US" sz="4000" dirty="0"/>
-              <a:t>A</a:t>
-            </a:r>
-          </a:p>
-        </p:txBody>
-      </p:sp>
-      <p:sp>
-        <p:nvSpPr>
-          <p:cNvPr id="243" name="Rectangle 242"/>
-          <p:cNvSpPr/>
-          <p:nvPr/>
-        </p:nvSpPr>
-        <p:spPr>
-          <a:xfrm>
-            <a:off x="24850660" y="19614396"/>
-            <a:ext cx="640396" cy="666572"/>
-          </a:xfrm>
-          <a:prstGeom prst="rect">
-            <a:avLst/>
-          </a:prstGeom>
-        </p:spPr>
-        <p:style>
-          <a:lnRef idx="2">
-            <a:schemeClr val="accent1">
-              <a:shade val="50000"/>
-            </a:schemeClr>
-          </a:lnRef>
-          <a:fillRef idx="1">
-            <a:schemeClr val="accent1"/>
-          </a:fillRef>
-          <a:effectRef idx="0">
-            <a:schemeClr val="accent1"/>
-          </a:effectRef>
-          <a:fontRef idx="minor">
-            <a:schemeClr val="lt1"/>
-          </a:fontRef>
-        </p:style>
-        <p:txBody>
-          <a:bodyPr rtlCol="0" anchor="ctr"/>
-          <a:lstStyle/>
-          <a:p>
-            <a:pPr algn="ctr"/>
-            <a:r>
-              <a:rPr lang="en-US" sz="4000" dirty="0"/>
-              <a:t>B</a:t>
             </a:r>
           </a:p>
         </p:txBody>
@@ -5647,8 +4071,8 @@
         </p:nvSpPr>
         <p:spPr>
           <a:xfrm>
-            <a:off x="1841155" y="6255160"/>
-            <a:ext cx="13249472" cy="7848302"/>
+            <a:off x="1080345" y="5976964"/>
+            <a:ext cx="14761640" cy="7940635"/>
           </a:xfrm>
           <a:prstGeom prst="rect">
             <a:avLst/>
@@ -5666,11 +4090,11 @@
               <a:buChar char="•"/>
             </a:pPr>
             <a:r>
-              <a:rPr lang="en-US" sz="3600" b="1" dirty="0"/>
+              <a:rPr lang="en-US" sz="3400" b="1" dirty="0"/>
               <a:t>Apoptosis </a:t>
             </a:r>
             <a:r>
-              <a:rPr lang="en-US" sz="3600" dirty="0"/>
+              <a:rPr lang="en-US" sz="3400" dirty="0"/>
               <a:t>is a form of programmed cell death that occurs in multicellular organisms</a:t>
             </a:r>
           </a:p>
@@ -5680,7 +4104,7 @@
               <a:buChar char="•"/>
             </a:pPr>
             <a:r>
-              <a:rPr lang="en-US" sz="3600" dirty="0"/>
+              <a:rPr lang="en-US" sz="3400" dirty="0"/>
               <a:t>Two activation mechanisms – intrinsic pathway and extrinsic pathway</a:t>
             </a:r>
           </a:p>
@@ -5690,8 +4114,20 @@
               <a:buChar char="•"/>
             </a:pPr>
             <a:r>
-              <a:rPr lang="en-US" sz="3600" dirty="0"/>
-              <a:t>Negative regulation of apoptosis inhibits cell death signaling pathways, helping tumors to evade cell death</a:t>
+              <a:rPr lang="en-US" sz="3400" dirty="0"/>
+              <a:t>Negative regulation of apoptosis inhibits</a:t>
+            </a:r>
+          </a:p>
+          <a:p>
+            <a:r>
+              <a:rPr lang="en-US" sz="3400" dirty="0"/>
+              <a:t>       cell death signaling pathways, helping</a:t>
+            </a:r>
+          </a:p>
+          <a:p>
+            <a:r>
+              <a:rPr lang="en-US" sz="3400" dirty="0"/>
+              <a:t>       tumors to evade cell death</a:t>
             </a:r>
           </a:p>
           <a:p>
@@ -5700,21 +4136,9 @@
               <a:buChar char="•"/>
             </a:pPr>
             <a:r>
-              <a:rPr lang="en-US" sz="3600" dirty="0"/>
+              <a:rPr lang="en-US" sz="3400" dirty="0"/>
               <a:t>Apoptotic cell disassembly – before the cell is disposed of, there is a process of disassembly</a:t>
             </a:r>
-          </a:p>
-          <a:p>
-            <a:endParaRPr lang="en-US" sz="3600" dirty="0"/>
-          </a:p>
-          <a:p>
-            <a:endParaRPr lang="en-US" sz="3600" dirty="0"/>
-          </a:p>
-          <a:p>
-            <a:endParaRPr lang="en-US" sz="3600" dirty="0"/>
-          </a:p>
-          <a:p>
-            <a:endParaRPr lang="en-US" sz="3600" dirty="0"/>
           </a:p>
           <a:p>
             <a:pPr marL="685800" indent="-685800">
@@ -5722,10 +4146,110 @@
               <a:buChar char="•"/>
             </a:pPr>
             <a:r>
-              <a:rPr lang="en-US" sz="3600" dirty="0"/>
+              <a:rPr lang="en-US" sz="3400" dirty="0"/>
               <a:t>Identification of targets for apoptosis induction is important to provide novel therapeutic approaches in breast cancer</a:t>
             </a:r>
-            <a:endParaRPr lang="en-IL" sz="1800" dirty="0"/>
+          </a:p>
+          <a:p>
+            <a:pPr marL="685800" indent="-685800">
+              <a:buFont typeface="Arial" panose="020B0604020202020204" pitchFamily="34" charset="0"/>
+              <a:buChar char="•"/>
+            </a:pPr>
+            <a:endParaRPr lang="en-US" sz="3400" dirty="0"/>
+          </a:p>
+          <a:p>
+            <a:pPr marL="685800" indent="-685800">
+              <a:buFont typeface="Arial" panose="020B0604020202020204" pitchFamily="34" charset="0"/>
+              <a:buChar char="•"/>
+            </a:pPr>
+            <a:r>
+              <a:rPr lang="en-US" sz="3400" dirty="0">
+                <a:solidFill>
+                  <a:srgbClr val="FF0000"/>
+                </a:solidFill>
+              </a:rPr>
+              <a:t>TODO: introduce PKCD treatment and</a:t>
+            </a:r>
+          </a:p>
+          <a:p>
+            <a:r>
+              <a:rPr lang="en-US" sz="3400" dirty="0">
+                <a:solidFill>
+                  <a:srgbClr val="FF0000"/>
+                </a:solidFill>
+              </a:rPr>
+              <a:t>       sample types</a:t>
+            </a:r>
+          </a:p>
+          <a:p>
+            <a:r>
+              <a:rPr lang="en-US" sz="3400" b="1" dirty="0">
+                <a:solidFill>
+                  <a:srgbClr val="FF0000"/>
+                </a:solidFill>
+              </a:rPr>
+              <a:t>ALSO: do we really need to introduce apoptosis in detail? I mean we wouldn’t want to be asked about it so maybe better to not elaborate… </a:t>
+            </a:r>
+            <a:endParaRPr lang="en-IL" sz="3400" b="1" dirty="0">
+              <a:solidFill>
+                <a:srgbClr val="FF0000"/>
+              </a:solidFill>
+            </a:endParaRPr>
+          </a:p>
+        </p:txBody>
+      </p:sp>
+      <p:sp>
+        <p:nvSpPr>
+          <p:cNvPr id="31" name="TextBox 30">
+            <a:extLst>
+              <a:ext uri="{FF2B5EF4-FFF2-40B4-BE49-F238E27FC236}">
+                <a16:creationId xmlns:a16="http://schemas.microsoft.com/office/drawing/2014/main" id="{20EE0A04-D7A1-4886-A7D2-E94F75BD8CD9}"/>
+              </a:ext>
+            </a:extLst>
+          </p:cNvPr>
+          <p:cNvSpPr txBox="1"/>
+          <p:nvPr/>
+        </p:nvSpPr>
+        <p:spPr>
+          <a:xfrm>
+            <a:off x="792313" y="15698044"/>
+            <a:ext cx="15409712" cy="3231654"/>
+          </a:xfrm>
+          <a:prstGeom prst="rect">
+            <a:avLst/>
+          </a:prstGeom>
+          <a:noFill/>
+        </p:spPr>
+        <p:txBody>
+          <a:bodyPr wrap="square" rtlCol="0">
+            <a:spAutoFit/>
+          </a:bodyPr>
+          <a:lstStyle/>
+          <a:p>
+            <a:pPr marL="285750" indent="-285750">
+              <a:buFont typeface="Arial" panose="020B0604020202020204" pitchFamily="34" charset="0"/>
+              <a:buChar char="•"/>
+            </a:pPr>
+            <a:r>
+              <a:rPr lang="en-US" sz="3400" dirty="0"/>
+              <a:t>Compare between different methods of supervised and unsupervised approaches of classifying gene expression.</a:t>
+            </a:r>
+          </a:p>
+          <a:p>
+            <a:pPr marL="285750" indent="-285750">
+              <a:buFont typeface="Arial" panose="020B0604020202020204" pitchFamily="34" charset="0"/>
+              <a:buChar char="•"/>
+            </a:pPr>
+            <a:r>
+              <a:rPr lang="en-US" sz="3400" dirty="0"/>
+              <a:t>Be able to classify whether a gene is related to apoptosis based on its expression levels in different cells, with and without treatment.</a:t>
+            </a:r>
+          </a:p>
+          <a:p>
+            <a:r>
+              <a:rPr lang="en-US" sz="3400" dirty="0"/>
+              <a:t>   In order to train the classifier we’ll use a dataset with genes as the rows (“samples”) and cell-line samples as the features. The output will be TRUE or FALSE.</a:t>
+            </a:r>
           </a:p>
         </p:txBody>
       </p:sp>
@@ -5744,14 +4268,14 @@
           <p:nvPr/>
         </p:nvPicPr>
         <p:blipFill>
-          <a:blip r:embed="rId8"/>
+          <a:blip r:embed="rId3"/>
           <a:stretch>
             <a:fillRect/>
           </a:stretch>
         </p:blipFill>
         <p:spPr>
           <a:xfrm>
-            <a:off x="8503641" y="10464514"/>
+            <a:off x="9750046" y="10866740"/>
             <a:ext cx="6068999" cy="2281201"/>
           </a:xfrm>
           <a:prstGeom prst="rect">
@@ -5761,10 +4285,10 @@
       </p:pic>
       <p:sp>
         <p:nvSpPr>
-          <p:cNvPr id="31" name="TextBox 30">
+          <p:cNvPr id="37" name="TextBox 36">
             <a:extLst>
               <a:ext uri="{FF2B5EF4-FFF2-40B4-BE49-F238E27FC236}">
-                <a16:creationId xmlns:a16="http://schemas.microsoft.com/office/drawing/2014/main" id="{20EE0A04-D7A1-4886-A7D2-E94F75BD8CD9}"/>
+                <a16:creationId xmlns:a16="http://schemas.microsoft.com/office/drawing/2014/main" id="{F92EC576-90EE-4208-A83B-5BE276CEA082}"/>
               </a:ext>
             </a:extLst>
           </p:cNvPr>
@@ -5773,8 +4297,8 @@
         </p:nvSpPr>
         <p:spPr>
           <a:xfrm>
-            <a:off x="1552474" y="16431150"/>
-            <a:ext cx="13249472" cy="2308324"/>
+            <a:off x="1080345" y="20882620"/>
+            <a:ext cx="15193688" cy="19974699"/>
           </a:xfrm>
           <a:prstGeom prst="rect">
             <a:avLst/>
@@ -5792,8 +4316,12 @@
               <a:buChar char="•"/>
             </a:pPr>
             <a:r>
-              <a:rPr lang="en-US" sz="3600" dirty="0"/>
-              <a:t>Compare between different methods of supervised and unsupervised approaches of classifying gene expression</a:t>
+              <a:rPr lang="en-US" sz="3400" b="1" u="sng" dirty="0"/>
+              <a:t>GEO</a:t>
+            </a:r>
+            <a:r>
+              <a:rPr lang="en-US" sz="3400" dirty="0"/>
+              <a:t> – public genomics data repository</a:t>
             </a:r>
           </a:p>
           <a:p>
@@ -5802,19 +4330,404 @@
               <a:buChar char="•"/>
             </a:pPr>
             <a:r>
-              <a:rPr lang="en-US" sz="3600" dirty="0"/>
-              <a:t>Be able to classify whether a gene is related to apoptosis based on 4-12 samples.</a:t>
-            </a:r>
-            <a:endParaRPr lang="en-IL" sz="3600" dirty="0"/>
-          </a:p>
-        </p:txBody>
-      </p:sp>
-      <p:sp>
-        <p:nvSpPr>
-          <p:cNvPr id="32" name="TextBox 31">
+              <a:rPr lang="en-US" sz="3400" b="1" u="sng" dirty="0" err="1"/>
+              <a:t>AmiGo</a:t>
+            </a:r>
+            <a:r>
+              <a:rPr lang="en-US" sz="3400" dirty="0"/>
+              <a:t> – Web-based set of tools for searching and browsing the gene ontology database. We used it to obtain a list of GO terms associated with apoptosis.</a:t>
+            </a:r>
+          </a:p>
+          <a:p>
+            <a:pPr marL="285750" indent="-285750">
+              <a:buFont typeface="Arial" panose="020B0604020202020204" pitchFamily="34" charset="0"/>
+              <a:buChar char="•"/>
+            </a:pPr>
+            <a:r>
+              <a:rPr lang="en-US" sz="3400" b="1" u="sng" dirty="0" err="1"/>
+              <a:t>Scikit</a:t>
+            </a:r>
+            <a:r>
+              <a:rPr lang="en-US" sz="3400" b="1" u="sng" dirty="0"/>
+              <a:t>-learn</a:t>
+            </a:r>
+            <a:r>
+              <a:rPr lang="en-US" sz="3400" dirty="0"/>
+              <a:t> – Python library for machine learning</a:t>
+            </a:r>
+            <a:endParaRPr lang="en-US" sz="3400" b="1" u="sng" dirty="0"/>
+          </a:p>
+          <a:p>
+            <a:endParaRPr lang="en-US" sz="3400" dirty="0"/>
+          </a:p>
+          <a:p>
+            <a:r>
+              <a:rPr lang="en-US" sz="3400" dirty="0">
+                <a:ln w="0"/>
+                <a:solidFill>
+                  <a:schemeClr val="accent4">
+                    <a:lumMod val="75000"/>
+                  </a:schemeClr>
+                </a:solidFill>
+                <a:effectLst>
+                  <a:outerShdw blurRad="38100" dist="25400" dir="5400000" algn="ctr" rotWithShape="0">
+                    <a:srgbClr val="6E747A">
+                      <a:alpha val="43000"/>
+                    </a:srgbClr>
+                  </a:outerShdw>
+                </a:effectLst>
+              </a:rPr>
+              <a:t>Building the dataset</a:t>
+            </a:r>
+            <a:endParaRPr lang="en-US" sz="3400" dirty="0"/>
+          </a:p>
+          <a:p>
+            <a:pPr marL="571500" indent="-571500">
+              <a:buFont typeface="Arial" panose="020B0604020202020204" pitchFamily="34" charset="0"/>
+              <a:buChar char="•"/>
+            </a:pPr>
+            <a:r>
+              <a:rPr lang="en-US" sz="3400" dirty="0"/>
+              <a:t>Uniting all probes that belong to the same gene by calculating expression means.</a:t>
+            </a:r>
+          </a:p>
+          <a:p>
+            <a:pPr marL="571500" indent="-571500">
+              <a:buFont typeface="Arial" panose="020B0604020202020204" pitchFamily="34" charset="0"/>
+              <a:buChar char="•"/>
+            </a:pPr>
+            <a:r>
+              <a:rPr lang="en-US" sz="3400" dirty="0"/>
+              <a:t>Labeling the data using process GO term: label ‘TRUE’ for genes associated with apoptosis GO terms and label ‘FALSE’ otherwise.</a:t>
+            </a:r>
+          </a:p>
+          <a:p>
+            <a:pPr marL="571500" indent="-571500">
+              <a:buFont typeface="Arial" panose="020B0604020202020204" pitchFamily="34" charset="0"/>
+              <a:buChar char="•"/>
+            </a:pPr>
+            <a:r>
+              <a:rPr lang="en-US" sz="3400" dirty="0"/>
+              <a:t>10.74% of genes are labeled ‘TRUE’ in the initial dataset.</a:t>
+            </a:r>
+          </a:p>
+          <a:p>
+            <a:endParaRPr lang="en-US" sz="3400" dirty="0"/>
+          </a:p>
+          <a:p>
+            <a:r>
+              <a:rPr lang="en-US" sz="3400" dirty="0">
+                <a:ln w="0"/>
+                <a:solidFill>
+                  <a:schemeClr val="accent4">
+                    <a:lumMod val="75000"/>
+                  </a:schemeClr>
+                </a:solidFill>
+                <a:effectLst>
+                  <a:outerShdw blurRad="38100" dist="25400" dir="5400000" algn="ctr" rotWithShape="0">
+                    <a:srgbClr val="6E747A">
+                      <a:alpha val="43000"/>
+                    </a:srgbClr>
+                  </a:outerShdw>
+                </a:effectLst>
+              </a:rPr>
+              <a:t>Scoring methods - classifying</a:t>
+            </a:r>
+            <a:endParaRPr lang="en-US" sz="3400" dirty="0"/>
+          </a:p>
+          <a:p>
+            <a:pPr marL="571500" indent="-571500">
+              <a:buFont typeface="Arial" panose="020B0604020202020204" pitchFamily="34" charset="0"/>
+              <a:buChar char="•"/>
+            </a:pPr>
+            <a:r>
+              <a:rPr lang="en-US" sz="3400" dirty="0"/>
+              <a:t>Accuracy: percent of genes correctly classified.</a:t>
+            </a:r>
+          </a:p>
+          <a:p>
+            <a:pPr marL="571500" indent="-571500">
+              <a:buFont typeface="Arial" panose="020B0604020202020204" pitchFamily="34" charset="0"/>
+              <a:buChar char="•"/>
+            </a:pPr>
+            <a:r>
+              <a:rPr lang="en-US" sz="3400" dirty="0"/>
+              <a:t>Precision: the fraction of true positives out of all genes classified as ‘true’.</a:t>
+            </a:r>
+          </a:p>
+          <a:p>
+            <a:pPr marL="571500" indent="-571500">
+              <a:buFont typeface="Arial" panose="020B0604020202020204" pitchFamily="34" charset="0"/>
+              <a:buChar char="•"/>
+            </a:pPr>
+            <a:r>
+              <a:rPr lang="en-US" sz="3400" dirty="0"/>
+              <a:t>Recall: the fraction of true positives out of all genes with actual ‘true’’ label.</a:t>
+            </a:r>
+          </a:p>
+          <a:p>
+            <a:pPr marL="571500" indent="-571500">
+              <a:buFont typeface="Arial" panose="020B0604020202020204" pitchFamily="34" charset="0"/>
+              <a:buChar char="•"/>
+            </a:pPr>
+            <a:endParaRPr lang="en-US" sz="3400" dirty="0"/>
+          </a:p>
+          <a:p>
+            <a:r>
+              <a:rPr lang="en-US" sz="3400" dirty="0">
+                <a:ln w="0"/>
+                <a:solidFill>
+                  <a:schemeClr val="accent4">
+                    <a:lumMod val="75000"/>
+                  </a:schemeClr>
+                </a:solidFill>
+                <a:effectLst>
+                  <a:outerShdw blurRad="38100" dist="25400" dir="5400000" algn="ctr" rotWithShape="0">
+                    <a:srgbClr val="6E747A">
+                      <a:alpha val="43000"/>
+                    </a:srgbClr>
+                  </a:outerShdw>
+                </a:effectLst>
+              </a:rPr>
+              <a:t>Scoring methods - clustering</a:t>
+            </a:r>
+            <a:endParaRPr lang="en-US" sz="3400" dirty="0"/>
+          </a:p>
+          <a:p>
+            <a:r>
+              <a:rPr lang="en-US" sz="3400" b="1" dirty="0">
+                <a:solidFill>
+                  <a:srgbClr val="FF0000"/>
+                </a:solidFill>
+              </a:rPr>
+              <a:t>TODO: </a:t>
+            </a:r>
+            <a:r>
+              <a:rPr lang="en-US" sz="3400" dirty="0">
+                <a:solidFill>
+                  <a:srgbClr val="FF0000"/>
+                </a:solidFill>
+              </a:rPr>
+              <a:t>explain silhouette / entropy / semi-supervised</a:t>
+            </a:r>
+            <a:endParaRPr lang="en-US" sz="3400" b="1" dirty="0">
+              <a:solidFill>
+                <a:srgbClr val="FF0000"/>
+              </a:solidFill>
+            </a:endParaRPr>
+          </a:p>
+          <a:p>
+            <a:pPr marL="571500" indent="-571500">
+              <a:buFont typeface="Arial" panose="020B0604020202020204" pitchFamily="34" charset="0"/>
+              <a:buChar char="•"/>
+            </a:pPr>
+            <a:endParaRPr lang="en-US" sz="3400" dirty="0"/>
+          </a:p>
+          <a:p>
+            <a:r>
+              <a:rPr lang="en-US" sz="3400" dirty="0">
+                <a:ln w="0"/>
+                <a:solidFill>
+                  <a:schemeClr val="accent4">
+                    <a:lumMod val="75000"/>
+                  </a:schemeClr>
+                </a:solidFill>
+                <a:effectLst>
+                  <a:outerShdw blurRad="38100" dist="25400" dir="5400000" algn="ctr" rotWithShape="0">
+                    <a:srgbClr val="6E747A">
+                      <a:alpha val="43000"/>
+                    </a:srgbClr>
+                  </a:outerShdw>
+                </a:effectLst>
+              </a:rPr>
+              <a:t>Data preparation and preprocessing</a:t>
+            </a:r>
+            <a:endParaRPr lang="en-US" sz="3400" dirty="0"/>
+          </a:p>
+          <a:p>
+            <a:pPr marL="571500" indent="-571500">
+              <a:buFont typeface="Arial" panose="020B0604020202020204" pitchFamily="34" charset="0"/>
+              <a:buChar char="•"/>
+            </a:pPr>
+            <a:r>
+              <a:rPr lang="en-US" sz="3400" dirty="0"/>
+              <a:t>Dividing the data into training and test sets.</a:t>
+            </a:r>
+          </a:p>
+          <a:p>
+            <a:pPr marL="571500" indent="-571500">
+              <a:buFont typeface="Arial" panose="020B0604020202020204" pitchFamily="34" charset="0"/>
+              <a:buChar char="•"/>
+            </a:pPr>
+            <a:r>
+              <a:rPr lang="en-US" sz="3400" dirty="0"/>
+              <a:t>Normalizing and removing genes with</a:t>
+            </a:r>
+          </a:p>
+          <a:p>
+            <a:r>
+              <a:rPr lang="en-US" sz="3400" dirty="0"/>
+              <a:t>      low-variance from the train set.</a:t>
+            </a:r>
+          </a:p>
+          <a:p>
+            <a:r>
+              <a:rPr lang="en-US" sz="3400" dirty="0"/>
+              <a:t>      We performed a tuning of the variance</a:t>
+            </a:r>
+          </a:p>
+          <a:p>
+            <a:r>
+              <a:rPr lang="en-US" sz="3400" dirty="0"/>
+              <a:t>      threshold that was used for filtering.</a:t>
+            </a:r>
+          </a:p>
+          <a:p>
+            <a:r>
+              <a:rPr lang="en-US" sz="3400" dirty="0"/>
+              <a:t>      For score evaluation we used a</a:t>
+            </a:r>
+          </a:p>
+          <a:p>
+            <a:r>
+              <a:rPr lang="en-US" sz="3400" dirty="0"/>
+              <a:t>      decision-tree classifier with default</a:t>
+            </a:r>
+          </a:p>
+          <a:p>
+            <a:r>
+              <a:rPr lang="en-US" sz="3400" dirty="0"/>
+              <a:t>      parameters.</a:t>
+            </a:r>
+          </a:p>
+          <a:p>
+            <a:r>
+              <a:rPr lang="en-US" sz="3400" dirty="0"/>
+              <a:t>      We chose a threshold of 0.00005.</a:t>
+            </a:r>
+          </a:p>
+          <a:p>
+            <a:pPr marL="571500" indent="-571500">
+              <a:buFont typeface="Arial" panose="020B0604020202020204" pitchFamily="34" charset="0"/>
+              <a:buChar char="•"/>
+            </a:pPr>
+            <a:r>
+              <a:rPr lang="en-US" sz="3400" dirty="0"/>
+              <a:t>Oversampling the train set, so that genes</a:t>
+            </a:r>
+          </a:p>
+          <a:p>
+            <a:r>
+              <a:rPr lang="en-US" sz="3400" dirty="0"/>
+              <a:t>      with label ‘TRUE’ take a bigger part of the</a:t>
+            </a:r>
+          </a:p>
+          <a:p>
+            <a:r>
+              <a:rPr lang="en-US" sz="3400" dirty="0"/>
+              <a:t>      dataset. We performed a tuning of the</a:t>
+            </a:r>
+          </a:p>
+          <a:p>
+            <a:r>
+              <a:rPr lang="en-US" sz="3400" dirty="0"/>
+              <a:t>      desired ratio between ‘FALSE’ and ‘TRUE’</a:t>
+            </a:r>
+          </a:p>
+          <a:p>
+            <a:r>
+              <a:rPr lang="en-US" sz="3400" dirty="0"/>
+              <a:t>      labels. Number of ‘FALSE’ genes is</a:t>
+            </a:r>
+          </a:p>
+          <a:p>
+            <a:r>
+              <a:rPr lang="en-US" sz="3400" dirty="0"/>
+              <a:t>      multiplied by coefficient to obtain new</a:t>
+            </a:r>
+          </a:p>
+          <a:p>
+            <a:r>
+              <a:rPr lang="en-US" sz="3400" dirty="0"/>
+              <a:t>      number of ‘TRUE’ genes.</a:t>
+            </a:r>
+          </a:p>
+          <a:p>
+            <a:r>
+              <a:rPr lang="en-US" sz="3400" dirty="0"/>
+              <a:t>      We chose coefficient 1, so that ratio between</a:t>
+            </a:r>
+          </a:p>
+          <a:p>
+            <a:r>
+              <a:rPr lang="en-US" sz="3400" dirty="0"/>
+              <a:t>      ‘FALSE’ and ‘TRUE’ is 1:1.</a:t>
+            </a:r>
+          </a:p>
+        </p:txBody>
+      </p:sp>
+      <p:pic>
+        <p:nvPicPr>
+          <p:cNvPr id="30" name="Picture 29">
             <a:extLst>
               <a:ext uri="{FF2B5EF4-FFF2-40B4-BE49-F238E27FC236}">
-                <a16:creationId xmlns:a16="http://schemas.microsoft.com/office/drawing/2014/main" id="{53650D2D-4A0A-473C-A2BA-F8F84FFB7227}"/>
+                <a16:creationId xmlns:a16="http://schemas.microsoft.com/office/drawing/2014/main" id="{B88F1C59-008E-486A-8BB6-1F1B00E9AB14}"/>
+              </a:ext>
+            </a:extLst>
+          </p:cNvPr>
+          <p:cNvPicPr/>
+          <p:nvPr/>
+        </p:nvPicPr>
+        <p:blipFill>
+          <a:blip r:embed="rId4"/>
+          <a:stretch>
+            <a:fillRect/>
+          </a:stretch>
+        </p:blipFill>
+        <p:spPr>
+          <a:xfrm>
+            <a:off x="10372280" y="32416507"/>
+            <a:ext cx="4824535" cy="3582735"/>
+          </a:xfrm>
+          <a:prstGeom prst="rect">
+            <a:avLst/>
+          </a:prstGeom>
+        </p:spPr>
+      </p:pic>
+      <p:pic>
+        <p:nvPicPr>
+          <p:cNvPr id="33" name="Picture 32">
+            <a:extLst>
+              <a:ext uri="{FF2B5EF4-FFF2-40B4-BE49-F238E27FC236}">
+                <a16:creationId xmlns:a16="http://schemas.microsoft.com/office/drawing/2014/main" id="{2A337755-2C70-443D-A284-4CD8FA67AE64}"/>
+              </a:ext>
+            </a:extLst>
+          </p:cNvPr>
+          <p:cNvPicPr/>
+          <p:nvPr/>
+        </p:nvPicPr>
+        <p:blipFill>
+          <a:blip r:embed="rId5"/>
+          <a:stretch>
+            <a:fillRect/>
+          </a:stretch>
+        </p:blipFill>
+        <p:spPr>
+          <a:xfrm>
+            <a:off x="10372279" y="37161406"/>
+            <a:ext cx="4824535" cy="3624367"/>
+          </a:xfrm>
+          <a:prstGeom prst="rect">
+            <a:avLst/>
+          </a:prstGeom>
+        </p:spPr>
+      </p:pic>
+      <p:sp>
+        <p:nvSpPr>
+          <p:cNvPr id="38" name="TextBox 37">
+            <a:extLst>
+              <a:ext uri="{FF2B5EF4-FFF2-40B4-BE49-F238E27FC236}">
+                <a16:creationId xmlns:a16="http://schemas.microsoft.com/office/drawing/2014/main" id="{BCE3222F-B312-4A5A-B18E-5DCAE8B1C37C}"/>
               </a:ext>
             </a:extLst>
           </p:cNvPr>
@@ -5823,8 +4736,8 @@
         </p:nvSpPr>
         <p:spPr>
           <a:xfrm>
-            <a:off x="1687947" y="24058523"/>
-            <a:ext cx="13249472" cy="7294305"/>
+            <a:off x="18650297" y="17210212"/>
+            <a:ext cx="11582400" cy="1015663"/>
           </a:xfrm>
           <a:prstGeom prst="rect">
             <a:avLst/>
@@ -5837,146 +4750,260 @@
           </a:bodyPr>
           <a:lstStyle/>
           <a:p>
-            <a:pPr marL="285750" indent="-285750">
-              <a:buFont typeface="Arial" panose="020B0604020202020204" pitchFamily="34" charset="0"/>
-              <a:buChar char="•"/>
+            <a:pPr algn="ctr"/>
+            <a:r>
+              <a:rPr lang="en-US" sz="6000" b="1" dirty="0"/>
+              <a:t>Clustering</a:t>
+            </a:r>
+          </a:p>
+        </p:txBody>
+      </p:sp>
+      <p:sp>
+        <p:nvSpPr>
+          <p:cNvPr id="40" name="TextBox 39">
+            <a:extLst>
+              <a:ext uri="{FF2B5EF4-FFF2-40B4-BE49-F238E27FC236}">
+                <a16:creationId xmlns:a16="http://schemas.microsoft.com/office/drawing/2014/main" id="{3B7647D7-CFE0-4CBB-BB60-E7A325E1173F}"/>
+              </a:ext>
+            </a:extLst>
+          </p:cNvPr>
+          <p:cNvSpPr txBox="1"/>
+          <p:nvPr/>
+        </p:nvSpPr>
+        <p:spPr>
+          <a:xfrm>
+            <a:off x="17204693" y="40180764"/>
+            <a:ext cx="14473608" cy="1938992"/>
+          </a:xfrm>
+          <a:prstGeom prst="rect">
+            <a:avLst/>
+          </a:prstGeom>
+          <a:noFill/>
+        </p:spPr>
+        <p:txBody>
+          <a:bodyPr wrap="square" rtlCol="0">
+            <a:spAutoFit/>
+          </a:bodyPr>
+          <a:lstStyle/>
+          <a:p>
+            <a:pPr marL="457200" indent="-457200">
+              <a:buAutoNum type="arabicPeriod"/>
             </a:pPr>
             <a:r>
-              <a:rPr lang="en-US" sz="3600" b="1" u="sng" dirty="0"/>
-              <a:t>GEO</a:t>
-            </a:r>
-            <a:r>
-              <a:rPr lang="en-US" sz="3600" dirty="0"/>
-              <a:t> – public genomics data repository</a:t>
-            </a:r>
-          </a:p>
-          <a:p>
-            <a:pPr marL="285750" indent="-285750">
-              <a:buFont typeface="Arial" panose="020B0604020202020204" pitchFamily="34" charset="0"/>
-              <a:buChar char="•"/>
+              <a:rPr lang="en-US" sz="2400" b="1" dirty="0" err="1"/>
+              <a:t>Achari</a:t>
+            </a:r>
+            <a:r>
+              <a:rPr lang="en-US" sz="2400" b="1" dirty="0"/>
+              <a:t> C, Winslow S, Larsson C</a:t>
+            </a:r>
+            <a:r>
+              <a:rPr lang="en-US" sz="2400" dirty="0"/>
+              <a:t>. Down Regulation of CLDND1 Induces Apoptosis in Breast Cancer Cells. </a:t>
+            </a:r>
+            <a:r>
+              <a:rPr lang="en-US" sz="2400" i="1" dirty="0" err="1"/>
+              <a:t>PLoS</a:t>
+            </a:r>
+            <a:r>
+              <a:rPr lang="en-US" sz="2400" i="1" dirty="0"/>
+              <a:t> One</a:t>
+            </a:r>
+            <a:r>
+              <a:rPr lang="en-US" sz="2400" dirty="0"/>
+              <a:t> 2015;10(6):e0130300. </a:t>
+            </a:r>
+          </a:p>
+          <a:p>
+            <a:pPr marL="457200" indent="-457200">
+              <a:buAutoNum type="arabicPeriod"/>
             </a:pPr>
             <a:r>
-              <a:rPr lang="en-US" sz="3600" b="1" u="sng" dirty="0" err="1"/>
-              <a:t>AmiGo</a:t>
-            </a:r>
-            <a:r>
-              <a:rPr lang="en-US" sz="3600" dirty="0"/>
-              <a:t> – Web-based set of tools for searching and browsing the gene ontology database</a:t>
-            </a:r>
-          </a:p>
-          <a:p>
-            <a:endParaRPr lang="en-US" sz="3600" dirty="0"/>
-          </a:p>
-          <a:p>
-            <a:endParaRPr lang="en-US" sz="3600" dirty="0"/>
-          </a:p>
-          <a:p>
-            <a:r>
-              <a:rPr lang="en-US" sz="3600" b="1" dirty="0">
-                <a:ln w="6600">
-                  <a:solidFill>
-                    <a:schemeClr val="accent2"/>
-                  </a:solidFill>
-                  <a:prstDash val="solid"/>
-                </a:ln>
+              <a:rPr lang="en-US" sz="2400" b="1" dirty="0" err="1"/>
+              <a:t>Lonne</a:t>
+            </a:r>
+            <a:r>
+              <a:rPr lang="en-US" sz="2400" b="1" dirty="0"/>
+              <a:t> GK, </a:t>
+            </a:r>
+            <a:r>
+              <a:rPr lang="en-US" sz="2400" b="1" dirty="0" err="1"/>
+              <a:t>Masoumi</a:t>
+            </a:r>
+            <a:r>
+              <a:rPr lang="en-US" sz="2400" b="1" dirty="0"/>
+              <a:t> KC, </a:t>
+            </a:r>
+            <a:r>
+              <a:rPr lang="en-US" sz="2400" b="1" dirty="0" err="1"/>
+              <a:t>Lennartsson</a:t>
+            </a:r>
+            <a:r>
+              <a:rPr lang="en-US" sz="2400" b="1" dirty="0"/>
+              <a:t> J, Larsson C</a:t>
+            </a:r>
+            <a:r>
+              <a:rPr lang="en-US" sz="2400" dirty="0"/>
+              <a:t>. Protein kinase </a:t>
+            </a:r>
+            <a:r>
+              <a:rPr lang="en-US" sz="2400" dirty="0" err="1"/>
+              <a:t>Cdelta</a:t>
+            </a:r>
+            <a:r>
+              <a:rPr lang="en-US" sz="2400" dirty="0"/>
+              <a:t> supports survival of MDA-MB-231 breast cancer cells by suppressing the ERK1/2 pathway. The Journal of biological chemistry. 2009;284(48):33456–65</a:t>
+            </a:r>
+          </a:p>
+        </p:txBody>
+      </p:sp>
+      <p:sp>
+        <p:nvSpPr>
+          <p:cNvPr id="41" name="TextBox 40">
+            <a:extLst>
+              <a:ext uri="{FF2B5EF4-FFF2-40B4-BE49-F238E27FC236}">
+                <a16:creationId xmlns:a16="http://schemas.microsoft.com/office/drawing/2014/main" id="{96BDCC20-3B36-41AA-8FC3-B68D496AECC1}"/>
+              </a:ext>
+            </a:extLst>
+          </p:cNvPr>
+          <p:cNvSpPr txBox="1"/>
+          <p:nvPr/>
+        </p:nvSpPr>
+        <p:spPr>
+          <a:xfrm>
+            <a:off x="17433594" y="5779062"/>
+            <a:ext cx="14761640" cy="4801314"/>
+          </a:xfrm>
+          <a:prstGeom prst="rect">
+            <a:avLst/>
+          </a:prstGeom>
+          <a:noFill/>
+        </p:spPr>
+        <p:txBody>
+          <a:bodyPr wrap="square" rtlCol="0">
+            <a:spAutoFit/>
+          </a:bodyPr>
+          <a:lstStyle/>
+          <a:p>
+            <a:r>
+              <a:rPr lang="en-US" sz="3400" dirty="0">
                 <a:solidFill>
-                  <a:srgbClr val="FFFFFF"/>
+                  <a:srgbClr val="FF0000"/>
+                </a:solidFill>
+              </a:rPr>
+              <a:t>TODO: briefly introduce each classifier</a:t>
+            </a:r>
+            <a:endParaRPr lang="en-US" sz="3400" dirty="0">
+              <a:ln w="0"/>
+              <a:solidFill>
+                <a:schemeClr val="accent4">
+                  <a:lumMod val="75000"/>
+                </a:schemeClr>
+              </a:solidFill>
+              <a:effectLst>
+                <a:outerShdw blurRad="38100" dist="25400" dir="5400000" algn="ctr" rotWithShape="0">
+                  <a:srgbClr val="6E747A">
+                    <a:alpha val="43000"/>
+                  </a:srgbClr>
+                </a:outerShdw>
+              </a:effectLst>
+            </a:endParaRPr>
+          </a:p>
+          <a:p>
+            <a:r>
+              <a:rPr lang="en-US" sz="3400" dirty="0">
+                <a:ln w="0"/>
+                <a:solidFill>
+                  <a:schemeClr val="accent4">
+                    <a:lumMod val="75000"/>
+                  </a:schemeClr>
                 </a:solidFill>
                 <a:effectLst>
-                  <a:outerShdw dist="38100" dir="2700000" algn="tl" rotWithShape="0">
-                    <a:schemeClr val="accent2"/>
+                  <a:outerShdw blurRad="38100" dist="25400" dir="5400000" algn="ctr" rotWithShape="0">
+                    <a:srgbClr val="6E747A">
+                      <a:alpha val="43000"/>
+                    </a:srgbClr>
                   </a:outerShdw>
                 </a:effectLst>
               </a:rPr>
-              <a:t>Building the database</a:t>
-            </a:r>
-          </a:p>
-          <a:p>
-            <a:pPr marL="571500" indent="-571500">
-              <a:buFont typeface="Arial" panose="020B0604020202020204" pitchFamily="34" charset="0"/>
-              <a:buChar char="•"/>
-            </a:pPr>
-            <a:r>
-              <a:rPr lang="en-US" sz="3600" dirty="0"/>
-              <a:t>Labeling the data using process go term</a:t>
-            </a:r>
-          </a:p>
-          <a:p>
-            <a:pPr marL="571500" indent="-571500">
-              <a:buFont typeface="Arial" panose="020B0604020202020204" pitchFamily="34" charset="0"/>
-              <a:buChar char="•"/>
-            </a:pPr>
-            <a:r>
-              <a:rPr lang="en-US" sz="3600" dirty="0"/>
-              <a:t>Filtering the data from probes of the same gene and oversampling</a:t>
-            </a:r>
-          </a:p>
-          <a:p>
-            <a:pPr marL="571500" indent="-571500">
-              <a:buFont typeface="Arial" panose="020B0604020202020204" pitchFamily="34" charset="0"/>
-              <a:buChar char="•"/>
-            </a:pPr>
-            <a:r>
-              <a:rPr lang="en-US" sz="3600" dirty="0"/>
-              <a:t>Dividing our data into training and test sets</a:t>
-            </a:r>
-          </a:p>
-          <a:p>
-            <a:pPr marL="571500" indent="-571500">
-              <a:buFont typeface="Arial" panose="020B0604020202020204" pitchFamily="34" charset="0"/>
-              <a:buChar char="•"/>
-            </a:pPr>
-            <a:endParaRPr lang="en-US" sz="3600" dirty="0"/>
-          </a:p>
-          <a:p>
-            <a:r>
-              <a:rPr lang="en-US" sz="3600" b="1" dirty="0">
-                <a:ln w="6600">
-                  <a:solidFill>
-                    <a:schemeClr val="accent2"/>
-                  </a:solidFill>
-                  <a:prstDash val="solid"/>
-                </a:ln>
+              <a:t>Decision tree</a:t>
+            </a:r>
+          </a:p>
+          <a:p>
+            <a:r>
+              <a:rPr lang="en-US" sz="3400" dirty="0"/>
+              <a:t>We tuned </a:t>
+            </a:r>
+            <a:r>
+              <a:rPr lang="en-US" sz="3400" dirty="0" err="1"/>
+              <a:t>max_depth</a:t>
+            </a:r>
+            <a:r>
+              <a:rPr lang="en-US" sz="3400" dirty="0"/>
+              <a:t> parameter of decision tree, using 5 folds on the training</a:t>
+            </a:r>
+          </a:p>
+          <a:p>
+            <a:r>
+              <a:rPr lang="en-US" sz="3400" dirty="0"/>
+              <a:t>set. We chose maximal depth of 70.</a:t>
+            </a:r>
+          </a:p>
+          <a:p>
+            <a:r>
+              <a:rPr lang="en-US" sz="3400" dirty="0">
+                <a:ln w="0"/>
                 <a:solidFill>
-                  <a:srgbClr val="FFFFFF"/>
+                  <a:schemeClr val="accent4">
+                    <a:lumMod val="75000"/>
+                  </a:schemeClr>
                 </a:solidFill>
                 <a:effectLst>
-                  <a:outerShdw dist="38100" dir="2700000" algn="tl" rotWithShape="0">
-                    <a:schemeClr val="accent2"/>
+                  <a:outerShdw blurRad="38100" dist="25400" dir="5400000" algn="ctr" rotWithShape="0">
+                    <a:srgbClr val="6E747A">
+                      <a:alpha val="43000"/>
+                    </a:srgbClr>
                   </a:outerShdw>
                 </a:effectLst>
               </a:rPr>
-              <a:t>Testing different classifiers</a:t>
-            </a:r>
-          </a:p>
-          <a:p>
-            <a:pPr marL="285750" indent="-285750">
-              <a:buFont typeface="Arial" panose="020B0604020202020204" pitchFamily="34" charset="0"/>
-              <a:buChar char="•"/>
-            </a:pPr>
-            <a:r>
-              <a:rPr lang="en-US" sz="3600" b="1" u="sng" dirty="0" err="1"/>
-              <a:t>Kmeans</a:t>
-            </a:r>
-            <a:r>
-              <a:rPr lang="en-US" sz="3600" dirty="0"/>
-              <a:t> – unsupervised clustering method</a:t>
-            </a:r>
-          </a:p>
-          <a:p>
-            <a:pPr marL="285750" indent="-285750">
-              <a:buFont typeface="Arial" panose="020B0604020202020204" pitchFamily="34" charset="0"/>
-              <a:buChar char="•"/>
-            </a:pPr>
-            <a:r>
-              <a:rPr lang="en-US" sz="3600" b="1" u="sng" dirty="0"/>
-              <a:t>Decision Tree Classifier</a:t>
-            </a:r>
-            <a:r>
-              <a:rPr lang="en-US" sz="3600" dirty="0"/>
-              <a:t> – supervised method using labeling</a:t>
-            </a:r>
-            <a:endParaRPr lang="en-IL" sz="3600" b="1" u="sng" dirty="0"/>
+              <a:t>SVM</a:t>
+            </a:r>
+          </a:p>
+          <a:p>
+            <a:r>
+              <a:rPr lang="en-US" sz="3400" dirty="0"/>
+              <a:t>Similarly, we tuned </a:t>
+            </a:r>
+            <a:r>
+              <a:rPr lang="en-US" sz="3400" dirty="0" err="1"/>
+              <a:t>max_iter</a:t>
+            </a:r>
+            <a:r>
+              <a:rPr lang="en-US" sz="3400" dirty="0"/>
+              <a:t> parameter of SVM classifier. We chose to allow a maximal iterations number of 20.</a:t>
+            </a:r>
+          </a:p>
+          <a:p>
+            <a:endParaRPr lang="en-US" sz="3400" dirty="0"/>
+          </a:p>
+          <a:p>
+            <a:r>
+              <a:rPr lang="en-US" sz="3400" dirty="0">
+                <a:solidFill>
+                  <a:srgbClr val="FF0000"/>
+                </a:solidFill>
+              </a:rPr>
+              <a:t>TODO: graph of performance of decision tree vs. </a:t>
+            </a:r>
+            <a:r>
+              <a:rPr lang="en-US" sz="3400" dirty="0" err="1">
+                <a:solidFill>
+                  <a:srgbClr val="FF0000"/>
+                </a:solidFill>
+              </a:rPr>
+              <a:t>svm</a:t>
+            </a:r>
+            <a:endParaRPr lang="en-US" sz="3400" dirty="0"/>
           </a:p>
         </p:txBody>
       </p:sp>

--- a/Project/project_poster.pptx
+++ b/Project/project_poster.pptx
@@ -303,7 +303,7 @@
             <a:fld id="{C33D5922-1A10-453D-B34B-87D0376FB0F9}" type="datetimeFigureOut">
               <a:rPr lang="en-US" smtClean="0"/>
               <a:pPr/>
-              <a:t>09-Mar-19</a:t>
+              <a:t>11-Mar-19</a:t>
             </a:fld>
             <a:endParaRPr lang="en-US"/>
           </a:p>
@@ -468,7 +468,7 @@
             <a:fld id="{C33D5922-1A10-453D-B34B-87D0376FB0F9}" type="datetimeFigureOut">
               <a:rPr lang="en-US" smtClean="0"/>
               <a:pPr/>
-              <a:t>09-Mar-19</a:t>
+              <a:t>11-Mar-19</a:t>
             </a:fld>
             <a:endParaRPr lang="en-US"/>
           </a:p>
@@ -643,7 +643,7 @@
             <a:fld id="{C33D5922-1A10-453D-B34B-87D0376FB0F9}" type="datetimeFigureOut">
               <a:rPr lang="en-US" smtClean="0"/>
               <a:pPr/>
-              <a:t>09-Mar-19</a:t>
+              <a:t>11-Mar-19</a:t>
             </a:fld>
             <a:endParaRPr lang="en-US"/>
           </a:p>
@@ -808,7 +808,7 @@
             <a:fld id="{C33D5922-1A10-453D-B34B-87D0376FB0F9}" type="datetimeFigureOut">
               <a:rPr lang="en-US" smtClean="0"/>
               <a:pPr/>
-              <a:t>09-Mar-19</a:t>
+              <a:t>11-Mar-19</a:t>
             </a:fld>
             <a:endParaRPr lang="en-US"/>
           </a:p>
@@ -1050,7 +1050,7 @@
             <a:fld id="{C33D5922-1A10-453D-B34B-87D0376FB0F9}" type="datetimeFigureOut">
               <a:rPr lang="en-US" smtClean="0"/>
               <a:pPr/>
-              <a:t>09-Mar-19</a:t>
+              <a:t>11-Mar-19</a:t>
             </a:fld>
             <a:endParaRPr lang="en-US"/>
           </a:p>
@@ -1332,7 +1332,7 @@
             <a:fld id="{C33D5922-1A10-453D-B34B-87D0376FB0F9}" type="datetimeFigureOut">
               <a:rPr lang="en-US" smtClean="0"/>
               <a:pPr/>
-              <a:t>09-Mar-19</a:t>
+              <a:t>11-Mar-19</a:t>
             </a:fld>
             <a:endParaRPr lang="en-US"/>
           </a:p>
@@ -1753,7 +1753,7 @@
             <a:fld id="{C33D5922-1A10-453D-B34B-87D0376FB0F9}" type="datetimeFigureOut">
               <a:rPr lang="en-US" smtClean="0"/>
               <a:pPr/>
-              <a:t>09-Mar-19</a:t>
+              <a:t>11-Mar-19</a:t>
             </a:fld>
             <a:endParaRPr lang="en-US"/>
           </a:p>
@@ -1867,7 +1867,7 @@
             <a:fld id="{C33D5922-1A10-453D-B34B-87D0376FB0F9}" type="datetimeFigureOut">
               <a:rPr lang="en-US" smtClean="0"/>
               <a:pPr/>
-              <a:t>09-Mar-19</a:t>
+              <a:t>11-Mar-19</a:t>
             </a:fld>
             <a:endParaRPr lang="en-US"/>
           </a:p>
@@ -1959,7 +1959,7 @@
             <a:fld id="{C33D5922-1A10-453D-B34B-87D0376FB0F9}" type="datetimeFigureOut">
               <a:rPr lang="en-US" smtClean="0"/>
               <a:pPr/>
-              <a:t>09-Mar-19</a:t>
+              <a:t>11-Mar-19</a:t>
             </a:fld>
             <a:endParaRPr lang="en-US"/>
           </a:p>
@@ -2231,7 +2231,7 @@
             <a:fld id="{C33D5922-1A10-453D-B34B-87D0376FB0F9}" type="datetimeFigureOut">
               <a:rPr lang="en-US" smtClean="0"/>
               <a:pPr/>
-              <a:t>09-Mar-19</a:t>
+              <a:t>11-Mar-19</a:t>
             </a:fld>
             <a:endParaRPr lang="en-US"/>
           </a:p>
@@ -2480,7 +2480,7 @@
             <a:fld id="{C33D5922-1A10-453D-B34B-87D0376FB0F9}" type="datetimeFigureOut">
               <a:rPr lang="en-US" smtClean="0"/>
               <a:pPr/>
-              <a:t>09-Mar-19</a:t>
+              <a:t>11-Mar-19</a:t>
             </a:fld>
             <a:endParaRPr lang="en-US"/>
           </a:p>
@@ -2688,7 +2688,7 @@
             <a:fld id="{C33D5922-1A10-453D-B34B-87D0376FB0F9}" type="datetimeFigureOut">
               <a:rPr lang="en-US" smtClean="0"/>
               <a:pPr/>
-              <a:t>09-Mar-19</a:t>
+              <a:t>11-Mar-19</a:t>
             </a:fld>
             <a:endParaRPr lang="en-US"/>
           </a:p>
@@ -4072,7 +4072,7 @@
         <p:spPr>
           <a:xfrm>
             <a:off x="1080345" y="5976964"/>
-            <a:ext cx="14761640" cy="7940635"/>
+            <a:ext cx="14761640" cy="10833735"/>
           </a:xfrm>
           <a:prstGeom prst="rect">
             <a:avLst/>
@@ -4104,7 +4104,11 @@
               <a:buChar char="•"/>
             </a:pPr>
             <a:r>
-              <a:rPr lang="en-US" sz="3400" dirty="0"/>
+              <a:rPr lang="en-US" sz="3400" dirty="0">
+                <a:highlight>
+                  <a:srgbClr val="FFFF00"/>
+                </a:highlight>
+              </a:rPr>
               <a:t>Two activation mechanisms – intrinsic pathway and extrinsic pathway</a:t>
             </a:r>
           </a:p>
@@ -4115,19 +4119,7 @@
             </a:pPr>
             <a:r>
               <a:rPr lang="en-US" sz="3400" dirty="0"/>
-              <a:t>Negative regulation of apoptosis inhibits</a:t>
-            </a:r>
-          </a:p>
-          <a:p>
-            <a:r>
-              <a:rPr lang="en-US" sz="3400" dirty="0"/>
-              <a:t>       cell death signaling pathways, helping</a:t>
-            </a:r>
-          </a:p>
-          <a:p>
-            <a:r>
-              <a:rPr lang="en-US" sz="3400" dirty="0"/>
-              <a:t>       tumors to evade cell death</a:t>
+              <a:t>Negative regulation of apoptosis inhibits cell death signaling pathways, helping tumors to evade cell death</a:t>
             </a:r>
           </a:p>
           <a:p>
@@ -4136,7 +4128,11 @@
               <a:buChar char="•"/>
             </a:pPr>
             <a:r>
-              <a:rPr lang="en-US" sz="3400" dirty="0"/>
+              <a:rPr lang="en-US" sz="3400" dirty="0">
+                <a:highlight>
+                  <a:srgbClr val="FFFF00"/>
+                </a:highlight>
+              </a:rPr>
               <a:t>Apoptotic cell disassembly – before the cell is disposed of, there is a process of disassembly</a:t>
             </a:r>
           </a:p>
@@ -4147,8 +4143,103 @@
             </a:pPr>
             <a:r>
               <a:rPr lang="en-US" sz="3400" dirty="0"/>
-              <a:t>Identification of targets for apoptosis induction is important to provide novel therapeutic approaches in breast cancer</a:t>
-            </a:r>
+              <a:t>Identification of targets for apoptosis induction is important to provide novel therapeutic approaches in breast cancer.</a:t>
+            </a:r>
+          </a:p>
+          <a:p>
+            <a:pPr marL="685800" indent="-685800">
+              <a:buFont typeface="Arial" panose="020B0604020202020204" pitchFamily="34" charset="0"/>
+              <a:buChar char="•"/>
+            </a:pPr>
+            <a:r>
+              <a:rPr lang="en-US" sz="3200" dirty="0"/>
+              <a:t>According to researchers </a:t>
+            </a:r>
+            <a:r>
+              <a:rPr lang="en-US" sz="2000" dirty="0"/>
+              <a:t>[2]</a:t>
+            </a:r>
+            <a:r>
+              <a:rPr lang="en-US" sz="3200" dirty="0"/>
+              <a:t>, Protein Kinase </a:t>
+            </a:r>
+            <a:r>
+              <a:rPr lang="en-US" sz="3200" dirty="0" err="1"/>
+              <a:t>Cδ</a:t>
+            </a:r>
+            <a:r>
+              <a:rPr lang="en-US" sz="3200" dirty="0"/>
+              <a:t> supports survival of breast cancer cells by suppressing the ERK1/2 pathway, which mediates apoptosis.</a:t>
+            </a:r>
+          </a:p>
+          <a:p>
+            <a:pPr marL="685800" indent="-685800">
+              <a:buFont typeface="Arial" panose="020B0604020202020204" pitchFamily="34" charset="0"/>
+              <a:buChar char="•"/>
+            </a:pPr>
+            <a:r>
+              <a:rPr lang="en-US" sz="3200" dirty="0"/>
+              <a:t>The dataset we’ll use </a:t>
+            </a:r>
+            <a:r>
+              <a:rPr lang="en-US" sz="2000" dirty="0"/>
+              <a:t>[1]</a:t>
+            </a:r>
+            <a:r>
+              <a:rPr lang="en-US" sz="3200" dirty="0"/>
+              <a:t> contains gene expression levels in 2 breast cancer cell lines, before and after down regulation of Protein Kinase </a:t>
+            </a:r>
+            <a:r>
+              <a:rPr lang="en-US" sz="3200" dirty="0" err="1"/>
+              <a:t>Cδ</a:t>
+            </a:r>
+            <a:r>
+              <a:rPr lang="en-US" sz="3200" dirty="0"/>
+              <a:t>.</a:t>
+            </a:r>
+          </a:p>
+          <a:p>
+            <a:pPr marL="685800" indent="-685800">
+              <a:buFont typeface="Arial" panose="020B0604020202020204" pitchFamily="34" charset="0"/>
+              <a:buChar char="•"/>
+            </a:pPr>
+            <a:r>
+              <a:rPr lang="en-US" sz="3400" dirty="0"/>
+              <a:t>The breast cancer cell lines that appear in the dataset are:</a:t>
+            </a:r>
+          </a:p>
+          <a:p>
+            <a:r>
+              <a:rPr lang="en-US" sz="3200" dirty="0"/>
+              <a:t>        - BT-549 (Invasive ductal carcinoma)</a:t>
+            </a:r>
+          </a:p>
+          <a:p>
+            <a:r>
+              <a:rPr lang="en-US" sz="3200" dirty="0"/>
+              <a:t>        - MDA-mB-468 (adenocarcinoma)</a:t>
+            </a:r>
+          </a:p>
+          <a:p>
+            <a:pPr marL="685800" indent="-685800">
+              <a:buFont typeface="Arial" panose="020B0604020202020204" pitchFamily="34" charset="0"/>
+              <a:buChar char="•"/>
+            </a:pPr>
+            <a:endParaRPr lang="en-US" sz="3200" dirty="0"/>
+          </a:p>
+          <a:p>
+            <a:pPr marL="685800" indent="-685800">
+              <a:buFont typeface="Arial" panose="020B0604020202020204" pitchFamily="34" charset="0"/>
+              <a:buChar char="•"/>
+            </a:pPr>
+            <a:endParaRPr lang="en-US" sz="3200" dirty="0"/>
+          </a:p>
+          <a:p>
+            <a:pPr marL="685800" indent="-685800">
+              <a:buFont typeface="Arial" panose="020B0604020202020204" pitchFamily="34" charset="0"/>
+              <a:buChar char="•"/>
+            </a:pPr>
+            <a:endParaRPr lang="en-US" sz="3200" dirty="0"/>
           </a:p>
           <a:p>
             <a:pPr marL="685800" indent="-685800">
@@ -4162,39 +4253,7 @@
               <a:buFont typeface="Arial" panose="020B0604020202020204" pitchFamily="34" charset="0"/>
               <a:buChar char="•"/>
             </a:pPr>
-            <a:r>
-              <a:rPr lang="en-US" sz="3400" dirty="0">
-                <a:solidFill>
-                  <a:srgbClr val="FF0000"/>
-                </a:solidFill>
-              </a:rPr>
-              <a:t>TODO: introduce PKCD treatment and</a:t>
-            </a:r>
-          </a:p>
-          <a:p>
-            <a:r>
-              <a:rPr lang="en-US" sz="3400" dirty="0">
-                <a:solidFill>
-                  <a:srgbClr val="FF0000"/>
-                </a:solidFill>
-              </a:rPr>
-              <a:t>       sample types</a:t>
-            </a:r>
-          </a:p>
-          <a:p>
-            <a:r>
-              <a:rPr lang="en-US" sz="3400" b="1" dirty="0">
-                <a:solidFill>
-                  <a:srgbClr val="FF0000"/>
-                </a:solidFill>
-              </a:rPr>
-              <a:t>ALSO: do we really need to introduce apoptosis in detail? I mean we wouldn’t want to be asked about it so maybe better to not elaborate… </a:t>
-            </a:r>
-            <a:endParaRPr lang="en-IL" sz="3400" b="1" dirty="0">
-              <a:solidFill>
-                <a:srgbClr val="FF0000"/>
-              </a:solidFill>
-            </a:endParaRPr>
+            <a:endParaRPr lang="en-US" sz="3400" dirty="0"/>
           </a:p>
         </p:txBody>
       </p:sp>
@@ -4275,7 +4334,7 @@
         </p:blipFill>
         <p:spPr>
           <a:xfrm>
-            <a:off x="9750046" y="10866740"/>
+            <a:off x="11596321" y="3744894"/>
             <a:ext cx="6068999" cy="2281201"/>
           </a:xfrm>
           <a:prstGeom prst="rect">
@@ -4335,7 +4394,7 @@
             </a:r>
             <a:r>
               <a:rPr lang="en-US" sz="3400" dirty="0"/>
-              <a:t> – Web-based set of tools for searching and browsing the gene ontology database. We used it to obtain a list of GO terms associated with apoptosis.</a:t>
+              <a:t> – Web-based set of tools for searching and browsing the gene ontology. database. We used it to obtain a list of GO terms associated with apoptosis.</a:t>
             </a:r>
           </a:p>
           <a:p>
@@ -4353,7 +4412,7 @@
             </a:r>
             <a:r>
               <a:rPr lang="en-US" sz="3400" dirty="0"/>
-              <a:t> – Python library for machine learning</a:t>
+              <a:t> – Python library for machine learning.</a:t>
             </a:r>
             <a:endParaRPr lang="en-US" sz="3400" b="1" u="sng" dirty="0"/>
           </a:p>
@@ -4686,7 +4745,7 @@
         </p:blipFill>
         <p:spPr>
           <a:xfrm>
-            <a:off x="10372280" y="32416507"/>
+            <a:off x="10372278" y="32166993"/>
             <a:ext cx="4824535" cy="3582735"/>
           </a:xfrm>
           <a:prstGeom prst="rect">

--- a/Project/project_poster.pptx
+++ b/Project/project_poster.pptx
@@ -303,7 +303,7 @@
             <a:fld id="{C33D5922-1A10-453D-B34B-87D0376FB0F9}" type="datetimeFigureOut">
               <a:rPr lang="en-US" smtClean="0"/>
               <a:pPr/>
-              <a:t>11-Mar-19</a:t>
+              <a:t>3/11/2019</a:t>
             </a:fld>
             <a:endParaRPr lang="en-US"/>
           </a:p>
@@ -468,7 +468,7 @@
             <a:fld id="{C33D5922-1A10-453D-B34B-87D0376FB0F9}" type="datetimeFigureOut">
               <a:rPr lang="en-US" smtClean="0"/>
               <a:pPr/>
-              <a:t>11-Mar-19</a:t>
+              <a:t>3/11/2019</a:t>
             </a:fld>
             <a:endParaRPr lang="en-US"/>
           </a:p>
@@ -643,7 +643,7 @@
             <a:fld id="{C33D5922-1A10-453D-B34B-87D0376FB0F9}" type="datetimeFigureOut">
               <a:rPr lang="en-US" smtClean="0"/>
               <a:pPr/>
-              <a:t>11-Mar-19</a:t>
+              <a:t>3/11/2019</a:t>
             </a:fld>
             <a:endParaRPr lang="en-US"/>
           </a:p>
@@ -808,7 +808,7 @@
             <a:fld id="{C33D5922-1A10-453D-B34B-87D0376FB0F9}" type="datetimeFigureOut">
               <a:rPr lang="en-US" smtClean="0"/>
               <a:pPr/>
-              <a:t>11-Mar-19</a:t>
+              <a:t>3/11/2019</a:t>
             </a:fld>
             <a:endParaRPr lang="en-US"/>
           </a:p>
@@ -1050,7 +1050,7 @@
             <a:fld id="{C33D5922-1A10-453D-B34B-87D0376FB0F9}" type="datetimeFigureOut">
               <a:rPr lang="en-US" smtClean="0"/>
               <a:pPr/>
-              <a:t>11-Mar-19</a:t>
+              <a:t>3/11/2019</a:t>
             </a:fld>
             <a:endParaRPr lang="en-US"/>
           </a:p>
@@ -1332,7 +1332,7 @@
             <a:fld id="{C33D5922-1A10-453D-B34B-87D0376FB0F9}" type="datetimeFigureOut">
               <a:rPr lang="en-US" smtClean="0"/>
               <a:pPr/>
-              <a:t>11-Mar-19</a:t>
+              <a:t>3/11/2019</a:t>
             </a:fld>
             <a:endParaRPr lang="en-US"/>
           </a:p>
@@ -1753,7 +1753,7 @@
             <a:fld id="{C33D5922-1A10-453D-B34B-87D0376FB0F9}" type="datetimeFigureOut">
               <a:rPr lang="en-US" smtClean="0"/>
               <a:pPr/>
-              <a:t>11-Mar-19</a:t>
+              <a:t>3/11/2019</a:t>
             </a:fld>
             <a:endParaRPr lang="en-US"/>
           </a:p>
@@ -1867,7 +1867,7 @@
             <a:fld id="{C33D5922-1A10-453D-B34B-87D0376FB0F9}" type="datetimeFigureOut">
               <a:rPr lang="en-US" smtClean="0"/>
               <a:pPr/>
-              <a:t>11-Mar-19</a:t>
+              <a:t>3/11/2019</a:t>
             </a:fld>
             <a:endParaRPr lang="en-US"/>
           </a:p>
@@ -1959,7 +1959,7 @@
             <a:fld id="{C33D5922-1A10-453D-B34B-87D0376FB0F9}" type="datetimeFigureOut">
               <a:rPr lang="en-US" smtClean="0"/>
               <a:pPr/>
-              <a:t>11-Mar-19</a:t>
+              <a:t>3/11/2019</a:t>
             </a:fld>
             <a:endParaRPr lang="en-US"/>
           </a:p>
@@ -2231,7 +2231,7 @@
             <a:fld id="{C33D5922-1A10-453D-B34B-87D0376FB0F9}" type="datetimeFigureOut">
               <a:rPr lang="en-US" smtClean="0"/>
               <a:pPr/>
-              <a:t>11-Mar-19</a:t>
+              <a:t>3/11/2019</a:t>
             </a:fld>
             <a:endParaRPr lang="en-US"/>
           </a:p>
@@ -2480,7 +2480,7 @@
             <a:fld id="{C33D5922-1A10-453D-B34B-87D0376FB0F9}" type="datetimeFigureOut">
               <a:rPr lang="en-US" smtClean="0"/>
               <a:pPr/>
-              <a:t>11-Mar-19</a:t>
+              <a:t>3/11/2019</a:t>
             </a:fld>
             <a:endParaRPr lang="en-US"/>
           </a:p>
@@ -2688,7 +2688,7 @@
             <a:fld id="{C33D5922-1A10-453D-B34B-87D0376FB0F9}" type="datetimeFigureOut">
               <a:rPr lang="en-US" smtClean="0"/>
               <a:pPr/>
-              <a:t>11-Mar-19</a:t>
+              <a:t>3/11/2019</a:t>
             </a:fld>
             <a:endParaRPr lang="en-US"/>
           </a:p>
@@ -4072,7 +4072,7 @@
         <p:spPr>
           <a:xfrm>
             <a:off x="1080345" y="5976964"/>
-            <a:ext cx="14761640" cy="10833735"/>
+            <a:ext cx="14761640" cy="9233297"/>
           </a:xfrm>
           <a:prstGeom prst="rect">
             <a:avLst/>
@@ -4097,6 +4097,7 @@
               <a:rPr lang="en-US" sz="3400" dirty="0"/>
               <a:t>is a form of programmed cell death that occurs in multicellular organisms</a:t>
             </a:r>
+            <a:endParaRPr lang="he-IL" sz="3400" dirty="0"/>
           </a:p>
           <a:p>
             <a:pPr marL="685800" indent="-685800">
@@ -4104,36 +4105,8 @@
               <a:buChar char="•"/>
             </a:pPr>
             <a:r>
-              <a:rPr lang="en-US" sz="3400" dirty="0">
-                <a:highlight>
-                  <a:srgbClr val="FFFF00"/>
-                </a:highlight>
-              </a:rPr>
-              <a:t>Two activation mechanisms – intrinsic pathway and extrinsic pathway</a:t>
-            </a:r>
-          </a:p>
-          <a:p>
-            <a:pPr marL="685800" indent="-685800">
-              <a:buFont typeface="Arial" panose="020B0604020202020204" pitchFamily="34" charset="0"/>
-              <a:buChar char="•"/>
-            </a:pPr>
-            <a:r>
               <a:rPr lang="en-US" sz="3400" dirty="0"/>
               <a:t>Negative regulation of apoptosis inhibits cell death signaling pathways, helping tumors to evade cell death</a:t>
-            </a:r>
-          </a:p>
-          <a:p>
-            <a:pPr marL="685800" indent="-685800">
-              <a:buFont typeface="Arial" panose="020B0604020202020204" pitchFamily="34" charset="0"/>
-              <a:buChar char="•"/>
-            </a:pPr>
-            <a:r>
-              <a:rPr lang="en-US" sz="3400" dirty="0">
-                <a:highlight>
-                  <a:srgbClr val="FFFF00"/>
-                </a:highlight>
-              </a:rPr>
-              <a:t>Apoptotic cell disassembly – before the cell is disposed of, there is a process of disassembly</a:t>
             </a:r>
           </a:p>
           <a:p>
@@ -4334,7 +4307,7 @@
         </p:blipFill>
         <p:spPr>
           <a:xfrm>
-            <a:off x="11596321" y="3744894"/>
+            <a:off x="8677189" y="11765221"/>
             <a:ext cx="6068999" cy="2281201"/>
           </a:xfrm>
           <a:prstGeom prst="rect">
@@ -5066,6 +5039,154 @@
           </a:p>
         </p:txBody>
       </p:sp>
+      <p:sp>
+        <p:nvSpPr>
+          <p:cNvPr id="25" name="TextBox 24">
+            <a:extLst>
+              <a:ext uri="{FF2B5EF4-FFF2-40B4-BE49-F238E27FC236}">
+                <a16:creationId xmlns:a16="http://schemas.microsoft.com/office/drawing/2014/main" id="{DBB78202-4095-4C57-BC31-2098BA74ED69}"/>
+              </a:ext>
+            </a:extLst>
+          </p:cNvPr>
+          <p:cNvSpPr txBox="1"/>
+          <p:nvPr/>
+        </p:nvSpPr>
+        <p:spPr>
+          <a:xfrm>
+            <a:off x="17227760" y="18046139"/>
+            <a:ext cx="14761640" cy="2708434"/>
+          </a:xfrm>
+          <a:prstGeom prst="rect">
+            <a:avLst/>
+          </a:prstGeom>
+          <a:noFill/>
+        </p:spPr>
+        <p:txBody>
+          <a:bodyPr wrap="square" rtlCol="0">
+            <a:spAutoFit/>
+          </a:bodyPr>
+          <a:lstStyle/>
+          <a:p>
+            <a:r>
+              <a:rPr lang="en-US" sz="3400" dirty="0" err="1">
+                <a:ln w="0"/>
+                <a:solidFill>
+                  <a:schemeClr val="accent4">
+                    <a:lumMod val="75000"/>
+                  </a:schemeClr>
+                </a:solidFill>
+                <a:effectLst>
+                  <a:outerShdw blurRad="38100" dist="25400" dir="5400000" algn="ctr" rotWithShape="0">
+                    <a:srgbClr val="6E747A">
+                      <a:alpha val="43000"/>
+                    </a:srgbClr>
+                  </a:outerShdw>
+                </a:effectLst>
+              </a:rPr>
+              <a:t>Kmeans</a:t>
+            </a:r>
+            <a:endParaRPr lang="en-US" sz="3400" dirty="0">
+              <a:ln w="0"/>
+              <a:solidFill>
+                <a:schemeClr val="accent4">
+                  <a:lumMod val="75000"/>
+                </a:schemeClr>
+              </a:solidFill>
+              <a:effectLst>
+                <a:outerShdw blurRad="38100" dist="25400" dir="5400000" algn="ctr" rotWithShape="0">
+                  <a:srgbClr val="6E747A">
+                    <a:alpha val="43000"/>
+                  </a:srgbClr>
+                </a:outerShdw>
+              </a:effectLst>
+            </a:endParaRPr>
+          </a:p>
+          <a:p>
+            <a:r>
+              <a:rPr lang="en-US" sz="3400" dirty="0"/>
+              <a:t>We used </a:t>
+            </a:r>
+            <a:r>
+              <a:rPr lang="en-US" sz="3400" dirty="0" err="1"/>
+              <a:t>Kmeans</a:t>
+            </a:r>
+            <a:r>
+              <a:rPr lang="en-US" sz="3400" dirty="0"/>
+              <a:t> clustering with 3 clusters on the data.</a:t>
+            </a:r>
+          </a:p>
+          <a:p>
+            <a:r>
+              <a:rPr lang="en-US" sz="3400" dirty="0">
+                <a:ln w="0"/>
+                <a:solidFill>
+                  <a:schemeClr val="accent4">
+                    <a:lumMod val="75000"/>
+                  </a:schemeClr>
+                </a:solidFill>
+                <a:effectLst>
+                  <a:outerShdw blurRad="38100" dist="25400" dir="5400000" algn="ctr" rotWithShape="0">
+                    <a:srgbClr val="6E747A">
+                      <a:alpha val="43000"/>
+                    </a:srgbClr>
+                  </a:outerShdw>
+                </a:effectLst>
+              </a:rPr>
+              <a:t>Hierarchical Clustering</a:t>
+            </a:r>
+          </a:p>
+          <a:p>
+            <a:r>
+              <a:rPr lang="en-US" sz="3400" dirty="0"/>
+              <a:t>We used Agglomerative clustering algorithm for hierarchical clustering to compare</a:t>
+            </a:r>
+          </a:p>
+          <a:p>
+            <a:r>
+              <a:rPr lang="en-US" sz="3400" dirty="0"/>
+              <a:t>Its results to </a:t>
+            </a:r>
+            <a:r>
+              <a:rPr lang="en-US" sz="3400" dirty="0" err="1"/>
+              <a:t>Kmeans</a:t>
+            </a:r>
+            <a:r>
+              <a:rPr lang="en-US" sz="3400" dirty="0"/>
+              <a:t> with the same amount of clusters.</a:t>
+            </a:r>
+          </a:p>
+        </p:txBody>
+      </p:sp>
+      <p:pic>
+        <p:nvPicPr>
+          <p:cNvPr id="2" name="Picture 1">
+            <a:extLst>
+              <a:ext uri="{FF2B5EF4-FFF2-40B4-BE49-F238E27FC236}">
+                <a16:creationId xmlns:a16="http://schemas.microsoft.com/office/drawing/2014/main" id="{420C307D-0F08-4157-8A7F-D1E796CBB31F}"/>
+              </a:ext>
+            </a:extLst>
+          </p:cNvPr>
+          <p:cNvPicPr>
+            <a:picLocks noChangeAspect="1"/>
+          </p:cNvPicPr>
+          <p:nvPr/>
+        </p:nvPicPr>
+        <p:blipFill>
+          <a:blip r:embed="rId6"/>
+          <a:stretch>
+            <a:fillRect/>
+          </a:stretch>
+        </p:blipFill>
+        <p:spPr>
+          <a:xfrm>
+            <a:off x="19586401" y="21485542"/>
+            <a:ext cx="9721080" cy="7507204"/>
+          </a:xfrm>
+          <a:prstGeom prst="rect">
+            <a:avLst/>
+          </a:prstGeom>
+        </p:spPr>
+      </p:pic>
     </p:spTree>
   </p:cSld>
   <p:clrMapOvr>

--- a/Project/project_poster.pptx
+++ b/Project/project_poster.pptx
@@ -4315,389 +4315,504 @@
           </a:prstGeom>
         </p:spPr>
       </p:pic>
-      <p:sp>
-        <p:nvSpPr>
-          <p:cNvPr id="37" name="TextBox 36">
-            <a:extLst>
-              <a:ext uri="{FF2B5EF4-FFF2-40B4-BE49-F238E27FC236}">
-                <a16:creationId xmlns:a16="http://schemas.microsoft.com/office/drawing/2014/main" id="{F92EC576-90EE-4208-A83B-5BE276CEA082}"/>
-              </a:ext>
-            </a:extLst>
-          </p:cNvPr>
-          <p:cNvSpPr txBox="1"/>
-          <p:nvPr/>
-        </p:nvSpPr>
-        <p:spPr>
-          <a:xfrm>
-            <a:off x="1080345" y="20882620"/>
-            <a:ext cx="15193688" cy="19974699"/>
-          </a:xfrm>
-          <a:prstGeom prst="rect">
-            <a:avLst/>
-          </a:prstGeom>
-          <a:noFill/>
-        </p:spPr>
-        <p:txBody>
-          <a:bodyPr wrap="square" rtlCol="0">
-            <a:spAutoFit/>
-          </a:bodyPr>
-          <a:lstStyle/>
-          <a:p>
-            <a:pPr marL="285750" indent="-285750">
-              <a:buFont typeface="Arial" panose="020B0604020202020204" pitchFamily="34" charset="0"/>
-              <a:buChar char="•"/>
-            </a:pPr>
-            <a:r>
-              <a:rPr lang="en-US" sz="3400" b="1" u="sng" dirty="0"/>
-              <a:t>GEO</a:t>
-            </a:r>
-            <a:r>
-              <a:rPr lang="en-US" sz="3400" dirty="0"/>
-              <a:t> – public genomics data repository</a:t>
-            </a:r>
-          </a:p>
-          <a:p>
-            <a:pPr marL="285750" indent="-285750">
-              <a:buFont typeface="Arial" panose="020B0604020202020204" pitchFamily="34" charset="0"/>
-              <a:buChar char="•"/>
-            </a:pPr>
-            <a:r>
-              <a:rPr lang="en-US" sz="3400" b="1" u="sng" dirty="0" err="1"/>
-              <a:t>AmiGo</a:t>
-            </a:r>
-            <a:r>
-              <a:rPr lang="en-US" sz="3400" dirty="0"/>
-              <a:t> – Web-based set of tools for searching and browsing the gene ontology. database. We used it to obtain a list of GO terms associated with apoptosis.</a:t>
-            </a:r>
-          </a:p>
-          <a:p>
-            <a:pPr marL="285750" indent="-285750">
-              <a:buFont typeface="Arial" panose="020B0604020202020204" pitchFamily="34" charset="0"/>
-              <a:buChar char="•"/>
-            </a:pPr>
-            <a:r>
-              <a:rPr lang="en-US" sz="3400" b="1" u="sng" dirty="0" err="1"/>
-              <a:t>Scikit</a:t>
-            </a:r>
-            <a:r>
-              <a:rPr lang="en-US" sz="3400" b="1" u="sng" dirty="0"/>
-              <a:t>-learn</a:t>
-            </a:r>
-            <a:r>
-              <a:rPr lang="en-US" sz="3400" dirty="0"/>
-              <a:t> – Python library for machine learning.</a:t>
-            </a:r>
-            <a:endParaRPr lang="en-US" sz="3400" b="1" u="sng" dirty="0"/>
-          </a:p>
-          <a:p>
-            <a:endParaRPr lang="en-US" sz="3400" dirty="0"/>
-          </a:p>
-          <a:p>
-            <a:r>
-              <a:rPr lang="en-US" sz="3400" dirty="0">
-                <a:ln w="0"/>
-                <a:solidFill>
-                  <a:schemeClr val="accent4">
-                    <a:lumMod val="75000"/>
-                  </a:schemeClr>
-                </a:solidFill>
-                <a:effectLst>
-                  <a:outerShdw blurRad="38100" dist="25400" dir="5400000" algn="ctr" rotWithShape="0">
-                    <a:srgbClr val="6E747A">
-                      <a:alpha val="43000"/>
-                    </a:srgbClr>
-                  </a:outerShdw>
-                </a:effectLst>
-              </a:rPr>
-              <a:t>Building the dataset</a:t>
-            </a:r>
-            <a:endParaRPr lang="en-US" sz="3400" dirty="0"/>
-          </a:p>
-          <a:p>
-            <a:pPr marL="571500" indent="-571500">
-              <a:buFont typeface="Arial" panose="020B0604020202020204" pitchFamily="34" charset="0"/>
-              <a:buChar char="•"/>
-            </a:pPr>
-            <a:r>
-              <a:rPr lang="en-US" sz="3400" dirty="0"/>
-              <a:t>Uniting all probes that belong to the same gene by calculating expression means.</a:t>
-            </a:r>
-          </a:p>
-          <a:p>
-            <a:pPr marL="571500" indent="-571500">
-              <a:buFont typeface="Arial" panose="020B0604020202020204" pitchFamily="34" charset="0"/>
-              <a:buChar char="•"/>
-            </a:pPr>
-            <a:r>
-              <a:rPr lang="en-US" sz="3400" dirty="0"/>
-              <a:t>Labeling the data using process GO term: label ‘TRUE’ for genes associated with apoptosis GO terms and label ‘FALSE’ otherwise.</a:t>
-            </a:r>
-          </a:p>
-          <a:p>
-            <a:pPr marL="571500" indent="-571500">
-              <a:buFont typeface="Arial" panose="020B0604020202020204" pitchFamily="34" charset="0"/>
-              <a:buChar char="•"/>
-            </a:pPr>
-            <a:r>
-              <a:rPr lang="en-US" sz="3400" dirty="0"/>
-              <a:t>10.74% of genes are labeled ‘TRUE’ in the initial dataset.</a:t>
-            </a:r>
-          </a:p>
-          <a:p>
-            <a:endParaRPr lang="en-US" sz="3400" dirty="0"/>
-          </a:p>
-          <a:p>
-            <a:r>
-              <a:rPr lang="en-US" sz="3400" dirty="0">
-                <a:ln w="0"/>
-                <a:solidFill>
-                  <a:schemeClr val="accent4">
-                    <a:lumMod val="75000"/>
-                  </a:schemeClr>
-                </a:solidFill>
-                <a:effectLst>
-                  <a:outerShdw blurRad="38100" dist="25400" dir="5400000" algn="ctr" rotWithShape="0">
-                    <a:srgbClr val="6E747A">
-                      <a:alpha val="43000"/>
-                    </a:srgbClr>
-                  </a:outerShdw>
-                </a:effectLst>
-              </a:rPr>
-              <a:t>Scoring methods - classifying</a:t>
-            </a:r>
-            <a:endParaRPr lang="en-US" sz="3400" dirty="0"/>
-          </a:p>
-          <a:p>
-            <a:pPr marL="571500" indent="-571500">
-              <a:buFont typeface="Arial" panose="020B0604020202020204" pitchFamily="34" charset="0"/>
-              <a:buChar char="•"/>
-            </a:pPr>
-            <a:r>
-              <a:rPr lang="en-US" sz="3400" dirty="0"/>
-              <a:t>Accuracy: percent of genes correctly classified.</a:t>
-            </a:r>
-          </a:p>
-          <a:p>
-            <a:pPr marL="571500" indent="-571500">
-              <a:buFont typeface="Arial" panose="020B0604020202020204" pitchFamily="34" charset="0"/>
-              <a:buChar char="•"/>
-            </a:pPr>
-            <a:r>
-              <a:rPr lang="en-US" sz="3400" dirty="0"/>
-              <a:t>Precision: the fraction of true positives out of all genes classified as ‘true’.</a:t>
-            </a:r>
-          </a:p>
-          <a:p>
-            <a:pPr marL="571500" indent="-571500">
-              <a:buFont typeface="Arial" panose="020B0604020202020204" pitchFamily="34" charset="0"/>
-              <a:buChar char="•"/>
-            </a:pPr>
-            <a:r>
-              <a:rPr lang="en-US" sz="3400" dirty="0"/>
-              <a:t>Recall: the fraction of true positives out of all genes with actual ‘true’’ label.</a:t>
-            </a:r>
-          </a:p>
-          <a:p>
-            <a:pPr marL="571500" indent="-571500">
-              <a:buFont typeface="Arial" panose="020B0604020202020204" pitchFamily="34" charset="0"/>
-              <a:buChar char="•"/>
-            </a:pPr>
-            <a:endParaRPr lang="en-US" sz="3400" dirty="0"/>
-          </a:p>
-          <a:p>
-            <a:r>
-              <a:rPr lang="en-US" sz="3400" dirty="0">
-                <a:ln w="0"/>
-                <a:solidFill>
-                  <a:schemeClr val="accent4">
-                    <a:lumMod val="75000"/>
-                  </a:schemeClr>
-                </a:solidFill>
-                <a:effectLst>
-                  <a:outerShdw blurRad="38100" dist="25400" dir="5400000" algn="ctr" rotWithShape="0">
-                    <a:srgbClr val="6E747A">
-                      <a:alpha val="43000"/>
-                    </a:srgbClr>
-                  </a:outerShdw>
-                </a:effectLst>
-              </a:rPr>
-              <a:t>Scoring methods - clustering</a:t>
-            </a:r>
-            <a:endParaRPr lang="en-US" sz="3400" dirty="0"/>
-          </a:p>
-          <a:p>
-            <a:r>
-              <a:rPr lang="en-US" sz="3400" b="1" dirty="0">
-                <a:solidFill>
-                  <a:srgbClr val="FF0000"/>
-                </a:solidFill>
-              </a:rPr>
-              <a:t>TODO: </a:t>
-            </a:r>
-            <a:r>
-              <a:rPr lang="en-US" sz="3400" dirty="0">
-                <a:solidFill>
-                  <a:srgbClr val="FF0000"/>
-                </a:solidFill>
-              </a:rPr>
-              <a:t>explain silhouette / entropy / semi-supervised</a:t>
-            </a:r>
-            <a:endParaRPr lang="en-US" sz="3400" b="1" dirty="0">
-              <a:solidFill>
-                <a:srgbClr val="FF0000"/>
-              </a:solidFill>
-            </a:endParaRPr>
-          </a:p>
-          <a:p>
-            <a:pPr marL="571500" indent="-571500">
-              <a:buFont typeface="Arial" panose="020B0604020202020204" pitchFamily="34" charset="0"/>
-              <a:buChar char="•"/>
-            </a:pPr>
-            <a:endParaRPr lang="en-US" sz="3400" dirty="0"/>
-          </a:p>
-          <a:p>
-            <a:r>
-              <a:rPr lang="en-US" sz="3400" dirty="0">
-                <a:ln w="0"/>
-                <a:solidFill>
-                  <a:schemeClr val="accent4">
-                    <a:lumMod val="75000"/>
-                  </a:schemeClr>
-                </a:solidFill>
-                <a:effectLst>
-                  <a:outerShdw blurRad="38100" dist="25400" dir="5400000" algn="ctr" rotWithShape="0">
-                    <a:srgbClr val="6E747A">
-                      <a:alpha val="43000"/>
-                    </a:srgbClr>
-                  </a:outerShdw>
-                </a:effectLst>
-              </a:rPr>
-              <a:t>Data preparation and preprocessing</a:t>
-            </a:r>
-            <a:endParaRPr lang="en-US" sz="3400" dirty="0"/>
-          </a:p>
-          <a:p>
-            <a:pPr marL="571500" indent="-571500">
-              <a:buFont typeface="Arial" panose="020B0604020202020204" pitchFamily="34" charset="0"/>
-              <a:buChar char="•"/>
-            </a:pPr>
-            <a:r>
-              <a:rPr lang="en-US" sz="3400" dirty="0"/>
-              <a:t>Dividing the data into training and test sets.</a:t>
-            </a:r>
-          </a:p>
-          <a:p>
-            <a:pPr marL="571500" indent="-571500">
-              <a:buFont typeface="Arial" panose="020B0604020202020204" pitchFamily="34" charset="0"/>
-              <a:buChar char="•"/>
-            </a:pPr>
-            <a:r>
-              <a:rPr lang="en-US" sz="3400" dirty="0"/>
-              <a:t>Normalizing and removing genes with</a:t>
-            </a:r>
-          </a:p>
-          <a:p>
-            <a:r>
-              <a:rPr lang="en-US" sz="3400" dirty="0"/>
-              <a:t>      low-variance from the train set.</a:t>
-            </a:r>
-          </a:p>
-          <a:p>
-            <a:r>
-              <a:rPr lang="en-US" sz="3400" dirty="0"/>
-              <a:t>      We performed a tuning of the variance</a:t>
-            </a:r>
-          </a:p>
-          <a:p>
-            <a:r>
-              <a:rPr lang="en-US" sz="3400" dirty="0"/>
-              <a:t>      threshold that was used for filtering.</a:t>
-            </a:r>
-          </a:p>
-          <a:p>
-            <a:r>
-              <a:rPr lang="en-US" sz="3400" dirty="0"/>
-              <a:t>      For score evaluation we used a</a:t>
-            </a:r>
-          </a:p>
-          <a:p>
-            <a:r>
-              <a:rPr lang="en-US" sz="3400" dirty="0"/>
-              <a:t>      decision-tree classifier with default</a:t>
-            </a:r>
-          </a:p>
-          <a:p>
-            <a:r>
-              <a:rPr lang="en-US" sz="3400" dirty="0"/>
-              <a:t>      parameters.</a:t>
-            </a:r>
-          </a:p>
-          <a:p>
-            <a:r>
-              <a:rPr lang="en-US" sz="3400" dirty="0"/>
-              <a:t>      We chose a threshold of 0.00005.</a:t>
-            </a:r>
-          </a:p>
-          <a:p>
-            <a:pPr marL="571500" indent="-571500">
-              <a:buFont typeface="Arial" panose="020B0604020202020204" pitchFamily="34" charset="0"/>
-              <a:buChar char="•"/>
-            </a:pPr>
-            <a:r>
-              <a:rPr lang="en-US" sz="3400" dirty="0"/>
-              <a:t>Oversampling the train set, so that genes</a:t>
-            </a:r>
-          </a:p>
-          <a:p>
-            <a:r>
-              <a:rPr lang="en-US" sz="3400" dirty="0"/>
-              <a:t>      with label ‘TRUE’ take a bigger part of the</a:t>
-            </a:r>
-          </a:p>
-          <a:p>
-            <a:r>
-              <a:rPr lang="en-US" sz="3400" dirty="0"/>
-              <a:t>      dataset. We performed a tuning of the</a:t>
-            </a:r>
-          </a:p>
-          <a:p>
-            <a:r>
-              <a:rPr lang="en-US" sz="3400" dirty="0"/>
-              <a:t>      desired ratio between ‘FALSE’ and ‘TRUE’</a:t>
-            </a:r>
-          </a:p>
-          <a:p>
-            <a:r>
-              <a:rPr lang="en-US" sz="3400" dirty="0"/>
-              <a:t>      labels. Number of ‘FALSE’ genes is</a:t>
-            </a:r>
-          </a:p>
-          <a:p>
-            <a:r>
-              <a:rPr lang="en-US" sz="3400" dirty="0"/>
-              <a:t>      multiplied by coefficient to obtain new</a:t>
-            </a:r>
-          </a:p>
-          <a:p>
-            <a:r>
-              <a:rPr lang="en-US" sz="3400" dirty="0"/>
-              <a:t>      number of ‘TRUE’ genes.</a:t>
-            </a:r>
-          </a:p>
-          <a:p>
-            <a:r>
-              <a:rPr lang="en-US" sz="3400" dirty="0"/>
-              <a:t>      We chose coefficient 1, so that ratio between</a:t>
-            </a:r>
-          </a:p>
-          <a:p>
-            <a:r>
-              <a:rPr lang="en-US" sz="3400" dirty="0"/>
-              <a:t>      ‘FALSE’ and ‘TRUE’ is 1:1.</a:t>
-            </a:r>
-          </a:p>
-        </p:txBody>
-      </p:sp>
+      <mc:AlternateContent xmlns:mc="http://schemas.openxmlformats.org/markup-compatibility/2006">
+        <mc:Choice xmlns:a14="http://schemas.microsoft.com/office/drawing/2010/main" Requires="a14">
+          <p:sp>
+            <p:nvSpPr>
+              <p:cNvPr id="37" name="TextBox 36">
+                <a:extLst>
+                  <a:ext uri="{FF2B5EF4-FFF2-40B4-BE49-F238E27FC236}">
+                    <a16:creationId xmlns:a16="http://schemas.microsoft.com/office/drawing/2014/main" id="{F92EC576-90EE-4208-A83B-5BE276CEA082}"/>
+                  </a:ext>
+                </a:extLst>
+              </p:cNvPr>
+              <p:cNvSpPr txBox="1"/>
+              <p:nvPr/>
+            </p:nvSpPr>
+            <p:spPr>
+              <a:xfrm>
+                <a:off x="1080345" y="20882620"/>
+                <a:ext cx="15193688" cy="20202262"/>
+              </a:xfrm>
+              <a:prstGeom prst="rect">
+                <a:avLst/>
+              </a:prstGeom>
+              <a:noFill/>
+            </p:spPr>
+            <p:txBody>
+              <a:bodyPr wrap="square" rtlCol="0">
+                <a:spAutoFit/>
+              </a:bodyPr>
+              <a:lstStyle/>
+              <a:p>
+                <a:pPr marL="285750" indent="-285750">
+                  <a:buFont typeface="Arial" panose="020B0604020202020204" pitchFamily="34" charset="0"/>
+                  <a:buChar char="•"/>
+                </a:pPr>
+                <a:r>
+                  <a:rPr lang="en-US" sz="3400" b="1" u="sng" dirty="0"/>
+                  <a:t>GEO</a:t>
+                </a:r>
+                <a:r>
+                  <a:rPr lang="en-US" sz="3400" dirty="0"/>
+                  <a:t> – public genomics data repository</a:t>
+                </a:r>
+              </a:p>
+              <a:p>
+                <a:pPr marL="285750" indent="-285750">
+                  <a:buFont typeface="Arial" panose="020B0604020202020204" pitchFamily="34" charset="0"/>
+                  <a:buChar char="•"/>
+                </a:pPr>
+                <a:r>
+                  <a:rPr lang="en-US" sz="3400" b="1" u="sng" dirty="0" err="1"/>
+                  <a:t>AmiGo</a:t>
+                </a:r>
+                <a:r>
+                  <a:rPr lang="en-US" sz="3400" dirty="0"/>
+                  <a:t> – Web-based set of tools for searching and browsing the gene ontology. database. We used it to obtain a list of GO terms associated with apoptosis.</a:t>
+                </a:r>
+              </a:p>
+              <a:p>
+                <a:pPr marL="285750" indent="-285750">
+                  <a:buFont typeface="Arial" panose="020B0604020202020204" pitchFamily="34" charset="0"/>
+                  <a:buChar char="•"/>
+                </a:pPr>
+                <a:r>
+                  <a:rPr lang="en-US" sz="3400" b="1" u="sng" dirty="0" err="1"/>
+                  <a:t>Scikit</a:t>
+                </a:r>
+                <a:r>
+                  <a:rPr lang="en-US" sz="3400" b="1" u="sng" dirty="0"/>
+                  <a:t>-learn</a:t>
+                </a:r>
+                <a:r>
+                  <a:rPr lang="en-US" sz="3400" dirty="0"/>
+                  <a:t> – Python library for machine learning.</a:t>
+                </a:r>
+                <a:endParaRPr lang="en-US" sz="3400" b="1" u="sng" dirty="0"/>
+              </a:p>
+              <a:p>
+                <a:endParaRPr lang="en-US" sz="3400" dirty="0"/>
+              </a:p>
+              <a:p>
+                <a:r>
+                  <a:rPr lang="en-US" sz="3400" dirty="0">
+                    <a:ln w="0"/>
+                    <a:solidFill>
+                      <a:schemeClr val="accent4">
+                        <a:lumMod val="75000"/>
+                      </a:schemeClr>
+                    </a:solidFill>
+                    <a:effectLst>
+                      <a:outerShdw blurRad="38100" dist="25400" dir="5400000" algn="ctr" rotWithShape="0">
+                        <a:srgbClr val="6E747A">
+                          <a:alpha val="43000"/>
+                        </a:srgbClr>
+                      </a:outerShdw>
+                    </a:effectLst>
+                  </a:rPr>
+                  <a:t>Building the dataset</a:t>
+                </a:r>
+                <a:endParaRPr lang="en-US" sz="3400" dirty="0"/>
+              </a:p>
+              <a:p>
+                <a:pPr marL="571500" indent="-571500">
+                  <a:buFont typeface="Arial" panose="020B0604020202020204" pitchFamily="34" charset="0"/>
+                  <a:buChar char="•"/>
+                </a:pPr>
+                <a:r>
+                  <a:rPr lang="en-US" sz="3400" dirty="0"/>
+                  <a:t>Uniting all probes that belong to the same gene by calculating expression means.</a:t>
+                </a:r>
+              </a:p>
+              <a:p>
+                <a:pPr marL="571500" indent="-571500">
+                  <a:buFont typeface="Arial" panose="020B0604020202020204" pitchFamily="34" charset="0"/>
+                  <a:buChar char="•"/>
+                </a:pPr>
+                <a:r>
+                  <a:rPr lang="en-US" sz="3400" dirty="0"/>
+                  <a:t>Labeling the data using process GO term: label ‘TRUE’ for genes associated with apoptosis GO terms and label ‘FALSE’ otherwise.</a:t>
+                </a:r>
+              </a:p>
+              <a:p>
+                <a:pPr marL="571500" indent="-571500">
+                  <a:buFont typeface="Arial" panose="020B0604020202020204" pitchFamily="34" charset="0"/>
+                  <a:buChar char="•"/>
+                </a:pPr>
+                <a:r>
+                  <a:rPr lang="en-US" sz="3400" dirty="0"/>
+                  <a:t>10.74% of genes are labeled ‘TRUE’ in the initial dataset.</a:t>
+                </a:r>
+              </a:p>
+              <a:p>
+                <a:endParaRPr lang="en-US" sz="3400" dirty="0"/>
+              </a:p>
+              <a:p>
+                <a:r>
+                  <a:rPr lang="en-US" sz="3400" dirty="0">
+                    <a:ln w="0"/>
+                    <a:solidFill>
+                      <a:schemeClr val="accent4">
+                        <a:lumMod val="75000"/>
+                      </a:schemeClr>
+                    </a:solidFill>
+                    <a:effectLst>
+                      <a:outerShdw blurRad="38100" dist="25400" dir="5400000" algn="ctr" rotWithShape="0">
+                        <a:srgbClr val="6E747A">
+                          <a:alpha val="43000"/>
+                        </a:srgbClr>
+                      </a:outerShdw>
+                    </a:effectLst>
+                  </a:rPr>
+                  <a:t>Scoring methods - classifying</a:t>
+                </a:r>
+                <a:endParaRPr lang="en-US" sz="3400" dirty="0"/>
+              </a:p>
+              <a:p>
+                <a:pPr marL="571500" indent="-571500">
+                  <a:buFont typeface="Arial" panose="020B0604020202020204" pitchFamily="34" charset="0"/>
+                  <a:buChar char="•"/>
+                </a:pPr>
+                <a:r>
+                  <a:rPr lang="en-US" sz="3400" dirty="0"/>
+                  <a:t>Accuracy: percent of genes correctly classified.</a:t>
+                </a:r>
+              </a:p>
+              <a:p>
+                <a:pPr marL="571500" indent="-571500">
+                  <a:buFont typeface="Arial" panose="020B0604020202020204" pitchFamily="34" charset="0"/>
+                  <a:buChar char="•"/>
+                </a:pPr>
+                <a:r>
+                  <a:rPr lang="en-US" sz="3400" dirty="0"/>
+                  <a:t>Precision: the fraction of true positives out of all genes classified as ‘true’.</a:t>
+                </a:r>
+              </a:p>
+              <a:p>
+                <a:pPr marL="571500" indent="-571500">
+                  <a:buFont typeface="Arial" panose="020B0604020202020204" pitchFamily="34" charset="0"/>
+                  <a:buChar char="•"/>
+                </a:pPr>
+                <a:r>
+                  <a:rPr lang="en-US" sz="3400" dirty="0"/>
+                  <a:t>Recall: the fraction of true positives out of all genes with actual ‘true’’ label.</a:t>
+                </a:r>
+              </a:p>
+              <a:p>
+                <a:pPr marL="571500" indent="-571500">
+                  <a:buFont typeface="Arial" panose="020B0604020202020204" pitchFamily="34" charset="0"/>
+                  <a:buChar char="•"/>
+                </a:pPr>
+                <a:endParaRPr lang="en-US" sz="3400" dirty="0"/>
+              </a:p>
+              <a:p>
+                <a:r>
+                  <a:rPr lang="en-US" sz="3400" dirty="0">
+                    <a:ln w="0"/>
+                    <a:solidFill>
+                      <a:schemeClr val="accent4">
+                        <a:lumMod val="75000"/>
+                      </a:schemeClr>
+                    </a:solidFill>
+                    <a:effectLst>
+                      <a:outerShdw blurRad="38100" dist="25400" dir="5400000" algn="ctr" rotWithShape="0">
+                        <a:srgbClr val="6E747A">
+                          <a:alpha val="43000"/>
+                        </a:srgbClr>
+                      </a:outerShdw>
+                    </a:effectLst>
+                  </a:rPr>
+                  <a:t>Scoring methods - clustering</a:t>
+                </a:r>
+                <a:endParaRPr lang="en-US" sz="3400" dirty="0"/>
+              </a:p>
+              <a:p>
+                <a:pPr marL="571500" indent="-571500">
+                  <a:buFont typeface="Arial" panose="020B0604020202020204" pitchFamily="34" charset="0"/>
+                  <a:buChar char="•"/>
+                </a:pPr>
+                <a:r>
+                  <a:rPr lang="en-US" sz="3400" dirty="0"/>
+                  <a:t>Silhouette score: mean intra cluster distance (a) and mean nearest cluster distance (b) for each sample calculated as </a:t>
+                </a:r>
+                <a14:m>
+                  <m:oMath xmlns:m="http://schemas.openxmlformats.org/officeDocument/2006/math">
+                    <m:f>
+                      <m:fPr>
+                        <m:ctrlPr>
+                          <a:rPr lang="en-US" sz="3400" b="0" i="1" smtClean="0">
+                            <a:latin typeface="Cambria Math" panose="02040503050406030204" pitchFamily="18" charset="0"/>
+                          </a:rPr>
+                        </m:ctrlPr>
+                      </m:fPr>
+                      <m:num>
+                        <m:r>
+                          <a:rPr lang="en-US" sz="3400" b="0" i="1" smtClean="0">
+                            <a:latin typeface="Cambria Math" panose="02040503050406030204" pitchFamily="18" charset="0"/>
+                          </a:rPr>
+                          <m:t>𝑏</m:t>
+                        </m:r>
+                        <m:r>
+                          <a:rPr lang="en-US" sz="3400" b="0" i="1" smtClean="0">
+                            <a:latin typeface="Cambria Math" panose="02040503050406030204" pitchFamily="18" charset="0"/>
+                          </a:rPr>
+                          <m:t>−</m:t>
+                        </m:r>
+                        <m:r>
+                          <a:rPr lang="en-US" sz="3400" b="0" i="1" smtClean="0">
+                            <a:latin typeface="Cambria Math" panose="02040503050406030204" pitchFamily="18" charset="0"/>
+                          </a:rPr>
+                          <m:t>𝑎</m:t>
+                        </m:r>
+                      </m:num>
+                      <m:den>
+                        <m:func>
+                          <m:funcPr>
+                            <m:ctrlPr>
+                              <a:rPr lang="en-US" sz="3400" b="0" i="1" smtClean="0">
+                                <a:latin typeface="Cambria Math" panose="02040503050406030204" pitchFamily="18" charset="0"/>
+                              </a:rPr>
+                            </m:ctrlPr>
+                          </m:funcPr>
+                          <m:fName>
+                            <m:r>
+                              <m:rPr>
+                                <m:sty m:val="p"/>
+                              </m:rPr>
+                              <a:rPr lang="en-US" sz="3400" b="0" i="0" smtClean="0">
+                                <a:latin typeface="Cambria Math" panose="02040503050406030204" pitchFamily="18" charset="0"/>
+                              </a:rPr>
+                              <m:t>max</m:t>
+                            </m:r>
+                          </m:fName>
+                          <m:e>
+                            <m:d>
+                              <m:dPr>
+                                <m:ctrlPr>
+                                  <a:rPr lang="en-US" sz="3400" b="0" i="1" smtClean="0">
+                                    <a:latin typeface="Cambria Math" panose="02040503050406030204" pitchFamily="18" charset="0"/>
+                                  </a:rPr>
+                                </m:ctrlPr>
+                              </m:dPr>
+                              <m:e>
+                                <m:r>
+                                  <a:rPr lang="en-US" sz="3400" b="0" i="1" smtClean="0">
+                                    <a:latin typeface="Cambria Math" panose="02040503050406030204" pitchFamily="18" charset="0"/>
+                                  </a:rPr>
+                                  <m:t>𝑎</m:t>
+                                </m:r>
+                                <m:r>
+                                  <a:rPr lang="en-US" sz="3400" b="0" i="1" smtClean="0">
+                                    <a:latin typeface="Cambria Math" panose="02040503050406030204" pitchFamily="18" charset="0"/>
+                                  </a:rPr>
+                                  <m:t>, </m:t>
+                                </m:r>
+                                <m:r>
+                                  <a:rPr lang="en-US" sz="3400" b="0" i="1" smtClean="0">
+                                    <a:latin typeface="Cambria Math" panose="02040503050406030204" pitchFamily="18" charset="0"/>
+                                  </a:rPr>
+                                  <m:t>𝑏</m:t>
+                                </m:r>
+                              </m:e>
+                            </m:d>
+                          </m:e>
+                        </m:func>
+                      </m:den>
+                    </m:f>
+                  </m:oMath>
+                </a14:m>
+                <a:endParaRPr lang="en-US" sz="3400" dirty="0"/>
+              </a:p>
+              <a:p>
+                <a:r>
+                  <a:rPr lang="en-US" sz="3400" dirty="0">
+                    <a:ln w="0"/>
+                    <a:solidFill>
+                      <a:schemeClr val="accent4">
+                        <a:lumMod val="75000"/>
+                      </a:schemeClr>
+                    </a:solidFill>
+                    <a:effectLst>
+                      <a:outerShdw blurRad="38100" dist="25400" dir="5400000" algn="ctr" rotWithShape="0">
+                        <a:srgbClr val="6E747A">
+                          <a:alpha val="43000"/>
+                        </a:srgbClr>
+                      </a:outerShdw>
+                    </a:effectLst>
+                  </a:rPr>
+                  <a:t>Data preparation and preprocessing</a:t>
+                </a:r>
+                <a:endParaRPr lang="en-US" sz="3400" dirty="0"/>
+              </a:p>
+              <a:p>
+                <a:pPr marL="571500" indent="-571500">
+                  <a:buFont typeface="Arial" panose="020B0604020202020204" pitchFamily="34" charset="0"/>
+                  <a:buChar char="•"/>
+                </a:pPr>
+                <a:r>
+                  <a:rPr lang="en-US" sz="3400" dirty="0"/>
+                  <a:t>Dividing the data into training and test sets.</a:t>
+                </a:r>
+              </a:p>
+              <a:p>
+                <a:pPr marL="571500" indent="-571500">
+                  <a:buFont typeface="Arial" panose="020B0604020202020204" pitchFamily="34" charset="0"/>
+                  <a:buChar char="•"/>
+                </a:pPr>
+                <a:r>
+                  <a:rPr lang="en-US" sz="3400" dirty="0"/>
+                  <a:t>Normalizing and removing genes with</a:t>
+                </a:r>
+              </a:p>
+              <a:p>
+                <a:r>
+                  <a:rPr lang="en-US" sz="3400" dirty="0"/>
+                  <a:t>      low-variance from the train set.</a:t>
+                </a:r>
+              </a:p>
+              <a:p>
+                <a:r>
+                  <a:rPr lang="en-US" sz="3400" dirty="0"/>
+                  <a:t>      We performed a tuning of the variance</a:t>
+                </a:r>
+              </a:p>
+              <a:p>
+                <a:r>
+                  <a:rPr lang="en-US" sz="3400" dirty="0"/>
+                  <a:t>      threshold that was used for filtering.</a:t>
+                </a:r>
+              </a:p>
+              <a:p>
+                <a:r>
+                  <a:rPr lang="en-US" sz="3400" dirty="0"/>
+                  <a:t>      For score evaluation we used a</a:t>
+                </a:r>
+              </a:p>
+              <a:p>
+                <a:r>
+                  <a:rPr lang="en-US" sz="3400" dirty="0"/>
+                  <a:t>      decision-tree classifier with default</a:t>
+                </a:r>
+              </a:p>
+              <a:p>
+                <a:r>
+                  <a:rPr lang="en-US" sz="3400" dirty="0"/>
+                  <a:t>      parameters.</a:t>
+                </a:r>
+              </a:p>
+              <a:p>
+                <a:r>
+                  <a:rPr lang="en-US" sz="3400" dirty="0"/>
+                  <a:t>      We chose a threshold of 0.00005.</a:t>
+                </a:r>
+              </a:p>
+              <a:p>
+                <a:pPr marL="571500" indent="-571500">
+                  <a:buFont typeface="Arial" panose="020B0604020202020204" pitchFamily="34" charset="0"/>
+                  <a:buChar char="•"/>
+                </a:pPr>
+                <a:r>
+                  <a:rPr lang="en-US" sz="3400" dirty="0"/>
+                  <a:t>Oversampling the train set, so that genes</a:t>
+                </a:r>
+              </a:p>
+              <a:p>
+                <a:r>
+                  <a:rPr lang="en-US" sz="3400" dirty="0"/>
+                  <a:t>      with label ‘TRUE’ take a bigger part of the</a:t>
+                </a:r>
+              </a:p>
+              <a:p>
+                <a:r>
+                  <a:rPr lang="en-US" sz="3400" dirty="0"/>
+                  <a:t>      dataset. We performed a tuning of the</a:t>
+                </a:r>
+              </a:p>
+              <a:p>
+                <a:r>
+                  <a:rPr lang="en-US" sz="3400" dirty="0"/>
+                  <a:t>      desired ratio between ‘FALSE’ and ‘TRUE’</a:t>
+                </a:r>
+              </a:p>
+              <a:p>
+                <a:r>
+                  <a:rPr lang="en-US" sz="3400" dirty="0"/>
+                  <a:t>      labels. Number of ‘FALSE’ genes is</a:t>
+                </a:r>
+              </a:p>
+              <a:p>
+                <a:r>
+                  <a:rPr lang="en-US" sz="3400" dirty="0"/>
+                  <a:t>      multiplied by coefficient to obtain new</a:t>
+                </a:r>
+              </a:p>
+              <a:p>
+                <a:r>
+                  <a:rPr lang="en-US" sz="3400" dirty="0"/>
+                  <a:t>      number of ‘TRUE’ genes.</a:t>
+                </a:r>
+              </a:p>
+              <a:p>
+                <a:r>
+                  <a:rPr lang="en-US" sz="3400" dirty="0"/>
+                  <a:t>      We chose coefficient 1, so that ratio between</a:t>
+                </a:r>
+              </a:p>
+              <a:p>
+                <a:r>
+                  <a:rPr lang="en-US" sz="3400" dirty="0"/>
+                  <a:t>      ‘FALSE’ and ‘TRUE’ is 1:1.</a:t>
+                </a:r>
+              </a:p>
+            </p:txBody>
+          </p:sp>
+        </mc:Choice>
+        <mc:Fallback>
+          <p:sp>
+            <p:nvSpPr>
+              <p:cNvPr id="37" name="TextBox 36">
+                <a:extLst>
+                  <a:ext uri="{FF2B5EF4-FFF2-40B4-BE49-F238E27FC236}">
+                    <a16:creationId xmlns:a16="http://schemas.microsoft.com/office/drawing/2014/main" id="{F92EC576-90EE-4208-A83B-5BE276CEA082}"/>
+                  </a:ext>
+                </a:extLst>
+              </p:cNvPr>
+              <p:cNvSpPr txBox="1">
+                <a:spLocks noRot="1" noChangeAspect="1" noMove="1" noResize="1" noEditPoints="1" noAdjustHandles="1" noChangeArrowheads="1" noChangeShapeType="1" noTextEdit="1"/>
+              </p:cNvSpPr>
+              <p:nvPr/>
+            </p:nvSpPr>
+            <p:spPr>
+              <a:xfrm>
+                <a:off x="1080345" y="20882620"/>
+                <a:ext cx="15193688" cy="20202262"/>
+              </a:xfrm>
+              <a:prstGeom prst="rect">
+                <a:avLst/>
+              </a:prstGeom>
+              <a:blipFill>
+                <a:blip r:embed="rId4"/>
+                <a:stretch>
+                  <a:fillRect l="-1243" t="-453" r="-1524" b="-362"/>
+                </a:stretch>
+              </a:blipFill>
+            </p:spPr>
+            <p:txBody>
+              <a:bodyPr/>
+              <a:lstStyle/>
+              <a:p>
+                <a:r>
+                  <a:rPr lang="en-IL">
+                    <a:noFill/>
+                  </a:rPr>
+                  <a:t> </a:t>
+                </a:r>
+              </a:p>
+            </p:txBody>
+          </p:sp>
+        </mc:Fallback>
+      </mc:AlternateContent>
       <p:pic>
         <p:nvPicPr>
           <p:cNvPr id="30" name="Picture 29">
@@ -4711,7 +4826,7 @@
           <p:nvPr/>
         </p:nvPicPr>
         <p:blipFill>
-          <a:blip r:embed="rId4"/>
+          <a:blip r:embed="rId5"/>
           <a:stretch>
             <a:fillRect/>
           </a:stretch>
@@ -4739,7 +4854,7 @@
           <p:nvPr/>
         </p:nvPicPr>
         <p:blipFill>
-          <a:blip r:embed="rId5"/>
+          <a:blip r:embed="rId6"/>
           <a:stretch>
             <a:fillRect/>
           </a:stretch>
@@ -5172,21 +5287,76 @@
           <p:nvPr/>
         </p:nvPicPr>
         <p:blipFill>
-          <a:blip r:embed="rId6"/>
+          <a:blip r:embed="rId7"/>
           <a:stretch>
             <a:fillRect/>
           </a:stretch>
         </p:blipFill>
         <p:spPr>
           <a:xfrm>
-            <a:off x="19586401" y="21485542"/>
-            <a:ext cx="9721080" cy="7507204"/>
+            <a:off x="19442385" y="20947541"/>
+            <a:ext cx="8424936" cy="6506244"/>
           </a:xfrm>
           <a:prstGeom prst="rect">
             <a:avLst/>
           </a:prstGeom>
         </p:spPr>
       </p:pic>
+      <p:sp>
+        <p:nvSpPr>
+          <p:cNvPr id="27" name="TextBox 26">
+            <a:extLst>
+              <a:ext uri="{FF2B5EF4-FFF2-40B4-BE49-F238E27FC236}">
+                <a16:creationId xmlns:a16="http://schemas.microsoft.com/office/drawing/2014/main" id="{C7C936CF-FBCC-4B09-A2F6-F9C3923A4D30}"/>
+              </a:ext>
+            </a:extLst>
+          </p:cNvPr>
+          <p:cNvSpPr txBox="1"/>
+          <p:nvPr/>
+        </p:nvSpPr>
+        <p:spPr>
+          <a:xfrm>
+            <a:off x="19298369" y="27573274"/>
+            <a:ext cx="14761640" cy="1015663"/>
+          </a:xfrm>
+          <a:prstGeom prst="rect">
+            <a:avLst/>
+          </a:prstGeom>
+          <a:noFill/>
+        </p:spPr>
+        <p:txBody>
+          <a:bodyPr wrap="square" rtlCol="0">
+            <a:spAutoFit/>
+          </a:bodyPr>
+          <a:lstStyle/>
+          <a:p>
+            <a:r>
+              <a:rPr lang="en-US" sz="2000" u="sng" dirty="0"/>
+              <a:t>Percentage of true labels per cluster</a:t>
+            </a:r>
+            <a:r>
+              <a:rPr lang="en-US" sz="2000" dirty="0"/>
+              <a:t>:</a:t>
+            </a:r>
+          </a:p>
+          <a:p>
+            <a:r>
+              <a:rPr lang="en-US" sz="2000" dirty="0"/>
+              <a:t>Cluster 0:  true labels:  0.2470960929250264</a:t>
+            </a:r>
+          </a:p>
+          <a:p>
+            <a:r>
+              <a:rPr lang="en-US" sz="2000"/>
+              <a:t>Cluster 1:  </a:t>
+            </a:r>
+            <a:r>
+              <a:rPr lang="en-US" sz="2000" dirty="0"/>
+              <a:t>true labels:  0.449438202247191</a:t>
+            </a:r>
+          </a:p>
+        </p:txBody>
+      </p:sp>
     </p:spTree>
   </p:cSld>
   <p:clrMapOvr>

--- a/Project/project_poster.pptx
+++ b/Project/project_poster.pptx
@@ -5347,12 +5347,8 @@
           </a:p>
           <a:p>
             <a:r>
-              <a:rPr lang="en-US" sz="2000"/>
-              <a:t>Cluster 1:  </a:t>
-            </a:r>
-            <a:r>
               <a:rPr lang="en-US" sz="2000" dirty="0"/>
-              <a:t>true labels:  0.449438202247191</a:t>
+              <a:t>Cluster 1:  true labels:  0.449438202247191</a:t>
             </a:r>
           </a:p>
         </p:txBody>

--- a/Project/project_poster.pptx
+++ b/Project/project_poster.pptx
@@ -303,7 +303,7 @@
             <a:fld id="{C33D5922-1A10-453D-B34B-87D0376FB0F9}" type="datetimeFigureOut">
               <a:rPr lang="en-US" smtClean="0"/>
               <a:pPr/>
-              <a:t>3/11/2019</a:t>
+              <a:t>11-Mar-19</a:t>
             </a:fld>
             <a:endParaRPr lang="en-US"/>
           </a:p>
@@ -468,7 +468,7 @@
             <a:fld id="{C33D5922-1A10-453D-B34B-87D0376FB0F9}" type="datetimeFigureOut">
               <a:rPr lang="en-US" smtClean="0"/>
               <a:pPr/>
-              <a:t>3/11/2019</a:t>
+              <a:t>11-Mar-19</a:t>
             </a:fld>
             <a:endParaRPr lang="en-US"/>
           </a:p>
@@ -643,7 +643,7 @@
             <a:fld id="{C33D5922-1A10-453D-B34B-87D0376FB0F9}" type="datetimeFigureOut">
               <a:rPr lang="en-US" smtClean="0"/>
               <a:pPr/>
-              <a:t>3/11/2019</a:t>
+              <a:t>11-Mar-19</a:t>
             </a:fld>
             <a:endParaRPr lang="en-US"/>
           </a:p>
@@ -808,7 +808,7 @@
             <a:fld id="{C33D5922-1A10-453D-B34B-87D0376FB0F9}" type="datetimeFigureOut">
               <a:rPr lang="en-US" smtClean="0"/>
               <a:pPr/>
-              <a:t>3/11/2019</a:t>
+              <a:t>11-Mar-19</a:t>
             </a:fld>
             <a:endParaRPr lang="en-US"/>
           </a:p>
@@ -1050,7 +1050,7 @@
             <a:fld id="{C33D5922-1A10-453D-B34B-87D0376FB0F9}" type="datetimeFigureOut">
               <a:rPr lang="en-US" smtClean="0"/>
               <a:pPr/>
-              <a:t>3/11/2019</a:t>
+              <a:t>11-Mar-19</a:t>
             </a:fld>
             <a:endParaRPr lang="en-US"/>
           </a:p>
@@ -1332,7 +1332,7 @@
             <a:fld id="{C33D5922-1A10-453D-B34B-87D0376FB0F9}" type="datetimeFigureOut">
               <a:rPr lang="en-US" smtClean="0"/>
               <a:pPr/>
-              <a:t>3/11/2019</a:t>
+              <a:t>11-Mar-19</a:t>
             </a:fld>
             <a:endParaRPr lang="en-US"/>
           </a:p>
@@ -1753,7 +1753,7 @@
             <a:fld id="{C33D5922-1A10-453D-B34B-87D0376FB0F9}" type="datetimeFigureOut">
               <a:rPr lang="en-US" smtClean="0"/>
               <a:pPr/>
-              <a:t>3/11/2019</a:t>
+              <a:t>11-Mar-19</a:t>
             </a:fld>
             <a:endParaRPr lang="en-US"/>
           </a:p>
@@ -1867,7 +1867,7 @@
             <a:fld id="{C33D5922-1A10-453D-B34B-87D0376FB0F9}" type="datetimeFigureOut">
               <a:rPr lang="en-US" smtClean="0"/>
               <a:pPr/>
-              <a:t>3/11/2019</a:t>
+              <a:t>11-Mar-19</a:t>
             </a:fld>
             <a:endParaRPr lang="en-US"/>
           </a:p>
@@ -1959,7 +1959,7 @@
             <a:fld id="{C33D5922-1A10-453D-B34B-87D0376FB0F9}" type="datetimeFigureOut">
               <a:rPr lang="en-US" smtClean="0"/>
               <a:pPr/>
-              <a:t>3/11/2019</a:t>
+              <a:t>11-Mar-19</a:t>
             </a:fld>
             <a:endParaRPr lang="en-US"/>
           </a:p>
@@ -2231,7 +2231,7 @@
             <a:fld id="{C33D5922-1A10-453D-B34B-87D0376FB0F9}" type="datetimeFigureOut">
               <a:rPr lang="en-US" smtClean="0"/>
               <a:pPr/>
-              <a:t>3/11/2019</a:t>
+              <a:t>11-Mar-19</a:t>
             </a:fld>
             <a:endParaRPr lang="en-US"/>
           </a:p>
@@ -2480,7 +2480,7 @@
             <a:fld id="{C33D5922-1A10-453D-B34B-87D0376FB0F9}" type="datetimeFigureOut">
               <a:rPr lang="en-US" smtClean="0"/>
               <a:pPr/>
-              <a:t>3/11/2019</a:t>
+              <a:t>11-Mar-19</a:t>
             </a:fld>
             <a:endParaRPr lang="en-US"/>
           </a:p>
@@ -2688,7 +2688,7 @@
             <a:fld id="{C33D5922-1A10-453D-B34B-87D0376FB0F9}" type="datetimeFigureOut">
               <a:rPr lang="en-US" smtClean="0"/>
               <a:pPr/>
-              <a:t>3/11/2019</a:t>
+              <a:t>11-Mar-19</a:t>
             </a:fld>
             <a:endParaRPr lang="en-US"/>
           </a:p>
@@ -3536,7 +3536,7 @@
         </p:nvSpPr>
         <p:spPr>
           <a:xfrm>
-            <a:off x="16941862" y="4876787"/>
+            <a:off x="16941862" y="4883062"/>
             <a:ext cx="14819246" cy="24780238"/>
           </a:xfrm>
           <a:prstGeom prst="flowChartAlternateProcess">
@@ -4072,7 +4072,7 @@
         <p:spPr>
           <a:xfrm>
             <a:off x="1080345" y="5976964"/>
-            <a:ext cx="14761640" cy="9233297"/>
+            <a:ext cx="14761640" cy="9941183"/>
           </a:xfrm>
           <a:prstGeom prst="rect">
             <a:avLst/>
@@ -4089,15 +4089,7 @@
               <a:buFont typeface="Arial" panose="020B0604020202020204" pitchFamily="34" charset="0"/>
               <a:buChar char="•"/>
             </a:pPr>
-            <a:r>
-              <a:rPr lang="en-US" sz="3400" b="1" dirty="0"/>
-              <a:t>Apoptosis </a:t>
-            </a:r>
-            <a:r>
-              <a:rPr lang="en-US" sz="3400" dirty="0"/>
-              <a:t>is a form of programmed cell death that occurs in multicellular organisms</a:t>
-            </a:r>
-            <a:endParaRPr lang="he-IL" sz="3400" dirty="0"/>
+            <a:endParaRPr lang="he-IL" sz="3400" b="1" dirty="0"/>
           </a:p>
           <a:p>
             <a:pPr marL="685800" indent="-685800">
@@ -4105,9 +4097,14 @@
               <a:buChar char="•"/>
             </a:pPr>
             <a:r>
+              <a:rPr lang="en-US" sz="3400" b="1" dirty="0"/>
+              <a:t>Apoptosis </a:t>
+            </a:r>
+            <a:r>
               <a:rPr lang="en-US" sz="3400" dirty="0"/>
-              <a:t>Negative regulation of apoptosis inhibits cell death signaling pathways, helping tumors to evade cell death</a:t>
-            </a:r>
+              <a:t>is a form of programmed cell death that occurs in multicellular organisms</a:t>
+            </a:r>
+            <a:endParaRPr lang="he-IL" sz="3400" dirty="0"/>
           </a:p>
           <a:p>
             <a:pPr marL="685800" indent="-685800">
@@ -4116,7 +4113,7 @@
             </a:pPr>
             <a:r>
               <a:rPr lang="en-US" sz="3400" dirty="0"/>
-              <a:t>Identification of targets for apoptosis induction is important to provide novel therapeutic approaches in breast cancer.</a:t>
+              <a:t>Negative regulation of apoptosis inhibits cell death signaling pathways, helping tumors to evade cell death</a:t>
             </a:r>
           </a:p>
           <a:p>
@@ -4125,24 +4122,8 @@
               <a:buChar char="•"/>
             </a:pPr>
             <a:r>
-              <a:rPr lang="en-US" sz="3200" dirty="0"/>
-              <a:t>According to researchers </a:t>
-            </a:r>
-            <a:r>
-              <a:rPr lang="en-US" sz="2000" dirty="0"/>
-              <a:t>[2]</a:t>
-            </a:r>
-            <a:r>
-              <a:rPr lang="en-US" sz="3200" dirty="0"/>
-              <a:t>, Protein Kinase </a:t>
-            </a:r>
-            <a:r>
-              <a:rPr lang="en-US" sz="3200" dirty="0" err="1"/>
-              <a:t>Cδ</a:t>
-            </a:r>
-            <a:r>
-              <a:rPr lang="en-US" sz="3200" dirty="0"/>
-              <a:t> supports survival of breast cancer cells by suppressing the ERK1/2 pathway, which mediates apoptosis.</a:t>
+              <a:rPr lang="en-US" sz="3400" dirty="0"/>
+              <a:t>Identification of targets for apoptosis induction is important to provide novel therapeutic approaches in breast cancer.</a:t>
             </a:r>
           </a:p>
           <a:p>
@@ -4151,24 +4132,16 @@
               <a:buChar char="•"/>
             </a:pPr>
             <a:r>
-              <a:rPr lang="en-US" sz="3200" dirty="0"/>
-              <a:t>The dataset we’ll use </a:t>
-            </a:r>
-            <a:r>
-              <a:rPr lang="en-US" sz="2000" dirty="0"/>
-              <a:t>[1]</a:t>
-            </a:r>
-            <a:r>
-              <a:rPr lang="en-US" sz="3200" dirty="0"/>
-              <a:t> contains gene expression levels in 2 breast cancer cell lines, before and after down regulation of Protein Kinase </a:t>
-            </a:r>
-            <a:r>
-              <a:rPr lang="en-US" sz="3200" dirty="0" err="1"/>
+              <a:rPr lang="en-US" sz="3400" dirty="0"/>
+              <a:t>According to researchers [2], Protein Kinase </a:t>
+            </a:r>
+            <a:r>
+              <a:rPr lang="en-US" sz="3400" dirty="0" err="1"/>
               <a:t>Cδ</a:t>
             </a:r>
             <a:r>
-              <a:rPr lang="en-US" sz="3200" dirty="0"/>
-              <a:t>.</a:t>
+              <a:rPr lang="en-US" sz="3400" dirty="0"/>
+              <a:t> supports survival of breast cancer cells by suppressing the ERK1/2 pathway, which mediates apoptosis.</a:t>
             </a:r>
           </a:p>
           <a:p>
@@ -4178,18 +4151,36 @@
             </a:pPr>
             <a:r>
               <a:rPr lang="en-US" sz="3400" dirty="0"/>
+              <a:t>The dataset we’ll use [1] contains gene expression levels in 2 breast cancer cell lines, before and after down regulation of Protein Kinase </a:t>
+            </a:r>
+            <a:r>
+              <a:rPr lang="en-US" sz="3400" dirty="0" err="1"/>
+              <a:t>Cδ</a:t>
+            </a:r>
+            <a:r>
+              <a:rPr lang="en-US" sz="3400" dirty="0"/>
+              <a:t>.</a:t>
+            </a:r>
+          </a:p>
+          <a:p>
+            <a:pPr marL="685800" indent="-685800">
+              <a:buFont typeface="Arial" panose="020B0604020202020204" pitchFamily="34" charset="0"/>
+              <a:buChar char="•"/>
+            </a:pPr>
+            <a:r>
+              <a:rPr lang="en-US" sz="3400" dirty="0"/>
               <a:t>The breast cancer cell lines that appear in the dataset are:</a:t>
             </a:r>
           </a:p>
           <a:p>
             <a:r>
-              <a:rPr lang="en-US" sz="3200" dirty="0"/>
+              <a:rPr lang="en-US" sz="3400" dirty="0"/>
               <a:t>        - BT-549 (Invasive ductal carcinoma)</a:t>
             </a:r>
           </a:p>
           <a:p>
             <a:r>
-              <a:rPr lang="en-US" sz="3200" dirty="0"/>
+              <a:rPr lang="en-US" sz="3400" dirty="0"/>
               <a:t>        - MDA-mB-468 (adenocarcinoma)</a:t>
             </a:r>
           </a:p>
@@ -4285,38 +4276,8 @@
           </a:p>
         </p:txBody>
       </p:sp>
-      <p:pic>
-        <p:nvPicPr>
-          <p:cNvPr id="9" name="Picture 8">
-            <a:extLst>
-              <a:ext uri="{FF2B5EF4-FFF2-40B4-BE49-F238E27FC236}">
-                <a16:creationId xmlns:a16="http://schemas.microsoft.com/office/drawing/2014/main" id="{A3A3B3B6-3387-403E-A4D6-1C26865457A0}"/>
-              </a:ext>
-            </a:extLst>
-          </p:cNvPr>
-          <p:cNvPicPr>
-            <a:picLocks noChangeAspect="1"/>
-          </p:cNvPicPr>
-          <p:nvPr/>
-        </p:nvPicPr>
-        <p:blipFill>
-          <a:blip r:embed="rId3"/>
-          <a:stretch>
-            <a:fillRect/>
-          </a:stretch>
-        </p:blipFill>
-        <p:spPr>
-          <a:xfrm>
-            <a:off x="8677189" y="11765221"/>
-            <a:ext cx="6068999" cy="2281201"/>
-          </a:xfrm>
-          <a:prstGeom prst="rect">
-            <a:avLst/>
-          </a:prstGeom>
-        </p:spPr>
-      </p:pic>
-      <mc:AlternateContent xmlns:mc="http://schemas.openxmlformats.org/markup-compatibility/2006">
-        <mc:Choice xmlns:a14="http://schemas.microsoft.com/office/drawing/2010/main" Requires="a14">
+      <mc:AlternateContent xmlns:mc="http://schemas.openxmlformats.org/markup-compatibility/2006" xmlns:a14="http://schemas.microsoft.com/office/drawing/2010/main">
+        <mc:Choice Requires="a14">
           <p:sp>
             <p:nvSpPr>
               <p:cNvPr id="37" name="TextBox 36">
@@ -4768,7 +4729,7 @@
             </p:txBody>
           </p:sp>
         </mc:Choice>
-        <mc:Fallback>
+        <mc:Fallback xmlns="">
           <p:sp>
             <p:nvSpPr>
               <p:cNvPr id="37" name="TextBox 36">
@@ -5019,7 +4980,7 @@
         <p:spPr>
           <a:xfrm>
             <a:off x="17433594" y="5779062"/>
-            <a:ext cx="14761640" cy="4801314"/>
+            <a:ext cx="14761640" cy="6771084"/>
           </a:xfrm>
           <a:prstGeom prst="rect">
             <a:avLst/>
@@ -5031,31 +4992,6 @@
             <a:spAutoFit/>
           </a:bodyPr>
           <a:lstStyle/>
-          <a:p>
-            <a:r>
-              <a:rPr lang="en-US" sz="3400" dirty="0">
-                <a:solidFill>
-                  <a:srgbClr val="FF0000"/>
-                </a:solidFill>
-              </a:rPr>
-              <a:t>TODO: briefly introduce each classifier</a:t>
-            </a:r>
-            <a:endParaRPr lang="en-US" sz="3400" dirty="0">
-              <a:ln w="0"/>
-              <a:solidFill>
-                <a:schemeClr val="accent4">
-                  <a:lumMod val="75000"/>
-                </a:schemeClr>
-              </a:solidFill>
-              <a:effectLst>
-                <a:outerShdw blurRad="38100" dist="25400" dir="5400000" algn="ctr" rotWithShape="0">
-                  <a:srgbClr val="6E747A">
-                    <a:alpha val="43000"/>
-                  </a:srgbClr>
-                </a:outerShdw>
-              </a:effectLst>
-            </a:endParaRPr>
-          </a:p>
           <a:p>
             <a:r>
               <a:rPr lang="en-US" sz="3400" dirty="0">
@@ -5113,7 +5049,7 @@
                   </a:outerShdw>
                 </a:effectLst>
               </a:rPr>
-              <a:t>SVM</a:t>
+              <a:t>SVM (Support-vector machine)</a:t>
             </a:r>
           </a:p>
           <a:p>
@@ -5135,22 +5071,41 @@
           </a:p>
           <a:p>
             <a:r>
-              <a:rPr lang="en-US" sz="3400" dirty="0">
-                <a:solidFill>
-                  <a:srgbClr val="FF0000"/>
-                </a:solidFill>
-              </a:rPr>
-              <a:t>TODO: graph of performance of decision tree vs. </a:t>
-            </a:r>
-            <a:r>
-              <a:rPr lang="en-US" sz="3400" dirty="0" err="1">
-                <a:solidFill>
-                  <a:srgbClr val="FF0000"/>
-                </a:solidFill>
-              </a:rPr>
-              <a:t>svm</a:t>
-            </a:r>
-            <a:endParaRPr lang="en-US" sz="3400" dirty="0"/>
+              <a:rPr lang="en-US" sz="3400" dirty="0"/>
+              <a:t>When comparing the two chosen configurations,</a:t>
+            </a:r>
+          </a:p>
+          <a:p>
+            <a:r>
+              <a:rPr lang="en-US" sz="3400" dirty="0"/>
+              <a:t>SVM showed better performance.</a:t>
+            </a:r>
+            <a:endParaRPr lang="he-IL" sz="3400" dirty="0"/>
+          </a:p>
+          <a:p>
+            <a:endParaRPr lang="en-US" sz="3200" i="1"/>
+          </a:p>
+          <a:p>
+            <a:r>
+              <a:rPr lang="en-US" sz="3200" i="1"/>
+              <a:t>accuracy </a:t>
+            </a:r>
+            <a:r>
+              <a:rPr lang="en-US" sz="3200" i="1" dirty="0"/>
+              <a:t>score:  0.79</a:t>
+            </a:r>
+          </a:p>
+          <a:p>
+            <a:r>
+              <a:rPr lang="en-US" sz="3200" i="1" dirty="0"/>
+              <a:t>recall score:  0.26</a:t>
+            </a:r>
+          </a:p>
+          <a:p>
+            <a:r>
+              <a:rPr lang="en-US" sz="3200" i="1" dirty="0"/>
+              <a:t>precision score:  0.18</a:t>
+            </a:r>
           </a:p>
         </p:txBody>
       </p:sp>
@@ -5353,6 +5308,34 @@
           </a:p>
         </p:txBody>
       </p:sp>
+      <p:pic>
+        <p:nvPicPr>
+          <p:cNvPr id="28" name="Picture 27">
+            <a:extLst>
+              <a:ext uri="{FF2B5EF4-FFF2-40B4-BE49-F238E27FC236}">
+                <a16:creationId xmlns:a16="http://schemas.microsoft.com/office/drawing/2014/main" id="{2C820D7C-8B39-4565-92C9-5FA249216CD8}"/>
+              </a:ext>
+            </a:extLst>
+          </p:cNvPr>
+          <p:cNvPicPr/>
+          <p:nvPr/>
+        </p:nvPicPr>
+        <p:blipFill>
+          <a:blip r:embed="rId8"/>
+          <a:stretch>
+            <a:fillRect/>
+          </a:stretch>
+        </p:blipFill>
+        <p:spPr>
+          <a:xfrm>
+            <a:off x="26211137" y="8713268"/>
+            <a:ext cx="5448300" cy="4276725"/>
+          </a:xfrm>
+          <a:prstGeom prst="rect">
+            <a:avLst/>
+          </a:prstGeom>
+        </p:spPr>
+      </p:pic>
     </p:spTree>
   </p:cSld>
   <p:clrMapOvr>

--- a/Project/project_poster.pptx
+++ b/Project/project_poster.pptx
@@ -3859,7 +3859,7 @@
           <a:lstStyle/>
           <a:p>
             <a:pPr algn="ctr"/>
-            <a:endParaRPr lang="en-US"/>
+            <a:endParaRPr lang="en-US" dirty="0"/>
           </a:p>
         </p:txBody>
       </p:sp>
@@ -4005,7 +4005,7 @@
         </p:nvSpPr>
         <p:spPr>
           <a:xfrm>
-            <a:off x="16413515" y="30080382"/>
+            <a:off x="16413515" y="29955628"/>
             <a:ext cx="15955699" cy="1015663"/>
           </a:xfrm>
           <a:prstGeom prst="rect">
@@ -4071,8 +4071,8 @@
         </p:nvSpPr>
         <p:spPr>
           <a:xfrm>
-            <a:off x="1080345" y="5976964"/>
-            <a:ext cx="14761640" cy="9941183"/>
+            <a:off x="1080345" y="5544916"/>
+            <a:ext cx="14761640" cy="10987623"/>
           </a:xfrm>
           <a:prstGeom prst="rect">
             <a:avLst/>
@@ -4113,7 +4113,7 @@
             </a:pPr>
             <a:r>
               <a:rPr lang="en-US" sz="3400" dirty="0"/>
-              <a:t>Negative regulation of apoptosis inhibits cell death signaling pathways, helping tumors to evade cell death</a:t>
+              <a:t>Negative regulation of apoptosis inhibits apoptosis signaling pathways, helping tumors to evade cell death.</a:t>
             </a:r>
           </a:p>
           <a:p>
@@ -4133,7 +4133,15 @@
             </a:pPr>
             <a:r>
               <a:rPr lang="en-US" sz="3400" dirty="0"/>
-              <a:t>According to researchers [2], Protein Kinase </a:t>
+              <a:t>According to researchers </a:t>
+            </a:r>
+            <a:r>
+              <a:rPr lang="en-US" sz="2000" dirty="0"/>
+              <a:t>[2]</a:t>
+            </a:r>
+            <a:r>
+              <a:rPr lang="en-US" sz="3400" dirty="0"/>
+              <a:t>, Protein Kinase </a:t>
             </a:r>
             <a:r>
               <a:rPr lang="en-US" sz="3400" dirty="0" err="1"/>
@@ -4151,7 +4159,33 @@
             </a:pPr>
             <a:r>
               <a:rPr lang="en-US" sz="3400" dirty="0"/>
-              <a:t>The dataset we’ll use [1] contains gene expression levels in 2 breast cancer cell lines, before and after down regulation of Protein Kinase </a:t>
+              <a:t>It is therefore assumed that down-regulation of Protein Kinase </a:t>
+            </a:r>
+            <a:r>
+              <a:rPr lang="en-US" sz="3400" dirty="0" err="1"/>
+              <a:t>Cδ</a:t>
+            </a:r>
+            <a:r>
+              <a:rPr lang="en-US" sz="3400" dirty="0"/>
+              <a:t> can be used as treatment. </a:t>
+            </a:r>
+          </a:p>
+          <a:p>
+            <a:pPr marL="685800" indent="-685800">
+              <a:buFont typeface="Arial" panose="020B0604020202020204" pitchFamily="34" charset="0"/>
+              <a:buChar char="•"/>
+            </a:pPr>
+            <a:r>
+              <a:rPr lang="en-US" sz="3400" dirty="0"/>
+              <a:t>The dataset we’ll use </a:t>
+            </a:r>
+            <a:r>
+              <a:rPr lang="en-US" sz="2000" dirty="0"/>
+              <a:t>[1]</a:t>
+            </a:r>
+            <a:r>
+              <a:rPr lang="en-US" sz="3400" dirty="0"/>
+              <a:t> contains gene expression levels in 2 breast cancer cell lines, before and after down regulation of Protein Kinase </a:t>
             </a:r>
             <a:r>
               <a:rPr lang="en-US" sz="3400" dirty="0" err="1"/>
@@ -4236,7 +4270,7 @@
         <p:spPr>
           <a:xfrm>
             <a:off x="792313" y="15698044"/>
-            <a:ext cx="15409712" cy="3231654"/>
+            <a:ext cx="15409712" cy="4278094"/>
           </a:xfrm>
           <a:prstGeom prst="rect">
             <a:avLst/>
@@ -4265,19 +4299,23 @@
             </a:pPr>
             <a:r>
               <a:rPr lang="en-US" sz="3400" dirty="0"/>
-              <a:t>Be able to classify whether a gene is related to apoptosis based on its expression levels in different cells, with and without treatment.</a:t>
-            </a:r>
-          </a:p>
-          <a:p>
+              <a:t>Be able to classify whether a gene is related to apoptosis based on its expression levels in different cells, with and without treatment. We expect genes associated with apoptosis show difference in expression levels between treatment and control samples.</a:t>
+            </a:r>
+          </a:p>
+          <a:p>
+            <a:pPr marL="285750" indent="-285750">
+              <a:buFont typeface="Arial" panose="020B0604020202020204" pitchFamily="34" charset="0"/>
+              <a:buChar char="•"/>
+            </a:pPr>
             <a:r>
               <a:rPr lang="en-US" sz="3400" dirty="0"/>
-              <a:t>   In order to train the classifier we’ll use a dataset with genes as the rows (“samples”) and cell-line samples as the features. The output will be TRUE or FALSE.</a:t>
-            </a:r>
-          </a:p>
-        </p:txBody>
-      </p:sp>
-      <mc:AlternateContent xmlns:mc="http://schemas.openxmlformats.org/markup-compatibility/2006" xmlns:a14="http://schemas.microsoft.com/office/drawing/2010/main">
-        <mc:Choice Requires="a14">
+              <a:t>In order to train the classifier we’ll use a dataset with genes as the rows (“samples”) and cell-line samples as the features. The output will be TRUE or FALSE.</a:t>
+            </a:r>
+          </a:p>
+        </p:txBody>
+      </p:sp>
+      <mc:AlternateContent xmlns:mc="http://schemas.openxmlformats.org/markup-compatibility/2006">
+        <mc:Choice xmlns:a14="http://schemas.microsoft.com/office/drawing/2010/main" Requires="a14">
           <p:sp>
             <p:nvSpPr>
               <p:cNvPr id="37" name="TextBox 36">
@@ -4293,7 +4331,7 @@
             <p:spPr>
               <a:xfrm>
                 <a:off x="1080345" y="20882620"/>
-                <a:ext cx="15193688" cy="20202262"/>
+                <a:ext cx="15193688" cy="22351696"/>
               </a:xfrm>
               <a:prstGeom prst="rect">
                 <a:avLst/>
@@ -4495,14 +4533,14 @@
                 </a:pPr>
                 <a:r>
                   <a:rPr lang="en-US" sz="3400" dirty="0"/>
-                  <a:t>Silhouette score: mean intra cluster distance (a) and mean nearest cluster distance (b) for each sample calculated as </a:t>
+                  <a:t>Silhouette score: for each sample, the score is calculated as </a:t>
                 </a:r>
                 <a14:m>
                   <m:oMath xmlns:m="http://schemas.openxmlformats.org/officeDocument/2006/math">
                     <m:f>
                       <m:fPr>
                         <m:ctrlPr>
-                          <a:rPr lang="en-US" sz="3400" b="0" i="1" smtClean="0">
+                          <a:rPr lang="en-US" sz="3400" i="1" smtClean="0">
                             <a:latin typeface="Cambria Math" panose="02040503050406030204" pitchFamily="18" charset="0"/>
                           </a:rPr>
                         </m:ctrlPr>
@@ -4531,7 +4569,7 @@
                         <m:func>
                           <m:funcPr>
                             <m:ctrlPr>
-                              <a:rPr lang="en-US" sz="3400" b="0" i="1" smtClean="0">
+                              <a:rPr lang="en-US" sz="3400" i="1" smtClean="0">
                                 <a:latin typeface="Cambria Math" panose="02040503050406030204" pitchFamily="18" charset="0"/>
                               </a:rPr>
                             </m:ctrlPr>
@@ -4551,7 +4589,7 @@
                             <m:d>
                               <m:dPr>
                                 <m:ctrlPr>
-                                  <a:rPr lang="en-US" sz="3400" b="0" i="1" smtClean="0">
+                                  <a:rPr lang="en-US" sz="3400" i="1" smtClean="0">
                                     <a:latin typeface="Cambria Math" panose="02040503050406030204" pitchFamily="18" charset="0"/>
                                   </a:rPr>
                                 </m:ctrlPr>
@@ -4583,7 +4621,37 @@
                     </m:f>
                   </m:oMath>
                 </a14:m>
-                <a:endParaRPr lang="en-US" sz="3400" dirty="0"/>
+                <a:r>
+                  <a:rPr lang="en-US" sz="3400" dirty="0"/>
+                  <a:t>, where (a) is the mean intra cluster distance and (b) is the mean nearest cluster distance from the given sample. We’ll use the mean silhouette score over all samples for evaluation of clustering methods.</a:t>
+                </a:r>
+              </a:p>
+              <a:p>
+                <a:pPr marL="571500" indent="-571500">
+                  <a:buFont typeface="Arial" panose="020B0604020202020204" pitchFamily="34" charset="0"/>
+                  <a:buChar char="•"/>
+                </a:pPr>
+                <a:r>
+                  <a:rPr lang="en-US" sz="3400" dirty="0"/>
+                  <a:t>Semi-supervised scoring: we’ll use the known labels to evaluate performance.</a:t>
+                </a:r>
+              </a:p>
+              <a:p>
+                <a:endParaRPr lang="en-US" sz="3400" dirty="0">
+                  <a:ln w="0"/>
+                  <a:solidFill>
+                    <a:schemeClr val="accent4">
+                      <a:lumMod val="75000"/>
+                    </a:schemeClr>
+                  </a:solidFill>
+                  <a:effectLst>
+                    <a:outerShdw blurRad="38100" dist="25400" dir="5400000" algn="ctr" rotWithShape="0">
+                      <a:srgbClr val="6E747A">
+                        <a:alpha val="43000"/>
+                      </a:srgbClr>
+                    </a:outerShdw>
+                  </a:effectLst>
+                </a:endParaRPr>
               </a:p>
               <a:p>
                 <a:r>
@@ -4729,7 +4797,7 @@
             </p:txBody>
           </p:sp>
         </mc:Choice>
-        <mc:Fallback xmlns="">
+        <mc:Fallback>
           <p:sp>
             <p:nvSpPr>
               <p:cNvPr id="37" name="TextBox 36">
@@ -4747,15 +4815,15 @@
             <p:spPr>
               <a:xfrm>
                 <a:off x="1080345" y="20882620"/>
-                <a:ext cx="15193688" cy="20202262"/>
+                <a:ext cx="15193688" cy="22351696"/>
               </a:xfrm>
               <a:prstGeom prst="rect">
                 <a:avLst/>
               </a:prstGeom>
               <a:blipFill>
-                <a:blip r:embed="rId4"/>
+                <a:blip r:embed="rId3"/>
                 <a:stretch>
-                  <a:fillRect l="-1243" t="-453" r="-1524" b="-362"/>
+                  <a:fillRect l="-1243" t="-409"/>
                 </a:stretch>
               </a:blipFill>
             </p:spPr>
@@ -4764,7 +4832,7 @@
               <a:lstStyle/>
               <a:p>
                 <a:r>
-                  <a:rPr lang="en-IL">
+                  <a:rPr lang="en-US">
                     <a:noFill/>
                   </a:rPr>
                   <a:t> </a:t>
@@ -4787,15 +4855,15 @@
           <p:nvPr/>
         </p:nvPicPr>
         <p:blipFill>
-          <a:blip r:embed="rId5"/>
+          <a:blip r:embed="rId4"/>
           <a:stretch>
             <a:fillRect/>
           </a:stretch>
         </p:blipFill>
         <p:spPr>
           <a:xfrm>
-            <a:off x="10372278" y="32166993"/>
-            <a:ext cx="4824535" cy="3582735"/>
+            <a:off x="10009336" y="33234536"/>
+            <a:ext cx="5469707" cy="3993900"/>
           </a:xfrm>
           <a:prstGeom prst="rect">
             <a:avLst/>
@@ -4815,15 +4883,15 @@
           <p:nvPr/>
         </p:nvPicPr>
         <p:blipFill>
-          <a:blip r:embed="rId6"/>
+          <a:blip r:embed="rId5"/>
           <a:stretch>
             <a:fillRect/>
           </a:stretch>
         </p:blipFill>
         <p:spPr>
           <a:xfrm>
-            <a:off x="10372279" y="37161406"/>
-            <a:ext cx="4824535" cy="3624367"/>
+            <a:off x="10009337" y="37456527"/>
+            <a:ext cx="5469706" cy="4092389"/>
           </a:xfrm>
           <a:prstGeom prst="rect">
             <a:avLst/>
@@ -4979,8 +5047,8 @@
         </p:nvSpPr>
         <p:spPr>
           <a:xfrm>
-            <a:off x="17433594" y="5779062"/>
-            <a:ext cx="14761640" cy="6771084"/>
+            <a:off x="17498169" y="5976964"/>
+            <a:ext cx="14761640" cy="7663636"/>
           </a:xfrm>
           <a:prstGeom prst="rect">
             <a:avLst/>
@@ -5033,6 +5101,9 @@
             </a:r>
           </a:p>
           <a:p>
+            <a:endParaRPr lang="en-US" sz="3400" dirty="0"/>
+          </a:p>
+          <a:p>
             <a:r>
               <a:rPr lang="en-US" sz="3400" dirty="0">
                 <a:ln w="0"/>
@@ -5072,27 +5143,29 @@
           <a:p>
             <a:r>
               <a:rPr lang="en-US" sz="3400" dirty="0"/>
-              <a:t>When comparing the two chosen configurations,</a:t>
+              <a:t>SVM showed better performance in comparison</a:t>
             </a:r>
           </a:p>
           <a:p>
             <a:r>
               <a:rPr lang="en-US" sz="3400" dirty="0"/>
-              <a:t>SVM showed better performance.</a:t>
+              <a:t>to decision tree.</a:t>
             </a:r>
             <a:endParaRPr lang="he-IL" sz="3400" dirty="0"/>
           </a:p>
           <a:p>
-            <a:endParaRPr lang="en-US" sz="3200" i="1"/>
-          </a:p>
-          <a:p>
-            <a:r>
-              <a:rPr lang="en-US" sz="3200" i="1"/>
-              <a:t>accuracy </a:t>
-            </a:r>
+            <a:endParaRPr lang="en-US" sz="2400" i="1" dirty="0"/>
+          </a:p>
+          <a:p>
+            <a:r>
+              <a:rPr lang="en-US" sz="3200" i="1" u="sng"/>
+              <a:t>SVM metrics:</a:t>
+            </a:r>
+          </a:p>
+          <a:p>
             <a:r>
               <a:rPr lang="en-US" sz="3200" i="1" dirty="0"/>
-              <a:t>score:  0.79</a:t>
+              <a:t>accuracy score:  0.79</a:t>
             </a:r>
           </a:p>
           <a:p>
@@ -5124,7 +5197,7 @@
         <p:spPr>
           <a:xfrm>
             <a:off x="17227760" y="18046139"/>
-            <a:ext cx="14761640" cy="2708434"/>
+            <a:ext cx="14761640" cy="7632859"/>
           </a:xfrm>
           <a:prstGeom prst="rect">
             <a:avLst/>
@@ -5153,7 +5226,7 @@
                   </a:outerShdw>
                 </a:effectLst>
               </a:rPr>
-              <a:t>Kmeans</a:t>
+              <a:t>KMeans</a:t>
             </a:r>
             <a:endParaRPr lang="en-US" sz="3400" dirty="0">
               <a:ln w="0"/>
@@ -5173,16 +5246,18 @@
           </a:p>
           <a:p>
             <a:r>
-              <a:rPr lang="en-US" sz="3400" dirty="0"/>
-              <a:t>We used </a:t>
-            </a:r>
-            <a:r>
               <a:rPr lang="en-US" sz="3400" dirty="0" err="1"/>
               <a:t>Kmeans</a:t>
             </a:r>
             <a:r>
               <a:rPr lang="en-US" sz="3400" dirty="0"/>
-              <a:t> clustering with 3 clusters on the data.</a:t>
+              <a:t> is a clustering algorithm in which each sample is iteratively assigned to</a:t>
+            </a:r>
+          </a:p>
+          <a:p>
+            <a:r>
+              <a:rPr lang="en-US" sz="3400" dirty="0"/>
+              <a:t>the cluster with the ‘nearest’ mean.</a:t>
             </a:r>
           </a:p>
           <a:p>
@@ -5204,17 +5279,33 @@
               </a:rPr>
               <a:t>Hierarchical Clustering</a:t>
             </a:r>
+            <a:endParaRPr lang="en-US" sz="3400" dirty="0"/>
           </a:p>
           <a:p>
             <a:r>
               <a:rPr lang="en-US" sz="3400" dirty="0"/>
-              <a:t>We used Agglomerative clustering algorithm for hierarchical clustering to compare</a:t>
-            </a:r>
+              <a:t>Agglomerative clustering algorithm for hierarchical clustering is a bottom-up approach, each sample starts in its own cluster, and clusters are successively merged together.</a:t>
+            </a:r>
+          </a:p>
+          <a:p>
+            <a:endParaRPr lang="en-US" sz="1000" dirty="0"/>
           </a:p>
           <a:p>
             <a:r>
               <a:rPr lang="en-US" sz="3400" dirty="0"/>
-              <a:t>Its results to </a:t>
+              <a:t>We applied the two algorithms with different</a:t>
+            </a:r>
+          </a:p>
+          <a:p>
+            <a:r>
+              <a:rPr lang="en-US" sz="3400" dirty="0"/>
+              <a:t>number of clusters and compared the result.</a:t>
+            </a:r>
+          </a:p>
+          <a:p>
+            <a:r>
+              <a:rPr lang="en-US" sz="3400" dirty="0"/>
+              <a:t>We chose </a:t>
             </a:r>
             <a:r>
               <a:rPr lang="en-US" sz="3400" dirty="0" err="1"/>
@@ -5222,8 +5313,36 @@
             </a:r>
             <a:r>
               <a:rPr lang="en-US" sz="3400" dirty="0"/>
-              <a:t> with the same amount of clusters.</a:t>
-            </a:r>
+              <a:t> with 2 clusters.</a:t>
+            </a:r>
+          </a:p>
+          <a:p>
+            <a:endParaRPr lang="en-US" sz="1000" dirty="0"/>
+          </a:p>
+          <a:p>
+            <a:r>
+              <a:rPr lang="en-US" sz="3200" i="1" u="sng" dirty="0"/>
+              <a:t>Percentage of true labels per cluster</a:t>
+            </a:r>
+            <a:r>
+              <a:rPr lang="en-US" sz="3200" i="1" dirty="0"/>
+              <a:t>:</a:t>
+            </a:r>
+          </a:p>
+          <a:p>
+            <a:r>
+              <a:rPr lang="en-US" sz="3200" i="1" dirty="0"/>
+              <a:t>Cluster 0:  true labels:  0.24</a:t>
+            </a:r>
+          </a:p>
+          <a:p>
+            <a:r>
+              <a:rPr lang="en-US" sz="3200" i="1" dirty="0"/>
+              <a:t>Cluster 1:  true labels:  0.45</a:t>
+            </a:r>
+          </a:p>
+          <a:p>
+            <a:endParaRPr lang="en-US" sz="3400" dirty="0"/>
           </a:p>
         </p:txBody>
       </p:sp>
@@ -5242,72 +5361,21 @@
           <p:nvPr/>
         </p:nvPicPr>
         <p:blipFill>
-          <a:blip r:embed="rId7"/>
+          <a:blip r:embed="rId6"/>
           <a:stretch>
             <a:fillRect/>
           </a:stretch>
         </p:blipFill>
         <p:spPr>
           <a:xfrm>
-            <a:off x="19442385" y="20947541"/>
-            <a:ext cx="8424936" cy="6506244"/>
+            <a:off x="25483922" y="21276402"/>
+            <a:ext cx="5839783" cy="4509833"/>
           </a:xfrm>
           <a:prstGeom prst="rect">
             <a:avLst/>
           </a:prstGeom>
         </p:spPr>
       </p:pic>
-      <p:sp>
-        <p:nvSpPr>
-          <p:cNvPr id="27" name="TextBox 26">
-            <a:extLst>
-              <a:ext uri="{FF2B5EF4-FFF2-40B4-BE49-F238E27FC236}">
-                <a16:creationId xmlns:a16="http://schemas.microsoft.com/office/drawing/2014/main" id="{C7C936CF-FBCC-4B09-A2F6-F9C3923A4D30}"/>
-              </a:ext>
-            </a:extLst>
-          </p:cNvPr>
-          <p:cNvSpPr txBox="1"/>
-          <p:nvPr/>
-        </p:nvSpPr>
-        <p:spPr>
-          <a:xfrm>
-            <a:off x="19298369" y="27573274"/>
-            <a:ext cx="14761640" cy="1015663"/>
-          </a:xfrm>
-          <a:prstGeom prst="rect">
-            <a:avLst/>
-          </a:prstGeom>
-          <a:noFill/>
-        </p:spPr>
-        <p:txBody>
-          <a:bodyPr wrap="square" rtlCol="0">
-            <a:spAutoFit/>
-          </a:bodyPr>
-          <a:lstStyle/>
-          <a:p>
-            <a:r>
-              <a:rPr lang="en-US" sz="2000" u="sng" dirty="0"/>
-              <a:t>Percentage of true labels per cluster</a:t>
-            </a:r>
-            <a:r>
-              <a:rPr lang="en-US" sz="2000" dirty="0"/>
-              <a:t>:</a:t>
-            </a:r>
-          </a:p>
-          <a:p>
-            <a:r>
-              <a:rPr lang="en-US" sz="2000" dirty="0"/>
-              <a:t>Cluster 0:  true labels:  0.2470960929250264</a:t>
-            </a:r>
-          </a:p>
-          <a:p>
-            <a:r>
-              <a:rPr lang="en-US" sz="2000" dirty="0"/>
-              <a:t>Cluster 1:  true labels:  0.449438202247191</a:t>
-            </a:r>
-          </a:p>
-        </p:txBody>
-      </p:sp>
       <p:pic>
         <p:nvPicPr>
           <p:cNvPr id="28" name="Picture 27">
@@ -5321,21 +5389,126 @@
           <p:nvPr/>
         </p:nvPicPr>
         <p:blipFill>
-          <a:blip r:embed="rId8"/>
+          <a:blip r:embed="rId7"/>
           <a:stretch>
             <a:fillRect/>
           </a:stretch>
         </p:blipFill>
         <p:spPr>
           <a:xfrm>
-            <a:off x="26211137" y="8713268"/>
-            <a:ext cx="5448300" cy="4276725"/>
+            <a:off x="25483922" y="10790949"/>
+            <a:ext cx="5520308" cy="4196919"/>
           </a:xfrm>
           <a:prstGeom prst="rect">
             <a:avLst/>
           </a:prstGeom>
         </p:spPr>
       </p:pic>
+      <p:sp>
+        <p:nvSpPr>
+          <p:cNvPr id="29" name="TextBox 28">
+            <a:extLst>
+              <a:ext uri="{FF2B5EF4-FFF2-40B4-BE49-F238E27FC236}">
+                <a16:creationId xmlns:a16="http://schemas.microsoft.com/office/drawing/2014/main" id="{5F519F2A-9775-42EA-AC28-73D54432FFE5}"/>
+              </a:ext>
+            </a:extLst>
+          </p:cNvPr>
+          <p:cNvSpPr txBox="1"/>
+          <p:nvPr/>
+        </p:nvSpPr>
+        <p:spPr>
+          <a:xfrm>
+            <a:off x="17356920" y="30819724"/>
+            <a:ext cx="14326825" cy="7940635"/>
+          </a:xfrm>
+          <a:prstGeom prst="rect">
+            <a:avLst/>
+          </a:prstGeom>
+          <a:noFill/>
+        </p:spPr>
+        <p:txBody>
+          <a:bodyPr wrap="square" rtlCol="0">
+            <a:spAutoFit/>
+          </a:bodyPr>
+          <a:lstStyle/>
+          <a:p>
+            <a:pPr marL="285750" indent="-285750">
+              <a:buFont typeface="Arial" panose="020B0604020202020204" pitchFamily="34" charset="0"/>
+              <a:buChar char="•"/>
+            </a:pPr>
+            <a:r>
+              <a:rPr lang="en-US" sz="3400" dirty="0"/>
+              <a:t>Both supervised and unsupervised methods did not show good performance.</a:t>
+            </a:r>
+          </a:p>
+          <a:p>
+            <a:pPr marL="285750" indent="-285750">
+              <a:buFont typeface="Arial" panose="020B0604020202020204" pitchFamily="34" charset="0"/>
+              <a:buChar char="•"/>
+            </a:pPr>
+            <a:r>
+              <a:rPr lang="en-US" sz="3400" dirty="0"/>
+              <a:t>For supervised methods, there was a relatively high accuracy due to the small fraction of ‘TRUE’ labels in the dataset. We managed to improve precision and recall metrics using, but still most ‘TRUE’ genes are wrongly classified.</a:t>
+            </a:r>
+          </a:p>
+          <a:p>
+            <a:pPr marL="285750" indent="-285750">
+              <a:buFont typeface="Arial" panose="020B0604020202020204" pitchFamily="34" charset="0"/>
+              <a:buChar char="•"/>
+            </a:pPr>
+            <a:r>
+              <a:rPr lang="en-US" sz="3400" dirty="0"/>
+              <a:t>For unsupervised methods, we chose the number of clusters  that maximize silhouette score. However, with labels taken into account, the clusters are heterogenous. </a:t>
+            </a:r>
+          </a:p>
+          <a:p>
+            <a:pPr marL="285750" indent="-285750">
+              <a:buFont typeface="Arial" panose="020B0604020202020204" pitchFamily="34" charset="0"/>
+              <a:buChar char="•"/>
+            </a:pPr>
+            <a:r>
+              <a:rPr lang="en-US" sz="3400" dirty="0"/>
+              <a:t>A possible explanation could be that down-regulation of </a:t>
+            </a:r>
+            <a:r>
+              <a:rPr lang="en-US" sz="3400" dirty="0" err="1"/>
+              <a:t>PKCδ</a:t>
+            </a:r>
+            <a:r>
+              <a:rPr lang="en-US" sz="3400" dirty="0"/>
+              <a:t> has an affect on other biological functions and therefore non-apoptosis genes also show changes in expression levels.</a:t>
+            </a:r>
+          </a:p>
+          <a:p>
+            <a:pPr marL="285750" indent="-285750">
+              <a:buFont typeface="Arial" panose="020B0604020202020204" pitchFamily="34" charset="0"/>
+              <a:buChar char="•"/>
+            </a:pPr>
+            <a:r>
+              <a:rPr lang="en-US" sz="3400" dirty="0"/>
+              <a:t>Another point to note is that maybe some of the apoptosis genes are not affected by down-regulation of </a:t>
+            </a:r>
+            <a:r>
+              <a:rPr lang="en-US" sz="3400" dirty="0" err="1"/>
+              <a:t>PKCδ</a:t>
+            </a:r>
+            <a:r>
+              <a:rPr lang="en-US" sz="3400" dirty="0"/>
+              <a:t> and therefore their expression levels did not change, despite being labeled as ‘TRUE’.</a:t>
+            </a:r>
+          </a:p>
+          <a:p>
+            <a:pPr marL="285750" indent="-285750">
+              <a:buFont typeface="Arial" panose="020B0604020202020204" pitchFamily="34" charset="0"/>
+              <a:buChar char="•"/>
+            </a:pPr>
+            <a:r>
+              <a:rPr lang="en-US" sz="3400" dirty="0"/>
+              <a:t>We assume that for better results, perhaps a different labeling approach should be applied (for example, multiclass rather than binary).</a:t>
+            </a:r>
+          </a:p>
+        </p:txBody>
+      </p:sp>
     </p:spTree>
   </p:cSld>
   <p:clrMapOvr>

--- a/Project/project_poster.pptx
+++ b/Project/project_poster.pptx
@@ -303,7 +303,7 @@
             <a:fld id="{C33D5922-1A10-453D-B34B-87D0376FB0F9}" type="datetimeFigureOut">
               <a:rPr lang="en-US" smtClean="0"/>
               <a:pPr/>
-              <a:t>11-Mar-19</a:t>
+              <a:t>3/11/2019</a:t>
             </a:fld>
             <a:endParaRPr lang="en-US"/>
           </a:p>
@@ -468,7 +468,7 @@
             <a:fld id="{C33D5922-1A10-453D-B34B-87D0376FB0F9}" type="datetimeFigureOut">
               <a:rPr lang="en-US" smtClean="0"/>
               <a:pPr/>
-              <a:t>11-Mar-19</a:t>
+              <a:t>3/11/2019</a:t>
             </a:fld>
             <a:endParaRPr lang="en-US"/>
           </a:p>
@@ -643,7 +643,7 @@
             <a:fld id="{C33D5922-1A10-453D-B34B-87D0376FB0F9}" type="datetimeFigureOut">
               <a:rPr lang="en-US" smtClean="0"/>
               <a:pPr/>
-              <a:t>11-Mar-19</a:t>
+              <a:t>3/11/2019</a:t>
             </a:fld>
             <a:endParaRPr lang="en-US"/>
           </a:p>
@@ -808,7 +808,7 @@
             <a:fld id="{C33D5922-1A10-453D-B34B-87D0376FB0F9}" type="datetimeFigureOut">
               <a:rPr lang="en-US" smtClean="0"/>
               <a:pPr/>
-              <a:t>11-Mar-19</a:t>
+              <a:t>3/11/2019</a:t>
             </a:fld>
             <a:endParaRPr lang="en-US"/>
           </a:p>
@@ -1050,7 +1050,7 @@
             <a:fld id="{C33D5922-1A10-453D-B34B-87D0376FB0F9}" type="datetimeFigureOut">
               <a:rPr lang="en-US" smtClean="0"/>
               <a:pPr/>
-              <a:t>11-Mar-19</a:t>
+              <a:t>3/11/2019</a:t>
             </a:fld>
             <a:endParaRPr lang="en-US"/>
           </a:p>
@@ -1332,7 +1332,7 @@
             <a:fld id="{C33D5922-1A10-453D-B34B-87D0376FB0F9}" type="datetimeFigureOut">
               <a:rPr lang="en-US" smtClean="0"/>
               <a:pPr/>
-              <a:t>11-Mar-19</a:t>
+              <a:t>3/11/2019</a:t>
             </a:fld>
             <a:endParaRPr lang="en-US"/>
           </a:p>
@@ -1753,7 +1753,7 @@
             <a:fld id="{C33D5922-1A10-453D-B34B-87D0376FB0F9}" type="datetimeFigureOut">
               <a:rPr lang="en-US" smtClean="0"/>
               <a:pPr/>
-              <a:t>11-Mar-19</a:t>
+              <a:t>3/11/2019</a:t>
             </a:fld>
             <a:endParaRPr lang="en-US"/>
           </a:p>
@@ -1867,7 +1867,7 @@
             <a:fld id="{C33D5922-1A10-453D-B34B-87D0376FB0F9}" type="datetimeFigureOut">
               <a:rPr lang="en-US" smtClean="0"/>
               <a:pPr/>
-              <a:t>11-Mar-19</a:t>
+              <a:t>3/11/2019</a:t>
             </a:fld>
             <a:endParaRPr lang="en-US"/>
           </a:p>
@@ -1959,7 +1959,7 @@
             <a:fld id="{C33D5922-1A10-453D-B34B-87D0376FB0F9}" type="datetimeFigureOut">
               <a:rPr lang="en-US" smtClean="0"/>
               <a:pPr/>
-              <a:t>11-Mar-19</a:t>
+              <a:t>3/11/2019</a:t>
             </a:fld>
             <a:endParaRPr lang="en-US"/>
           </a:p>
@@ -2231,7 +2231,7 @@
             <a:fld id="{C33D5922-1A10-453D-B34B-87D0376FB0F9}" type="datetimeFigureOut">
               <a:rPr lang="en-US" smtClean="0"/>
               <a:pPr/>
-              <a:t>11-Mar-19</a:t>
+              <a:t>3/11/2019</a:t>
             </a:fld>
             <a:endParaRPr lang="en-US"/>
           </a:p>
@@ -2480,7 +2480,7 @@
             <a:fld id="{C33D5922-1A10-453D-B34B-87D0376FB0F9}" type="datetimeFigureOut">
               <a:rPr lang="en-US" smtClean="0"/>
               <a:pPr/>
-              <a:t>11-Mar-19</a:t>
+              <a:t>3/11/2019</a:t>
             </a:fld>
             <a:endParaRPr lang="en-US"/>
           </a:p>
@@ -2688,7 +2688,7 @@
             <a:fld id="{C33D5922-1A10-453D-B34B-87D0376FB0F9}" type="datetimeFigureOut">
               <a:rPr lang="en-US" smtClean="0"/>
               <a:pPr/>
-              <a:t>11-Mar-19</a:t>
+              <a:t>3/11/2019</a:t>
             </a:fld>
             <a:endParaRPr lang="en-US"/>
           </a:p>
@@ -4270,7 +4270,7 @@
         <p:spPr>
           <a:xfrm>
             <a:off x="792313" y="15698044"/>
-            <a:ext cx="15409712" cy="4278094"/>
+            <a:ext cx="15409712" cy="3539430"/>
           </a:xfrm>
           <a:prstGeom prst="rect">
             <a:avLst/>
@@ -4288,7 +4288,7 @@
               <a:buChar char="•"/>
             </a:pPr>
             <a:r>
-              <a:rPr lang="en-US" sz="3400" dirty="0"/>
+              <a:rPr lang="en-US" sz="3200" dirty="0"/>
               <a:t>Compare between different methods of supervised and unsupervised approaches of classifying gene expression.</a:t>
             </a:r>
           </a:p>
@@ -4298,7 +4298,7 @@
               <a:buChar char="•"/>
             </a:pPr>
             <a:r>
-              <a:rPr lang="en-US" sz="3400" dirty="0"/>
+              <a:rPr lang="en-US" sz="3200" dirty="0"/>
               <a:t>Be able to classify whether a gene is related to apoptosis based on its expression levels in different cells, with and without treatment. We expect genes associated with apoptosis show difference in expression levels between treatment and control samples.</a:t>
             </a:r>
           </a:p>
@@ -4308,7 +4308,7 @@
               <a:buChar char="•"/>
             </a:pPr>
             <a:r>
-              <a:rPr lang="en-US" sz="3400" dirty="0"/>
+              <a:rPr lang="en-US" sz="3200" dirty="0"/>
               <a:t>In order to train the classifier we’ll use a dataset with genes as the rows (“samples”) and cell-line samples as the features. The output will be TRUE or FALSE.</a:t>
             </a:r>
           </a:p>
@@ -4331,7 +4331,7 @@
             <p:spPr>
               <a:xfrm>
                 <a:off x="1080345" y="20882620"/>
-                <a:ext cx="15193688" cy="22351696"/>
+                <a:ext cx="15193688" cy="21534806"/>
               </a:xfrm>
               <a:prstGeom prst="rect">
                 <a:avLst/>
@@ -4349,11 +4349,11 @@
                   <a:buChar char="•"/>
                 </a:pPr>
                 <a:r>
-                  <a:rPr lang="en-US" sz="3400" b="1" u="sng" dirty="0"/>
+                  <a:rPr lang="en-US" sz="3200" b="1" u="sng" dirty="0"/>
                   <a:t>GEO</a:t>
                 </a:r>
                 <a:r>
-                  <a:rPr lang="en-US" sz="3400" dirty="0"/>
+                  <a:rPr lang="en-US" sz="3200" dirty="0"/>
                   <a:t> – public genomics data repository</a:t>
                 </a:r>
               </a:p>
@@ -4363,11 +4363,11 @@
                   <a:buChar char="•"/>
                 </a:pPr>
                 <a:r>
-                  <a:rPr lang="en-US" sz="3400" b="1" u="sng" dirty="0" err="1"/>
+                  <a:rPr lang="en-US" sz="3200" b="1" u="sng" dirty="0" err="1"/>
                   <a:t>AmiGo</a:t>
                 </a:r>
                 <a:r>
-                  <a:rPr lang="en-US" sz="3400" dirty="0"/>
+                  <a:rPr lang="en-US" sz="3200" dirty="0"/>
                   <a:t> – Web-based set of tools for searching and browsing the gene ontology. database. We used it to obtain a list of GO terms associated with apoptosis.</a:t>
                 </a:r>
               </a:p>
@@ -4377,25 +4377,25 @@
                   <a:buChar char="•"/>
                 </a:pPr>
                 <a:r>
-                  <a:rPr lang="en-US" sz="3400" b="1" u="sng" dirty="0" err="1"/>
+                  <a:rPr lang="en-US" sz="3200" b="1" u="sng" dirty="0" err="1"/>
                   <a:t>Scikit</a:t>
                 </a:r>
                 <a:r>
-                  <a:rPr lang="en-US" sz="3400" b="1" u="sng" dirty="0"/>
+                  <a:rPr lang="en-US" sz="3200" b="1" u="sng" dirty="0"/>
                   <a:t>-learn</a:t>
                 </a:r>
                 <a:r>
-                  <a:rPr lang="en-US" sz="3400" dirty="0"/>
+                  <a:rPr lang="en-US" sz="3200" dirty="0"/>
                   <a:t> – Python library for machine learning.</a:t>
                 </a:r>
-                <a:endParaRPr lang="en-US" sz="3400" b="1" u="sng" dirty="0"/>
+                <a:endParaRPr lang="en-US" sz="3200" b="1" u="sng" dirty="0"/>
               </a:p>
               <a:p>
-                <a:endParaRPr lang="en-US" sz="3400" dirty="0"/>
+                <a:endParaRPr lang="en-US" sz="3200" dirty="0"/>
               </a:p>
               <a:p>
                 <a:r>
-                  <a:rPr lang="en-US" sz="3400" dirty="0">
+                  <a:rPr lang="en-US" sz="3200" dirty="0">
                     <a:ln w="0"/>
                     <a:solidFill>
                       <a:schemeClr val="accent4">
@@ -4412,7 +4412,7 @@
                   </a:rPr>
                   <a:t>Building the dataset</a:t>
                 </a:r>
-                <a:endParaRPr lang="en-US" sz="3400" dirty="0"/>
+                <a:endParaRPr lang="en-US" sz="3200" dirty="0"/>
               </a:p>
               <a:p>
                 <a:pPr marL="571500" indent="-571500">
@@ -4420,7 +4420,7 @@
                   <a:buChar char="•"/>
                 </a:pPr>
                 <a:r>
-                  <a:rPr lang="en-US" sz="3400" dirty="0"/>
+                  <a:rPr lang="en-US" sz="3200" dirty="0"/>
                   <a:t>Uniting all probes that belong to the same gene by calculating expression means.</a:t>
                 </a:r>
               </a:p>
@@ -4430,7 +4430,7 @@
                   <a:buChar char="•"/>
                 </a:pPr>
                 <a:r>
-                  <a:rPr lang="en-US" sz="3400" dirty="0"/>
+                  <a:rPr lang="en-US" sz="3200" dirty="0"/>
                   <a:t>Labeling the data using process GO term: label ‘TRUE’ for genes associated with apoptosis GO terms and label ‘FALSE’ otherwise.</a:t>
                 </a:r>
               </a:p>
@@ -4440,16 +4440,16 @@
                   <a:buChar char="•"/>
                 </a:pPr>
                 <a:r>
-                  <a:rPr lang="en-US" sz="3400" dirty="0"/>
+                  <a:rPr lang="en-US" sz="3200" dirty="0"/>
                   <a:t>10.74% of genes are labeled ‘TRUE’ in the initial dataset.</a:t>
                 </a:r>
               </a:p>
               <a:p>
-                <a:endParaRPr lang="en-US" sz="3400" dirty="0"/>
+                <a:endParaRPr lang="en-US" sz="3200" dirty="0"/>
               </a:p>
               <a:p>
                 <a:r>
-                  <a:rPr lang="en-US" sz="3400" dirty="0">
+                  <a:rPr lang="en-US" sz="3200" dirty="0">
                     <a:ln w="0"/>
                     <a:solidFill>
                       <a:schemeClr val="accent4">
@@ -4466,7 +4466,7 @@
                   </a:rPr>
                   <a:t>Scoring methods - classifying</a:t>
                 </a:r>
-                <a:endParaRPr lang="en-US" sz="3400" dirty="0"/>
+                <a:endParaRPr lang="en-US" sz="3200" dirty="0"/>
               </a:p>
               <a:p>
                 <a:pPr marL="571500" indent="-571500">
@@ -4474,7 +4474,7 @@
                   <a:buChar char="•"/>
                 </a:pPr>
                 <a:r>
-                  <a:rPr lang="en-US" sz="3400" dirty="0"/>
+                  <a:rPr lang="en-US" sz="3200" dirty="0"/>
                   <a:t>Accuracy: percent of genes correctly classified.</a:t>
                 </a:r>
               </a:p>
@@ -4484,7 +4484,7 @@
                   <a:buChar char="•"/>
                 </a:pPr>
                 <a:r>
-                  <a:rPr lang="en-US" sz="3400" dirty="0"/>
+                  <a:rPr lang="en-US" sz="3200" dirty="0"/>
                   <a:t>Precision: the fraction of true positives out of all genes classified as ‘true’.</a:t>
                 </a:r>
               </a:p>
@@ -4494,7 +4494,7 @@
                   <a:buChar char="•"/>
                 </a:pPr>
                 <a:r>
-                  <a:rPr lang="en-US" sz="3400" dirty="0"/>
+                  <a:rPr lang="en-US" sz="3200" dirty="0"/>
                   <a:t>Recall: the fraction of true positives out of all genes with actual ‘true’’ label.</a:t>
                 </a:r>
               </a:p>
@@ -4503,11 +4503,11 @@
                   <a:buFont typeface="Arial" panose="020B0604020202020204" pitchFamily="34" charset="0"/>
                   <a:buChar char="•"/>
                 </a:pPr>
-                <a:endParaRPr lang="en-US" sz="3400" dirty="0"/>
+                <a:endParaRPr lang="en-US" sz="3200" dirty="0"/>
               </a:p>
               <a:p>
                 <a:r>
-                  <a:rPr lang="en-US" sz="3400" dirty="0">
+                  <a:rPr lang="en-US" sz="3200" dirty="0">
                     <a:ln w="0"/>
                     <a:solidFill>
                       <a:schemeClr val="accent4">
@@ -4524,7 +4524,7 @@
                   </a:rPr>
                   <a:t>Scoring methods - clustering</a:t>
                 </a:r>
-                <a:endParaRPr lang="en-US" sz="3400" dirty="0"/>
+                <a:endParaRPr lang="en-US" sz="3200" dirty="0"/>
               </a:p>
               <a:p>
                 <a:pPr marL="571500" indent="-571500">
@@ -4532,7 +4532,7 @@
                   <a:buChar char="•"/>
                 </a:pPr>
                 <a:r>
-                  <a:rPr lang="en-US" sz="3400" dirty="0"/>
+                  <a:rPr lang="en-US" sz="3200" dirty="0"/>
                   <a:t>Silhouette score: for each sample, the score is calculated as </a:t>
                 </a:r>
                 <a14:m>
@@ -4540,26 +4540,26 @@
                     <m:f>
                       <m:fPr>
                         <m:ctrlPr>
-                          <a:rPr lang="en-US" sz="3400" i="1" smtClean="0">
+                          <a:rPr lang="en-US" sz="3200" i="1" smtClean="0">
                             <a:latin typeface="Cambria Math" panose="02040503050406030204" pitchFamily="18" charset="0"/>
                           </a:rPr>
                         </m:ctrlPr>
                       </m:fPr>
                       <m:num>
                         <m:r>
-                          <a:rPr lang="en-US" sz="3400" b="0" i="1" smtClean="0">
+                          <a:rPr lang="en-US" sz="3200" b="0" i="1" smtClean="0">
                             <a:latin typeface="Cambria Math" panose="02040503050406030204" pitchFamily="18" charset="0"/>
                           </a:rPr>
                           <m:t>𝑏</m:t>
                         </m:r>
                         <m:r>
-                          <a:rPr lang="en-US" sz="3400" b="0" i="1" smtClean="0">
+                          <a:rPr lang="en-US" sz="3200" b="0" i="1" smtClean="0">
                             <a:latin typeface="Cambria Math" panose="02040503050406030204" pitchFamily="18" charset="0"/>
                           </a:rPr>
                           <m:t>−</m:t>
                         </m:r>
                         <m:r>
-                          <a:rPr lang="en-US" sz="3400" b="0" i="1" smtClean="0">
+                          <a:rPr lang="en-US" sz="3200" b="0" i="1" smtClean="0">
                             <a:latin typeface="Cambria Math" panose="02040503050406030204" pitchFamily="18" charset="0"/>
                           </a:rPr>
                           <m:t>𝑎</m:t>
@@ -4569,7 +4569,7 @@
                         <m:func>
                           <m:funcPr>
                             <m:ctrlPr>
-                              <a:rPr lang="en-US" sz="3400" i="1" smtClean="0">
+                              <a:rPr lang="en-US" sz="3200" i="1" smtClean="0">
                                 <a:latin typeface="Cambria Math" panose="02040503050406030204" pitchFamily="18" charset="0"/>
                               </a:rPr>
                             </m:ctrlPr>
@@ -4579,7 +4579,7 @@
                               <m:rPr>
                                 <m:sty m:val="p"/>
                               </m:rPr>
-                              <a:rPr lang="en-US" sz="3400" b="0" i="0" smtClean="0">
+                              <a:rPr lang="en-US" sz="3200" b="0" i="0" smtClean="0">
                                 <a:latin typeface="Cambria Math" panose="02040503050406030204" pitchFamily="18" charset="0"/>
                               </a:rPr>
                               <m:t>max</m:t>
@@ -4589,26 +4589,26 @@
                             <m:d>
                               <m:dPr>
                                 <m:ctrlPr>
-                                  <a:rPr lang="en-US" sz="3400" i="1" smtClean="0">
+                                  <a:rPr lang="en-US" sz="3200" i="1" smtClean="0">
                                     <a:latin typeface="Cambria Math" panose="02040503050406030204" pitchFamily="18" charset="0"/>
                                   </a:rPr>
                                 </m:ctrlPr>
                               </m:dPr>
                               <m:e>
                                 <m:r>
-                                  <a:rPr lang="en-US" sz="3400" b="0" i="1" smtClean="0">
+                                  <a:rPr lang="en-US" sz="3200" b="0" i="1" smtClean="0">
                                     <a:latin typeface="Cambria Math" panose="02040503050406030204" pitchFamily="18" charset="0"/>
                                   </a:rPr>
                                   <m:t>𝑎</m:t>
                                 </m:r>
                                 <m:r>
-                                  <a:rPr lang="en-US" sz="3400" b="0" i="1" smtClean="0">
+                                  <a:rPr lang="en-US" sz="3200" b="0" i="1" smtClean="0">
                                     <a:latin typeface="Cambria Math" panose="02040503050406030204" pitchFamily="18" charset="0"/>
                                   </a:rPr>
                                   <m:t>, </m:t>
                                 </m:r>
                                 <m:r>
-                                  <a:rPr lang="en-US" sz="3400" b="0" i="1" smtClean="0">
+                                  <a:rPr lang="en-US" sz="3200" b="0" i="1" smtClean="0">
                                     <a:latin typeface="Cambria Math" panose="02040503050406030204" pitchFamily="18" charset="0"/>
                                   </a:rPr>
                                   <m:t>𝑏</m:t>
@@ -4622,8 +4622,8 @@
                   </m:oMath>
                 </a14:m>
                 <a:r>
-                  <a:rPr lang="en-US" sz="3400" dirty="0"/>
-                  <a:t>, where (a) is the mean intra cluster distance and (b) is the mean nearest cluster distance from the given sample. We’ll use the mean silhouette score over all samples for evaluation of clustering methods.</a:t>
+                  <a:rPr lang="en-US" sz="3200" dirty="0"/>
+                  <a:t>, where (a) is the mean intra cluster distance and (b) is the mean nearest cluster distance from the given sample.</a:t>
                 </a:r>
               </a:p>
               <a:p>
@@ -4632,12 +4632,22 @@
                   <a:buChar char="•"/>
                 </a:pPr>
                 <a:r>
-                  <a:rPr lang="en-US" sz="3400" dirty="0"/>
+                  <a:rPr lang="en-US" sz="3200" dirty="0"/>
                   <a:t>Semi-supervised scoring: we’ll use the known labels to evaluate performance.</a:t>
                 </a:r>
               </a:p>
               <a:p>
-                <a:endParaRPr lang="en-US" sz="3400" dirty="0">
+                <a:pPr marL="571500" indent="-571500">
+                  <a:buFont typeface="Arial" panose="020B0604020202020204" pitchFamily="34" charset="0"/>
+                  <a:buChar char="•"/>
+                </a:pPr>
+                <a:r>
+                  <a:rPr lang="en-US" sz="3200" dirty="0"/>
+                  <a:t>Semi-clustering: Using clustering as a classifying method by clustering labeled data and checking prediction of new data to specific clusters.</a:t>
+                </a:r>
+              </a:p>
+              <a:p>
+                <a:endParaRPr lang="en-US" sz="3200" dirty="0">
                   <a:ln w="0"/>
                   <a:solidFill>
                     <a:schemeClr val="accent4">
@@ -4655,7 +4665,7 @@
               </a:p>
               <a:p>
                 <a:r>
-                  <a:rPr lang="en-US" sz="3400" dirty="0">
+                  <a:rPr lang="en-US" sz="3200" dirty="0">
                     <a:ln w="0"/>
                     <a:solidFill>
                       <a:schemeClr val="accent4">
@@ -4672,7 +4682,7 @@
                   </a:rPr>
                   <a:t>Data preparation and preprocessing</a:t>
                 </a:r>
-                <a:endParaRPr lang="en-US" sz="3400" dirty="0"/>
+                <a:endParaRPr lang="en-US" sz="3200" dirty="0"/>
               </a:p>
               <a:p>
                 <a:pPr marL="571500" indent="-571500">
@@ -4680,7 +4690,7 @@
                   <a:buChar char="•"/>
                 </a:pPr>
                 <a:r>
-                  <a:rPr lang="en-US" sz="3400" dirty="0"/>
+                  <a:rPr lang="en-US" sz="3200" dirty="0"/>
                   <a:t>Dividing the data into training and test sets.</a:t>
                 </a:r>
               </a:p>
@@ -4690,49 +4700,49 @@
                   <a:buChar char="•"/>
                 </a:pPr>
                 <a:r>
-                  <a:rPr lang="en-US" sz="3400" dirty="0"/>
+                  <a:rPr lang="en-US" sz="3200" dirty="0"/>
                   <a:t>Normalizing and removing genes with</a:t>
                 </a:r>
               </a:p>
               <a:p>
                 <a:r>
-                  <a:rPr lang="en-US" sz="3400" dirty="0"/>
+                  <a:rPr lang="en-US" sz="3200" dirty="0"/>
                   <a:t>      low-variance from the train set.</a:t>
                 </a:r>
               </a:p>
               <a:p>
                 <a:r>
-                  <a:rPr lang="en-US" sz="3400" dirty="0"/>
+                  <a:rPr lang="en-US" sz="3200" dirty="0"/>
                   <a:t>      We performed a tuning of the variance</a:t>
                 </a:r>
               </a:p>
               <a:p>
                 <a:r>
-                  <a:rPr lang="en-US" sz="3400" dirty="0"/>
+                  <a:rPr lang="en-US" sz="3200" dirty="0"/>
                   <a:t>      threshold that was used for filtering.</a:t>
                 </a:r>
               </a:p>
               <a:p>
                 <a:r>
-                  <a:rPr lang="en-US" sz="3400" dirty="0"/>
+                  <a:rPr lang="en-US" sz="3200" dirty="0"/>
                   <a:t>      For score evaluation we used a</a:t>
                 </a:r>
               </a:p>
               <a:p>
                 <a:r>
-                  <a:rPr lang="en-US" sz="3400" dirty="0"/>
+                  <a:rPr lang="en-US" sz="3200" dirty="0"/>
                   <a:t>      decision-tree classifier with default</a:t>
                 </a:r>
               </a:p>
               <a:p>
                 <a:r>
-                  <a:rPr lang="en-US" sz="3400" dirty="0"/>
+                  <a:rPr lang="en-US" sz="3200" dirty="0"/>
                   <a:t>      parameters.</a:t>
                 </a:r>
               </a:p>
               <a:p>
                 <a:r>
-                  <a:rPr lang="en-US" sz="3400" dirty="0"/>
+                  <a:rPr lang="en-US" sz="3200" dirty="0"/>
                   <a:t>      We chose a threshold of 0.00005.</a:t>
                 </a:r>
               </a:p>
@@ -4742,56 +4752,56 @@
                   <a:buChar char="•"/>
                 </a:pPr>
                 <a:r>
-                  <a:rPr lang="en-US" sz="3400" dirty="0"/>
+                  <a:rPr lang="en-US" sz="3200" dirty="0"/>
                   <a:t>Oversampling the train set, so that genes</a:t>
                 </a:r>
               </a:p>
               <a:p>
                 <a:r>
-                  <a:rPr lang="en-US" sz="3400" dirty="0"/>
+                  <a:rPr lang="en-US" sz="3200" dirty="0"/>
                   <a:t>      with label ‘TRUE’ take a bigger part of the</a:t>
                 </a:r>
               </a:p>
               <a:p>
                 <a:r>
-                  <a:rPr lang="en-US" sz="3400" dirty="0"/>
+                  <a:rPr lang="en-US" sz="3200" dirty="0"/>
                   <a:t>      dataset. We performed a tuning of the</a:t>
                 </a:r>
               </a:p>
               <a:p>
                 <a:r>
-                  <a:rPr lang="en-US" sz="3400" dirty="0"/>
+                  <a:rPr lang="en-US" sz="3200" dirty="0"/>
                   <a:t>      desired ratio between ‘FALSE’ and ‘TRUE’</a:t>
                 </a:r>
               </a:p>
               <a:p>
                 <a:r>
-                  <a:rPr lang="en-US" sz="3400" dirty="0"/>
+                  <a:rPr lang="en-US" sz="3200" dirty="0"/>
                   <a:t>      labels. Number of ‘FALSE’ genes is</a:t>
                 </a:r>
               </a:p>
               <a:p>
                 <a:r>
-                  <a:rPr lang="en-US" sz="3400" dirty="0"/>
+                  <a:rPr lang="en-US" sz="3200" dirty="0"/>
                   <a:t>      multiplied by coefficient to obtain new</a:t>
                 </a:r>
               </a:p>
               <a:p>
                 <a:r>
-                  <a:rPr lang="en-US" sz="3400" dirty="0"/>
+                  <a:rPr lang="en-US" sz="3200" dirty="0"/>
                   <a:t>      number of ‘TRUE’ genes.</a:t>
                 </a:r>
               </a:p>
               <a:p>
                 <a:r>
-                  <a:rPr lang="en-US" sz="3400" dirty="0"/>
+                  <a:rPr lang="en-US" sz="3200" dirty="0"/>
                   <a:t>      We chose coefficient 1, so that ratio between</a:t>
                 </a:r>
               </a:p>
               <a:p>
                 <a:r>
-                  <a:rPr lang="en-US" sz="3400" dirty="0"/>
-                  <a:t>      ‘FALSE’ and ‘TRUE’ is 1:1.</a:t>
+                  <a:rPr lang="en-US" sz="3200" dirty="0"/>
+                  <a:t>                  ‘FALSE’ and ‘TRUE’ is 1:1.</a:t>
                 </a:r>
               </a:p>
             </p:txBody>
@@ -4815,7 +4825,7 @@
             <p:spPr>
               <a:xfrm>
                 <a:off x="1080345" y="20882620"/>
-                <a:ext cx="15193688" cy="22351696"/>
+                <a:ext cx="15193688" cy="21534806"/>
               </a:xfrm>
               <a:prstGeom prst="rect">
                 <a:avLst/>
@@ -4823,7 +4833,7 @@
               <a:blipFill>
                 <a:blip r:embed="rId3"/>
                 <a:stretch>
-                  <a:fillRect l="-1243" t="-409"/>
+                  <a:fillRect l="-1163" t="-368" r="-722"/>
                 </a:stretch>
               </a:blipFill>
             </p:spPr>
@@ -4832,7 +4842,7 @@
               <a:lstStyle/>
               <a:p>
                 <a:r>
-                  <a:rPr lang="en-US">
+                  <a:rPr lang="en-IL">
                     <a:noFill/>
                   </a:rPr>
                   <a:t> </a:t>
@@ -4912,7 +4922,7 @@
         </p:nvSpPr>
         <p:spPr>
           <a:xfrm>
-            <a:off x="18650297" y="17210212"/>
+            <a:off x="18578289" y="17916991"/>
             <a:ext cx="11582400" cy="1015663"/>
           </a:xfrm>
           <a:prstGeom prst="rect">
@@ -5048,7 +5058,7 @@
         <p:spPr>
           <a:xfrm>
             <a:off x="17498169" y="5976964"/>
-            <a:ext cx="14761640" cy="7663636"/>
+            <a:ext cx="14041560" cy="11326178"/>
           </a:xfrm>
           <a:prstGeom prst="rect">
             <a:avLst/>
@@ -5083,21 +5093,31 @@
           <a:p>
             <a:r>
               <a:rPr lang="en-US" sz="3400" dirty="0"/>
+              <a:t>A decision tree uses tree-like model of decisions that only contains conditional control statements. </a:t>
+            </a:r>
+            <a:r>
+              <a:rPr lang="en-US" sz="3400" dirty="0">
+                <a:highlight>
+                  <a:srgbClr val="FFFF00"/>
+                </a:highlight>
+              </a:rPr>
               <a:t>We tuned </a:t>
             </a:r>
             <a:r>
-              <a:rPr lang="en-US" sz="3400" dirty="0" err="1"/>
+              <a:rPr lang="en-US" sz="3400" dirty="0" err="1">
+                <a:highlight>
+                  <a:srgbClr val="FFFF00"/>
+                </a:highlight>
+              </a:rPr>
               <a:t>max_depth</a:t>
             </a:r>
             <a:r>
-              <a:rPr lang="en-US" sz="3400" dirty="0"/>
-              <a:t> parameter of decision tree, using 5 folds on the training</a:t>
-            </a:r>
-          </a:p>
-          <a:p>
-            <a:r>
-              <a:rPr lang="en-US" sz="3400" dirty="0"/>
-              <a:t>set. We chose maximal depth of 70.</a:t>
+              <a:rPr lang="en-US" sz="3400" dirty="0">
+                <a:highlight>
+                  <a:srgbClr val="FFFF00"/>
+                </a:highlight>
+              </a:rPr>
+              <a:t> parameter of decision tree, using 5 folds on the training set. We chose maximal depth of 70.</a:t>
             </a:r>
           </a:p>
           <a:p>
@@ -5126,15 +5146,69 @@
           <a:p>
             <a:r>
               <a:rPr lang="en-US" sz="3400" dirty="0"/>
+              <a:t>A supervised learning model with associated learning algorithms that analyze data used for classification. </a:t>
+            </a:r>
+            <a:r>
+              <a:rPr lang="en-US" sz="3400" dirty="0">
+                <a:highlight>
+                  <a:srgbClr val="FFFF00"/>
+                </a:highlight>
+              </a:rPr>
               <a:t>Similarly, we tuned </a:t>
             </a:r>
             <a:r>
-              <a:rPr lang="en-US" sz="3400" dirty="0" err="1"/>
+              <a:rPr lang="en-US" sz="3400" dirty="0" err="1">
+                <a:highlight>
+                  <a:srgbClr val="FFFF00"/>
+                </a:highlight>
+              </a:rPr>
               <a:t>max_iter</a:t>
             </a:r>
             <a:r>
+              <a:rPr lang="en-US" sz="3400" dirty="0">
+                <a:highlight>
+                  <a:srgbClr val="FFFF00"/>
+                </a:highlight>
+              </a:rPr>
+              <a:t> parameter of SVM classifier. We chose to allow a maximal iterations number of 20.</a:t>
+            </a:r>
+            <a:br>
               <a:rPr lang="en-US" sz="3400" dirty="0"/>
-              <a:t> parameter of SVM classifier. We chose to allow a maximal iterations number of 20.</a:t>
+            </a:br>
+            <a:endParaRPr lang="en-US" sz="3400" dirty="0"/>
+          </a:p>
+          <a:p>
+            <a:r>
+              <a:rPr lang="en-US" sz="3400" dirty="0">
+                <a:ln w="0"/>
+                <a:solidFill>
+                  <a:schemeClr val="accent4">
+                    <a:lumMod val="75000"/>
+                  </a:schemeClr>
+                </a:solidFill>
+                <a:effectLst>
+                  <a:outerShdw blurRad="38100" dist="25400" dir="5400000" algn="ctr" rotWithShape="0">
+                    <a:srgbClr val="6E747A">
+                      <a:alpha val="43000"/>
+                    </a:srgbClr>
+                  </a:outerShdw>
+                </a:effectLst>
+              </a:rPr>
+              <a:t>KNN (K nearest neighbors)</a:t>
+            </a:r>
+          </a:p>
+          <a:p>
+            <a:r>
+              <a:rPr lang="en-US" sz="3400" dirty="0"/>
+              <a:t>Non-parametric method used for classification and regression. </a:t>
+            </a:r>
+            <a:r>
+              <a:rPr lang="en-US" sz="3400" dirty="0">
+                <a:highlight>
+                  <a:srgbClr val="FFFF00"/>
+                </a:highlight>
+              </a:rPr>
+              <a:t>We used 5 neighbors for KNN classifier.</a:t>
             </a:r>
           </a:p>
           <a:p>
@@ -5149,7 +5223,7 @@
           <a:p>
             <a:r>
               <a:rPr lang="en-US" sz="3400" dirty="0"/>
-              <a:t>to decision tree.</a:t>
+              <a:t>to decision tree and KNN in terms of accuracy but showed the poorest performance in terms of recall score.</a:t>
             </a:r>
             <a:endParaRPr lang="he-IL" sz="3400" dirty="0"/>
           </a:p>
@@ -5158,7 +5232,7 @@
           </a:p>
           <a:p>
             <a:r>
-              <a:rPr lang="en-US" sz="3200" i="1" u="sng"/>
+              <a:rPr lang="en-US" sz="3200" i="1" u="sng" dirty="0"/>
               <a:t>SVM metrics:</a:t>
             </a:r>
           </a:p>
@@ -5196,7 +5270,7 @@
         </p:nvSpPr>
         <p:spPr>
           <a:xfrm>
-            <a:off x="17227760" y="18046139"/>
+            <a:off x="17221014" y="19168871"/>
             <a:ext cx="14761640" cy="7632859"/>
           </a:xfrm>
           <a:prstGeom prst="rect">
@@ -5368,24 +5442,131 @@
         </p:blipFill>
         <p:spPr>
           <a:xfrm>
-            <a:off x="25483922" y="21276402"/>
-            <a:ext cx="5839783" cy="4509833"/>
+            <a:off x="25685202" y="23055269"/>
+            <a:ext cx="5040560" cy="3892625"/>
           </a:xfrm>
           <a:prstGeom prst="rect">
             <a:avLst/>
           </a:prstGeom>
         </p:spPr>
       </p:pic>
-      <p:pic>
-        <p:nvPicPr>
-          <p:cNvPr id="28" name="Picture 27">
+      <p:sp>
+        <p:nvSpPr>
+          <p:cNvPr id="29" name="TextBox 28">
             <a:extLst>
               <a:ext uri="{FF2B5EF4-FFF2-40B4-BE49-F238E27FC236}">
-                <a16:creationId xmlns:a16="http://schemas.microsoft.com/office/drawing/2014/main" id="{2C820D7C-8B39-4565-92C9-5FA249216CD8}"/>
+                <a16:creationId xmlns:a16="http://schemas.microsoft.com/office/drawing/2014/main" id="{5F519F2A-9775-42EA-AC28-73D54432FFE5}"/>
               </a:ext>
             </a:extLst>
           </p:cNvPr>
-          <p:cNvPicPr/>
+          <p:cNvSpPr txBox="1"/>
+          <p:nvPr/>
+        </p:nvSpPr>
+        <p:spPr>
+          <a:xfrm>
+            <a:off x="17356920" y="30819724"/>
+            <a:ext cx="14326825" cy="7940635"/>
+          </a:xfrm>
+          <a:prstGeom prst="rect">
+            <a:avLst/>
+          </a:prstGeom>
+          <a:noFill/>
+        </p:spPr>
+        <p:txBody>
+          <a:bodyPr wrap="square" rtlCol="0">
+            <a:spAutoFit/>
+          </a:bodyPr>
+          <a:lstStyle/>
+          <a:p>
+            <a:pPr marL="285750" indent="-285750">
+              <a:buFont typeface="Arial" panose="020B0604020202020204" pitchFamily="34" charset="0"/>
+              <a:buChar char="•"/>
+            </a:pPr>
+            <a:r>
+              <a:rPr lang="en-US" sz="3400" dirty="0"/>
+              <a:t>Both supervised and unsupervised methods did not show good performance.</a:t>
+            </a:r>
+          </a:p>
+          <a:p>
+            <a:pPr marL="285750" indent="-285750">
+              <a:buFont typeface="Arial" panose="020B0604020202020204" pitchFamily="34" charset="0"/>
+              <a:buChar char="•"/>
+            </a:pPr>
+            <a:r>
+              <a:rPr lang="en-US" sz="3400" dirty="0"/>
+              <a:t>For supervised methods, there was a relatively high accuracy due to the small fraction of ‘TRUE’ labels in the dataset. We managed to improve precision and recall metrics, but still most ‘TRUE’ genes are wrongly classified.</a:t>
+            </a:r>
+          </a:p>
+          <a:p>
+            <a:pPr marL="285750" indent="-285750">
+              <a:buFont typeface="Arial" panose="020B0604020202020204" pitchFamily="34" charset="0"/>
+              <a:buChar char="•"/>
+            </a:pPr>
+            <a:r>
+              <a:rPr lang="en-US" sz="3400" dirty="0"/>
+              <a:t>For unsupervised methods, we chose the number of clusters that maximize silhouette score. However, with labels taken into account, the clusters are heterogenous. </a:t>
+            </a:r>
+          </a:p>
+          <a:p>
+            <a:pPr marL="285750" indent="-285750">
+              <a:buFont typeface="Arial" panose="020B0604020202020204" pitchFamily="34" charset="0"/>
+              <a:buChar char="•"/>
+            </a:pPr>
+            <a:r>
+              <a:rPr lang="en-US" sz="3400" dirty="0"/>
+              <a:t>A possible explanation could be that down-regulation of </a:t>
+            </a:r>
+            <a:r>
+              <a:rPr lang="en-US" sz="3400" dirty="0" err="1"/>
+              <a:t>PKCδ</a:t>
+            </a:r>
+            <a:r>
+              <a:rPr lang="en-US" sz="3400" dirty="0"/>
+              <a:t> has an affect on other biological functions and therefore non-apoptosis genes also show changes in expression levels.</a:t>
+            </a:r>
+          </a:p>
+          <a:p>
+            <a:pPr marL="285750" indent="-285750">
+              <a:buFont typeface="Arial" panose="020B0604020202020204" pitchFamily="34" charset="0"/>
+              <a:buChar char="•"/>
+            </a:pPr>
+            <a:r>
+              <a:rPr lang="en-US" sz="3400" dirty="0"/>
+              <a:t>Another point to note is that maybe some of the apoptosis genes are not affected by down-regulation of </a:t>
+            </a:r>
+            <a:r>
+              <a:rPr lang="en-US" sz="3400" dirty="0" err="1"/>
+              <a:t>PKCδ</a:t>
+            </a:r>
+            <a:r>
+              <a:rPr lang="en-US" sz="3400" dirty="0"/>
+              <a:t> and therefore their expression levels did not change, despite being labeled as ‘TRUE’.</a:t>
+            </a:r>
+          </a:p>
+          <a:p>
+            <a:pPr marL="285750" indent="-285750">
+              <a:buFont typeface="Arial" panose="020B0604020202020204" pitchFamily="34" charset="0"/>
+              <a:buChar char="•"/>
+            </a:pPr>
+            <a:r>
+              <a:rPr lang="en-US" sz="3400" dirty="0"/>
+              <a:t>We assume that for better results, perhaps a different labeling approach should be applied (for example, multiclass rather than binary).</a:t>
+            </a:r>
+          </a:p>
+        </p:txBody>
+      </p:sp>
+      <p:pic>
+        <p:nvPicPr>
+          <p:cNvPr id="4" name="Picture 3">
+            <a:extLst>
+              <a:ext uri="{FF2B5EF4-FFF2-40B4-BE49-F238E27FC236}">
+                <a16:creationId xmlns:a16="http://schemas.microsoft.com/office/drawing/2014/main" id="{61F9B65C-7152-4664-BC87-0D5C83C879B8}"/>
+              </a:ext>
+            </a:extLst>
+          </p:cNvPr>
+          <p:cNvPicPr>
+            <a:picLocks noChangeAspect="1"/>
+          </p:cNvPicPr>
           <p:nvPr/>
         </p:nvPicPr>
         <p:blipFill>
@@ -5396,119 +5577,14 @@
         </p:blipFill>
         <p:spPr>
           <a:xfrm>
-            <a:off x="25483922" y="10790949"/>
-            <a:ext cx="5520308" cy="4196919"/>
+            <a:off x="25707081" y="13911616"/>
+            <a:ext cx="5049429" cy="3754069"/>
           </a:xfrm>
           <a:prstGeom prst="rect">
             <a:avLst/>
           </a:prstGeom>
         </p:spPr>
       </p:pic>
-      <p:sp>
-        <p:nvSpPr>
-          <p:cNvPr id="29" name="TextBox 28">
-            <a:extLst>
-              <a:ext uri="{FF2B5EF4-FFF2-40B4-BE49-F238E27FC236}">
-                <a16:creationId xmlns:a16="http://schemas.microsoft.com/office/drawing/2014/main" id="{5F519F2A-9775-42EA-AC28-73D54432FFE5}"/>
-              </a:ext>
-            </a:extLst>
-          </p:cNvPr>
-          <p:cNvSpPr txBox="1"/>
-          <p:nvPr/>
-        </p:nvSpPr>
-        <p:spPr>
-          <a:xfrm>
-            <a:off x="17356920" y="30819724"/>
-            <a:ext cx="14326825" cy="7940635"/>
-          </a:xfrm>
-          <a:prstGeom prst="rect">
-            <a:avLst/>
-          </a:prstGeom>
-          <a:noFill/>
-        </p:spPr>
-        <p:txBody>
-          <a:bodyPr wrap="square" rtlCol="0">
-            <a:spAutoFit/>
-          </a:bodyPr>
-          <a:lstStyle/>
-          <a:p>
-            <a:pPr marL="285750" indent="-285750">
-              <a:buFont typeface="Arial" panose="020B0604020202020204" pitchFamily="34" charset="0"/>
-              <a:buChar char="•"/>
-            </a:pPr>
-            <a:r>
-              <a:rPr lang="en-US" sz="3400" dirty="0"/>
-              <a:t>Both supervised and unsupervised methods did not show good performance.</a:t>
-            </a:r>
-          </a:p>
-          <a:p>
-            <a:pPr marL="285750" indent="-285750">
-              <a:buFont typeface="Arial" panose="020B0604020202020204" pitchFamily="34" charset="0"/>
-              <a:buChar char="•"/>
-            </a:pPr>
-            <a:r>
-              <a:rPr lang="en-US" sz="3400" dirty="0"/>
-              <a:t>For supervised methods, there was a relatively high accuracy due to the small fraction of ‘TRUE’ labels in the dataset. We managed to improve precision and recall metrics using, but still most ‘TRUE’ genes are wrongly classified.</a:t>
-            </a:r>
-          </a:p>
-          <a:p>
-            <a:pPr marL="285750" indent="-285750">
-              <a:buFont typeface="Arial" panose="020B0604020202020204" pitchFamily="34" charset="0"/>
-              <a:buChar char="•"/>
-            </a:pPr>
-            <a:r>
-              <a:rPr lang="en-US" sz="3400" dirty="0"/>
-              <a:t>For unsupervised methods, we chose the number of clusters  that maximize silhouette score. However, with labels taken into account, the clusters are heterogenous. </a:t>
-            </a:r>
-          </a:p>
-          <a:p>
-            <a:pPr marL="285750" indent="-285750">
-              <a:buFont typeface="Arial" panose="020B0604020202020204" pitchFamily="34" charset="0"/>
-              <a:buChar char="•"/>
-            </a:pPr>
-            <a:r>
-              <a:rPr lang="en-US" sz="3400" dirty="0"/>
-              <a:t>A possible explanation could be that down-regulation of </a:t>
-            </a:r>
-            <a:r>
-              <a:rPr lang="en-US" sz="3400" dirty="0" err="1"/>
-              <a:t>PKCδ</a:t>
-            </a:r>
-            <a:r>
-              <a:rPr lang="en-US" sz="3400" dirty="0"/>
-              <a:t> has an affect on other biological functions and therefore non-apoptosis genes also show changes in expression levels.</a:t>
-            </a:r>
-          </a:p>
-          <a:p>
-            <a:pPr marL="285750" indent="-285750">
-              <a:buFont typeface="Arial" panose="020B0604020202020204" pitchFamily="34" charset="0"/>
-              <a:buChar char="•"/>
-            </a:pPr>
-            <a:r>
-              <a:rPr lang="en-US" sz="3400" dirty="0"/>
-              <a:t>Another point to note is that maybe some of the apoptosis genes are not affected by down-regulation of </a:t>
-            </a:r>
-            <a:r>
-              <a:rPr lang="en-US" sz="3400" dirty="0" err="1"/>
-              <a:t>PKCδ</a:t>
-            </a:r>
-            <a:r>
-              <a:rPr lang="en-US" sz="3400" dirty="0"/>
-              <a:t> and therefore their expression levels did not change, despite being labeled as ‘TRUE’.</a:t>
-            </a:r>
-          </a:p>
-          <a:p>
-            <a:pPr marL="285750" indent="-285750">
-              <a:buFont typeface="Arial" panose="020B0604020202020204" pitchFamily="34" charset="0"/>
-              <a:buChar char="•"/>
-            </a:pPr>
-            <a:r>
-              <a:rPr lang="en-US" sz="3400" dirty="0"/>
-              <a:t>We assume that for better results, perhaps a different labeling approach should be applied (for example, multiclass rather than binary).</a:t>
-            </a:r>
-          </a:p>
-        </p:txBody>
-      </p:sp>
     </p:spTree>
   </p:cSld>
   <p:clrMapOvr>

--- a/Project/project_poster.pptx
+++ b/Project/project_poster.pptx
@@ -303,7 +303,7 @@
             <a:fld id="{C33D5922-1A10-453D-B34B-87D0376FB0F9}" type="datetimeFigureOut">
               <a:rPr lang="en-US" smtClean="0"/>
               <a:pPr/>
-              <a:t>3/11/2019</a:t>
+              <a:t>3/17/2019</a:t>
             </a:fld>
             <a:endParaRPr lang="en-US"/>
           </a:p>
@@ -468,7 +468,7 @@
             <a:fld id="{C33D5922-1A10-453D-B34B-87D0376FB0F9}" type="datetimeFigureOut">
               <a:rPr lang="en-US" smtClean="0"/>
               <a:pPr/>
-              <a:t>3/11/2019</a:t>
+              <a:t>3/17/2019</a:t>
             </a:fld>
             <a:endParaRPr lang="en-US"/>
           </a:p>
@@ -643,7 +643,7 @@
             <a:fld id="{C33D5922-1A10-453D-B34B-87D0376FB0F9}" type="datetimeFigureOut">
               <a:rPr lang="en-US" smtClean="0"/>
               <a:pPr/>
-              <a:t>3/11/2019</a:t>
+              <a:t>3/17/2019</a:t>
             </a:fld>
             <a:endParaRPr lang="en-US"/>
           </a:p>
@@ -808,7 +808,7 @@
             <a:fld id="{C33D5922-1A10-453D-B34B-87D0376FB0F9}" type="datetimeFigureOut">
               <a:rPr lang="en-US" smtClean="0"/>
               <a:pPr/>
-              <a:t>3/11/2019</a:t>
+              <a:t>3/17/2019</a:t>
             </a:fld>
             <a:endParaRPr lang="en-US"/>
           </a:p>
@@ -1050,7 +1050,7 @@
             <a:fld id="{C33D5922-1A10-453D-B34B-87D0376FB0F9}" type="datetimeFigureOut">
               <a:rPr lang="en-US" smtClean="0"/>
               <a:pPr/>
-              <a:t>3/11/2019</a:t>
+              <a:t>3/17/2019</a:t>
             </a:fld>
             <a:endParaRPr lang="en-US"/>
           </a:p>
@@ -1332,7 +1332,7 @@
             <a:fld id="{C33D5922-1A10-453D-B34B-87D0376FB0F9}" type="datetimeFigureOut">
               <a:rPr lang="en-US" smtClean="0"/>
               <a:pPr/>
-              <a:t>3/11/2019</a:t>
+              <a:t>3/17/2019</a:t>
             </a:fld>
             <a:endParaRPr lang="en-US"/>
           </a:p>
@@ -1753,7 +1753,7 @@
             <a:fld id="{C33D5922-1A10-453D-B34B-87D0376FB0F9}" type="datetimeFigureOut">
               <a:rPr lang="en-US" smtClean="0"/>
               <a:pPr/>
-              <a:t>3/11/2019</a:t>
+              <a:t>3/17/2019</a:t>
             </a:fld>
             <a:endParaRPr lang="en-US"/>
           </a:p>
@@ -1867,7 +1867,7 @@
             <a:fld id="{C33D5922-1A10-453D-B34B-87D0376FB0F9}" type="datetimeFigureOut">
               <a:rPr lang="en-US" smtClean="0"/>
               <a:pPr/>
-              <a:t>3/11/2019</a:t>
+              <a:t>3/17/2019</a:t>
             </a:fld>
             <a:endParaRPr lang="en-US"/>
           </a:p>
@@ -1959,7 +1959,7 @@
             <a:fld id="{C33D5922-1A10-453D-B34B-87D0376FB0F9}" type="datetimeFigureOut">
               <a:rPr lang="en-US" smtClean="0"/>
               <a:pPr/>
-              <a:t>3/11/2019</a:t>
+              <a:t>3/17/2019</a:t>
             </a:fld>
             <a:endParaRPr lang="en-US"/>
           </a:p>
@@ -2231,7 +2231,7 @@
             <a:fld id="{C33D5922-1A10-453D-B34B-87D0376FB0F9}" type="datetimeFigureOut">
               <a:rPr lang="en-US" smtClean="0"/>
               <a:pPr/>
-              <a:t>3/11/2019</a:t>
+              <a:t>3/17/2019</a:t>
             </a:fld>
             <a:endParaRPr lang="en-US"/>
           </a:p>
@@ -2480,7 +2480,7 @@
             <a:fld id="{C33D5922-1A10-453D-B34B-87D0376FB0F9}" type="datetimeFigureOut">
               <a:rPr lang="en-US" smtClean="0"/>
               <a:pPr/>
-              <a:t>3/11/2019</a:t>
+              <a:t>3/17/2019</a:t>
             </a:fld>
             <a:endParaRPr lang="en-US"/>
           </a:p>
@@ -2688,7 +2688,7 @@
             <a:fld id="{C33D5922-1A10-453D-B34B-87D0376FB0F9}" type="datetimeFigureOut">
               <a:rPr lang="en-US" smtClean="0"/>
               <a:pPr/>
-              <a:t>3/11/2019</a:t>
+              <a:t>3/17/2019</a:t>
             </a:fld>
             <a:endParaRPr lang="en-US"/>
           </a:p>
@@ -3433,7 +3433,7 @@
         <p:spPr>
           <a:xfrm>
             <a:off x="723900" y="4886208"/>
-            <a:ext cx="15766157" cy="9299668"/>
+            <a:ext cx="15766157" cy="7406687"/>
           </a:xfrm>
           <a:prstGeom prst="flowChartAlternateProcess">
             <a:avLst/>
@@ -3721,8 +3721,8 @@
         </p:nvSpPr>
         <p:spPr>
           <a:xfrm>
-            <a:off x="534358" y="14534205"/>
-            <a:ext cx="15955699" cy="4925045"/>
+            <a:off x="534358" y="12636145"/>
+            <a:ext cx="15955699" cy="6590291"/>
           </a:xfrm>
           <a:prstGeom prst="flowChartAlternateProcess">
             <a:avLst/>
@@ -4035,7 +4035,7 @@
         </p:nvSpPr>
         <p:spPr>
           <a:xfrm>
-            <a:off x="2963441" y="14818943"/>
+            <a:off x="2721006" y="12817724"/>
             <a:ext cx="11582400" cy="1015663"/>
           </a:xfrm>
           <a:prstGeom prst="rect">
@@ -4062,7 +4062,7 @@
           <p:cNvPr id="3" name="TextBox 2">
             <a:extLst>
               <a:ext uri="{FF2B5EF4-FFF2-40B4-BE49-F238E27FC236}">
-                <a16:creationId xmlns:a16="http://schemas.microsoft.com/office/drawing/2014/main" id="{42DB555F-2B7D-4674-A6CF-05BCE42F2F7C}"/>
+                <a16:creationId xmlns:a16="http://schemas.microsoft.com/office/drawing/2014/main" xmlns="" id="{42DB555F-2B7D-4674-A6CF-05BCE42F2F7C}"/>
               </a:ext>
             </a:extLst>
           </p:cNvPr>
@@ -4072,7 +4072,7 @@
         <p:spPr>
           <a:xfrm>
             <a:off x="1080345" y="5544916"/>
-            <a:ext cx="14761640" cy="10987623"/>
+            <a:ext cx="14761640" cy="7109639"/>
           </a:xfrm>
           <a:prstGeom prst="rect">
             <a:avLst/>
@@ -4123,8 +4123,21 @@
             </a:pPr>
             <a:r>
               <a:rPr lang="en-US" sz="3400" dirty="0"/>
-              <a:t>Identification of targets for apoptosis induction is important to provide novel therapeutic approaches in breast cancer.</a:t>
-            </a:r>
+              <a:t>Identification of targets for apoptosis induction is important to provide novel therapeutic approaches in breast cancer</a:t>
+            </a:r>
+            <a:r>
+              <a:rPr lang="en-US" sz="3400" dirty="0" smtClean="0"/>
+              <a:t>.</a:t>
+            </a:r>
+          </a:p>
+          <a:p>
+            <a:endParaRPr lang="en-US" sz="3400" dirty="0" smtClean="0"/>
+          </a:p>
+          <a:p>
+            <a:endParaRPr lang="en-US" sz="3200" dirty="0" smtClean="0"/>
+          </a:p>
+          <a:p>
+            <a:endParaRPr lang="en-US" sz="1600" dirty="0"/>
           </a:p>
           <a:p>
             <a:pPr marL="685800" indent="-685800">
@@ -4133,15 +4146,7 @@
             </a:pPr>
             <a:r>
               <a:rPr lang="en-US" sz="3400" dirty="0"/>
-              <a:t>According to researchers </a:t>
-            </a:r>
-            <a:r>
-              <a:rPr lang="en-US" sz="2000" dirty="0"/>
-              <a:t>[2]</a:t>
-            </a:r>
-            <a:r>
-              <a:rPr lang="en-US" sz="3400" dirty="0"/>
-              <a:t>, Protein Kinase </a:t>
+              <a:t>It is therefore assumed that down-regulation of Protein Kinase </a:t>
             </a:r>
             <a:r>
               <a:rPr lang="en-US" sz="3400" dirty="0" err="1"/>
@@ -4149,95 +4154,12 @@
             </a:r>
             <a:r>
               <a:rPr lang="en-US" sz="3400" dirty="0"/>
-              <a:t> supports survival of breast cancer cells by suppressing the ERK1/2 pathway, which mediates apoptosis.</a:t>
-            </a:r>
-          </a:p>
-          <a:p>
-            <a:pPr marL="685800" indent="-685800">
-              <a:buFont typeface="Arial" panose="020B0604020202020204" pitchFamily="34" charset="0"/>
-              <a:buChar char="•"/>
-            </a:pPr>
-            <a:r>
-              <a:rPr lang="en-US" sz="3400" dirty="0"/>
-              <a:t>It is therefore assumed that down-regulation of Protein Kinase </a:t>
-            </a:r>
-            <a:r>
-              <a:rPr lang="en-US" sz="3400" dirty="0" err="1"/>
-              <a:t>Cδ</a:t>
-            </a:r>
-            <a:r>
-              <a:rPr lang="en-US" sz="3400" dirty="0"/>
               <a:t> can be used as treatment. </a:t>
             </a:r>
-          </a:p>
-          <a:p>
-            <a:pPr marL="685800" indent="-685800">
-              <a:buFont typeface="Arial" panose="020B0604020202020204" pitchFamily="34" charset="0"/>
-              <a:buChar char="•"/>
-            </a:pPr>
-            <a:r>
-              <a:rPr lang="en-US" sz="3400" dirty="0"/>
-              <a:t>The dataset we’ll use </a:t>
-            </a:r>
-            <a:r>
-              <a:rPr lang="en-US" sz="2000" dirty="0"/>
-              <a:t>[1]</a:t>
-            </a:r>
-            <a:r>
-              <a:rPr lang="en-US" sz="3400" dirty="0"/>
-              <a:t> contains gene expression levels in 2 breast cancer cell lines, before and after down regulation of Protein Kinase </a:t>
-            </a:r>
-            <a:r>
-              <a:rPr lang="en-US" sz="3400" dirty="0" err="1"/>
-              <a:t>Cδ</a:t>
-            </a:r>
-            <a:r>
-              <a:rPr lang="en-US" sz="3400" dirty="0"/>
-              <a:t>.</a:t>
-            </a:r>
-          </a:p>
-          <a:p>
-            <a:pPr marL="685800" indent="-685800">
-              <a:buFont typeface="Arial" panose="020B0604020202020204" pitchFamily="34" charset="0"/>
-              <a:buChar char="•"/>
-            </a:pPr>
-            <a:r>
-              <a:rPr lang="en-US" sz="3400" dirty="0"/>
-              <a:t>The breast cancer cell lines that appear in the dataset are:</a:t>
-            </a:r>
-          </a:p>
-          <a:p>
-            <a:r>
-              <a:rPr lang="en-US" sz="3400" dirty="0"/>
-              <a:t>        - BT-549 (Invasive ductal carcinoma)</a:t>
-            </a:r>
-          </a:p>
-          <a:p>
-            <a:r>
-              <a:rPr lang="en-US" sz="3400" dirty="0"/>
-              <a:t>        - MDA-mB-468 (adenocarcinoma)</a:t>
-            </a:r>
-          </a:p>
-          <a:p>
-            <a:pPr marL="685800" indent="-685800">
-              <a:buFont typeface="Arial" panose="020B0604020202020204" pitchFamily="34" charset="0"/>
-              <a:buChar char="•"/>
-            </a:pPr>
-            <a:endParaRPr lang="en-US" sz="3200" dirty="0"/>
-          </a:p>
-          <a:p>
-            <a:pPr marL="685800" indent="-685800">
-              <a:buFont typeface="Arial" panose="020B0604020202020204" pitchFamily="34" charset="0"/>
-              <a:buChar char="•"/>
-            </a:pPr>
-            <a:endParaRPr lang="en-US" sz="3200" dirty="0"/>
-          </a:p>
-          <a:p>
-            <a:pPr marL="685800" indent="-685800">
-              <a:buFont typeface="Arial" panose="020B0604020202020204" pitchFamily="34" charset="0"/>
-              <a:buChar char="•"/>
-            </a:pPr>
-            <a:endParaRPr lang="en-US" sz="3200" dirty="0"/>
+            <a:endParaRPr lang="en-US" sz="3400" dirty="0" smtClean="0"/>
+          </a:p>
+          <a:p>
+            <a:endParaRPr lang="en-US" sz="3400" dirty="0"/>
           </a:p>
           <a:p>
             <a:pPr marL="685800" indent="-685800">
@@ -4246,13 +4168,6 @@
             </a:pPr>
             <a:endParaRPr lang="en-US" sz="3400" dirty="0"/>
           </a:p>
-          <a:p>
-            <a:pPr marL="685800" indent="-685800">
-              <a:buFont typeface="Arial" panose="020B0604020202020204" pitchFamily="34" charset="0"/>
-              <a:buChar char="•"/>
-            </a:pPr>
-            <a:endParaRPr lang="en-US" sz="3400" dirty="0"/>
-          </a:p>
         </p:txBody>
       </p:sp>
       <p:sp>
@@ -4260,7 +4175,7 @@
           <p:cNvPr id="31" name="TextBox 30">
             <a:extLst>
               <a:ext uri="{FF2B5EF4-FFF2-40B4-BE49-F238E27FC236}">
-                <a16:creationId xmlns:a16="http://schemas.microsoft.com/office/drawing/2014/main" id="{20EE0A04-D7A1-4886-A7D2-E94F75BD8CD9}"/>
+                <a16:creationId xmlns:a16="http://schemas.microsoft.com/office/drawing/2014/main" xmlns="" id="{20EE0A04-D7A1-4886-A7D2-E94F75BD8CD9}"/>
               </a:ext>
             </a:extLst>
           </p:cNvPr>
@@ -4269,8 +4184,8 @@
         </p:nvSpPr>
         <p:spPr>
           <a:xfrm>
-            <a:off x="792313" y="15698044"/>
-            <a:ext cx="15409712" cy="3539430"/>
+            <a:off x="854443" y="13609812"/>
+            <a:ext cx="15409712" cy="2554545"/>
           </a:xfrm>
           <a:prstGeom prst="rect">
             <a:avLst/>
@@ -4299,18 +4214,13 @@
             </a:pPr>
             <a:r>
               <a:rPr lang="en-US" sz="3200" dirty="0"/>
-              <a:t>Be able to classify whether a gene is related to apoptosis based on its expression levels in different cells, with and without treatment. We expect genes associated with apoptosis show difference in expression levels between treatment and control samples.</a:t>
-            </a:r>
-          </a:p>
-          <a:p>
-            <a:pPr marL="285750" indent="-285750">
-              <a:buFont typeface="Arial" panose="020B0604020202020204" pitchFamily="34" charset="0"/>
-              <a:buChar char="•"/>
-            </a:pPr>
-            <a:r>
-              <a:rPr lang="en-US" sz="3200" dirty="0"/>
-              <a:t>In order to train the classifier we’ll use a dataset with genes as the rows (“samples”) and cell-line samples as the features. The output will be TRUE or FALSE.</a:t>
-            </a:r>
+              <a:t>Be able to classify whether a gene is related to apoptosis based on its expression levels in different cells, with and without treatment. We expect genes associated with apoptosis show difference in expression levels between treatment and control samples</a:t>
+            </a:r>
+            <a:r>
+              <a:rPr lang="en-US" sz="3200" dirty="0" smtClean="0"/>
+              <a:t>.</a:t>
+            </a:r>
+            <a:endParaRPr lang="en-US" sz="3200" dirty="0"/>
           </a:p>
         </p:txBody>
       </p:sp>
@@ -4321,7 +4231,7 @@
               <p:cNvPr id="37" name="TextBox 36">
                 <a:extLst>
                   <a:ext uri="{FF2B5EF4-FFF2-40B4-BE49-F238E27FC236}">
-                    <a16:creationId xmlns:a16="http://schemas.microsoft.com/office/drawing/2014/main" id="{F92EC576-90EE-4208-A83B-5BE276CEA082}"/>
+                    <a16:creationId xmlns:a16="http://schemas.microsoft.com/office/drawing/2014/main" xmlns="" id="{F92EC576-90EE-4208-A83B-5BE276CEA082}"/>
                   </a:ext>
                 </a:extLst>
               </p:cNvPr>
@@ -4331,7 +4241,7 @@
             <p:spPr>
               <a:xfrm>
                 <a:off x="1080345" y="20882620"/>
-                <a:ext cx="15193688" cy="21534806"/>
+                <a:ext cx="15193688" cy="23627687"/>
               </a:xfrm>
               <a:prstGeom prst="rect">
                 <a:avLst/>
@@ -4410,7 +4320,59 @@
                       </a:outerShdw>
                     </a:effectLst>
                   </a:rPr>
-                  <a:t>Building the dataset</a:t>
+                  <a:t>Building the </a:t>
+                </a:r>
+                <a:r>
+                  <a:rPr lang="en-US" sz="3200" dirty="0" smtClean="0">
+                    <a:ln w="0"/>
+                    <a:solidFill>
+                      <a:schemeClr val="accent4">
+                        <a:lumMod val="75000"/>
+                      </a:schemeClr>
+                    </a:solidFill>
+                    <a:effectLst>
+                      <a:outerShdw blurRad="38100" dist="25400" dir="5400000" algn="ctr" rotWithShape="0">
+                        <a:srgbClr val="6E747A">
+                          <a:alpha val="43000"/>
+                        </a:srgbClr>
+                      </a:outerShdw>
+                    </a:effectLst>
+                  </a:rPr>
+                  <a:t>dataset</a:t>
+                </a:r>
+              </a:p>
+              <a:p>
+                <a:pPr marL="685800" indent="-685800">
+                  <a:buFont typeface="Arial" panose="020B0604020202020204" pitchFamily="34" charset="0"/>
+                  <a:buChar char="•"/>
+                </a:pPr>
+                <a:r>
+                  <a:rPr lang="en-US" sz="3200" dirty="0"/>
+                  <a:t>Dataset: gene expression levels, before and after down regulation of </a:t>
+                </a:r>
+                <a:r>
+                  <a:rPr lang="en-US" sz="3200" dirty="0" err="1"/>
+                  <a:t>PKCδ</a:t>
+                </a:r>
+                <a:r>
+                  <a:rPr lang="en-US" sz="3200" dirty="0"/>
+                  <a:t>:</a:t>
+                </a:r>
+              </a:p>
+              <a:p>
+                <a:r>
+                  <a:rPr lang="en-US" sz="3200" dirty="0"/>
+                  <a:t>        - BT-549 (Invasive ductal carcinoma)</a:t>
+                </a:r>
+              </a:p>
+              <a:p>
+                <a:r>
+                  <a:rPr lang="en-US" sz="3200" dirty="0"/>
+                  <a:t>        - MDA-mB-468 (adenocarcinoma</a:t>
+                </a:r>
+                <a:r>
+                  <a:rPr lang="en-US" sz="3200" dirty="0" smtClean="0"/>
+                  <a:t>)</a:t>
                 </a:r>
                 <a:endParaRPr lang="en-US" sz="3200" dirty="0"/>
               </a:p>
@@ -4431,8 +4393,27 @@
                 </a:pPr>
                 <a:r>
                   <a:rPr lang="en-US" sz="3200" dirty="0"/>
-                  <a:t>Labeling the data using process GO term: label ‘TRUE’ for genes associated with apoptosis GO terms and label ‘FALSE’ otherwise.</a:t>
+                  <a:t>Labeling the data using process GO term: label ‘TRUE’ for genes associated with apoptosis GO terms and label ‘FALSE’ otherwise</a:t>
                 </a:r>
+                <a:r>
+                  <a:rPr lang="en-US" sz="3200" dirty="0" smtClean="0"/>
+                  <a:t>.</a:t>
+                </a:r>
+              </a:p>
+              <a:p>
+                <a:r>
+                  <a:rPr lang="en-US" sz="4000" b="1" dirty="0" smtClean="0">
+                    <a:solidFill>
+                      <a:srgbClr val="FF0000"/>
+                    </a:solidFill>
+                  </a:rPr>
+                  <a:t>TODO: diagram of labeling</a:t>
+                </a:r>
+                <a:endParaRPr lang="en-US" sz="4000" b="1" dirty="0">
+                  <a:solidFill>
+                    <a:srgbClr val="FF0000"/>
+                  </a:solidFill>
+                </a:endParaRPr>
               </a:p>
               <a:p>
                 <a:pPr marL="571500" indent="-571500">
@@ -4813,7 +4794,7 @@
               <p:cNvPr id="37" name="TextBox 36">
                 <a:extLst>
                   <a:ext uri="{FF2B5EF4-FFF2-40B4-BE49-F238E27FC236}">
-                    <a16:creationId xmlns:a16="http://schemas.microsoft.com/office/drawing/2014/main" id="{F92EC576-90EE-4208-A83B-5BE276CEA082}"/>
+                    <a16:creationId xmlns:a16="http://schemas.microsoft.com/office/drawing/2014/main" xmlns:a14="http://schemas.microsoft.com/office/drawing/2010/main" xmlns="" id="{F92EC576-90EE-4208-A83B-5BE276CEA082}"/>
                   </a:ext>
                 </a:extLst>
               </p:cNvPr>
@@ -4825,15 +4806,15 @@
             <p:spPr>
               <a:xfrm>
                 <a:off x="1080345" y="20882620"/>
-                <a:ext cx="15193688" cy="21534806"/>
+                <a:ext cx="15193688" cy="23627687"/>
               </a:xfrm>
               <a:prstGeom prst="rect">
                 <a:avLst/>
               </a:prstGeom>
-              <a:blipFill>
+              <a:blipFill rotWithShape="0">
                 <a:blip r:embed="rId3"/>
                 <a:stretch>
-                  <a:fillRect l="-1163" t="-368" r="-722"/>
+                  <a:fillRect l="-1404" t="-335" r="-722"/>
                 </a:stretch>
               </a:blipFill>
             </p:spPr>
@@ -4842,7 +4823,7 @@
               <a:lstStyle/>
               <a:p>
                 <a:r>
-                  <a:rPr lang="en-IL">
+                  <a:rPr lang="en-US">
                     <a:noFill/>
                   </a:rPr>
                   <a:t> </a:t>
@@ -4857,7 +4838,7 @@
           <p:cNvPr id="30" name="Picture 29">
             <a:extLst>
               <a:ext uri="{FF2B5EF4-FFF2-40B4-BE49-F238E27FC236}">
-                <a16:creationId xmlns:a16="http://schemas.microsoft.com/office/drawing/2014/main" id="{B88F1C59-008E-486A-8BB6-1F1B00E9AB14}"/>
+                <a16:creationId xmlns:a16="http://schemas.microsoft.com/office/drawing/2014/main" xmlns="" id="{B88F1C59-008E-486A-8BB6-1F1B00E9AB14}"/>
               </a:ext>
             </a:extLst>
           </p:cNvPr>
@@ -4872,8 +4853,8 @@
         </p:blipFill>
         <p:spPr>
           <a:xfrm>
-            <a:off x="10009336" y="33234536"/>
-            <a:ext cx="5469707" cy="3993900"/>
+            <a:off x="9981978" y="34298416"/>
+            <a:ext cx="6200353" cy="4006772"/>
           </a:xfrm>
           <a:prstGeom prst="rect">
             <a:avLst/>
@@ -4885,7 +4866,7 @@
           <p:cNvPr id="33" name="Picture 32">
             <a:extLst>
               <a:ext uri="{FF2B5EF4-FFF2-40B4-BE49-F238E27FC236}">
-                <a16:creationId xmlns:a16="http://schemas.microsoft.com/office/drawing/2014/main" id="{2A337755-2C70-443D-A284-4CD8FA67AE64}"/>
+                <a16:creationId xmlns:a16="http://schemas.microsoft.com/office/drawing/2014/main" xmlns="" id="{2A337755-2C70-443D-A284-4CD8FA67AE64}"/>
               </a:ext>
             </a:extLst>
           </p:cNvPr>
@@ -4900,8 +4881,8 @@
         </p:blipFill>
         <p:spPr>
           <a:xfrm>
-            <a:off x="10009337" y="37456527"/>
-            <a:ext cx="5469706" cy="4092389"/>
+            <a:off x="9839267" y="38305188"/>
+            <a:ext cx="6330513" cy="4487965"/>
           </a:xfrm>
           <a:prstGeom prst="rect">
             <a:avLst/>
@@ -4913,7 +4894,7 @@
           <p:cNvPr id="38" name="TextBox 37">
             <a:extLst>
               <a:ext uri="{FF2B5EF4-FFF2-40B4-BE49-F238E27FC236}">
-                <a16:creationId xmlns:a16="http://schemas.microsoft.com/office/drawing/2014/main" id="{BCE3222F-B312-4A5A-B18E-5DCAE8B1C37C}"/>
+                <a16:creationId xmlns:a16="http://schemas.microsoft.com/office/drawing/2014/main" xmlns="" id="{BCE3222F-B312-4A5A-B18E-5DCAE8B1C37C}"/>
               </a:ext>
             </a:extLst>
           </p:cNvPr>
@@ -4949,7 +4930,7 @@
           <p:cNvPr id="40" name="TextBox 39">
             <a:extLst>
               <a:ext uri="{FF2B5EF4-FFF2-40B4-BE49-F238E27FC236}">
-                <a16:creationId xmlns:a16="http://schemas.microsoft.com/office/drawing/2014/main" id="{3B7647D7-CFE0-4CBB-BB60-E7A325E1173F}"/>
+                <a16:creationId xmlns:a16="http://schemas.microsoft.com/office/drawing/2014/main" xmlns="" id="{3B7647D7-CFE0-4CBB-BB60-E7A325E1173F}"/>
               </a:ext>
             </a:extLst>
           </p:cNvPr>
@@ -5048,7 +5029,7 @@
           <p:cNvPr id="41" name="TextBox 40">
             <a:extLst>
               <a:ext uri="{FF2B5EF4-FFF2-40B4-BE49-F238E27FC236}">
-                <a16:creationId xmlns:a16="http://schemas.microsoft.com/office/drawing/2014/main" id="{96BDCC20-3B36-41AA-8FC3-B68D496AECC1}"/>
+                <a16:creationId xmlns:a16="http://schemas.microsoft.com/office/drawing/2014/main" xmlns="" id="{96BDCC20-3B36-41AA-8FC3-B68D496AECC1}"/>
               </a:ext>
             </a:extLst>
           </p:cNvPr>
@@ -5172,6 +5153,10 @@
               </a:rPr>
               <a:t> parameter of SVM classifier. We chose to allow a maximal iterations number of 20.</a:t>
             </a:r>
+            <a:r>
+              <a:rPr lang="en-US" sz="3400" dirty="0"/>
+              <a:t/>
+            </a:r>
             <a:br>
               <a:rPr lang="en-US" sz="3400" dirty="0"/>
             </a:br>
@@ -5261,7 +5246,7 @@
           <p:cNvPr id="25" name="TextBox 24">
             <a:extLst>
               <a:ext uri="{FF2B5EF4-FFF2-40B4-BE49-F238E27FC236}">
-                <a16:creationId xmlns:a16="http://schemas.microsoft.com/office/drawing/2014/main" id="{DBB78202-4095-4C57-BC31-2098BA74ED69}"/>
+                <a16:creationId xmlns:a16="http://schemas.microsoft.com/office/drawing/2014/main" xmlns="" id="{DBB78202-4095-4C57-BC31-2098BA74ED69}"/>
               </a:ext>
             </a:extLst>
           </p:cNvPr>
@@ -5425,7 +5410,7 @@
           <p:cNvPr id="2" name="Picture 1">
             <a:extLst>
               <a:ext uri="{FF2B5EF4-FFF2-40B4-BE49-F238E27FC236}">
-                <a16:creationId xmlns:a16="http://schemas.microsoft.com/office/drawing/2014/main" id="{420C307D-0F08-4157-8A7F-D1E796CBB31F}"/>
+                <a16:creationId xmlns:a16="http://schemas.microsoft.com/office/drawing/2014/main" xmlns="" id="{420C307D-0F08-4157-8A7F-D1E796CBB31F}"/>
               </a:ext>
             </a:extLst>
           </p:cNvPr>
@@ -5442,8 +5427,8 @@
         </p:blipFill>
         <p:spPr>
           <a:xfrm>
-            <a:off x="25685202" y="23055269"/>
-            <a:ext cx="5040560" cy="3892625"/>
+            <a:off x="23834873" y="23975046"/>
+            <a:ext cx="7320545" cy="5653367"/>
           </a:xfrm>
           <a:prstGeom prst="rect">
             <a:avLst/>
@@ -5455,7 +5440,7 @@
           <p:cNvPr id="29" name="TextBox 28">
             <a:extLst>
               <a:ext uri="{FF2B5EF4-FFF2-40B4-BE49-F238E27FC236}">
-                <a16:creationId xmlns:a16="http://schemas.microsoft.com/office/drawing/2014/main" id="{5F519F2A-9775-42EA-AC28-73D54432FFE5}"/>
+                <a16:creationId xmlns:a16="http://schemas.microsoft.com/office/drawing/2014/main" xmlns="" id="{5F519F2A-9775-42EA-AC28-73D54432FFE5}"/>
               </a:ext>
             </a:extLst>
           </p:cNvPr>
@@ -5560,7 +5545,7 @@
           <p:cNvPr id="4" name="Picture 3">
             <a:extLst>
               <a:ext uri="{FF2B5EF4-FFF2-40B4-BE49-F238E27FC236}">
-                <a16:creationId xmlns:a16="http://schemas.microsoft.com/office/drawing/2014/main" id="{61F9B65C-7152-4664-BC87-0D5C83C879B8}"/>
+                <a16:creationId xmlns:a16="http://schemas.microsoft.com/office/drawing/2014/main" xmlns="" id="{61F9B65C-7152-4664-BC87-0D5C83C879B8}"/>
               </a:ext>
             </a:extLst>
           </p:cNvPr>
@@ -5577,8 +5562,147 @@
         </p:blipFill>
         <p:spPr>
           <a:xfrm>
-            <a:off x="25707081" y="13911616"/>
-            <a:ext cx="5049429" cy="3754069"/>
+            <a:off x="25779089" y="13911617"/>
+            <a:ext cx="4977422" cy="3700534"/>
+          </a:xfrm>
+          <a:prstGeom prst="rect">
+            <a:avLst/>
+          </a:prstGeom>
+        </p:spPr>
+      </p:pic>
+      <p:sp>
+        <p:nvSpPr>
+          <p:cNvPr id="9" name="TextBox 8"/>
+          <p:cNvSpPr txBox="1"/>
+          <p:nvPr/>
+        </p:nvSpPr>
+        <p:spPr>
+          <a:xfrm>
+            <a:off x="1740894" y="9217324"/>
+            <a:ext cx="1923732" cy="1107996"/>
+          </a:xfrm>
+          <a:prstGeom prst="rect">
+            <a:avLst/>
+          </a:prstGeom>
+          <a:noFill/>
+        </p:spPr>
+        <p:txBody>
+          <a:bodyPr wrap="none" rtlCol="0">
+            <a:spAutoFit/>
+          </a:bodyPr>
+          <a:lstStyle/>
+          <a:p>
+            <a:r>
+              <a:rPr lang="en-US" sz="6600" dirty="0" err="1" smtClean="0"/>
+              <a:t>PKCδ</a:t>
+            </a:r>
+            <a:endParaRPr lang="en-US" sz="6600" dirty="0"/>
+          </a:p>
+        </p:txBody>
+      </p:sp>
+      <p:cxnSp>
+        <p:nvCxnSpPr>
+          <p:cNvPr id="13" name="Straight Connector 12"/>
+          <p:cNvCxnSpPr/>
+          <p:nvPr/>
+        </p:nvCxnSpPr>
+        <p:spPr>
+          <a:xfrm>
+            <a:off x="3656809" y="9793388"/>
+            <a:ext cx="2320080" cy="0"/>
+          </a:xfrm>
+          <a:prstGeom prst="line">
+            <a:avLst/>
+          </a:prstGeom>
+          <a:ln w="57150">
+            <a:solidFill>
+              <a:schemeClr val="tx1"/>
+            </a:solidFill>
+          </a:ln>
+        </p:spPr>
+        <p:style>
+          <a:lnRef idx="1">
+            <a:schemeClr val="dk1"/>
+          </a:lnRef>
+          <a:fillRef idx="0">
+            <a:schemeClr val="dk1"/>
+          </a:fillRef>
+          <a:effectRef idx="0">
+            <a:schemeClr val="dk1"/>
+          </a:effectRef>
+          <a:fontRef idx="minor">
+            <a:schemeClr val="tx1"/>
+          </a:fontRef>
+        </p:style>
+      </p:cxnSp>
+      <p:sp>
+        <p:nvSpPr>
+          <p:cNvPr id="15" name="TextBox 14"/>
+          <p:cNvSpPr txBox="1"/>
+          <p:nvPr/>
+        </p:nvSpPr>
+        <p:spPr>
+          <a:xfrm>
+            <a:off x="2520505" y="16419422"/>
+            <a:ext cx="11153694" cy="1400383"/>
+          </a:xfrm>
+          <a:prstGeom prst="rect">
+            <a:avLst/>
+          </a:prstGeom>
+          <a:noFill/>
+        </p:spPr>
+        <p:txBody>
+          <a:bodyPr wrap="none" rtlCol="0">
+            <a:spAutoFit/>
+          </a:bodyPr>
+          <a:lstStyle/>
+          <a:p>
+            <a:r>
+              <a:rPr lang="en-US" dirty="0" smtClean="0"/>
+              <a:t>TODO: Classifier diagram</a:t>
+            </a:r>
+            <a:endParaRPr lang="en-US" dirty="0"/>
+          </a:p>
+        </p:txBody>
+      </p:sp>
+      <p:pic>
+        <p:nvPicPr>
+          <p:cNvPr id="35" name="Picture 34"/>
+          <p:cNvPicPr/>
+          <p:nvPr/>
+        </p:nvPicPr>
+        <p:blipFill>
+          <a:blip r:embed="rId8"/>
+          <a:stretch>
+            <a:fillRect/>
+          </a:stretch>
+        </p:blipFill>
+        <p:spPr>
+          <a:xfrm>
+            <a:off x="24987001" y="6180234"/>
+            <a:ext cx="5965848" cy="4577485"/>
+          </a:xfrm>
+          <a:prstGeom prst="rect">
+            <a:avLst/>
+          </a:prstGeom>
+        </p:spPr>
+      </p:pic>
+      <p:pic>
+        <p:nvPicPr>
+          <p:cNvPr id="36" name="Picture 35"/>
+          <p:cNvPicPr/>
+          <p:nvPr/>
+        </p:nvPicPr>
+        <p:blipFill>
+          <a:blip r:embed="rId9"/>
+          <a:stretch>
+            <a:fillRect/>
+          </a:stretch>
+        </p:blipFill>
+        <p:spPr>
+          <a:xfrm>
+            <a:off x="18915272" y="6526356"/>
+            <a:ext cx="5438775" cy="4248150"/>
           </a:xfrm>
           <a:prstGeom prst="rect">
             <a:avLst/>

--- a/Project/project_poster.pptx
+++ b/Project/project_poster.pptx
@@ -4062,7 +4062,7 @@
           <p:cNvPr id="3" name="TextBox 2">
             <a:extLst>
               <a:ext uri="{FF2B5EF4-FFF2-40B4-BE49-F238E27FC236}">
-                <a16:creationId xmlns:a16="http://schemas.microsoft.com/office/drawing/2014/main" xmlns="" id="{42DB555F-2B7D-4674-A6CF-05BCE42F2F7C}"/>
+                <a16:creationId xmlns:a16="http://schemas.microsoft.com/office/drawing/2014/main" id="{42DB555F-2B7D-4674-A6CF-05BCE42F2F7C}"/>
               </a:ext>
             </a:extLst>
           </p:cNvPr>
@@ -4123,18 +4123,14 @@
             </a:pPr>
             <a:r>
               <a:rPr lang="en-US" sz="3400" dirty="0"/>
-              <a:t>Identification of targets for apoptosis induction is important to provide novel therapeutic approaches in breast cancer</a:t>
-            </a:r>
-            <a:r>
-              <a:rPr lang="en-US" sz="3400" dirty="0" smtClean="0"/>
-              <a:t>.</a:t>
-            </a:r>
-          </a:p>
-          <a:p>
-            <a:endParaRPr lang="en-US" sz="3400" dirty="0" smtClean="0"/>
-          </a:p>
-          <a:p>
-            <a:endParaRPr lang="en-US" sz="3200" dirty="0" smtClean="0"/>
+              <a:t>Identification of targets for apoptosis induction is important to provide novel therapeutic approaches in breast cancer.</a:t>
+            </a:r>
+          </a:p>
+          <a:p>
+            <a:endParaRPr lang="en-US" sz="3400" dirty="0"/>
+          </a:p>
+          <a:p>
+            <a:endParaRPr lang="en-US" sz="3200" dirty="0"/>
           </a:p>
           <a:p>
             <a:endParaRPr lang="en-US" sz="1600" dirty="0"/>
@@ -4156,7 +4152,6 @@
               <a:rPr lang="en-US" sz="3400" dirty="0"/>
               <a:t> can be used as treatment. </a:t>
             </a:r>
-            <a:endParaRPr lang="en-US" sz="3400" dirty="0" smtClean="0"/>
           </a:p>
           <a:p>
             <a:endParaRPr lang="en-US" sz="3400" dirty="0"/>
@@ -4175,7 +4170,7 @@
           <p:cNvPr id="31" name="TextBox 30">
             <a:extLst>
               <a:ext uri="{FF2B5EF4-FFF2-40B4-BE49-F238E27FC236}">
-                <a16:creationId xmlns:a16="http://schemas.microsoft.com/office/drawing/2014/main" xmlns="" id="{20EE0A04-D7A1-4886-A7D2-E94F75BD8CD9}"/>
+                <a16:creationId xmlns:a16="http://schemas.microsoft.com/office/drawing/2014/main" id="{20EE0A04-D7A1-4886-A7D2-E94F75BD8CD9}"/>
               </a:ext>
             </a:extLst>
           </p:cNvPr>
@@ -4214,24 +4209,19 @@
             </a:pPr>
             <a:r>
               <a:rPr lang="en-US" sz="3200" dirty="0"/>
-              <a:t>Be able to classify whether a gene is related to apoptosis based on its expression levels in different cells, with and without treatment. We expect genes associated with apoptosis show difference in expression levels between treatment and control samples</a:t>
-            </a:r>
-            <a:r>
-              <a:rPr lang="en-US" sz="3200" dirty="0" smtClean="0"/>
-              <a:t>.</a:t>
-            </a:r>
-            <a:endParaRPr lang="en-US" sz="3200" dirty="0"/>
-          </a:p>
-        </p:txBody>
-      </p:sp>
-      <mc:AlternateContent xmlns:mc="http://schemas.openxmlformats.org/markup-compatibility/2006">
-        <mc:Choice xmlns:a14="http://schemas.microsoft.com/office/drawing/2010/main" Requires="a14">
+              <a:t>Be able to classify whether a gene is related to apoptosis based on its expression levels in different cells, with and without treatment. We expect genes associated with apoptosis show difference in expression levels between treatment and control samples.</a:t>
+            </a:r>
+          </a:p>
+        </p:txBody>
+      </p:sp>
+      <mc:AlternateContent xmlns:mc="http://schemas.openxmlformats.org/markup-compatibility/2006" xmlns:a14="http://schemas.microsoft.com/office/drawing/2010/main">
+        <mc:Choice Requires="a14">
           <p:sp>
             <p:nvSpPr>
               <p:cNvPr id="37" name="TextBox 36">
                 <a:extLst>
                   <a:ext uri="{FF2B5EF4-FFF2-40B4-BE49-F238E27FC236}">
-                    <a16:creationId xmlns:a16="http://schemas.microsoft.com/office/drawing/2014/main" xmlns="" id="{F92EC576-90EE-4208-A83B-5BE276CEA082}"/>
+                    <a16:creationId xmlns:a16="http://schemas.microsoft.com/office/drawing/2014/main" id="{F92EC576-90EE-4208-A83B-5BE276CEA082}"/>
                   </a:ext>
                 </a:extLst>
               </p:cNvPr>
@@ -4320,25 +4310,7 @@
                       </a:outerShdw>
                     </a:effectLst>
                   </a:rPr>
-                  <a:t>Building the </a:t>
-                </a:r>
-                <a:r>
-                  <a:rPr lang="en-US" sz="3200" dirty="0" smtClean="0">
-                    <a:ln w="0"/>
-                    <a:solidFill>
-                      <a:schemeClr val="accent4">
-                        <a:lumMod val="75000"/>
-                      </a:schemeClr>
-                    </a:solidFill>
-                    <a:effectLst>
-                      <a:outerShdw blurRad="38100" dist="25400" dir="5400000" algn="ctr" rotWithShape="0">
-                        <a:srgbClr val="6E747A">
-                          <a:alpha val="43000"/>
-                        </a:srgbClr>
-                      </a:outerShdw>
-                    </a:effectLst>
-                  </a:rPr>
-                  <a:t>dataset</a:t>
+                  <a:t>Building the dataset</a:t>
                 </a:r>
               </a:p>
               <a:p>
@@ -4368,13 +4340,8 @@
               <a:p>
                 <a:r>
                   <a:rPr lang="en-US" sz="3200" dirty="0"/>
-                  <a:t>        - MDA-mB-468 (adenocarcinoma</a:t>
+                  <a:t>        - MDA-mB-468 (adenocarcinoma)</a:t>
                 </a:r>
-                <a:r>
-                  <a:rPr lang="en-US" sz="3200" dirty="0" smtClean="0"/>
-                  <a:t>)</a:t>
-                </a:r>
-                <a:endParaRPr lang="en-US" sz="3200" dirty="0"/>
               </a:p>
               <a:p>
                 <a:pPr marL="571500" indent="-571500">
@@ -4393,27 +4360,18 @@
                 </a:pPr>
                 <a:r>
                   <a:rPr lang="en-US" sz="3200" dirty="0"/>
-                  <a:t>Labeling the data using process GO term: label ‘TRUE’ for genes associated with apoptosis GO terms and label ‘FALSE’ otherwise</a:t>
-                </a:r>
-                <a:r>
-                  <a:rPr lang="en-US" sz="3200" dirty="0" smtClean="0"/>
-                  <a:t>.</a:t>
+                  <a:t>Labeling the data using process GO term: label ‘TRUE’ for genes associated with apoptosis GO terms and label ‘FALSE’ otherwise.</a:t>
                 </a:r>
               </a:p>
               <a:p>
                 <a:r>
-                  <a:rPr lang="en-US" sz="4000" b="1" dirty="0" smtClean="0">
+                  <a:rPr lang="en-US" sz="4000" b="1" dirty="0">
                     <a:solidFill>
                       <a:srgbClr val="FF0000"/>
                     </a:solidFill>
                   </a:rPr>
                   <a:t>TODO: diagram of labeling</a:t>
                 </a:r>
-                <a:endParaRPr lang="en-US" sz="4000" b="1" dirty="0">
-                  <a:solidFill>
-                    <a:srgbClr val="FF0000"/>
-                  </a:solidFill>
-                </a:endParaRPr>
               </a:p>
               <a:p>
                 <a:pPr marL="571500" indent="-571500">
@@ -4788,7 +4746,7 @@
             </p:txBody>
           </p:sp>
         </mc:Choice>
-        <mc:Fallback>
+        <mc:Fallback xmlns="">
           <p:sp>
             <p:nvSpPr>
               <p:cNvPr id="37" name="TextBox 36">
@@ -4838,7 +4796,7 @@
           <p:cNvPr id="30" name="Picture 29">
             <a:extLst>
               <a:ext uri="{FF2B5EF4-FFF2-40B4-BE49-F238E27FC236}">
-                <a16:creationId xmlns:a16="http://schemas.microsoft.com/office/drawing/2014/main" xmlns="" id="{B88F1C59-008E-486A-8BB6-1F1B00E9AB14}"/>
+                <a16:creationId xmlns:a16="http://schemas.microsoft.com/office/drawing/2014/main" id="{B88F1C59-008E-486A-8BB6-1F1B00E9AB14}"/>
               </a:ext>
             </a:extLst>
           </p:cNvPr>
@@ -4866,7 +4824,7 @@
           <p:cNvPr id="33" name="Picture 32">
             <a:extLst>
               <a:ext uri="{FF2B5EF4-FFF2-40B4-BE49-F238E27FC236}">
-                <a16:creationId xmlns:a16="http://schemas.microsoft.com/office/drawing/2014/main" xmlns="" id="{2A337755-2C70-443D-A284-4CD8FA67AE64}"/>
+                <a16:creationId xmlns:a16="http://schemas.microsoft.com/office/drawing/2014/main" id="{2A337755-2C70-443D-A284-4CD8FA67AE64}"/>
               </a:ext>
             </a:extLst>
           </p:cNvPr>
@@ -4894,7 +4852,7 @@
           <p:cNvPr id="38" name="TextBox 37">
             <a:extLst>
               <a:ext uri="{FF2B5EF4-FFF2-40B4-BE49-F238E27FC236}">
-                <a16:creationId xmlns:a16="http://schemas.microsoft.com/office/drawing/2014/main" xmlns="" id="{BCE3222F-B312-4A5A-B18E-5DCAE8B1C37C}"/>
+                <a16:creationId xmlns:a16="http://schemas.microsoft.com/office/drawing/2014/main" id="{BCE3222F-B312-4A5A-B18E-5DCAE8B1C37C}"/>
               </a:ext>
             </a:extLst>
           </p:cNvPr>
@@ -4930,7 +4888,7 @@
           <p:cNvPr id="40" name="TextBox 39">
             <a:extLst>
               <a:ext uri="{FF2B5EF4-FFF2-40B4-BE49-F238E27FC236}">
-                <a16:creationId xmlns:a16="http://schemas.microsoft.com/office/drawing/2014/main" xmlns="" id="{3B7647D7-CFE0-4CBB-BB60-E7A325E1173F}"/>
+                <a16:creationId xmlns:a16="http://schemas.microsoft.com/office/drawing/2014/main" id="{3B7647D7-CFE0-4CBB-BB60-E7A325E1173F}"/>
               </a:ext>
             </a:extLst>
           </p:cNvPr>
@@ -5029,7 +4987,7 @@
           <p:cNvPr id="41" name="TextBox 40">
             <a:extLst>
               <a:ext uri="{FF2B5EF4-FFF2-40B4-BE49-F238E27FC236}">
-                <a16:creationId xmlns:a16="http://schemas.microsoft.com/office/drawing/2014/main" xmlns="" id="{96BDCC20-3B36-41AA-8FC3-B68D496AECC1}"/>
+                <a16:creationId xmlns:a16="http://schemas.microsoft.com/office/drawing/2014/main" id="{96BDCC20-3B36-41AA-8FC3-B68D496AECC1}"/>
               </a:ext>
             </a:extLst>
           </p:cNvPr>
@@ -5153,10 +5111,6 @@
               </a:rPr>
               <a:t> parameter of SVM classifier. We chose to allow a maximal iterations number of 20.</a:t>
             </a:r>
-            <a:r>
-              <a:rPr lang="en-US" sz="3400" dirty="0"/>
-              <a:t/>
-            </a:r>
             <a:br>
               <a:rPr lang="en-US" sz="3400" dirty="0"/>
             </a:br>
@@ -5246,7 +5200,7 @@
           <p:cNvPr id="25" name="TextBox 24">
             <a:extLst>
               <a:ext uri="{FF2B5EF4-FFF2-40B4-BE49-F238E27FC236}">
-                <a16:creationId xmlns:a16="http://schemas.microsoft.com/office/drawing/2014/main" xmlns="" id="{DBB78202-4095-4C57-BC31-2098BA74ED69}"/>
+                <a16:creationId xmlns:a16="http://schemas.microsoft.com/office/drawing/2014/main" id="{DBB78202-4095-4C57-BC31-2098BA74ED69}"/>
               </a:ext>
             </a:extLst>
           </p:cNvPr>
@@ -5410,7 +5364,7 @@
           <p:cNvPr id="2" name="Picture 1">
             <a:extLst>
               <a:ext uri="{FF2B5EF4-FFF2-40B4-BE49-F238E27FC236}">
-                <a16:creationId xmlns:a16="http://schemas.microsoft.com/office/drawing/2014/main" xmlns="" id="{420C307D-0F08-4157-8A7F-D1E796CBB31F}"/>
+                <a16:creationId xmlns:a16="http://schemas.microsoft.com/office/drawing/2014/main" id="{420C307D-0F08-4157-8A7F-D1E796CBB31F}"/>
               </a:ext>
             </a:extLst>
           </p:cNvPr>
@@ -5440,7 +5394,7 @@
           <p:cNvPr id="29" name="TextBox 28">
             <a:extLst>
               <a:ext uri="{FF2B5EF4-FFF2-40B4-BE49-F238E27FC236}">
-                <a16:creationId xmlns:a16="http://schemas.microsoft.com/office/drawing/2014/main" xmlns="" id="{5F519F2A-9775-42EA-AC28-73D54432FFE5}"/>
+                <a16:creationId xmlns:a16="http://schemas.microsoft.com/office/drawing/2014/main" id="{5F519F2A-9775-42EA-AC28-73D54432FFE5}"/>
               </a:ext>
             </a:extLst>
           </p:cNvPr>
@@ -5545,7 +5499,7 @@
           <p:cNvPr id="4" name="Picture 3">
             <a:extLst>
               <a:ext uri="{FF2B5EF4-FFF2-40B4-BE49-F238E27FC236}">
-                <a16:creationId xmlns:a16="http://schemas.microsoft.com/office/drawing/2014/main" xmlns="" id="{61F9B65C-7152-4664-BC87-0D5C83C879B8}"/>
+                <a16:creationId xmlns:a16="http://schemas.microsoft.com/office/drawing/2014/main" id="{61F9B65C-7152-4664-BC87-0D5C83C879B8}"/>
               </a:ext>
             </a:extLst>
           </p:cNvPr>
@@ -5579,7 +5533,7 @@
         <p:spPr>
           <a:xfrm>
             <a:off x="1740894" y="9217324"/>
-            <a:ext cx="1923732" cy="1107996"/>
+            <a:ext cx="1450012" cy="830997"/>
           </a:xfrm>
           <a:prstGeom prst="rect">
             <a:avLst/>
@@ -5593,7 +5547,7 @@
           <a:lstStyle/>
           <a:p>
             <a:r>
-              <a:rPr lang="en-US" sz="6600" dirty="0" err="1" smtClean="0"/>
+              <a:rPr lang="en-US" sz="4800" dirty="0" err="1"/>
               <a:t>PKCδ</a:t>
             </a:r>
             <a:endParaRPr lang="en-US" sz="6600" dirty="0"/>
@@ -5608,7 +5562,7 @@
         </p:nvCxnSpPr>
         <p:spPr>
           <a:xfrm>
-            <a:off x="3656809" y="9793388"/>
+            <a:off x="3190906" y="9618211"/>
             <a:ext cx="2320080" cy="0"/>
           </a:xfrm>
           <a:prstGeom prst="line">
@@ -5635,36 +5589,6 @@
           </a:fontRef>
         </p:style>
       </p:cxnSp>
-      <p:sp>
-        <p:nvSpPr>
-          <p:cNvPr id="15" name="TextBox 14"/>
-          <p:cNvSpPr txBox="1"/>
-          <p:nvPr/>
-        </p:nvSpPr>
-        <p:spPr>
-          <a:xfrm>
-            <a:off x="2520505" y="16419422"/>
-            <a:ext cx="11153694" cy="1400383"/>
-          </a:xfrm>
-          <a:prstGeom prst="rect">
-            <a:avLst/>
-          </a:prstGeom>
-          <a:noFill/>
-        </p:spPr>
-        <p:txBody>
-          <a:bodyPr wrap="none" rtlCol="0">
-            <a:spAutoFit/>
-          </a:bodyPr>
-          <a:lstStyle/>
-          <a:p>
-            <a:r>
-              <a:rPr lang="en-US" dirty="0" smtClean="0"/>
-              <a:t>TODO: Classifier diagram</a:t>
-            </a:r>
-            <a:endParaRPr lang="en-US" dirty="0"/>
-          </a:p>
-        </p:txBody>
-      </p:sp>
       <p:pic>
         <p:nvPicPr>
           <p:cNvPr id="35" name="Picture 34"/>
@@ -5709,6 +5633,424 @@
           </a:prstGeom>
         </p:spPr>
       </p:pic>
+      <p:cxnSp>
+        <p:nvCxnSpPr>
+          <p:cNvPr id="34" name="Straight Connector 33">
+            <a:extLst>
+              <a:ext uri="{FF2B5EF4-FFF2-40B4-BE49-F238E27FC236}">
+                <a16:creationId xmlns:a16="http://schemas.microsoft.com/office/drawing/2014/main" id="{3A3D6D0F-0E73-4264-BE23-F8DF97C2B992}"/>
+              </a:ext>
+            </a:extLst>
+          </p:cNvPr>
+          <p:cNvCxnSpPr>
+            <a:cxnSpLocks/>
+          </p:cNvCxnSpPr>
+          <p:nvPr/>
+        </p:nvCxnSpPr>
+        <p:spPr>
+          <a:xfrm flipV="1">
+            <a:off x="5510986" y="9422925"/>
+            <a:ext cx="0" cy="368424"/>
+          </a:xfrm>
+          <a:prstGeom prst="line">
+            <a:avLst/>
+          </a:prstGeom>
+          <a:ln w="57150">
+            <a:solidFill>
+              <a:schemeClr val="tx1"/>
+            </a:solidFill>
+          </a:ln>
+        </p:spPr>
+        <p:style>
+          <a:lnRef idx="1">
+            <a:schemeClr val="dk1"/>
+          </a:lnRef>
+          <a:fillRef idx="0">
+            <a:schemeClr val="dk1"/>
+          </a:fillRef>
+          <a:effectRef idx="0">
+            <a:schemeClr val="dk1"/>
+          </a:effectRef>
+          <a:fontRef idx="minor">
+            <a:schemeClr val="tx1"/>
+          </a:fontRef>
+        </p:style>
+      </p:cxnSp>
+      <p:sp>
+        <p:nvSpPr>
+          <p:cNvPr id="39" name="TextBox 38">
+            <a:extLst>
+              <a:ext uri="{FF2B5EF4-FFF2-40B4-BE49-F238E27FC236}">
+                <a16:creationId xmlns:a16="http://schemas.microsoft.com/office/drawing/2014/main" id="{CA8A1FA6-6B2B-4CF3-818E-69FF8051D5B0}"/>
+              </a:ext>
+            </a:extLst>
+          </p:cNvPr>
+          <p:cNvSpPr txBox="1"/>
+          <p:nvPr/>
+        </p:nvSpPr>
+        <p:spPr>
+          <a:xfrm>
+            <a:off x="5728283" y="9217324"/>
+            <a:ext cx="4279313" cy="830997"/>
+          </a:xfrm>
+          <a:prstGeom prst="rect">
+            <a:avLst/>
+          </a:prstGeom>
+          <a:noFill/>
+        </p:spPr>
+        <p:txBody>
+          <a:bodyPr wrap="none" rtlCol="0">
+            <a:spAutoFit/>
+          </a:bodyPr>
+          <a:lstStyle/>
+          <a:p>
+            <a:r>
+              <a:rPr lang="en-US" sz="4800" dirty="0"/>
+              <a:t>ERK1/2 pathway</a:t>
+            </a:r>
+          </a:p>
+        </p:txBody>
+      </p:sp>
+      <p:cxnSp>
+        <p:nvCxnSpPr>
+          <p:cNvPr id="42" name="Straight Connector 41">
+            <a:extLst>
+              <a:ext uri="{FF2B5EF4-FFF2-40B4-BE49-F238E27FC236}">
+                <a16:creationId xmlns:a16="http://schemas.microsoft.com/office/drawing/2014/main" id="{8B293ED2-E014-429D-AA8F-B6FD9F69AB89}"/>
+              </a:ext>
+            </a:extLst>
+          </p:cNvPr>
+          <p:cNvCxnSpPr/>
+          <p:nvPr/>
+        </p:nvCxnSpPr>
+        <p:spPr>
+          <a:xfrm>
+            <a:off x="10007596" y="9607137"/>
+            <a:ext cx="2320080" cy="0"/>
+          </a:xfrm>
+          <a:prstGeom prst="line">
+            <a:avLst/>
+          </a:prstGeom>
+          <a:ln w="57150">
+            <a:solidFill>
+              <a:schemeClr val="tx1"/>
+            </a:solidFill>
+          </a:ln>
+        </p:spPr>
+        <p:style>
+          <a:lnRef idx="1">
+            <a:schemeClr val="dk1"/>
+          </a:lnRef>
+          <a:fillRef idx="0">
+            <a:schemeClr val="dk1"/>
+          </a:fillRef>
+          <a:effectRef idx="0">
+            <a:schemeClr val="dk1"/>
+          </a:effectRef>
+          <a:fontRef idx="minor">
+            <a:schemeClr val="tx1"/>
+          </a:fontRef>
+        </p:style>
+      </p:cxnSp>
+      <p:cxnSp>
+        <p:nvCxnSpPr>
+          <p:cNvPr id="43" name="Straight Connector 42">
+            <a:extLst>
+              <a:ext uri="{FF2B5EF4-FFF2-40B4-BE49-F238E27FC236}">
+                <a16:creationId xmlns:a16="http://schemas.microsoft.com/office/drawing/2014/main" id="{B1394F82-062A-48EF-A3AB-87D56D451C52}"/>
+              </a:ext>
+            </a:extLst>
+          </p:cNvPr>
+          <p:cNvCxnSpPr>
+            <a:cxnSpLocks/>
+          </p:cNvCxnSpPr>
+          <p:nvPr/>
+        </p:nvCxnSpPr>
+        <p:spPr>
+          <a:xfrm flipV="1">
+            <a:off x="12327676" y="9411851"/>
+            <a:ext cx="0" cy="368424"/>
+          </a:xfrm>
+          <a:prstGeom prst="line">
+            <a:avLst/>
+          </a:prstGeom>
+          <a:ln w="57150">
+            <a:solidFill>
+              <a:schemeClr val="tx1"/>
+            </a:solidFill>
+          </a:ln>
+        </p:spPr>
+        <p:style>
+          <a:lnRef idx="1">
+            <a:schemeClr val="dk1"/>
+          </a:lnRef>
+          <a:fillRef idx="0">
+            <a:schemeClr val="dk1"/>
+          </a:fillRef>
+          <a:effectRef idx="0">
+            <a:schemeClr val="dk1"/>
+          </a:effectRef>
+          <a:fontRef idx="minor">
+            <a:schemeClr val="tx1"/>
+          </a:fontRef>
+        </p:style>
+      </p:cxnSp>
+      <p:sp>
+        <p:nvSpPr>
+          <p:cNvPr id="44" name="TextBox 43">
+            <a:extLst>
+              <a:ext uri="{FF2B5EF4-FFF2-40B4-BE49-F238E27FC236}">
+                <a16:creationId xmlns:a16="http://schemas.microsoft.com/office/drawing/2014/main" id="{E8EC71EB-2657-4437-A168-9A60181E0F3A}"/>
+              </a:ext>
+            </a:extLst>
+          </p:cNvPr>
+          <p:cNvSpPr txBox="1"/>
+          <p:nvPr/>
+        </p:nvSpPr>
+        <p:spPr>
+          <a:xfrm>
+            <a:off x="12424254" y="9180564"/>
+            <a:ext cx="2658998" cy="830997"/>
+          </a:xfrm>
+          <a:prstGeom prst="rect">
+            <a:avLst/>
+          </a:prstGeom>
+          <a:noFill/>
+        </p:spPr>
+        <p:txBody>
+          <a:bodyPr wrap="none" rtlCol="0">
+            <a:spAutoFit/>
+          </a:bodyPr>
+          <a:lstStyle/>
+          <a:p>
+            <a:r>
+              <a:rPr lang="en-US" sz="4800" dirty="0"/>
+              <a:t>Apoptosis</a:t>
+            </a:r>
+          </a:p>
+        </p:txBody>
+      </p:sp>
+      <p:sp>
+        <p:nvSpPr>
+          <p:cNvPr id="45" name="TextBox 44">
+            <a:extLst>
+              <a:ext uri="{FF2B5EF4-FFF2-40B4-BE49-F238E27FC236}">
+                <a16:creationId xmlns:a16="http://schemas.microsoft.com/office/drawing/2014/main" id="{6D9A96BB-396E-4C53-8FF7-35443E3364D4}"/>
+              </a:ext>
+            </a:extLst>
+          </p:cNvPr>
+          <p:cNvSpPr txBox="1"/>
+          <p:nvPr/>
+        </p:nvSpPr>
+        <p:spPr>
+          <a:xfrm>
+            <a:off x="1029160" y="16518312"/>
+            <a:ext cx="4323491" cy="1569660"/>
+          </a:xfrm>
+          <a:prstGeom prst="rect">
+            <a:avLst/>
+          </a:prstGeom>
+          <a:noFill/>
+        </p:spPr>
+        <p:txBody>
+          <a:bodyPr wrap="none" rtlCol="0">
+            <a:spAutoFit/>
+          </a:bodyPr>
+          <a:lstStyle/>
+          <a:p>
+            <a:pPr algn="ctr"/>
+            <a:r>
+              <a:rPr lang="en-US" sz="4800" dirty="0"/>
+              <a:t>Gene Expression</a:t>
+            </a:r>
+          </a:p>
+          <a:p>
+            <a:pPr algn="ctr"/>
+            <a:r>
+              <a:rPr lang="en-US" sz="4800" dirty="0"/>
+              <a:t>Data</a:t>
+            </a:r>
+            <a:endParaRPr lang="en-US" sz="6600" dirty="0"/>
+          </a:p>
+        </p:txBody>
+      </p:sp>
+      <p:cxnSp>
+        <p:nvCxnSpPr>
+          <p:cNvPr id="14" name="Straight Arrow Connector 13">
+            <a:extLst>
+              <a:ext uri="{FF2B5EF4-FFF2-40B4-BE49-F238E27FC236}">
+                <a16:creationId xmlns:a16="http://schemas.microsoft.com/office/drawing/2014/main" id="{930ADC05-08E3-4439-9A05-89AA8383F606}"/>
+              </a:ext>
+            </a:extLst>
+          </p:cNvPr>
+          <p:cNvCxnSpPr>
+            <a:cxnSpLocks/>
+          </p:cNvCxnSpPr>
+          <p:nvPr/>
+        </p:nvCxnSpPr>
+        <p:spPr>
+          <a:xfrm>
+            <a:off x="5352651" y="17273181"/>
+            <a:ext cx="1704358" cy="0"/>
+          </a:xfrm>
+          <a:prstGeom prst="straightConnector1">
+            <a:avLst/>
+          </a:prstGeom>
+          <a:ln w="76200">
+            <a:tailEnd type="triangle"/>
+          </a:ln>
+        </p:spPr>
+        <p:style>
+          <a:lnRef idx="1">
+            <a:schemeClr val="dk1"/>
+          </a:lnRef>
+          <a:fillRef idx="0">
+            <a:schemeClr val="dk1"/>
+          </a:fillRef>
+          <a:effectRef idx="0">
+            <a:schemeClr val="dk1"/>
+          </a:effectRef>
+          <a:fontRef idx="minor">
+            <a:schemeClr val="tx1"/>
+          </a:fontRef>
+        </p:style>
+      </p:cxnSp>
+      <p:sp>
+        <p:nvSpPr>
+          <p:cNvPr id="49" name="TextBox 48">
+            <a:extLst>
+              <a:ext uri="{FF2B5EF4-FFF2-40B4-BE49-F238E27FC236}">
+                <a16:creationId xmlns:a16="http://schemas.microsoft.com/office/drawing/2014/main" id="{36533274-FBBA-45B8-AC82-507AEAF89379}"/>
+              </a:ext>
+            </a:extLst>
+          </p:cNvPr>
+          <p:cNvSpPr txBox="1"/>
+          <p:nvPr/>
+        </p:nvSpPr>
+        <p:spPr>
+          <a:xfrm>
+            <a:off x="7141530" y="16255899"/>
+            <a:ext cx="2613216" cy="2308324"/>
+          </a:xfrm>
+          <a:prstGeom prst="rect">
+            <a:avLst/>
+          </a:prstGeom>
+          <a:noFill/>
+        </p:spPr>
+        <p:txBody>
+          <a:bodyPr wrap="none" rtlCol="0">
+            <a:spAutoFit/>
+          </a:bodyPr>
+          <a:lstStyle/>
+          <a:p>
+            <a:pPr algn="ctr"/>
+            <a:r>
+              <a:rPr lang="en-US" sz="4800" dirty="0"/>
+              <a:t>Classifier</a:t>
+            </a:r>
+          </a:p>
+          <a:p>
+            <a:pPr algn="ctr"/>
+            <a:r>
+              <a:rPr lang="en-US" sz="4800" dirty="0"/>
+              <a:t>Based on </a:t>
+            </a:r>
+          </a:p>
+          <a:p>
+            <a:pPr algn="ctr"/>
+            <a:r>
+              <a:rPr lang="en-US" sz="4800" dirty="0"/>
+              <a:t>Go-Terms</a:t>
+            </a:r>
+            <a:endParaRPr lang="en-US" sz="6600" dirty="0"/>
+          </a:p>
+        </p:txBody>
+      </p:sp>
+      <p:cxnSp>
+        <p:nvCxnSpPr>
+          <p:cNvPr id="51" name="Straight Arrow Connector 50">
+            <a:extLst>
+              <a:ext uri="{FF2B5EF4-FFF2-40B4-BE49-F238E27FC236}">
+                <a16:creationId xmlns:a16="http://schemas.microsoft.com/office/drawing/2014/main" id="{76D7DD1D-BD44-4CCF-A7DE-46265F285AE1}"/>
+              </a:ext>
+            </a:extLst>
+          </p:cNvPr>
+          <p:cNvCxnSpPr>
+            <a:cxnSpLocks/>
+          </p:cNvCxnSpPr>
+          <p:nvPr/>
+        </p:nvCxnSpPr>
+        <p:spPr>
+          <a:xfrm>
+            <a:off x="9839267" y="17273181"/>
+            <a:ext cx="1704358" cy="0"/>
+          </a:xfrm>
+          <a:prstGeom prst="straightConnector1">
+            <a:avLst/>
+          </a:prstGeom>
+          <a:ln w="76200">
+            <a:tailEnd type="triangle"/>
+          </a:ln>
+        </p:spPr>
+        <p:style>
+          <a:lnRef idx="1">
+            <a:schemeClr val="dk1"/>
+          </a:lnRef>
+          <a:fillRef idx="0">
+            <a:schemeClr val="dk1"/>
+          </a:fillRef>
+          <a:effectRef idx="0">
+            <a:schemeClr val="dk1"/>
+          </a:effectRef>
+          <a:fontRef idx="minor">
+            <a:schemeClr val="tx1"/>
+          </a:fontRef>
+        </p:style>
+      </p:cxnSp>
+      <p:sp>
+        <p:nvSpPr>
+          <p:cNvPr id="52" name="TextBox 51">
+            <a:extLst>
+              <a:ext uri="{FF2B5EF4-FFF2-40B4-BE49-F238E27FC236}">
+                <a16:creationId xmlns:a16="http://schemas.microsoft.com/office/drawing/2014/main" id="{8F519855-F65A-4057-9162-960380ECB650}"/>
+              </a:ext>
+            </a:extLst>
+          </p:cNvPr>
+          <p:cNvSpPr txBox="1"/>
+          <p:nvPr/>
+        </p:nvSpPr>
+        <p:spPr>
+          <a:xfrm>
+            <a:off x="10920984" y="16839587"/>
+            <a:ext cx="3204532" cy="1569660"/>
+          </a:xfrm>
+          <a:prstGeom prst="rect">
+            <a:avLst/>
+          </a:prstGeom>
+          <a:noFill/>
+        </p:spPr>
+        <p:txBody>
+          <a:bodyPr wrap="none" rtlCol="0">
+            <a:spAutoFit/>
+          </a:bodyPr>
+          <a:lstStyle/>
+          <a:p>
+            <a:pPr algn="ctr"/>
+            <a:r>
+              <a:rPr lang="en-US" sz="4800" dirty="0"/>
+              <a:t>Labels</a:t>
+            </a:r>
+          </a:p>
+          <a:p>
+            <a:pPr algn="ctr"/>
+            <a:r>
+              <a:rPr lang="en-US" sz="4800" dirty="0"/>
+              <a:t>(True, False)</a:t>
+            </a:r>
+            <a:endParaRPr lang="en-US" sz="6600" dirty="0"/>
+          </a:p>
+        </p:txBody>
+      </p:sp>
     </p:spTree>
   </p:cSld>
   <p:clrMapOvr>

--- a/Project/project_poster.pptx
+++ b/Project/project_poster.pptx
@@ -303,7 +303,7 @@
             <a:fld id="{C33D5922-1A10-453D-B34B-87D0376FB0F9}" type="datetimeFigureOut">
               <a:rPr lang="en-US" smtClean="0"/>
               <a:pPr/>
-              <a:t>3/17/2019</a:t>
+              <a:t>3/18/2019</a:t>
             </a:fld>
             <a:endParaRPr lang="en-US"/>
           </a:p>
@@ -468,7 +468,7 @@
             <a:fld id="{C33D5922-1A10-453D-B34B-87D0376FB0F9}" type="datetimeFigureOut">
               <a:rPr lang="en-US" smtClean="0"/>
               <a:pPr/>
-              <a:t>3/17/2019</a:t>
+              <a:t>3/18/2019</a:t>
             </a:fld>
             <a:endParaRPr lang="en-US"/>
           </a:p>
@@ -643,7 +643,7 @@
             <a:fld id="{C33D5922-1A10-453D-B34B-87D0376FB0F9}" type="datetimeFigureOut">
               <a:rPr lang="en-US" smtClean="0"/>
               <a:pPr/>
-              <a:t>3/17/2019</a:t>
+              <a:t>3/18/2019</a:t>
             </a:fld>
             <a:endParaRPr lang="en-US"/>
           </a:p>
@@ -808,7 +808,7 @@
             <a:fld id="{C33D5922-1A10-453D-B34B-87D0376FB0F9}" type="datetimeFigureOut">
               <a:rPr lang="en-US" smtClean="0"/>
               <a:pPr/>
-              <a:t>3/17/2019</a:t>
+              <a:t>3/18/2019</a:t>
             </a:fld>
             <a:endParaRPr lang="en-US"/>
           </a:p>
@@ -1050,7 +1050,7 @@
             <a:fld id="{C33D5922-1A10-453D-B34B-87D0376FB0F9}" type="datetimeFigureOut">
               <a:rPr lang="en-US" smtClean="0"/>
               <a:pPr/>
-              <a:t>3/17/2019</a:t>
+              <a:t>3/18/2019</a:t>
             </a:fld>
             <a:endParaRPr lang="en-US"/>
           </a:p>
@@ -1332,7 +1332,7 @@
             <a:fld id="{C33D5922-1A10-453D-B34B-87D0376FB0F9}" type="datetimeFigureOut">
               <a:rPr lang="en-US" smtClean="0"/>
               <a:pPr/>
-              <a:t>3/17/2019</a:t>
+              <a:t>3/18/2019</a:t>
             </a:fld>
             <a:endParaRPr lang="en-US"/>
           </a:p>
@@ -1753,7 +1753,7 @@
             <a:fld id="{C33D5922-1A10-453D-B34B-87D0376FB0F9}" type="datetimeFigureOut">
               <a:rPr lang="en-US" smtClean="0"/>
               <a:pPr/>
-              <a:t>3/17/2019</a:t>
+              <a:t>3/18/2019</a:t>
             </a:fld>
             <a:endParaRPr lang="en-US"/>
           </a:p>
@@ -1867,7 +1867,7 @@
             <a:fld id="{C33D5922-1A10-453D-B34B-87D0376FB0F9}" type="datetimeFigureOut">
               <a:rPr lang="en-US" smtClean="0"/>
               <a:pPr/>
-              <a:t>3/17/2019</a:t>
+              <a:t>3/18/2019</a:t>
             </a:fld>
             <a:endParaRPr lang="en-US"/>
           </a:p>
@@ -1959,7 +1959,7 @@
             <a:fld id="{C33D5922-1A10-453D-B34B-87D0376FB0F9}" type="datetimeFigureOut">
               <a:rPr lang="en-US" smtClean="0"/>
               <a:pPr/>
-              <a:t>3/17/2019</a:t>
+              <a:t>3/18/2019</a:t>
             </a:fld>
             <a:endParaRPr lang="en-US"/>
           </a:p>
@@ -2231,7 +2231,7 @@
             <a:fld id="{C33D5922-1A10-453D-B34B-87D0376FB0F9}" type="datetimeFigureOut">
               <a:rPr lang="en-US" smtClean="0"/>
               <a:pPr/>
-              <a:t>3/17/2019</a:t>
+              <a:t>3/18/2019</a:t>
             </a:fld>
             <a:endParaRPr lang="en-US"/>
           </a:p>
@@ -2480,7 +2480,7 @@
             <a:fld id="{C33D5922-1A10-453D-B34B-87D0376FB0F9}" type="datetimeFigureOut">
               <a:rPr lang="en-US" smtClean="0"/>
               <a:pPr/>
-              <a:t>3/17/2019</a:t>
+              <a:t>3/18/2019</a:t>
             </a:fld>
             <a:endParaRPr lang="en-US"/>
           </a:p>
@@ -2688,7 +2688,7 @@
             <a:fld id="{C33D5922-1A10-453D-B34B-87D0376FB0F9}" type="datetimeFigureOut">
               <a:rPr lang="en-US" smtClean="0"/>
               <a:pPr/>
-              <a:t>3/17/2019</a:t>
+              <a:t>3/18/2019</a:t>
             </a:fld>
             <a:endParaRPr lang="en-US"/>
           </a:p>
@@ -4214,583 +4214,250 @@
           </a:p>
         </p:txBody>
       </p:sp>
-      <mc:AlternateContent xmlns:mc="http://schemas.openxmlformats.org/markup-compatibility/2006" xmlns:a14="http://schemas.microsoft.com/office/drawing/2010/main">
-        <mc:Choice Requires="a14">
-          <p:sp>
-            <p:nvSpPr>
-              <p:cNvPr id="37" name="TextBox 36">
-                <a:extLst>
-                  <a:ext uri="{FF2B5EF4-FFF2-40B4-BE49-F238E27FC236}">
-                    <a16:creationId xmlns:a16="http://schemas.microsoft.com/office/drawing/2014/main" id="{F92EC576-90EE-4208-A83B-5BE276CEA082}"/>
-                  </a:ext>
-                </a:extLst>
-              </p:cNvPr>
-              <p:cNvSpPr txBox="1"/>
-              <p:nvPr/>
-            </p:nvSpPr>
-            <p:spPr>
-              <a:xfrm>
-                <a:off x="1080345" y="20882620"/>
-                <a:ext cx="15193688" cy="23627687"/>
-              </a:xfrm>
-              <a:prstGeom prst="rect">
-                <a:avLst/>
-              </a:prstGeom>
-              <a:noFill/>
-            </p:spPr>
-            <p:txBody>
-              <a:bodyPr wrap="square" rtlCol="0">
-                <a:spAutoFit/>
-              </a:bodyPr>
-              <a:lstStyle/>
-              <a:p>
-                <a:pPr marL="285750" indent="-285750">
-                  <a:buFont typeface="Arial" panose="020B0604020202020204" pitchFamily="34" charset="0"/>
-                  <a:buChar char="•"/>
-                </a:pPr>
-                <a:r>
-                  <a:rPr lang="en-US" sz="3200" b="1" u="sng" dirty="0"/>
-                  <a:t>GEO</a:t>
-                </a:r>
-                <a:r>
-                  <a:rPr lang="en-US" sz="3200" dirty="0"/>
-                  <a:t> – public genomics data repository</a:t>
-                </a:r>
-              </a:p>
-              <a:p>
-                <a:pPr marL="285750" indent="-285750">
-                  <a:buFont typeface="Arial" panose="020B0604020202020204" pitchFamily="34" charset="0"/>
-                  <a:buChar char="•"/>
-                </a:pPr>
-                <a:r>
-                  <a:rPr lang="en-US" sz="3200" b="1" u="sng" dirty="0" err="1"/>
-                  <a:t>AmiGo</a:t>
-                </a:r>
-                <a:r>
-                  <a:rPr lang="en-US" sz="3200" dirty="0"/>
-                  <a:t> – Web-based set of tools for searching and browsing the gene ontology. database. We used it to obtain a list of GO terms associated with apoptosis.</a:t>
-                </a:r>
-              </a:p>
-              <a:p>
-                <a:pPr marL="285750" indent="-285750">
-                  <a:buFont typeface="Arial" panose="020B0604020202020204" pitchFamily="34" charset="0"/>
-                  <a:buChar char="•"/>
-                </a:pPr>
-                <a:r>
-                  <a:rPr lang="en-US" sz="3200" b="1" u="sng" dirty="0" err="1"/>
-                  <a:t>Scikit</a:t>
-                </a:r>
-                <a:r>
-                  <a:rPr lang="en-US" sz="3200" b="1" u="sng" dirty="0"/>
-                  <a:t>-learn</a:t>
-                </a:r>
-                <a:r>
-                  <a:rPr lang="en-US" sz="3200" dirty="0"/>
-                  <a:t> – Python library for machine learning.</a:t>
-                </a:r>
-                <a:endParaRPr lang="en-US" sz="3200" b="1" u="sng" dirty="0"/>
-              </a:p>
-              <a:p>
-                <a:endParaRPr lang="en-US" sz="3200" dirty="0"/>
-              </a:p>
-              <a:p>
-                <a:r>
-                  <a:rPr lang="en-US" sz="3200" dirty="0">
-                    <a:ln w="0"/>
-                    <a:solidFill>
-                      <a:schemeClr val="accent4">
-                        <a:lumMod val="75000"/>
-                      </a:schemeClr>
-                    </a:solidFill>
-                    <a:effectLst>
-                      <a:outerShdw blurRad="38100" dist="25400" dir="5400000" algn="ctr" rotWithShape="0">
-                        <a:srgbClr val="6E747A">
-                          <a:alpha val="43000"/>
-                        </a:srgbClr>
-                      </a:outerShdw>
-                    </a:effectLst>
-                  </a:rPr>
-                  <a:t>Building the dataset</a:t>
-                </a:r>
-              </a:p>
-              <a:p>
-                <a:pPr marL="685800" indent="-685800">
-                  <a:buFont typeface="Arial" panose="020B0604020202020204" pitchFamily="34" charset="0"/>
-                  <a:buChar char="•"/>
-                </a:pPr>
-                <a:r>
-                  <a:rPr lang="en-US" sz="3200" dirty="0"/>
-                  <a:t>Dataset: gene expression levels, before and after down regulation of </a:t>
-                </a:r>
-                <a:r>
-                  <a:rPr lang="en-US" sz="3200" dirty="0" err="1"/>
-                  <a:t>PKCδ</a:t>
-                </a:r>
-                <a:r>
-                  <a:rPr lang="en-US" sz="3200" dirty="0"/>
-                  <a:t>:</a:t>
-                </a:r>
-              </a:p>
-              <a:p>
-                <a:r>
-                  <a:rPr lang="en-US" sz="3200" dirty="0"/>
-                  <a:t>        - BT-549 (Invasive ductal carcinoma)</a:t>
-                </a:r>
-              </a:p>
-              <a:p>
-                <a:r>
-                  <a:rPr lang="en-US" sz="3200" dirty="0"/>
-                  <a:t>        - MDA-mB-468 (adenocarcinoma)</a:t>
-                </a:r>
-              </a:p>
-              <a:p>
-                <a:pPr marL="571500" indent="-571500">
-                  <a:buFont typeface="Arial" panose="020B0604020202020204" pitchFamily="34" charset="0"/>
-                  <a:buChar char="•"/>
-                </a:pPr>
-                <a:r>
-                  <a:rPr lang="en-US" sz="3200" dirty="0"/>
-                  <a:t>Uniting all probes that belong to the same gene by calculating expression means.</a:t>
-                </a:r>
-              </a:p>
-              <a:p>
-                <a:pPr marL="571500" indent="-571500">
-                  <a:buFont typeface="Arial" panose="020B0604020202020204" pitchFamily="34" charset="0"/>
-                  <a:buChar char="•"/>
-                </a:pPr>
-                <a:r>
-                  <a:rPr lang="en-US" sz="3200" dirty="0"/>
-                  <a:t>Labeling the data using process GO term: label ‘TRUE’ for genes associated with apoptosis GO terms and label ‘FALSE’ otherwise.</a:t>
-                </a:r>
-              </a:p>
-              <a:p>
-                <a:r>
-                  <a:rPr lang="en-US" sz="4000" b="1" dirty="0">
-                    <a:solidFill>
-                      <a:srgbClr val="FF0000"/>
-                    </a:solidFill>
-                  </a:rPr>
-                  <a:t>TODO: diagram of labeling</a:t>
-                </a:r>
-              </a:p>
-              <a:p>
-                <a:pPr marL="571500" indent="-571500">
-                  <a:buFont typeface="Arial" panose="020B0604020202020204" pitchFamily="34" charset="0"/>
-                  <a:buChar char="•"/>
-                </a:pPr>
-                <a:r>
-                  <a:rPr lang="en-US" sz="3200" dirty="0"/>
-                  <a:t>10.74% of genes are labeled ‘TRUE’ in the initial dataset.</a:t>
-                </a:r>
-              </a:p>
-              <a:p>
-                <a:endParaRPr lang="en-US" sz="3200" dirty="0"/>
-              </a:p>
-              <a:p>
-                <a:r>
-                  <a:rPr lang="en-US" sz="3200" dirty="0">
-                    <a:ln w="0"/>
-                    <a:solidFill>
-                      <a:schemeClr val="accent4">
-                        <a:lumMod val="75000"/>
-                      </a:schemeClr>
-                    </a:solidFill>
-                    <a:effectLst>
-                      <a:outerShdw blurRad="38100" dist="25400" dir="5400000" algn="ctr" rotWithShape="0">
-                        <a:srgbClr val="6E747A">
-                          <a:alpha val="43000"/>
-                        </a:srgbClr>
-                      </a:outerShdw>
-                    </a:effectLst>
-                  </a:rPr>
-                  <a:t>Scoring methods - classifying</a:t>
-                </a:r>
-                <a:endParaRPr lang="en-US" sz="3200" dirty="0"/>
-              </a:p>
-              <a:p>
-                <a:pPr marL="571500" indent="-571500">
-                  <a:buFont typeface="Arial" panose="020B0604020202020204" pitchFamily="34" charset="0"/>
-                  <a:buChar char="•"/>
-                </a:pPr>
-                <a:r>
-                  <a:rPr lang="en-US" sz="3200" dirty="0"/>
-                  <a:t>Accuracy: percent of genes correctly classified.</a:t>
-                </a:r>
-              </a:p>
-              <a:p>
-                <a:pPr marL="571500" indent="-571500">
-                  <a:buFont typeface="Arial" panose="020B0604020202020204" pitchFamily="34" charset="0"/>
-                  <a:buChar char="•"/>
-                </a:pPr>
-                <a:r>
-                  <a:rPr lang="en-US" sz="3200" dirty="0"/>
-                  <a:t>Precision: the fraction of true positives out of all genes classified as ‘true’.</a:t>
-                </a:r>
-              </a:p>
-              <a:p>
-                <a:pPr marL="571500" indent="-571500">
-                  <a:buFont typeface="Arial" panose="020B0604020202020204" pitchFamily="34" charset="0"/>
-                  <a:buChar char="•"/>
-                </a:pPr>
-                <a:r>
-                  <a:rPr lang="en-US" sz="3200" dirty="0"/>
-                  <a:t>Recall: the fraction of true positives out of all genes with actual ‘true’’ label.</a:t>
-                </a:r>
-              </a:p>
-              <a:p>
-                <a:pPr marL="571500" indent="-571500">
-                  <a:buFont typeface="Arial" panose="020B0604020202020204" pitchFamily="34" charset="0"/>
-                  <a:buChar char="•"/>
-                </a:pPr>
-                <a:endParaRPr lang="en-US" sz="3200" dirty="0"/>
-              </a:p>
-              <a:p>
-                <a:r>
-                  <a:rPr lang="en-US" sz="3200" dirty="0">
-                    <a:ln w="0"/>
-                    <a:solidFill>
-                      <a:schemeClr val="accent4">
-                        <a:lumMod val="75000"/>
-                      </a:schemeClr>
-                    </a:solidFill>
-                    <a:effectLst>
-                      <a:outerShdw blurRad="38100" dist="25400" dir="5400000" algn="ctr" rotWithShape="0">
-                        <a:srgbClr val="6E747A">
-                          <a:alpha val="43000"/>
-                        </a:srgbClr>
-                      </a:outerShdw>
-                    </a:effectLst>
-                  </a:rPr>
-                  <a:t>Scoring methods - clustering</a:t>
-                </a:r>
-                <a:endParaRPr lang="en-US" sz="3200" dirty="0"/>
-              </a:p>
-              <a:p>
-                <a:pPr marL="571500" indent="-571500">
-                  <a:buFont typeface="Arial" panose="020B0604020202020204" pitchFamily="34" charset="0"/>
-                  <a:buChar char="•"/>
-                </a:pPr>
-                <a:r>
-                  <a:rPr lang="en-US" sz="3200" dirty="0"/>
-                  <a:t>Silhouette score: for each sample, the score is calculated as </a:t>
-                </a:r>
-                <a14:m>
-                  <m:oMath xmlns:m="http://schemas.openxmlformats.org/officeDocument/2006/math">
-                    <m:f>
-                      <m:fPr>
-                        <m:ctrlPr>
-                          <a:rPr lang="en-US" sz="3200" i="1" smtClean="0">
-                            <a:latin typeface="Cambria Math" panose="02040503050406030204" pitchFamily="18" charset="0"/>
-                          </a:rPr>
-                        </m:ctrlPr>
-                      </m:fPr>
-                      <m:num>
-                        <m:r>
-                          <a:rPr lang="en-US" sz="3200" b="0" i="1" smtClean="0">
-                            <a:latin typeface="Cambria Math" panose="02040503050406030204" pitchFamily="18" charset="0"/>
-                          </a:rPr>
-                          <m:t>𝑏</m:t>
-                        </m:r>
-                        <m:r>
-                          <a:rPr lang="en-US" sz="3200" b="0" i="1" smtClean="0">
-                            <a:latin typeface="Cambria Math" panose="02040503050406030204" pitchFamily="18" charset="0"/>
-                          </a:rPr>
-                          <m:t>−</m:t>
-                        </m:r>
-                        <m:r>
-                          <a:rPr lang="en-US" sz="3200" b="0" i="1" smtClean="0">
-                            <a:latin typeface="Cambria Math" panose="02040503050406030204" pitchFamily="18" charset="0"/>
-                          </a:rPr>
-                          <m:t>𝑎</m:t>
-                        </m:r>
-                      </m:num>
-                      <m:den>
-                        <m:func>
-                          <m:funcPr>
-                            <m:ctrlPr>
-                              <a:rPr lang="en-US" sz="3200" i="1" smtClean="0">
-                                <a:latin typeface="Cambria Math" panose="02040503050406030204" pitchFamily="18" charset="0"/>
-                              </a:rPr>
-                            </m:ctrlPr>
-                          </m:funcPr>
-                          <m:fName>
-                            <m:r>
-                              <m:rPr>
-                                <m:sty m:val="p"/>
-                              </m:rPr>
-                              <a:rPr lang="en-US" sz="3200" b="0" i="0" smtClean="0">
-                                <a:latin typeface="Cambria Math" panose="02040503050406030204" pitchFamily="18" charset="0"/>
-                              </a:rPr>
-                              <m:t>max</m:t>
-                            </m:r>
-                          </m:fName>
-                          <m:e>
-                            <m:d>
-                              <m:dPr>
-                                <m:ctrlPr>
-                                  <a:rPr lang="en-US" sz="3200" i="1" smtClean="0">
-                                    <a:latin typeface="Cambria Math" panose="02040503050406030204" pitchFamily="18" charset="0"/>
-                                  </a:rPr>
-                                </m:ctrlPr>
-                              </m:dPr>
-                              <m:e>
-                                <m:r>
-                                  <a:rPr lang="en-US" sz="3200" b="0" i="1" smtClean="0">
-                                    <a:latin typeface="Cambria Math" panose="02040503050406030204" pitchFamily="18" charset="0"/>
-                                  </a:rPr>
-                                  <m:t>𝑎</m:t>
-                                </m:r>
-                                <m:r>
-                                  <a:rPr lang="en-US" sz="3200" b="0" i="1" smtClean="0">
-                                    <a:latin typeface="Cambria Math" panose="02040503050406030204" pitchFamily="18" charset="0"/>
-                                  </a:rPr>
-                                  <m:t>, </m:t>
-                                </m:r>
-                                <m:r>
-                                  <a:rPr lang="en-US" sz="3200" b="0" i="1" smtClean="0">
-                                    <a:latin typeface="Cambria Math" panose="02040503050406030204" pitchFamily="18" charset="0"/>
-                                  </a:rPr>
-                                  <m:t>𝑏</m:t>
-                                </m:r>
-                              </m:e>
-                            </m:d>
-                          </m:e>
-                        </m:func>
-                      </m:den>
-                    </m:f>
-                  </m:oMath>
-                </a14:m>
-                <a:r>
-                  <a:rPr lang="en-US" sz="3200" dirty="0"/>
-                  <a:t>, where (a) is the mean intra cluster distance and (b) is the mean nearest cluster distance from the given sample.</a:t>
-                </a:r>
-              </a:p>
-              <a:p>
-                <a:pPr marL="571500" indent="-571500">
-                  <a:buFont typeface="Arial" panose="020B0604020202020204" pitchFamily="34" charset="0"/>
-                  <a:buChar char="•"/>
-                </a:pPr>
-                <a:r>
-                  <a:rPr lang="en-US" sz="3200" dirty="0"/>
-                  <a:t>Semi-supervised scoring: we’ll use the known labels to evaluate performance.</a:t>
-                </a:r>
-              </a:p>
-              <a:p>
-                <a:pPr marL="571500" indent="-571500">
-                  <a:buFont typeface="Arial" panose="020B0604020202020204" pitchFamily="34" charset="0"/>
-                  <a:buChar char="•"/>
-                </a:pPr>
-                <a:r>
-                  <a:rPr lang="en-US" sz="3200" dirty="0"/>
-                  <a:t>Semi-clustering: Using clustering as a classifying method by clustering labeled data and checking prediction of new data to specific clusters.</a:t>
-                </a:r>
-              </a:p>
-              <a:p>
-                <a:endParaRPr lang="en-US" sz="3200" dirty="0">
-                  <a:ln w="0"/>
-                  <a:solidFill>
-                    <a:schemeClr val="accent4">
-                      <a:lumMod val="75000"/>
-                    </a:schemeClr>
-                  </a:solidFill>
-                  <a:effectLst>
-                    <a:outerShdw blurRad="38100" dist="25400" dir="5400000" algn="ctr" rotWithShape="0">
-                      <a:srgbClr val="6E747A">
-                        <a:alpha val="43000"/>
-                      </a:srgbClr>
-                    </a:outerShdw>
-                  </a:effectLst>
-                </a:endParaRPr>
-              </a:p>
-              <a:p>
-                <a:r>
-                  <a:rPr lang="en-US" sz="3200" dirty="0">
-                    <a:ln w="0"/>
-                    <a:solidFill>
-                      <a:schemeClr val="accent4">
-                        <a:lumMod val="75000"/>
-                      </a:schemeClr>
-                    </a:solidFill>
-                    <a:effectLst>
-                      <a:outerShdw blurRad="38100" dist="25400" dir="5400000" algn="ctr" rotWithShape="0">
-                        <a:srgbClr val="6E747A">
-                          <a:alpha val="43000"/>
-                        </a:srgbClr>
-                      </a:outerShdw>
-                    </a:effectLst>
-                  </a:rPr>
-                  <a:t>Data preparation and preprocessing</a:t>
-                </a:r>
-                <a:endParaRPr lang="en-US" sz="3200" dirty="0"/>
-              </a:p>
-              <a:p>
-                <a:pPr marL="571500" indent="-571500">
-                  <a:buFont typeface="Arial" panose="020B0604020202020204" pitchFamily="34" charset="0"/>
-                  <a:buChar char="•"/>
-                </a:pPr>
-                <a:r>
-                  <a:rPr lang="en-US" sz="3200" dirty="0"/>
-                  <a:t>Dividing the data into training and test sets.</a:t>
-                </a:r>
-              </a:p>
-              <a:p>
-                <a:pPr marL="571500" indent="-571500">
-                  <a:buFont typeface="Arial" panose="020B0604020202020204" pitchFamily="34" charset="0"/>
-                  <a:buChar char="•"/>
-                </a:pPr>
-                <a:r>
-                  <a:rPr lang="en-US" sz="3200" dirty="0"/>
-                  <a:t>Normalizing and removing genes with</a:t>
-                </a:r>
-              </a:p>
-              <a:p>
-                <a:r>
-                  <a:rPr lang="en-US" sz="3200" dirty="0"/>
-                  <a:t>      low-variance from the train set.</a:t>
-                </a:r>
-              </a:p>
-              <a:p>
-                <a:r>
-                  <a:rPr lang="en-US" sz="3200" dirty="0"/>
-                  <a:t>      We performed a tuning of the variance</a:t>
-                </a:r>
-              </a:p>
-              <a:p>
-                <a:r>
-                  <a:rPr lang="en-US" sz="3200" dirty="0"/>
-                  <a:t>      threshold that was used for filtering.</a:t>
-                </a:r>
-              </a:p>
-              <a:p>
-                <a:r>
-                  <a:rPr lang="en-US" sz="3200" dirty="0"/>
-                  <a:t>      For score evaluation we used a</a:t>
-                </a:r>
-              </a:p>
-              <a:p>
-                <a:r>
-                  <a:rPr lang="en-US" sz="3200" dirty="0"/>
-                  <a:t>      decision-tree classifier with default</a:t>
-                </a:r>
-              </a:p>
-              <a:p>
-                <a:r>
-                  <a:rPr lang="en-US" sz="3200" dirty="0"/>
-                  <a:t>      parameters.</a:t>
-                </a:r>
-              </a:p>
-              <a:p>
-                <a:r>
-                  <a:rPr lang="en-US" sz="3200" dirty="0"/>
-                  <a:t>      We chose a threshold of 0.00005.</a:t>
-                </a:r>
-              </a:p>
-              <a:p>
-                <a:pPr marL="571500" indent="-571500">
-                  <a:buFont typeface="Arial" panose="020B0604020202020204" pitchFamily="34" charset="0"/>
-                  <a:buChar char="•"/>
-                </a:pPr>
-                <a:r>
-                  <a:rPr lang="en-US" sz="3200" dirty="0"/>
-                  <a:t>Oversampling the train set, so that genes</a:t>
-                </a:r>
-              </a:p>
-              <a:p>
-                <a:r>
-                  <a:rPr lang="en-US" sz="3200" dirty="0"/>
-                  <a:t>      with label ‘TRUE’ take a bigger part of the</a:t>
-                </a:r>
-              </a:p>
-              <a:p>
-                <a:r>
-                  <a:rPr lang="en-US" sz="3200" dirty="0"/>
-                  <a:t>      dataset. We performed a tuning of the</a:t>
-                </a:r>
-              </a:p>
-              <a:p>
-                <a:r>
-                  <a:rPr lang="en-US" sz="3200" dirty="0"/>
-                  <a:t>      desired ratio between ‘FALSE’ and ‘TRUE’</a:t>
-                </a:r>
-              </a:p>
-              <a:p>
-                <a:r>
-                  <a:rPr lang="en-US" sz="3200" dirty="0"/>
-                  <a:t>      labels. Number of ‘FALSE’ genes is</a:t>
-                </a:r>
-              </a:p>
-              <a:p>
-                <a:r>
-                  <a:rPr lang="en-US" sz="3200" dirty="0"/>
-                  <a:t>      multiplied by coefficient to obtain new</a:t>
-                </a:r>
-              </a:p>
-              <a:p>
-                <a:r>
-                  <a:rPr lang="en-US" sz="3200" dirty="0"/>
-                  <a:t>      number of ‘TRUE’ genes.</a:t>
-                </a:r>
-              </a:p>
-              <a:p>
-                <a:r>
-                  <a:rPr lang="en-US" sz="3200" dirty="0"/>
-                  <a:t>      We chose coefficient 1, so that ratio between</a:t>
-                </a:r>
-              </a:p>
-              <a:p>
-                <a:r>
-                  <a:rPr lang="en-US" sz="3200" dirty="0"/>
-                  <a:t>                  ‘FALSE’ and ‘TRUE’ is 1:1.</a:t>
-                </a:r>
-              </a:p>
-            </p:txBody>
-          </p:sp>
-        </mc:Choice>
-        <mc:Fallback xmlns="">
-          <p:sp>
-            <p:nvSpPr>
-              <p:cNvPr id="37" name="TextBox 36">
-                <a:extLst>
-                  <a:ext uri="{FF2B5EF4-FFF2-40B4-BE49-F238E27FC236}">
-                    <a16:creationId xmlns:a16="http://schemas.microsoft.com/office/drawing/2014/main" xmlns:a14="http://schemas.microsoft.com/office/drawing/2010/main" xmlns="" id="{F92EC576-90EE-4208-A83B-5BE276CEA082}"/>
-                  </a:ext>
-                </a:extLst>
-              </p:cNvPr>
-              <p:cNvSpPr txBox="1">
-                <a:spLocks noRot="1" noChangeAspect="1" noMove="1" noResize="1" noEditPoints="1" noAdjustHandles="1" noChangeArrowheads="1" noChangeShapeType="1" noTextEdit="1"/>
-              </p:cNvSpPr>
-              <p:nvPr/>
-            </p:nvSpPr>
-            <p:spPr>
-              <a:xfrm>
-                <a:off x="1080345" y="20882620"/>
-                <a:ext cx="15193688" cy="23627687"/>
-              </a:xfrm>
-              <a:prstGeom prst="rect">
-                <a:avLst/>
-              </a:prstGeom>
-              <a:blipFill rotWithShape="0">
-                <a:blip r:embed="rId3"/>
-                <a:stretch>
-                  <a:fillRect l="-1404" t="-335" r="-722"/>
-                </a:stretch>
-              </a:blipFill>
-            </p:spPr>
-            <p:txBody>
-              <a:bodyPr/>
-              <a:lstStyle/>
-              <a:p>
-                <a:r>
-                  <a:rPr lang="en-US">
-                    <a:noFill/>
-                  </a:rPr>
-                  <a:t> </a:t>
-                </a:r>
-              </a:p>
-            </p:txBody>
-          </p:sp>
-        </mc:Fallback>
-      </mc:AlternateContent>
+      <p:sp>
+        <p:nvSpPr>
+          <p:cNvPr id="37" name="TextBox 36">
+            <a:extLst>
+              <a:ext uri="{FF2B5EF4-FFF2-40B4-BE49-F238E27FC236}">
+                <a16:creationId xmlns:a16="http://schemas.microsoft.com/office/drawing/2014/main" id="{F92EC576-90EE-4208-A83B-5BE276CEA082}"/>
+              </a:ext>
+            </a:extLst>
+          </p:cNvPr>
+          <p:cNvSpPr txBox="1"/>
+          <p:nvPr/>
+        </p:nvSpPr>
+        <p:spPr>
+          <a:xfrm>
+            <a:off x="1080345" y="20882620"/>
+            <a:ext cx="15193688" cy="8956298"/>
+          </a:xfrm>
+          <a:prstGeom prst="rect">
+            <a:avLst/>
+          </a:prstGeom>
+          <a:noFill/>
+        </p:spPr>
+        <p:txBody>
+          <a:bodyPr wrap="square" rtlCol="0">
+            <a:spAutoFit/>
+          </a:bodyPr>
+          <a:lstStyle/>
+          <a:p>
+            <a:pPr marL="285750" indent="-285750">
+              <a:buFont typeface="Arial" panose="020B0604020202020204" pitchFamily="34" charset="0"/>
+              <a:buChar char="•"/>
+            </a:pPr>
+            <a:r>
+              <a:rPr lang="en-US" sz="3200" b="1" u="sng" dirty="0"/>
+              <a:t>GEO</a:t>
+            </a:r>
+            <a:r>
+              <a:rPr lang="en-US" sz="3200" dirty="0"/>
+              <a:t> – public genomics data repository</a:t>
+            </a:r>
+          </a:p>
+          <a:p>
+            <a:pPr marL="285750" indent="-285750">
+              <a:buFont typeface="Arial" panose="020B0604020202020204" pitchFamily="34" charset="0"/>
+              <a:buChar char="•"/>
+            </a:pPr>
+            <a:r>
+              <a:rPr lang="en-US" sz="3200" b="1" u="sng" dirty="0" err="1"/>
+              <a:t>AmiGo</a:t>
+            </a:r>
+            <a:r>
+              <a:rPr lang="en-US" sz="3200" dirty="0"/>
+              <a:t> – Web-based set of tools for searching and browsing the gene ontology. database. We used it to obtain a list of GO terms associated with apoptosis.</a:t>
+            </a:r>
+          </a:p>
+          <a:p>
+            <a:pPr marL="285750" indent="-285750">
+              <a:buFont typeface="Arial" panose="020B0604020202020204" pitchFamily="34" charset="0"/>
+              <a:buChar char="•"/>
+            </a:pPr>
+            <a:r>
+              <a:rPr lang="en-US" sz="3200" b="1" u="sng" dirty="0" err="1"/>
+              <a:t>Scikit</a:t>
+            </a:r>
+            <a:r>
+              <a:rPr lang="en-US" sz="3200" b="1" u="sng" dirty="0"/>
+              <a:t>-learn</a:t>
+            </a:r>
+            <a:r>
+              <a:rPr lang="en-US" sz="3200" dirty="0"/>
+              <a:t> – Python library for machine learning.</a:t>
+            </a:r>
+            <a:endParaRPr lang="en-US" sz="3200" b="1" u="sng" dirty="0"/>
+          </a:p>
+          <a:p>
+            <a:endParaRPr lang="en-US" sz="3200" dirty="0"/>
+          </a:p>
+          <a:p>
+            <a:r>
+              <a:rPr lang="en-US" sz="3200" dirty="0">
+                <a:ln w="0"/>
+                <a:solidFill>
+                  <a:schemeClr val="accent4">
+                    <a:lumMod val="75000"/>
+                  </a:schemeClr>
+                </a:solidFill>
+                <a:effectLst>
+                  <a:outerShdw blurRad="38100" dist="25400" dir="5400000" algn="ctr" rotWithShape="0">
+                    <a:srgbClr val="6E747A">
+                      <a:alpha val="43000"/>
+                    </a:srgbClr>
+                  </a:outerShdw>
+                </a:effectLst>
+              </a:rPr>
+              <a:t>Building the dataset</a:t>
+            </a:r>
+          </a:p>
+          <a:p>
+            <a:pPr marL="685800" indent="-685800">
+              <a:buFont typeface="Arial" panose="020B0604020202020204" pitchFamily="34" charset="0"/>
+              <a:buChar char="•"/>
+            </a:pPr>
+            <a:r>
+              <a:rPr lang="en-US" sz="3200" dirty="0"/>
+              <a:t>Dataset: gene expression levels, before and after down regulation of </a:t>
+            </a:r>
+            <a:r>
+              <a:rPr lang="en-US" sz="3200" dirty="0" err="1"/>
+              <a:t>PKCδ</a:t>
+            </a:r>
+            <a:r>
+              <a:rPr lang="en-US" sz="3200" dirty="0"/>
+              <a:t>:</a:t>
+            </a:r>
+          </a:p>
+          <a:p>
+            <a:r>
+              <a:rPr lang="en-US" sz="3200" dirty="0"/>
+              <a:t>        - BT-549 (Invasive ductal carcinoma)</a:t>
+            </a:r>
+          </a:p>
+          <a:p>
+            <a:r>
+              <a:rPr lang="en-US" sz="3200" dirty="0"/>
+              <a:t>        - MDA-mB-468 (adenocarcinoma)</a:t>
+            </a:r>
+          </a:p>
+          <a:p>
+            <a:endParaRPr lang="en-US" sz="3200" dirty="0"/>
+          </a:p>
+          <a:p>
+            <a:endParaRPr lang="en-US" sz="3200" dirty="0"/>
+          </a:p>
+          <a:p>
+            <a:endParaRPr lang="en-US" sz="3200" dirty="0">
+              <a:ln w="0"/>
+              <a:solidFill>
+                <a:schemeClr val="accent4">
+                  <a:lumMod val="75000"/>
+                </a:schemeClr>
+              </a:solidFill>
+              <a:effectLst>
+                <a:outerShdw blurRad="38100" dist="25400" dir="5400000" algn="ctr" rotWithShape="0">
+                  <a:srgbClr val="6E747A">
+                    <a:alpha val="43000"/>
+                  </a:srgbClr>
+                </a:outerShdw>
+              </a:effectLst>
+            </a:endParaRPr>
+          </a:p>
+          <a:p>
+            <a:endParaRPr lang="en-US" sz="3200" dirty="0">
+              <a:ln w="0"/>
+              <a:solidFill>
+                <a:schemeClr val="accent4">
+                  <a:lumMod val="75000"/>
+                </a:schemeClr>
+              </a:solidFill>
+              <a:effectLst>
+                <a:outerShdw blurRad="38100" dist="25400" dir="5400000" algn="ctr" rotWithShape="0">
+                  <a:srgbClr val="6E747A">
+                    <a:alpha val="43000"/>
+                  </a:srgbClr>
+                </a:outerShdw>
+              </a:effectLst>
+            </a:endParaRPr>
+          </a:p>
+          <a:p>
+            <a:endParaRPr lang="en-US" sz="3200" dirty="0">
+              <a:ln w="0"/>
+              <a:solidFill>
+                <a:schemeClr val="accent4">
+                  <a:lumMod val="75000"/>
+                </a:schemeClr>
+              </a:solidFill>
+              <a:effectLst>
+                <a:outerShdw blurRad="38100" dist="25400" dir="5400000" algn="ctr" rotWithShape="0">
+                  <a:srgbClr val="6E747A">
+                    <a:alpha val="43000"/>
+                  </a:srgbClr>
+                </a:outerShdw>
+              </a:effectLst>
+            </a:endParaRPr>
+          </a:p>
+          <a:p>
+            <a:endParaRPr lang="en-US" sz="3200" dirty="0">
+              <a:ln w="0"/>
+              <a:solidFill>
+                <a:schemeClr val="accent4">
+                  <a:lumMod val="75000"/>
+                </a:schemeClr>
+              </a:solidFill>
+              <a:effectLst>
+                <a:outerShdw blurRad="38100" dist="25400" dir="5400000" algn="ctr" rotWithShape="0">
+                  <a:srgbClr val="6E747A">
+                    <a:alpha val="43000"/>
+                  </a:srgbClr>
+                </a:outerShdw>
+              </a:effectLst>
+            </a:endParaRPr>
+          </a:p>
+          <a:p>
+            <a:r>
+              <a:rPr lang="en-US" sz="3200" dirty="0">
+                <a:ln w="0"/>
+                <a:solidFill>
+                  <a:schemeClr val="accent4">
+                    <a:lumMod val="75000"/>
+                  </a:schemeClr>
+                </a:solidFill>
+                <a:effectLst>
+                  <a:outerShdw blurRad="38100" dist="25400" dir="5400000" algn="ctr" rotWithShape="0">
+                    <a:srgbClr val="6E747A">
+                      <a:alpha val="43000"/>
+                    </a:srgbClr>
+                  </a:outerShdw>
+                </a:effectLst>
+              </a:rPr>
+              <a:t>Data preparation and preprocessing</a:t>
+            </a:r>
+            <a:endParaRPr lang="en-US" sz="3200" dirty="0"/>
+          </a:p>
+          <a:p>
+            <a:pPr marL="571500" indent="-571500">
+              <a:buFont typeface="Arial" panose="020B0604020202020204" pitchFamily="34" charset="0"/>
+              <a:buChar char="•"/>
+            </a:pPr>
+            <a:r>
+              <a:rPr lang="en-US" sz="3200" dirty="0"/>
+              <a:t>Dividing the data into training and test sets.</a:t>
+            </a:r>
+          </a:p>
+          <a:p>
+            <a:pPr marL="571500" indent="-571500">
+              <a:buFont typeface="Arial" panose="020B0604020202020204" pitchFamily="34" charset="0"/>
+              <a:buChar char="•"/>
+            </a:pPr>
+            <a:r>
+              <a:rPr lang="en-US" sz="3200" dirty="0"/>
+              <a:t>Run the following process:</a:t>
+            </a:r>
+          </a:p>
+        </p:txBody>
+      </p:sp>
       <p:pic>
         <p:nvPicPr>
           <p:cNvPr id="30" name="Picture 29">
@@ -4804,15 +4471,15 @@
           <p:nvPr/>
         </p:nvPicPr>
         <p:blipFill>
-          <a:blip r:embed="rId4"/>
+          <a:blip r:embed="rId3"/>
           <a:stretch>
             <a:fillRect/>
           </a:stretch>
         </p:blipFill>
         <p:spPr>
           <a:xfrm>
-            <a:off x="9981978" y="34298416"/>
-            <a:ext cx="6200353" cy="4006772"/>
+            <a:off x="1201445" y="34694009"/>
+            <a:ext cx="7087771" cy="5521865"/>
           </a:xfrm>
           <a:prstGeom prst="rect">
             <a:avLst/>
@@ -4832,15 +4499,15 @@
           <p:nvPr/>
         </p:nvPicPr>
         <p:blipFill>
-          <a:blip r:embed="rId5"/>
+          <a:blip r:embed="rId4"/>
           <a:stretch>
             <a:fillRect/>
           </a:stretch>
         </p:blipFill>
         <p:spPr>
           <a:xfrm>
-            <a:off x="9839267" y="38305188"/>
-            <a:ext cx="6330513" cy="4487965"/>
+            <a:off x="8869094" y="34678341"/>
+            <a:ext cx="7087770" cy="5521865"/>
           </a:xfrm>
           <a:prstGeom prst="rect">
             <a:avLst/>
@@ -5374,7 +5041,7 @@
           <p:nvPr/>
         </p:nvPicPr>
         <p:blipFill>
-          <a:blip r:embed="rId6"/>
+          <a:blip r:embed="rId5"/>
           <a:stretch>
             <a:fillRect/>
           </a:stretch>
@@ -5509,7 +5176,7 @@
           <p:nvPr/>
         </p:nvPicPr>
         <p:blipFill>
-          <a:blip r:embed="rId7"/>
+          <a:blip r:embed="rId6"/>
           <a:stretch>
             <a:fillRect/>
           </a:stretch>
@@ -5596,7 +5263,7 @@
           <p:nvPr/>
         </p:nvPicPr>
         <p:blipFill>
-          <a:blip r:embed="rId8"/>
+          <a:blip r:embed="rId7"/>
           <a:stretch>
             <a:fillRect/>
           </a:stretch>
@@ -5618,7 +5285,7 @@
           <p:nvPr/>
         </p:nvPicPr>
         <p:blipFill>
-          <a:blip r:embed="rId9"/>
+          <a:blip r:embed="rId8"/>
           <a:stretch>
             <a:fillRect/>
           </a:stretch>
@@ -6046,6 +5713,647 @@
             <a:r>
               <a:rPr lang="en-US" sz="4800" dirty="0"/>
               <a:t>(True, False)</a:t>
+            </a:r>
+            <a:endParaRPr lang="en-US" sz="6600" dirty="0"/>
+          </a:p>
+        </p:txBody>
+      </p:sp>
+      <p:sp>
+        <p:nvSpPr>
+          <p:cNvPr id="53" name="TextBox 52">
+            <a:extLst>
+              <a:ext uri="{FF2B5EF4-FFF2-40B4-BE49-F238E27FC236}">
+                <a16:creationId xmlns:a16="http://schemas.microsoft.com/office/drawing/2014/main" id="{076C39AB-B7CF-4462-8A13-A3ECFBAAA4AC}"/>
+              </a:ext>
+            </a:extLst>
+          </p:cNvPr>
+          <p:cNvSpPr txBox="1"/>
+          <p:nvPr/>
+        </p:nvSpPr>
+        <p:spPr>
+          <a:xfrm>
+            <a:off x="1090646" y="25781436"/>
+            <a:ext cx="1902765" cy="1569660"/>
+          </a:xfrm>
+          <a:prstGeom prst="rect">
+            <a:avLst/>
+          </a:prstGeom>
+          <a:noFill/>
+        </p:spPr>
+        <p:txBody>
+          <a:bodyPr wrap="none" rtlCol="0">
+            <a:spAutoFit/>
+          </a:bodyPr>
+          <a:lstStyle/>
+          <a:p>
+            <a:pPr algn="ctr"/>
+            <a:r>
+              <a:rPr lang="en-US" sz="4800" dirty="0"/>
+              <a:t>Unite</a:t>
+            </a:r>
+          </a:p>
+          <a:p>
+            <a:pPr algn="ctr"/>
+            <a:r>
+              <a:rPr lang="en-US" sz="4800" dirty="0"/>
+              <a:t>Probes</a:t>
+            </a:r>
+            <a:endParaRPr lang="en-US" sz="6600" dirty="0"/>
+          </a:p>
+        </p:txBody>
+      </p:sp>
+      <p:cxnSp>
+        <p:nvCxnSpPr>
+          <p:cNvPr id="54" name="Straight Arrow Connector 53">
+            <a:extLst>
+              <a:ext uri="{FF2B5EF4-FFF2-40B4-BE49-F238E27FC236}">
+                <a16:creationId xmlns:a16="http://schemas.microsoft.com/office/drawing/2014/main" id="{3B702B41-81F8-4122-B4F4-43D7D3BE00C6}"/>
+              </a:ext>
+            </a:extLst>
+          </p:cNvPr>
+          <p:cNvCxnSpPr>
+            <a:cxnSpLocks/>
+          </p:cNvCxnSpPr>
+          <p:nvPr/>
+        </p:nvCxnSpPr>
+        <p:spPr>
+          <a:xfrm>
+            <a:off x="3201640" y="26523092"/>
+            <a:ext cx="1704358" cy="0"/>
+          </a:xfrm>
+          <a:prstGeom prst="straightConnector1">
+            <a:avLst/>
+          </a:prstGeom>
+          <a:ln w="76200">
+            <a:tailEnd type="triangle"/>
+          </a:ln>
+        </p:spPr>
+        <p:style>
+          <a:lnRef idx="1">
+            <a:schemeClr val="dk1"/>
+          </a:lnRef>
+          <a:fillRef idx="0">
+            <a:schemeClr val="dk1"/>
+          </a:fillRef>
+          <a:effectRef idx="0">
+            <a:schemeClr val="dk1"/>
+          </a:effectRef>
+          <a:fontRef idx="minor">
+            <a:schemeClr val="tx1"/>
+          </a:fontRef>
+        </p:style>
+      </p:cxnSp>
+      <p:sp>
+        <p:nvSpPr>
+          <p:cNvPr id="55" name="TextBox 54">
+            <a:extLst>
+              <a:ext uri="{FF2B5EF4-FFF2-40B4-BE49-F238E27FC236}">
+                <a16:creationId xmlns:a16="http://schemas.microsoft.com/office/drawing/2014/main" id="{0C6C1D4A-BABC-4C32-937F-B18273FD0CBD}"/>
+              </a:ext>
+            </a:extLst>
+          </p:cNvPr>
+          <p:cNvSpPr txBox="1"/>
+          <p:nvPr/>
+        </p:nvSpPr>
+        <p:spPr>
+          <a:xfrm>
+            <a:off x="5097212" y="25412104"/>
+            <a:ext cx="2658997" cy="2308324"/>
+          </a:xfrm>
+          <a:prstGeom prst="rect">
+            <a:avLst/>
+          </a:prstGeom>
+          <a:noFill/>
+        </p:spPr>
+        <p:txBody>
+          <a:bodyPr wrap="none" rtlCol="0">
+            <a:spAutoFit/>
+          </a:bodyPr>
+          <a:lstStyle/>
+          <a:p>
+            <a:pPr algn="ctr"/>
+            <a:r>
+              <a:rPr lang="en-US" sz="4800" dirty="0"/>
+              <a:t>Filter by</a:t>
+            </a:r>
+          </a:p>
+          <a:p>
+            <a:pPr algn="ctr"/>
+            <a:r>
+              <a:rPr lang="en-US" sz="4800" dirty="0"/>
+              <a:t>Apoptosis</a:t>
+            </a:r>
+          </a:p>
+          <a:p>
+            <a:pPr algn="ctr"/>
+            <a:r>
+              <a:rPr lang="en-US" sz="4800" dirty="0"/>
+              <a:t>Go Terms</a:t>
+            </a:r>
+            <a:endParaRPr lang="en-US" sz="6600" dirty="0"/>
+          </a:p>
+        </p:txBody>
+      </p:sp>
+      <p:cxnSp>
+        <p:nvCxnSpPr>
+          <p:cNvPr id="56" name="Straight Arrow Connector 55">
+            <a:extLst>
+              <a:ext uri="{FF2B5EF4-FFF2-40B4-BE49-F238E27FC236}">
+                <a16:creationId xmlns:a16="http://schemas.microsoft.com/office/drawing/2014/main" id="{8298EB60-CD1E-4038-B267-0F1811741E59}"/>
+              </a:ext>
+            </a:extLst>
+          </p:cNvPr>
+          <p:cNvCxnSpPr>
+            <a:cxnSpLocks/>
+          </p:cNvCxnSpPr>
+          <p:nvPr/>
+        </p:nvCxnSpPr>
+        <p:spPr>
+          <a:xfrm flipV="1">
+            <a:off x="7907218" y="25781436"/>
+            <a:ext cx="1242540" cy="784830"/>
+          </a:xfrm>
+          <a:prstGeom prst="straightConnector1">
+            <a:avLst/>
+          </a:prstGeom>
+          <a:ln w="76200">
+            <a:tailEnd type="triangle"/>
+          </a:ln>
+        </p:spPr>
+        <p:style>
+          <a:lnRef idx="1">
+            <a:schemeClr val="dk1"/>
+          </a:lnRef>
+          <a:fillRef idx="0">
+            <a:schemeClr val="dk1"/>
+          </a:fillRef>
+          <a:effectRef idx="0">
+            <a:schemeClr val="dk1"/>
+          </a:effectRef>
+          <a:fontRef idx="minor">
+            <a:schemeClr val="tx1"/>
+          </a:fontRef>
+        </p:style>
+      </p:cxnSp>
+      <p:cxnSp>
+        <p:nvCxnSpPr>
+          <p:cNvPr id="57" name="Straight Arrow Connector 56">
+            <a:extLst>
+              <a:ext uri="{FF2B5EF4-FFF2-40B4-BE49-F238E27FC236}">
+                <a16:creationId xmlns:a16="http://schemas.microsoft.com/office/drawing/2014/main" id="{953124AB-E56C-4D0B-B802-C7D140A8D01B}"/>
+              </a:ext>
+            </a:extLst>
+          </p:cNvPr>
+          <p:cNvCxnSpPr>
+            <a:cxnSpLocks/>
+          </p:cNvCxnSpPr>
+          <p:nvPr/>
+        </p:nvCxnSpPr>
+        <p:spPr>
+          <a:xfrm>
+            <a:off x="7954311" y="26566266"/>
+            <a:ext cx="1195447" cy="627150"/>
+          </a:xfrm>
+          <a:prstGeom prst="straightConnector1">
+            <a:avLst/>
+          </a:prstGeom>
+          <a:ln w="76200">
+            <a:tailEnd type="triangle"/>
+          </a:ln>
+        </p:spPr>
+        <p:style>
+          <a:lnRef idx="1">
+            <a:schemeClr val="dk1"/>
+          </a:lnRef>
+          <a:fillRef idx="0">
+            <a:schemeClr val="dk1"/>
+          </a:fillRef>
+          <a:effectRef idx="0">
+            <a:schemeClr val="dk1"/>
+          </a:effectRef>
+          <a:fontRef idx="minor">
+            <a:schemeClr val="tx1"/>
+          </a:fontRef>
+        </p:style>
+      </p:cxnSp>
+      <p:sp>
+        <p:nvSpPr>
+          <p:cNvPr id="58" name="TextBox 57">
+            <a:extLst>
+              <a:ext uri="{FF2B5EF4-FFF2-40B4-BE49-F238E27FC236}">
+                <a16:creationId xmlns:a16="http://schemas.microsoft.com/office/drawing/2014/main" id="{5D84547D-8FA8-4A42-88C0-F5100C0DF0EE}"/>
+              </a:ext>
+            </a:extLst>
+          </p:cNvPr>
+          <p:cNvSpPr txBox="1"/>
+          <p:nvPr/>
+        </p:nvSpPr>
+        <p:spPr>
+          <a:xfrm>
+            <a:off x="9168133" y="25340041"/>
+            <a:ext cx="5348965" cy="830997"/>
+          </a:xfrm>
+          <a:prstGeom prst="rect">
+            <a:avLst/>
+          </a:prstGeom>
+          <a:noFill/>
+        </p:spPr>
+        <p:txBody>
+          <a:bodyPr wrap="none" rtlCol="0">
+            <a:spAutoFit/>
+          </a:bodyPr>
+          <a:lstStyle/>
+          <a:p>
+            <a:pPr algn="ctr"/>
+            <a:r>
+              <a:rPr lang="en-US" sz="4800" dirty="0"/>
+              <a:t>True if contains term</a:t>
+            </a:r>
+            <a:endParaRPr lang="en-US" sz="6600" dirty="0"/>
+          </a:p>
+        </p:txBody>
+      </p:sp>
+      <p:sp>
+        <p:nvSpPr>
+          <p:cNvPr id="59" name="TextBox 58">
+            <a:extLst>
+              <a:ext uri="{FF2B5EF4-FFF2-40B4-BE49-F238E27FC236}">
+                <a16:creationId xmlns:a16="http://schemas.microsoft.com/office/drawing/2014/main" id="{0CEF471A-1EE5-4EEC-A592-3AB6CFC89496}"/>
+              </a:ext>
+            </a:extLst>
+          </p:cNvPr>
+          <p:cNvSpPr txBox="1"/>
+          <p:nvPr/>
+        </p:nvSpPr>
+        <p:spPr>
+          <a:xfrm>
+            <a:off x="9347860" y="26711522"/>
+            <a:ext cx="4081182" cy="830997"/>
+          </a:xfrm>
+          <a:prstGeom prst="rect">
+            <a:avLst/>
+          </a:prstGeom>
+          <a:noFill/>
+        </p:spPr>
+        <p:txBody>
+          <a:bodyPr wrap="none" rtlCol="0">
+            <a:spAutoFit/>
+          </a:bodyPr>
+          <a:lstStyle/>
+          <a:p>
+            <a:pPr algn="ctr"/>
+            <a:r>
+              <a:rPr lang="en-US" sz="4800" dirty="0"/>
+              <a:t>False otherwise</a:t>
+            </a:r>
+            <a:endParaRPr lang="en-US" sz="6600" dirty="0"/>
+          </a:p>
+        </p:txBody>
+      </p:sp>
+      <p:sp>
+        <p:nvSpPr>
+          <p:cNvPr id="60" name="TextBox 59">
+            <a:extLst>
+              <a:ext uri="{FF2B5EF4-FFF2-40B4-BE49-F238E27FC236}">
+                <a16:creationId xmlns:a16="http://schemas.microsoft.com/office/drawing/2014/main" id="{D81CCFA4-9CDF-463B-97E4-6B3B3E387505}"/>
+              </a:ext>
+            </a:extLst>
+          </p:cNvPr>
+          <p:cNvSpPr txBox="1"/>
+          <p:nvPr/>
+        </p:nvSpPr>
+        <p:spPr>
+          <a:xfrm>
+            <a:off x="1284662" y="29823866"/>
+            <a:ext cx="2727606" cy="830997"/>
+          </a:xfrm>
+          <a:prstGeom prst="rect">
+            <a:avLst/>
+          </a:prstGeom>
+          <a:noFill/>
+        </p:spPr>
+        <p:txBody>
+          <a:bodyPr wrap="none" rtlCol="0">
+            <a:spAutoFit/>
+          </a:bodyPr>
+          <a:lstStyle/>
+          <a:p>
+            <a:pPr algn="ctr"/>
+            <a:r>
+              <a:rPr lang="en-US" sz="4800" dirty="0"/>
+              <a:t>Normalize</a:t>
+            </a:r>
+            <a:endParaRPr lang="en-US" sz="6600" dirty="0"/>
+          </a:p>
+        </p:txBody>
+      </p:sp>
+      <p:cxnSp>
+        <p:nvCxnSpPr>
+          <p:cNvPr id="61" name="Straight Arrow Connector 60">
+            <a:extLst>
+              <a:ext uri="{FF2B5EF4-FFF2-40B4-BE49-F238E27FC236}">
+                <a16:creationId xmlns:a16="http://schemas.microsoft.com/office/drawing/2014/main" id="{8D32576D-F5AC-486A-BB04-B11B530772DD}"/>
+              </a:ext>
+            </a:extLst>
+          </p:cNvPr>
+          <p:cNvCxnSpPr>
+            <a:cxnSpLocks/>
+          </p:cNvCxnSpPr>
+          <p:nvPr/>
+        </p:nvCxnSpPr>
+        <p:spPr>
+          <a:xfrm>
+            <a:off x="4111382" y="30255914"/>
+            <a:ext cx="1287891" cy="0"/>
+          </a:xfrm>
+          <a:prstGeom prst="straightConnector1">
+            <a:avLst/>
+          </a:prstGeom>
+          <a:ln w="76200">
+            <a:tailEnd type="triangle"/>
+          </a:ln>
+        </p:spPr>
+        <p:style>
+          <a:lnRef idx="1">
+            <a:schemeClr val="dk1"/>
+          </a:lnRef>
+          <a:fillRef idx="0">
+            <a:schemeClr val="dk1"/>
+          </a:fillRef>
+          <a:effectRef idx="0">
+            <a:schemeClr val="dk1"/>
+          </a:effectRef>
+          <a:fontRef idx="minor">
+            <a:schemeClr val="tx1"/>
+          </a:fontRef>
+        </p:style>
+      </p:cxnSp>
+      <p:sp>
+        <p:nvSpPr>
+          <p:cNvPr id="62" name="TextBox 61">
+            <a:extLst>
+              <a:ext uri="{FF2B5EF4-FFF2-40B4-BE49-F238E27FC236}">
+                <a16:creationId xmlns:a16="http://schemas.microsoft.com/office/drawing/2014/main" id="{B49DAB6E-0F3F-4FAC-82BC-C532164D9E4D}"/>
+              </a:ext>
+            </a:extLst>
+          </p:cNvPr>
+          <p:cNvSpPr txBox="1"/>
+          <p:nvPr/>
+        </p:nvSpPr>
+        <p:spPr>
+          <a:xfrm>
+            <a:off x="5399273" y="29812628"/>
+            <a:ext cx="3760197" cy="830997"/>
+          </a:xfrm>
+          <a:prstGeom prst="rect">
+            <a:avLst/>
+          </a:prstGeom>
+          <a:noFill/>
+        </p:spPr>
+        <p:txBody>
+          <a:bodyPr wrap="none" rtlCol="0">
+            <a:spAutoFit/>
+          </a:bodyPr>
+          <a:lstStyle/>
+          <a:p>
+            <a:pPr algn="ctr"/>
+            <a:r>
+              <a:rPr lang="en-US" sz="4800" dirty="0"/>
+              <a:t>Variance Filter</a:t>
+            </a:r>
+            <a:endParaRPr lang="en-US" sz="6600" dirty="0"/>
+          </a:p>
+        </p:txBody>
+      </p:sp>
+      <p:cxnSp>
+        <p:nvCxnSpPr>
+          <p:cNvPr id="63" name="Straight Arrow Connector 62">
+            <a:extLst>
+              <a:ext uri="{FF2B5EF4-FFF2-40B4-BE49-F238E27FC236}">
+                <a16:creationId xmlns:a16="http://schemas.microsoft.com/office/drawing/2014/main" id="{BD94B222-8A17-4D5F-A0EB-BC4E5B01713E}"/>
+              </a:ext>
+            </a:extLst>
+          </p:cNvPr>
+          <p:cNvCxnSpPr>
+            <a:cxnSpLocks/>
+          </p:cNvCxnSpPr>
+          <p:nvPr/>
+        </p:nvCxnSpPr>
+        <p:spPr>
+          <a:xfrm flipH="1">
+            <a:off x="5345678" y="30579165"/>
+            <a:ext cx="1795852" cy="1096642"/>
+          </a:xfrm>
+          <a:prstGeom prst="straightConnector1">
+            <a:avLst/>
+          </a:prstGeom>
+          <a:ln w="76200">
+            <a:tailEnd type="triangle"/>
+          </a:ln>
+        </p:spPr>
+        <p:style>
+          <a:lnRef idx="1">
+            <a:schemeClr val="dk1"/>
+          </a:lnRef>
+          <a:fillRef idx="0">
+            <a:schemeClr val="dk1"/>
+          </a:fillRef>
+          <a:effectRef idx="0">
+            <a:schemeClr val="dk1"/>
+          </a:effectRef>
+          <a:fontRef idx="minor">
+            <a:schemeClr val="tx1"/>
+          </a:fontRef>
+        </p:style>
+      </p:cxnSp>
+      <p:sp>
+        <p:nvSpPr>
+          <p:cNvPr id="64" name="TextBox 63">
+            <a:extLst>
+              <a:ext uri="{FF2B5EF4-FFF2-40B4-BE49-F238E27FC236}">
+                <a16:creationId xmlns:a16="http://schemas.microsoft.com/office/drawing/2014/main" id="{580971DA-BC03-4B34-B5A4-AB0ADA7CC03E}"/>
+              </a:ext>
+            </a:extLst>
+          </p:cNvPr>
+          <p:cNvSpPr txBox="1"/>
+          <p:nvPr/>
+        </p:nvSpPr>
+        <p:spPr>
+          <a:xfrm>
+            <a:off x="2975767" y="31625496"/>
+            <a:ext cx="2687852" cy="830997"/>
+          </a:xfrm>
+          <a:prstGeom prst="rect">
+            <a:avLst/>
+          </a:prstGeom>
+          <a:noFill/>
+        </p:spPr>
+        <p:txBody>
+          <a:bodyPr wrap="none" rtlCol="0">
+            <a:spAutoFit/>
+          </a:bodyPr>
+          <a:lstStyle/>
+          <a:p>
+            <a:pPr algn="ctr"/>
+            <a:r>
+              <a:rPr lang="en-US" sz="4800" dirty="0"/>
+              <a:t>Clustering</a:t>
+            </a:r>
+            <a:endParaRPr lang="en-US" sz="6600" dirty="0"/>
+          </a:p>
+        </p:txBody>
+      </p:sp>
+      <p:cxnSp>
+        <p:nvCxnSpPr>
+          <p:cNvPr id="65" name="Straight Arrow Connector 64">
+            <a:extLst>
+              <a:ext uri="{FF2B5EF4-FFF2-40B4-BE49-F238E27FC236}">
+                <a16:creationId xmlns:a16="http://schemas.microsoft.com/office/drawing/2014/main" id="{7C429779-3F3C-4872-8DCF-BD25E0E56F2A}"/>
+              </a:ext>
+            </a:extLst>
+          </p:cNvPr>
+          <p:cNvCxnSpPr>
+            <a:cxnSpLocks/>
+          </p:cNvCxnSpPr>
+          <p:nvPr/>
+        </p:nvCxnSpPr>
+        <p:spPr>
+          <a:xfrm>
+            <a:off x="7293930" y="30579165"/>
+            <a:ext cx="2216658" cy="1046331"/>
+          </a:xfrm>
+          <a:prstGeom prst="straightConnector1">
+            <a:avLst/>
+          </a:prstGeom>
+          <a:ln w="76200">
+            <a:tailEnd type="triangle"/>
+          </a:ln>
+        </p:spPr>
+        <p:style>
+          <a:lnRef idx="1">
+            <a:schemeClr val="dk1"/>
+          </a:lnRef>
+          <a:fillRef idx="0">
+            <a:schemeClr val="dk1"/>
+          </a:fillRef>
+          <a:effectRef idx="0">
+            <a:schemeClr val="dk1"/>
+          </a:effectRef>
+          <a:fontRef idx="minor">
+            <a:schemeClr val="tx1"/>
+          </a:fontRef>
+        </p:style>
+      </p:cxnSp>
+      <p:sp>
+        <p:nvSpPr>
+          <p:cNvPr id="66" name="TextBox 65">
+            <a:extLst>
+              <a:ext uri="{FF2B5EF4-FFF2-40B4-BE49-F238E27FC236}">
+                <a16:creationId xmlns:a16="http://schemas.microsoft.com/office/drawing/2014/main" id="{8E40AAB0-A89F-4A4D-B9E5-62FC5B28F818}"/>
+              </a:ext>
+            </a:extLst>
+          </p:cNvPr>
+          <p:cNvSpPr txBox="1"/>
+          <p:nvPr/>
+        </p:nvSpPr>
+        <p:spPr>
+          <a:xfrm>
+            <a:off x="7842805" y="31621795"/>
+            <a:ext cx="3620992" cy="830997"/>
+          </a:xfrm>
+          <a:prstGeom prst="rect">
+            <a:avLst/>
+          </a:prstGeom>
+          <a:noFill/>
+        </p:spPr>
+        <p:txBody>
+          <a:bodyPr wrap="none" rtlCol="0">
+            <a:spAutoFit/>
+          </a:bodyPr>
+          <a:lstStyle/>
+          <a:p>
+            <a:pPr algn="ctr"/>
+            <a:r>
+              <a:rPr lang="en-US" sz="4800" dirty="0"/>
+              <a:t>Oversampling</a:t>
+            </a:r>
+            <a:endParaRPr lang="en-US" sz="6600" dirty="0"/>
+          </a:p>
+        </p:txBody>
+      </p:sp>
+      <p:cxnSp>
+        <p:nvCxnSpPr>
+          <p:cNvPr id="67" name="Straight Arrow Connector 66">
+            <a:extLst>
+              <a:ext uri="{FF2B5EF4-FFF2-40B4-BE49-F238E27FC236}">
+                <a16:creationId xmlns:a16="http://schemas.microsoft.com/office/drawing/2014/main" id="{3A3DE165-3CFD-406B-B465-3838AC5C6180}"/>
+              </a:ext>
+            </a:extLst>
+          </p:cNvPr>
+          <p:cNvCxnSpPr>
+            <a:cxnSpLocks/>
+          </p:cNvCxnSpPr>
+          <p:nvPr/>
+        </p:nvCxnSpPr>
+        <p:spPr>
+          <a:xfrm>
+            <a:off x="9653301" y="32452792"/>
+            <a:ext cx="0" cy="1300668"/>
+          </a:xfrm>
+          <a:prstGeom prst="straightConnector1">
+            <a:avLst/>
+          </a:prstGeom>
+          <a:ln w="76200">
+            <a:tailEnd type="triangle"/>
+          </a:ln>
+        </p:spPr>
+        <p:style>
+          <a:lnRef idx="1">
+            <a:schemeClr val="dk1"/>
+          </a:lnRef>
+          <a:fillRef idx="0">
+            <a:schemeClr val="dk1"/>
+          </a:fillRef>
+          <a:effectRef idx="0">
+            <a:schemeClr val="dk1"/>
+          </a:effectRef>
+          <a:fontRef idx="minor">
+            <a:schemeClr val="tx1"/>
+          </a:fontRef>
+        </p:style>
+      </p:cxnSp>
+      <p:sp>
+        <p:nvSpPr>
+          <p:cNvPr id="68" name="TextBox 67">
+            <a:extLst>
+              <a:ext uri="{FF2B5EF4-FFF2-40B4-BE49-F238E27FC236}">
+                <a16:creationId xmlns:a16="http://schemas.microsoft.com/office/drawing/2014/main" id="{6D62D34B-DB1C-4403-806A-2172DBBD6278}"/>
+              </a:ext>
+            </a:extLst>
+          </p:cNvPr>
+          <p:cNvSpPr txBox="1"/>
+          <p:nvPr/>
+        </p:nvSpPr>
+        <p:spPr>
+          <a:xfrm>
+            <a:off x="8216615" y="33706091"/>
+            <a:ext cx="2795766" cy="830997"/>
+          </a:xfrm>
+          <a:prstGeom prst="rect">
+            <a:avLst/>
+          </a:prstGeom>
+          <a:noFill/>
+        </p:spPr>
+        <p:txBody>
+          <a:bodyPr wrap="none" rtlCol="0">
+            <a:spAutoFit/>
+          </a:bodyPr>
+          <a:lstStyle/>
+          <a:p>
+            <a:pPr algn="ctr"/>
+            <a:r>
+              <a:rPr lang="en-US" sz="4800" dirty="0"/>
+              <a:t>Classifying</a:t>
             </a:r>
             <a:endParaRPr lang="en-US" sz="6600" dirty="0"/>
           </a:p>

--- a/Project/project_poster.pptx
+++ b/Project/project_poster.pptx
@@ -4528,7 +4528,7 @@
         </p:nvSpPr>
         <p:spPr>
           <a:xfrm>
-            <a:off x="18578289" y="17916991"/>
+            <a:off x="18735908" y="23330892"/>
             <a:ext cx="11582400" cy="1015663"/>
           </a:xfrm>
           <a:prstGeom prst="rect">
@@ -4664,7 +4664,7 @@
         <p:spPr>
           <a:xfrm>
             <a:off x="17498169" y="5976964"/>
-            <a:ext cx="14041560" cy="11326178"/>
+            <a:ext cx="14041560" cy="6894195"/>
           </a:xfrm>
           <a:prstGeom prst="rect">
             <a:avLst/>
@@ -4699,32 +4699,31 @@
           <a:p>
             <a:r>
               <a:rPr lang="en-US" sz="3400" dirty="0"/>
-              <a:t>A decision tree uses tree-like model of decisions that only contains conditional control statements. </a:t>
-            </a:r>
-            <a:r>
-              <a:rPr lang="en-US" sz="3400" dirty="0">
-                <a:highlight>
-                  <a:srgbClr val="FFFF00"/>
-                </a:highlight>
-              </a:rPr>
               <a:t>We tuned </a:t>
             </a:r>
             <a:r>
-              <a:rPr lang="en-US" sz="3400" dirty="0" err="1">
-                <a:highlight>
-                  <a:srgbClr val="FFFF00"/>
-                </a:highlight>
-              </a:rPr>
+              <a:rPr lang="en-US" sz="3400" dirty="0" err="1"/>
               <a:t>max_depth</a:t>
             </a:r>
             <a:r>
-              <a:rPr lang="en-US" sz="3400" dirty="0">
-                <a:highlight>
-                  <a:srgbClr val="FFFF00"/>
-                </a:highlight>
-              </a:rPr>
-              <a:t> parameter of decision tree, using 5 folds on the training set. We chose maximal depth of 70.</a:t>
-            </a:r>
+              <a:rPr lang="en-US" sz="3400" dirty="0"/>
+              <a:t> parameter of decision </a:t>
+            </a:r>
+          </a:p>
+          <a:p>
+            <a:r>
+              <a:rPr lang="en-US" sz="3400" dirty="0"/>
+              <a:t>tree, using 5 folds on the training set. </a:t>
+            </a:r>
+          </a:p>
+          <a:p>
+            <a:r>
+              <a:rPr lang="en-US" sz="3400" dirty="0"/>
+              <a:t>We chose maximal depth of 70.</a:t>
+            </a:r>
+          </a:p>
+          <a:p>
+            <a:endParaRPr lang="en-US" sz="3400" dirty="0"/>
           </a:p>
           <a:p>
             <a:endParaRPr lang="en-US" sz="3400" dirty="0"/>
@@ -4752,31 +4751,27 @@
           <a:p>
             <a:r>
               <a:rPr lang="en-US" sz="3400" dirty="0"/>
-              <a:t>A supervised learning model with associated learning algorithms that analyze data used for classification. </a:t>
-            </a:r>
-            <a:r>
-              <a:rPr lang="en-US" sz="3400" dirty="0">
-                <a:highlight>
-                  <a:srgbClr val="FFFF00"/>
-                </a:highlight>
-              </a:rPr>
               <a:t>Similarly, we tuned </a:t>
             </a:r>
             <a:r>
-              <a:rPr lang="en-US" sz="3400" dirty="0" err="1">
-                <a:highlight>
-                  <a:srgbClr val="FFFF00"/>
-                </a:highlight>
-              </a:rPr>
+              <a:rPr lang="en-US" sz="3400" dirty="0" err="1"/>
               <a:t>max_iter</a:t>
             </a:r>
             <a:r>
-              <a:rPr lang="en-US" sz="3400" dirty="0">
-                <a:highlight>
-                  <a:srgbClr val="FFFF00"/>
-                </a:highlight>
-              </a:rPr>
-              <a:t> parameter of SVM classifier. We chose to allow a maximal iterations number of 20.</a:t>
+              <a:rPr lang="en-US" sz="3400" dirty="0"/>
+              <a:t> parameter of</a:t>
+            </a:r>
+          </a:p>
+          <a:p>
+            <a:r>
+              <a:rPr lang="en-US" sz="3400" dirty="0"/>
+              <a:t>SVM classifier. We chose to allow a maximal </a:t>
+            </a:r>
+          </a:p>
+          <a:p>
+            <a:r>
+              <a:rPr lang="en-US" sz="3400" dirty="0"/>
+              <a:t>iterations number of 20.</a:t>
             </a:r>
             <a:br>
               <a:rPr lang="en-US" sz="3400" dirty="0"/>
@@ -4806,58 +4801,7 @@
           <a:p>
             <a:r>
               <a:rPr lang="en-US" sz="3400" dirty="0"/>
-              <a:t>Non-parametric method used for classification and regression. </a:t>
-            </a:r>
-            <a:r>
-              <a:rPr lang="en-US" sz="3400" dirty="0">
-                <a:highlight>
-                  <a:srgbClr val="FFFF00"/>
-                </a:highlight>
-              </a:rPr>
               <a:t>We used 5 neighbors for KNN classifier.</a:t>
-            </a:r>
-          </a:p>
-          <a:p>
-            <a:endParaRPr lang="en-US" sz="3400" dirty="0"/>
-          </a:p>
-          <a:p>
-            <a:r>
-              <a:rPr lang="en-US" sz="3400" dirty="0"/>
-              <a:t>SVM showed better performance in comparison</a:t>
-            </a:r>
-          </a:p>
-          <a:p>
-            <a:r>
-              <a:rPr lang="en-US" sz="3400" dirty="0"/>
-              <a:t>to decision tree and KNN in terms of accuracy but showed the poorest performance in terms of recall score.</a:t>
-            </a:r>
-            <a:endParaRPr lang="he-IL" sz="3400" dirty="0"/>
-          </a:p>
-          <a:p>
-            <a:endParaRPr lang="en-US" sz="2400" i="1" dirty="0"/>
-          </a:p>
-          <a:p>
-            <a:r>
-              <a:rPr lang="en-US" sz="3200" i="1" u="sng" dirty="0"/>
-              <a:t>SVM metrics:</a:t>
-            </a:r>
-          </a:p>
-          <a:p>
-            <a:r>
-              <a:rPr lang="en-US" sz="3200" i="1" dirty="0"/>
-              <a:t>accuracy score:  0.79</a:t>
-            </a:r>
-          </a:p>
-          <a:p>
-            <a:r>
-              <a:rPr lang="en-US" sz="3200" i="1" dirty="0"/>
-              <a:t>recall score:  0.26</a:t>
-            </a:r>
-          </a:p>
-          <a:p>
-            <a:r>
-              <a:rPr lang="en-US" sz="3200" i="1" dirty="0"/>
-              <a:t>precision score:  0.18</a:t>
             </a:r>
           </a:p>
         </p:txBody>
@@ -4876,8 +4820,8 @@
         </p:nvSpPr>
         <p:spPr>
           <a:xfrm>
-            <a:off x="17221014" y="19168871"/>
-            <a:ext cx="14761640" cy="7632859"/>
+            <a:off x="17378633" y="24582772"/>
+            <a:ext cx="14761640" cy="2708434"/>
           </a:xfrm>
           <a:prstGeom prst="rect">
             <a:avLst/>
@@ -4906,41 +4850,8 @@
                   </a:outerShdw>
                 </a:effectLst>
               </a:rPr>
-              <a:t>KMeans</a:t>
-            </a:r>
-            <a:endParaRPr lang="en-US" sz="3400" dirty="0">
-              <a:ln w="0"/>
-              <a:solidFill>
-                <a:schemeClr val="accent4">
-                  <a:lumMod val="75000"/>
-                </a:schemeClr>
-              </a:solidFill>
-              <a:effectLst>
-                <a:outerShdw blurRad="38100" dist="25400" dir="5400000" algn="ctr" rotWithShape="0">
-                  <a:srgbClr val="6E747A">
-                    <a:alpha val="43000"/>
-                  </a:srgbClr>
-                </a:outerShdw>
-              </a:effectLst>
-            </a:endParaRPr>
-          </a:p>
-          <a:p>
-            <a:r>
-              <a:rPr lang="en-US" sz="3400" dirty="0" err="1"/>
               <a:t>Kmeans</a:t>
             </a:r>
-            <a:r>
-              <a:rPr lang="en-US" sz="3400" dirty="0"/>
-              <a:t> is a clustering algorithm in which each sample is iteratively assigned to</a:t>
-            </a:r>
-          </a:p>
-          <a:p>
-            <a:r>
-              <a:rPr lang="en-US" sz="3400" dirty="0"/>
-              <a:t>the cluster with the ‘nearest’ mean.</a:t>
-            </a:r>
-          </a:p>
-          <a:p>
             <a:r>
               <a:rPr lang="en-US" sz="3400" dirty="0">
                 <a:ln w="0"/>
@@ -4957,29 +4868,26 @@
                   </a:outerShdw>
                 </a:effectLst>
               </a:rPr>
-              <a:t>Hierarchical Clustering</a:t>
+              <a:t> and Hierarchical Clustering</a:t>
             </a:r>
             <a:endParaRPr lang="en-US" sz="3400" dirty="0"/>
           </a:p>
           <a:p>
             <a:r>
               <a:rPr lang="en-US" sz="3400" dirty="0"/>
-              <a:t>Agglomerative clustering algorithm for hierarchical clustering is a bottom-up approach, each sample starts in its own cluster, and clusters are successively merged together.</a:t>
-            </a:r>
-          </a:p>
-          <a:p>
-            <a:endParaRPr lang="en-US" sz="1000" dirty="0"/>
+              <a:t>We applied the two algorithms with</a:t>
+            </a:r>
           </a:p>
           <a:p>
             <a:r>
               <a:rPr lang="en-US" sz="3400" dirty="0"/>
-              <a:t>We applied the two algorithms with different</a:t>
+              <a:t>Different number of clusters and</a:t>
             </a:r>
           </a:p>
           <a:p>
             <a:r>
               <a:rPr lang="en-US" sz="3400" dirty="0"/>
-              <a:t>number of clusters and compared the result.</a:t>
+              <a:t>compared the result.</a:t>
             </a:r>
           </a:p>
           <a:p>
@@ -4996,66 +4904,8 @@
               <a:t> with 2 clusters.</a:t>
             </a:r>
           </a:p>
-          <a:p>
-            <a:endParaRPr lang="en-US" sz="1000" dirty="0"/>
-          </a:p>
-          <a:p>
-            <a:r>
-              <a:rPr lang="en-US" sz="3200" i="1" u="sng" dirty="0"/>
-              <a:t>Percentage of true labels per cluster</a:t>
-            </a:r>
-            <a:r>
-              <a:rPr lang="en-US" sz="3200" i="1" dirty="0"/>
-              <a:t>:</a:t>
-            </a:r>
-          </a:p>
-          <a:p>
-            <a:r>
-              <a:rPr lang="en-US" sz="3200" i="1" dirty="0"/>
-              <a:t>Cluster 0:  true labels:  0.24</a:t>
-            </a:r>
-          </a:p>
-          <a:p>
-            <a:r>
-              <a:rPr lang="en-US" sz="3200" i="1" dirty="0"/>
-              <a:t>Cluster 1:  true labels:  0.45</a:t>
-            </a:r>
-          </a:p>
-          <a:p>
-            <a:endParaRPr lang="en-US" sz="3400" dirty="0"/>
-          </a:p>
-        </p:txBody>
-      </p:sp>
-      <p:pic>
-        <p:nvPicPr>
-          <p:cNvPr id="2" name="Picture 1">
-            <a:extLst>
-              <a:ext uri="{FF2B5EF4-FFF2-40B4-BE49-F238E27FC236}">
-                <a16:creationId xmlns:a16="http://schemas.microsoft.com/office/drawing/2014/main" id="{420C307D-0F08-4157-8A7F-D1E796CBB31F}"/>
-              </a:ext>
-            </a:extLst>
-          </p:cNvPr>
-          <p:cNvPicPr>
-            <a:picLocks noChangeAspect="1"/>
-          </p:cNvPicPr>
-          <p:nvPr/>
-        </p:nvPicPr>
-        <p:blipFill>
-          <a:blip r:embed="rId5"/>
-          <a:stretch>
-            <a:fillRect/>
-          </a:stretch>
-        </p:blipFill>
-        <p:spPr>
-          <a:xfrm>
-            <a:off x="23834873" y="23975046"/>
-            <a:ext cx="7320545" cy="5653367"/>
-          </a:xfrm>
-          <a:prstGeom prst="rect">
-            <a:avLst/>
-          </a:prstGeom>
-        </p:spPr>
-      </p:pic>
+        </p:txBody>
+      </p:sp>
       <p:sp>
         <p:nvSpPr>
           <p:cNvPr id="29" name="TextBox 28">
@@ -5161,36 +5011,6 @@
           </a:p>
         </p:txBody>
       </p:sp>
-      <p:pic>
-        <p:nvPicPr>
-          <p:cNvPr id="4" name="Picture 3">
-            <a:extLst>
-              <a:ext uri="{FF2B5EF4-FFF2-40B4-BE49-F238E27FC236}">
-                <a16:creationId xmlns:a16="http://schemas.microsoft.com/office/drawing/2014/main" id="{61F9B65C-7152-4664-BC87-0D5C83C879B8}"/>
-              </a:ext>
-            </a:extLst>
-          </p:cNvPr>
-          <p:cNvPicPr>
-            <a:picLocks noChangeAspect="1"/>
-          </p:cNvPicPr>
-          <p:nvPr/>
-        </p:nvPicPr>
-        <p:blipFill>
-          <a:blip r:embed="rId6"/>
-          <a:stretch>
-            <a:fillRect/>
-          </a:stretch>
-        </p:blipFill>
-        <p:spPr>
-          <a:xfrm>
-            <a:off x="25779089" y="13911617"/>
-            <a:ext cx="4977422" cy="3700534"/>
-          </a:xfrm>
-          <a:prstGeom prst="rect">
-            <a:avLst/>
-          </a:prstGeom>
-        </p:spPr>
-      </p:pic>
       <p:sp>
         <p:nvSpPr>
           <p:cNvPr id="9" name="TextBox 8"/>
@@ -5258,41 +5078,19 @@
       </p:cxnSp>
       <p:pic>
         <p:nvPicPr>
-          <p:cNvPr id="35" name="Picture 34"/>
-          <p:cNvPicPr/>
-          <p:nvPr/>
-        </p:nvPicPr>
-        <p:blipFill>
-          <a:blip r:embed="rId7"/>
-          <a:stretch>
-            <a:fillRect/>
-          </a:stretch>
-        </p:blipFill>
-        <p:spPr>
-          <a:xfrm>
-            <a:off x="24987001" y="6180234"/>
-            <a:ext cx="5965848" cy="4577485"/>
-          </a:xfrm>
-          <a:prstGeom prst="rect">
-            <a:avLst/>
-          </a:prstGeom>
-        </p:spPr>
-      </p:pic>
-      <p:pic>
-        <p:nvPicPr>
           <p:cNvPr id="36" name="Picture 35"/>
           <p:cNvPicPr/>
           <p:nvPr/>
         </p:nvPicPr>
         <p:blipFill>
-          <a:blip r:embed="rId8"/>
+          <a:blip r:embed="rId5"/>
           <a:stretch>
             <a:fillRect/>
           </a:stretch>
         </p:blipFill>
         <p:spPr>
           <a:xfrm>
-            <a:off x="18915272" y="6526356"/>
+            <a:off x="25647149" y="6171485"/>
             <a:ext cx="5438775" cy="4248150"/>
           </a:xfrm>
           <a:prstGeom prst="rect">
@@ -6356,6 +6154,153 @@
               <a:t>Classifying</a:t>
             </a:r>
             <a:endParaRPr lang="en-US" sz="6600" dirty="0"/>
+          </a:p>
+        </p:txBody>
+      </p:sp>
+      <p:pic>
+        <p:nvPicPr>
+          <p:cNvPr id="70" name="Picture 69">
+            <a:extLst>
+              <a:ext uri="{FF2B5EF4-FFF2-40B4-BE49-F238E27FC236}">
+                <a16:creationId xmlns:a16="http://schemas.microsoft.com/office/drawing/2014/main" id="{5E97327B-EBAA-4284-9C21-091076E9F5F2}"/>
+              </a:ext>
+            </a:extLst>
+          </p:cNvPr>
+          <p:cNvPicPr/>
+          <p:nvPr/>
+        </p:nvPicPr>
+        <p:blipFill>
+          <a:blip r:embed="rId6"/>
+          <a:stretch>
+            <a:fillRect/>
+          </a:stretch>
+        </p:blipFill>
+        <p:spPr>
+          <a:xfrm>
+            <a:off x="24123089" y="24346555"/>
+            <a:ext cx="6624736" cy="4833301"/>
+          </a:xfrm>
+          <a:prstGeom prst="rect">
+            <a:avLst/>
+          </a:prstGeom>
+        </p:spPr>
+      </p:pic>
+      <p:pic>
+        <p:nvPicPr>
+          <p:cNvPr id="71" name="Picture 70">
+            <a:extLst>
+              <a:ext uri="{FF2B5EF4-FFF2-40B4-BE49-F238E27FC236}">
+                <a16:creationId xmlns:a16="http://schemas.microsoft.com/office/drawing/2014/main" id="{BBEA01B9-2EEA-408C-9EE7-4FD4368C0AFB}"/>
+              </a:ext>
+            </a:extLst>
+          </p:cNvPr>
+          <p:cNvPicPr/>
+          <p:nvPr/>
+        </p:nvPicPr>
+        <p:blipFill>
+          <a:blip r:embed="rId7"/>
+          <a:stretch>
+            <a:fillRect/>
+          </a:stretch>
+        </p:blipFill>
+        <p:spPr>
+          <a:xfrm>
+            <a:off x="24759453" y="17526584"/>
+            <a:ext cx="5553075" cy="4343400"/>
+          </a:xfrm>
+          <a:prstGeom prst="rect">
+            <a:avLst/>
+          </a:prstGeom>
+        </p:spPr>
+      </p:pic>
+      <p:pic>
+        <p:nvPicPr>
+          <p:cNvPr id="72" name="Picture 71">
+            <a:extLst>
+              <a:ext uri="{FF2B5EF4-FFF2-40B4-BE49-F238E27FC236}">
+                <a16:creationId xmlns:a16="http://schemas.microsoft.com/office/drawing/2014/main" id="{BB6C50D3-16BB-4C33-87F6-EEC9814741B3}"/>
+              </a:ext>
+            </a:extLst>
+          </p:cNvPr>
+          <p:cNvPicPr/>
+          <p:nvPr/>
+        </p:nvPicPr>
+        <p:blipFill>
+          <a:blip r:embed="rId8"/>
+          <a:stretch>
+            <a:fillRect/>
+          </a:stretch>
+        </p:blipFill>
+        <p:spPr>
+          <a:xfrm>
+            <a:off x="24759453" y="12911828"/>
+            <a:ext cx="5695950" cy="4391314"/>
+          </a:xfrm>
+          <a:prstGeom prst="rect">
+            <a:avLst/>
+          </a:prstGeom>
+        </p:spPr>
+      </p:pic>
+      <p:pic>
+        <p:nvPicPr>
+          <p:cNvPr id="73" name="Picture 72">
+            <a:extLst>
+              <a:ext uri="{FF2B5EF4-FFF2-40B4-BE49-F238E27FC236}">
+                <a16:creationId xmlns:a16="http://schemas.microsoft.com/office/drawing/2014/main" id="{BF328C72-A05D-4AF5-BB5D-0E678109112F}"/>
+              </a:ext>
+            </a:extLst>
+          </p:cNvPr>
+          <p:cNvPicPr/>
+          <p:nvPr/>
+        </p:nvPicPr>
+        <p:blipFill>
+          <a:blip r:embed="rId9"/>
+          <a:stretch>
+            <a:fillRect/>
+          </a:stretch>
+        </p:blipFill>
+        <p:spPr>
+          <a:xfrm>
+            <a:off x="18388085" y="12935616"/>
+            <a:ext cx="5810250" cy="4324350"/>
+          </a:xfrm>
+          <a:prstGeom prst="rect">
+            <a:avLst/>
+          </a:prstGeom>
+        </p:spPr>
+      </p:pic>
+      <p:sp>
+        <p:nvSpPr>
+          <p:cNvPr id="74" name="TextBox 73">
+            <a:extLst>
+              <a:ext uri="{FF2B5EF4-FFF2-40B4-BE49-F238E27FC236}">
+                <a16:creationId xmlns:a16="http://schemas.microsoft.com/office/drawing/2014/main" id="{6A008B07-9D88-44A0-9736-A41CDDC390FA}"/>
+              </a:ext>
+            </a:extLst>
+          </p:cNvPr>
+          <p:cNvSpPr txBox="1"/>
+          <p:nvPr/>
+        </p:nvSpPr>
+        <p:spPr>
+          <a:xfrm>
+            <a:off x="17622230" y="17764806"/>
+            <a:ext cx="7137223" cy="3231654"/>
+          </a:xfrm>
+          <a:prstGeom prst="rect">
+            <a:avLst/>
+          </a:prstGeom>
+          <a:noFill/>
+        </p:spPr>
+        <p:txBody>
+          <a:bodyPr wrap="square" rtlCol="0">
+            <a:spAutoFit/>
+          </a:bodyPr>
+          <a:lstStyle/>
+          <a:p>
+            <a:r>
+              <a:rPr lang="en-US" sz="3400" dirty="0"/>
+              <a:t>All classifiers show similar result in terms of accuracy which are significantly better than our baseline classifier. In terms of precision and recall score we see no improvement compared to the baseline classifier.</a:t>
+            </a:r>
           </a:p>
         </p:txBody>
       </p:sp>

--- a/Project/project_poster.pptx
+++ b/Project/project_poster.pptx
@@ -303,7 +303,7 @@
             <a:fld id="{C33D5922-1A10-453D-B34B-87D0376FB0F9}" type="datetimeFigureOut">
               <a:rPr lang="en-US" smtClean="0"/>
               <a:pPr/>
-              <a:t>3/18/2019</a:t>
+              <a:t>18-Mar-19</a:t>
             </a:fld>
             <a:endParaRPr lang="en-US"/>
           </a:p>
@@ -468,7 +468,7 @@
             <a:fld id="{C33D5922-1A10-453D-B34B-87D0376FB0F9}" type="datetimeFigureOut">
               <a:rPr lang="en-US" smtClean="0"/>
               <a:pPr/>
-              <a:t>3/18/2019</a:t>
+              <a:t>18-Mar-19</a:t>
             </a:fld>
             <a:endParaRPr lang="en-US"/>
           </a:p>
@@ -643,7 +643,7 @@
             <a:fld id="{C33D5922-1A10-453D-B34B-87D0376FB0F9}" type="datetimeFigureOut">
               <a:rPr lang="en-US" smtClean="0"/>
               <a:pPr/>
-              <a:t>3/18/2019</a:t>
+              <a:t>18-Mar-19</a:t>
             </a:fld>
             <a:endParaRPr lang="en-US"/>
           </a:p>
@@ -808,7 +808,7 @@
             <a:fld id="{C33D5922-1A10-453D-B34B-87D0376FB0F9}" type="datetimeFigureOut">
               <a:rPr lang="en-US" smtClean="0"/>
               <a:pPr/>
-              <a:t>3/18/2019</a:t>
+              <a:t>18-Mar-19</a:t>
             </a:fld>
             <a:endParaRPr lang="en-US"/>
           </a:p>
@@ -1050,7 +1050,7 @@
             <a:fld id="{C33D5922-1A10-453D-B34B-87D0376FB0F9}" type="datetimeFigureOut">
               <a:rPr lang="en-US" smtClean="0"/>
               <a:pPr/>
-              <a:t>3/18/2019</a:t>
+              <a:t>18-Mar-19</a:t>
             </a:fld>
             <a:endParaRPr lang="en-US"/>
           </a:p>
@@ -1332,7 +1332,7 @@
             <a:fld id="{C33D5922-1A10-453D-B34B-87D0376FB0F9}" type="datetimeFigureOut">
               <a:rPr lang="en-US" smtClean="0"/>
               <a:pPr/>
-              <a:t>3/18/2019</a:t>
+              <a:t>18-Mar-19</a:t>
             </a:fld>
             <a:endParaRPr lang="en-US"/>
           </a:p>
@@ -1753,7 +1753,7 @@
             <a:fld id="{C33D5922-1A10-453D-B34B-87D0376FB0F9}" type="datetimeFigureOut">
               <a:rPr lang="en-US" smtClean="0"/>
               <a:pPr/>
-              <a:t>3/18/2019</a:t>
+              <a:t>18-Mar-19</a:t>
             </a:fld>
             <a:endParaRPr lang="en-US"/>
           </a:p>
@@ -1867,7 +1867,7 @@
             <a:fld id="{C33D5922-1A10-453D-B34B-87D0376FB0F9}" type="datetimeFigureOut">
               <a:rPr lang="en-US" smtClean="0"/>
               <a:pPr/>
-              <a:t>3/18/2019</a:t>
+              <a:t>18-Mar-19</a:t>
             </a:fld>
             <a:endParaRPr lang="en-US"/>
           </a:p>
@@ -1959,7 +1959,7 @@
             <a:fld id="{C33D5922-1A10-453D-B34B-87D0376FB0F9}" type="datetimeFigureOut">
               <a:rPr lang="en-US" smtClean="0"/>
               <a:pPr/>
-              <a:t>3/18/2019</a:t>
+              <a:t>18-Mar-19</a:t>
             </a:fld>
             <a:endParaRPr lang="en-US"/>
           </a:p>
@@ -2231,7 +2231,7 @@
             <a:fld id="{C33D5922-1A10-453D-B34B-87D0376FB0F9}" type="datetimeFigureOut">
               <a:rPr lang="en-US" smtClean="0"/>
               <a:pPr/>
-              <a:t>3/18/2019</a:t>
+              <a:t>18-Mar-19</a:t>
             </a:fld>
             <a:endParaRPr lang="en-US"/>
           </a:p>
@@ -2480,7 +2480,7 @@
             <a:fld id="{C33D5922-1A10-453D-B34B-87D0376FB0F9}" type="datetimeFigureOut">
               <a:rPr lang="en-US" smtClean="0"/>
               <a:pPr/>
-              <a:t>3/18/2019</a:t>
+              <a:t>18-Mar-19</a:t>
             </a:fld>
             <a:endParaRPr lang="en-US"/>
           </a:p>
@@ -2688,7 +2688,7 @@
             <a:fld id="{C33D5922-1A10-453D-B34B-87D0376FB0F9}" type="datetimeFigureOut">
               <a:rPr lang="en-US" smtClean="0"/>
               <a:pPr/>
-              <a:t>3/18/2019</a:t>
+              <a:t>18-Mar-19</a:t>
             </a:fld>
             <a:endParaRPr lang="en-US"/>
           </a:p>
@@ -4458,62 +4458,6 @@
           </a:p>
         </p:txBody>
       </p:sp>
-      <p:pic>
-        <p:nvPicPr>
-          <p:cNvPr id="30" name="Picture 29">
-            <a:extLst>
-              <a:ext uri="{FF2B5EF4-FFF2-40B4-BE49-F238E27FC236}">
-                <a16:creationId xmlns:a16="http://schemas.microsoft.com/office/drawing/2014/main" id="{B88F1C59-008E-486A-8BB6-1F1B00E9AB14}"/>
-              </a:ext>
-            </a:extLst>
-          </p:cNvPr>
-          <p:cNvPicPr/>
-          <p:nvPr/>
-        </p:nvPicPr>
-        <p:blipFill>
-          <a:blip r:embed="rId3"/>
-          <a:stretch>
-            <a:fillRect/>
-          </a:stretch>
-        </p:blipFill>
-        <p:spPr>
-          <a:xfrm>
-            <a:off x="1201445" y="34694009"/>
-            <a:ext cx="7087771" cy="5521865"/>
-          </a:xfrm>
-          <a:prstGeom prst="rect">
-            <a:avLst/>
-          </a:prstGeom>
-        </p:spPr>
-      </p:pic>
-      <p:pic>
-        <p:nvPicPr>
-          <p:cNvPr id="33" name="Picture 32">
-            <a:extLst>
-              <a:ext uri="{FF2B5EF4-FFF2-40B4-BE49-F238E27FC236}">
-                <a16:creationId xmlns:a16="http://schemas.microsoft.com/office/drawing/2014/main" id="{2A337755-2C70-443D-A284-4CD8FA67AE64}"/>
-              </a:ext>
-            </a:extLst>
-          </p:cNvPr>
-          <p:cNvPicPr/>
-          <p:nvPr/>
-        </p:nvPicPr>
-        <p:blipFill>
-          <a:blip r:embed="rId4"/>
-          <a:stretch>
-            <a:fillRect/>
-          </a:stretch>
-        </p:blipFill>
-        <p:spPr>
-          <a:xfrm>
-            <a:off x="8869094" y="34678341"/>
-            <a:ext cx="7087770" cy="5521865"/>
-          </a:xfrm>
-          <a:prstGeom prst="rect">
-            <a:avLst/>
-          </a:prstGeom>
-        </p:spPr>
-      </p:pic>
       <p:sp>
         <p:nvSpPr>
           <p:cNvPr id="38" name="TextBox 37">
@@ -5011,36 +4955,6 @@
           </a:p>
         </p:txBody>
       </p:sp>
-      <p:sp>
-        <p:nvSpPr>
-          <p:cNvPr id="9" name="TextBox 8"/>
-          <p:cNvSpPr txBox="1"/>
-          <p:nvPr/>
-        </p:nvSpPr>
-        <p:spPr>
-          <a:xfrm>
-            <a:off x="1740894" y="9217324"/>
-            <a:ext cx="1450012" cy="830997"/>
-          </a:xfrm>
-          <a:prstGeom prst="rect">
-            <a:avLst/>
-          </a:prstGeom>
-          <a:noFill/>
-        </p:spPr>
-        <p:txBody>
-          <a:bodyPr wrap="none" rtlCol="0">
-            <a:spAutoFit/>
-          </a:bodyPr>
-          <a:lstStyle/>
-          <a:p>
-            <a:r>
-              <a:rPr lang="en-US" sz="4800" dirty="0" err="1"/>
-              <a:t>PKCδ</a:t>
-            </a:r>
-            <a:endParaRPr lang="en-US" sz="6600" dirty="0"/>
-          </a:p>
-        </p:txBody>
-      </p:sp>
       <p:cxnSp>
         <p:nvCxnSpPr>
           <p:cNvPr id="13" name="Straight Connector 12"/>
@@ -5049,148 +4963,7 @@
         </p:nvCxnSpPr>
         <p:spPr>
           <a:xfrm>
-            <a:off x="3190906" y="9618211"/>
-            <a:ext cx="2320080" cy="0"/>
-          </a:xfrm>
-          <a:prstGeom prst="line">
-            <a:avLst/>
-          </a:prstGeom>
-          <a:ln w="57150">
-            <a:solidFill>
-              <a:schemeClr val="tx1"/>
-            </a:solidFill>
-          </a:ln>
-        </p:spPr>
-        <p:style>
-          <a:lnRef idx="1">
-            <a:schemeClr val="dk1"/>
-          </a:lnRef>
-          <a:fillRef idx="0">
-            <a:schemeClr val="dk1"/>
-          </a:fillRef>
-          <a:effectRef idx="0">
-            <a:schemeClr val="dk1"/>
-          </a:effectRef>
-          <a:fontRef idx="minor">
-            <a:schemeClr val="tx1"/>
-          </a:fontRef>
-        </p:style>
-      </p:cxnSp>
-      <p:pic>
-        <p:nvPicPr>
-          <p:cNvPr id="36" name="Picture 35"/>
-          <p:cNvPicPr/>
-          <p:nvPr/>
-        </p:nvPicPr>
-        <p:blipFill>
-          <a:blip r:embed="rId5"/>
-          <a:stretch>
-            <a:fillRect/>
-          </a:stretch>
-        </p:blipFill>
-        <p:spPr>
-          <a:xfrm>
-            <a:off x="25647149" y="6171485"/>
-            <a:ext cx="5438775" cy="4248150"/>
-          </a:xfrm>
-          <a:prstGeom prst="rect">
-            <a:avLst/>
-          </a:prstGeom>
-        </p:spPr>
-      </p:pic>
-      <p:cxnSp>
-        <p:nvCxnSpPr>
-          <p:cNvPr id="34" name="Straight Connector 33">
-            <a:extLst>
-              <a:ext uri="{FF2B5EF4-FFF2-40B4-BE49-F238E27FC236}">
-                <a16:creationId xmlns:a16="http://schemas.microsoft.com/office/drawing/2014/main" id="{3A3D6D0F-0E73-4264-BE23-F8DF97C2B992}"/>
-              </a:ext>
-            </a:extLst>
-          </p:cNvPr>
-          <p:cNvCxnSpPr>
-            <a:cxnSpLocks/>
-          </p:cNvCxnSpPr>
-          <p:nvPr/>
-        </p:nvCxnSpPr>
-        <p:spPr>
-          <a:xfrm flipV="1">
-            <a:off x="5510986" y="9422925"/>
-            <a:ext cx="0" cy="368424"/>
-          </a:xfrm>
-          <a:prstGeom prst="line">
-            <a:avLst/>
-          </a:prstGeom>
-          <a:ln w="57150">
-            <a:solidFill>
-              <a:schemeClr val="tx1"/>
-            </a:solidFill>
-          </a:ln>
-        </p:spPr>
-        <p:style>
-          <a:lnRef idx="1">
-            <a:schemeClr val="dk1"/>
-          </a:lnRef>
-          <a:fillRef idx="0">
-            <a:schemeClr val="dk1"/>
-          </a:fillRef>
-          <a:effectRef idx="0">
-            <a:schemeClr val="dk1"/>
-          </a:effectRef>
-          <a:fontRef idx="minor">
-            <a:schemeClr val="tx1"/>
-          </a:fontRef>
-        </p:style>
-      </p:cxnSp>
-      <p:sp>
-        <p:nvSpPr>
-          <p:cNvPr id="39" name="TextBox 38">
-            <a:extLst>
-              <a:ext uri="{FF2B5EF4-FFF2-40B4-BE49-F238E27FC236}">
-                <a16:creationId xmlns:a16="http://schemas.microsoft.com/office/drawing/2014/main" id="{CA8A1FA6-6B2B-4CF3-818E-69FF8051D5B0}"/>
-              </a:ext>
-            </a:extLst>
-          </p:cNvPr>
-          <p:cNvSpPr txBox="1"/>
-          <p:nvPr/>
-        </p:nvSpPr>
-        <p:spPr>
-          <a:xfrm>
-            <a:off x="5728283" y="9217324"/>
-            <a:ext cx="4279313" cy="830997"/>
-          </a:xfrm>
-          <a:prstGeom prst="rect">
-            <a:avLst/>
-          </a:prstGeom>
-          <a:noFill/>
-        </p:spPr>
-        <p:txBody>
-          <a:bodyPr wrap="none" rtlCol="0">
-            <a:spAutoFit/>
-          </a:bodyPr>
-          <a:lstStyle/>
-          <a:p>
-            <a:r>
-              <a:rPr lang="en-US" sz="4800" dirty="0"/>
-              <a:t>ERK1/2 pathway</a:t>
-            </a:r>
-          </a:p>
-        </p:txBody>
-      </p:sp>
-      <p:cxnSp>
-        <p:nvCxnSpPr>
-          <p:cNvPr id="42" name="Straight Connector 41">
-            <a:extLst>
-              <a:ext uri="{FF2B5EF4-FFF2-40B4-BE49-F238E27FC236}">
-                <a16:creationId xmlns:a16="http://schemas.microsoft.com/office/drawing/2014/main" id="{8B293ED2-E014-429D-AA8F-B6FD9F69AB89}"/>
-              </a:ext>
-            </a:extLst>
-          </p:cNvPr>
-          <p:cNvCxnSpPr/>
-          <p:nvPr/>
-        </p:nvCxnSpPr>
-        <p:spPr>
-          <a:xfrm>
-            <a:off x="10007596" y="9607137"/>
+            <a:off x="3296769" y="9721380"/>
             <a:ext cx="2320080" cy="0"/>
           </a:xfrm>
           <a:prstGeom prst="line">
@@ -5219,10 +4992,10 @@
       </p:cxnSp>
       <p:cxnSp>
         <p:nvCxnSpPr>
-          <p:cNvPr id="43" name="Straight Connector 42">
+          <p:cNvPr id="34" name="Straight Connector 33">
             <a:extLst>
               <a:ext uri="{FF2B5EF4-FFF2-40B4-BE49-F238E27FC236}">
-                <a16:creationId xmlns:a16="http://schemas.microsoft.com/office/drawing/2014/main" id="{B1394F82-062A-48EF-A3AB-87D56D451C52}"/>
+                <a16:creationId xmlns:a16="http://schemas.microsoft.com/office/drawing/2014/main" id="{3A3D6D0F-0E73-4264-BE23-F8DF97C2B992}"/>
               </a:ext>
             </a:extLst>
           </p:cNvPr>
@@ -5233,8 +5006,8 @@
         </p:nvCxnSpPr>
         <p:spPr>
           <a:xfrm flipV="1">
-            <a:off x="12327676" y="9411851"/>
-            <a:ext cx="0" cy="368424"/>
+            <a:off x="5616849" y="9433348"/>
+            <a:ext cx="0" cy="576065"/>
           </a:xfrm>
           <a:prstGeom prst="line">
             <a:avLst/>
@@ -5260,85 +5033,6 @@
           </a:fontRef>
         </p:style>
       </p:cxnSp>
-      <p:sp>
-        <p:nvSpPr>
-          <p:cNvPr id="44" name="TextBox 43">
-            <a:extLst>
-              <a:ext uri="{FF2B5EF4-FFF2-40B4-BE49-F238E27FC236}">
-                <a16:creationId xmlns:a16="http://schemas.microsoft.com/office/drawing/2014/main" id="{E8EC71EB-2657-4437-A168-9A60181E0F3A}"/>
-              </a:ext>
-            </a:extLst>
-          </p:cNvPr>
-          <p:cNvSpPr txBox="1"/>
-          <p:nvPr/>
-        </p:nvSpPr>
-        <p:spPr>
-          <a:xfrm>
-            <a:off x="12424254" y="9180564"/>
-            <a:ext cx="2658998" cy="830997"/>
-          </a:xfrm>
-          <a:prstGeom prst="rect">
-            <a:avLst/>
-          </a:prstGeom>
-          <a:noFill/>
-        </p:spPr>
-        <p:txBody>
-          <a:bodyPr wrap="none" rtlCol="0">
-            <a:spAutoFit/>
-          </a:bodyPr>
-          <a:lstStyle/>
-          <a:p>
-            <a:r>
-              <a:rPr lang="en-US" sz="4800" dirty="0"/>
-              <a:t>Apoptosis</a:t>
-            </a:r>
-          </a:p>
-        </p:txBody>
-      </p:sp>
-      <p:sp>
-        <p:nvSpPr>
-          <p:cNvPr id="45" name="TextBox 44">
-            <a:extLst>
-              <a:ext uri="{FF2B5EF4-FFF2-40B4-BE49-F238E27FC236}">
-                <a16:creationId xmlns:a16="http://schemas.microsoft.com/office/drawing/2014/main" id="{6D9A96BB-396E-4C53-8FF7-35443E3364D4}"/>
-              </a:ext>
-            </a:extLst>
-          </p:cNvPr>
-          <p:cNvSpPr txBox="1"/>
-          <p:nvPr/>
-        </p:nvSpPr>
-        <p:spPr>
-          <a:xfrm>
-            <a:off x="1029160" y="16518312"/>
-            <a:ext cx="4323491" cy="1569660"/>
-          </a:xfrm>
-          <a:prstGeom prst="rect">
-            <a:avLst/>
-          </a:prstGeom>
-          <a:noFill/>
-        </p:spPr>
-        <p:txBody>
-          <a:bodyPr wrap="none" rtlCol="0">
-            <a:spAutoFit/>
-          </a:bodyPr>
-          <a:lstStyle/>
-          <a:p>
-            <a:pPr algn="ctr"/>
-            <a:r>
-              <a:rPr lang="en-US" sz="4800" dirty="0"/>
-              <a:t>Gene Expression</a:t>
-            </a:r>
-          </a:p>
-          <a:p>
-            <a:pPr algn="ctr"/>
-            <a:r>
-              <a:rPr lang="en-US" sz="4800" dirty="0"/>
-              <a:t>Data</a:t>
-            </a:r>
-            <a:endParaRPr lang="en-US" sz="6600" dirty="0"/>
-          </a:p>
-        </p:txBody>
-      </p:sp>
       <p:cxnSp>
         <p:nvCxnSpPr>
           <p:cNvPr id="14" name="Straight Arrow Connector 13">
@@ -5355,7 +5049,7 @@
         </p:nvCxnSpPr>
         <p:spPr>
           <a:xfrm>
-            <a:off x="5352651" y="17273181"/>
+            <a:off x="5640683" y="17273181"/>
             <a:ext cx="1704358" cy="0"/>
           </a:xfrm>
           <a:prstGeom prst="straightConnector1">
@@ -5380,57 +5074,6 @@
           </a:fontRef>
         </p:style>
       </p:cxnSp>
-      <p:sp>
-        <p:nvSpPr>
-          <p:cNvPr id="49" name="TextBox 48">
-            <a:extLst>
-              <a:ext uri="{FF2B5EF4-FFF2-40B4-BE49-F238E27FC236}">
-                <a16:creationId xmlns:a16="http://schemas.microsoft.com/office/drawing/2014/main" id="{36533274-FBBA-45B8-AC82-507AEAF89379}"/>
-              </a:ext>
-            </a:extLst>
-          </p:cNvPr>
-          <p:cNvSpPr txBox="1"/>
-          <p:nvPr/>
-        </p:nvSpPr>
-        <p:spPr>
-          <a:xfrm>
-            <a:off x="7141530" y="16255899"/>
-            <a:ext cx="2613216" cy="2308324"/>
-          </a:xfrm>
-          <a:prstGeom prst="rect">
-            <a:avLst/>
-          </a:prstGeom>
-          <a:noFill/>
-        </p:spPr>
-        <p:txBody>
-          <a:bodyPr wrap="none" rtlCol="0">
-            <a:spAutoFit/>
-          </a:bodyPr>
-          <a:lstStyle/>
-          <a:p>
-            <a:pPr algn="ctr"/>
-            <a:r>
-              <a:rPr lang="en-US" sz="4800" dirty="0"/>
-              <a:t>Classifier</a:t>
-            </a:r>
-          </a:p>
-          <a:p>
-            <a:pPr algn="ctr"/>
-            <a:r>
-              <a:rPr lang="en-US" sz="4800" dirty="0"/>
-              <a:t>Based on </a:t>
-            </a:r>
-          </a:p>
-          <a:p>
-            <a:pPr algn="ctr"/>
-            <a:r>
-              <a:rPr lang="en-US" sz="4800" dirty="0"/>
-              <a:t>Go-Terms</a:t>
-            </a:r>
-            <a:endParaRPr lang="en-US" sz="6600" dirty="0"/>
-          </a:p>
-        </p:txBody>
-      </p:sp>
       <p:cxnSp>
         <p:nvCxnSpPr>
           <p:cNvPr id="51" name="Straight Arrow Connector 50">
@@ -5447,7 +5090,7 @@
         </p:nvCxnSpPr>
         <p:spPr>
           <a:xfrm>
-            <a:off x="9839267" y="17273181"/>
+            <a:off x="10825259" y="17273181"/>
             <a:ext cx="1704358" cy="0"/>
           </a:xfrm>
           <a:prstGeom prst="straightConnector1">
@@ -5472,94 +5115,6 @@
           </a:fontRef>
         </p:style>
       </p:cxnSp>
-      <p:sp>
-        <p:nvSpPr>
-          <p:cNvPr id="52" name="TextBox 51">
-            <a:extLst>
-              <a:ext uri="{FF2B5EF4-FFF2-40B4-BE49-F238E27FC236}">
-                <a16:creationId xmlns:a16="http://schemas.microsoft.com/office/drawing/2014/main" id="{8F519855-F65A-4057-9162-960380ECB650}"/>
-              </a:ext>
-            </a:extLst>
-          </p:cNvPr>
-          <p:cNvSpPr txBox="1"/>
-          <p:nvPr/>
-        </p:nvSpPr>
-        <p:spPr>
-          <a:xfrm>
-            <a:off x="10920984" y="16839587"/>
-            <a:ext cx="3204532" cy="1569660"/>
-          </a:xfrm>
-          <a:prstGeom prst="rect">
-            <a:avLst/>
-          </a:prstGeom>
-          <a:noFill/>
-        </p:spPr>
-        <p:txBody>
-          <a:bodyPr wrap="none" rtlCol="0">
-            <a:spAutoFit/>
-          </a:bodyPr>
-          <a:lstStyle/>
-          <a:p>
-            <a:pPr algn="ctr"/>
-            <a:r>
-              <a:rPr lang="en-US" sz="4800" dirty="0"/>
-              <a:t>Labels</a:t>
-            </a:r>
-          </a:p>
-          <a:p>
-            <a:pPr algn="ctr"/>
-            <a:r>
-              <a:rPr lang="en-US" sz="4800" dirty="0"/>
-              <a:t>(True, False)</a:t>
-            </a:r>
-            <a:endParaRPr lang="en-US" sz="6600" dirty="0"/>
-          </a:p>
-        </p:txBody>
-      </p:sp>
-      <p:sp>
-        <p:nvSpPr>
-          <p:cNvPr id="53" name="TextBox 52">
-            <a:extLst>
-              <a:ext uri="{FF2B5EF4-FFF2-40B4-BE49-F238E27FC236}">
-                <a16:creationId xmlns:a16="http://schemas.microsoft.com/office/drawing/2014/main" id="{076C39AB-B7CF-4462-8A13-A3ECFBAAA4AC}"/>
-              </a:ext>
-            </a:extLst>
-          </p:cNvPr>
-          <p:cNvSpPr txBox="1"/>
-          <p:nvPr/>
-        </p:nvSpPr>
-        <p:spPr>
-          <a:xfrm>
-            <a:off x="1090646" y="25781436"/>
-            <a:ext cx="1902765" cy="1569660"/>
-          </a:xfrm>
-          <a:prstGeom prst="rect">
-            <a:avLst/>
-          </a:prstGeom>
-          <a:noFill/>
-        </p:spPr>
-        <p:txBody>
-          <a:bodyPr wrap="none" rtlCol="0">
-            <a:spAutoFit/>
-          </a:bodyPr>
-          <a:lstStyle/>
-          <a:p>
-            <a:pPr algn="ctr"/>
-            <a:r>
-              <a:rPr lang="en-US" sz="4800" dirty="0"/>
-              <a:t>Unite</a:t>
-            </a:r>
-          </a:p>
-          <a:p>
-            <a:pPr algn="ctr"/>
-            <a:r>
-              <a:rPr lang="en-US" sz="4800" dirty="0"/>
-              <a:t>Probes</a:t>
-            </a:r>
-            <a:endParaRPr lang="en-US" sz="6600" dirty="0"/>
-          </a:p>
-        </p:txBody>
-      </p:sp>
       <p:cxnSp>
         <p:nvCxnSpPr>
           <p:cNvPr id="54" name="Straight Arrow Connector 53">
@@ -5576,7 +5131,7 @@
         </p:nvCxnSpPr>
         <p:spPr>
           <a:xfrm>
-            <a:off x="3201640" y="26523092"/>
+            <a:off x="3768475" y="26715268"/>
             <a:ext cx="1704358" cy="0"/>
           </a:xfrm>
           <a:prstGeom prst="straightConnector1">
@@ -5601,57 +5156,6 @@
           </a:fontRef>
         </p:style>
       </p:cxnSp>
-      <p:sp>
-        <p:nvSpPr>
-          <p:cNvPr id="55" name="TextBox 54">
-            <a:extLst>
-              <a:ext uri="{FF2B5EF4-FFF2-40B4-BE49-F238E27FC236}">
-                <a16:creationId xmlns:a16="http://schemas.microsoft.com/office/drawing/2014/main" id="{0C6C1D4A-BABC-4C32-937F-B18273FD0CBD}"/>
-              </a:ext>
-            </a:extLst>
-          </p:cNvPr>
-          <p:cNvSpPr txBox="1"/>
-          <p:nvPr/>
-        </p:nvSpPr>
-        <p:spPr>
-          <a:xfrm>
-            <a:off x="5097212" y="25412104"/>
-            <a:ext cx="2658997" cy="2308324"/>
-          </a:xfrm>
-          <a:prstGeom prst="rect">
-            <a:avLst/>
-          </a:prstGeom>
-          <a:noFill/>
-        </p:spPr>
-        <p:txBody>
-          <a:bodyPr wrap="none" rtlCol="0">
-            <a:spAutoFit/>
-          </a:bodyPr>
-          <a:lstStyle/>
-          <a:p>
-            <a:pPr algn="ctr"/>
-            <a:r>
-              <a:rPr lang="en-US" sz="4800" dirty="0"/>
-              <a:t>Filter by</a:t>
-            </a:r>
-          </a:p>
-          <a:p>
-            <a:pPr algn="ctr"/>
-            <a:r>
-              <a:rPr lang="en-US" sz="4800" dirty="0"/>
-              <a:t>Apoptosis</a:t>
-            </a:r>
-          </a:p>
-          <a:p>
-            <a:pPr algn="ctr"/>
-            <a:r>
-              <a:rPr lang="en-US" sz="4800" dirty="0"/>
-              <a:t>Go Terms</a:t>
-            </a:r>
-            <a:endParaRPr lang="en-US" sz="6600" dirty="0"/>
-          </a:p>
-        </p:txBody>
-      </p:sp>
       <p:cxnSp>
         <p:nvCxnSpPr>
           <p:cNvPr id="56" name="Straight Arrow Connector 55">
@@ -5668,8 +5172,8 @@
         </p:nvCxnSpPr>
         <p:spPr>
           <a:xfrm flipV="1">
-            <a:off x="7907218" y="25781436"/>
-            <a:ext cx="1242540" cy="784830"/>
+            <a:off x="9675044" y="25783110"/>
+            <a:ext cx="2133735" cy="1062374"/>
           </a:xfrm>
           <a:prstGeom prst="straightConnector1">
             <a:avLst/>
@@ -5709,8 +5213,8 @@
         </p:nvCxnSpPr>
         <p:spPr>
           <a:xfrm>
-            <a:off x="7954311" y="26566266"/>
-            <a:ext cx="1195447" cy="627150"/>
+            <a:off x="9655271" y="26870065"/>
+            <a:ext cx="2153508" cy="1018049"/>
           </a:xfrm>
           <a:prstGeom prst="straightConnector1">
             <a:avLst/>
@@ -5734,117 +5238,6 @@
           </a:fontRef>
         </p:style>
       </p:cxnSp>
-      <p:sp>
-        <p:nvSpPr>
-          <p:cNvPr id="58" name="TextBox 57">
-            <a:extLst>
-              <a:ext uri="{FF2B5EF4-FFF2-40B4-BE49-F238E27FC236}">
-                <a16:creationId xmlns:a16="http://schemas.microsoft.com/office/drawing/2014/main" id="{5D84547D-8FA8-4A42-88C0-F5100C0DF0EE}"/>
-              </a:ext>
-            </a:extLst>
-          </p:cNvPr>
-          <p:cNvSpPr txBox="1"/>
-          <p:nvPr/>
-        </p:nvSpPr>
-        <p:spPr>
-          <a:xfrm>
-            <a:off x="9168133" y="25340041"/>
-            <a:ext cx="5348965" cy="830997"/>
-          </a:xfrm>
-          <a:prstGeom prst="rect">
-            <a:avLst/>
-          </a:prstGeom>
-          <a:noFill/>
-        </p:spPr>
-        <p:txBody>
-          <a:bodyPr wrap="none" rtlCol="0">
-            <a:spAutoFit/>
-          </a:bodyPr>
-          <a:lstStyle/>
-          <a:p>
-            <a:pPr algn="ctr"/>
-            <a:r>
-              <a:rPr lang="en-US" sz="4800" dirty="0"/>
-              <a:t>True if contains term</a:t>
-            </a:r>
-            <a:endParaRPr lang="en-US" sz="6600" dirty="0"/>
-          </a:p>
-        </p:txBody>
-      </p:sp>
-      <p:sp>
-        <p:nvSpPr>
-          <p:cNvPr id="59" name="TextBox 58">
-            <a:extLst>
-              <a:ext uri="{FF2B5EF4-FFF2-40B4-BE49-F238E27FC236}">
-                <a16:creationId xmlns:a16="http://schemas.microsoft.com/office/drawing/2014/main" id="{0CEF471A-1EE5-4EEC-A592-3AB6CFC89496}"/>
-              </a:ext>
-            </a:extLst>
-          </p:cNvPr>
-          <p:cNvSpPr txBox="1"/>
-          <p:nvPr/>
-        </p:nvSpPr>
-        <p:spPr>
-          <a:xfrm>
-            <a:off x="9347860" y="26711522"/>
-            <a:ext cx="4081182" cy="830997"/>
-          </a:xfrm>
-          <a:prstGeom prst="rect">
-            <a:avLst/>
-          </a:prstGeom>
-          <a:noFill/>
-        </p:spPr>
-        <p:txBody>
-          <a:bodyPr wrap="none" rtlCol="0">
-            <a:spAutoFit/>
-          </a:bodyPr>
-          <a:lstStyle/>
-          <a:p>
-            <a:pPr algn="ctr"/>
-            <a:r>
-              <a:rPr lang="en-US" sz="4800" dirty="0"/>
-              <a:t>False otherwise</a:t>
-            </a:r>
-            <a:endParaRPr lang="en-US" sz="6600" dirty="0"/>
-          </a:p>
-        </p:txBody>
-      </p:sp>
-      <p:sp>
-        <p:nvSpPr>
-          <p:cNvPr id="60" name="TextBox 59">
-            <a:extLst>
-              <a:ext uri="{FF2B5EF4-FFF2-40B4-BE49-F238E27FC236}">
-                <a16:creationId xmlns:a16="http://schemas.microsoft.com/office/drawing/2014/main" id="{D81CCFA4-9CDF-463B-97E4-6B3B3E387505}"/>
-              </a:ext>
-            </a:extLst>
-          </p:cNvPr>
-          <p:cNvSpPr txBox="1"/>
-          <p:nvPr/>
-        </p:nvSpPr>
-        <p:spPr>
-          <a:xfrm>
-            <a:off x="1284662" y="29823866"/>
-            <a:ext cx="2727606" cy="830997"/>
-          </a:xfrm>
-          <a:prstGeom prst="rect">
-            <a:avLst/>
-          </a:prstGeom>
-          <a:noFill/>
-        </p:spPr>
-        <p:txBody>
-          <a:bodyPr wrap="none" rtlCol="0">
-            <a:spAutoFit/>
-          </a:bodyPr>
-          <a:lstStyle/>
-          <a:p>
-            <a:pPr algn="ctr"/>
-            <a:r>
-              <a:rPr lang="en-US" sz="4800" dirty="0"/>
-              <a:t>Normalize</a:t>
-            </a:r>
-            <a:endParaRPr lang="en-US" sz="6600" dirty="0"/>
-          </a:p>
-        </p:txBody>
-      </p:sp>
       <p:cxnSp>
         <p:nvCxnSpPr>
           <p:cNvPr id="61" name="Straight Arrow Connector 60">
@@ -5886,43 +5279,6 @@
           </a:fontRef>
         </p:style>
       </p:cxnSp>
-      <p:sp>
-        <p:nvSpPr>
-          <p:cNvPr id="62" name="TextBox 61">
-            <a:extLst>
-              <a:ext uri="{FF2B5EF4-FFF2-40B4-BE49-F238E27FC236}">
-                <a16:creationId xmlns:a16="http://schemas.microsoft.com/office/drawing/2014/main" id="{B49DAB6E-0F3F-4FAC-82BC-C532164D9E4D}"/>
-              </a:ext>
-            </a:extLst>
-          </p:cNvPr>
-          <p:cNvSpPr txBox="1"/>
-          <p:nvPr/>
-        </p:nvSpPr>
-        <p:spPr>
-          <a:xfrm>
-            <a:off x="5399273" y="29812628"/>
-            <a:ext cx="3760197" cy="830997"/>
-          </a:xfrm>
-          <a:prstGeom prst="rect">
-            <a:avLst/>
-          </a:prstGeom>
-          <a:noFill/>
-        </p:spPr>
-        <p:txBody>
-          <a:bodyPr wrap="none" rtlCol="0">
-            <a:spAutoFit/>
-          </a:bodyPr>
-          <a:lstStyle/>
-          <a:p>
-            <a:pPr algn="ctr"/>
-            <a:r>
-              <a:rPr lang="en-US" sz="4800" dirty="0"/>
-              <a:t>Variance Filter</a:t>
-            </a:r>
-            <a:endParaRPr lang="en-US" sz="6600" dirty="0"/>
-          </a:p>
-        </p:txBody>
-      </p:sp>
       <p:cxnSp>
         <p:nvCxnSpPr>
           <p:cNvPr id="63" name="Straight Arrow Connector 62">
@@ -5939,8 +5295,8 @@
         </p:nvCxnSpPr>
         <p:spPr>
           <a:xfrm flipH="1">
-            <a:off x="5345678" y="30579165"/>
-            <a:ext cx="1795852" cy="1096642"/>
+            <a:off x="6078677" y="30703277"/>
+            <a:ext cx="1932168" cy="1019089"/>
           </a:xfrm>
           <a:prstGeom prst="straightConnector1">
             <a:avLst/>
@@ -5964,43 +5320,6 @@
           </a:fontRef>
         </p:style>
       </p:cxnSp>
-      <p:sp>
-        <p:nvSpPr>
-          <p:cNvPr id="64" name="TextBox 63">
-            <a:extLst>
-              <a:ext uri="{FF2B5EF4-FFF2-40B4-BE49-F238E27FC236}">
-                <a16:creationId xmlns:a16="http://schemas.microsoft.com/office/drawing/2014/main" id="{580971DA-BC03-4B34-B5A4-AB0ADA7CC03E}"/>
-              </a:ext>
-            </a:extLst>
-          </p:cNvPr>
-          <p:cNvSpPr txBox="1"/>
-          <p:nvPr/>
-        </p:nvSpPr>
-        <p:spPr>
-          <a:xfrm>
-            <a:off x="2975767" y="31625496"/>
-            <a:ext cx="2687852" cy="830997"/>
-          </a:xfrm>
-          <a:prstGeom prst="rect">
-            <a:avLst/>
-          </a:prstGeom>
-          <a:noFill/>
-        </p:spPr>
-        <p:txBody>
-          <a:bodyPr wrap="none" rtlCol="0">
-            <a:spAutoFit/>
-          </a:bodyPr>
-          <a:lstStyle/>
-          <a:p>
-            <a:pPr algn="ctr"/>
-            <a:r>
-              <a:rPr lang="en-US" sz="4800" dirty="0"/>
-              <a:t>Clustering</a:t>
-            </a:r>
-            <a:endParaRPr lang="en-US" sz="6600" dirty="0"/>
-          </a:p>
-        </p:txBody>
-      </p:sp>
       <p:cxnSp>
         <p:nvCxnSpPr>
           <p:cNvPr id="65" name="Straight Arrow Connector 64">
@@ -6017,8 +5336,8 @@
         </p:nvCxnSpPr>
         <p:spPr>
           <a:xfrm>
-            <a:off x="7293930" y="30579165"/>
-            <a:ext cx="2216658" cy="1046331"/>
+            <a:off x="8601417" y="30669915"/>
+            <a:ext cx="2223842" cy="1016781"/>
           </a:xfrm>
           <a:prstGeom prst="straightConnector1">
             <a:avLst/>
@@ -6042,43 +5361,6 @@
           </a:fontRef>
         </p:style>
       </p:cxnSp>
-      <p:sp>
-        <p:nvSpPr>
-          <p:cNvPr id="66" name="TextBox 65">
-            <a:extLst>
-              <a:ext uri="{FF2B5EF4-FFF2-40B4-BE49-F238E27FC236}">
-                <a16:creationId xmlns:a16="http://schemas.microsoft.com/office/drawing/2014/main" id="{8E40AAB0-A89F-4A4D-B9E5-62FC5B28F818}"/>
-              </a:ext>
-            </a:extLst>
-          </p:cNvPr>
-          <p:cNvSpPr txBox="1"/>
-          <p:nvPr/>
-        </p:nvSpPr>
-        <p:spPr>
-          <a:xfrm>
-            <a:off x="7842805" y="31621795"/>
-            <a:ext cx="3620992" cy="830997"/>
-          </a:xfrm>
-          <a:prstGeom prst="rect">
-            <a:avLst/>
-          </a:prstGeom>
-          <a:noFill/>
-        </p:spPr>
-        <p:txBody>
-          <a:bodyPr wrap="none" rtlCol="0">
-            <a:spAutoFit/>
-          </a:bodyPr>
-          <a:lstStyle/>
-          <a:p>
-            <a:pPr algn="ctr"/>
-            <a:r>
-              <a:rPr lang="en-US" sz="4800" dirty="0"/>
-              <a:t>Oversampling</a:t>
-            </a:r>
-            <a:endParaRPr lang="en-US" sz="6600" dirty="0"/>
-          </a:p>
-        </p:txBody>
-      </p:sp>
       <p:cxnSp>
         <p:nvCxnSpPr>
           <p:cNvPr id="67" name="Straight Arrow Connector 66">
@@ -6095,7 +5377,7 @@
         </p:nvCxnSpPr>
         <p:spPr>
           <a:xfrm>
-            <a:off x="9653301" y="32452792"/>
+            <a:off x="11012380" y="32405423"/>
             <a:ext cx="0" cy="1300668"/>
           </a:xfrm>
           <a:prstGeom prst="straightConnector1">
@@ -6120,43 +5402,6 @@
           </a:fontRef>
         </p:style>
       </p:cxnSp>
-      <p:sp>
-        <p:nvSpPr>
-          <p:cNvPr id="68" name="TextBox 67">
-            <a:extLst>
-              <a:ext uri="{FF2B5EF4-FFF2-40B4-BE49-F238E27FC236}">
-                <a16:creationId xmlns:a16="http://schemas.microsoft.com/office/drawing/2014/main" id="{6D62D34B-DB1C-4403-806A-2172DBBD6278}"/>
-              </a:ext>
-            </a:extLst>
-          </p:cNvPr>
-          <p:cNvSpPr txBox="1"/>
-          <p:nvPr/>
-        </p:nvSpPr>
-        <p:spPr>
-          <a:xfrm>
-            <a:off x="8216615" y="33706091"/>
-            <a:ext cx="2795766" cy="830997"/>
-          </a:xfrm>
-          <a:prstGeom prst="rect">
-            <a:avLst/>
-          </a:prstGeom>
-          <a:noFill/>
-        </p:spPr>
-        <p:txBody>
-          <a:bodyPr wrap="none" rtlCol="0">
-            <a:spAutoFit/>
-          </a:bodyPr>
-          <a:lstStyle/>
-          <a:p>
-            <a:pPr algn="ctr"/>
-            <a:r>
-              <a:rPr lang="en-US" sz="4800" dirty="0"/>
-              <a:t>Classifying</a:t>
-            </a:r>
-            <a:endParaRPr lang="en-US" sz="6600" dirty="0"/>
-          </a:p>
-        </p:txBody>
-      </p:sp>
       <p:pic>
         <p:nvPicPr>
           <p:cNvPr id="70" name="Picture 69">
@@ -6170,7 +5415,7 @@
           <p:nvPr/>
         </p:nvPicPr>
         <p:blipFill>
-          <a:blip r:embed="rId6"/>
+          <a:blip r:embed="rId3"/>
           <a:stretch>
             <a:fillRect/>
           </a:stretch>
@@ -6198,7 +5443,7 @@
           <p:nvPr/>
         </p:nvPicPr>
         <p:blipFill>
-          <a:blip r:embed="rId7"/>
+          <a:blip r:embed="rId4"/>
           <a:stretch>
             <a:fillRect/>
           </a:stretch>
@@ -6226,7 +5471,7 @@
           <p:nvPr/>
         </p:nvPicPr>
         <p:blipFill>
-          <a:blip r:embed="rId8"/>
+          <a:blip r:embed="rId5"/>
           <a:stretch>
             <a:fillRect/>
           </a:stretch>
@@ -6254,7 +5499,7 @@
           <p:nvPr/>
         </p:nvPicPr>
         <p:blipFill>
-          <a:blip r:embed="rId9"/>
+          <a:blip r:embed="rId6"/>
           <a:stretch>
             <a:fillRect/>
           </a:stretch>
@@ -6300,6 +5545,886 @@
             <a:r>
               <a:rPr lang="en-US" sz="3400" dirty="0"/>
               <a:t>All classifiers show similar result in terms of accuracy which are significantly better than our baseline classifier. In terms of precision and recall score we see no improvement compared to the baseline classifier.</a:t>
+            </a:r>
+          </a:p>
+        </p:txBody>
+      </p:sp>
+      <p:pic>
+        <p:nvPicPr>
+          <p:cNvPr id="75" name="Picture 74">
+            <a:extLst>
+              <a:ext uri="{FF2B5EF4-FFF2-40B4-BE49-F238E27FC236}">
+                <a16:creationId xmlns:a16="http://schemas.microsoft.com/office/drawing/2014/main" id="{B139DFFC-1F96-4852-93AC-754F06D5256B}"/>
+              </a:ext>
+            </a:extLst>
+          </p:cNvPr>
+          <p:cNvPicPr/>
+          <p:nvPr/>
+        </p:nvPicPr>
+        <p:blipFill>
+          <a:blip r:embed="rId7"/>
+          <a:stretch>
+            <a:fillRect/>
+          </a:stretch>
+        </p:blipFill>
+        <p:spPr>
+          <a:xfrm>
+            <a:off x="25523406" y="7191093"/>
+            <a:ext cx="5943600" cy="4608830"/>
+          </a:xfrm>
+          <a:prstGeom prst="rect">
+            <a:avLst/>
+          </a:prstGeom>
+        </p:spPr>
+      </p:pic>
+      <p:pic>
+        <p:nvPicPr>
+          <p:cNvPr id="76" name="Picture 75">
+            <a:extLst>
+              <a:ext uri="{FF2B5EF4-FFF2-40B4-BE49-F238E27FC236}">
+                <a16:creationId xmlns:a16="http://schemas.microsoft.com/office/drawing/2014/main" id="{44B3DAEB-2618-424D-8FA1-0DF9387C505F}"/>
+              </a:ext>
+            </a:extLst>
+          </p:cNvPr>
+          <p:cNvPicPr/>
+          <p:nvPr/>
+        </p:nvPicPr>
+        <p:blipFill>
+          <a:blip r:embed="rId8"/>
+          <a:stretch>
+            <a:fillRect/>
+          </a:stretch>
+        </p:blipFill>
+        <p:spPr>
+          <a:xfrm>
+            <a:off x="8296189" y="35309494"/>
+            <a:ext cx="7761820" cy="5375326"/>
+          </a:xfrm>
+          <a:prstGeom prst="rect">
+            <a:avLst/>
+          </a:prstGeom>
+        </p:spPr>
+      </p:pic>
+      <p:pic>
+        <p:nvPicPr>
+          <p:cNvPr id="77" name="Picture 76">
+            <a:extLst>
+              <a:ext uri="{FF2B5EF4-FFF2-40B4-BE49-F238E27FC236}">
+                <a16:creationId xmlns:a16="http://schemas.microsoft.com/office/drawing/2014/main" id="{173E46CF-6000-4E49-8238-2BB0B3356464}"/>
+              </a:ext>
+            </a:extLst>
+          </p:cNvPr>
+          <p:cNvPicPr/>
+          <p:nvPr/>
+        </p:nvPicPr>
+        <p:blipFill>
+          <a:blip r:embed="rId9"/>
+          <a:stretch>
+            <a:fillRect/>
+          </a:stretch>
+        </p:blipFill>
+        <p:spPr>
+          <a:xfrm>
+            <a:off x="936329" y="35309494"/>
+            <a:ext cx="7224769" cy="5366467"/>
+          </a:xfrm>
+          <a:prstGeom prst="rect">
+            <a:avLst/>
+          </a:prstGeom>
+        </p:spPr>
+      </p:pic>
+      <p:cxnSp>
+        <p:nvCxnSpPr>
+          <p:cNvPr id="16" name="Straight Arrow Connector 15">
+            <a:extLst>
+              <a:ext uri="{FF2B5EF4-FFF2-40B4-BE49-F238E27FC236}">
+                <a16:creationId xmlns:a16="http://schemas.microsoft.com/office/drawing/2014/main" id="{6A19CA2B-B11A-4EE1-9A53-58BE74D84579}"/>
+              </a:ext>
+            </a:extLst>
+          </p:cNvPr>
+          <p:cNvCxnSpPr/>
+          <p:nvPr/>
+        </p:nvCxnSpPr>
+        <p:spPr>
+          <a:xfrm>
+            <a:off x="10256975" y="9721380"/>
+            <a:ext cx="2416658" cy="0"/>
+          </a:xfrm>
+          <a:prstGeom prst="straightConnector1">
+            <a:avLst/>
+          </a:prstGeom>
+          <a:ln w="63500">
+            <a:headEnd type="none" w="med" len="med"/>
+            <a:tailEnd type="arrow" w="lg" len="lg"/>
+          </a:ln>
+        </p:spPr>
+        <p:style>
+          <a:lnRef idx="1">
+            <a:schemeClr val="dk1"/>
+          </a:lnRef>
+          <a:fillRef idx="0">
+            <a:schemeClr val="dk1"/>
+          </a:fillRef>
+          <a:effectRef idx="0">
+            <a:schemeClr val="dk1"/>
+          </a:effectRef>
+          <a:fontRef idx="minor">
+            <a:schemeClr val="tx1"/>
+          </a:fontRef>
+        </p:style>
+      </p:cxnSp>
+      <p:sp>
+        <p:nvSpPr>
+          <p:cNvPr id="20" name="Rectangle: Rounded Corners 19">
+            <a:extLst>
+              <a:ext uri="{FF2B5EF4-FFF2-40B4-BE49-F238E27FC236}">
+                <a16:creationId xmlns:a16="http://schemas.microsoft.com/office/drawing/2014/main" id="{9DCC11B4-0F19-42B2-8932-A232B8E48435}"/>
+              </a:ext>
+            </a:extLst>
+          </p:cNvPr>
+          <p:cNvSpPr/>
+          <p:nvPr/>
+        </p:nvSpPr>
+        <p:spPr>
+          <a:xfrm>
+            <a:off x="1404516" y="9289332"/>
+            <a:ext cx="1980085" cy="914400"/>
+          </a:xfrm>
+          <a:prstGeom prst="roundRect">
+            <a:avLst/>
+          </a:prstGeom>
+        </p:spPr>
+        <p:style>
+          <a:lnRef idx="1">
+            <a:schemeClr val="accent4"/>
+          </a:lnRef>
+          <a:fillRef idx="2">
+            <a:schemeClr val="accent4"/>
+          </a:fillRef>
+          <a:effectRef idx="1">
+            <a:schemeClr val="accent4"/>
+          </a:effectRef>
+          <a:fontRef idx="minor">
+            <a:schemeClr val="dk1"/>
+          </a:fontRef>
+        </p:style>
+        <p:txBody>
+          <a:bodyPr rtlCol="0" anchor="ctr"/>
+          <a:lstStyle/>
+          <a:p>
+            <a:pPr algn="ctr"/>
+            <a:r>
+              <a:rPr lang="en-US" sz="4800" dirty="0" err="1"/>
+              <a:t>PKCδ</a:t>
+            </a:r>
+            <a:endParaRPr lang="en-US" sz="4800" dirty="0"/>
+          </a:p>
+        </p:txBody>
+      </p:sp>
+      <p:sp>
+        <p:nvSpPr>
+          <p:cNvPr id="78" name="Rectangle: Rounded Corners 77">
+            <a:extLst>
+              <a:ext uri="{FF2B5EF4-FFF2-40B4-BE49-F238E27FC236}">
+                <a16:creationId xmlns:a16="http://schemas.microsoft.com/office/drawing/2014/main" id="{424283FE-85AE-4056-B164-059A80D6066E}"/>
+              </a:ext>
+            </a:extLst>
+          </p:cNvPr>
+          <p:cNvSpPr/>
+          <p:nvPr/>
+        </p:nvSpPr>
+        <p:spPr>
+          <a:xfrm>
+            <a:off x="5834615" y="9261945"/>
+            <a:ext cx="4390746" cy="914400"/>
+          </a:xfrm>
+          <a:prstGeom prst="roundRect">
+            <a:avLst/>
+          </a:prstGeom>
+        </p:spPr>
+        <p:style>
+          <a:lnRef idx="1">
+            <a:schemeClr val="accent4"/>
+          </a:lnRef>
+          <a:fillRef idx="2">
+            <a:schemeClr val="accent4"/>
+          </a:fillRef>
+          <a:effectRef idx="1">
+            <a:schemeClr val="accent4"/>
+          </a:effectRef>
+          <a:fontRef idx="minor">
+            <a:schemeClr val="dk1"/>
+          </a:fontRef>
+        </p:style>
+        <p:txBody>
+          <a:bodyPr rtlCol="0" anchor="ctr"/>
+          <a:lstStyle/>
+          <a:p>
+            <a:r>
+              <a:rPr lang="en-US" sz="4800" dirty="0"/>
+              <a:t>ERK1/2 pathway</a:t>
+            </a:r>
+          </a:p>
+        </p:txBody>
+      </p:sp>
+      <p:sp>
+        <p:nvSpPr>
+          <p:cNvPr id="79" name="Rectangle: Rounded Corners 78">
+            <a:extLst>
+              <a:ext uri="{FF2B5EF4-FFF2-40B4-BE49-F238E27FC236}">
+                <a16:creationId xmlns:a16="http://schemas.microsoft.com/office/drawing/2014/main" id="{E36B45E4-98C9-4C1E-B593-14D0ECA61051}"/>
+              </a:ext>
+            </a:extLst>
+          </p:cNvPr>
+          <p:cNvSpPr/>
+          <p:nvPr/>
+        </p:nvSpPr>
+        <p:spPr>
+          <a:xfrm>
+            <a:off x="12817650" y="9276304"/>
+            <a:ext cx="3096343" cy="914400"/>
+          </a:xfrm>
+          <a:prstGeom prst="roundRect">
+            <a:avLst/>
+          </a:prstGeom>
+        </p:spPr>
+        <p:style>
+          <a:lnRef idx="1">
+            <a:schemeClr val="accent4"/>
+          </a:lnRef>
+          <a:fillRef idx="2">
+            <a:schemeClr val="accent4"/>
+          </a:fillRef>
+          <a:effectRef idx="1">
+            <a:schemeClr val="accent4"/>
+          </a:effectRef>
+          <a:fontRef idx="minor">
+            <a:schemeClr val="dk1"/>
+          </a:fontRef>
+        </p:style>
+        <p:txBody>
+          <a:bodyPr rtlCol="0" anchor="ctr"/>
+          <a:lstStyle/>
+          <a:p>
+            <a:pPr algn="ctr"/>
+            <a:r>
+              <a:rPr lang="en-US" sz="4800" dirty="0"/>
+              <a:t>Apoptosis</a:t>
+            </a:r>
+          </a:p>
+        </p:txBody>
+      </p:sp>
+      <p:sp>
+        <p:nvSpPr>
+          <p:cNvPr id="80" name="Rectangle: Rounded Corners 79">
+            <a:extLst>
+              <a:ext uri="{FF2B5EF4-FFF2-40B4-BE49-F238E27FC236}">
+                <a16:creationId xmlns:a16="http://schemas.microsoft.com/office/drawing/2014/main" id="{F9FC12F1-D768-43F4-8C50-1F4497745857}"/>
+              </a:ext>
+            </a:extLst>
+          </p:cNvPr>
+          <p:cNvSpPr/>
+          <p:nvPr/>
+        </p:nvSpPr>
+        <p:spPr>
+          <a:xfrm>
+            <a:off x="936329" y="16223705"/>
+            <a:ext cx="4536504" cy="2223145"/>
+          </a:xfrm>
+          <a:prstGeom prst="roundRect">
+            <a:avLst/>
+          </a:prstGeom>
+        </p:spPr>
+        <p:style>
+          <a:lnRef idx="1">
+            <a:schemeClr val="accent5"/>
+          </a:lnRef>
+          <a:fillRef idx="2">
+            <a:schemeClr val="accent5"/>
+          </a:fillRef>
+          <a:effectRef idx="1">
+            <a:schemeClr val="accent5"/>
+          </a:effectRef>
+          <a:fontRef idx="minor">
+            <a:schemeClr val="dk1"/>
+          </a:fontRef>
+        </p:style>
+        <p:txBody>
+          <a:bodyPr rtlCol="0" anchor="ctr"/>
+          <a:lstStyle/>
+          <a:p>
+            <a:pPr algn="ctr"/>
+            <a:r>
+              <a:rPr lang="en-US" sz="4800" dirty="0"/>
+              <a:t>Gene Expression</a:t>
+            </a:r>
+          </a:p>
+          <a:p>
+            <a:pPr algn="ctr"/>
+            <a:r>
+              <a:rPr lang="en-US" sz="4800" dirty="0"/>
+              <a:t>Data</a:t>
+            </a:r>
+            <a:endParaRPr lang="en-US" sz="6600" dirty="0"/>
+          </a:p>
+        </p:txBody>
+      </p:sp>
+      <p:sp>
+        <p:nvSpPr>
+          <p:cNvPr id="81" name="Rectangle: Rounded Corners 80">
+            <a:extLst>
+              <a:ext uri="{FF2B5EF4-FFF2-40B4-BE49-F238E27FC236}">
+                <a16:creationId xmlns:a16="http://schemas.microsoft.com/office/drawing/2014/main" id="{0E61ADDE-00AC-4E57-9B5D-8DEA6BFD77BE}"/>
+              </a:ext>
+            </a:extLst>
+          </p:cNvPr>
+          <p:cNvSpPr/>
+          <p:nvPr/>
+        </p:nvSpPr>
+        <p:spPr>
+          <a:xfrm>
+            <a:off x="7452877" y="16312157"/>
+            <a:ext cx="3204532" cy="2223145"/>
+          </a:xfrm>
+          <a:prstGeom prst="roundRect">
+            <a:avLst/>
+          </a:prstGeom>
+        </p:spPr>
+        <p:style>
+          <a:lnRef idx="1">
+            <a:schemeClr val="accent5"/>
+          </a:lnRef>
+          <a:fillRef idx="2">
+            <a:schemeClr val="accent5"/>
+          </a:fillRef>
+          <a:effectRef idx="1">
+            <a:schemeClr val="accent5"/>
+          </a:effectRef>
+          <a:fontRef idx="minor">
+            <a:schemeClr val="dk1"/>
+          </a:fontRef>
+        </p:style>
+        <p:txBody>
+          <a:bodyPr rtlCol="0" anchor="ctr"/>
+          <a:lstStyle/>
+          <a:p>
+            <a:pPr algn="ctr"/>
+            <a:r>
+              <a:rPr lang="en-US" sz="4800" dirty="0"/>
+              <a:t>Classifier</a:t>
+            </a:r>
+          </a:p>
+          <a:p>
+            <a:pPr algn="ctr"/>
+            <a:r>
+              <a:rPr lang="en-US" sz="4800" dirty="0"/>
+              <a:t>Based on </a:t>
+            </a:r>
+          </a:p>
+          <a:p>
+            <a:pPr algn="ctr"/>
+            <a:r>
+              <a:rPr lang="en-US" sz="4800" dirty="0"/>
+              <a:t>Go-Terms</a:t>
+            </a:r>
+          </a:p>
+        </p:txBody>
+      </p:sp>
+      <p:sp>
+        <p:nvSpPr>
+          <p:cNvPr id="82" name="Rectangle: Rounded Corners 81">
+            <a:extLst>
+              <a:ext uri="{FF2B5EF4-FFF2-40B4-BE49-F238E27FC236}">
+                <a16:creationId xmlns:a16="http://schemas.microsoft.com/office/drawing/2014/main" id="{E9414CBD-0D81-4412-B3F9-7B0DE7D9D2C3}"/>
+              </a:ext>
+            </a:extLst>
+          </p:cNvPr>
+          <p:cNvSpPr/>
+          <p:nvPr/>
+        </p:nvSpPr>
+        <p:spPr>
+          <a:xfrm>
+            <a:off x="12637453" y="16235493"/>
+            <a:ext cx="3204532" cy="2223145"/>
+          </a:xfrm>
+          <a:prstGeom prst="roundRect">
+            <a:avLst/>
+          </a:prstGeom>
+        </p:spPr>
+        <p:style>
+          <a:lnRef idx="1">
+            <a:schemeClr val="accent5"/>
+          </a:lnRef>
+          <a:fillRef idx="2">
+            <a:schemeClr val="accent5"/>
+          </a:fillRef>
+          <a:effectRef idx="1">
+            <a:schemeClr val="accent5"/>
+          </a:effectRef>
+          <a:fontRef idx="minor">
+            <a:schemeClr val="dk1"/>
+          </a:fontRef>
+        </p:style>
+        <p:txBody>
+          <a:bodyPr rtlCol="0" anchor="ctr"/>
+          <a:lstStyle/>
+          <a:p>
+            <a:pPr algn="ctr"/>
+            <a:r>
+              <a:rPr lang="en-US" sz="4800" dirty="0"/>
+              <a:t>Labels</a:t>
+            </a:r>
+          </a:p>
+          <a:p>
+            <a:pPr algn="ctr"/>
+            <a:r>
+              <a:rPr lang="en-US" sz="4800" dirty="0"/>
+              <a:t>(True, False)</a:t>
+            </a:r>
+            <a:endParaRPr lang="en-US" sz="6600" dirty="0"/>
+          </a:p>
+        </p:txBody>
+      </p:sp>
+      <p:sp>
+        <p:nvSpPr>
+          <p:cNvPr id="83" name="Rectangle: Rounded Corners 82">
+            <a:extLst>
+              <a:ext uri="{FF2B5EF4-FFF2-40B4-BE49-F238E27FC236}">
+                <a16:creationId xmlns:a16="http://schemas.microsoft.com/office/drawing/2014/main" id="{DE019C89-69E9-44DA-BEFF-CF7BC154E0DA}"/>
+              </a:ext>
+            </a:extLst>
+          </p:cNvPr>
+          <p:cNvSpPr/>
+          <p:nvPr/>
+        </p:nvSpPr>
+        <p:spPr>
+          <a:xfrm>
+            <a:off x="937881" y="25559139"/>
+            <a:ext cx="2878768" cy="2223145"/>
+          </a:xfrm>
+          <a:prstGeom prst="roundRect">
+            <a:avLst/>
+          </a:prstGeom>
+        </p:spPr>
+        <p:style>
+          <a:lnRef idx="1">
+            <a:schemeClr val="accent1"/>
+          </a:lnRef>
+          <a:fillRef idx="2">
+            <a:schemeClr val="accent1"/>
+          </a:fillRef>
+          <a:effectRef idx="1">
+            <a:schemeClr val="accent1"/>
+          </a:effectRef>
+          <a:fontRef idx="minor">
+            <a:schemeClr val="dk1"/>
+          </a:fontRef>
+        </p:style>
+        <p:txBody>
+          <a:bodyPr rtlCol="0" anchor="ctr"/>
+          <a:lstStyle/>
+          <a:p>
+            <a:pPr algn="ctr"/>
+            <a:r>
+              <a:rPr lang="en-US" sz="4800" dirty="0"/>
+              <a:t>Unite</a:t>
+            </a:r>
+          </a:p>
+          <a:p>
+            <a:pPr algn="ctr"/>
+            <a:r>
+              <a:rPr lang="en-US" sz="4800" dirty="0"/>
+              <a:t>Probes</a:t>
+            </a:r>
+          </a:p>
+          <a:p>
+            <a:pPr algn="ctr"/>
+            <a:r>
+              <a:rPr lang="en-US" sz="4800" dirty="0"/>
+              <a:t>by genes</a:t>
+            </a:r>
+          </a:p>
+        </p:txBody>
+      </p:sp>
+      <p:sp>
+        <p:nvSpPr>
+          <p:cNvPr id="84" name="Rectangle: Rounded Corners 83">
+            <a:extLst>
+              <a:ext uri="{FF2B5EF4-FFF2-40B4-BE49-F238E27FC236}">
+                <a16:creationId xmlns:a16="http://schemas.microsoft.com/office/drawing/2014/main" id="{616A1608-23C1-4FD8-B3F5-9C6DF8FBF47E}"/>
+              </a:ext>
+            </a:extLst>
+          </p:cNvPr>
+          <p:cNvSpPr/>
+          <p:nvPr/>
+        </p:nvSpPr>
+        <p:spPr>
+          <a:xfrm>
+            <a:off x="5536358" y="25559139"/>
+            <a:ext cx="4313448" cy="2223145"/>
+          </a:xfrm>
+          <a:prstGeom prst="roundRect">
+            <a:avLst/>
+          </a:prstGeom>
+        </p:spPr>
+        <p:style>
+          <a:lnRef idx="1">
+            <a:schemeClr val="accent1"/>
+          </a:lnRef>
+          <a:fillRef idx="2">
+            <a:schemeClr val="accent1"/>
+          </a:fillRef>
+          <a:effectRef idx="1">
+            <a:schemeClr val="accent1"/>
+          </a:effectRef>
+          <a:fontRef idx="minor">
+            <a:schemeClr val="dk1"/>
+          </a:fontRef>
+        </p:style>
+        <p:txBody>
+          <a:bodyPr rtlCol="0" anchor="ctr"/>
+          <a:lstStyle/>
+          <a:p>
+            <a:pPr algn="ctr"/>
+            <a:r>
+              <a:rPr lang="en-US" sz="4800" dirty="0"/>
+              <a:t>Apoptosis terms list from </a:t>
+            </a:r>
+            <a:r>
+              <a:rPr lang="en-US" sz="4800" dirty="0" err="1"/>
+              <a:t>amiGO</a:t>
+            </a:r>
+            <a:endParaRPr lang="en-US" sz="4800" dirty="0"/>
+          </a:p>
+        </p:txBody>
+      </p:sp>
+      <p:sp>
+        <p:nvSpPr>
+          <p:cNvPr id="85" name="Rectangle: Rounded Corners 84">
+            <a:extLst>
+              <a:ext uri="{FF2B5EF4-FFF2-40B4-BE49-F238E27FC236}">
+                <a16:creationId xmlns:a16="http://schemas.microsoft.com/office/drawing/2014/main" id="{153B3E7A-70FC-4D1A-8315-58E126147693}"/>
+              </a:ext>
+            </a:extLst>
+          </p:cNvPr>
+          <p:cNvSpPr/>
+          <p:nvPr/>
+        </p:nvSpPr>
+        <p:spPr>
+          <a:xfrm>
+            <a:off x="11888577" y="24480297"/>
+            <a:ext cx="4313448" cy="2223145"/>
+          </a:xfrm>
+          <a:prstGeom prst="roundRect">
+            <a:avLst/>
+          </a:prstGeom>
+        </p:spPr>
+        <p:style>
+          <a:lnRef idx="1">
+            <a:schemeClr val="accent3"/>
+          </a:lnRef>
+          <a:fillRef idx="2">
+            <a:schemeClr val="accent3"/>
+          </a:fillRef>
+          <a:effectRef idx="1">
+            <a:schemeClr val="accent3"/>
+          </a:effectRef>
+          <a:fontRef idx="minor">
+            <a:schemeClr val="dk1"/>
+          </a:fontRef>
+        </p:style>
+        <p:txBody>
+          <a:bodyPr rtlCol="0" anchor="ctr"/>
+          <a:lstStyle/>
+          <a:p>
+            <a:pPr algn="ctr"/>
+            <a:r>
+              <a:rPr lang="en-US" sz="4800" dirty="0"/>
+              <a:t>True if related to apoptosis term</a:t>
+            </a:r>
+          </a:p>
+        </p:txBody>
+      </p:sp>
+      <p:sp>
+        <p:nvSpPr>
+          <p:cNvPr id="86" name="Rectangle: Rounded Corners 85">
+            <a:extLst>
+              <a:ext uri="{FF2B5EF4-FFF2-40B4-BE49-F238E27FC236}">
+                <a16:creationId xmlns:a16="http://schemas.microsoft.com/office/drawing/2014/main" id="{36ADEA7C-452D-4B4E-B25F-C9ED81876B82}"/>
+              </a:ext>
+            </a:extLst>
+          </p:cNvPr>
+          <p:cNvSpPr/>
+          <p:nvPr/>
+        </p:nvSpPr>
+        <p:spPr>
+          <a:xfrm>
+            <a:off x="11888577" y="27229807"/>
+            <a:ext cx="4313448" cy="2223145"/>
+          </a:xfrm>
+          <a:prstGeom prst="roundRect">
+            <a:avLst/>
+          </a:prstGeom>
+        </p:spPr>
+        <p:style>
+          <a:lnRef idx="1">
+            <a:schemeClr val="accent2"/>
+          </a:lnRef>
+          <a:fillRef idx="2">
+            <a:schemeClr val="accent2"/>
+          </a:fillRef>
+          <a:effectRef idx="1">
+            <a:schemeClr val="accent2"/>
+          </a:effectRef>
+          <a:fontRef idx="minor">
+            <a:schemeClr val="dk1"/>
+          </a:fontRef>
+        </p:style>
+        <p:txBody>
+          <a:bodyPr rtlCol="0" anchor="ctr"/>
+          <a:lstStyle/>
+          <a:p>
+            <a:pPr algn="ctr"/>
+            <a:r>
+              <a:rPr lang="en-US" sz="4800" dirty="0"/>
+              <a:t>False otherwise</a:t>
+            </a:r>
+            <a:endParaRPr lang="en-US" sz="6600" dirty="0"/>
+          </a:p>
+        </p:txBody>
+      </p:sp>
+      <p:sp>
+        <p:nvSpPr>
+          <p:cNvPr id="88" name="Rectangle: Rounded Corners 87">
+            <a:extLst>
+              <a:ext uri="{FF2B5EF4-FFF2-40B4-BE49-F238E27FC236}">
+                <a16:creationId xmlns:a16="http://schemas.microsoft.com/office/drawing/2014/main" id="{C25186BC-1F45-4E09-A0A6-31AFBAFA16F0}"/>
+              </a:ext>
+            </a:extLst>
+          </p:cNvPr>
+          <p:cNvSpPr/>
+          <p:nvPr/>
+        </p:nvSpPr>
+        <p:spPr>
+          <a:xfrm>
+            <a:off x="775646" y="29739604"/>
+            <a:ext cx="3257027" cy="969321"/>
+          </a:xfrm>
+          <a:prstGeom prst="roundRect">
+            <a:avLst/>
+          </a:prstGeom>
+        </p:spPr>
+        <p:style>
+          <a:lnRef idx="1">
+            <a:schemeClr val="accent4"/>
+          </a:lnRef>
+          <a:fillRef idx="2">
+            <a:schemeClr val="accent4"/>
+          </a:fillRef>
+          <a:effectRef idx="1">
+            <a:schemeClr val="accent4"/>
+          </a:effectRef>
+          <a:fontRef idx="minor">
+            <a:schemeClr val="dk1"/>
+          </a:fontRef>
+        </p:style>
+        <p:txBody>
+          <a:bodyPr rtlCol="0" anchor="ctr"/>
+          <a:lstStyle/>
+          <a:p>
+            <a:pPr algn="ctr"/>
+            <a:r>
+              <a:rPr lang="en-US" sz="4800" dirty="0"/>
+              <a:t>Normalize</a:t>
+            </a:r>
+          </a:p>
+        </p:txBody>
+      </p:sp>
+      <p:sp>
+        <p:nvSpPr>
+          <p:cNvPr id="89" name="Rectangle: Rounded Corners 88">
+            <a:extLst>
+              <a:ext uri="{FF2B5EF4-FFF2-40B4-BE49-F238E27FC236}">
+                <a16:creationId xmlns:a16="http://schemas.microsoft.com/office/drawing/2014/main" id="{1D5C1069-091B-42AD-B196-93FB8DD451CE}"/>
+              </a:ext>
+            </a:extLst>
+          </p:cNvPr>
+          <p:cNvSpPr/>
+          <p:nvPr/>
+        </p:nvSpPr>
+        <p:spPr>
+          <a:xfrm>
+            <a:off x="5663619" y="29733956"/>
+            <a:ext cx="5315558" cy="969321"/>
+          </a:xfrm>
+          <a:prstGeom prst="roundRect">
+            <a:avLst/>
+          </a:prstGeom>
+        </p:spPr>
+        <p:style>
+          <a:lnRef idx="1">
+            <a:schemeClr val="accent4"/>
+          </a:lnRef>
+          <a:fillRef idx="2">
+            <a:schemeClr val="accent4"/>
+          </a:fillRef>
+          <a:effectRef idx="1">
+            <a:schemeClr val="accent4"/>
+          </a:effectRef>
+          <a:fontRef idx="minor">
+            <a:schemeClr val="dk1"/>
+          </a:fontRef>
+        </p:style>
+        <p:txBody>
+          <a:bodyPr rtlCol="0" anchor="ctr"/>
+          <a:lstStyle/>
+          <a:p>
+            <a:pPr algn="ctr"/>
+            <a:r>
+              <a:rPr lang="en-US" sz="4800" dirty="0"/>
+              <a:t>Variance Filter</a:t>
+            </a:r>
+            <a:endParaRPr lang="en-US" sz="6600" dirty="0"/>
+          </a:p>
+        </p:txBody>
+      </p:sp>
+      <p:sp>
+        <p:nvSpPr>
+          <p:cNvPr id="93" name="Rectangle: Rounded Corners 92">
+            <a:extLst>
+              <a:ext uri="{FF2B5EF4-FFF2-40B4-BE49-F238E27FC236}">
+                <a16:creationId xmlns:a16="http://schemas.microsoft.com/office/drawing/2014/main" id="{86B47A0B-A152-4846-BF30-16B6AB01FC4E}"/>
+              </a:ext>
+            </a:extLst>
+          </p:cNvPr>
+          <p:cNvSpPr/>
+          <p:nvPr/>
+        </p:nvSpPr>
+        <p:spPr>
+          <a:xfrm>
+            <a:off x="3024561" y="31794619"/>
+            <a:ext cx="3257027" cy="969321"/>
+          </a:xfrm>
+          <a:prstGeom prst="roundRect">
+            <a:avLst/>
+          </a:prstGeom>
+        </p:spPr>
+        <p:style>
+          <a:lnRef idx="1">
+            <a:schemeClr val="accent4"/>
+          </a:lnRef>
+          <a:fillRef idx="2">
+            <a:schemeClr val="accent4"/>
+          </a:fillRef>
+          <a:effectRef idx="1">
+            <a:schemeClr val="accent4"/>
+          </a:effectRef>
+          <a:fontRef idx="minor">
+            <a:schemeClr val="dk1"/>
+          </a:fontRef>
+        </p:style>
+        <p:txBody>
+          <a:bodyPr rtlCol="0" anchor="ctr"/>
+          <a:lstStyle/>
+          <a:p>
+            <a:pPr algn="ctr"/>
+            <a:r>
+              <a:rPr lang="en-US" sz="4800" dirty="0"/>
+              <a:t>Clustering</a:t>
+            </a:r>
+          </a:p>
+        </p:txBody>
+      </p:sp>
+      <p:sp>
+        <p:nvSpPr>
+          <p:cNvPr id="94" name="Rectangle: Rounded Corners 93">
+            <a:extLst>
+              <a:ext uri="{FF2B5EF4-FFF2-40B4-BE49-F238E27FC236}">
+                <a16:creationId xmlns:a16="http://schemas.microsoft.com/office/drawing/2014/main" id="{28379860-9190-4ED7-8A28-7ED9B57BBA0E}"/>
+              </a:ext>
+            </a:extLst>
+          </p:cNvPr>
+          <p:cNvSpPr/>
+          <p:nvPr/>
+        </p:nvSpPr>
+        <p:spPr>
+          <a:xfrm>
+            <a:off x="8941446" y="31794619"/>
+            <a:ext cx="4141869" cy="969321"/>
+          </a:xfrm>
+          <a:prstGeom prst="roundRect">
+            <a:avLst/>
+          </a:prstGeom>
+        </p:spPr>
+        <p:style>
+          <a:lnRef idx="1">
+            <a:schemeClr val="accent4"/>
+          </a:lnRef>
+          <a:fillRef idx="2">
+            <a:schemeClr val="accent4"/>
+          </a:fillRef>
+          <a:effectRef idx="1">
+            <a:schemeClr val="accent4"/>
+          </a:effectRef>
+          <a:fontRef idx="minor">
+            <a:schemeClr val="dk1"/>
+          </a:fontRef>
+        </p:style>
+        <p:txBody>
+          <a:bodyPr rtlCol="0" anchor="ctr"/>
+          <a:lstStyle/>
+          <a:p>
+            <a:pPr algn="ctr"/>
+            <a:r>
+              <a:rPr lang="en-US" sz="4800" dirty="0"/>
+              <a:t>Oversampling</a:t>
+            </a:r>
+          </a:p>
+        </p:txBody>
+      </p:sp>
+      <p:sp>
+        <p:nvSpPr>
+          <p:cNvPr id="95" name="Rectangle: Rounded Corners 94">
+            <a:extLst>
+              <a:ext uri="{FF2B5EF4-FFF2-40B4-BE49-F238E27FC236}">
+                <a16:creationId xmlns:a16="http://schemas.microsoft.com/office/drawing/2014/main" id="{619052C1-0773-4201-AC8E-62BE18A6C9A6}"/>
+              </a:ext>
+            </a:extLst>
+          </p:cNvPr>
+          <p:cNvSpPr/>
+          <p:nvPr/>
+        </p:nvSpPr>
+        <p:spPr>
+          <a:xfrm>
+            <a:off x="9479040" y="33761914"/>
+            <a:ext cx="3257027" cy="969321"/>
+          </a:xfrm>
+          <a:prstGeom prst="roundRect">
+            <a:avLst/>
+          </a:prstGeom>
+        </p:spPr>
+        <p:style>
+          <a:lnRef idx="1">
+            <a:schemeClr val="accent4"/>
+          </a:lnRef>
+          <a:fillRef idx="2">
+            <a:schemeClr val="accent4"/>
+          </a:fillRef>
+          <a:effectRef idx="1">
+            <a:schemeClr val="accent4"/>
+          </a:effectRef>
+          <a:fontRef idx="minor">
+            <a:schemeClr val="dk1"/>
+          </a:fontRef>
+        </p:style>
+        <p:txBody>
+          <a:bodyPr rtlCol="0" anchor="ctr"/>
+          <a:lstStyle/>
+          <a:p>
+            <a:pPr algn="ctr"/>
+            <a:r>
+              <a:rPr lang="en-US" sz="4800" dirty="0"/>
+              <a:t>Classifying</a:t>
             </a:r>
           </a:p>
         </p:txBody>

--- a/Project/project_poster.pptx
+++ b/Project/project_poster.pptx
@@ -303,7 +303,7 @@
             <a:fld id="{C33D5922-1A10-453D-B34B-87D0376FB0F9}" type="datetimeFigureOut">
               <a:rPr lang="en-US" smtClean="0"/>
               <a:pPr/>
-              <a:t>18-Mar-19</a:t>
+              <a:t>19-Mar-19</a:t>
             </a:fld>
             <a:endParaRPr lang="en-US"/>
           </a:p>
@@ -468,7 +468,7 @@
             <a:fld id="{C33D5922-1A10-453D-B34B-87D0376FB0F9}" type="datetimeFigureOut">
               <a:rPr lang="en-US" smtClean="0"/>
               <a:pPr/>
-              <a:t>18-Mar-19</a:t>
+              <a:t>19-Mar-19</a:t>
             </a:fld>
             <a:endParaRPr lang="en-US"/>
           </a:p>
@@ -643,7 +643,7 @@
             <a:fld id="{C33D5922-1A10-453D-B34B-87D0376FB0F9}" type="datetimeFigureOut">
               <a:rPr lang="en-US" smtClean="0"/>
               <a:pPr/>
-              <a:t>18-Mar-19</a:t>
+              <a:t>19-Mar-19</a:t>
             </a:fld>
             <a:endParaRPr lang="en-US"/>
           </a:p>
@@ -808,7 +808,7 @@
             <a:fld id="{C33D5922-1A10-453D-B34B-87D0376FB0F9}" type="datetimeFigureOut">
               <a:rPr lang="en-US" smtClean="0"/>
               <a:pPr/>
-              <a:t>18-Mar-19</a:t>
+              <a:t>19-Mar-19</a:t>
             </a:fld>
             <a:endParaRPr lang="en-US"/>
           </a:p>
@@ -1050,7 +1050,7 @@
             <a:fld id="{C33D5922-1A10-453D-B34B-87D0376FB0F9}" type="datetimeFigureOut">
               <a:rPr lang="en-US" smtClean="0"/>
               <a:pPr/>
-              <a:t>18-Mar-19</a:t>
+              <a:t>19-Mar-19</a:t>
             </a:fld>
             <a:endParaRPr lang="en-US"/>
           </a:p>
@@ -1332,7 +1332,7 @@
             <a:fld id="{C33D5922-1A10-453D-B34B-87D0376FB0F9}" type="datetimeFigureOut">
               <a:rPr lang="en-US" smtClean="0"/>
               <a:pPr/>
-              <a:t>18-Mar-19</a:t>
+              <a:t>19-Mar-19</a:t>
             </a:fld>
             <a:endParaRPr lang="en-US"/>
           </a:p>
@@ -1753,7 +1753,7 @@
             <a:fld id="{C33D5922-1A10-453D-B34B-87D0376FB0F9}" type="datetimeFigureOut">
               <a:rPr lang="en-US" smtClean="0"/>
               <a:pPr/>
-              <a:t>18-Mar-19</a:t>
+              <a:t>19-Mar-19</a:t>
             </a:fld>
             <a:endParaRPr lang="en-US"/>
           </a:p>
@@ -1867,7 +1867,7 @@
             <a:fld id="{C33D5922-1A10-453D-B34B-87D0376FB0F9}" type="datetimeFigureOut">
               <a:rPr lang="en-US" smtClean="0"/>
               <a:pPr/>
-              <a:t>18-Mar-19</a:t>
+              <a:t>19-Mar-19</a:t>
             </a:fld>
             <a:endParaRPr lang="en-US"/>
           </a:p>
@@ -1959,7 +1959,7 @@
             <a:fld id="{C33D5922-1A10-453D-B34B-87D0376FB0F9}" type="datetimeFigureOut">
               <a:rPr lang="en-US" smtClean="0"/>
               <a:pPr/>
-              <a:t>18-Mar-19</a:t>
+              <a:t>19-Mar-19</a:t>
             </a:fld>
             <a:endParaRPr lang="en-US"/>
           </a:p>
@@ -2231,7 +2231,7 @@
             <a:fld id="{C33D5922-1A10-453D-B34B-87D0376FB0F9}" type="datetimeFigureOut">
               <a:rPr lang="en-US" smtClean="0"/>
               <a:pPr/>
-              <a:t>18-Mar-19</a:t>
+              <a:t>19-Mar-19</a:t>
             </a:fld>
             <a:endParaRPr lang="en-US"/>
           </a:p>
@@ -2480,7 +2480,7 @@
             <a:fld id="{C33D5922-1A10-453D-B34B-87D0376FB0F9}" type="datetimeFigureOut">
               <a:rPr lang="en-US" smtClean="0"/>
               <a:pPr/>
-              <a:t>18-Mar-19</a:t>
+              <a:t>19-Mar-19</a:t>
             </a:fld>
             <a:endParaRPr lang="en-US"/>
           </a:p>
@@ -2688,7 +2688,7 @@
             <a:fld id="{C33D5922-1A10-453D-B34B-87D0376FB0F9}" type="datetimeFigureOut">
               <a:rPr lang="en-US" smtClean="0"/>
               <a:pPr/>
-              <a:t>18-Mar-19</a:t>
+              <a:t>19-Mar-19</a:t>
             </a:fld>
             <a:endParaRPr lang="en-US"/>
           </a:p>
@@ -4318,7 +4318,7 @@
             </a:pPr>
             <a:r>
               <a:rPr lang="en-US" sz="3200" dirty="0"/>
-              <a:t>Dataset: gene expression levels, before and after down regulation of </a:t>
+              <a:t>Dataset: 12 samples, gene expression levels, before and after down regulation of </a:t>
             </a:r>
             <a:r>
               <a:rPr lang="en-US" sz="3200" dirty="0" err="1"/>
@@ -4326,19 +4326,13 @@
             </a:r>
             <a:r>
               <a:rPr lang="en-US" sz="3200" dirty="0"/>
-              <a:t>:</a:t>
+              <a:t>:    - BT-549 (Invasive ductal carcinoma)</a:t>
             </a:r>
           </a:p>
           <a:p>
             <a:r>
               <a:rPr lang="en-US" sz="3200" dirty="0"/>
-              <a:t>        - BT-549 (Invasive ductal carcinoma)</a:t>
-            </a:r>
-          </a:p>
-          <a:p>
-            <a:r>
-              <a:rPr lang="en-US" sz="3200" dirty="0"/>
-              <a:t>        - MDA-mB-468 (adenocarcinoma)</a:t>
+              <a:t>                      - MDA-mB-468 (adenocarcinoma)</a:t>
             </a:r>
           </a:p>
           <a:p>
@@ -4745,7 +4739,7 @@
           <a:p>
             <a:r>
               <a:rPr lang="en-US" sz="3400" dirty="0"/>
-              <a:t>We used 5 neighbors for KNN classifier.</a:t>
+              <a:t>We used 3 neighbors for KNN classifier.</a:t>
             </a:r>
           </a:p>
         </p:txBody>
@@ -4765,7 +4759,7 @@
         <p:spPr>
           <a:xfrm>
             <a:off x="17378633" y="24582772"/>
-            <a:ext cx="14761640" cy="2708434"/>
+            <a:ext cx="14761640" cy="5016758"/>
           </a:xfrm>
           <a:prstGeom prst="rect">
             <a:avLst/>
@@ -4847,6 +4841,46 @@
               <a:rPr lang="en-US" sz="3400" dirty="0"/>
               <a:t> with 2 clusters.</a:t>
             </a:r>
+          </a:p>
+          <a:p>
+            <a:endParaRPr lang="en-US" sz="2000" dirty="0"/>
+          </a:p>
+          <a:p>
+            <a:r>
+              <a:rPr lang="en-US" sz="3200" dirty="0"/>
+              <a:t>1</a:t>
+            </a:r>
+            <a:r>
+              <a:rPr lang="en-US" sz="3200" baseline="30000" dirty="0"/>
+              <a:t>st</a:t>
+            </a:r>
+            <a:r>
+              <a:rPr lang="en-US" sz="3200" dirty="0"/>
+              <a:t> cluster true labels:  10 %</a:t>
+            </a:r>
+          </a:p>
+          <a:p>
+            <a:r>
+              <a:rPr lang="en-US" sz="3200" dirty="0"/>
+              <a:t>2</a:t>
+            </a:r>
+            <a:r>
+              <a:rPr lang="en-US" sz="3200" baseline="30000" dirty="0"/>
+              <a:t>nd</a:t>
+            </a:r>
+            <a:r>
+              <a:rPr lang="en-US" sz="3200" dirty="0"/>
+              <a:t> cluster true labels: 17 %</a:t>
+            </a:r>
+          </a:p>
+          <a:p>
+            <a:r>
+              <a:rPr lang="en-US" sz="2800" dirty="0"/>
+              <a:t>         - No cluster with majority true</a:t>
+            </a:r>
+          </a:p>
+          <a:p>
+            <a:endParaRPr lang="en-US" sz="3400" dirty="0"/>
           </a:p>
         </p:txBody>
       </p:sp>
@@ -5254,7 +5288,7 @@
         </p:nvCxnSpPr>
         <p:spPr>
           <a:xfrm>
-            <a:off x="4111382" y="30255914"/>
+            <a:off x="4184942" y="30255914"/>
             <a:ext cx="1287891" cy="0"/>
           </a:xfrm>
           <a:prstGeom prst="straightConnector1">
@@ -5450,8 +5484,8 @@
         </p:blipFill>
         <p:spPr>
           <a:xfrm>
-            <a:off x="24759453" y="17526584"/>
-            <a:ext cx="5553075" cy="4343400"/>
+            <a:off x="24123089" y="17888721"/>
+            <a:ext cx="7305923" cy="5320864"/>
           </a:xfrm>
           <a:prstGeom prst="rect">
             <a:avLst/>
@@ -5479,7 +5513,7 @@
         <p:spPr>
           <a:xfrm>
             <a:off x="24759453" y="12911828"/>
-            <a:ext cx="5695950" cy="4391314"/>
+            <a:ext cx="6276220" cy="4740676"/>
           </a:xfrm>
           <a:prstGeom prst="rect">
             <a:avLst/>
@@ -5544,7 +5578,7 @@
           <a:p>
             <a:r>
               <a:rPr lang="en-US" sz="3400" dirty="0"/>
-              <a:t>All classifiers show similar result in terms of accuracy which are significantly better than our baseline classifier. In terms of precision and recall score we see no improvement compared to the baseline classifier.</a:t>
+              <a:t>All classifiers show similar result in terms of accuracy which are significantly better than our baseline classifier. In terms of precision and recall score we see no improvement compared to the baseline classifier. </a:t>
             </a:r>
           </a:p>
         </p:txBody>
@@ -5569,8 +5603,8 @@
         </p:blipFill>
         <p:spPr>
           <a:xfrm>
-            <a:off x="25523406" y="7191093"/>
-            <a:ext cx="5943600" cy="4608830"/>
+            <a:off x="25347041" y="6391455"/>
+            <a:ext cx="6119964" cy="4842093"/>
           </a:xfrm>
           <a:prstGeom prst="rect">
             <a:avLst/>
@@ -5914,20 +5948,6 @@
               <a:t>Classifier</a:t>
             </a:r>
           </a:p>
-          <a:p>
-            <a:pPr algn="ctr"/>
-            <a:r>
-              <a:rPr lang="en-US" sz="4800" dirty="0"/>
-              <a:t>Based on </a:t>
-            </a:r>
-          </a:p>
-          <a:p>
-            <a:pPr algn="ctr"/>
-            <a:r>
-              <a:rPr lang="en-US" sz="4800" dirty="0"/>
-              <a:t>Go-Terms</a:t>
-            </a:r>
-          </a:p>
         </p:txBody>
       </p:sp>
       <p:sp>
@@ -6034,7 +6054,7 @@
             <a:pPr algn="ctr"/>
             <a:r>
               <a:rPr lang="en-US" sz="4800" dirty="0"/>
-              <a:t>Probes</a:t>
+              <a:t>probes</a:t>
             </a:r>
           </a:p>
           <a:p>
@@ -6207,7 +6227,7 @@
         </p:nvSpPr>
         <p:spPr>
           <a:xfrm>
-            <a:off x="775646" y="29739604"/>
+            <a:off x="847654" y="29739604"/>
             <a:ext cx="3257027" cy="969321"/>
           </a:xfrm>
           <a:prstGeom prst="roundRect">
@@ -6254,7 +6274,7 @@
         </p:nvSpPr>
         <p:spPr>
           <a:xfrm>
-            <a:off x="5663619" y="29733956"/>
+            <a:off x="5544841" y="29733956"/>
             <a:ext cx="5315558" cy="969321"/>
           </a:xfrm>
           <a:prstGeom prst="roundRect">

--- a/Project/project_poster.pptx
+++ b/Project/project_poster.pptx
@@ -303,7 +303,7 @@
             <a:fld id="{C33D5922-1A10-453D-B34B-87D0376FB0F9}" type="datetimeFigureOut">
               <a:rPr lang="en-US" smtClean="0"/>
               <a:pPr/>
-              <a:t>19-Mar-19</a:t>
+              <a:t>3/20/2019</a:t>
             </a:fld>
             <a:endParaRPr lang="en-US"/>
           </a:p>
@@ -468,7 +468,7 @@
             <a:fld id="{C33D5922-1A10-453D-B34B-87D0376FB0F9}" type="datetimeFigureOut">
               <a:rPr lang="en-US" smtClean="0"/>
               <a:pPr/>
-              <a:t>19-Mar-19</a:t>
+              <a:t>3/20/2019</a:t>
             </a:fld>
             <a:endParaRPr lang="en-US"/>
           </a:p>
@@ -643,7 +643,7 @@
             <a:fld id="{C33D5922-1A10-453D-B34B-87D0376FB0F9}" type="datetimeFigureOut">
               <a:rPr lang="en-US" smtClean="0"/>
               <a:pPr/>
-              <a:t>19-Mar-19</a:t>
+              <a:t>3/20/2019</a:t>
             </a:fld>
             <a:endParaRPr lang="en-US"/>
           </a:p>
@@ -808,7 +808,7 @@
             <a:fld id="{C33D5922-1A10-453D-B34B-87D0376FB0F9}" type="datetimeFigureOut">
               <a:rPr lang="en-US" smtClean="0"/>
               <a:pPr/>
-              <a:t>19-Mar-19</a:t>
+              <a:t>3/20/2019</a:t>
             </a:fld>
             <a:endParaRPr lang="en-US"/>
           </a:p>
@@ -1050,7 +1050,7 @@
             <a:fld id="{C33D5922-1A10-453D-B34B-87D0376FB0F9}" type="datetimeFigureOut">
               <a:rPr lang="en-US" smtClean="0"/>
               <a:pPr/>
-              <a:t>19-Mar-19</a:t>
+              <a:t>3/20/2019</a:t>
             </a:fld>
             <a:endParaRPr lang="en-US"/>
           </a:p>
@@ -1332,7 +1332,7 @@
             <a:fld id="{C33D5922-1A10-453D-B34B-87D0376FB0F9}" type="datetimeFigureOut">
               <a:rPr lang="en-US" smtClean="0"/>
               <a:pPr/>
-              <a:t>19-Mar-19</a:t>
+              <a:t>3/20/2019</a:t>
             </a:fld>
             <a:endParaRPr lang="en-US"/>
           </a:p>
@@ -1753,7 +1753,7 @@
             <a:fld id="{C33D5922-1A10-453D-B34B-87D0376FB0F9}" type="datetimeFigureOut">
               <a:rPr lang="en-US" smtClean="0"/>
               <a:pPr/>
-              <a:t>19-Mar-19</a:t>
+              <a:t>3/20/2019</a:t>
             </a:fld>
             <a:endParaRPr lang="en-US"/>
           </a:p>
@@ -1867,7 +1867,7 @@
             <a:fld id="{C33D5922-1A10-453D-B34B-87D0376FB0F9}" type="datetimeFigureOut">
               <a:rPr lang="en-US" smtClean="0"/>
               <a:pPr/>
-              <a:t>19-Mar-19</a:t>
+              <a:t>3/20/2019</a:t>
             </a:fld>
             <a:endParaRPr lang="en-US"/>
           </a:p>
@@ -1959,7 +1959,7 @@
             <a:fld id="{C33D5922-1A10-453D-B34B-87D0376FB0F9}" type="datetimeFigureOut">
               <a:rPr lang="en-US" smtClean="0"/>
               <a:pPr/>
-              <a:t>19-Mar-19</a:t>
+              <a:t>3/20/2019</a:t>
             </a:fld>
             <a:endParaRPr lang="en-US"/>
           </a:p>
@@ -2231,7 +2231,7 @@
             <a:fld id="{C33D5922-1A10-453D-B34B-87D0376FB0F9}" type="datetimeFigureOut">
               <a:rPr lang="en-US" smtClean="0"/>
               <a:pPr/>
-              <a:t>19-Mar-19</a:t>
+              <a:t>3/20/2019</a:t>
             </a:fld>
             <a:endParaRPr lang="en-US"/>
           </a:p>
@@ -2480,7 +2480,7 @@
             <a:fld id="{C33D5922-1A10-453D-B34B-87D0376FB0F9}" type="datetimeFigureOut">
               <a:rPr lang="en-US" smtClean="0"/>
               <a:pPr/>
-              <a:t>19-Mar-19</a:t>
+              <a:t>3/20/2019</a:t>
             </a:fld>
             <a:endParaRPr lang="en-US"/>
           </a:p>
@@ -2688,7 +2688,7 @@
             <a:fld id="{C33D5922-1A10-453D-B34B-87D0376FB0F9}" type="datetimeFigureOut">
               <a:rPr lang="en-US" smtClean="0"/>
               <a:pPr/>
-              <a:t>19-Mar-19</a:t>
+              <a:t>3/20/2019</a:t>
             </a:fld>
             <a:endParaRPr lang="en-US"/>
           </a:p>
@@ -3537,7 +3537,7 @@
         <p:spPr>
           <a:xfrm>
             <a:off x="16941862" y="4883062"/>
-            <a:ext cx="14819246" cy="24780238"/>
+            <a:ext cx="14819246" cy="25012762"/>
           </a:xfrm>
           <a:prstGeom prst="flowChartAlternateProcess">
             <a:avLst/>
@@ -3796,7 +3796,7 @@
         </p:nvSpPr>
         <p:spPr>
           <a:xfrm>
-            <a:off x="16941862" y="30027636"/>
+            <a:off x="16941862" y="30099645"/>
             <a:ext cx="14833648" cy="8856983"/>
           </a:xfrm>
           <a:prstGeom prst="flowChartAlternateProcess">
@@ -4005,7 +4005,7 @@
         </p:nvSpPr>
         <p:spPr>
           <a:xfrm>
-            <a:off x="16413515" y="29955628"/>
+            <a:off x="16413515" y="30027636"/>
             <a:ext cx="15955699" cy="1015663"/>
           </a:xfrm>
           <a:prstGeom prst="rect">
@@ -4466,7 +4466,7 @@
         </p:nvSpPr>
         <p:spPr>
           <a:xfrm>
-            <a:off x="18735908" y="23330892"/>
+            <a:off x="18735908" y="23114868"/>
             <a:ext cx="11582400" cy="1015663"/>
           </a:xfrm>
           <a:prstGeom prst="rect">
@@ -4758,7 +4758,7 @@
         </p:nvSpPr>
         <p:spPr>
           <a:xfrm>
-            <a:off x="17378633" y="24582772"/>
+            <a:off x="17378633" y="23978964"/>
             <a:ext cx="14761640" cy="5016758"/>
           </a:xfrm>
           <a:prstGeom prst="rect">
@@ -5456,7 +5456,7 @@
         </p:blipFill>
         <p:spPr>
           <a:xfrm>
-            <a:off x="24123089" y="24346555"/>
+            <a:off x="24006308" y="24031738"/>
             <a:ext cx="6624736" cy="4833301"/>
           </a:xfrm>
           <a:prstGeom prst="rect">
@@ -5484,8 +5484,8 @@
         </p:blipFill>
         <p:spPr>
           <a:xfrm>
-            <a:off x="24123089" y="17888721"/>
-            <a:ext cx="7305923" cy="5320864"/>
+            <a:off x="24778328" y="18020897"/>
+            <a:ext cx="6207654" cy="4637889"/>
           </a:xfrm>
           <a:prstGeom prst="rect">
             <a:avLst/>
@@ -5513,7 +5513,7 @@
         <p:spPr>
           <a:xfrm>
             <a:off x="24759453" y="12911828"/>
-            <a:ext cx="6276220" cy="4740676"/>
+            <a:ext cx="5810250" cy="4324350"/>
           </a:xfrm>
           <a:prstGeom prst="rect">
             <a:avLst/>
@@ -5562,7 +5562,7 @@
         </p:nvSpPr>
         <p:spPr>
           <a:xfrm>
-            <a:off x="17622230" y="17764806"/>
+            <a:off x="17589934" y="17975580"/>
             <a:ext cx="7137223" cy="3231654"/>
           </a:xfrm>
           <a:prstGeom prst="rect">
@@ -5603,8 +5603,8 @@
         </p:blipFill>
         <p:spPr>
           <a:xfrm>
-            <a:off x="25347041" y="6391455"/>
-            <a:ext cx="6119964" cy="4842093"/>
+            <a:off x="25419764" y="6296760"/>
+            <a:ext cx="5903941" cy="4792772"/>
           </a:xfrm>
           <a:prstGeom prst="rect">
             <a:avLst/>
@@ -6446,6 +6446,254 @@
               <a:rPr lang="en-US" sz="4800" dirty="0"/>
               <a:t>Classifying</a:t>
             </a:r>
+          </a:p>
+        </p:txBody>
+      </p:sp>
+      <p:sp>
+        <p:nvSpPr>
+          <p:cNvPr id="2" name="TextBox 1">
+            <a:extLst>
+              <a:ext uri="{FF2B5EF4-FFF2-40B4-BE49-F238E27FC236}">
+                <a16:creationId xmlns:a16="http://schemas.microsoft.com/office/drawing/2014/main" id="{B66D7D28-E7B4-4901-965E-CF21C6EE1BD2}"/>
+              </a:ext>
+            </a:extLst>
+          </p:cNvPr>
+          <p:cNvSpPr txBox="1"/>
+          <p:nvPr/>
+        </p:nvSpPr>
+        <p:spPr>
+          <a:xfrm>
+            <a:off x="1163147" y="40738747"/>
+            <a:ext cx="12719005" cy="400110"/>
+          </a:xfrm>
+          <a:prstGeom prst="rect">
+            <a:avLst/>
+          </a:prstGeom>
+          <a:noFill/>
+        </p:spPr>
+        <p:txBody>
+          <a:bodyPr wrap="square" rtlCol="0">
+            <a:spAutoFit/>
+          </a:bodyPr>
+          <a:lstStyle/>
+          <a:p>
+            <a:r>
+              <a:rPr lang="en-US" sz="2000" b="1" dirty="0"/>
+              <a:t>Figures 1 and 2</a:t>
+            </a:r>
+            <a:r>
+              <a:rPr lang="en-US" sz="2000" dirty="0"/>
+              <a:t>: Checking the change of the score for 2 methods we used to fix data imbalances.</a:t>
+            </a:r>
+            <a:endParaRPr lang="en-IL" sz="2000" dirty="0"/>
+          </a:p>
+        </p:txBody>
+      </p:sp>
+      <p:sp>
+        <p:nvSpPr>
+          <p:cNvPr id="60" name="TextBox 59">
+            <a:extLst>
+              <a:ext uri="{FF2B5EF4-FFF2-40B4-BE49-F238E27FC236}">
+                <a16:creationId xmlns:a16="http://schemas.microsoft.com/office/drawing/2014/main" id="{FF43DA7F-8550-4AF4-A898-5A33179E0C73}"/>
+              </a:ext>
+            </a:extLst>
+          </p:cNvPr>
+          <p:cNvSpPr txBox="1"/>
+          <p:nvPr/>
+        </p:nvSpPr>
+        <p:spPr>
+          <a:xfrm>
+            <a:off x="25387845" y="11089532"/>
+            <a:ext cx="6151884" cy="707886"/>
+          </a:xfrm>
+          <a:prstGeom prst="rect">
+            <a:avLst/>
+          </a:prstGeom>
+          <a:noFill/>
+        </p:spPr>
+        <p:txBody>
+          <a:bodyPr wrap="square" rtlCol="0">
+            <a:spAutoFit/>
+          </a:bodyPr>
+          <a:lstStyle/>
+          <a:p>
+            <a:r>
+              <a:rPr lang="en-US" sz="2000" b="1" dirty="0"/>
+              <a:t>Figure 3</a:t>
+            </a:r>
+            <a:r>
+              <a:rPr lang="en-US" sz="2000" dirty="0"/>
+              <a:t>: Checking the affect of parameter tuning on 3 types of score for the Decision Tree classifier</a:t>
+            </a:r>
+            <a:endParaRPr lang="en-IL" sz="2000" dirty="0"/>
+          </a:p>
+        </p:txBody>
+      </p:sp>
+      <p:sp>
+        <p:nvSpPr>
+          <p:cNvPr id="64" name="TextBox 63">
+            <a:extLst>
+              <a:ext uri="{FF2B5EF4-FFF2-40B4-BE49-F238E27FC236}">
+                <a16:creationId xmlns:a16="http://schemas.microsoft.com/office/drawing/2014/main" id="{EFDB3311-439D-4068-81FD-7465C684CB1F}"/>
+              </a:ext>
+            </a:extLst>
+          </p:cNvPr>
+          <p:cNvSpPr txBox="1"/>
+          <p:nvPr/>
+        </p:nvSpPr>
+        <p:spPr>
+          <a:xfrm>
+            <a:off x="18327010" y="17239919"/>
+            <a:ext cx="6151884" cy="707886"/>
+          </a:xfrm>
+          <a:prstGeom prst="rect">
+            <a:avLst/>
+          </a:prstGeom>
+          <a:noFill/>
+        </p:spPr>
+        <p:txBody>
+          <a:bodyPr wrap="square" rtlCol="0">
+            <a:spAutoFit/>
+          </a:bodyPr>
+          <a:lstStyle/>
+          <a:p>
+            <a:r>
+              <a:rPr lang="en-US" sz="2000" b="1" dirty="0"/>
+              <a:t>Figure 4</a:t>
+            </a:r>
+            <a:r>
+              <a:rPr lang="en-US" sz="2000" dirty="0"/>
+              <a:t>: Checking the affect of parameter tuning on 3 types of score for the SVM classifier</a:t>
+            </a:r>
+            <a:endParaRPr lang="en-IL" sz="2000" dirty="0"/>
+          </a:p>
+        </p:txBody>
+      </p:sp>
+      <p:sp>
+        <p:nvSpPr>
+          <p:cNvPr id="66" name="TextBox 65">
+            <a:extLst>
+              <a:ext uri="{FF2B5EF4-FFF2-40B4-BE49-F238E27FC236}">
+                <a16:creationId xmlns:a16="http://schemas.microsoft.com/office/drawing/2014/main" id="{2AA29009-3D8F-49F2-9DE4-283A162221B2}"/>
+              </a:ext>
+            </a:extLst>
+          </p:cNvPr>
+          <p:cNvSpPr txBox="1"/>
+          <p:nvPr/>
+        </p:nvSpPr>
+        <p:spPr>
+          <a:xfrm>
+            <a:off x="24727157" y="17241899"/>
+            <a:ext cx="6151884" cy="707886"/>
+          </a:xfrm>
+          <a:prstGeom prst="rect">
+            <a:avLst/>
+          </a:prstGeom>
+          <a:noFill/>
+        </p:spPr>
+        <p:txBody>
+          <a:bodyPr wrap="square" rtlCol="0">
+            <a:spAutoFit/>
+          </a:bodyPr>
+          <a:lstStyle/>
+          <a:p>
+            <a:r>
+              <a:rPr lang="en-US" sz="2000" b="1" dirty="0"/>
+              <a:t>Figure 5</a:t>
+            </a:r>
+            <a:r>
+              <a:rPr lang="en-US" sz="2000" dirty="0"/>
+              <a:t>: Checking the affect of parameter tuning on 3 types of score for the KNN classifier</a:t>
+            </a:r>
+            <a:endParaRPr lang="en-IL" sz="2000" dirty="0"/>
+          </a:p>
+        </p:txBody>
+      </p:sp>
+      <p:sp>
+        <p:nvSpPr>
+          <p:cNvPr id="68" name="TextBox 67">
+            <a:extLst>
+              <a:ext uri="{FF2B5EF4-FFF2-40B4-BE49-F238E27FC236}">
+                <a16:creationId xmlns:a16="http://schemas.microsoft.com/office/drawing/2014/main" id="{8E26FAD8-2FE2-4032-AFD0-A57BB0542CFD}"/>
+              </a:ext>
+            </a:extLst>
+          </p:cNvPr>
+          <p:cNvSpPr txBox="1"/>
+          <p:nvPr/>
+        </p:nvSpPr>
+        <p:spPr>
+          <a:xfrm>
+            <a:off x="24702252" y="22616908"/>
+            <a:ext cx="6151884" cy="707886"/>
+          </a:xfrm>
+          <a:prstGeom prst="rect">
+            <a:avLst/>
+          </a:prstGeom>
+          <a:noFill/>
+        </p:spPr>
+        <p:txBody>
+          <a:bodyPr wrap="square" rtlCol="0">
+            <a:spAutoFit/>
+          </a:bodyPr>
+          <a:lstStyle/>
+          <a:p>
+            <a:r>
+              <a:rPr lang="en-US" sz="2000" b="1" dirty="0"/>
+              <a:t>Figure 6</a:t>
+            </a:r>
+            <a:r>
+              <a:rPr lang="en-US" sz="2000" dirty="0"/>
+              <a:t>: Comparison between 3 supervised methods by 3 types of score compared to a baseline dummy classifier</a:t>
+            </a:r>
+            <a:endParaRPr lang="en-IL" sz="2000" dirty="0"/>
+          </a:p>
+        </p:txBody>
+      </p:sp>
+      <p:sp>
+        <p:nvSpPr>
+          <p:cNvPr id="87" name="TextBox 86">
+            <a:extLst>
+              <a:ext uri="{FF2B5EF4-FFF2-40B4-BE49-F238E27FC236}">
+                <a16:creationId xmlns:a16="http://schemas.microsoft.com/office/drawing/2014/main" id="{067D7E3A-ACDB-4D99-9ED1-EEBCCE61643C}"/>
+              </a:ext>
+            </a:extLst>
+          </p:cNvPr>
+          <p:cNvSpPr txBox="1"/>
+          <p:nvPr/>
+        </p:nvSpPr>
+        <p:spPr>
+          <a:xfrm>
+            <a:off x="23352414" y="28824273"/>
+            <a:ext cx="6810804" cy="1015663"/>
+          </a:xfrm>
+          <a:prstGeom prst="rect">
+            <a:avLst/>
+          </a:prstGeom>
+          <a:noFill/>
+        </p:spPr>
+        <p:txBody>
+          <a:bodyPr wrap="square" rtlCol="0">
+            <a:spAutoFit/>
+          </a:bodyPr>
+          <a:lstStyle/>
+          <a:p>
+            <a:r>
+              <a:rPr lang="en-US" sz="2000" b="1" dirty="0"/>
+              <a:t>Figure 7</a:t>
+            </a:r>
+            <a:r>
+              <a:rPr lang="en-US" sz="2000" dirty="0"/>
+              <a:t>: Comparison between </a:t>
+            </a:r>
+            <a:r>
+              <a:rPr lang="en-US" sz="2000"/>
+              <a:t>KMeans</a:t>
+            </a:r>
+            <a:r>
+              <a:rPr lang="en-US" sz="2000" dirty="0"/>
+              <a:t> and Hierarchical clustering by using silhouette score as a function of the number of clusters used. The score is calculated using semi clustering.</a:t>
+            </a:r>
+            <a:endParaRPr lang="en-IL" sz="2000" dirty="0"/>
           </a:p>
         </p:txBody>
       </p:sp>

--- a/Project/project_poster.pptx
+++ b/Project/project_poster.pptx
@@ -7,14 +7,14 @@
   <p:sldIdLst>
     <p:sldId id="256" r:id="rId2"/>
   </p:sldIdLst>
-  <p:sldSz cx="32404050" cy="43205400"/>
+  <p:sldSz cx="24120475" cy="34920238"/>
   <p:notesSz cx="6858000" cy="9144000"/>
   <p:defaultTextStyle>
     <a:defPPr>
       <a:defRPr lang="en-US"/>
     </a:defPPr>
-    <a:lvl1pPr marL="0" algn="l" defTabSz="4320540" rtl="0" eaLnBrk="1" latinLnBrk="0" hangingPunct="1">
-      <a:defRPr sz="8500" kern="1200">
+    <a:lvl1pPr marL="0" algn="l" defTabSz="3373478" rtl="0" eaLnBrk="1" latinLnBrk="0" hangingPunct="1">
+      <a:defRPr sz="6637" kern="1200">
         <a:solidFill>
           <a:schemeClr val="tx1"/>
         </a:solidFill>
@@ -23,8 +23,8 @@
         <a:cs typeface="+mn-cs"/>
       </a:defRPr>
     </a:lvl1pPr>
-    <a:lvl2pPr marL="2160270" algn="l" defTabSz="4320540" rtl="0" eaLnBrk="1" latinLnBrk="0" hangingPunct="1">
-      <a:defRPr sz="8500" kern="1200">
+    <a:lvl2pPr marL="1686739" algn="l" defTabSz="3373478" rtl="0" eaLnBrk="1" latinLnBrk="0" hangingPunct="1">
+      <a:defRPr sz="6637" kern="1200">
         <a:solidFill>
           <a:schemeClr val="tx1"/>
         </a:solidFill>
@@ -33,8 +33,8 @@
         <a:cs typeface="+mn-cs"/>
       </a:defRPr>
     </a:lvl2pPr>
-    <a:lvl3pPr marL="4320540" algn="l" defTabSz="4320540" rtl="0" eaLnBrk="1" latinLnBrk="0" hangingPunct="1">
-      <a:defRPr sz="8500" kern="1200">
+    <a:lvl3pPr marL="3373478" algn="l" defTabSz="3373478" rtl="0" eaLnBrk="1" latinLnBrk="0" hangingPunct="1">
+      <a:defRPr sz="6637" kern="1200">
         <a:solidFill>
           <a:schemeClr val="tx1"/>
         </a:solidFill>
@@ -43,8 +43,8 @@
         <a:cs typeface="+mn-cs"/>
       </a:defRPr>
     </a:lvl3pPr>
-    <a:lvl4pPr marL="6480810" algn="l" defTabSz="4320540" rtl="0" eaLnBrk="1" latinLnBrk="0" hangingPunct="1">
-      <a:defRPr sz="8500" kern="1200">
+    <a:lvl4pPr marL="5060216" algn="l" defTabSz="3373478" rtl="0" eaLnBrk="1" latinLnBrk="0" hangingPunct="1">
+      <a:defRPr sz="6637" kern="1200">
         <a:solidFill>
           <a:schemeClr val="tx1"/>
         </a:solidFill>
@@ -53,8 +53,8 @@
         <a:cs typeface="+mn-cs"/>
       </a:defRPr>
     </a:lvl4pPr>
-    <a:lvl5pPr marL="8641080" algn="l" defTabSz="4320540" rtl="0" eaLnBrk="1" latinLnBrk="0" hangingPunct="1">
-      <a:defRPr sz="8500" kern="1200">
+    <a:lvl5pPr marL="6746955" algn="l" defTabSz="3373478" rtl="0" eaLnBrk="1" latinLnBrk="0" hangingPunct="1">
+      <a:defRPr sz="6637" kern="1200">
         <a:solidFill>
           <a:schemeClr val="tx1"/>
         </a:solidFill>
@@ -63,8 +63,8 @@
         <a:cs typeface="+mn-cs"/>
       </a:defRPr>
     </a:lvl5pPr>
-    <a:lvl6pPr marL="10801350" algn="l" defTabSz="4320540" rtl="0" eaLnBrk="1" latinLnBrk="0" hangingPunct="1">
-      <a:defRPr sz="8500" kern="1200">
+    <a:lvl6pPr marL="8433694" algn="l" defTabSz="3373478" rtl="0" eaLnBrk="1" latinLnBrk="0" hangingPunct="1">
+      <a:defRPr sz="6637" kern="1200">
         <a:solidFill>
           <a:schemeClr val="tx1"/>
         </a:solidFill>
@@ -73,8 +73,8 @@
         <a:cs typeface="+mn-cs"/>
       </a:defRPr>
     </a:lvl6pPr>
-    <a:lvl7pPr marL="12961620" algn="l" defTabSz="4320540" rtl="0" eaLnBrk="1" latinLnBrk="0" hangingPunct="1">
-      <a:defRPr sz="8500" kern="1200">
+    <a:lvl7pPr marL="10120433" algn="l" defTabSz="3373478" rtl="0" eaLnBrk="1" latinLnBrk="0" hangingPunct="1">
+      <a:defRPr sz="6637" kern="1200">
         <a:solidFill>
           <a:schemeClr val="tx1"/>
         </a:solidFill>
@@ -83,8 +83,8 @@
         <a:cs typeface="+mn-cs"/>
       </a:defRPr>
     </a:lvl7pPr>
-    <a:lvl8pPr marL="15121890" algn="l" defTabSz="4320540" rtl="0" eaLnBrk="1" latinLnBrk="0" hangingPunct="1">
-      <a:defRPr sz="8500" kern="1200">
+    <a:lvl8pPr marL="11807172" algn="l" defTabSz="3373478" rtl="0" eaLnBrk="1" latinLnBrk="0" hangingPunct="1">
+      <a:defRPr sz="6637" kern="1200">
         <a:solidFill>
           <a:schemeClr val="tx1"/>
         </a:solidFill>
@@ -93,8 +93,8 @@
         <a:cs typeface="+mn-cs"/>
       </a:defRPr>
     </a:lvl8pPr>
-    <a:lvl9pPr marL="17282160" algn="l" defTabSz="4320540" rtl="0" eaLnBrk="1" latinLnBrk="0" hangingPunct="1">
-      <a:defRPr sz="8500" kern="1200">
+    <a:lvl9pPr marL="13493911" algn="l" defTabSz="3373478" rtl="0" eaLnBrk="1" latinLnBrk="0" hangingPunct="1">
+      <a:defRPr sz="6637" kern="1200">
         <a:solidFill>
           <a:schemeClr val="tx1"/>
         </a:solidFill>
@@ -107,12 +107,12 @@
   <p:extLst>
     <p:ext uri="{EFAFB233-063F-42B5-8137-9DF3F51BA10A}">
       <p15:sldGuideLst xmlns:p15="http://schemas.microsoft.com/office/powerpoint/2012/main">
-        <p15:guide id="1" orient="horz" pos="13608">
+        <p15:guide id="1" orient="horz" pos="10999" userDrawn="1">
           <p15:clr>
             <a:srgbClr val="A4A3A4"/>
           </p15:clr>
         </p15:guide>
-        <p15:guide id="2" pos="10206">
+        <p15:guide id="2" pos="7597" userDrawn="1">
           <p15:clr>
             <a:srgbClr val="A4A3A4"/>
           </p15:clr>
@@ -152,8 +152,8 @@
         </p:nvSpPr>
         <p:spPr>
           <a:xfrm>
-            <a:off x="2430304" y="13421680"/>
-            <a:ext cx="27543443" cy="9261158"/>
+            <a:off x="1809036" y="10847909"/>
+            <a:ext cx="20502404" cy="7485218"/>
           </a:xfrm>
         </p:spPr>
         <p:txBody>
@@ -179,8 +179,8 @@
         </p:nvSpPr>
         <p:spPr>
           <a:xfrm>
-            <a:off x="4860608" y="24483060"/>
-            <a:ext cx="22682835" cy="11041380"/>
+            <a:off x="3618072" y="19788135"/>
+            <a:ext cx="16884333" cy="8924061"/>
           </a:xfrm>
         </p:spPr>
         <p:txBody>
@@ -196,7 +196,7 @@
                 </a:solidFill>
               </a:defRPr>
             </a:lvl1pPr>
-            <a:lvl2pPr marL="2160270" indent="0" algn="ctr">
+            <a:lvl2pPr marL="1608105" indent="0" algn="ctr">
               <a:buNone/>
               <a:defRPr>
                 <a:solidFill>
@@ -206,7 +206,7 @@
                 </a:solidFill>
               </a:defRPr>
             </a:lvl2pPr>
-            <a:lvl3pPr marL="4320540" indent="0" algn="ctr">
+            <a:lvl3pPr marL="3216210" indent="0" algn="ctr">
               <a:buNone/>
               <a:defRPr>
                 <a:solidFill>
@@ -216,7 +216,7 @@
                 </a:solidFill>
               </a:defRPr>
             </a:lvl3pPr>
-            <a:lvl4pPr marL="6480810" indent="0" algn="ctr">
+            <a:lvl4pPr marL="4824315" indent="0" algn="ctr">
               <a:buNone/>
               <a:defRPr>
                 <a:solidFill>
@@ -226,7 +226,7 @@
                 </a:solidFill>
               </a:defRPr>
             </a:lvl4pPr>
-            <a:lvl5pPr marL="8641080" indent="0" algn="ctr">
+            <a:lvl5pPr marL="6432420" indent="0" algn="ctr">
               <a:buNone/>
               <a:defRPr>
                 <a:solidFill>
@@ -236,7 +236,7 @@
                 </a:solidFill>
               </a:defRPr>
             </a:lvl5pPr>
-            <a:lvl6pPr marL="10801350" indent="0" algn="ctr">
+            <a:lvl6pPr marL="8040525" indent="0" algn="ctr">
               <a:buNone/>
               <a:defRPr>
                 <a:solidFill>
@@ -246,7 +246,7 @@
                 </a:solidFill>
               </a:defRPr>
             </a:lvl6pPr>
-            <a:lvl7pPr marL="12961620" indent="0" algn="ctr">
+            <a:lvl7pPr marL="9648630" indent="0" algn="ctr">
               <a:buNone/>
               <a:defRPr>
                 <a:solidFill>
@@ -256,7 +256,7 @@
                 </a:solidFill>
               </a:defRPr>
             </a:lvl7pPr>
-            <a:lvl8pPr marL="15121890" indent="0" algn="ctr">
+            <a:lvl8pPr marL="11256735" indent="0" algn="ctr">
               <a:buNone/>
               <a:defRPr>
                 <a:solidFill>
@@ -266,7 +266,7 @@
                 </a:solidFill>
               </a:defRPr>
             </a:lvl8pPr>
-            <a:lvl9pPr marL="17282160" indent="0" algn="ctr">
+            <a:lvl9pPr marL="12864840" indent="0" algn="ctr">
               <a:buNone/>
               <a:defRPr>
                 <a:solidFill>
@@ -303,7 +303,7 @@
             <a:fld id="{C33D5922-1A10-453D-B34B-87D0376FB0F9}" type="datetimeFigureOut">
               <a:rPr lang="en-US" smtClean="0"/>
               <a:pPr/>
-              <a:t>3/20/2019</a:t>
+              <a:t>21-Mar-19</a:t>
             </a:fld>
             <a:endParaRPr lang="en-US"/>
           </a:p>
@@ -468,7 +468,7 @@
             <a:fld id="{C33D5922-1A10-453D-B34B-87D0376FB0F9}" type="datetimeFigureOut">
               <a:rPr lang="en-US" smtClean="0"/>
               <a:pPr/>
-              <a:t>3/20/2019</a:t>
+              <a:t>21-Mar-19</a:t>
             </a:fld>
             <a:endParaRPr lang="en-US"/>
           </a:p>
@@ -554,8 +554,8 @@
         </p:nvSpPr>
         <p:spPr>
           <a:xfrm>
-            <a:off x="83254782" y="10901365"/>
-            <a:ext cx="25833229" cy="232249028"/>
+            <a:off x="61972034" y="8810896"/>
+            <a:ext cx="19229379" cy="187712446"/>
           </a:xfrm>
         </p:spPr>
         <p:txBody>
@@ -581,8 +581,8 @@
         </p:nvSpPr>
         <p:spPr>
           <a:xfrm>
-            <a:off x="5743847" y="10901365"/>
-            <a:ext cx="76970870" cy="232249028"/>
+            <a:off x="4275525" y="8810896"/>
+            <a:ext cx="57294503" cy="187712446"/>
           </a:xfrm>
         </p:spPr>
         <p:txBody>
@@ -643,7 +643,7 @@
             <a:fld id="{C33D5922-1A10-453D-B34B-87D0376FB0F9}" type="datetimeFigureOut">
               <a:rPr lang="en-US" smtClean="0"/>
               <a:pPr/>
-              <a:t>3/20/2019</a:t>
+              <a:t>21-Mar-19</a:t>
             </a:fld>
             <a:endParaRPr lang="en-US"/>
           </a:p>
@@ -808,7 +808,7 @@
             <a:fld id="{C33D5922-1A10-453D-B34B-87D0376FB0F9}" type="datetimeFigureOut">
               <a:rPr lang="en-US" smtClean="0"/>
               <a:pPr/>
-              <a:t>3/20/2019</a:t>
+              <a:t>21-Mar-19</a:t>
             </a:fld>
             <a:endParaRPr lang="en-US"/>
           </a:p>
@@ -894,15 +894,15 @@
         </p:nvSpPr>
         <p:spPr>
           <a:xfrm>
-            <a:off x="2559696" y="27763473"/>
-            <a:ext cx="27543443" cy="8581073"/>
+            <a:off x="1905351" y="22439489"/>
+            <a:ext cx="20502404" cy="6935548"/>
           </a:xfrm>
         </p:spPr>
         <p:txBody>
           <a:bodyPr anchor="t"/>
           <a:lstStyle>
             <a:lvl1pPr algn="l">
-              <a:defRPr sz="18900" b="1" cap="all"/>
+              <a:defRPr sz="14069" b="1" cap="all"/>
             </a:lvl1pPr>
           </a:lstStyle>
           <a:p>
@@ -925,8 +925,8 @@
         </p:nvSpPr>
         <p:spPr>
           <a:xfrm>
-            <a:off x="2559696" y="18312295"/>
-            <a:ext cx="27543443" cy="9451178"/>
+            <a:off x="1905351" y="14800689"/>
+            <a:ext cx="20502404" cy="7638799"/>
           </a:xfrm>
         </p:spPr>
         <p:txBody>
@@ -934,7 +934,7 @@
           <a:lstStyle>
             <a:lvl1pPr marL="0" indent="0">
               <a:buNone/>
-              <a:defRPr sz="9500">
+              <a:defRPr sz="7072">
                 <a:solidFill>
                   <a:schemeClr val="tx1">
                     <a:tint val="75000"/>
@@ -942,9 +942,9 @@
                 </a:solidFill>
               </a:defRPr>
             </a:lvl1pPr>
-            <a:lvl2pPr marL="2160270" indent="0">
+            <a:lvl2pPr marL="1608105" indent="0">
               <a:buNone/>
-              <a:defRPr sz="8500">
+              <a:defRPr sz="6327">
                 <a:solidFill>
                   <a:schemeClr val="tx1">
                     <a:tint val="75000"/>
@@ -952,9 +952,9 @@
                 </a:solidFill>
               </a:defRPr>
             </a:lvl2pPr>
-            <a:lvl3pPr marL="4320540" indent="0">
+            <a:lvl3pPr marL="3216210" indent="0">
               <a:buNone/>
-              <a:defRPr sz="7600">
+              <a:defRPr sz="5657">
                 <a:solidFill>
                   <a:schemeClr val="tx1">
                     <a:tint val="75000"/>
@@ -962,9 +962,9 @@
                 </a:solidFill>
               </a:defRPr>
             </a:lvl3pPr>
-            <a:lvl4pPr marL="6480810" indent="0">
+            <a:lvl4pPr marL="4824315" indent="0">
               <a:buNone/>
-              <a:defRPr sz="6600">
+              <a:defRPr sz="4913">
                 <a:solidFill>
                   <a:schemeClr val="tx1">
                     <a:tint val="75000"/>
@@ -972,9 +972,9 @@
                 </a:solidFill>
               </a:defRPr>
             </a:lvl4pPr>
-            <a:lvl5pPr marL="8641080" indent="0">
+            <a:lvl5pPr marL="6432420" indent="0">
               <a:buNone/>
-              <a:defRPr sz="6600">
+              <a:defRPr sz="4913">
                 <a:solidFill>
                   <a:schemeClr val="tx1">
                     <a:tint val="75000"/>
@@ -982,9 +982,9 @@
                 </a:solidFill>
               </a:defRPr>
             </a:lvl5pPr>
-            <a:lvl6pPr marL="10801350" indent="0">
+            <a:lvl6pPr marL="8040525" indent="0">
               <a:buNone/>
-              <a:defRPr sz="6600">
+              <a:defRPr sz="4913">
                 <a:solidFill>
                   <a:schemeClr val="tx1">
                     <a:tint val="75000"/>
@@ -992,9 +992,9 @@
                 </a:solidFill>
               </a:defRPr>
             </a:lvl6pPr>
-            <a:lvl7pPr marL="12961620" indent="0">
+            <a:lvl7pPr marL="9648630" indent="0">
               <a:buNone/>
-              <a:defRPr sz="6600">
+              <a:defRPr sz="4913">
                 <a:solidFill>
                   <a:schemeClr val="tx1">
                     <a:tint val="75000"/>
@@ -1002,9 +1002,9 @@
                 </a:solidFill>
               </a:defRPr>
             </a:lvl7pPr>
-            <a:lvl8pPr marL="15121890" indent="0">
+            <a:lvl8pPr marL="11256735" indent="0">
               <a:buNone/>
-              <a:defRPr sz="6600">
+              <a:defRPr sz="4913">
                 <a:solidFill>
                   <a:schemeClr val="tx1">
                     <a:tint val="75000"/>
@@ -1012,9 +1012,9 @@
                 </a:solidFill>
               </a:defRPr>
             </a:lvl8pPr>
-            <a:lvl9pPr marL="17282160" indent="0">
+            <a:lvl9pPr marL="12864840" indent="0">
               <a:buNone/>
-              <a:defRPr sz="6600">
+              <a:defRPr sz="4913">
                 <a:solidFill>
                   <a:schemeClr val="tx1">
                     <a:tint val="75000"/>
@@ -1050,7 +1050,7 @@
             <a:fld id="{C33D5922-1A10-453D-B34B-87D0376FB0F9}" type="datetimeFigureOut">
               <a:rPr lang="en-US" smtClean="0"/>
               <a:pPr/>
-              <a:t>3/20/2019</a:t>
+              <a:t>21-Mar-19</a:t>
             </a:fld>
             <a:endParaRPr lang="en-US"/>
           </a:p>
@@ -1158,39 +1158,39 @@
         </p:nvSpPr>
         <p:spPr>
           <a:xfrm>
-            <a:off x="5743846" y="63507940"/>
-            <a:ext cx="51402048" cy="179642453"/>
+            <a:off x="4275524" y="51329519"/>
+            <a:ext cx="38261940" cy="145193823"/>
           </a:xfrm>
         </p:spPr>
         <p:txBody>
           <a:bodyPr/>
           <a:lstStyle>
             <a:lvl1pPr>
-              <a:defRPr sz="13200"/>
+              <a:defRPr sz="9826"/>
             </a:lvl1pPr>
             <a:lvl2pPr>
-              <a:defRPr sz="11300"/>
+              <a:defRPr sz="8412"/>
             </a:lvl2pPr>
             <a:lvl3pPr>
-              <a:defRPr sz="9500"/>
+              <a:defRPr sz="7072"/>
             </a:lvl3pPr>
             <a:lvl4pPr>
-              <a:defRPr sz="8500"/>
+              <a:defRPr sz="6327"/>
             </a:lvl4pPr>
             <a:lvl5pPr>
-              <a:defRPr sz="8500"/>
+              <a:defRPr sz="6327"/>
             </a:lvl5pPr>
             <a:lvl6pPr>
-              <a:defRPr sz="8500"/>
+              <a:defRPr sz="6327"/>
             </a:lvl6pPr>
             <a:lvl7pPr>
-              <a:defRPr sz="8500"/>
+              <a:defRPr sz="6327"/>
             </a:lvl7pPr>
             <a:lvl8pPr>
-              <a:defRPr sz="8500"/>
+              <a:defRPr sz="6327"/>
             </a:lvl8pPr>
             <a:lvl9pPr>
-              <a:defRPr sz="8500"/>
+              <a:defRPr sz="6327"/>
             </a:lvl9pPr>
           </a:lstStyle>
           <a:p>
@@ -1242,39 +1242,39 @@
         </p:nvSpPr>
         <p:spPr>
           <a:xfrm>
-            <a:off x="57685960" y="63507940"/>
-            <a:ext cx="51402051" cy="179642453"/>
+            <a:off x="42939471" y="51329519"/>
+            <a:ext cx="38261942" cy="145193823"/>
           </a:xfrm>
         </p:spPr>
         <p:txBody>
           <a:bodyPr/>
           <a:lstStyle>
             <a:lvl1pPr>
-              <a:defRPr sz="13200"/>
+              <a:defRPr sz="9826"/>
             </a:lvl1pPr>
             <a:lvl2pPr>
-              <a:defRPr sz="11300"/>
+              <a:defRPr sz="8412"/>
             </a:lvl2pPr>
             <a:lvl3pPr>
-              <a:defRPr sz="9500"/>
+              <a:defRPr sz="7072"/>
             </a:lvl3pPr>
             <a:lvl4pPr>
-              <a:defRPr sz="8500"/>
+              <a:defRPr sz="6327"/>
             </a:lvl4pPr>
             <a:lvl5pPr>
-              <a:defRPr sz="8500"/>
+              <a:defRPr sz="6327"/>
             </a:lvl5pPr>
             <a:lvl6pPr>
-              <a:defRPr sz="8500"/>
+              <a:defRPr sz="6327"/>
             </a:lvl6pPr>
             <a:lvl7pPr>
-              <a:defRPr sz="8500"/>
+              <a:defRPr sz="6327"/>
             </a:lvl7pPr>
             <a:lvl8pPr>
-              <a:defRPr sz="8500"/>
+              <a:defRPr sz="6327"/>
             </a:lvl8pPr>
             <a:lvl9pPr>
-              <a:defRPr sz="8500"/>
+              <a:defRPr sz="6327"/>
             </a:lvl9pPr>
           </a:lstStyle>
           <a:p>
@@ -1332,7 +1332,7 @@
             <a:fld id="{C33D5922-1A10-453D-B34B-87D0376FB0F9}" type="datetimeFigureOut">
               <a:rPr lang="en-US" smtClean="0"/>
               <a:pPr/>
-              <a:t>3/20/2019</a:t>
+              <a:t>21-Mar-19</a:t>
             </a:fld>
             <a:endParaRPr lang="en-US"/>
           </a:p>
@@ -1418,8 +1418,8 @@
         </p:nvSpPr>
         <p:spPr>
           <a:xfrm>
-            <a:off x="1620203" y="1730219"/>
-            <a:ext cx="29163645" cy="7200900"/>
+            <a:off x="1206024" y="1398428"/>
+            <a:ext cx="21708428" cy="5820040"/>
           </a:xfrm>
         </p:spPr>
         <p:txBody>
@@ -1449,8 +1449,8 @@
         </p:nvSpPr>
         <p:spPr>
           <a:xfrm>
-            <a:off x="1620203" y="9671212"/>
-            <a:ext cx="14317416" cy="4030501"/>
+            <a:off x="1206024" y="7816640"/>
+            <a:ext cx="10657399" cy="3257603"/>
           </a:xfrm>
         </p:spPr>
         <p:txBody>
@@ -1458,39 +1458,39 @@
           <a:lstStyle>
             <a:lvl1pPr marL="0" indent="0">
               <a:buNone/>
-              <a:defRPr sz="11300" b="1"/>
+              <a:defRPr sz="8412" b="1"/>
             </a:lvl1pPr>
-            <a:lvl2pPr marL="2160270" indent="0">
+            <a:lvl2pPr marL="1608105" indent="0">
               <a:buNone/>
-              <a:defRPr sz="9500" b="1"/>
+              <a:defRPr sz="7072" b="1"/>
             </a:lvl2pPr>
-            <a:lvl3pPr marL="4320540" indent="0">
+            <a:lvl3pPr marL="3216210" indent="0">
               <a:buNone/>
-              <a:defRPr sz="8500" b="1"/>
+              <a:defRPr sz="6327" b="1"/>
             </a:lvl3pPr>
-            <a:lvl4pPr marL="6480810" indent="0">
+            <a:lvl4pPr marL="4824315" indent="0">
               <a:buNone/>
-              <a:defRPr sz="7600" b="1"/>
+              <a:defRPr sz="5657" b="1"/>
             </a:lvl4pPr>
-            <a:lvl5pPr marL="8641080" indent="0">
+            <a:lvl5pPr marL="6432420" indent="0">
               <a:buNone/>
-              <a:defRPr sz="7600" b="1"/>
+              <a:defRPr sz="5657" b="1"/>
             </a:lvl5pPr>
-            <a:lvl6pPr marL="10801350" indent="0">
+            <a:lvl6pPr marL="8040525" indent="0">
               <a:buNone/>
-              <a:defRPr sz="7600" b="1"/>
+              <a:defRPr sz="5657" b="1"/>
             </a:lvl6pPr>
-            <a:lvl7pPr marL="12961620" indent="0">
+            <a:lvl7pPr marL="9648630" indent="0">
               <a:buNone/>
-              <a:defRPr sz="7600" b="1"/>
+              <a:defRPr sz="5657" b="1"/>
             </a:lvl7pPr>
-            <a:lvl8pPr marL="15121890" indent="0">
+            <a:lvl8pPr marL="11256735" indent="0">
               <a:buNone/>
-              <a:defRPr sz="7600" b="1"/>
+              <a:defRPr sz="5657" b="1"/>
             </a:lvl8pPr>
-            <a:lvl9pPr marL="17282160" indent="0">
+            <a:lvl9pPr marL="12864840" indent="0">
               <a:buNone/>
-              <a:defRPr sz="7600" b="1"/>
+              <a:defRPr sz="5657" b="1"/>
             </a:lvl9pPr>
           </a:lstStyle>
           <a:p>
@@ -1514,39 +1514,39 @@
         </p:nvSpPr>
         <p:spPr>
           <a:xfrm>
-            <a:off x="1620203" y="13701713"/>
-            <a:ext cx="14317416" cy="24893114"/>
+            <a:off x="1206024" y="11074243"/>
+            <a:ext cx="10657399" cy="20119556"/>
           </a:xfrm>
         </p:spPr>
         <p:txBody>
           <a:bodyPr/>
           <a:lstStyle>
             <a:lvl1pPr>
-              <a:defRPr sz="11300"/>
+              <a:defRPr sz="8412"/>
             </a:lvl1pPr>
             <a:lvl2pPr>
-              <a:defRPr sz="9500"/>
+              <a:defRPr sz="7072"/>
             </a:lvl2pPr>
             <a:lvl3pPr>
-              <a:defRPr sz="8500"/>
+              <a:defRPr sz="6327"/>
             </a:lvl3pPr>
             <a:lvl4pPr>
-              <a:defRPr sz="7600"/>
+              <a:defRPr sz="5657"/>
             </a:lvl4pPr>
             <a:lvl5pPr>
-              <a:defRPr sz="7600"/>
+              <a:defRPr sz="5657"/>
             </a:lvl5pPr>
             <a:lvl6pPr>
-              <a:defRPr sz="7600"/>
+              <a:defRPr sz="5657"/>
             </a:lvl6pPr>
             <a:lvl7pPr>
-              <a:defRPr sz="7600"/>
+              <a:defRPr sz="5657"/>
             </a:lvl7pPr>
             <a:lvl8pPr>
-              <a:defRPr sz="7600"/>
+              <a:defRPr sz="5657"/>
             </a:lvl8pPr>
             <a:lvl9pPr>
-              <a:defRPr sz="7600"/>
+              <a:defRPr sz="5657"/>
             </a:lvl9pPr>
           </a:lstStyle>
           <a:p>
@@ -1598,8 +1598,8 @@
         </p:nvSpPr>
         <p:spPr>
           <a:xfrm>
-            <a:off x="16460809" y="9671212"/>
-            <a:ext cx="14323040" cy="4030501"/>
+            <a:off x="12252867" y="7816640"/>
+            <a:ext cx="10661585" cy="3257603"/>
           </a:xfrm>
         </p:spPr>
         <p:txBody>
@@ -1607,39 +1607,39 @@
           <a:lstStyle>
             <a:lvl1pPr marL="0" indent="0">
               <a:buNone/>
-              <a:defRPr sz="11300" b="1"/>
+              <a:defRPr sz="8412" b="1"/>
             </a:lvl1pPr>
-            <a:lvl2pPr marL="2160270" indent="0">
+            <a:lvl2pPr marL="1608105" indent="0">
               <a:buNone/>
-              <a:defRPr sz="9500" b="1"/>
+              <a:defRPr sz="7072" b="1"/>
             </a:lvl2pPr>
-            <a:lvl3pPr marL="4320540" indent="0">
+            <a:lvl3pPr marL="3216210" indent="0">
               <a:buNone/>
-              <a:defRPr sz="8500" b="1"/>
+              <a:defRPr sz="6327" b="1"/>
             </a:lvl3pPr>
-            <a:lvl4pPr marL="6480810" indent="0">
+            <a:lvl4pPr marL="4824315" indent="0">
               <a:buNone/>
-              <a:defRPr sz="7600" b="1"/>
+              <a:defRPr sz="5657" b="1"/>
             </a:lvl4pPr>
-            <a:lvl5pPr marL="8641080" indent="0">
+            <a:lvl5pPr marL="6432420" indent="0">
               <a:buNone/>
-              <a:defRPr sz="7600" b="1"/>
+              <a:defRPr sz="5657" b="1"/>
             </a:lvl5pPr>
-            <a:lvl6pPr marL="10801350" indent="0">
+            <a:lvl6pPr marL="8040525" indent="0">
               <a:buNone/>
-              <a:defRPr sz="7600" b="1"/>
+              <a:defRPr sz="5657" b="1"/>
             </a:lvl6pPr>
-            <a:lvl7pPr marL="12961620" indent="0">
+            <a:lvl7pPr marL="9648630" indent="0">
               <a:buNone/>
-              <a:defRPr sz="7600" b="1"/>
+              <a:defRPr sz="5657" b="1"/>
             </a:lvl7pPr>
-            <a:lvl8pPr marL="15121890" indent="0">
+            <a:lvl8pPr marL="11256735" indent="0">
               <a:buNone/>
-              <a:defRPr sz="7600" b="1"/>
+              <a:defRPr sz="5657" b="1"/>
             </a:lvl8pPr>
-            <a:lvl9pPr marL="17282160" indent="0">
+            <a:lvl9pPr marL="12864840" indent="0">
               <a:buNone/>
-              <a:defRPr sz="7600" b="1"/>
+              <a:defRPr sz="5657" b="1"/>
             </a:lvl9pPr>
           </a:lstStyle>
           <a:p>
@@ -1663,39 +1663,39 @@
         </p:nvSpPr>
         <p:spPr>
           <a:xfrm>
-            <a:off x="16460809" y="13701713"/>
-            <a:ext cx="14323040" cy="24893114"/>
+            <a:off x="12252867" y="11074243"/>
+            <a:ext cx="10661585" cy="20119556"/>
           </a:xfrm>
         </p:spPr>
         <p:txBody>
           <a:bodyPr/>
           <a:lstStyle>
             <a:lvl1pPr>
-              <a:defRPr sz="11300"/>
+              <a:defRPr sz="8412"/>
             </a:lvl1pPr>
             <a:lvl2pPr>
-              <a:defRPr sz="9500"/>
+              <a:defRPr sz="7072"/>
             </a:lvl2pPr>
             <a:lvl3pPr>
-              <a:defRPr sz="8500"/>
+              <a:defRPr sz="6327"/>
             </a:lvl3pPr>
             <a:lvl4pPr>
-              <a:defRPr sz="7600"/>
+              <a:defRPr sz="5657"/>
             </a:lvl4pPr>
             <a:lvl5pPr>
-              <a:defRPr sz="7600"/>
+              <a:defRPr sz="5657"/>
             </a:lvl5pPr>
             <a:lvl6pPr>
-              <a:defRPr sz="7600"/>
+              <a:defRPr sz="5657"/>
             </a:lvl6pPr>
             <a:lvl7pPr>
-              <a:defRPr sz="7600"/>
+              <a:defRPr sz="5657"/>
             </a:lvl7pPr>
             <a:lvl8pPr>
-              <a:defRPr sz="7600"/>
+              <a:defRPr sz="5657"/>
             </a:lvl8pPr>
             <a:lvl9pPr>
-              <a:defRPr sz="7600"/>
+              <a:defRPr sz="5657"/>
             </a:lvl9pPr>
           </a:lstStyle>
           <a:p>
@@ -1753,7 +1753,7 @@
             <a:fld id="{C33D5922-1A10-453D-B34B-87D0376FB0F9}" type="datetimeFigureOut">
               <a:rPr lang="en-US" smtClean="0"/>
               <a:pPr/>
-              <a:t>3/20/2019</a:t>
+              <a:t>21-Mar-19</a:t>
             </a:fld>
             <a:endParaRPr lang="en-US"/>
           </a:p>
@@ -1867,7 +1867,7 @@
             <a:fld id="{C33D5922-1A10-453D-B34B-87D0376FB0F9}" type="datetimeFigureOut">
               <a:rPr lang="en-US" smtClean="0"/>
               <a:pPr/>
-              <a:t>3/20/2019</a:t>
+              <a:t>21-Mar-19</a:t>
             </a:fld>
             <a:endParaRPr lang="en-US"/>
           </a:p>
@@ -1959,7 +1959,7 @@
             <a:fld id="{C33D5922-1A10-453D-B34B-87D0376FB0F9}" type="datetimeFigureOut">
               <a:rPr lang="en-US" smtClean="0"/>
               <a:pPr/>
-              <a:t>3/20/2019</a:t>
+              <a:t>21-Mar-19</a:t>
             </a:fld>
             <a:endParaRPr lang="en-US"/>
           </a:p>
@@ -2045,15 +2045,15 @@
         </p:nvSpPr>
         <p:spPr>
           <a:xfrm>
-            <a:off x="1620204" y="1720215"/>
-            <a:ext cx="10660709" cy="7320915"/>
+            <a:off x="1206025" y="1390343"/>
+            <a:ext cx="7935470" cy="5917040"/>
           </a:xfrm>
         </p:spPr>
         <p:txBody>
           <a:bodyPr anchor="b"/>
           <a:lstStyle>
             <a:lvl1pPr algn="l">
-              <a:defRPr sz="9500" b="1"/>
+              <a:defRPr sz="7072" b="1"/>
             </a:lvl1pPr>
           </a:lstStyle>
           <a:p>
@@ -2076,39 +2076,39 @@
         </p:nvSpPr>
         <p:spPr>
           <a:xfrm>
-            <a:off x="12669083" y="1720218"/>
-            <a:ext cx="18114764" cy="36874612"/>
+            <a:off x="9430436" y="1390345"/>
+            <a:ext cx="13484015" cy="29803456"/>
           </a:xfrm>
         </p:spPr>
         <p:txBody>
           <a:bodyPr/>
           <a:lstStyle>
             <a:lvl1pPr>
-              <a:defRPr sz="15100"/>
+              <a:defRPr sz="11240"/>
             </a:lvl1pPr>
             <a:lvl2pPr>
-              <a:defRPr sz="13200"/>
+              <a:defRPr sz="9826"/>
             </a:lvl2pPr>
             <a:lvl3pPr>
-              <a:defRPr sz="11300"/>
+              <a:defRPr sz="8412"/>
             </a:lvl3pPr>
             <a:lvl4pPr>
-              <a:defRPr sz="9500"/>
+              <a:defRPr sz="7072"/>
             </a:lvl4pPr>
             <a:lvl5pPr>
-              <a:defRPr sz="9500"/>
+              <a:defRPr sz="7072"/>
             </a:lvl5pPr>
             <a:lvl6pPr>
-              <a:defRPr sz="9500"/>
+              <a:defRPr sz="7072"/>
             </a:lvl6pPr>
             <a:lvl7pPr>
-              <a:defRPr sz="9500"/>
+              <a:defRPr sz="7072"/>
             </a:lvl7pPr>
             <a:lvl8pPr>
-              <a:defRPr sz="9500"/>
+              <a:defRPr sz="7072"/>
             </a:lvl8pPr>
             <a:lvl9pPr>
-              <a:defRPr sz="9500"/>
+              <a:defRPr sz="7072"/>
             </a:lvl9pPr>
           </a:lstStyle>
           <a:p>
@@ -2160,8 +2160,8 @@
         </p:nvSpPr>
         <p:spPr>
           <a:xfrm>
-            <a:off x="1620204" y="9041133"/>
-            <a:ext cx="10660709" cy="29553697"/>
+            <a:off x="1206025" y="7307386"/>
+            <a:ext cx="7935470" cy="23886415"/>
           </a:xfrm>
         </p:spPr>
         <p:txBody>
@@ -2169,39 +2169,39 @@
           <a:lstStyle>
             <a:lvl1pPr marL="0" indent="0">
               <a:buNone/>
-              <a:defRPr sz="6600"/>
+              <a:defRPr sz="4913"/>
             </a:lvl1pPr>
-            <a:lvl2pPr marL="2160270" indent="0">
+            <a:lvl2pPr marL="1608105" indent="0">
               <a:buNone/>
-              <a:defRPr sz="5700"/>
+              <a:defRPr sz="4243"/>
             </a:lvl2pPr>
-            <a:lvl3pPr marL="4320540" indent="0">
+            <a:lvl3pPr marL="3216210" indent="0">
               <a:buNone/>
-              <a:defRPr sz="4700"/>
+              <a:defRPr sz="3499"/>
             </a:lvl3pPr>
-            <a:lvl4pPr marL="6480810" indent="0">
+            <a:lvl4pPr marL="4824315" indent="0">
               <a:buNone/>
-              <a:defRPr sz="4300"/>
+              <a:defRPr sz="3201"/>
             </a:lvl4pPr>
-            <a:lvl5pPr marL="8641080" indent="0">
+            <a:lvl5pPr marL="6432420" indent="0">
               <a:buNone/>
-              <a:defRPr sz="4300"/>
+              <a:defRPr sz="3201"/>
             </a:lvl5pPr>
-            <a:lvl6pPr marL="10801350" indent="0">
+            <a:lvl6pPr marL="8040525" indent="0">
               <a:buNone/>
-              <a:defRPr sz="4300"/>
+              <a:defRPr sz="3201"/>
             </a:lvl6pPr>
-            <a:lvl7pPr marL="12961620" indent="0">
+            <a:lvl7pPr marL="9648630" indent="0">
               <a:buNone/>
-              <a:defRPr sz="4300"/>
+              <a:defRPr sz="3201"/>
             </a:lvl7pPr>
-            <a:lvl8pPr marL="15121890" indent="0">
+            <a:lvl8pPr marL="11256735" indent="0">
               <a:buNone/>
-              <a:defRPr sz="4300"/>
+              <a:defRPr sz="3201"/>
             </a:lvl8pPr>
-            <a:lvl9pPr marL="17282160" indent="0">
+            <a:lvl9pPr marL="12864840" indent="0">
               <a:buNone/>
-              <a:defRPr sz="4300"/>
+              <a:defRPr sz="3201"/>
             </a:lvl9pPr>
           </a:lstStyle>
           <a:p>
@@ -2231,7 +2231,7 @@
             <a:fld id="{C33D5922-1A10-453D-B34B-87D0376FB0F9}" type="datetimeFigureOut">
               <a:rPr lang="en-US" smtClean="0"/>
               <a:pPr/>
-              <a:t>3/20/2019</a:t>
+              <a:t>21-Mar-19</a:t>
             </a:fld>
             <a:endParaRPr lang="en-US"/>
           </a:p>
@@ -2317,15 +2317,15 @@
         </p:nvSpPr>
         <p:spPr>
           <a:xfrm>
-            <a:off x="6351421" y="30243780"/>
-            <a:ext cx="19442430" cy="3570449"/>
+            <a:off x="4727782" y="24444167"/>
+            <a:ext cx="14472285" cy="2885772"/>
           </a:xfrm>
         </p:spPr>
         <p:txBody>
           <a:bodyPr anchor="b"/>
           <a:lstStyle>
             <a:lvl1pPr algn="l">
-              <a:defRPr sz="9500" b="1"/>
+              <a:defRPr sz="7072" b="1"/>
             </a:lvl1pPr>
           </a:lstStyle>
           <a:p>
@@ -2348,8 +2348,8 @@
         </p:nvSpPr>
         <p:spPr>
           <a:xfrm>
-            <a:off x="6351421" y="3860483"/>
-            <a:ext cx="19442430" cy="25923240"/>
+            <a:off x="4727782" y="3120188"/>
+            <a:ext cx="14472285" cy="20952143"/>
           </a:xfrm>
         </p:spPr>
         <p:txBody>
@@ -2357,39 +2357,39 @@
           <a:lstStyle>
             <a:lvl1pPr marL="0" indent="0">
               <a:buNone/>
-              <a:defRPr sz="15100"/>
+              <a:defRPr sz="11240"/>
             </a:lvl1pPr>
-            <a:lvl2pPr marL="2160270" indent="0">
+            <a:lvl2pPr marL="1608105" indent="0">
               <a:buNone/>
-              <a:defRPr sz="13200"/>
+              <a:defRPr sz="9826"/>
             </a:lvl2pPr>
-            <a:lvl3pPr marL="4320540" indent="0">
+            <a:lvl3pPr marL="3216210" indent="0">
               <a:buNone/>
-              <a:defRPr sz="11300"/>
+              <a:defRPr sz="8412"/>
             </a:lvl3pPr>
-            <a:lvl4pPr marL="6480810" indent="0">
+            <a:lvl4pPr marL="4824315" indent="0">
               <a:buNone/>
-              <a:defRPr sz="9500"/>
+              <a:defRPr sz="7072"/>
             </a:lvl4pPr>
-            <a:lvl5pPr marL="8641080" indent="0">
+            <a:lvl5pPr marL="6432420" indent="0">
               <a:buNone/>
-              <a:defRPr sz="9500"/>
+              <a:defRPr sz="7072"/>
             </a:lvl5pPr>
-            <a:lvl6pPr marL="10801350" indent="0">
+            <a:lvl6pPr marL="8040525" indent="0">
               <a:buNone/>
-              <a:defRPr sz="9500"/>
+              <a:defRPr sz="7072"/>
             </a:lvl6pPr>
-            <a:lvl7pPr marL="12961620" indent="0">
+            <a:lvl7pPr marL="9648630" indent="0">
               <a:buNone/>
-              <a:defRPr sz="9500"/>
+              <a:defRPr sz="7072"/>
             </a:lvl7pPr>
-            <a:lvl8pPr marL="15121890" indent="0">
+            <a:lvl8pPr marL="11256735" indent="0">
               <a:buNone/>
-              <a:defRPr sz="9500"/>
+              <a:defRPr sz="7072"/>
             </a:lvl8pPr>
-            <a:lvl9pPr marL="17282160" indent="0">
+            <a:lvl9pPr marL="12864840" indent="0">
               <a:buNone/>
-              <a:defRPr sz="9500"/>
+              <a:defRPr sz="7072"/>
             </a:lvl9pPr>
           </a:lstStyle>
           <a:p>
@@ -2409,8 +2409,8 @@
         </p:nvSpPr>
         <p:spPr>
           <a:xfrm>
-            <a:off x="6351421" y="33814229"/>
-            <a:ext cx="19442430" cy="5070631"/>
+            <a:off x="4727782" y="27329939"/>
+            <a:ext cx="14472285" cy="4098276"/>
           </a:xfrm>
         </p:spPr>
         <p:txBody>
@@ -2418,39 +2418,39 @@
           <a:lstStyle>
             <a:lvl1pPr marL="0" indent="0">
               <a:buNone/>
-              <a:defRPr sz="6600"/>
+              <a:defRPr sz="4913"/>
             </a:lvl1pPr>
-            <a:lvl2pPr marL="2160270" indent="0">
+            <a:lvl2pPr marL="1608105" indent="0">
               <a:buNone/>
-              <a:defRPr sz="5700"/>
+              <a:defRPr sz="4243"/>
             </a:lvl2pPr>
-            <a:lvl3pPr marL="4320540" indent="0">
+            <a:lvl3pPr marL="3216210" indent="0">
               <a:buNone/>
-              <a:defRPr sz="4700"/>
+              <a:defRPr sz="3499"/>
             </a:lvl3pPr>
-            <a:lvl4pPr marL="6480810" indent="0">
+            <a:lvl4pPr marL="4824315" indent="0">
               <a:buNone/>
-              <a:defRPr sz="4300"/>
+              <a:defRPr sz="3201"/>
             </a:lvl4pPr>
-            <a:lvl5pPr marL="8641080" indent="0">
+            <a:lvl5pPr marL="6432420" indent="0">
               <a:buNone/>
-              <a:defRPr sz="4300"/>
+              <a:defRPr sz="3201"/>
             </a:lvl5pPr>
-            <a:lvl6pPr marL="10801350" indent="0">
+            <a:lvl6pPr marL="8040525" indent="0">
               <a:buNone/>
-              <a:defRPr sz="4300"/>
+              <a:defRPr sz="3201"/>
             </a:lvl6pPr>
-            <a:lvl7pPr marL="12961620" indent="0">
+            <a:lvl7pPr marL="9648630" indent="0">
               <a:buNone/>
-              <a:defRPr sz="4300"/>
+              <a:defRPr sz="3201"/>
             </a:lvl7pPr>
-            <a:lvl8pPr marL="15121890" indent="0">
+            <a:lvl8pPr marL="11256735" indent="0">
               <a:buNone/>
-              <a:defRPr sz="4300"/>
+              <a:defRPr sz="3201"/>
             </a:lvl8pPr>
-            <a:lvl9pPr marL="17282160" indent="0">
+            <a:lvl9pPr marL="12864840" indent="0">
               <a:buNone/>
-              <a:defRPr sz="4300"/>
+              <a:defRPr sz="3201"/>
             </a:lvl9pPr>
           </a:lstStyle>
           <a:p>
@@ -2480,7 +2480,7 @@
             <a:fld id="{C33D5922-1A10-453D-B34B-87D0376FB0F9}" type="datetimeFigureOut">
               <a:rPr lang="en-US" smtClean="0"/>
               <a:pPr/>
-              <a:t>3/20/2019</a:t>
+              <a:t>21-Mar-19</a:t>
             </a:fld>
             <a:endParaRPr lang="en-US"/>
           </a:p>
@@ -2571,8 +2571,8 @@
         </p:nvSpPr>
         <p:spPr>
           <a:xfrm>
-            <a:off x="1620203" y="1730219"/>
-            <a:ext cx="29163645" cy="7200900"/>
+            <a:off x="1206024" y="1398428"/>
+            <a:ext cx="21708428" cy="5820040"/>
           </a:xfrm>
           <a:prstGeom prst="rect">
             <a:avLst/>
@@ -2603,8 +2603,8 @@
         </p:nvSpPr>
         <p:spPr>
           <a:xfrm>
-            <a:off x="1620203" y="10081263"/>
-            <a:ext cx="29163645" cy="28513567"/>
+            <a:off x="1206024" y="8148058"/>
+            <a:ext cx="21708428" cy="23045743"/>
           </a:xfrm>
           <a:prstGeom prst="rect">
             <a:avLst/>
@@ -2664,8 +2664,8 @@
         </p:nvSpPr>
         <p:spPr>
           <a:xfrm>
-            <a:off x="1620203" y="40045008"/>
-            <a:ext cx="7560945" cy="2300288"/>
+            <a:off x="1206024" y="32365890"/>
+            <a:ext cx="5628111" cy="1859180"/>
           </a:xfrm>
           <a:prstGeom prst="rect">
             <a:avLst/>
@@ -2675,7 +2675,7 @@
           <a:bodyPr vert="horz" lIns="432054" tIns="216027" rIns="432054" bIns="216027" rtlCol="0" anchor="ctr"/>
           <a:lstStyle>
             <a:lvl1pPr algn="l">
-              <a:defRPr sz="5700">
+              <a:defRPr sz="4243">
                 <a:solidFill>
                   <a:schemeClr val="tx1">
                     <a:tint val="75000"/>
@@ -2688,7 +2688,7 @@
             <a:fld id="{C33D5922-1A10-453D-B34B-87D0376FB0F9}" type="datetimeFigureOut">
               <a:rPr lang="en-US" smtClean="0"/>
               <a:pPr/>
-              <a:t>3/20/2019</a:t>
+              <a:t>21-Mar-19</a:t>
             </a:fld>
             <a:endParaRPr lang="en-US"/>
           </a:p>
@@ -2706,8 +2706,8 @@
         </p:nvSpPr>
         <p:spPr>
           <a:xfrm>
-            <a:off x="11071384" y="40045008"/>
-            <a:ext cx="10261283" cy="2300288"/>
+            <a:off x="8241163" y="32365890"/>
+            <a:ext cx="7638151" cy="1859180"/>
           </a:xfrm>
           <a:prstGeom prst="rect">
             <a:avLst/>
@@ -2717,7 +2717,7 @@
           <a:bodyPr vert="horz" lIns="432054" tIns="216027" rIns="432054" bIns="216027" rtlCol="0" anchor="ctr"/>
           <a:lstStyle>
             <a:lvl1pPr algn="ctr">
-              <a:defRPr sz="5700">
+              <a:defRPr sz="4243">
                 <a:solidFill>
                   <a:schemeClr val="tx1">
                     <a:tint val="75000"/>
@@ -2743,8 +2743,8 @@
         </p:nvSpPr>
         <p:spPr>
           <a:xfrm>
-            <a:off x="23222903" y="40045008"/>
-            <a:ext cx="7560945" cy="2300288"/>
+            <a:off x="17286341" y="32365890"/>
+            <a:ext cx="5628111" cy="1859180"/>
           </a:xfrm>
           <a:prstGeom prst="rect">
             <a:avLst/>
@@ -2754,7 +2754,7 @@
           <a:bodyPr vert="horz" lIns="432054" tIns="216027" rIns="432054" bIns="216027" rtlCol="0" anchor="ctr"/>
           <a:lstStyle>
             <a:lvl1pPr algn="r">
-              <a:defRPr sz="5700">
+              <a:defRPr sz="4243">
                 <a:solidFill>
                   <a:schemeClr val="tx1">
                     <a:tint val="75000"/>
@@ -2791,12 +2791,12 @@
   </p:sldLayoutIdLst>
   <p:txStyles>
     <p:titleStyle>
-      <a:lvl1pPr algn="ctr" defTabSz="4320540" rtl="0" eaLnBrk="1" latinLnBrk="0" hangingPunct="1">
+      <a:lvl1pPr algn="ctr" defTabSz="3216210" rtl="0" eaLnBrk="1" latinLnBrk="0" hangingPunct="1">
         <a:spcBef>
           <a:spcPct val="0"/>
         </a:spcBef>
         <a:buNone/>
-        <a:defRPr sz="20800" kern="1200">
+        <a:defRPr sz="15484" kern="1200">
           <a:solidFill>
             <a:schemeClr val="tx1"/>
           </a:solidFill>
@@ -2807,13 +2807,13 @@
       </a:lvl1pPr>
     </p:titleStyle>
     <p:bodyStyle>
-      <a:lvl1pPr marL="1620203" indent="-1620203" algn="l" defTabSz="4320540" rtl="0" eaLnBrk="1" latinLnBrk="0" hangingPunct="1">
+      <a:lvl1pPr marL="1206079" indent="-1206079" algn="l" defTabSz="3216210" rtl="0" eaLnBrk="1" latinLnBrk="0" hangingPunct="1">
         <a:spcBef>
           <a:spcPct val="20000"/>
         </a:spcBef>
         <a:buFont typeface="Arial" pitchFamily="34" charset="0"/>
         <a:buChar char="•"/>
-        <a:defRPr sz="15100" kern="1200">
+        <a:defRPr sz="11240" kern="1200">
           <a:solidFill>
             <a:schemeClr val="tx1"/>
           </a:solidFill>
@@ -2822,13 +2822,13 @@
           <a:cs typeface="+mn-cs"/>
         </a:defRPr>
       </a:lvl1pPr>
-      <a:lvl2pPr marL="3510439" indent="-1350169" algn="l" defTabSz="4320540" rtl="0" eaLnBrk="1" latinLnBrk="0" hangingPunct="1">
+      <a:lvl2pPr marL="2613171" indent="-1005066" algn="l" defTabSz="3216210" rtl="0" eaLnBrk="1" latinLnBrk="0" hangingPunct="1">
         <a:spcBef>
           <a:spcPct val="20000"/>
         </a:spcBef>
         <a:buFont typeface="Arial" pitchFamily="34" charset="0"/>
         <a:buChar char="–"/>
-        <a:defRPr sz="13200" kern="1200">
+        <a:defRPr sz="9826" kern="1200">
           <a:solidFill>
             <a:schemeClr val="tx1"/>
           </a:solidFill>
@@ -2837,13 +2837,13 @@
           <a:cs typeface="+mn-cs"/>
         </a:defRPr>
       </a:lvl2pPr>
-      <a:lvl3pPr marL="5400675" indent="-1080135" algn="l" defTabSz="4320540" rtl="0" eaLnBrk="1" latinLnBrk="0" hangingPunct="1">
+      <a:lvl3pPr marL="4020262" indent="-804052" algn="l" defTabSz="3216210" rtl="0" eaLnBrk="1" latinLnBrk="0" hangingPunct="1">
         <a:spcBef>
           <a:spcPct val="20000"/>
         </a:spcBef>
         <a:buFont typeface="Arial" pitchFamily="34" charset="0"/>
         <a:buChar char="•"/>
-        <a:defRPr sz="11300" kern="1200">
+        <a:defRPr sz="8412" kern="1200">
           <a:solidFill>
             <a:schemeClr val="tx1"/>
           </a:solidFill>
@@ -2852,13 +2852,13 @@
           <a:cs typeface="+mn-cs"/>
         </a:defRPr>
       </a:lvl3pPr>
-      <a:lvl4pPr marL="7560945" indent="-1080135" algn="l" defTabSz="4320540" rtl="0" eaLnBrk="1" latinLnBrk="0" hangingPunct="1">
+      <a:lvl4pPr marL="5628367" indent="-804052" algn="l" defTabSz="3216210" rtl="0" eaLnBrk="1" latinLnBrk="0" hangingPunct="1">
         <a:spcBef>
           <a:spcPct val="20000"/>
         </a:spcBef>
         <a:buFont typeface="Arial" pitchFamily="34" charset="0"/>
         <a:buChar char="–"/>
-        <a:defRPr sz="9500" kern="1200">
+        <a:defRPr sz="7072" kern="1200">
           <a:solidFill>
             <a:schemeClr val="tx1"/>
           </a:solidFill>
@@ -2867,13 +2867,13 @@
           <a:cs typeface="+mn-cs"/>
         </a:defRPr>
       </a:lvl4pPr>
-      <a:lvl5pPr marL="9721215" indent="-1080135" algn="l" defTabSz="4320540" rtl="0" eaLnBrk="1" latinLnBrk="0" hangingPunct="1">
+      <a:lvl5pPr marL="7236472" indent="-804052" algn="l" defTabSz="3216210" rtl="0" eaLnBrk="1" latinLnBrk="0" hangingPunct="1">
         <a:spcBef>
           <a:spcPct val="20000"/>
         </a:spcBef>
         <a:buFont typeface="Arial" pitchFamily="34" charset="0"/>
         <a:buChar char="»"/>
-        <a:defRPr sz="9500" kern="1200">
+        <a:defRPr sz="7072" kern="1200">
           <a:solidFill>
             <a:schemeClr val="tx1"/>
           </a:solidFill>
@@ -2882,13 +2882,13 @@
           <a:cs typeface="+mn-cs"/>
         </a:defRPr>
       </a:lvl5pPr>
-      <a:lvl6pPr marL="11881485" indent="-1080135" algn="l" defTabSz="4320540" rtl="0" eaLnBrk="1" latinLnBrk="0" hangingPunct="1">
+      <a:lvl6pPr marL="8844577" indent="-804052" algn="l" defTabSz="3216210" rtl="0" eaLnBrk="1" latinLnBrk="0" hangingPunct="1">
         <a:spcBef>
           <a:spcPct val="20000"/>
         </a:spcBef>
         <a:buFont typeface="Arial" pitchFamily="34" charset="0"/>
         <a:buChar char="•"/>
-        <a:defRPr sz="9500" kern="1200">
+        <a:defRPr sz="7072" kern="1200">
           <a:solidFill>
             <a:schemeClr val="tx1"/>
           </a:solidFill>
@@ -2897,13 +2897,13 @@
           <a:cs typeface="+mn-cs"/>
         </a:defRPr>
       </a:lvl6pPr>
-      <a:lvl7pPr marL="14041755" indent="-1080135" algn="l" defTabSz="4320540" rtl="0" eaLnBrk="1" latinLnBrk="0" hangingPunct="1">
+      <a:lvl7pPr marL="10452682" indent="-804052" algn="l" defTabSz="3216210" rtl="0" eaLnBrk="1" latinLnBrk="0" hangingPunct="1">
         <a:spcBef>
           <a:spcPct val="20000"/>
         </a:spcBef>
         <a:buFont typeface="Arial" pitchFamily="34" charset="0"/>
         <a:buChar char="•"/>
-        <a:defRPr sz="9500" kern="1200">
+        <a:defRPr sz="7072" kern="1200">
           <a:solidFill>
             <a:schemeClr val="tx1"/>
           </a:solidFill>
@@ -2912,13 +2912,13 @@
           <a:cs typeface="+mn-cs"/>
         </a:defRPr>
       </a:lvl7pPr>
-      <a:lvl8pPr marL="16202025" indent="-1080135" algn="l" defTabSz="4320540" rtl="0" eaLnBrk="1" latinLnBrk="0" hangingPunct="1">
+      <a:lvl8pPr marL="12060787" indent="-804052" algn="l" defTabSz="3216210" rtl="0" eaLnBrk="1" latinLnBrk="0" hangingPunct="1">
         <a:spcBef>
           <a:spcPct val="20000"/>
         </a:spcBef>
         <a:buFont typeface="Arial" pitchFamily="34" charset="0"/>
         <a:buChar char="•"/>
-        <a:defRPr sz="9500" kern="1200">
+        <a:defRPr sz="7072" kern="1200">
           <a:solidFill>
             <a:schemeClr val="tx1"/>
           </a:solidFill>
@@ -2927,13 +2927,13 @@
           <a:cs typeface="+mn-cs"/>
         </a:defRPr>
       </a:lvl8pPr>
-      <a:lvl9pPr marL="18362295" indent="-1080135" algn="l" defTabSz="4320540" rtl="0" eaLnBrk="1" latinLnBrk="0" hangingPunct="1">
+      <a:lvl9pPr marL="13668892" indent="-804052" algn="l" defTabSz="3216210" rtl="0" eaLnBrk="1" latinLnBrk="0" hangingPunct="1">
         <a:spcBef>
           <a:spcPct val="20000"/>
         </a:spcBef>
         <a:buFont typeface="Arial" pitchFamily="34" charset="0"/>
         <a:buChar char="•"/>
-        <a:defRPr sz="9500" kern="1200">
+        <a:defRPr sz="7072" kern="1200">
           <a:solidFill>
             <a:schemeClr val="tx1"/>
           </a:solidFill>
@@ -2947,8 +2947,8 @@
       <a:defPPr>
         <a:defRPr lang="en-US"/>
       </a:defPPr>
-      <a:lvl1pPr marL="0" algn="l" defTabSz="4320540" rtl="0" eaLnBrk="1" latinLnBrk="0" hangingPunct="1">
-        <a:defRPr sz="8500" kern="1200">
+      <a:lvl1pPr marL="0" algn="l" defTabSz="3216210" rtl="0" eaLnBrk="1" latinLnBrk="0" hangingPunct="1">
+        <a:defRPr sz="6327" kern="1200">
           <a:solidFill>
             <a:schemeClr val="tx1"/>
           </a:solidFill>
@@ -2957,8 +2957,8 @@
           <a:cs typeface="+mn-cs"/>
         </a:defRPr>
       </a:lvl1pPr>
-      <a:lvl2pPr marL="2160270" algn="l" defTabSz="4320540" rtl="0" eaLnBrk="1" latinLnBrk="0" hangingPunct="1">
-        <a:defRPr sz="8500" kern="1200">
+      <a:lvl2pPr marL="1608105" algn="l" defTabSz="3216210" rtl="0" eaLnBrk="1" latinLnBrk="0" hangingPunct="1">
+        <a:defRPr sz="6327" kern="1200">
           <a:solidFill>
             <a:schemeClr val="tx1"/>
           </a:solidFill>
@@ -2967,8 +2967,8 @@
           <a:cs typeface="+mn-cs"/>
         </a:defRPr>
       </a:lvl2pPr>
-      <a:lvl3pPr marL="4320540" algn="l" defTabSz="4320540" rtl="0" eaLnBrk="1" latinLnBrk="0" hangingPunct="1">
-        <a:defRPr sz="8500" kern="1200">
+      <a:lvl3pPr marL="3216210" algn="l" defTabSz="3216210" rtl="0" eaLnBrk="1" latinLnBrk="0" hangingPunct="1">
+        <a:defRPr sz="6327" kern="1200">
           <a:solidFill>
             <a:schemeClr val="tx1"/>
           </a:solidFill>
@@ -2977,8 +2977,8 @@
           <a:cs typeface="+mn-cs"/>
         </a:defRPr>
       </a:lvl3pPr>
-      <a:lvl4pPr marL="6480810" algn="l" defTabSz="4320540" rtl="0" eaLnBrk="1" latinLnBrk="0" hangingPunct="1">
-        <a:defRPr sz="8500" kern="1200">
+      <a:lvl4pPr marL="4824315" algn="l" defTabSz="3216210" rtl="0" eaLnBrk="1" latinLnBrk="0" hangingPunct="1">
+        <a:defRPr sz="6327" kern="1200">
           <a:solidFill>
             <a:schemeClr val="tx1"/>
           </a:solidFill>
@@ -2987,8 +2987,8 @@
           <a:cs typeface="+mn-cs"/>
         </a:defRPr>
       </a:lvl4pPr>
-      <a:lvl5pPr marL="8641080" algn="l" defTabSz="4320540" rtl="0" eaLnBrk="1" latinLnBrk="0" hangingPunct="1">
-        <a:defRPr sz="8500" kern="1200">
+      <a:lvl5pPr marL="6432420" algn="l" defTabSz="3216210" rtl="0" eaLnBrk="1" latinLnBrk="0" hangingPunct="1">
+        <a:defRPr sz="6327" kern="1200">
           <a:solidFill>
             <a:schemeClr val="tx1"/>
           </a:solidFill>
@@ -2997,8 +2997,8 @@
           <a:cs typeface="+mn-cs"/>
         </a:defRPr>
       </a:lvl5pPr>
-      <a:lvl6pPr marL="10801350" algn="l" defTabSz="4320540" rtl="0" eaLnBrk="1" latinLnBrk="0" hangingPunct="1">
-        <a:defRPr sz="8500" kern="1200">
+      <a:lvl6pPr marL="8040525" algn="l" defTabSz="3216210" rtl="0" eaLnBrk="1" latinLnBrk="0" hangingPunct="1">
+        <a:defRPr sz="6327" kern="1200">
           <a:solidFill>
             <a:schemeClr val="tx1"/>
           </a:solidFill>
@@ -3007,8 +3007,8 @@
           <a:cs typeface="+mn-cs"/>
         </a:defRPr>
       </a:lvl6pPr>
-      <a:lvl7pPr marL="12961620" algn="l" defTabSz="4320540" rtl="0" eaLnBrk="1" latinLnBrk="0" hangingPunct="1">
-        <a:defRPr sz="8500" kern="1200">
+      <a:lvl7pPr marL="9648630" algn="l" defTabSz="3216210" rtl="0" eaLnBrk="1" latinLnBrk="0" hangingPunct="1">
+        <a:defRPr sz="6327" kern="1200">
           <a:solidFill>
             <a:schemeClr val="tx1"/>
           </a:solidFill>
@@ -3017,8 +3017,8 @@
           <a:cs typeface="+mn-cs"/>
         </a:defRPr>
       </a:lvl7pPr>
-      <a:lvl8pPr marL="15121890" algn="l" defTabSz="4320540" rtl="0" eaLnBrk="1" latinLnBrk="0" hangingPunct="1">
-        <a:defRPr sz="8500" kern="1200">
+      <a:lvl8pPr marL="11256735" algn="l" defTabSz="3216210" rtl="0" eaLnBrk="1" latinLnBrk="0" hangingPunct="1">
+        <a:defRPr sz="6327" kern="1200">
           <a:solidFill>
             <a:schemeClr val="tx1"/>
           </a:solidFill>
@@ -3027,8 +3027,8 @@
           <a:cs typeface="+mn-cs"/>
         </a:defRPr>
       </a:lvl8pPr>
-      <a:lvl9pPr marL="17282160" algn="l" defTabSz="4320540" rtl="0" eaLnBrk="1" latinLnBrk="0" hangingPunct="1">
-        <a:defRPr sz="8500" kern="1200">
+      <a:lvl9pPr marL="12864840" algn="l" defTabSz="3216210" rtl="0" eaLnBrk="1" latinLnBrk="0" hangingPunct="1">
+        <a:defRPr sz="6327" kern="1200">
           <a:solidFill>
             <a:schemeClr val="tx1"/>
           </a:solidFill>
@@ -3081,8 +3081,8 @@
         </p:nvSpPr>
         <p:spPr bwMode="auto">
           <a:xfrm>
-            <a:off x="628541" y="-256339"/>
-            <a:ext cx="31132567" cy="2708434"/>
+            <a:off x="339452" y="570945"/>
+            <a:ext cx="23174026" cy="2100054"/>
           </a:xfrm>
           <a:prstGeom prst="rect">
             <a:avLst/>
@@ -3097,7 +3097,7 @@
           <a:effectLst/>
         </p:spPr>
         <p:txBody>
-          <a:bodyPr vert="horz" wrap="square" lIns="91440" tIns="45720" rIns="91440" bIns="45720" numCol="1" anchor="ctr" anchorCtr="0" compatLnSpc="1">
+          <a:bodyPr vert="horz" wrap="square" lIns="68065" tIns="34032" rIns="68065" bIns="34032" numCol="1" anchor="ctr" anchorCtr="0" compatLnSpc="1">
             <a:spAutoFit/>
             <a:scene3d>
               <a:camera prst="orthographicFront"/>
@@ -3111,24 +3111,16 @@
           </a:bodyPr>
           <a:lstStyle/>
           <a:p>
-            <a:pPr marL="0" marR="0" lvl="0" indent="0" algn="ctr" defTabSz="914400" rtl="0" eaLnBrk="1" fontAlgn="base" latinLnBrk="0" hangingPunct="1">
-              <a:lnSpc>
-                <a:spcPct val="100000"/>
-              </a:lnSpc>
+            <a:pPr algn="ctr" defTabSz="680679" fontAlgn="base">
               <a:spcBef>
                 <a:spcPct val="0"/>
               </a:spcBef>
               <a:spcAft>
                 <a:spcPct val="0"/>
               </a:spcAft>
-              <a:buClrTx/>
-              <a:buSzTx/>
-              <a:buFontTx/>
-              <a:buNone/>
-              <a:tabLst/>
             </a:pPr>
             <a:r>
-              <a:rPr lang="en-US" b="1" spc="50" dirty="0">
+              <a:rPr lang="en-US" sz="6600" b="1" spc="50" dirty="0">
                 <a:ln w="9525" cmpd="sng">
                   <a:solidFill>
                     <a:schemeClr val="accent1"/>
@@ -3150,9 +3142,9 @@
                 <a:latin typeface="+mj-lt"/>
                 <a:cs typeface="Times New Roman" pitchFamily="18" charset="0"/>
               </a:rPr>
-              <a:t>Comparing between supervised and unsupervised approaches to classify gene expression profiles of cancer patients</a:t>
-            </a:r>
-            <a:endParaRPr kumimoji="0" lang="en-US" b="1" i="0" u="none" strike="noStrike" spc="50" normalizeH="0" baseline="0" dirty="0">
+              <a:t>Comparing Between Supervised and Unsupervised Approaches to Classify Gene Expression Profiles of Cancer Patients</a:t>
+            </a:r>
+            <a:endParaRPr lang="en-US" sz="6600" b="1" spc="50" dirty="0">
               <a:ln w="9525" cmpd="sng">
                 <a:solidFill>
                   <a:schemeClr val="accent1"/>
@@ -3187,8 +3179,8 @@
         </p:nvSpPr>
         <p:spPr bwMode="auto">
           <a:xfrm>
-            <a:off x="0" y="1742938"/>
-            <a:ext cx="32404050" cy="2554545"/>
+            <a:off x="-1" y="2252777"/>
+            <a:ext cx="24120475" cy="1901410"/>
           </a:xfrm>
           <a:prstGeom prst="rect">
             <a:avLst/>
@@ -3203,57 +3195,12 @@
           <a:effectLst/>
         </p:spPr>
         <p:txBody>
-          <a:bodyPr vert="horz" wrap="square" lIns="91440" tIns="45720" rIns="91440" bIns="45720" numCol="1" anchor="ctr" anchorCtr="0" compatLnSpc="1">
+          <a:bodyPr vert="horz" wrap="square" lIns="68065" tIns="34032" rIns="68065" bIns="34032" numCol="1" anchor="ctr" anchorCtr="0" compatLnSpc="1">
             <a:spAutoFit/>
           </a:bodyPr>
           <a:lstStyle/>
           <a:p>
-            <a:pPr marL="0" marR="0" lvl="0" indent="0" algn="ctr" defTabSz="914400" rtl="0" eaLnBrk="1" fontAlgn="base" latinLnBrk="0" hangingPunct="1">
-              <a:lnSpc>
-                <a:spcPct val="100000"/>
-              </a:lnSpc>
-              <a:spcBef>
-                <a:spcPct val="0"/>
-              </a:spcBef>
-              <a:spcAft>
-                <a:spcPct val="0"/>
-              </a:spcAft>
-              <a:buClrTx/>
-              <a:buSzTx/>
-              <a:buFontTx/>
-              <a:buNone/>
-              <a:tabLst/>
-            </a:pPr>
-            <a:endParaRPr lang="en-US" sz="6000" b="1" baseline="30000" dirty="0">
-              <a:ln w="18415" cmpd="sng">
-                <a:solidFill>
-                  <a:srgbClr val="FFFFFF"/>
-                </a:solidFill>
-                <a:prstDash val="solid"/>
-              </a:ln>
-              <a:solidFill>
-                <a:srgbClr val="FFFFFF"/>
-              </a:solidFill>
-              <a:effectLst>
-                <a:glow rad="228600">
-                  <a:schemeClr val="accent1">
-                    <a:satMod val="175000"/>
-                    <a:alpha val="40000"/>
-                  </a:schemeClr>
-                </a:glow>
-                <a:outerShdw blurRad="38100" dist="38100" dir="2700000" algn="tl">
-                  <a:srgbClr val="000000">
-                    <a:alpha val="43137"/>
-                  </a:srgbClr>
-                </a:outerShdw>
-              </a:effectLst>
-              <a:latin typeface="+mj-lt"/>
-              <a:ea typeface="Calibri" pitchFamily="34" charset="0"/>
-              <a:cs typeface="Arial" pitchFamily="34" charset="0"/>
-            </a:endParaRPr>
-          </a:p>
-          <a:p>
-            <a:pPr lvl="0" algn="ctr" defTabSz="914400" fontAlgn="base">
+            <a:pPr algn="ctr" defTabSz="680679" fontAlgn="base">
               <a:spcBef>
                 <a:spcPct val="0"/>
               </a:spcBef>
@@ -3261,129 +3208,40 @@
                 <a:spcPct val="0"/>
               </a:spcAft>
             </a:pPr>
-            <a:r>
-              <a:rPr kumimoji="0" lang="en-US" sz="6000" b="1" i="0" u="none" strike="noStrike" normalizeH="0" baseline="0" dirty="0">
-                <a:ln w="18415" cmpd="sng">
-                  <a:solidFill>
-                    <a:srgbClr val="FFFFFF"/>
-                  </a:solidFill>
-                  <a:prstDash val="solid"/>
-                </a:ln>
+            <a:endParaRPr lang="en-US" sz="4466" b="1" baseline="30000" dirty="0">
+              <a:ln w="12700" cmpd="sng">
                 <a:solidFill>
-                  <a:srgbClr val="FFFFFF"/>
+                  <a:schemeClr val="accent4"/>
                 </a:solidFill>
-                <a:effectLst>
-                  <a:glow rad="228600">
-                    <a:schemeClr val="accent1">
-                      <a:satMod val="175000"/>
-                      <a:alpha val="40000"/>
+                <a:prstDash val="solid"/>
+              </a:ln>
+              <a:gradFill>
+                <a:gsLst>
+                  <a:gs pos="0">
+                    <a:schemeClr val="accent4"/>
+                  </a:gs>
+                  <a:gs pos="4000">
+                    <a:schemeClr val="accent4">
+                      <a:lumMod val="60000"/>
+                      <a:lumOff val="40000"/>
                     </a:schemeClr>
-                  </a:glow>
-                  <a:outerShdw blurRad="38100" dist="38100" dir="2700000" algn="tl">
-                    <a:srgbClr val="000000">
-                      <a:alpha val="43137"/>
-                    </a:srgbClr>
-                  </a:outerShdw>
-                </a:effectLst>
-                <a:latin typeface="+mj-lt"/>
-                <a:ea typeface="Calibri" pitchFamily="34" charset="0"/>
-                <a:cs typeface="Arial" pitchFamily="34" charset="0"/>
-              </a:rPr>
-              <a:t>Anna Romanov</a:t>
-            </a:r>
-            <a:r>
-              <a:rPr kumimoji="0" lang="en-US" sz="6000" b="1" i="0" u="none" strike="noStrike" normalizeH="0" baseline="30000" dirty="0">
-                <a:ln w="18415" cmpd="sng">
-                  <a:solidFill>
-                    <a:srgbClr val="FFFFFF"/>
-                  </a:solidFill>
-                  <a:prstDash val="solid"/>
-                </a:ln>
-                <a:solidFill>
-                  <a:srgbClr val="FFFFFF"/>
-                </a:solidFill>
-                <a:effectLst>
-                  <a:glow rad="228600">
-                    <a:schemeClr val="accent1">
-                      <a:satMod val="175000"/>
-                      <a:alpha val="40000"/>
+                  </a:gs>
+                  <a:gs pos="87000">
+                    <a:schemeClr val="accent4">
+                      <a:lumMod val="20000"/>
+                      <a:lumOff val="80000"/>
                     </a:schemeClr>
-                  </a:glow>
-                  <a:outerShdw blurRad="38100" dist="38100" dir="2700000" algn="tl">
-                    <a:srgbClr val="000000">
-                      <a:alpha val="43137"/>
-                    </a:srgbClr>
-                  </a:outerShdw>
-                </a:effectLst>
-                <a:latin typeface="+mj-lt"/>
-                <a:ea typeface="Calibri" pitchFamily="34" charset="0"/>
-                <a:cs typeface="Arial" pitchFamily="34" charset="0"/>
-              </a:rPr>
-              <a:t>1</a:t>
-            </a:r>
-            <a:r>
-              <a:rPr kumimoji="0" lang="en-US" sz="6000" b="1" i="0" u="none" strike="noStrike" normalizeH="0" baseline="0" dirty="0">
-                <a:ln w="18415" cmpd="sng">
-                  <a:solidFill>
-                    <a:srgbClr val="FFFFFF"/>
-                  </a:solidFill>
-                  <a:prstDash val="solid"/>
-                </a:ln>
-                <a:solidFill>
-                  <a:srgbClr val="FFFFFF"/>
-                </a:solidFill>
-                <a:effectLst>
-                  <a:glow rad="228600">
-                    <a:schemeClr val="accent1">
-                      <a:satMod val="175000"/>
-                      <a:alpha val="40000"/>
-                    </a:schemeClr>
-                  </a:glow>
-                  <a:outerShdw blurRad="38100" dist="38100" dir="2700000" algn="tl">
-                    <a:srgbClr val="000000">
-                      <a:alpha val="43137"/>
-                    </a:srgbClr>
-                  </a:outerShdw>
-                </a:effectLst>
-                <a:latin typeface="+mj-lt"/>
-                <a:ea typeface="Calibri" pitchFamily="34" charset="0"/>
-                <a:cs typeface="Arial" pitchFamily="34" charset="0"/>
-              </a:rPr>
-              <a:t>, Maxim Kolchinsky</a:t>
-            </a:r>
-            <a:r>
-              <a:rPr kumimoji="0" lang="en-US" sz="6000" b="1" i="0" u="none" strike="noStrike" normalizeH="0" baseline="30000" dirty="0">
-                <a:ln w="18415" cmpd="sng">
-                  <a:solidFill>
-                    <a:srgbClr val="FFFFFF"/>
-                  </a:solidFill>
-                  <a:prstDash val="solid"/>
-                </a:ln>
-                <a:solidFill>
-                  <a:srgbClr val="FFFFFF"/>
-                </a:solidFill>
-                <a:effectLst>
-                  <a:glow rad="228600">
-                    <a:schemeClr val="accent1">
-                      <a:satMod val="175000"/>
-                      <a:alpha val="40000"/>
-                    </a:schemeClr>
-                  </a:glow>
-                  <a:outerShdw blurRad="38100" dist="38100" dir="2700000" algn="tl">
-                    <a:srgbClr val="000000">
-                      <a:alpha val="43137"/>
-                    </a:srgbClr>
-                  </a:outerShdw>
-                </a:effectLst>
-                <a:latin typeface="+mj-lt"/>
-                <a:ea typeface="Calibri" pitchFamily="34" charset="0"/>
-                <a:cs typeface="Arial" pitchFamily="34" charset="0"/>
-              </a:rPr>
-              <a:t>1</a:t>
-            </a:r>
-          </a:p>
-          <a:p>
-            <a:pPr lvl="0" algn="ctr" defTabSz="914400" fontAlgn="base">
+                  </a:gs>
+                </a:gsLst>
+                <a:lin ang="5400000"/>
+              </a:gradFill>
+              <a:latin typeface="+mj-lt"/>
+              <a:ea typeface="Calibri" pitchFamily="34" charset="0"/>
+              <a:cs typeface="Arial" pitchFamily="34" charset="0"/>
+            </a:endParaRPr>
+          </a:p>
+          <a:p>
+            <a:pPr algn="ctr" defTabSz="680679" fontAlgn="base">
               <a:spcBef>
                 <a:spcPct val="0"/>
               </a:spcBef>
@@ -3392,29 +3250,179 @@
               </a:spcAft>
             </a:pPr>
             <a:r>
-              <a:rPr lang="en-US" sz="6000" b="1" dirty="0">
-                <a:ln w="18415" cmpd="sng">
+              <a:rPr lang="en-US" sz="4466" b="1" dirty="0">
+                <a:ln w="12700" cmpd="sng">
                   <a:solidFill>
-                    <a:srgbClr val="FFFFFF"/>
+                    <a:schemeClr val="accent4"/>
                   </a:solidFill>
                   <a:prstDash val="solid"/>
                 </a:ln>
-                <a:solidFill>
-                  <a:srgbClr val="FFFFFF"/>
-                </a:solidFill>
-                <a:effectLst>
-                  <a:glow rad="228600">
-                    <a:schemeClr val="accent1">
-                      <a:satMod val="175000"/>
-                      <a:alpha val="40000"/>
-                    </a:schemeClr>
-                  </a:glow>
-                  <a:outerShdw blurRad="38100" dist="38100" dir="2700000" algn="tl">
-                    <a:srgbClr val="000000">
-                      <a:alpha val="43137"/>
-                    </a:srgbClr>
-                  </a:outerShdw>
-                </a:effectLst>
+                <a:gradFill>
+                  <a:gsLst>
+                    <a:gs pos="0">
+                      <a:schemeClr val="accent4"/>
+                    </a:gs>
+                    <a:gs pos="4000">
+                      <a:schemeClr val="accent4">
+                        <a:lumMod val="60000"/>
+                        <a:lumOff val="40000"/>
+                      </a:schemeClr>
+                    </a:gs>
+                    <a:gs pos="87000">
+                      <a:schemeClr val="accent4">
+                        <a:lumMod val="20000"/>
+                        <a:lumOff val="80000"/>
+                      </a:schemeClr>
+                    </a:gs>
+                  </a:gsLst>
+                  <a:lin ang="5400000"/>
+                </a:gradFill>
+                <a:latin typeface="+mj-lt"/>
+                <a:ea typeface="Calibri" pitchFamily="34" charset="0"/>
+                <a:cs typeface="Arial" pitchFamily="34" charset="0"/>
+              </a:rPr>
+              <a:t>Anna Romanov</a:t>
+            </a:r>
+            <a:r>
+              <a:rPr lang="en-US" sz="4466" b="1" baseline="30000" dirty="0">
+                <a:ln w="12700" cmpd="sng">
+                  <a:solidFill>
+                    <a:schemeClr val="accent4"/>
+                  </a:solidFill>
+                  <a:prstDash val="solid"/>
+                </a:ln>
+                <a:gradFill>
+                  <a:gsLst>
+                    <a:gs pos="0">
+                      <a:schemeClr val="accent4"/>
+                    </a:gs>
+                    <a:gs pos="4000">
+                      <a:schemeClr val="accent4">
+                        <a:lumMod val="60000"/>
+                        <a:lumOff val="40000"/>
+                      </a:schemeClr>
+                    </a:gs>
+                    <a:gs pos="87000">
+                      <a:schemeClr val="accent4">
+                        <a:lumMod val="20000"/>
+                        <a:lumOff val="80000"/>
+                      </a:schemeClr>
+                    </a:gs>
+                  </a:gsLst>
+                  <a:lin ang="5400000"/>
+                </a:gradFill>
+                <a:latin typeface="+mj-lt"/>
+                <a:ea typeface="Calibri" pitchFamily="34" charset="0"/>
+                <a:cs typeface="Arial" pitchFamily="34" charset="0"/>
+              </a:rPr>
+              <a:t>1</a:t>
+            </a:r>
+            <a:r>
+              <a:rPr lang="en-US" sz="4466" b="1" dirty="0">
+                <a:ln w="12700" cmpd="sng">
+                  <a:solidFill>
+                    <a:schemeClr val="accent4"/>
+                  </a:solidFill>
+                  <a:prstDash val="solid"/>
+                </a:ln>
+                <a:gradFill>
+                  <a:gsLst>
+                    <a:gs pos="0">
+                      <a:schemeClr val="accent4"/>
+                    </a:gs>
+                    <a:gs pos="4000">
+                      <a:schemeClr val="accent4">
+                        <a:lumMod val="60000"/>
+                        <a:lumOff val="40000"/>
+                      </a:schemeClr>
+                    </a:gs>
+                    <a:gs pos="87000">
+                      <a:schemeClr val="accent4">
+                        <a:lumMod val="20000"/>
+                        <a:lumOff val="80000"/>
+                      </a:schemeClr>
+                    </a:gs>
+                  </a:gsLst>
+                  <a:lin ang="5400000"/>
+                </a:gradFill>
+                <a:latin typeface="+mj-lt"/>
+                <a:ea typeface="Calibri" pitchFamily="34" charset="0"/>
+                <a:cs typeface="Arial" pitchFamily="34" charset="0"/>
+              </a:rPr>
+              <a:t>, Maxim Kolchinsky</a:t>
+            </a:r>
+            <a:r>
+              <a:rPr lang="en-US" sz="4466" b="1" baseline="30000" dirty="0">
+                <a:ln w="12700" cmpd="sng">
+                  <a:solidFill>
+                    <a:schemeClr val="accent4"/>
+                  </a:solidFill>
+                  <a:prstDash val="solid"/>
+                </a:ln>
+                <a:gradFill>
+                  <a:gsLst>
+                    <a:gs pos="0">
+                      <a:schemeClr val="accent4"/>
+                    </a:gs>
+                    <a:gs pos="4000">
+                      <a:schemeClr val="accent4">
+                        <a:lumMod val="60000"/>
+                        <a:lumOff val="40000"/>
+                      </a:schemeClr>
+                    </a:gs>
+                    <a:gs pos="87000">
+                      <a:schemeClr val="accent4">
+                        <a:lumMod val="20000"/>
+                        <a:lumOff val="80000"/>
+                      </a:schemeClr>
+                    </a:gs>
+                  </a:gsLst>
+                  <a:lin ang="5400000"/>
+                </a:gradFill>
+                <a:latin typeface="+mj-lt"/>
+                <a:ea typeface="Calibri" pitchFamily="34" charset="0"/>
+                <a:cs typeface="Arial" pitchFamily="34" charset="0"/>
+              </a:rPr>
+              <a:t>1</a:t>
+            </a:r>
+          </a:p>
+          <a:p>
+            <a:pPr algn="ctr" defTabSz="680679" fontAlgn="base">
+              <a:spcBef>
+                <a:spcPct val="0"/>
+              </a:spcBef>
+              <a:spcAft>
+                <a:spcPct val="0"/>
+              </a:spcAft>
+            </a:pPr>
+            <a:r>
+              <a:rPr lang="en-US" sz="4466" b="1" dirty="0">
+                <a:ln w="12700" cmpd="sng">
+                  <a:solidFill>
+                    <a:schemeClr val="accent4"/>
+                  </a:solidFill>
+                  <a:prstDash val="solid"/>
+                </a:ln>
+                <a:gradFill>
+                  <a:gsLst>
+                    <a:gs pos="0">
+                      <a:schemeClr val="accent4"/>
+                    </a:gs>
+                    <a:gs pos="4000">
+                      <a:schemeClr val="accent4">
+                        <a:lumMod val="60000"/>
+                        <a:lumOff val="40000"/>
+                      </a:schemeClr>
+                    </a:gs>
+                    <a:gs pos="87000">
+                      <a:schemeClr val="accent4">
+                        <a:lumMod val="20000"/>
+                        <a:lumOff val="80000"/>
+                      </a:schemeClr>
+                    </a:gs>
+                  </a:gsLst>
+                  <a:lin ang="5400000"/>
+                </a:gradFill>
                 <a:latin typeface="+mj-lt"/>
                 <a:ea typeface="Calibri" pitchFamily="34" charset="0"/>
                 <a:cs typeface="Arial" pitchFamily="34" charset="0"/>
@@ -3432,8 +3440,8 @@
         </p:nvSpPr>
         <p:spPr>
           <a:xfrm>
-            <a:off x="723900" y="4886208"/>
-            <a:ext cx="15766157" cy="7406687"/>
+            <a:off x="538847" y="4556505"/>
+            <a:ext cx="11735792" cy="5792853"/>
           </a:xfrm>
           <a:prstGeom prst="flowChartAlternateProcess">
             <a:avLst/>
@@ -3495,7 +3503,7 @@
           <a:lstStyle/>
           <a:p>
             <a:pPr algn="ctr"/>
-            <a:endParaRPr lang="en-US" dirty="0"/>
+            <a:endParaRPr lang="en-US" sz="4941" dirty="0"/>
           </a:p>
         </p:txBody>
       </p:sp>
@@ -3507,8 +3515,8 @@
         </p:nvSpPr>
         <p:spPr>
           <a:xfrm>
-            <a:off x="6506067" y="5092818"/>
-            <a:ext cx="4012279" cy="1015663"/>
+            <a:off x="4682099" y="4902126"/>
+            <a:ext cx="2986604" cy="779572"/>
           </a:xfrm>
           <a:prstGeom prst="rect">
             <a:avLst/>
@@ -3522,7 +3530,7 @@
           <a:lstStyle/>
           <a:p>
             <a:r>
-              <a:rPr lang="en-US" sz="6000" b="1" dirty="0"/>
+              <a:rPr lang="en-US" sz="4466" b="1" dirty="0"/>
               <a:t>Background</a:t>
             </a:r>
           </a:p>
@@ -3536,8 +3544,8 @@
         </p:nvSpPr>
         <p:spPr>
           <a:xfrm>
-            <a:off x="16941862" y="4883062"/>
-            <a:ext cx="14819246" cy="25012762"/>
+            <a:off x="12610946" y="4504857"/>
+            <a:ext cx="11030944" cy="19592198"/>
           </a:xfrm>
           <a:prstGeom prst="flowChartAlternateProcess">
             <a:avLst/>
@@ -3601,7 +3609,7 @@
             <a:pPr algn="r">
               <a:defRPr/>
             </a:pPr>
-            <a:endParaRPr lang="en-US" sz="2800" dirty="0">
+            <a:endParaRPr lang="en-US" sz="2084" dirty="0">
               <a:latin typeface="Calibri" pitchFamily="34" charset="0"/>
               <a:cs typeface="Arial" pitchFamily="34" charset="0"/>
             </a:endParaRPr>
@@ -3616,8 +3624,8 @@
         </p:nvSpPr>
         <p:spPr>
           <a:xfrm>
-            <a:off x="18578289" y="4896844"/>
-            <a:ext cx="11582400" cy="1015663"/>
+            <a:off x="13815645" y="4873945"/>
+            <a:ext cx="2925112" cy="779572"/>
           </a:xfrm>
           <a:prstGeom prst="rect">
             <a:avLst/>
@@ -3632,7 +3640,7 @@
           <a:p>
             <a:pPr algn="ctr"/>
             <a:r>
-              <a:rPr lang="en-US" sz="6000" b="1" dirty="0"/>
+              <a:rPr lang="en-US" sz="4466" b="1" dirty="0"/>
               <a:t>Classifying</a:t>
             </a:r>
           </a:p>
@@ -3646,8 +3654,8 @@
         </p:nvSpPr>
         <p:spPr>
           <a:xfrm>
-            <a:off x="628541" y="19766920"/>
-            <a:ext cx="15861516" cy="22502077"/>
+            <a:off x="467864" y="16093627"/>
+            <a:ext cx="11806774" cy="18144356"/>
           </a:xfrm>
           <a:prstGeom prst="flowChartAlternateProcess">
             <a:avLst/>
@@ -3709,7 +3717,7 @@
           <a:lstStyle/>
           <a:p>
             <a:pPr algn="ctr"/>
-            <a:endParaRPr lang="en-US" dirty="0"/>
+            <a:endParaRPr lang="en-US" sz="4941" dirty="0"/>
           </a:p>
         </p:txBody>
       </p:sp>
@@ -3721,8 +3729,8 @@
         </p:nvSpPr>
         <p:spPr>
           <a:xfrm>
-            <a:off x="534358" y="12636145"/>
-            <a:ext cx="15955699" cy="6590291"/>
+            <a:off x="397758" y="10785720"/>
+            <a:ext cx="11876881" cy="4905589"/>
           </a:xfrm>
           <a:prstGeom prst="flowChartAlternateProcess">
             <a:avLst/>
@@ -3784,7 +3792,7 @@
           <a:lstStyle/>
           <a:p>
             <a:pPr algn="ctr"/>
-            <a:endParaRPr lang="en-US" dirty="0"/>
+            <a:endParaRPr lang="en-US" sz="4941" dirty="0"/>
           </a:p>
         </p:txBody>
       </p:sp>
@@ -3796,8 +3804,8 @@
         </p:nvSpPr>
         <p:spPr>
           <a:xfrm>
-            <a:off x="16941862" y="30099645"/>
-            <a:ext cx="14833648" cy="8856983"/>
+            <a:off x="12610947" y="24404307"/>
+            <a:ext cx="11041664" cy="7259894"/>
           </a:xfrm>
           <a:prstGeom prst="flowChartAlternateProcess">
             <a:avLst/>
@@ -3859,7 +3867,7 @@
           <a:lstStyle/>
           <a:p>
             <a:pPr algn="ctr"/>
-            <a:endParaRPr lang="en-US" dirty="0"/>
+            <a:endParaRPr lang="en-US" sz="4941" dirty="0"/>
           </a:p>
         </p:txBody>
       </p:sp>
@@ -3871,8 +3879,8 @@
         </p:nvSpPr>
         <p:spPr>
           <a:xfrm>
-            <a:off x="16927460" y="39244660"/>
-            <a:ext cx="14833647" cy="3024337"/>
+            <a:off x="12663759" y="32014871"/>
+            <a:ext cx="11041664" cy="2251214"/>
           </a:xfrm>
           <a:prstGeom prst="flowChartAlternateProcess">
             <a:avLst/>
@@ -3934,7 +3942,7 @@
           <a:lstStyle/>
           <a:p>
             <a:pPr algn="ctr"/>
-            <a:endParaRPr lang="en-US" dirty="0"/>
+            <a:endParaRPr lang="en-US" sz="4941" dirty="0"/>
           </a:p>
         </p:txBody>
       </p:sp>
@@ -3946,8 +3954,8 @@
         </p:nvSpPr>
         <p:spPr>
           <a:xfrm>
-            <a:off x="2073307" y="19938965"/>
-            <a:ext cx="12877800" cy="1015663"/>
+            <a:off x="1543299" y="16221691"/>
+            <a:ext cx="9585797" cy="779572"/>
           </a:xfrm>
           <a:prstGeom prst="rect">
             <a:avLst/>
@@ -3962,8 +3970,8 @@
           <a:p>
             <a:pPr algn="ctr"/>
             <a:r>
-              <a:rPr lang="en-US" sz="6000" b="1" dirty="0"/>
-              <a:t>Material and methods</a:t>
+              <a:rPr lang="en-US" sz="4466" b="1" dirty="0"/>
+              <a:t>Material and Methods</a:t>
             </a:r>
           </a:p>
         </p:txBody>
@@ -3976,8 +3984,8 @@
         </p:nvSpPr>
         <p:spPr>
           <a:xfrm>
-            <a:off x="17282145" y="39411323"/>
-            <a:ext cx="5410200" cy="769441"/>
+            <a:off x="13106542" y="32173969"/>
+            <a:ext cx="4027169" cy="596317"/>
           </a:xfrm>
           <a:prstGeom prst="rect">
             <a:avLst/>
@@ -3991,7 +3999,7 @@
           <a:lstStyle/>
           <a:p>
             <a:r>
-              <a:rPr lang="en-US" sz="4400" b="1" dirty="0"/>
+              <a:rPr lang="en-US" sz="3275" b="1" dirty="0"/>
               <a:t>References</a:t>
             </a:r>
           </a:p>
@@ -4005,8 +4013,8 @@
         </p:nvSpPr>
         <p:spPr>
           <a:xfrm>
-            <a:off x="16413515" y="30027636"/>
-            <a:ext cx="15955699" cy="1015663"/>
+            <a:off x="12201378" y="24530239"/>
+            <a:ext cx="11876881" cy="779572"/>
           </a:xfrm>
           <a:prstGeom prst="rect">
             <a:avLst/>
@@ -4021,7 +4029,7 @@
           <a:p>
             <a:pPr algn="ctr"/>
             <a:r>
-              <a:rPr lang="en-US" sz="6000" b="1" dirty="0"/>
+              <a:rPr lang="en-US" sz="4466" b="1" dirty="0"/>
               <a:t>Conclusions</a:t>
             </a:r>
           </a:p>
@@ -4035,8 +4043,8 @@
         </p:nvSpPr>
         <p:spPr>
           <a:xfrm>
-            <a:off x="2721006" y="12817724"/>
-            <a:ext cx="11582400" cy="1015663"/>
+            <a:off x="2025424" y="10920881"/>
+            <a:ext cx="8621545" cy="779572"/>
           </a:xfrm>
           <a:prstGeom prst="rect">
             <a:avLst/>
@@ -4051,7 +4059,7 @@
           <a:p>
             <a:pPr algn="ctr"/>
             <a:r>
-              <a:rPr lang="en-US" sz="6000" b="1" dirty="0"/>
+              <a:rPr lang="en-US" sz="4466" b="1" dirty="0"/>
               <a:t>Goals </a:t>
             </a:r>
           </a:p>
@@ -4071,8 +4079,8 @@
         </p:nvSpPr>
         <p:spPr>
           <a:xfrm>
-            <a:off x="1080345" y="5544916"/>
-            <a:ext cx="14761640" cy="7109639"/>
+            <a:off x="815628" y="5126077"/>
+            <a:ext cx="10988064" cy="6094682"/>
           </a:xfrm>
           <a:prstGeom prst="rect">
             <a:avLst/>
@@ -4085,83 +4093,112 @@
           </a:bodyPr>
           <a:lstStyle/>
           <a:p>
-            <a:pPr marL="685800" indent="-685800">
+            <a:pPr marL="510510" indent="-510510">
               <a:buFont typeface="Arial" panose="020B0604020202020204" pitchFamily="34" charset="0"/>
               <a:buChar char="•"/>
             </a:pPr>
-            <a:endParaRPr lang="he-IL" sz="3400" b="1" dirty="0"/>
-          </a:p>
-          <a:p>
-            <a:pPr marL="685800" indent="-685800">
+            <a:endParaRPr lang="he-IL" sz="2531" b="1" dirty="0"/>
+          </a:p>
+          <a:p>
+            <a:pPr marL="510510" indent="-510510">
               <a:buFont typeface="Arial" panose="020B0604020202020204" pitchFamily="34" charset="0"/>
               <a:buChar char="•"/>
             </a:pPr>
             <a:r>
-              <a:rPr lang="en-US" sz="3400" b="1" dirty="0"/>
+              <a:rPr lang="en-US" sz="2531" b="1" dirty="0"/>
               <a:t>Apoptosis </a:t>
             </a:r>
             <a:r>
-              <a:rPr lang="en-US" sz="3400" dirty="0"/>
+              <a:rPr lang="en-US" sz="2531" dirty="0"/>
               <a:t>is a form of programmed cell death that occurs in multicellular organisms</a:t>
             </a:r>
-            <a:endParaRPr lang="he-IL" sz="3400" dirty="0"/>
-          </a:p>
-          <a:p>
-            <a:pPr marL="685800" indent="-685800">
+            <a:endParaRPr lang="he-IL" sz="2531" dirty="0"/>
+          </a:p>
+          <a:p>
+            <a:pPr marL="510510" indent="-510510">
               <a:buFont typeface="Arial" panose="020B0604020202020204" pitchFamily="34" charset="0"/>
               <a:buChar char="•"/>
             </a:pPr>
             <a:r>
-              <a:rPr lang="en-US" sz="3400" dirty="0"/>
+              <a:rPr lang="en-US" sz="2531" dirty="0"/>
               <a:t>Negative regulation of apoptosis inhibits apoptosis signaling pathways, helping tumors to evade cell death.</a:t>
             </a:r>
           </a:p>
           <a:p>
-            <a:pPr marL="685800" indent="-685800">
+            <a:pPr marL="510510" indent="-510510">
               <a:buFont typeface="Arial" panose="020B0604020202020204" pitchFamily="34" charset="0"/>
               <a:buChar char="•"/>
             </a:pPr>
             <a:r>
-              <a:rPr lang="en-US" sz="3400" dirty="0"/>
+              <a:rPr lang="en-US" sz="2531" dirty="0"/>
               <a:t>Identification of targets for apoptosis induction is important to provide novel therapeutic approaches in breast cancer.</a:t>
             </a:r>
           </a:p>
           <a:p>
-            <a:endParaRPr lang="en-US" sz="3400" dirty="0"/>
-          </a:p>
-          <a:p>
-            <a:endParaRPr lang="en-US" sz="3200" dirty="0"/>
-          </a:p>
-          <a:p>
-            <a:endParaRPr lang="en-US" sz="1600" dirty="0"/>
-          </a:p>
-          <a:p>
-            <a:pPr marL="685800" indent="-685800">
+            <a:pPr marL="510510" indent="-510510">
               <a:buFont typeface="Arial" panose="020B0604020202020204" pitchFamily="34" charset="0"/>
               <a:buChar char="•"/>
             </a:pPr>
             <a:r>
-              <a:rPr lang="en-US" sz="3400" dirty="0"/>
-              <a:t>It is therefore assumed that down-regulation of Protein Kinase </a:t>
-            </a:r>
-            <a:r>
-              <a:rPr lang="en-US" sz="3400" dirty="0" err="1"/>
-              <a:t>Cδ</a:t>
-            </a:r>
-            <a:r>
-              <a:rPr lang="en-US" sz="3400" dirty="0"/>
-              <a:t> can be used as treatment. </a:t>
-            </a:r>
-          </a:p>
-          <a:p>
-            <a:endParaRPr lang="en-US" sz="3400" dirty="0"/>
-          </a:p>
-          <a:p>
-            <a:pPr marL="685800" indent="-685800">
+              <a:rPr lang="en-US" sz="2531" dirty="0"/>
+              <a:t>According to researchers </a:t>
+            </a:r>
+            <a:r>
+              <a:rPr lang="en-US" sz="1600" dirty="0"/>
+              <a:t>[2]</a:t>
+            </a:r>
+            <a:r>
+              <a:rPr lang="en-US" sz="2531" dirty="0"/>
+              <a:t>, PKC</a:t>
+            </a:r>
+            <a:r>
+              <a:rPr lang="el-GR" sz="2531" dirty="0"/>
+              <a:t>δ</a:t>
+            </a:r>
+            <a:r>
+              <a:rPr lang="en-US" sz="2531" dirty="0"/>
+              <a:t> supports surviving of breast cancer cells:</a:t>
+            </a:r>
+          </a:p>
+          <a:p>
+            <a:endParaRPr lang="en-US" sz="2531" dirty="0"/>
+          </a:p>
+          <a:p>
+            <a:endParaRPr lang="en-US" sz="1200" dirty="0"/>
+          </a:p>
+          <a:p>
+            <a:endParaRPr lang="en-US" sz="2382" dirty="0"/>
+          </a:p>
+          <a:p>
+            <a:endParaRPr lang="en-US" sz="1191" dirty="0"/>
+          </a:p>
+          <a:p>
+            <a:pPr marL="510510" indent="-510510">
               <a:buFont typeface="Arial" panose="020B0604020202020204" pitchFamily="34" charset="0"/>
               <a:buChar char="•"/>
             </a:pPr>
-            <a:endParaRPr lang="en-US" sz="3400" dirty="0"/>
+            <a:r>
+              <a:rPr lang="en-US" sz="2531" dirty="0"/>
+              <a:t>It is therefore assumed that down-regulation of Protein Kinase </a:t>
+            </a:r>
+            <a:r>
+              <a:rPr lang="en-US" sz="2531" dirty="0" err="1"/>
+              <a:t>Cδ</a:t>
+            </a:r>
+            <a:r>
+              <a:rPr lang="en-US" sz="2531" dirty="0"/>
+              <a:t> can be used as treatment. </a:t>
+            </a:r>
+          </a:p>
+          <a:p>
+            <a:endParaRPr lang="en-US" sz="2531" dirty="0"/>
+          </a:p>
+          <a:p>
+            <a:pPr marL="510510" indent="-510510">
+              <a:buFont typeface="Arial" panose="020B0604020202020204" pitchFamily="34" charset="0"/>
+              <a:buChar char="•"/>
+            </a:pPr>
+            <a:endParaRPr lang="en-US" sz="2531" dirty="0"/>
           </a:p>
         </p:txBody>
       </p:sp>
@@ -4179,8 +4216,8 @@
         </p:nvSpPr>
         <p:spPr>
           <a:xfrm>
-            <a:off x="854443" y="13609812"/>
-            <a:ext cx="15409712" cy="2554545"/>
+            <a:off x="581728" y="11700905"/>
+            <a:ext cx="11692910" cy="2400657"/>
           </a:xfrm>
           <a:prstGeom prst="rect">
             <a:avLst/>
@@ -4193,24 +4230,37 @@
           </a:bodyPr>
           <a:lstStyle/>
           <a:p>
-            <a:pPr marL="285750" indent="-285750">
+            <a:pPr marL="212712" indent="-212712">
               <a:buFont typeface="Arial" panose="020B0604020202020204" pitchFamily="34" charset="0"/>
               <a:buChar char="•"/>
             </a:pPr>
             <a:r>
-              <a:rPr lang="en-US" sz="3200" dirty="0"/>
+              <a:rPr lang="en-US" sz="2500" dirty="0"/>
               <a:t>Compare between different methods of supervised and unsupervised approaches of classifying gene expression.</a:t>
             </a:r>
           </a:p>
           <a:p>
-            <a:pPr marL="285750" indent="-285750">
+            <a:pPr marL="212712" indent="-212712">
               <a:buFont typeface="Arial" panose="020B0604020202020204" pitchFamily="34" charset="0"/>
               <a:buChar char="•"/>
             </a:pPr>
             <a:r>
-              <a:rPr lang="en-US" sz="3200" dirty="0"/>
-              <a:t>Be able to classify whether a gene is related to apoptosis based on its expression levels in different cells, with and without treatment. We expect genes associated with apoptosis show difference in expression levels between treatment and control samples.</a:t>
-            </a:r>
+              <a:rPr lang="en-US" sz="2500" dirty="0"/>
+              <a:t>Be able to classify whether a gene is related to apoptosis based on its expression levels in different cells, with and without treatment. We expect genes associated with apoptosis show difference in expression levels between treatment and control samples, due to the role of </a:t>
+            </a:r>
+            <a:r>
+              <a:rPr lang="en-US" sz="2500" dirty="0" err="1"/>
+              <a:t>PKC</a:t>
+            </a:r>
+            <a:r>
+              <a:rPr lang="en-US" sz="2400" dirty="0" err="1"/>
+              <a:t>δ</a:t>
+            </a:r>
+            <a:r>
+              <a:rPr lang="en-US" sz="2400" dirty="0"/>
+              <a:t> in suppressing apoptosis.</a:t>
+            </a:r>
+            <a:endParaRPr lang="en-US" sz="2500" dirty="0"/>
           </a:p>
         </p:txBody>
       </p:sp>
@@ -4228,8 +4278,8 @@
         </p:nvSpPr>
         <p:spPr>
           <a:xfrm>
-            <a:off x="1080345" y="20882620"/>
-            <a:ext cx="15193688" cy="8956298"/>
+            <a:off x="804171" y="16924116"/>
+            <a:ext cx="11309666" cy="12315166"/>
           </a:xfrm>
           <a:prstGeom prst="rect">
             <a:avLst/>
@@ -4242,58 +4292,58 @@
           </a:bodyPr>
           <a:lstStyle/>
           <a:p>
-            <a:pPr marL="285750" indent="-285750">
+            <a:pPr marL="212712" indent="-212712">
               <a:buFont typeface="Arial" panose="020B0604020202020204" pitchFamily="34" charset="0"/>
               <a:buChar char="•"/>
             </a:pPr>
             <a:r>
-              <a:rPr lang="en-US" sz="3200" b="1" u="sng" dirty="0"/>
+              <a:rPr lang="en-US" sz="2382" b="1" u="sng" dirty="0"/>
               <a:t>GEO</a:t>
             </a:r>
             <a:r>
-              <a:rPr lang="en-US" sz="3200" dirty="0"/>
+              <a:rPr lang="en-US" sz="2382" dirty="0"/>
               <a:t> – public genomics data repository</a:t>
             </a:r>
           </a:p>
           <a:p>
-            <a:pPr marL="285750" indent="-285750">
+            <a:pPr marL="212712" indent="-212712">
               <a:buFont typeface="Arial" panose="020B0604020202020204" pitchFamily="34" charset="0"/>
               <a:buChar char="•"/>
             </a:pPr>
             <a:r>
-              <a:rPr lang="en-US" sz="3200" b="1" u="sng" dirty="0" err="1"/>
+              <a:rPr lang="en-US" sz="2382" b="1" u="sng" dirty="0" err="1"/>
               <a:t>AmiGo</a:t>
             </a:r>
             <a:r>
-              <a:rPr lang="en-US" sz="3200" dirty="0"/>
+              <a:rPr lang="en-US" sz="2382" dirty="0"/>
               <a:t> – Web-based set of tools for searching and browsing the gene ontology. database. We used it to obtain a list of GO terms associated with apoptosis.</a:t>
             </a:r>
           </a:p>
           <a:p>
-            <a:pPr marL="285750" indent="-285750">
+            <a:pPr marL="212712" indent="-212712">
               <a:buFont typeface="Arial" panose="020B0604020202020204" pitchFamily="34" charset="0"/>
               <a:buChar char="•"/>
             </a:pPr>
             <a:r>
-              <a:rPr lang="en-US" sz="3200" b="1" u="sng" dirty="0" err="1"/>
+              <a:rPr lang="en-US" sz="2382" b="1" u="sng" dirty="0" err="1"/>
               <a:t>Scikit</a:t>
             </a:r>
             <a:r>
-              <a:rPr lang="en-US" sz="3200" b="1" u="sng" dirty="0"/>
+              <a:rPr lang="en-US" sz="2382" b="1" u="sng" dirty="0"/>
               <a:t>-learn</a:t>
             </a:r>
             <a:r>
-              <a:rPr lang="en-US" sz="3200" dirty="0"/>
+              <a:rPr lang="en-US" sz="2382" dirty="0"/>
               <a:t> – Python library for machine learning.</a:t>
             </a:r>
-            <a:endParaRPr lang="en-US" sz="3200" b="1" u="sng" dirty="0"/>
-          </a:p>
-          <a:p>
-            <a:endParaRPr lang="en-US" sz="3200" dirty="0"/>
-          </a:p>
-          <a:p>
-            <a:r>
-              <a:rPr lang="en-US" sz="3200" dirty="0">
+            <a:endParaRPr lang="en-US" sz="2382" b="1" u="sng" dirty="0"/>
+          </a:p>
+          <a:p>
+            <a:endParaRPr lang="en-US" sz="2382" dirty="0"/>
+          </a:p>
+          <a:p>
+            <a:r>
+              <a:rPr lang="en-US" sz="2382" dirty="0">
                 <a:ln w="0"/>
                 <a:solidFill>
                   <a:schemeClr val="accent4">
@@ -4312,37 +4362,44 @@
             </a:r>
           </a:p>
           <a:p>
-            <a:pPr marL="685800" indent="-685800">
+            <a:pPr marL="510510" indent="-510510">
               <a:buFont typeface="Arial" panose="020B0604020202020204" pitchFamily="34" charset="0"/>
               <a:buChar char="•"/>
             </a:pPr>
             <a:r>
-              <a:rPr lang="en-US" sz="3200" dirty="0"/>
-              <a:t>Dataset: 12 samples, gene expression levels, before and after down regulation of </a:t>
-            </a:r>
-            <a:r>
-              <a:rPr lang="en-US" sz="3200" dirty="0" err="1"/>
+              <a:rPr lang="en-US" sz="2382" dirty="0"/>
+              <a:t>Dataset: 12 samples of breast cancer cell lines (BT-549, MDA-mB-468) before and after down regulation of </a:t>
+            </a:r>
+            <a:r>
+              <a:rPr lang="en-US" sz="2382" dirty="0" err="1"/>
               <a:t>PKCδ</a:t>
             </a:r>
             <a:r>
-              <a:rPr lang="en-US" sz="3200" dirty="0"/>
-              <a:t>:    - BT-549 (Invasive ductal carcinoma)</a:t>
-            </a:r>
-          </a:p>
-          <a:p>
-            <a:r>
-              <a:rPr lang="en-US" sz="3200" dirty="0"/>
-              <a:t>                      - MDA-mB-468 (adenocarcinoma)</a:t>
-            </a:r>
-          </a:p>
-          <a:p>
-            <a:endParaRPr lang="en-US" sz="3200" dirty="0"/>
-          </a:p>
-          <a:p>
-            <a:endParaRPr lang="en-US" sz="3200" dirty="0"/>
-          </a:p>
-          <a:p>
-            <a:endParaRPr lang="en-US" sz="3200" dirty="0">
+              <a:rPr lang="en-US" sz="2382" dirty="0"/>
+              <a:t>. For each sample, gene expression levels and associated GO terms are presented.</a:t>
+            </a:r>
+          </a:p>
+          <a:p>
+            <a:pPr marL="510510" indent="-510510">
+              <a:buFont typeface="Arial" panose="020B0604020202020204" pitchFamily="34" charset="0"/>
+              <a:buChar char="•"/>
+            </a:pPr>
+            <a:r>
+              <a:rPr lang="en-US" sz="2382" dirty="0"/>
+              <a:t>Generating labels:</a:t>
+            </a:r>
+          </a:p>
+          <a:p>
+            <a:endParaRPr lang="en-US" sz="2382" dirty="0"/>
+          </a:p>
+          <a:p>
+            <a:endParaRPr lang="en-US" sz="2382" dirty="0"/>
+          </a:p>
+          <a:p>
+            <a:endParaRPr lang="en-US" sz="2382" dirty="0"/>
+          </a:p>
+          <a:p>
+            <a:endParaRPr lang="en-US" sz="2382" dirty="0">
               <a:ln w="0"/>
               <a:solidFill>
                 <a:schemeClr val="accent4">
@@ -4359,7 +4416,7 @@
             </a:endParaRPr>
           </a:p>
           <a:p>
-            <a:endParaRPr lang="en-US" sz="3200" dirty="0">
+            <a:endParaRPr lang="en-US" sz="2382" dirty="0">
               <a:ln w="0"/>
               <a:solidFill>
                 <a:schemeClr val="accent4">
@@ -4376,7 +4433,7 @@
             </a:endParaRPr>
           </a:p>
           <a:p>
-            <a:endParaRPr lang="en-US" sz="3200" dirty="0">
+            <a:endParaRPr lang="en-US" sz="2382" dirty="0">
               <a:ln w="0"/>
               <a:solidFill>
                 <a:schemeClr val="accent4">
@@ -4393,7 +4450,7 @@
             </a:endParaRPr>
           </a:p>
           <a:p>
-            <a:endParaRPr lang="en-US" sz="3200" dirty="0">
+            <a:endParaRPr lang="en-US" sz="2382" dirty="0">
               <a:ln w="0"/>
               <a:solidFill>
                 <a:schemeClr val="accent4">
@@ -4411,7 +4468,7 @@
           </a:p>
           <a:p>
             <a:r>
-              <a:rPr lang="en-US" sz="3200" dirty="0">
+              <a:rPr lang="en-US" sz="2382" dirty="0">
                 <a:ln w="0"/>
                 <a:solidFill>
                   <a:schemeClr val="accent4">
@@ -4428,27 +4485,124 @@
               </a:rPr>
               <a:t>Data preparation and preprocessing</a:t>
             </a:r>
-            <a:endParaRPr lang="en-US" sz="3200" dirty="0"/>
-          </a:p>
-          <a:p>
-            <a:pPr marL="571500" indent="-571500">
+            <a:endParaRPr lang="en-US" sz="2382" dirty="0"/>
+          </a:p>
+          <a:p>
+            <a:pPr marL="425425" indent="-425425">
               <a:buFont typeface="Arial" panose="020B0604020202020204" pitchFamily="34" charset="0"/>
               <a:buChar char="•"/>
             </a:pPr>
             <a:r>
-              <a:rPr lang="en-US" sz="3200" dirty="0"/>
+              <a:rPr lang="en-US" sz="2382" dirty="0"/>
               <a:t>Dividing the data into training and test sets.</a:t>
             </a:r>
           </a:p>
           <a:p>
-            <a:pPr marL="571500" indent="-571500">
+            <a:pPr marL="425425" indent="-425425">
               <a:buFont typeface="Arial" panose="020B0604020202020204" pitchFamily="34" charset="0"/>
               <a:buChar char="•"/>
             </a:pPr>
             <a:r>
-              <a:rPr lang="en-US" sz="3200" dirty="0"/>
+              <a:rPr lang="en-US" sz="2382" dirty="0"/>
               <a:t>Run the following process:</a:t>
             </a:r>
+          </a:p>
+          <a:p>
+            <a:pPr marL="425425" indent="-425425">
+              <a:buFont typeface="Arial" panose="020B0604020202020204" pitchFamily="34" charset="0"/>
+              <a:buChar char="•"/>
+            </a:pPr>
+            <a:endParaRPr lang="en-US" sz="2382" dirty="0"/>
+          </a:p>
+          <a:p>
+            <a:pPr marL="425425" indent="-425425">
+              <a:buFont typeface="Arial" panose="020B0604020202020204" pitchFamily="34" charset="0"/>
+              <a:buChar char="•"/>
+            </a:pPr>
+            <a:endParaRPr lang="en-US" sz="2382" dirty="0"/>
+          </a:p>
+          <a:p>
+            <a:pPr marL="425425" indent="-425425">
+              <a:buFont typeface="Arial" panose="020B0604020202020204" pitchFamily="34" charset="0"/>
+              <a:buChar char="•"/>
+            </a:pPr>
+            <a:endParaRPr lang="en-US" sz="2382" dirty="0"/>
+          </a:p>
+          <a:p>
+            <a:pPr marL="425425" indent="-425425">
+              <a:buFont typeface="Arial" panose="020B0604020202020204" pitchFamily="34" charset="0"/>
+              <a:buChar char="•"/>
+            </a:pPr>
+            <a:endParaRPr lang="en-US" sz="2382" dirty="0"/>
+          </a:p>
+          <a:p>
+            <a:pPr marL="425425" indent="-425425">
+              <a:buFont typeface="Arial" panose="020B0604020202020204" pitchFamily="34" charset="0"/>
+              <a:buChar char="•"/>
+            </a:pPr>
+            <a:endParaRPr lang="en-US" sz="2382" dirty="0"/>
+          </a:p>
+          <a:p>
+            <a:pPr marL="425425" indent="-425425">
+              <a:buFont typeface="Arial" panose="020B0604020202020204" pitchFamily="34" charset="0"/>
+              <a:buChar char="•"/>
+            </a:pPr>
+            <a:endParaRPr lang="en-US" sz="2382" dirty="0"/>
+          </a:p>
+          <a:p>
+            <a:pPr marL="425425" indent="-425425">
+              <a:buFont typeface="Arial" panose="020B0604020202020204" pitchFamily="34" charset="0"/>
+              <a:buChar char="•"/>
+            </a:pPr>
+            <a:endParaRPr lang="en-US" sz="2382" dirty="0"/>
+          </a:p>
+          <a:p>
+            <a:pPr marL="425425" indent="-425425">
+              <a:buFont typeface="Arial" panose="020B0604020202020204" pitchFamily="34" charset="0"/>
+              <a:buChar char="•"/>
+            </a:pPr>
+            <a:endParaRPr lang="en-US" sz="2382" dirty="0"/>
+          </a:p>
+          <a:p>
+            <a:pPr marL="425425" indent="-425425">
+              <a:buFont typeface="Arial" panose="020B0604020202020204" pitchFamily="34" charset="0"/>
+              <a:buChar char="•"/>
+            </a:pPr>
+            <a:endParaRPr lang="en-US" sz="2382" dirty="0"/>
+          </a:p>
+          <a:p>
+            <a:pPr marL="425425" indent="-425425">
+              <a:buFont typeface="Arial" panose="020B0604020202020204" pitchFamily="34" charset="0"/>
+              <a:buChar char="•"/>
+            </a:pPr>
+            <a:endParaRPr lang="en-US" sz="2382" dirty="0"/>
+          </a:p>
+          <a:p>
+            <a:endParaRPr lang="en-US" sz="1200" dirty="0"/>
+          </a:p>
+          <a:p>
+            <a:endParaRPr lang="en-US" sz="2000" dirty="0"/>
+          </a:p>
+          <a:p>
+            <a:r>
+              <a:rPr lang="en-US" sz="2382" dirty="0">
+                <a:ln w="0"/>
+                <a:solidFill>
+                  <a:schemeClr val="accent4">
+                    <a:lumMod val="75000"/>
+                  </a:schemeClr>
+                </a:solidFill>
+                <a:effectLst>
+                  <a:outerShdw blurRad="38100" dist="25400" dir="5400000" algn="ctr" rotWithShape="0">
+                    <a:srgbClr val="6E747A">
+                      <a:alpha val="43000"/>
+                    </a:srgbClr>
+                  </a:outerShdw>
+                </a:effectLst>
+              </a:rPr>
+              <a:t>Tuning the parameters of filtering and oversampling:</a:t>
+            </a:r>
+            <a:endParaRPr lang="en-US" sz="2382" dirty="0"/>
           </a:p>
         </p:txBody>
       </p:sp>
@@ -4466,8 +4620,8 @@
         </p:nvSpPr>
         <p:spPr>
           <a:xfrm>
-            <a:off x="18735908" y="23114868"/>
-            <a:ext cx="11582400" cy="1015663"/>
+            <a:off x="13572405" y="14219759"/>
+            <a:ext cx="3598309" cy="779572"/>
           </a:xfrm>
           <a:prstGeom prst="rect">
             <a:avLst/>
@@ -4482,7 +4636,7 @@
           <a:p>
             <a:pPr algn="ctr"/>
             <a:r>
-              <a:rPr lang="en-US" sz="6000" b="1" dirty="0"/>
+              <a:rPr lang="en-US" sz="4466" b="1" dirty="0"/>
               <a:t>Clustering</a:t>
             </a:r>
           </a:p>
@@ -4502,8 +4656,8 @@
         </p:nvSpPr>
         <p:spPr>
           <a:xfrm>
-            <a:off x="17204693" y="40180764"/>
-            <a:ext cx="14473608" cy="1938992"/>
+            <a:off x="12787995" y="32684434"/>
+            <a:ext cx="10773663" cy="1467389"/>
           </a:xfrm>
           <a:prstGeom prst="rect">
             <a:avLst/>
@@ -4516,72 +4670,72 @@
           </a:bodyPr>
           <a:lstStyle/>
           <a:p>
-            <a:pPr marL="457200" indent="-457200">
+            <a:pPr marL="340340" indent="-340340">
               <a:buAutoNum type="arabicPeriod"/>
             </a:pPr>
             <a:r>
-              <a:rPr lang="en-US" sz="2400" b="1" dirty="0" err="1"/>
+              <a:rPr lang="en-US" sz="1787" b="1" dirty="0" err="1"/>
               <a:t>Achari</a:t>
             </a:r>
             <a:r>
-              <a:rPr lang="en-US" sz="2400" b="1" dirty="0"/>
+              <a:rPr lang="en-US" sz="1787" b="1" dirty="0"/>
               <a:t> C, Winslow S, Larsson C</a:t>
             </a:r>
             <a:r>
-              <a:rPr lang="en-US" sz="2400" dirty="0"/>
+              <a:rPr lang="en-US" sz="1787" dirty="0"/>
               <a:t>. Down Regulation of CLDND1 Induces Apoptosis in Breast Cancer Cells. </a:t>
             </a:r>
             <a:r>
-              <a:rPr lang="en-US" sz="2400" i="1" dirty="0" err="1"/>
+              <a:rPr lang="en-US" sz="1787" i="1" dirty="0" err="1"/>
               <a:t>PLoS</a:t>
             </a:r>
             <a:r>
-              <a:rPr lang="en-US" sz="2400" i="1" dirty="0"/>
+              <a:rPr lang="en-US" sz="1787" i="1" dirty="0"/>
               <a:t> One</a:t>
             </a:r>
             <a:r>
-              <a:rPr lang="en-US" sz="2400" dirty="0"/>
+              <a:rPr lang="en-US" sz="1787" dirty="0"/>
               <a:t> 2015;10(6):e0130300. </a:t>
             </a:r>
           </a:p>
           <a:p>
-            <a:pPr marL="457200" indent="-457200">
+            <a:pPr marL="340340" indent="-340340">
               <a:buAutoNum type="arabicPeriod"/>
             </a:pPr>
             <a:r>
-              <a:rPr lang="en-US" sz="2400" b="1" dirty="0" err="1"/>
+              <a:rPr lang="en-US" sz="1787" b="1" dirty="0" err="1"/>
               <a:t>Lonne</a:t>
             </a:r>
             <a:r>
-              <a:rPr lang="en-US" sz="2400" b="1" dirty="0"/>
+              <a:rPr lang="en-US" sz="1787" b="1" dirty="0"/>
               <a:t> GK, </a:t>
             </a:r>
             <a:r>
-              <a:rPr lang="en-US" sz="2400" b="1" dirty="0" err="1"/>
+              <a:rPr lang="en-US" sz="1787" b="1" dirty="0" err="1"/>
               <a:t>Masoumi</a:t>
             </a:r>
             <a:r>
-              <a:rPr lang="en-US" sz="2400" b="1" dirty="0"/>
+              <a:rPr lang="en-US" sz="1787" b="1" dirty="0"/>
               <a:t> KC, </a:t>
             </a:r>
             <a:r>
-              <a:rPr lang="en-US" sz="2400" b="1" dirty="0" err="1"/>
+              <a:rPr lang="en-US" sz="1787" b="1" dirty="0" err="1"/>
               <a:t>Lennartsson</a:t>
             </a:r>
             <a:r>
-              <a:rPr lang="en-US" sz="2400" b="1" dirty="0"/>
+              <a:rPr lang="en-US" sz="1787" b="1" dirty="0"/>
               <a:t> J, Larsson C</a:t>
             </a:r>
             <a:r>
-              <a:rPr lang="en-US" sz="2400" dirty="0"/>
+              <a:rPr lang="en-US" sz="1787" dirty="0"/>
               <a:t>. Protein kinase </a:t>
             </a:r>
             <a:r>
-              <a:rPr lang="en-US" sz="2400" dirty="0" err="1"/>
+              <a:rPr lang="en-US" sz="1787" dirty="0" err="1"/>
               <a:t>Cdelta</a:t>
             </a:r>
             <a:r>
-              <a:rPr lang="en-US" sz="2400" dirty="0"/>
+              <a:rPr lang="en-US" sz="1787" dirty="0"/>
               <a:t> supports survival of MDA-MB-231 breast cancer cells by suppressing the ERK1/2 pathway. The Journal of biological chemistry. 2009;284(48):33456–65</a:t>
             </a:r>
           </a:p>
@@ -4601,8 +4755,8 @@
         </p:nvSpPr>
         <p:spPr>
           <a:xfrm>
-            <a:off x="17498169" y="5976964"/>
-            <a:ext cx="14041560" cy="6894195"/>
+            <a:off x="12997493" y="5676215"/>
+            <a:ext cx="10452061" cy="4307718"/>
           </a:xfrm>
           <a:prstGeom prst="rect">
             <a:avLst/>
@@ -4616,7 +4770,7 @@
           <a:lstStyle/>
           <a:p>
             <a:r>
-              <a:rPr lang="en-US" sz="3400" dirty="0">
+              <a:rPr lang="en-US" sz="2531" dirty="0">
                 <a:ln w="0"/>
                 <a:solidFill>
                   <a:schemeClr val="accent4">
@@ -4636,39 +4790,36 @@
           </a:p>
           <a:p>
             <a:r>
-              <a:rPr lang="en-US" sz="3400" dirty="0"/>
+              <a:rPr lang="en-US" sz="2531" dirty="0"/>
               <a:t>We tuned </a:t>
             </a:r>
             <a:r>
-              <a:rPr lang="en-US" sz="3400" dirty="0" err="1"/>
+              <a:rPr lang="en-US" sz="2531" dirty="0" err="1"/>
               <a:t>max_depth</a:t>
             </a:r>
             <a:r>
-              <a:rPr lang="en-US" sz="3400" dirty="0"/>
+              <a:rPr lang="en-US" sz="2531" dirty="0"/>
               <a:t> parameter of decision </a:t>
             </a:r>
           </a:p>
           <a:p>
             <a:r>
-              <a:rPr lang="en-US" sz="3400" dirty="0"/>
+              <a:rPr lang="en-US" sz="2531" dirty="0"/>
               <a:t>tree, using 5 folds on the training set. </a:t>
             </a:r>
           </a:p>
           <a:p>
             <a:r>
-              <a:rPr lang="en-US" sz="3400" dirty="0"/>
+              <a:rPr lang="en-US" sz="2531" dirty="0"/>
               <a:t>We chose maximal depth of 70.</a:t>
             </a:r>
           </a:p>
           <a:p>
-            <a:endParaRPr lang="en-US" sz="3400" dirty="0"/>
-          </a:p>
-          <a:p>
-            <a:endParaRPr lang="en-US" sz="3400" dirty="0"/>
-          </a:p>
-          <a:p>
-            <a:r>
-              <a:rPr lang="en-US" sz="3400" dirty="0">
+            <a:endParaRPr lang="en-US" sz="1042" dirty="0"/>
+          </a:p>
+          <a:p>
+            <a:r>
+              <a:rPr lang="en-US" sz="2531" dirty="0">
                 <a:ln w="0"/>
                 <a:solidFill>
                   <a:schemeClr val="accent4">
@@ -4688,37 +4839,37 @@
           </a:p>
           <a:p>
             <a:r>
-              <a:rPr lang="en-US" sz="3400" dirty="0"/>
+              <a:rPr lang="en-US" sz="2531" dirty="0"/>
               <a:t>Similarly, we tuned </a:t>
             </a:r>
             <a:r>
-              <a:rPr lang="en-US" sz="3400" dirty="0" err="1"/>
+              <a:rPr lang="en-US" sz="2531" dirty="0" err="1"/>
               <a:t>max_iter</a:t>
             </a:r>
             <a:r>
-              <a:rPr lang="en-US" sz="3400" dirty="0"/>
+              <a:rPr lang="en-US" sz="2531" dirty="0"/>
               <a:t> parameter of</a:t>
             </a:r>
           </a:p>
           <a:p>
             <a:r>
-              <a:rPr lang="en-US" sz="3400" dirty="0"/>
+              <a:rPr lang="en-US" sz="2531" dirty="0"/>
               <a:t>SVM classifier. We chose to allow a maximal </a:t>
             </a:r>
           </a:p>
           <a:p>
             <a:r>
-              <a:rPr lang="en-US" sz="3400" dirty="0"/>
+              <a:rPr lang="en-US" sz="2531" dirty="0"/>
               <a:t>iterations number of 20.</a:t>
             </a:r>
-            <a:br>
-              <a:rPr lang="en-US" sz="3400" dirty="0"/>
-            </a:br>
-            <a:endParaRPr lang="en-US" sz="3400" dirty="0"/>
-          </a:p>
-          <a:p>
-            <a:r>
-              <a:rPr lang="en-US" sz="3400" dirty="0">
+            <a:endParaRPr lang="ru-RU" sz="2531" dirty="0"/>
+          </a:p>
+          <a:p>
+            <a:endParaRPr lang="en-US" sz="1042" dirty="0"/>
+          </a:p>
+          <a:p>
+            <a:r>
+              <a:rPr lang="en-US" sz="2531" dirty="0">
                 <a:ln w="0"/>
                 <a:solidFill>
                   <a:schemeClr val="accent4">
@@ -4738,9 +4889,10 @@
           </a:p>
           <a:p>
             <a:r>
-              <a:rPr lang="en-US" sz="3400" dirty="0"/>
-              <a:t>We used 3 neighbors for KNN classifier.</a:t>
-            </a:r>
+              <a:rPr lang="en-US" sz="2531" dirty="0"/>
+              <a:t>We chose to use 3 neighbors for KNN.</a:t>
+            </a:r>
+            <a:endParaRPr lang="ru-RU" sz="2531" dirty="0"/>
           </a:p>
         </p:txBody>
       </p:sp>
@@ -4758,8 +4910,8 @@
         </p:nvSpPr>
         <p:spPr>
           <a:xfrm>
-            <a:off x="17378633" y="23978964"/>
-            <a:ext cx="14761640" cy="5016758"/>
+            <a:off x="13032443" y="15073575"/>
+            <a:ext cx="5043130" cy="2818592"/>
           </a:xfrm>
           <a:prstGeom prst="rect">
             <a:avLst/>
@@ -4773,7 +4925,7 @@
           <a:lstStyle/>
           <a:p>
             <a:r>
-              <a:rPr lang="en-US" sz="3400" dirty="0" err="1">
+              <a:rPr lang="en-US" sz="2531" dirty="0" err="1">
                 <a:ln w="0"/>
                 <a:solidFill>
                   <a:schemeClr val="accent4">
@@ -4788,10 +4940,10 @@
                   </a:outerShdw>
                 </a:effectLst>
               </a:rPr>
-              <a:t>Kmeans</a:t>
-            </a:r>
-            <a:r>
-              <a:rPr lang="en-US" sz="3400" dirty="0">
+              <a:t>KMeans</a:t>
+            </a:r>
+            <a:r>
+              <a:rPr lang="en-US" sz="2531" dirty="0">
                 <a:ln w="0"/>
                 <a:solidFill>
                   <a:schemeClr val="accent4">
@@ -4808,79 +4960,39 @@
               </a:rPr>
               <a:t> and Hierarchical Clustering</a:t>
             </a:r>
-            <a:endParaRPr lang="en-US" sz="3400" dirty="0"/>
-          </a:p>
-          <a:p>
-            <a:r>
-              <a:rPr lang="en-US" sz="3400" dirty="0"/>
+            <a:endParaRPr lang="en-US" sz="2531" dirty="0"/>
+          </a:p>
+          <a:p>
+            <a:r>
+              <a:rPr lang="en-US" sz="2531" dirty="0"/>
               <a:t>We applied the two algorithms with</a:t>
             </a:r>
           </a:p>
           <a:p>
             <a:r>
-              <a:rPr lang="en-US" sz="3400" dirty="0"/>
+              <a:rPr lang="en-US" sz="2531" dirty="0"/>
               <a:t>Different number of clusters and</a:t>
             </a:r>
           </a:p>
           <a:p>
             <a:r>
-              <a:rPr lang="en-US" sz="3400" dirty="0"/>
-              <a:t>compared the result.</a:t>
-            </a:r>
-          </a:p>
-          <a:p>
-            <a:r>
-              <a:rPr lang="en-US" sz="3400" dirty="0"/>
+              <a:rPr lang="en-US" sz="2531" dirty="0"/>
+              <a:t>compared silhouette score (based on distance within and between clusters).</a:t>
+            </a:r>
+          </a:p>
+          <a:p>
+            <a:r>
+              <a:rPr lang="en-US" sz="2531" dirty="0"/>
               <a:t>We chose </a:t>
             </a:r>
             <a:r>
-              <a:rPr lang="en-US" sz="3400" dirty="0" err="1"/>
-              <a:t>Kmeans</a:t>
-            </a:r>
-            <a:r>
-              <a:rPr lang="en-US" sz="3400" dirty="0"/>
+              <a:rPr lang="en-US" sz="2531" dirty="0" err="1"/>
+              <a:t>KMeans</a:t>
+            </a:r>
+            <a:r>
+              <a:rPr lang="en-US" sz="2531" dirty="0"/>
               <a:t> with 2 clusters.</a:t>
             </a:r>
-          </a:p>
-          <a:p>
-            <a:endParaRPr lang="en-US" sz="2000" dirty="0"/>
-          </a:p>
-          <a:p>
-            <a:r>
-              <a:rPr lang="en-US" sz="3200" dirty="0"/>
-              <a:t>1</a:t>
-            </a:r>
-            <a:r>
-              <a:rPr lang="en-US" sz="3200" baseline="30000" dirty="0"/>
-              <a:t>st</a:t>
-            </a:r>
-            <a:r>
-              <a:rPr lang="en-US" sz="3200" dirty="0"/>
-              <a:t> cluster true labels:  10 %</a:t>
-            </a:r>
-          </a:p>
-          <a:p>
-            <a:r>
-              <a:rPr lang="en-US" sz="3200" dirty="0"/>
-              <a:t>2</a:t>
-            </a:r>
-            <a:r>
-              <a:rPr lang="en-US" sz="3200" baseline="30000" dirty="0"/>
-              <a:t>nd</a:t>
-            </a:r>
-            <a:r>
-              <a:rPr lang="en-US" sz="3200" dirty="0"/>
-              <a:t> cluster true labels: 17 %</a:t>
-            </a:r>
-          </a:p>
-          <a:p>
-            <a:r>
-              <a:rPr lang="en-US" sz="2800" dirty="0"/>
-              <a:t>         - No cluster with majority true</a:t>
-            </a:r>
-          </a:p>
-          <a:p>
-            <a:endParaRPr lang="en-US" sz="3400" dirty="0"/>
           </a:p>
         </p:txBody>
       </p:sp>
@@ -4898,8 +5010,8 @@
         </p:nvSpPr>
         <p:spPr>
           <a:xfrm>
-            <a:off x="17356920" y="30819724"/>
-            <a:ext cx="14326825" cy="7940635"/>
+            <a:off x="12946063" y="25296700"/>
+            <a:ext cx="10664402" cy="6323782"/>
           </a:xfrm>
           <a:prstGeom prst="rect">
             <a:avLst/>
@@ -4912,642 +5024,83 @@
           </a:bodyPr>
           <a:lstStyle/>
           <a:p>
-            <a:pPr marL="285750" indent="-285750">
+            <a:pPr marL="212712" indent="-212712">
               <a:buFont typeface="Arial" panose="020B0604020202020204" pitchFamily="34" charset="0"/>
               <a:buChar char="•"/>
             </a:pPr>
             <a:r>
-              <a:rPr lang="en-US" sz="3400" dirty="0"/>
+              <a:rPr lang="en-US" sz="2531" dirty="0"/>
               <a:t>Both supervised and unsupervised methods did not show good performance.</a:t>
             </a:r>
           </a:p>
           <a:p>
-            <a:pPr marL="285750" indent="-285750">
+            <a:pPr marL="212712" indent="-212712">
               <a:buFont typeface="Arial" panose="020B0604020202020204" pitchFamily="34" charset="0"/>
               <a:buChar char="•"/>
             </a:pPr>
             <a:r>
-              <a:rPr lang="en-US" sz="3400" dirty="0"/>
-              <a:t>For supervised methods, there was a relatively high accuracy due to the small fraction of ‘TRUE’ labels in the dataset. We managed to improve precision and recall metrics, but still most ‘TRUE’ genes are wrongly classified.</a:t>
-            </a:r>
-          </a:p>
-          <a:p>
-            <a:pPr marL="285750" indent="-285750">
+              <a:rPr lang="en-US" sz="2531" dirty="0"/>
+              <a:t>There was a relatively high accuracy score due to the small fraction of ‘TRUE’ labels in the dataset. For supervised, we managed to improve precision and recall metrics using resampling, but still most ‘TRUE’ genes are wrongly classified.</a:t>
+            </a:r>
+          </a:p>
+          <a:p>
+            <a:pPr marL="212712" indent="-212712">
               <a:buFont typeface="Arial" panose="020B0604020202020204" pitchFamily="34" charset="0"/>
               <a:buChar char="•"/>
             </a:pPr>
             <a:r>
-              <a:rPr lang="en-US" sz="3400" dirty="0"/>
-              <a:t>For unsupervised methods, we chose the number of clusters that maximize silhouette score. However, with labels taken into account, the clusters are heterogenous. </a:t>
-            </a:r>
-          </a:p>
-          <a:p>
-            <a:pPr marL="285750" indent="-285750">
+              <a:rPr lang="en-US" sz="2531" dirty="0"/>
+              <a:t>For unsupervised methods, we chose the number of clusters that maximize silhouette score. However, the resulting clusters could not provide good separation of true and false labels.</a:t>
+            </a:r>
+          </a:p>
+          <a:p>
+            <a:pPr marL="212712" indent="-212712">
               <a:buFont typeface="Arial" panose="020B0604020202020204" pitchFamily="34" charset="0"/>
               <a:buChar char="•"/>
             </a:pPr>
             <a:r>
-              <a:rPr lang="en-US" sz="3400" dirty="0"/>
+              <a:rPr lang="en-US" sz="2531" dirty="0"/>
               <a:t>A possible explanation could be that down-regulation of </a:t>
             </a:r>
             <a:r>
-              <a:rPr lang="en-US" sz="3400" dirty="0" err="1"/>
+              <a:rPr lang="en-US" sz="2531" dirty="0" err="1"/>
               <a:t>PKCδ</a:t>
             </a:r>
             <a:r>
-              <a:rPr lang="en-US" sz="3400" dirty="0"/>
+              <a:rPr lang="en-US" sz="2531" dirty="0"/>
               <a:t> has an affect on other biological functions and therefore non-apoptosis genes also show changes in expression levels.</a:t>
             </a:r>
           </a:p>
           <a:p>
-            <a:pPr marL="285750" indent="-285750">
+            <a:pPr marL="212712" indent="-212712">
               <a:buFont typeface="Arial" panose="020B0604020202020204" pitchFamily="34" charset="0"/>
               <a:buChar char="•"/>
             </a:pPr>
             <a:r>
-              <a:rPr lang="en-US" sz="3400" dirty="0"/>
+              <a:rPr lang="en-US" sz="2531" dirty="0"/>
               <a:t>Another point to note is that maybe some of the apoptosis genes are not affected by down-regulation of </a:t>
             </a:r>
             <a:r>
-              <a:rPr lang="en-US" sz="3400" dirty="0" err="1"/>
+              <a:rPr lang="en-US" sz="2531" dirty="0" err="1"/>
               <a:t>PKCδ</a:t>
             </a:r>
             <a:r>
-              <a:rPr lang="en-US" sz="3400" dirty="0"/>
+              <a:rPr lang="en-US" sz="2531" dirty="0"/>
               <a:t> and therefore their expression levels did not change, despite being labeled as ‘TRUE’.</a:t>
             </a:r>
           </a:p>
           <a:p>
-            <a:pPr marL="285750" indent="-285750">
+            <a:pPr marL="212712" indent="-212712">
               <a:buFont typeface="Arial" panose="020B0604020202020204" pitchFamily="34" charset="0"/>
               <a:buChar char="•"/>
             </a:pPr>
             <a:r>
-              <a:rPr lang="en-US" sz="3400" dirty="0"/>
+              <a:rPr lang="en-US" sz="2531" dirty="0"/>
               <a:t>We assume that for better results, perhaps a different labeling approach should be applied (for example, multiclass rather than binary).</a:t>
             </a:r>
           </a:p>
         </p:txBody>
       </p:sp>
-      <p:cxnSp>
-        <p:nvCxnSpPr>
-          <p:cNvPr id="13" name="Straight Connector 12"/>
-          <p:cNvCxnSpPr/>
-          <p:nvPr/>
-        </p:nvCxnSpPr>
-        <p:spPr>
-          <a:xfrm>
-            <a:off x="3296769" y="9721380"/>
-            <a:ext cx="2320080" cy="0"/>
-          </a:xfrm>
-          <a:prstGeom prst="line">
-            <a:avLst/>
-          </a:prstGeom>
-          <a:ln w="57150">
-            <a:solidFill>
-              <a:schemeClr val="tx1"/>
-            </a:solidFill>
-          </a:ln>
-        </p:spPr>
-        <p:style>
-          <a:lnRef idx="1">
-            <a:schemeClr val="dk1"/>
-          </a:lnRef>
-          <a:fillRef idx="0">
-            <a:schemeClr val="dk1"/>
-          </a:fillRef>
-          <a:effectRef idx="0">
-            <a:schemeClr val="dk1"/>
-          </a:effectRef>
-          <a:fontRef idx="minor">
-            <a:schemeClr val="tx1"/>
-          </a:fontRef>
-        </p:style>
-      </p:cxnSp>
-      <p:cxnSp>
-        <p:nvCxnSpPr>
-          <p:cNvPr id="34" name="Straight Connector 33">
-            <a:extLst>
-              <a:ext uri="{FF2B5EF4-FFF2-40B4-BE49-F238E27FC236}">
-                <a16:creationId xmlns:a16="http://schemas.microsoft.com/office/drawing/2014/main" id="{3A3D6D0F-0E73-4264-BE23-F8DF97C2B992}"/>
-              </a:ext>
-            </a:extLst>
-          </p:cNvPr>
-          <p:cNvCxnSpPr>
-            <a:cxnSpLocks/>
-          </p:cNvCxnSpPr>
-          <p:nvPr/>
-        </p:nvCxnSpPr>
-        <p:spPr>
-          <a:xfrm flipV="1">
-            <a:off x="5616849" y="9433348"/>
-            <a:ext cx="0" cy="576065"/>
-          </a:xfrm>
-          <a:prstGeom prst="line">
-            <a:avLst/>
-          </a:prstGeom>
-          <a:ln w="57150">
-            <a:solidFill>
-              <a:schemeClr val="tx1"/>
-            </a:solidFill>
-          </a:ln>
-        </p:spPr>
-        <p:style>
-          <a:lnRef idx="1">
-            <a:schemeClr val="dk1"/>
-          </a:lnRef>
-          <a:fillRef idx="0">
-            <a:schemeClr val="dk1"/>
-          </a:fillRef>
-          <a:effectRef idx="0">
-            <a:schemeClr val="dk1"/>
-          </a:effectRef>
-          <a:fontRef idx="minor">
-            <a:schemeClr val="tx1"/>
-          </a:fontRef>
-        </p:style>
-      </p:cxnSp>
-      <p:cxnSp>
-        <p:nvCxnSpPr>
-          <p:cNvPr id="14" name="Straight Arrow Connector 13">
-            <a:extLst>
-              <a:ext uri="{FF2B5EF4-FFF2-40B4-BE49-F238E27FC236}">
-                <a16:creationId xmlns:a16="http://schemas.microsoft.com/office/drawing/2014/main" id="{930ADC05-08E3-4439-9A05-89AA8383F606}"/>
-              </a:ext>
-            </a:extLst>
-          </p:cNvPr>
-          <p:cNvCxnSpPr>
-            <a:cxnSpLocks/>
-          </p:cNvCxnSpPr>
-          <p:nvPr/>
-        </p:nvCxnSpPr>
-        <p:spPr>
-          <a:xfrm>
-            <a:off x="5640683" y="17273181"/>
-            <a:ext cx="1704358" cy="0"/>
-          </a:xfrm>
-          <a:prstGeom prst="straightConnector1">
-            <a:avLst/>
-          </a:prstGeom>
-          <a:ln w="76200">
-            <a:tailEnd type="triangle"/>
-          </a:ln>
-        </p:spPr>
-        <p:style>
-          <a:lnRef idx="1">
-            <a:schemeClr val="dk1"/>
-          </a:lnRef>
-          <a:fillRef idx="0">
-            <a:schemeClr val="dk1"/>
-          </a:fillRef>
-          <a:effectRef idx="0">
-            <a:schemeClr val="dk1"/>
-          </a:effectRef>
-          <a:fontRef idx="minor">
-            <a:schemeClr val="tx1"/>
-          </a:fontRef>
-        </p:style>
-      </p:cxnSp>
-      <p:cxnSp>
-        <p:nvCxnSpPr>
-          <p:cNvPr id="51" name="Straight Arrow Connector 50">
-            <a:extLst>
-              <a:ext uri="{FF2B5EF4-FFF2-40B4-BE49-F238E27FC236}">
-                <a16:creationId xmlns:a16="http://schemas.microsoft.com/office/drawing/2014/main" id="{76D7DD1D-BD44-4CCF-A7DE-46265F285AE1}"/>
-              </a:ext>
-            </a:extLst>
-          </p:cNvPr>
-          <p:cNvCxnSpPr>
-            <a:cxnSpLocks/>
-          </p:cNvCxnSpPr>
-          <p:nvPr/>
-        </p:nvCxnSpPr>
-        <p:spPr>
-          <a:xfrm>
-            <a:off x="10825259" y="17273181"/>
-            <a:ext cx="1704358" cy="0"/>
-          </a:xfrm>
-          <a:prstGeom prst="straightConnector1">
-            <a:avLst/>
-          </a:prstGeom>
-          <a:ln w="76200">
-            <a:tailEnd type="triangle"/>
-          </a:ln>
-        </p:spPr>
-        <p:style>
-          <a:lnRef idx="1">
-            <a:schemeClr val="dk1"/>
-          </a:lnRef>
-          <a:fillRef idx="0">
-            <a:schemeClr val="dk1"/>
-          </a:fillRef>
-          <a:effectRef idx="0">
-            <a:schemeClr val="dk1"/>
-          </a:effectRef>
-          <a:fontRef idx="minor">
-            <a:schemeClr val="tx1"/>
-          </a:fontRef>
-        </p:style>
-      </p:cxnSp>
-      <p:cxnSp>
-        <p:nvCxnSpPr>
-          <p:cNvPr id="54" name="Straight Arrow Connector 53">
-            <a:extLst>
-              <a:ext uri="{FF2B5EF4-FFF2-40B4-BE49-F238E27FC236}">
-                <a16:creationId xmlns:a16="http://schemas.microsoft.com/office/drawing/2014/main" id="{3B702B41-81F8-4122-B4F4-43D7D3BE00C6}"/>
-              </a:ext>
-            </a:extLst>
-          </p:cNvPr>
-          <p:cNvCxnSpPr>
-            <a:cxnSpLocks/>
-          </p:cNvCxnSpPr>
-          <p:nvPr/>
-        </p:nvCxnSpPr>
-        <p:spPr>
-          <a:xfrm>
-            <a:off x="3768475" y="26715268"/>
-            <a:ext cx="1704358" cy="0"/>
-          </a:xfrm>
-          <a:prstGeom prst="straightConnector1">
-            <a:avLst/>
-          </a:prstGeom>
-          <a:ln w="76200">
-            <a:tailEnd type="triangle"/>
-          </a:ln>
-        </p:spPr>
-        <p:style>
-          <a:lnRef idx="1">
-            <a:schemeClr val="dk1"/>
-          </a:lnRef>
-          <a:fillRef idx="0">
-            <a:schemeClr val="dk1"/>
-          </a:fillRef>
-          <a:effectRef idx="0">
-            <a:schemeClr val="dk1"/>
-          </a:effectRef>
-          <a:fontRef idx="minor">
-            <a:schemeClr val="tx1"/>
-          </a:fontRef>
-        </p:style>
-      </p:cxnSp>
-      <p:cxnSp>
-        <p:nvCxnSpPr>
-          <p:cNvPr id="56" name="Straight Arrow Connector 55">
-            <a:extLst>
-              <a:ext uri="{FF2B5EF4-FFF2-40B4-BE49-F238E27FC236}">
-                <a16:creationId xmlns:a16="http://schemas.microsoft.com/office/drawing/2014/main" id="{8298EB60-CD1E-4038-B267-0F1811741E59}"/>
-              </a:ext>
-            </a:extLst>
-          </p:cNvPr>
-          <p:cNvCxnSpPr>
-            <a:cxnSpLocks/>
-          </p:cNvCxnSpPr>
-          <p:nvPr/>
-        </p:nvCxnSpPr>
-        <p:spPr>
-          <a:xfrm flipV="1">
-            <a:off x="9675044" y="25783110"/>
-            <a:ext cx="2133735" cy="1062374"/>
-          </a:xfrm>
-          <a:prstGeom prst="straightConnector1">
-            <a:avLst/>
-          </a:prstGeom>
-          <a:ln w="76200">
-            <a:tailEnd type="triangle"/>
-          </a:ln>
-        </p:spPr>
-        <p:style>
-          <a:lnRef idx="1">
-            <a:schemeClr val="dk1"/>
-          </a:lnRef>
-          <a:fillRef idx="0">
-            <a:schemeClr val="dk1"/>
-          </a:fillRef>
-          <a:effectRef idx="0">
-            <a:schemeClr val="dk1"/>
-          </a:effectRef>
-          <a:fontRef idx="minor">
-            <a:schemeClr val="tx1"/>
-          </a:fontRef>
-        </p:style>
-      </p:cxnSp>
-      <p:cxnSp>
-        <p:nvCxnSpPr>
-          <p:cNvPr id="57" name="Straight Arrow Connector 56">
-            <a:extLst>
-              <a:ext uri="{FF2B5EF4-FFF2-40B4-BE49-F238E27FC236}">
-                <a16:creationId xmlns:a16="http://schemas.microsoft.com/office/drawing/2014/main" id="{953124AB-E56C-4D0B-B802-C7D140A8D01B}"/>
-              </a:ext>
-            </a:extLst>
-          </p:cNvPr>
-          <p:cNvCxnSpPr>
-            <a:cxnSpLocks/>
-          </p:cNvCxnSpPr>
-          <p:nvPr/>
-        </p:nvCxnSpPr>
-        <p:spPr>
-          <a:xfrm>
-            <a:off x="9655271" y="26870065"/>
-            <a:ext cx="2153508" cy="1018049"/>
-          </a:xfrm>
-          <a:prstGeom prst="straightConnector1">
-            <a:avLst/>
-          </a:prstGeom>
-          <a:ln w="76200">
-            <a:tailEnd type="triangle"/>
-          </a:ln>
-        </p:spPr>
-        <p:style>
-          <a:lnRef idx="1">
-            <a:schemeClr val="dk1"/>
-          </a:lnRef>
-          <a:fillRef idx="0">
-            <a:schemeClr val="dk1"/>
-          </a:fillRef>
-          <a:effectRef idx="0">
-            <a:schemeClr val="dk1"/>
-          </a:effectRef>
-          <a:fontRef idx="minor">
-            <a:schemeClr val="tx1"/>
-          </a:fontRef>
-        </p:style>
-      </p:cxnSp>
-      <p:cxnSp>
-        <p:nvCxnSpPr>
-          <p:cNvPr id="61" name="Straight Arrow Connector 60">
-            <a:extLst>
-              <a:ext uri="{FF2B5EF4-FFF2-40B4-BE49-F238E27FC236}">
-                <a16:creationId xmlns:a16="http://schemas.microsoft.com/office/drawing/2014/main" id="{8D32576D-F5AC-486A-BB04-B11B530772DD}"/>
-              </a:ext>
-            </a:extLst>
-          </p:cNvPr>
-          <p:cNvCxnSpPr>
-            <a:cxnSpLocks/>
-          </p:cNvCxnSpPr>
-          <p:nvPr/>
-        </p:nvCxnSpPr>
-        <p:spPr>
-          <a:xfrm>
-            <a:off x="4184942" y="30255914"/>
-            <a:ext cx="1287891" cy="0"/>
-          </a:xfrm>
-          <a:prstGeom prst="straightConnector1">
-            <a:avLst/>
-          </a:prstGeom>
-          <a:ln w="76200">
-            <a:tailEnd type="triangle"/>
-          </a:ln>
-        </p:spPr>
-        <p:style>
-          <a:lnRef idx="1">
-            <a:schemeClr val="dk1"/>
-          </a:lnRef>
-          <a:fillRef idx="0">
-            <a:schemeClr val="dk1"/>
-          </a:fillRef>
-          <a:effectRef idx="0">
-            <a:schemeClr val="dk1"/>
-          </a:effectRef>
-          <a:fontRef idx="minor">
-            <a:schemeClr val="tx1"/>
-          </a:fontRef>
-        </p:style>
-      </p:cxnSp>
-      <p:cxnSp>
-        <p:nvCxnSpPr>
-          <p:cNvPr id="63" name="Straight Arrow Connector 62">
-            <a:extLst>
-              <a:ext uri="{FF2B5EF4-FFF2-40B4-BE49-F238E27FC236}">
-                <a16:creationId xmlns:a16="http://schemas.microsoft.com/office/drawing/2014/main" id="{BD94B222-8A17-4D5F-A0EB-BC4E5B01713E}"/>
-              </a:ext>
-            </a:extLst>
-          </p:cNvPr>
-          <p:cNvCxnSpPr>
-            <a:cxnSpLocks/>
-          </p:cNvCxnSpPr>
-          <p:nvPr/>
-        </p:nvCxnSpPr>
-        <p:spPr>
-          <a:xfrm flipH="1">
-            <a:off x="6078677" y="30703277"/>
-            <a:ext cx="1932168" cy="1019089"/>
-          </a:xfrm>
-          <a:prstGeom prst="straightConnector1">
-            <a:avLst/>
-          </a:prstGeom>
-          <a:ln w="76200">
-            <a:tailEnd type="triangle"/>
-          </a:ln>
-        </p:spPr>
-        <p:style>
-          <a:lnRef idx="1">
-            <a:schemeClr val="dk1"/>
-          </a:lnRef>
-          <a:fillRef idx="0">
-            <a:schemeClr val="dk1"/>
-          </a:fillRef>
-          <a:effectRef idx="0">
-            <a:schemeClr val="dk1"/>
-          </a:effectRef>
-          <a:fontRef idx="minor">
-            <a:schemeClr val="tx1"/>
-          </a:fontRef>
-        </p:style>
-      </p:cxnSp>
-      <p:cxnSp>
-        <p:nvCxnSpPr>
-          <p:cNvPr id="65" name="Straight Arrow Connector 64">
-            <a:extLst>
-              <a:ext uri="{FF2B5EF4-FFF2-40B4-BE49-F238E27FC236}">
-                <a16:creationId xmlns:a16="http://schemas.microsoft.com/office/drawing/2014/main" id="{7C429779-3F3C-4872-8DCF-BD25E0E56F2A}"/>
-              </a:ext>
-            </a:extLst>
-          </p:cNvPr>
-          <p:cNvCxnSpPr>
-            <a:cxnSpLocks/>
-          </p:cNvCxnSpPr>
-          <p:nvPr/>
-        </p:nvCxnSpPr>
-        <p:spPr>
-          <a:xfrm>
-            <a:off x="8601417" y="30669915"/>
-            <a:ext cx="2223842" cy="1016781"/>
-          </a:xfrm>
-          <a:prstGeom prst="straightConnector1">
-            <a:avLst/>
-          </a:prstGeom>
-          <a:ln w="76200">
-            <a:tailEnd type="triangle"/>
-          </a:ln>
-        </p:spPr>
-        <p:style>
-          <a:lnRef idx="1">
-            <a:schemeClr val="dk1"/>
-          </a:lnRef>
-          <a:fillRef idx="0">
-            <a:schemeClr val="dk1"/>
-          </a:fillRef>
-          <a:effectRef idx="0">
-            <a:schemeClr val="dk1"/>
-          </a:effectRef>
-          <a:fontRef idx="minor">
-            <a:schemeClr val="tx1"/>
-          </a:fontRef>
-        </p:style>
-      </p:cxnSp>
-      <p:cxnSp>
-        <p:nvCxnSpPr>
-          <p:cNvPr id="67" name="Straight Arrow Connector 66">
-            <a:extLst>
-              <a:ext uri="{FF2B5EF4-FFF2-40B4-BE49-F238E27FC236}">
-                <a16:creationId xmlns:a16="http://schemas.microsoft.com/office/drawing/2014/main" id="{3A3DE165-3CFD-406B-B465-3838AC5C6180}"/>
-              </a:ext>
-            </a:extLst>
-          </p:cNvPr>
-          <p:cNvCxnSpPr>
-            <a:cxnSpLocks/>
-          </p:cNvCxnSpPr>
-          <p:nvPr/>
-        </p:nvCxnSpPr>
-        <p:spPr>
-          <a:xfrm>
-            <a:off x="11012380" y="32405423"/>
-            <a:ext cx="0" cy="1300668"/>
-          </a:xfrm>
-          <a:prstGeom prst="straightConnector1">
-            <a:avLst/>
-          </a:prstGeom>
-          <a:ln w="76200">
-            <a:tailEnd type="triangle"/>
-          </a:ln>
-        </p:spPr>
-        <p:style>
-          <a:lnRef idx="1">
-            <a:schemeClr val="dk1"/>
-          </a:lnRef>
-          <a:fillRef idx="0">
-            <a:schemeClr val="dk1"/>
-          </a:fillRef>
-          <a:effectRef idx="0">
-            <a:schemeClr val="dk1"/>
-          </a:effectRef>
-          <a:fontRef idx="minor">
-            <a:schemeClr val="tx1"/>
-          </a:fontRef>
-        </p:style>
-      </p:cxnSp>
-      <p:pic>
-        <p:nvPicPr>
-          <p:cNvPr id="70" name="Picture 69">
-            <a:extLst>
-              <a:ext uri="{FF2B5EF4-FFF2-40B4-BE49-F238E27FC236}">
-                <a16:creationId xmlns:a16="http://schemas.microsoft.com/office/drawing/2014/main" id="{5E97327B-EBAA-4284-9C21-091076E9F5F2}"/>
-              </a:ext>
-            </a:extLst>
-          </p:cNvPr>
-          <p:cNvPicPr/>
-          <p:nvPr/>
-        </p:nvPicPr>
-        <p:blipFill>
-          <a:blip r:embed="rId3"/>
-          <a:stretch>
-            <a:fillRect/>
-          </a:stretch>
-        </p:blipFill>
-        <p:spPr>
-          <a:xfrm>
-            <a:off x="24006308" y="24031738"/>
-            <a:ext cx="6624736" cy="4833301"/>
-          </a:xfrm>
-          <a:prstGeom prst="rect">
-            <a:avLst/>
-          </a:prstGeom>
-        </p:spPr>
-      </p:pic>
-      <p:pic>
-        <p:nvPicPr>
-          <p:cNvPr id="71" name="Picture 70">
-            <a:extLst>
-              <a:ext uri="{FF2B5EF4-FFF2-40B4-BE49-F238E27FC236}">
-                <a16:creationId xmlns:a16="http://schemas.microsoft.com/office/drawing/2014/main" id="{BBEA01B9-2EEA-408C-9EE7-4FD4368C0AFB}"/>
-              </a:ext>
-            </a:extLst>
-          </p:cNvPr>
-          <p:cNvPicPr/>
-          <p:nvPr/>
-        </p:nvPicPr>
-        <p:blipFill>
-          <a:blip r:embed="rId4"/>
-          <a:stretch>
-            <a:fillRect/>
-          </a:stretch>
-        </p:blipFill>
-        <p:spPr>
-          <a:xfrm>
-            <a:off x="24778328" y="18020897"/>
-            <a:ext cx="6207654" cy="4637889"/>
-          </a:xfrm>
-          <a:prstGeom prst="rect">
-            <a:avLst/>
-          </a:prstGeom>
-        </p:spPr>
-      </p:pic>
-      <p:pic>
-        <p:nvPicPr>
-          <p:cNvPr id="72" name="Picture 71">
-            <a:extLst>
-              <a:ext uri="{FF2B5EF4-FFF2-40B4-BE49-F238E27FC236}">
-                <a16:creationId xmlns:a16="http://schemas.microsoft.com/office/drawing/2014/main" id="{BB6C50D3-16BB-4C33-87F6-EEC9814741B3}"/>
-              </a:ext>
-            </a:extLst>
-          </p:cNvPr>
-          <p:cNvPicPr/>
-          <p:nvPr/>
-        </p:nvPicPr>
-        <p:blipFill>
-          <a:blip r:embed="rId5"/>
-          <a:stretch>
-            <a:fillRect/>
-          </a:stretch>
-        </p:blipFill>
-        <p:spPr>
-          <a:xfrm>
-            <a:off x="24759453" y="12911828"/>
-            <a:ext cx="5810250" cy="4324350"/>
-          </a:xfrm>
-          <a:prstGeom prst="rect">
-            <a:avLst/>
-          </a:prstGeom>
-        </p:spPr>
-      </p:pic>
-      <p:pic>
-        <p:nvPicPr>
-          <p:cNvPr id="73" name="Picture 72">
-            <a:extLst>
-              <a:ext uri="{FF2B5EF4-FFF2-40B4-BE49-F238E27FC236}">
-                <a16:creationId xmlns:a16="http://schemas.microsoft.com/office/drawing/2014/main" id="{BF328C72-A05D-4AF5-BB5D-0E678109112F}"/>
-              </a:ext>
-            </a:extLst>
-          </p:cNvPr>
-          <p:cNvPicPr/>
-          <p:nvPr/>
-        </p:nvPicPr>
-        <p:blipFill>
-          <a:blip r:embed="rId6"/>
-          <a:stretch>
-            <a:fillRect/>
-          </a:stretch>
-        </p:blipFill>
-        <p:spPr>
-          <a:xfrm>
-            <a:off x="18388085" y="12935616"/>
-            <a:ext cx="5810250" cy="4324350"/>
-          </a:xfrm>
-          <a:prstGeom prst="rect">
-            <a:avLst/>
-          </a:prstGeom>
-        </p:spPr>
-      </p:pic>
       <p:sp>
         <p:nvSpPr>
           <p:cNvPr id="74" name="TextBox 73">
@@ -5562,8 +5115,8 @@
         </p:nvSpPr>
         <p:spPr>
           <a:xfrm>
-            <a:off x="17589934" y="17975580"/>
-            <a:ext cx="7137223" cy="3231654"/>
+            <a:off x="18191685" y="19906878"/>
+            <a:ext cx="5533848" cy="3372590"/>
           </a:xfrm>
           <a:prstGeom prst="rect">
             <a:avLst/>
@@ -5577,884 +5130,2211 @@
           <a:lstStyle/>
           <a:p>
             <a:r>
-              <a:rPr lang="en-US" sz="3400" dirty="0"/>
-              <a:t>All classifiers show similar result in terms of accuracy which are significantly better than our baseline classifier. In terms of precision and recall score we see no improvement compared to the baseline classifier. </a:t>
-            </a:r>
-          </a:p>
-        </p:txBody>
-      </p:sp>
-      <p:pic>
-        <p:nvPicPr>
-          <p:cNvPr id="75" name="Picture 74">
+              <a:rPr lang="en-US" sz="2531" dirty="0"/>
+              <a:t>We used semi-clustering for evaluation of </a:t>
+            </a:r>
+            <a:r>
+              <a:rPr lang="en-US" sz="2531" dirty="0" err="1"/>
+              <a:t>KMeans</a:t>
+            </a:r>
+            <a:r>
+              <a:rPr lang="en-US" sz="2531" dirty="0"/>
+              <a:t> performance </a:t>
+            </a:r>
+            <a:r>
+              <a:rPr lang="en-US" sz="1800" dirty="0"/>
+              <a:t>(predict cluster for each sample in test, then treat clusters as labels to obtain score).</a:t>
+            </a:r>
+          </a:p>
+          <a:p>
+            <a:r>
+              <a:rPr lang="en-US" sz="2531" dirty="0"/>
+              <a:t>All methods show similar result in terms of accuracy, significantly better than our baseline classifier. In terms of precision and recall score we see no improvement compared to the baseline classifier. </a:t>
+            </a:r>
+          </a:p>
+        </p:txBody>
+      </p:sp>
+      <p:grpSp>
+        <p:nvGrpSpPr>
+          <p:cNvPr id="42" name="Group 41">
             <a:extLst>
               <a:ext uri="{FF2B5EF4-FFF2-40B4-BE49-F238E27FC236}">
-                <a16:creationId xmlns:a16="http://schemas.microsoft.com/office/drawing/2014/main" id="{B139DFFC-1F96-4852-93AC-754F06D5256B}"/>
+                <a16:creationId xmlns:a16="http://schemas.microsoft.com/office/drawing/2014/main" id="{D054DF94-D93F-4DE7-9867-5382CE64DB90}"/>
               </a:ext>
             </a:extLst>
           </p:cNvPr>
-          <p:cNvPicPr/>
+          <p:cNvGrpSpPr/>
           <p:nvPr/>
-        </p:nvPicPr>
-        <p:blipFill>
-          <a:blip r:embed="rId7"/>
-          <a:stretch>
-            <a:fillRect/>
-          </a:stretch>
-        </p:blipFill>
-        <p:spPr>
+        </p:nvGrpSpPr>
+        <p:grpSpPr>
           <a:xfrm>
-            <a:off x="25419764" y="6296760"/>
-            <a:ext cx="5903941" cy="4792772"/>
+            <a:off x="1045474" y="8406157"/>
+            <a:ext cx="10800362" cy="701034"/>
+            <a:chOff x="1045474" y="8274080"/>
+            <a:chExt cx="10800362" cy="701034"/>
           </a:xfrm>
-          <a:prstGeom prst="rect">
-            <a:avLst/>
-          </a:prstGeom>
-        </p:spPr>
-      </p:pic>
-      <p:pic>
-        <p:nvPicPr>
-          <p:cNvPr id="76" name="Picture 75">
+        </p:grpSpPr>
+        <p:cxnSp>
+          <p:nvCxnSpPr>
+            <p:cNvPr id="34" name="Straight Connector 33">
+              <a:extLst>
+                <a:ext uri="{FF2B5EF4-FFF2-40B4-BE49-F238E27FC236}">
+                  <a16:creationId xmlns:a16="http://schemas.microsoft.com/office/drawing/2014/main" id="{3A3D6D0F-0E73-4264-BE23-F8DF97C2B992}"/>
+                </a:ext>
+              </a:extLst>
+            </p:cNvPr>
+            <p:cNvCxnSpPr>
+              <a:cxnSpLocks/>
+            </p:cNvCxnSpPr>
+            <p:nvPr/>
+          </p:nvCxnSpPr>
+          <p:spPr>
+            <a:xfrm flipV="1">
+              <a:off x="4180991" y="8401667"/>
+              <a:ext cx="0" cy="428803"/>
+            </a:xfrm>
+            <a:prstGeom prst="line">
+              <a:avLst/>
+            </a:prstGeom>
+            <a:ln w="57150">
+              <a:solidFill>
+                <a:schemeClr val="tx1"/>
+              </a:solidFill>
+            </a:ln>
+          </p:spPr>
+          <p:style>
+            <a:lnRef idx="1">
+              <a:schemeClr val="dk1"/>
+            </a:lnRef>
+            <a:fillRef idx="0">
+              <a:schemeClr val="dk1"/>
+            </a:fillRef>
+            <a:effectRef idx="0">
+              <a:schemeClr val="dk1"/>
+            </a:effectRef>
+            <a:fontRef idx="minor">
+              <a:schemeClr val="tx1"/>
+            </a:fontRef>
+          </p:style>
+        </p:cxnSp>
+        <p:grpSp>
+          <p:nvGrpSpPr>
+            <p:cNvPr id="39" name="Group 38">
+              <a:extLst>
+                <a:ext uri="{FF2B5EF4-FFF2-40B4-BE49-F238E27FC236}">
+                  <a16:creationId xmlns:a16="http://schemas.microsoft.com/office/drawing/2014/main" id="{19495A0B-2F22-4E76-A159-ABEAFB4A1611}"/>
+                </a:ext>
+              </a:extLst>
+            </p:cNvPr>
+            <p:cNvGrpSpPr/>
+            <p:nvPr/>
+          </p:nvGrpSpPr>
+          <p:grpSpPr>
+            <a:xfrm>
+              <a:off x="1045474" y="8274080"/>
+              <a:ext cx="10800362" cy="701034"/>
+              <a:chOff x="1045474" y="8274080"/>
+              <a:chExt cx="10800362" cy="701034"/>
+            </a:xfrm>
+          </p:grpSpPr>
+          <p:cxnSp>
+            <p:nvCxnSpPr>
+              <p:cNvPr id="13" name="Straight Connector 12"/>
+              <p:cNvCxnSpPr/>
+              <p:nvPr/>
+            </p:nvCxnSpPr>
+            <p:spPr>
+              <a:xfrm>
+                <a:off x="2454002" y="8616068"/>
+                <a:ext cx="1726989" cy="0"/>
+              </a:xfrm>
+              <a:prstGeom prst="line">
+                <a:avLst/>
+              </a:prstGeom>
+              <a:ln w="57150">
+                <a:solidFill>
+                  <a:schemeClr val="tx1"/>
+                </a:solidFill>
+              </a:ln>
+            </p:spPr>
+            <p:style>
+              <a:lnRef idx="1">
+                <a:schemeClr val="dk1"/>
+              </a:lnRef>
+              <a:fillRef idx="0">
+                <a:schemeClr val="dk1"/>
+              </a:fillRef>
+              <a:effectRef idx="0">
+                <a:schemeClr val="dk1"/>
+              </a:effectRef>
+              <a:fontRef idx="minor">
+                <a:schemeClr val="tx1"/>
+              </a:fontRef>
+            </p:style>
+          </p:cxnSp>
+          <p:cxnSp>
+            <p:nvCxnSpPr>
+              <p:cNvPr id="16" name="Straight Arrow Connector 15">
+                <a:extLst>
+                  <a:ext uri="{FF2B5EF4-FFF2-40B4-BE49-F238E27FC236}">
+                    <a16:creationId xmlns:a16="http://schemas.microsoft.com/office/drawing/2014/main" id="{6A19CA2B-B11A-4EE1-9A53-58BE74D84579}"/>
+                  </a:ext>
+                </a:extLst>
+              </p:cNvPr>
+              <p:cNvCxnSpPr/>
+              <p:nvPr/>
+            </p:nvCxnSpPr>
+            <p:spPr>
+              <a:xfrm>
+                <a:off x="7634944" y="8616068"/>
+                <a:ext cx="1798878" cy="0"/>
+              </a:xfrm>
+              <a:prstGeom prst="straightConnector1">
+                <a:avLst/>
+              </a:prstGeom>
+              <a:ln w="63500">
+                <a:headEnd type="none" w="med" len="med"/>
+                <a:tailEnd type="arrow" w="lg" len="lg"/>
+              </a:ln>
+            </p:spPr>
+            <p:style>
+              <a:lnRef idx="1">
+                <a:schemeClr val="dk1"/>
+              </a:lnRef>
+              <a:fillRef idx="0">
+                <a:schemeClr val="dk1"/>
+              </a:fillRef>
+              <a:effectRef idx="0">
+                <a:schemeClr val="dk1"/>
+              </a:effectRef>
+              <a:fontRef idx="minor">
+                <a:schemeClr val="tx1"/>
+              </a:fontRef>
+            </p:style>
+          </p:cxnSp>
+          <p:sp>
+            <p:nvSpPr>
+              <p:cNvPr id="20" name="Rectangle: Rounded Corners 19">
+                <a:extLst>
+                  <a:ext uri="{FF2B5EF4-FFF2-40B4-BE49-F238E27FC236}">
+                    <a16:creationId xmlns:a16="http://schemas.microsoft.com/office/drawing/2014/main" id="{9DCC11B4-0F19-42B2-8932-A232B8E48435}"/>
+                  </a:ext>
+                </a:extLst>
+              </p:cNvPr>
+              <p:cNvSpPr/>
+              <p:nvPr/>
+            </p:nvSpPr>
+            <p:spPr>
+              <a:xfrm>
+                <a:off x="1045474" y="8294466"/>
+                <a:ext cx="1473908" cy="680648"/>
+              </a:xfrm>
+              <a:prstGeom prst="roundRect">
+                <a:avLst/>
+              </a:prstGeom>
+            </p:spPr>
+            <p:style>
+              <a:lnRef idx="1">
+                <a:schemeClr val="accent4"/>
+              </a:lnRef>
+              <a:fillRef idx="2">
+                <a:schemeClr val="accent4"/>
+              </a:fillRef>
+              <a:effectRef idx="1">
+                <a:schemeClr val="accent4"/>
+              </a:effectRef>
+              <a:fontRef idx="minor">
+                <a:schemeClr val="dk1"/>
+              </a:fontRef>
+            </p:style>
+            <p:txBody>
+              <a:bodyPr rtlCol="0" anchor="ctr"/>
+              <a:lstStyle/>
+              <a:p>
+                <a:pPr algn="ctr"/>
+                <a:r>
+                  <a:rPr lang="en-US" sz="3573" dirty="0" err="1"/>
+                  <a:t>PKCδ</a:t>
+                </a:r>
+                <a:endParaRPr lang="en-US" sz="3573" dirty="0"/>
+              </a:p>
+            </p:txBody>
+          </p:sp>
+          <p:sp>
+            <p:nvSpPr>
+              <p:cNvPr id="78" name="Rectangle: Rounded Corners 77">
+                <a:extLst>
+                  <a:ext uri="{FF2B5EF4-FFF2-40B4-BE49-F238E27FC236}">
+                    <a16:creationId xmlns:a16="http://schemas.microsoft.com/office/drawing/2014/main" id="{424283FE-85AE-4056-B164-059A80D6066E}"/>
+                  </a:ext>
+                </a:extLst>
+              </p:cNvPr>
+              <p:cNvSpPr/>
+              <p:nvPr/>
+            </p:nvSpPr>
+            <p:spPr>
+              <a:xfrm>
+                <a:off x="4343089" y="8274080"/>
+                <a:ext cx="3268322" cy="680648"/>
+              </a:xfrm>
+              <a:prstGeom prst="roundRect">
+                <a:avLst/>
+              </a:prstGeom>
+            </p:spPr>
+            <p:style>
+              <a:lnRef idx="1">
+                <a:schemeClr val="accent4"/>
+              </a:lnRef>
+              <a:fillRef idx="2">
+                <a:schemeClr val="accent4"/>
+              </a:fillRef>
+              <a:effectRef idx="1">
+                <a:schemeClr val="accent4"/>
+              </a:effectRef>
+              <a:fontRef idx="minor">
+                <a:schemeClr val="dk1"/>
+              </a:fontRef>
+            </p:style>
+            <p:txBody>
+              <a:bodyPr rtlCol="0" anchor="ctr"/>
+              <a:lstStyle/>
+              <a:p>
+                <a:r>
+                  <a:rPr lang="en-US" sz="3573" dirty="0"/>
+                  <a:t>ERK1/2 pathway</a:t>
+                </a:r>
+              </a:p>
+            </p:txBody>
+          </p:sp>
+          <p:sp>
+            <p:nvSpPr>
+              <p:cNvPr id="79" name="Rectangle: Rounded Corners 78">
+                <a:extLst>
+                  <a:ext uri="{FF2B5EF4-FFF2-40B4-BE49-F238E27FC236}">
+                    <a16:creationId xmlns:a16="http://schemas.microsoft.com/office/drawing/2014/main" id="{E36B45E4-98C9-4C1E-B593-14D0ECA61051}"/>
+                  </a:ext>
+                </a:extLst>
+              </p:cNvPr>
+              <p:cNvSpPr/>
+              <p:nvPr/>
+            </p:nvSpPr>
+            <p:spPr>
+              <a:xfrm>
+                <a:off x="9541023" y="8284768"/>
+                <a:ext cx="2304813" cy="680648"/>
+              </a:xfrm>
+              <a:prstGeom prst="roundRect">
+                <a:avLst/>
+              </a:prstGeom>
+            </p:spPr>
+            <p:style>
+              <a:lnRef idx="1">
+                <a:schemeClr val="accent4"/>
+              </a:lnRef>
+              <a:fillRef idx="2">
+                <a:schemeClr val="accent4"/>
+              </a:fillRef>
+              <a:effectRef idx="1">
+                <a:schemeClr val="accent4"/>
+              </a:effectRef>
+              <a:fontRef idx="minor">
+                <a:schemeClr val="dk1"/>
+              </a:fontRef>
+            </p:style>
+            <p:txBody>
+              <a:bodyPr rtlCol="0" anchor="ctr"/>
+              <a:lstStyle/>
+              <a:p>
+                <a:pPr algn="ctr"/>
+                <a:r>
+                  <a:rPr lang="en-US" sz="3573" dirty="0"/>
+                  <a:t>Apoptosis</a:t>
+                </a:r>
+              </a:p>
+            </p:txBody>
+          </p:sp>
+        </p:grpSp>
+      </p:grpSp>
+      <p:grpSp>
+        <p:nvGrpSpPr>
+          <p:cNvPr id="43" name="Group 42">
             <a:extLst>
               <a:ext uri="{FF2B5EF4-FFF2-40B4-BE49-F238E27FC236}">
-                <a16:creationId xmlns:a16="http://schemas.microsoft.com/office/drawing/2014/main" id="{44B3DAEB-2618-424D-8FA1-0DF9387C505F}"/>
+                <a16:creationId xmlns:a16="http://schemas.microsoft.com/office/drawing/2014/main" id="{FF3C5B99-0785-4027-99C7-25CA2B8CB196}"/>
               </a:ext>
             </a:extLst>
           </p:cNvPr>
-          <p:cNvPicPr/>
+          <p:cNvGrpSpPr/>
           <p:nvPr/>
-        </p:nvPicPr>
-        <p:blipFill>
-          <a:blip r:embed="rId8"/>
-          <a:stretch>
-            <a:fillRect/>
-          </a:stretch>
-        </p:blipFill>
-        <p:spPr>
+        </p:nvGrpSpPr>
+        <p:grpSpPr>
           <a:xfrm>
-            <a:off x="8296189" y="35309494"/>
-            <a:ext cx="7761820" cy="5375326"/>
+            <a:off x="750571" y="14181144"/>
+            <a:ext cx="11095265" cy="1290691"/>
+            <a:chOff x="696971" y="13941650"/>
+            <a:chExt cx="11095265" cy="1235202"/>
           </a:xfrm>
-          <a:prstGeom prst="rect">
-            <a:avLst/>
-          </a:prstGeom>
-        </p:spPr>
-      </p:pic>
-      <p:pic>
-        <p:nvPicPr>
-          <p:cNvPr id="77" name="Picture 76">
+        </p:grpSpPr>
+        <p:cxnSp>
+          <p:nvCxnSpPr>
+            <p:cNvPr id="14" name="Straight Arrow Connector 13">
+              <a:extLst>
+                <a:ext uri="{FF2B5EF4-FFF2-40B4-BE49-F238E27FC236}">
+                  <a16:creationId xmlns:a16="http://schemas.microsoft.com/office/drawing/2014/main" id="{930ADC05-08E3-4439-9A05-89AA8383F606}"/>
+                </a:ext>
+              </a:extLst>
+            </p:cNvPr>
+            <p:cNvCxnSpPr>
+              <a:cxnSpLocks/>
+            </p:cNvCxnSpPr>
+            <p:nvPr/>
+          </p:nvCxnSpPr>
+          <p:spPr>
+            <a:xfrm>
+              <a:off x="4186866" y="14555195"/>
+              <a:ext cx="1268666" cy="0"/>
+            </a:xfrm>
+            <a:prstGeom prst="straightConnector1">
+              <a:avLst/>
+            </a:prstGeom>
+            <a:ln w="76200">
+              <a:tailEnd type="triangle"/>
+            </a:ln>
+          </p:spPr>
+          <p:style>
+            <a:lnRef idx="1">
+              <a:schemeClr val="dk1"/>
+            </a:lnRef>
+            <a:fillRef idx="0">
+              <a:schemeClr val="dk1"/>
+            </a:fillRef>
+            <a:effectRef idx="0">
+              <a:schemeClr val="dk1"/>
+            </a:effectRef>
+            <a:fontRef idx="minor">
+              <a:schemeClr val="tx1"/>
+            </a:fontRef>
+          </p:style>
+        </p:cxnSp>
+        <p:cxnSp>
+          <p:nvCxnSpPr>
+            <p:cNvPr id="51" name="Straight Arrow Connector 50">
+              <a:extLst>
+                <a:ext uri="{FF2B5EF4-FFF2-40B4-BE49-F238E27FC236}">
+                  <a16:creationId xmlns:a16="http://schemas.microsoft.com/office/drawing/2014/main" id="{76D7DD1D-BD44-4CCF-A7DE-46265F285AE1}"/>
+                </a:ext>
+              </a:extLst>
+            </p:cNvPr>
+            <p:cNvCxnSpPr>
+              <a:cxnSpLocks/>
+            </p:cNvCxnSpPr>
+            <p:nvPr/>
+          </p:nvCxnSpPr>
+          <p:spPr>
+            <a:xfrm>
+              <a:off x="8103744" y="14528781"/>
+              <a:ext cx="1268666" cy="0"/>
+            </a:xfrm>
+            <a:prstGeom prst="straightConnector1">
+              <a:avLst/>
+            </a:prstGeom>
+            <a:ln w="76200">
+              <a:tailEnd type="triangle"/>
+            </a:ln>
+          </p:spPr>
+          <p:style>
+            <a:lnRef idx="1">
+              <a:schemeClr val="dk1"/>
+            </a:lnRef>
+            <a:fillRef idx="0">
+              <a:schemeClr val="dk1"/>
+            </a:fillRef>
+            <a:effectRef idx="0">
+              <a:schemeClr val="dk1"/>
+            </a:effectRef>
+            <a:fontRef idx="minor">
+              <a:schemeClr val="tx1"/>
+            </a:fontRef>
+          </p:style>
+        </p:cxnSp>
+        <p:sp>
+          <p:nvSpPr>
+            <p:cNvPr id="80" name="Rectangle: Rounded Corners 79">
+              <a:extLst>
+                <a:ext uri="{FF2B5EF4-FFF2-40B4-BE49-F238E27FC236}">
+                  <a16:creationId xmlns:a16="http://schemas.microsoft.com/office/drawing/2014/main" id="{F9FC12F1-D768-43F4-8C50-1F4497745857}"/>
+                </a:ext>
+              </a:extLst>
+            </p:cNvPr>
+            <p:cNvSpPr/>
+            <p:nvPr/>
+          </p:nvSpPr>
+          <p:spPr>
+            <a:xfrm>
+              <a:off x="696971" y="13941652"/>
+              <a:ext cx="3376820" cy="1169360"/>
+            </a:xfrm>
+            <a:prstGeom prst="roundRect">
+              <a:avLst/>
+            </a:prstGeom>
+          </p:spPr>
+          <p:style>
+            <a:lnRef idx="1">
+              <a:schemeClr val="accent5"/>
+            </a:lnRef>
+            <a:fillRef idx="2">
+              <a:schemeClr val="accent5"/>
+            </a:fillRef>
+            <a:effectRef idx="1">
+              <a:schemeClr val="accent5"/>
+            </a:effectRef>
+            <a:fontRef idx="minor">
+              <a:schemeClr val="dk1"/>
+            </a:fontRef>
+          </p:style>
+          <p:txBody>
+            <a:bodyPr rtlCol="0" anchor="ctr"/>
+            <a:lstStyle/>
+            <a:p>
+              <a:pPr algn="ctr"/>
+              <a:r>
+                <a:rPr lang="en-US" sz="3200" dirty="0"/>
+                <a:t>Gene Expression</a:t>
+              </a:r>
+            </a:p>
+            <a:p>
+              <a:pPr algn="ctr"/>
+              <a:r>
+                <a:rPr lang="en-US" sz="3200" dirty="0"/>
+                <a:t>Data</a:t>
+              </a:r>
+              <a:endParaRPr lang="en-US" sz="4800" dirty="0"/>
+            </a:p>
+          </p:txBody>
+        </p:sp>
+        <p:sp>
+          <p:nvSpPr>
+            <p:cNvPr id="81" name="Rectangle: Rounded Corners 80">
+              <a:extLst>
+                <a:ext uri="{FF2B5EF4-FFF2-40B4-BE49-F238E27FC236}">
+                  <a16:creationId xmlns:a16="http://schemas.microsoft.com/office/drawing/2014/main" id="{0E61ADDE-00AC-4E57-9B5D-8DEA6BFD77BE}"/>
+                </a:ext>
+              </a:extLst>
+            </p:cNvPr>
+            <p:cNvSpPr/>
+            <p:nvPr/>
+          </p:nvSpPr>
+          <p:spPr>
+            <a:xfrm>
+              <a:off x="5547668" y="13941651"/>
+              <a:ext cx="2385345" cy="1235201"/>
+            </a:xfrm>
+            <a:prstGeom prst="roundRect">
+              <a:avLst/>
+            </a:prstGeom>
+          </p:spPr>
+          <p:style>
+            <a:lnRef idx="1">
+              <a:schemeClr val="accent5"/>
+            </a:lnRef>
+            <a:fillRef idx="2">
+              <a:schemeClr val="accent5"/>
+            </a:fillRef>
+            <a:effectRef idx="1">
+              <a:schemeClr val="accent5"/>
+            </a:effectRef>
+            <a:fontRef idx="minor">
+              <a:schemeClr val="dk1"/>
+            </a:fontRef>
+          </p:style>
+          <p:txBody>
+            <a:bodyPr rtlCol="0" anchor="ctr"/>
+            <a:lstStyle/>
+            <a:p>
+              <a:pPr algn="ctr"/>
+              <a:r>
+                <a:rPr lang="en-US" sz="3200" dirty="0"/>
+                <a:t>Classifier</a:t>
+              </a:r>
+            </a:p>
+          </p:txBody>
+        </p:sp>
+        <p:sp>
+          <p:nvSpPr>
+            <p:cNvPr id="82" name="Rectangle: Rounded Corners 81">
+              <a:extLst>
+                <a:ext uri="{FF2B5EF4-FFF2-40B4-BE49-F238E27FC236}">
+                  <a16:creationId xmlns:a16="http://schemas.microsoft.com/office/drawing/2014/main" id="{E9414CBD-0D81-4412-B3F9-7B0DE7D9D2C3}"/>
+                </a:ext>
+              </a:extLst>
+            </p:cNvPr>
+            <p:cNvSpPr/>
+            <p:nvPr/>
+          </p:nvSpPr>
+          <p:spPr>
+            <a:xfrm>
+              <a:off x="9406891" y="13941650"/>
+              <a:ext cx="2385345" cy="1178135"/>
+            </a:xfrm>
+            <a:prstGeom prst="roundRect">
+              <a:avLst/>
+            </a:prstGeom>
+          </p:spPr>
+          <p:style>
+            <a:lnRef idx="1">
+              <a:schemeClr val="accent5"/>
+            </a:lnRef>
+            <a:fillRef idx="2">
+              <a:schemeClr val="accent5"/>
+            </a:fillRef>
+            <a:effectRef idx="1">
+              <a:schemeClr val="accent5"/>
+            </a:effectRef>
+            <a:fontRef idx="minor">
+              <a:schemeClr val="dk1"/>
+            </a:fontRef>
+          </p:style>
+          <p:txBody>
+            <a:bodyPr rtlCol="0" anchor="ctr"/>
+            <a:lstStyle/>
+            <a:p>
+              <a:pPr algn="ctr"/>
+              <a:r>
+                <a:rPr lang="en-US" sz="3200" dirty="0"/>
+                <a:t>Labels</a:t>
+              </a:r>
+            </a:p>
+            <a:p>
+              <a:pPr algn="ctr"/>
+              <a:r>
+                <a:rPr lang="en-US" sz="3200" dirty="0"/>
+                <a:t>(True, False)</a:t>
+              </a:r>
+              <a:endParaRPr lang="en-US" sz="4800" dirty="0"/>
+            </a:p>
+          </p:txBody>
+        </p:sp>
+      </p:grpSp>
+      <p:grpSp>
+        <p:nvGrpSpPr>
+          <p:cNvPr id="36" name="Group 35">
             <a:extLst>
               <a:ext uri="{FF2B5EF4-FFF2-40B4-BE49-F238E27FC236}">
-                <a16:creationId xmlns:a16="http://schemas.microsoft.com/office/drawing/2014/main" id="{173E46CF-6000-4E49-8238-2BB0B3356464}"/>
+                <a16:creationId xmlns:a16="http://schemas.microsoft.com/office/drawing/2014/main" id="{4CB978A0-C673-405E-8B91-43AC8E6077F5}"/>
               </a:ext>
             </a:extLst>
           </p:cNvPr>
-          <p:cNvPicPr/>
+          <p:cNvGrpSpPr/>
           <p:nvPr/>
-        </p:nvPicPr>
-        <p:blipFill>
-          <a:blip r:embed="rId9"/>
-          <a:stretch>
-            <a:fillRect/>
-          </a:stretch>
-        </p:blipFill>
-        <p:spPr>
+        </p:nvGrpSpPr>
+        <p:grpSpPr>
           <a:xfrm>
-            <a:off x="936329" y="35309494"/>
-            <a:ext cx="7224769" cy="5366467"/>
+            <a:off x="698126" y="20266986"/>
+            <a:ext cx="11362111" cy="3169797"/>
+            <a:chOff x="698126" y="19828477"/>
+            <a:chExt cx="11362111" cy="3169797"/>
           </a:xfrm>
-          <a:prstGeom prst="rect">
-            <a:avLst/>
-          </a:prstGeom>
-        </p:spPr>
-      </p:pic>
-      <p:cxnSp>
-        <p:nvCxnSpPr>
-          <p:cNvPr id="16" name="Straight Arrow Connector 15">
+        </p:grpSpPr>
+        <p:cxnSp>
+          <p:nvCxnSpPr>
+            <p:cNvPr id="54" name="Straight Arrow Connector 53">
+              <a:extLst>
+                <a:ext uri="{FF2B5EF4-FFF2-40B4-BE49-F238E27FC236}">
+                  <a16:creationId xmlns:a16="http://schemas.microsoft.com/office/drawing/2014/main" id="{3B702B41-81F8-4122-B4F4-43D7D3BE00C6}"/>
+                </a:ext>
+              </a:extLst>
+            </p:cNvPr>
+            <p:cNvCxnSpPr>
+              <a:cxnSpLocks/>
+            </p:cNvCxnSpPr>
+            <p:nvPr/>
+          </p:nvCxnSpPr>
+          <p:spPr>
+            <a:xfrm>
+              <a:off x="2805125" y="21265741"/>
+              <a:ext cx="1268666" cy="0"/>
+            </a:xfrm>
+            <a:prstGeom prst="straightConnector1">
+              <a:avLst/>
+            </a:prstGeom>
+            <a:ln w="76200">
+              <a:tailEnd type="triangle"/>
+            </a:ln>
+          </p:spPr>
+          <p:style>
+            <a:lnRef idx="1">
+              <a:schemeClr val="dk1"/>
+            </a:lnRef>
+            <a:fillRef idx="0">
+              <a:schemeClr val="dk1"/>
+            </a:fillRef>
+            <a:effectRef idx="0">
+              <a:schemeClr val="dk1"/>
+            </a:effectRef>
+            <a:fontRef idx="minor">
+              <a:schemeClr val="tx1"/>
+            </a:fontRef>
+          </p:style>
+        </p:cxnSp>
+        <p:cxnSp>
+          <p:nvCxnSpPr>
+            <p:cNvPr id="56" name="Straight Arrow Connector 55">
+              <a:extLst>
+                <a:ext uri="{FF2B5EF4-FFF2-40B4-BE49-F238E27FC236}">
+                  <a16:creationId xmlns:a16="http://schemas.microsoft.com/office/drawing/2014/main" id="{8298EB60-CD1E-4038-B267-0F1811741E59}"/>
+                </a:ext>
+              </a:extLst>
+            </p:cNvPr>
+            <p:cNvCxnSpPr>
+              <a:cxnSpLocks/>
+            </p:cNvCxnSpPr>
+            <p:nvPr/>
+          </p:nvCxnSpPr>
+          <p:spPr>
+            <a:xfrm flipV="1">
+              <a:off x="7201774" y="20571874"/>
+              <a:ext cx="1588280" cy="790795"/>
+            </a:xfrm>
+            <a:prstGeom prst="straightConnector1">
+              <a:avLst/>
+            </a:prstGeom>
+            <a:ln w="76200">
+              <a:tailEnd type="triangle"/>
+            </a:ln>
+          </p:spPr>
+          <p:style>
+            <a:lnRef idx="1">
+              <a:schemeClr val="dk1"/>
+            </a:lnRef>
+            <a:fillRef idx="0">
+              <a:schemeClr val="dk1"/>
+            </a:fillRef>
+            <a:effectRef idx="0">
+              <a:schemeClr val="dk1"/>
+            </a:effectRef>
+            <a:fontRef idx="minor">
+              <a:schemeClr val="tx1"/>
+            </a:fontRef>
+          </p:style>
+        </p:cxnSp>
+        <p:cxnSp>
+          <p:nvCxnSpPr>
+            <p:cNvPr id="57" name="Straight Arrow Connector 56">
+              <a:extLst>
+                <a:ext uri="{FF2B5EF4-FFF2-40B4-BE49-F238E27FC236}">
+                  <a16:creationId xmlns:a16="http://schemas.microsoft.com/office/drawing/2014/main" id="{953124AB-E56C-4D0B-B802-C7D140A8D01B}"/>
+                </a:ext>
+              </a:extLst>
+            </p:cNvPr>
+            <p:cNvCxnSpPr>
+              <a:cxnSpLocks/>
+            </p:cNvCxnSpPr>
+            <p:nvPr/>
+          </p:nvCxnSpPr>
+          <p:spPr>
+            <a:xfrm>
+              <a:off x="7187056" y="21380967"/>
+              <a:ext cx="1602998" cy="757801"/>
+            </a:xfrm>
+            <a:prstGeom prst="straightConnector1">
+              <a:avLst/>
+            </a:prstGeom>
+            <a:ln w="76200">
+              <a:tailEnd type="triangle"/>
+            </a:ln>
+          </p:spPr>
+          <p:style>
+            <a:lnRef idx="1">
+              <a:schemeClr val="dk1"/>
+            </a:lnRef>
+            <a:fillRef idx="0">
+              <a:schemeClr val="dk1"/>
+            </a:fillRef>
+            <a:effectRef idx="0">
+              <a:schemeClr val="dk1"/>
+            </a:effectRef>
+            <a:fontRef idx="minor">
+              <a:schemeClr val="tx1"/>
+            </a:fontRef>
+          </p:style>
+        </p:cxnSp>
+        <p:sp>
+          <p:nvSpPr>
+            <p:cNvPr id="83" name="Rectangle: Rounded Corners 82">
+              <a:extLst>
+                <a:ext uri="{FF2B5EF4-FFF2-40B4-BE49-F238E27FC236}">
+                  <a16:creationId xmlns:a16="http://schemas.microsoft.com/office/drawing/2014/main" id="{DE019C89-69E9-44DA-BEFF-CF7BC154E0DA}"/>
+                </a:ext>
+              </a:extLst>
+            </p:cNvPr>
+            <p:cNvSpPr/>
+            <p:nvPr/>
+          </p:nvSpPr>
+          <p:spPr>
+            <a:xfrm>
+              <a:off x="698126" y="20405158"/>
+              <a:ext cx="2142857" cy="1654834"/>
+            </a:xfrm>
+            <a:prstGeom prst="roundRect">
+              <a:avLst/>
+            </a:prstGeom>
+          </p:spPr>
+          <p:style>
+            <a:lnRef idx="1">
+              <a:schemeClr val="accent1"/>
+            </a:lnRef>
+            <a:fillRef idx="2">
+              <a:schemeClr val="accent1"/>
+            </a:fillRef>
+            <a:effectRef idx="1">
+              <a:schemeClr val="accent1"/>
+            </a:effectRef>
+            <a:fontRef idx="minor">
+              <a:schemeClr val="dk1"/>
+            </a:fontRef>
+          </p:style>
+          <p:txBody>
+            <a:bodyPr rtlCol="0" anchor="ctr"/>
+            <a:lstStyle/>
+            <a:p>
+              <a:pPr algn="ctr"/>
+              <a:r>
+                <a:rPr lang="en-US" sz="3200" dirty="0"/>
+                <a:t>Unite</a:t>
+              </a:r>
+            </a:p>
+            <a:p>
+              <a:pPr algn="ctr"/>
+              <a:r>
+                <a:rPr lang="en-US" sz="3200" dirty="0"/>
+                <a:t>probes</a:t>
+              </a:r>
+            </a:p>
+            <a:p>
+              <a:pPr algn="ctr"/>
+              <a:r>
+                <a:rPr lang="en-US" sz="3200" dirty="0"/>
+                <a:t>by genes</a:t>
+              </a:r>
+            </a:p>
+          </p:txBody>
+        </p:sp>
+        <p:sp>
+          <p:nvSpPr>
+            <p:cNvPr id="84" name="Rectangle: Rounded Corners 83">
+              <a:extLst>
+                <a:ext uri="{FF2B5EF4-FFF2-40B4-BE49-F238E27FC236}">
+                  <a16:creationId xmlns:a16="http://schemas.microsoft.com/office/drawing/2014/main" id="{616A1608-23C1-4FD8-B3F5-9C6DF8FBF47E}"/>
+                </a:ext>
+              </a:extLst>
+            </p:cNvPr>
+            <p:cNvSpPr/>
+            <p:nvPr/>
+          </p:nvSpPr>
+          <p:spPr>
+            <a:xfrm>
+              <a:off x="4121077" y="20405158"/>
+              <a:ext cx="3210784" cy="1654834"/>
+            </a:xfrm>
+            <a:prstGeom prst="roundRect">
+              <a:avLst/>
+            </a:prstGeom>
+          </p:spPr>
+          <p:style>
+            <a:lnRef idx="1">
+              <a:schemeClr val="accent1"/>
+            </a:lnRef>
+            <a:fillRef idx="2">
+              <a:schemeClr val="accent1"/>
+            </a:fillRef>
+            <a:effectRef idx="1">
+              <a:schemeClr val="accent1"/>
+            </a:effectRef>
+            <a:fontRef idx="minor">
+              <a:schemeClr val="dk1"/>
+            </a:fontRef>
+          </p:style>
+          <p:txBody>
+            <a:bodyPr rtlCol="0" anchor="ctr"/>
+            <a:lstStyle/>
+            <a:p>
+              <a:pPr algn="ctr"/>
+              <a:r>
+                <a:rPr lang="en-US" sz="3200" dirty="0"/>
+                <a:t>Apoptosis terms list from </a:t>
+              </a:r>
+              <a:r>
+                <a:rPr lang="en-US" sz="3200" dirty="0" err="1"/>
+                <a:t>amiGO</a:t>
+              </a:r>
+              <a:endParaRPr lang="en-US" sz="3200" dirty="0"/>
+            </a:p>
+          </p:txBody>
+        </p:sp>
+        <p:sp>
+          <p:nvSpPr>
+            <p:cNvPr id="85" name="Rectangle: Rounded Corners 84">
+              <a:extLst>
+                <a:ext uri="{FF2B5EF4-FFF2-40B4-BE49-F238E27FC236}">
+                  <a16:creationId xmlns:a16="http://schemas.microsoft.com/office/drawing/2014/main" id="{153B3E7A-70FC-4D1A-8315-58E126147693}"/>
+                </a:ext>
+              </a:extLst>
+            </p:cNvPr>
+            <p:cNvSpPr/>
+            <p:nvPr/>
+          </p:nvSpPr>
+          <p:spPr>
+            <a:xfrm>
+              <a:off x="8849453" y="19828477"/>
+              <a:ext cx="3210784" cy="1428462"/>
+            </a:xfrm>
+            <a:prstGeom prst="roundRect">
+              <a:avLst/>
+            </a:prstGeom>
+          </p:spPr>
+          <p:style>
+            <a:lnRef idx="1">
+              <a:schemeClr val="accent3"/>
+            </a:lnRef>
+            <a:fillRef idx="2">
+              <a:schemeClr val="accent3"/>
+            </a:fillRef>
+            <a:effectRef idx="1">
+              <a:schemeClr val="accent3"/>
+            </a:effectRef>
+            <a:fontRef idx="minor">
+              <a:schemeClr val="dk1"/>
+            </a:fontRef>
+          </p:style>
+          <p:txBody>
+            <a:bodyPr rtlCol="0" anchor="ctr"/>
+            <a:lstStyle/>
+            <a:p>
+              <a:pPr algn="ctr"/>
+              <a:r>
+                <a:rPr lang="en-US" sz="3200" dirty="0"/>
+                <a:t>True if associated with apoptosis term</a:t>
+              </a:r>
+            </a:p>
+          </p:txBody>
+        </p:sp>
+        <p:sp>
+          <p:nvSpPr>
+            <p:cNvPr id="86" name="Rectangle: Rounded Corners 85">
+              <a:extLst>
+                <a:ext uri="{FF2B5EF4-FFF2-40B4-BE49-F238E27FC236}">
+                  <a16:creationId xmlns:a16="http://schemas.microsoft.com/office/drawing/2014/main" id="{36ADEA7C-452D-4B4E-B25F-C9ED81876B82}"/>
+                </a:ext>
+              </a:extLst>
+            </p:cNvPr>
+            <p:cNvSpPr/>
+            <p:nvPr/>
+          </p:nvSpPr>
+          <p:spPr>
+            <a:xfrm>
+              <a:off x="8849453" y="21648747"/>
+              <a:ext cx="3210784" cy="1349527"/>
+            </a:xfrm>
+            <a:prstGeom prst="roundRect">
+              <a:avLst/>
+            </a:prstGeom>
+          </p:spPr>
+          <p:style>
+            <a:lnRef idx="1">
+              <a:schemeClr val="accent2"/>
+            </a:lnRef>
+            <a:fillRef idx="2">
+              <a:schemeClr val="accent2"/>
+            </a:fillRef>
+            <a:effectRef idx="1">
+              <a:schemeClr val="accent2"/>
+            </a:effectRef>
+            <a:fontRef idx="minor">
+              <a:schemeClr val="dk1"/>
+            </a:fontRef>
+          </p:style>
+          <p:txBody>
+            <a:bodyPr rtlCol="0" anchor="ctr"/>
+            <a:lstStyle/>
+            <a:p>
+              <a:pPr algn="ctr"/>
+              <a:r>
+                <a:rPr lang="en-US" sz="3200" dirty="0"/>
+                <a:t>False otherwise</a:t>
+              </a:r>
+              <a:endParaRPr lang="en-US" sz="4800" dirty="0"/>
+            </a:p>
+          </p:txBody>
+        </p:sp>
+      </p:grpSp>
+      <p:grpSp>
+        <p:nvGrpSpPr>
+          <p:cNvPr id="35" name="Group 34">
             <a:extLst>
               <a:ext uri="{FF2B5EF4-FFF2-40B4-BE49-F238E27FC236}">
-                <a16:creationId xmlns:a16="http://schemas.microsoft.com/office/drawing/2014/main" id="{6A19CA2B-B11A-4EE1-9A53-58BE74D84579}"/>
+                <a16:creationId xmlns:a16="http://schemas.microsoft.com/office/drawing/2014/main" id="{B31F10B2-3936-4403-8AD8-328F7104680C}"/>
               </a:ext>
             </a:extLst>
           </p:cNvPr>
-          <p:cNvCxnSpPr/>
+          <p:cNvGrpSpPr/>
           <p:nvPr/>
-        </p:nvCxnSpPr>
-        <p:spPr>
+        </p:nvGrpSpPr>
+        <p:grpSpPr>
           <a:xfrm>
-            <a:off x="10256975" y="9721380"/>
-            <a:ext cx="2416658" cy="0"/>
+            <a:off x="1259037" y="24444895"/>
+            <a:ext cx="9107811" cy="3719805"/>
+            <a:chOff x="630965" y="23512750"/>
+            <a:chExt cx="9107811" cy="3719805"/>
           </a:xfrm>
-          <a:prstGeom prst="straightConnector1">
-            <a:avLst/>
-          </a:prstGeom>
-          <a:ln w="63500">
-            <a:headEnd type="none" w="med" len="med"/>
-            <a:tailEnd type="arrow" w="lg" len="lg"/>
-          </a:ln>
-        </p:spPr>
-        <p:style>
-          <a:lnRef idx="1">
-            <a:schemeClr val="dk1"/>
-          </a:lnRef>
-          <a:fillRef idx="0">
-            <a:schemeClr val="dk1"/>
-          </a:fillRef>
-          <a:effectRef idx="0">
-            <a:schemeClr val="dk1"/>
-          </a:effectRef>
-          <a:fontRef idx="minor">
-            <a:schemeClr val="tx1"/>
-          </a:fontRef>
-        </p:style>
-      </p:cxnSp>
-      <p:sp>
-        <p:nvSpPr>
-          <p:cNvPr id="20" name="Rectangle: Rounded Corners 19">
+        </p:grpSpPr>
+        <p:cxnSp>
+          <p:nvCxnSpPr>
+            <p:cNvPr id="63" name="Straight Arrow Connector 62">
+              <a:extLst>
+                <a:ext uri="{FF2B5EF4-FFF2-40B4-BE49-F238E27FC236}">
+                  <a16:creationId xmlns:a16="http://schemas.microsoft.com/office/drawing/2014/main" id="{BD94B222-8A17-4D5F-A0EB-BC4E5B01713E}"/>
+                </a:ext>
+              </a:extLst>
+            </p:cNvPr>
+            <p:cNvCxnSpPr>
+              <a:cxnSpLocks/>
+            </p:cNvCxnSpPr>
+            <p:nvPr/>
+          </p:nvCxnSpPr>
+          <p:spPr>
+            <a:xfrm flipH="1">
+              <a:off x="4524760" y="24234280"/>
+              <a:ext cx="1438240" cy="758575"/>
+            </a:xfrm>
+            <a:prstGeom prst="straightConnector1">
+              <a:avLst/>
+            </a:prstGeom>
+            <a:ln w="76200">
+              <a:tailEnd type="triangle"/>
+            </a:ln>
+          </p:spPr>
+          <p:style>
+            <a:lnRef idx="1">
+              <a:schemeClr val="dk1"/>
+            </a:lnRef>
+            <a:fillRef idx="0">
+              <a:schemeClr val="dk1"/>
+            </a:fillRef>
+            <a:effectRef idx="0">
+              <a:schemeClr val="dk1"/>
+            </a:effectRef>
+            <a:fontRef idx="minor">
+              <a:schemeClr val="tx1"/>
+            </a:fontRef>
+          </p:style>
+        </p:cxnSp>
+        <p:cxnSp>
+          <p:nvCxnSpPr>
+            <p:cNvPr id="65" name="Straight Arrow Connector 64">
+              <a:extLst>
+                <a:ext uri="{FF2B5EF4-FFF2-40B4-BE49-F238E27FC236}">
+                  <a16:creationId xmlns:a16="http://schemas.microsoft.com/office/drawing/2014/main" id="{7C429779-3F3C-4872-8DCF-BD25E0E56F2A}"/>
+                </a:ext>
+              </a:extLst>
+            </p:cNvPr>
+            <p:cNvCxnSpPr>
+              <a:cxnSpLocks/>
+            </p:cNvCxnSpPr>
+            <p:nvPr/>
+          </p:nvCxnSpPr>
+          <p:spPr>
+            <a:xfrm>
+              <a:off x="6402602" y="24209447"/>
+              <a:ext cx="1655353" cy="756857"/>
+            </a:xfrm>
+            <a:prstGeom prst="straightConnector1">
+              <a:avLst/>
+            </a:prstGeom>
+            <a:ln w="76200">
+              <a:tailEnd type="triangle"/>
+            </a:ln>
+          </p:spPr>
+          <p:style>
+            <a:lnRef idx="1">
+              <a:schemeClr val="dk1"/>
+            </a:lnRef>
+            <a:fillRef idx="0">
+              <a:schemeClr val="dk1"/>
+            </a:fillRef>
+            <a:effectRef idx="0">
+              <a:schemeClr val="dk1"/>
+            </a:effectRef>
+            <a:fontRef idx="minor">
+              <a:schemeClr val="tx1"/>
+            </a:fontRef>
+          </p:style>
+        </p:cxnSp>
+        <p:cxnSp>
+          <p:nvCxnSpPr>
+            <p:cNvPr id="67" name="Straight Arrow Connector 66">
+              <a:extLst>
+                <a:ext uri="{FF2B5EF4-FFF2-40B4-BE49-F238E27FC236}">
+                  <a16:creationId xmlns:a16="http://schemas.microsoft.com/office/drawing/2014/main" id="{3A3DE165-3CFD-406B-B465-3838AC5C6180}"/>
+                </a:ext>
+              </a:extLst>
+            </p:cNvPr>
+            <p:cNvCxnSpPr>
+              <a:cxnSpLocks/>
+            </p:cNvCxnSpPr>
+            <p:nvPr/>
+          </p:nvCxnSpPr>
+          <p:spPr>
+            <a:xfrm>
+              <a:off x="8197241" y="25501299"/>
+              <a:ext cx="0" cy="968173"/>
+            </a:xfrm>
+            <a:prstGeom prst="straightConnector1">
+              <a:avLst/>
+            </a:prstGeom>
+            <a:ln w="76200">
+              <a:tailEnd type="triangle"/>
+            </a:ln>
+          </p:spPr>
+          <p:style>
+            <a:lnRef idx="1">
+              <a:schemeClr val="dk1"/>
+            </a:lnRef>
+            <a:fillRef idx="0">
+              <a:schemeClr val="dk1"/>
+            </a:fillRef>
+            <a:effectRef idx="0">
+              <a:schemeClr val="dk1"/>
+            </a:effectRef>
+            <a:fontRef idx="minor">
+              <a:schemeClr val="tx1"/>
+            </a:fontRef>
+          </p:style>
+        </p:cxnSp>
+        <p:grpSp>
+          <p:nvGrpSpPr>
+            <p:cNvPr id="33" name="Group 32">
+              <a:extLst>
+                <a:ext uri="{FF2B5EF4-FFF2-40B4-BE49-F238E27FC236}">
+                  <a16:creationId xmlns:a16="http://schemas.microsoft.com/office/drawing/2014/main" id="{E808D1EB-B70D-4992-AE7D-57B5CFE4981C}"/>
+                </a:ext>
+              </a:extLst>
+            </p:cNvPr>
+            <p:cNvGrpSpPr/>
+            <p:nvPr/>
+          </p:nvGrpSpPr>
+          <p:grpSpPr>
+            <a:xfrm>
+              <a:off x="630965" y="23512750"/>
+              <a:ext cx="7453147" cy="725734"/>
+              <a:chOff x="630965" y="23512750"/>
+              <a:chExt cx="7453147" cy="725734"/>
+            </a:xfrm>
+          </p:grpSpPr>
+          <p:cxnSp>
+            <p:nvCxnSpPr>
+              <p:cNvPr id="61" name="Straight Arrow Connector 60">
+                <a:extLst>
+                  <a:ext uri="{FF2B5EF4-FFF2-40B4-BE49-F238E27FC236}">
+                    <a16:creationId xmlns:a16="http://schemas.microsoft.com/office/drawing/2014/main" id="{8D32576D-F5AC-486A-BB04-B11B530772DD}"/>
+                  </a:ext>
+                </a:extLst>
+              </p:cNvPr>
+              <p:cNvCxnSpPr>
+                <a:cxnSpLocks/>
+              </p:cNvCxnSpPr>
+              <p:nvPr/>
+            </p:nvCxnSpPr>
+            <p:spPr>
+              <a:xfrm>
+                <a:off x="3115129" y="23901278"/>
+                <a:ext cx="958662" cy="0"/>
+              </a:xfrm>
+              <a:prstGeom prst="straightConnector1">
+                <a:avLst/>
+              </a:prstGeom>
+              <a:ln w="76200">
+                <a:tailEnd type="triangle"/>
+              </a:ln>
+            </p:spPr>
+            <p:style>
+              <a:lnRef idx="1">
+                <a:schemeClr val="dk1"/>
+              </a:lnRef>
+              <a:fillRef idx="0">
+                <a:schemeClr val="dk1"/>
+              </a:fillRef>
+              <a:effectRef idx="0">
+                <a:schemeClr val="dk1"/>
+              </a:effectRef>
+              <a:fontRef idx="minor">
+                <a:schemeClr val="tx1"/>
+              </a:fontRef>
+            </p:style>
+          </p:cxnSp>
+          <p:sp>
+            <p:nvSpPr>
+              <p:cNvPr id="88" name="Rectangle: Rounded Corners 87">
+                <a:extLst>
+                  <a:ext uri="{FF2B5EF4-FFF2-40B4-BE49-F238E27FC236}">
+                    <a16:creationId xmlns:a16="http://schemas.microsoft.com/office/drawing/2014/main" id="{C25186BC-1F45-4E09-A0A6-31AFBAFA16F0}"/>
+                  </a:ext>
+                </a:extLst>
+              </p:cNvPr>
+              <p:cNvSpPr/>
+              <p:nvPr/>
+            </p:nvSpPr>
+            <p:spPr>
+              <a:xfrm>
+                <a:off x="630965" y="23516954"/>
+                <a:ext cx="2424420" cy="721530"/>
+              </a:xfrm>
+              <a:prstGeom prst="roundRect">
+                <a:avLst/>
+              </a:prstGeom>
+            </p:spPr>
+            <p:style>
+              <a:lnRef idx="1">
+                <a:schemeClr val="accent4"/>
+              </a:lnRef>
+              <a:fillRef idx="2">
+                <a:schemeClr val="accent4"/>
+              </a:fillRef>
+              <a:effectRef idx="1">
+                <a:schemeClr val="accent4"/>
+              </a:effectRef>
+              <a:fontRef idx="minor">
+                <a:schemeClr val="dk1"/>
+              </a:fontRef>
+            </p:style>
+            <p:txBody>
+              <a:bodyPr rtlCol="0" anchor="ctr"/>
+              <a:lstStyle/>
+              <a:p>
+                <a:pPr algn="ctr"/>
+                <a:r>
+                  <a:rPr lang="en-US" sz="3200" dirty="0"/>
+                  <a:t>Normalize</a:t>
+                </a:r>
+              </a:p>
+            </p:txBody>
+          </p:sp>
+          <p:sp>
+            <p:nvSpPr>
+              <p:cNvPr id="89" name="Rectangle: Rounded Corners 88">
+                <a:extLst>
+                  <a:ext uri="{FF2B5EF4-FFF2-40B4-BE49-F238E27FC236}">
+                    <a16:creationId xmlns:a16="http://schemas.microsoft.com/office/drawing/2014/main" id="{1D5C1069-091B-42AD-B196-93FB8DD451CE}"/>
+                  </a:ext>
+                </a:extLst>
+              </p:cNvPr>
+              <p:cNvSpPr/>
+              <p:nvPr/>
+            </p:nvSpPr>
+            <p:spPr>
+              <a:xfrm>
+                <a:off x="4127391" y="23512750"/>
+                <a:ext cx="3956721" cy="721530"/>
+              </a:xfrm>
+              <a:prstGeom prst="roundRect">
+                <a:avLst/>
+              </a:prstGeom>
+            </p:spPr>
+            <p:style>
+              <a:lnRef idx="1">
+                <a:schemeClr val="accent4"/>
+              </a:lnRef>
+              <a:fillRef idx="2">
+                <a:schemeClr val="accent4"/>
+              </a:fillRef>
+              <a:effectRef idx="1">
+                <a:schemeClr val="accent4"/>
+              </a:effectRef>
+              <a:fontRef idx="minor">
+                <a:schemeClr val="dk1"/>
+              </a:fontRef>
+            </p:style>
+            <p:txBody>
+              <a:bodyPr rtlCol="0" anchor="ctr"/>
+              <a:lstStyle/>
+              <a:p>
+                <a:pPr algn="ctr"/>
+                <a:r>
+                  <a:rPr lang="en-US" sz="3200" dirty="0"/>
+                  <a:t>Variance Filter</a:t>
+                </a:r>
+                <a:endParaRPr lang="en-US" sz="4800" dirty="0"/>
+              </a:p>
+            </p:txBody>
+          </p:sp>
+        </p:grpSp>
+        <p:sp>
+          <p:nvSpPr>
+            <p:cNvPr id="93" name="Rectangle: Rounded Corners 92">
+              <a:extLst>
+                <a:ext uri="{FF2B5EF4-FFF2-40B4-BE49-F238E27FC236}">
+                  <a16:creationId xmlns:a16="http://schemas.microsoft.com/office/drawing/2014/main" id="{86B47A0B-A152-4846-BF30-16B6AB01FC4E}"/>
+                </a:ext>
+              </a:extLst>
+            </p:cNvPr>
+            <p:cNvSpPr/>
+            <p:nvPr/>
+          </p:nvSpPr>
+          <p:spPr>
+            <a:xfrm>
+              <a:off x="2251381" y="25046638"/>
+              <a:ext cx="2424420" cy="721530"/>
+            </a:xfrm>
+            <a:prstGeom prst="roundRect">
+              <a:avLst/>
+            </a:prstGeom>
+          </p:spPr>
+          <p:style>
+            <a:lnRef idx="1">
+              <a:schemeClr val="accent4"/>
+            </a:lnRef>
+            <a:fillRef idx="2">
+              <a:schemeClr val="accent4"/>
+            </a:fillRef>
+            <a:effectRef idx="1">
+              <a:schemeClr val="accent4"/>
+            </a:effectRef>
+            <a:fontRef idx="minor">
+              <a:schemeClr val="dk1"/>
+            </a:fontRef>
+          </p:style>
+          <p:txBody>
+            <a:bodyPr rtlCol="0" anchor="ctr"/>
+            <a:lstStyle/>
+            <a:p>
+              <a:pPr algn="ctr"/>
+              <a:r>
+                <a:rPr lang="en-US" sz="3200" dirty="0"/>
+                <a:t>Clustering</a:t>
+              </a:r>
+            </a:p>
+          </p:txBody>
+        </p:sp>
+        <p:sp>
+          <p:nvSpPr>
+            <p:cNvPr id="94" name="Rectangle: Rounded Corners 93">
+              <a:extLst>
+                <a:ext uri="{FF2B5EF4-FFF2-40B4-BE49-F238E27FC236}">
+                  <a16:creationId xmlns:a16="http://schemas.microsoft.com/office/drawing/2014/main" id="{28379860-9190-4ED7-8A28-7ED9B57BBA0E}"/>
+                </a:ext>
+              </a:extLst>
+            </p:cNvPr>
+            <p:cNvSpPr/>
+            <p:nvPr/>
+          </p:nvSpPr>
+          <p:spPr>
+            <a:xfrm>
+              <a:off x="6655709" y="25046638"/>
+              <a:ext cx="3083067" cy="721530"/>
+            </a:xfrm>
+            <a:prstGeom prst="roundRect">
+              <a:avLst/>
+            </a:prstGeom>
+          </p:spPr>
+          <p:style>
+            <a:lnRef idx="1">
+              <a:schemeClr val="accent4"/>
+            </a:lnRef>
+            <a:fillRef idx="2">
+              <a:schemeClr val="accent4"/>
+            </a:fillRef>
+            <a:effectRef idx="1">
+              <a:schemeClr val="accent4"/>
+            </a:effectRef>
+            <a:fontRef idx="minor">
+              <a:schemeClr val="dk1"/>
+            </a:fontRef>
+          </p:style>
+          <p:txBody>
+            <a:bodyPr rtlCol="0" anchor="ctr"/>
+            <a:lstStyle/>
+            <a:p>
+              <a:pPr algn="ctr"/>
+              <a:r>
+                <a:rPr lang="en-US" sz="3200" dirty="0"/>
+                <a:t>Oversampling</a:t>
+              </a:r>
+            </a:p>
+          </p:txBody>
+        </p:sp>
+        <p:sp>
+          <p:nvSpPr>
+            <p:cNvPr id="95" name="Rectangle: Rounded Corners 94">
+              <a:extLst>
+                <a:ext uri="{FF2B5EF4-FFF2-40B4-BE49-F238E27FC236}">
+                  <a16:creationId xmlns:a16="http://schemas.microsoft.com/office/drawing/2014/main" id="{619052C1-0773-4201-AC8E-62BE18A6C9A6}"/>
+                </a:ext>
+              </a:extLst>
+            </p:cNvPr>
+            <p:cNvSpPr/>
+            <p:nvPr/>
+          </p:nvSpPr>
+          <p:spPr>
+            <a:xfrm>
+              <a:off x="7055876" y="26511025"/>
+              <a:ext cx="2424420" cy="721530"/>
+            </a:xfrm>
+            <a:prstGeom prst="roundRect">
+              <a:avLst/>
+            </a:prstGeom>
+          </p:spPr>
+          <p:style>
+            <a:lnRef idx="1">
+              <a:schemeClr val="accent4"/>
+            </a:lnRef>
+            <a:fillRef idx="2">
+              <a:schemeClr val="accent4"/>
+            </a:fillRef>
+            <a:effectRef idx="1">
+              <a:schemeClr val="accent4"/>
+            </a:effectRef>
+            <a:fontRef idx="minor">
+              <a:schemeClr val="dk1"/>
+            </a:fontRef>
+          </p:style>
+          <p:txBody>
+            <a:bodyPr rtlCol="0" anchor="ctr"/>
+            <a:lstStyle/>
+            <a:p>
+              <a:pPr algn="ctr"/>
+              <a:r>
+                <a:rPr lang="en-US" sz="3200" dirty="0"/>
+                <a:t>Classifying</a:t>
+              </a:r>
+            </a:p>
+          </p:txBody>
+        </p:sp>
+      </p:grpSp>
+      <p:grpSp>
+        <p:nvGrpSpPr>
+          <p:cNvPr id="30" name="Group 29">
             <a:extLst>
               <a:ext uri="{FF2B5EF4-FFF2-40B4-BE49-F238E27FC236}">
-                <a16:creationId xmlns:a16="http://schemas.microsoft.com/office/drawing/2014/main" id="{9DCC11B4-0F19-42B2-8932-A232B8E48435}"/>
+                <a16:creationId xmlns:a16="http://schemas.microsoft.com/office/drawing/2014/main" id="{7747B2A2-33FC-48A5-A0FE-92691EBE19CF}"/>
               </a:ext>
             </a:extLst>
           </p:cNvPr>
-          <p:cNvSpPr/>
+          <p:cNvGrpSpPr/>
           <p:nvPr/>
-        </p:nvSpPr>
-        <p:spPr>
+        </p:nvGrpSpPr>
+        <p:grpSpPr>
           <a:xfrm>
-            <a:off x="1404516" y="9289332"/>
-            <a:ext cx="1980085" cy="914400"/>
+            <a:off x="714175" y="28808616"/>
+            <a:ext cx="5377873" cy="5069327"/>
+            <a:chOff x="696971" y="27662992"/>
+            <a:chExt cx="5377873" cy="5069327"/>
           </a:xfrm>
-          <a:prstGeom prst="roundRect">
-            <a:avLst/>
-          </a:prstGeom>
-        </p:spPr>
-        <p:style>
-          <a:lnRef idx="1">
-            <a:schemeClr val="accent4"/>
-          </a:lnRef>
-          <a:fillRef idx="2">
-            <a:schemeClr val="accent4"/>
-          </a:fillRef>
-          <a:effectRef idx="1">
-            <a:schemeClr val="accent4"/>
-          </a:effectRef>
-          <a:fontRef idx="minor">
-            <a:schemeClr val="dk1"/>
-          </a:fontRef>
-        </p:style>
-        <p:txBody>
-          <a:bodyPr rtlCol="0" anchor="ctr"/>
-          <a:lstStyle/>
-          <a:p>
-            <a:pPr algn="ctr"/>
-            <a:r>
-              <a:rPr lang="en-US" sz="4800" dirty="0" err="1"/>
-              <a:t>PKCδ</a:t>
-            </a:r>
-            <a:endParaRPr lang="en-US" sz="4800" dirty="0"/>
-          </a:p>
-        </p:txBody>
-      </p:sp>
-      <p:sp>
-        <p:nvSpPr>
-          <p:cNvPr id="78" name="Rectangle: Rounded Corners 77">
+        </p:grpSpPr>
+        <p:pic>
+          <p:nvPicPr>
+            <p:cNvPr id="77" name="Picture 76">
+              <a:extLst>
+                <a:ext uri="{FF2B5EF4-FFF2-40B4-BE49-F238E27FC236}">
+                  <a16:creationId xmlns:a16="http://schemas.microsoft.com/office/drawing/2014/main" id="{173E46CF-6000-4E49-8238-2BB0B3356464}"/>
+                </a:ext>
+              </a:extLst>
+            </p:cNvPr>
+            <p:cNvPicPr/>
+            <p:nvPr/>
+          </p:nvPicPr>
+          <p:blipFill>
+            <a:blip r:embed="rId3"/>
+            <a:stretch>
+              <a:fillRect/>
+            </a:stretch>
+          </p:blipFill>
+          <p:spPr>
+            <a:xfrm>
+              <a:off x="696971" y="27662992"/>
+              <a:ext cx="5377873" cy="3994616"/>
+            </a:xfrm>
+            <a:prstGeom prst="rect">
+              <a:avLst/>
+            </a:prstGeom>
+          </p:spPr>
+        </p:pic>
+        <p:sp>
+          <p:nvSpPr>
+            <p:cNvPr id="4" name="Rectangle 3">
+              <a:extLst>
+                <a:ext uri="{FF2B5EF4-FFF2-40B4-BE49-F238E27FC236}">
+                  <a16:creationId xmlns:a16="http://schemas.microsoft.com/office/drawing/2014/main" id="{4FBEDAAD-873B-4DDD-A286-2A93DDFE3621}"/>
+                </a:ext>
+              </a:extLst>
+            </p:cNvPr>
+            <p:cNvSpPr/>
+            <p:nvPr/>
+          </p:nvSpPr>
+          <p:spPr>
+            <a:xfrm>
+              <a:off x="1543299" y="31664201"/>
+              <a:ext cx="4531544" cy="1068118"/>
+            </a:xfrm>
+            <a:prstGeom prst="rect">
+              <a:avLst/>
+            </a:prstGeom>
+            <a:solidFill>
+              <a:schemeClr val="accent5">
+                <a:alpha val="50000"/>
+              </a:schemeClr>
+            </a:solidFill>
+            <a:ln>
+              <a:noFill/>
+            </a:ln>
+          </p:spPr>
+          <p:style>
+            <a:lnRef idx="0">
+              <a:scrgbClr r="0" g="0" b="0"/>
+            </a:lnRef>
+            <a:fillRef idx="0">
+              <a:scrgbClr r="0" g="0" b="0"/>
+            </a:fillRef>
+            <a:effectRef idx="0">
+              <a:scrgbClr r="0" g="0" b="0"/>
+            </a:effectRef>
+            <a:fontRef idx="minor">
+              <a:schemeClr val="lt1"/>
+            </a:fontRef>
+          </p:style>
+          <p:txBody>
+            <a:bodyPr rot="0" spcFirstLastPara="0" vertOverflow="overflow" horzOverflow="overflow" vert="horz" wrap="square" lIns="68065" tIns="34032" rIns="68065" bIns="34032" numCol="1" spcCol="0" rtlCol="0" fromWordArt="0" anchor="ctr" anchorCtr="0" forceAA="0" compatLnSpc="1">
+              <a:prstTxWarp prst="textNoShape">
+                <a:avLst/>
+              </a:prstTxWarp>
+              <a:noAutofit/>
+            </a:bodyPr>
+            <a:lstStyle/>
+            <a:p>
+              <a:r>
+                <a:rPr lang="en-US" sz="1800" b="1" dirty="0"/>
+                <a:t>Figure 1: </a:t>
+              </a:r>
+              <a:r>
+                <a:rPr lang="en-US" sz="1800" dirty="0"/>
+                <a:t>Parameter tuning on the variance threshold used for filtering genes out. </a:t>
+              </a:r>
+            </a:p>
+            <a:p>
+              <a:r>
+                <a:rPr lang="en-US" sz="1800" dirty="0"/>
+                <a:t>We chose to filter out genes with variance less than 0.00005 between samples.</a:t>
+              </a:r>
+              <a:endParaRPr lang="en-IL" sz="1800" dirty="0"/>
+            </a:p>
+          </p:txBody>
+        </p:sp>
+      </p:grpSp>
+      <p:grpSp>
+        <p:nvGrpSpPr>
+          <p:cNvPr id="32" name="Group 31">
             <a:extLst>
               <a:ext uri="{FF2B5EF4-FFF2-40B4-BE49-F238E27FC236}">
-                <a16:creationId xmlns:a16="http://schemas.microsoft.com/office/drawing/2014/main" id="{424283FE-85AE-4056-B164-059A80D6066E}"/>
+                <a16:creationId xmlns:a16="http://schemas.microsoft.com/office/drawing/2014/main" id="{95124AA2-040D-4D1B-8710-359B73B63920}"/>
               </a:ext>
             </a:extLst>
           </p:cNvPr>
-          <p:cNvSpPr/>
+          <p:cNvGrpSpPr/>
           <p:nvPr/>
-        </p:nvSpPr>
-        <p:spPr>
+        </p:nvGrpSpPr>
+        <p:grpSpPr>
           <a:xfrm>
-            <a:off x="5834615" y="9261945"/>
-            <a:ext cx="4390746" cy="914400"/>
+            <a:off x="6282601" y="28808615"/>
+            <a:ext cx="5777635" cy="5069328"/>
+            <a:chOff x="6175401" y="27662991"/>
+            <a:chExt cx="5777635" cy="5069328"/>
           </a:xfrm>
-          <a:prstGeom prst="roundRect">
-            <a:avLst/>
-          </a:prstGeom>
-        </p:spPr>
-        <p:style>
-          <a:lnRef idx="1">
-            <a:schemeClr val="accent4"/>
-          </a:lnRef>
-          <a:fillRef idx="2">
-            <a:schemeClr val="accent4"/>
-          </a:fillRef>
-          <a:effectRef idx="1">
-            <a:schemeClr val="accent4"/>
-          </a:effectRef>
-          <a:fontRef idx="minor">
-            <a:schemeClr val="dk1"/>
-          </a:fontRef>
-        </p:style>
-        <p:txBody>
-          <a:bodyPr rtlCol="0" anchor="ctr"/>
-          <a:lstStyle/>
-          <a:p>
-            <a:r>
-              <a:rPr lang="en-US" sz="4800" dirty="0"/>
-              <a:t>ERK1/2 pathway</a:t>
-            </a:r>
-          </a:p>
-        </p:txBody>
-      </p:sp>
-      <p:sp>
-        <p:nvSpPr>
-          <p:cNvPr id="79" name="Rectangle: Rounded Corners 78">
+        </p:grpSpPr>
+        <p:pic>
+          <p:nvPicPr>
+            <p:cNvPr id="76" name="Picture 75">
+              <a:extLst>
+                <a:ext uri="{FF2B5EF4-FFF2-40B4-BE49-F238E27FC236}">
+                  <a16:creationId xmlns:a16="http://schemas.microsoft.com/office/drawing/2014/main" id="{44B3DAEB-2618-424D-8FA1-0DF9387C505F}"/>
+                </a:ext>
+              </a:extLst>
+            </p:cNvPr>
+            <p:cNvPicPr/>
+            <p:nvPr/>
+          </p:nvPicPr>
+          <p:blipFill>
+            <a:blip r:embed="rId4"/>
+            <a:stretch>
+              <a:fillRect/>
+            </a:stretch>
+          </p:blipFill>
+          <p:spPr>
+            <a:xfrm>
+              <a:off x="6175401" y="27662991"/>
+              <a:ext cx="5777635" cy="4001210"/>
+            </a:xfrm>
+            <a:prstGeom prst="rect">
+              <a:avLst/>
+            </a:prstGeom>
+          </p:spPr>
+        </p:pic>
+        <p:sp>
+          <p:nvSpPr>
+            <p:cNvPr id="96" name="Rectangle 95">
+              <a:extLst>
+                <a:ext uri="{FF2B5EF4-FFF2-40B4-BE49-F238E27FC236}">
+                  <a16:creationId xmlns:a16="http://schemas.microsoft.com/office/drawing/2014/main" id="{4C763AE5-1935-4D24-BFD3-385CCAB3B279}"/>
+                </a:ext>
+              </a:extLst>
+            </p:cNvPr>
+            <p:cNvSpPr/>
+            <p:nvPr/>
+          </p:nvSpPr>
+          <p:spPr>
+            <a:xfrm>
+              <a:off x="6175402" y="31664201"/>
+              <a:ext cx="4471567" cy="1068118"/>
+            </a:xfrm>
+            <a:prstGeom prst="rect">
+              <a:avLst/>
+            </a:prstGeom>
+            <a:solidFill>
+              <a:schemeClr val="accent5">
+                <a:alpha val="50000"/>
+              </a:schemeClr>
+            </a:solidFill>
+            <a:ln>
+              <a:noFill/>
+            </a:ln>
+          </p:spPr>
+          <p:style>
+            <a:lnRef idx="0">
+              <a:scrgbClr r="0" g="0" b="0"/>
+            </a:lnRef>
+            <a:fillRef idx="0">
+              <a:scrgbClr r="0" g="0" b="0"/>
+            </a:fillRef>
+            <a:effectRef idx="0">
+              <a:scrgbClr r="0" g="0" b="0"/>
+            </a:effectRef>
+            <a:fontRef idx="minor">
+              <a:schemeClr val="lt1"/>
+            </a:fontRef>
+          </p:style>
+          <p:txBody>
+            <a:bodyPr rot="0" spcFirstLastPara="0" vertOverflow="overflow" horzOverflow="overflow" vert="horz" wrap="square" lIns="68065" tIns="34032" rIns="68065" bIns="34032" numCol="1" spcCol="0" rtlCol="0" fromWordArt="0" anchor="ctr" anchorCtr="0" forceAA="0" compatLnSpc="1">
+              <a:prstTxWarp prst="textNoShape">
+                <a:avLst/>
+              </a:prstTxWarp>
+              <a:noAutofit/>
+            </a:bodyPr>
+            <a:lstStyle/>
+            <a:p>
+              <a:r>
+                <a:rPr lang="en-US" sz="1800" b="1" dirty="0"/>
+                <a:t>Figure 2: </a:t>
+              </a:r>
+              <a:r>
+                <a:rPr lang="en-US" sz="1800" dirty="0"/>
+                <a:t>Parameter tuning on the ratio of ‘TRUE’ to ‘FALSE’ labels obtained </a:t>
+              </a:r>
+              <a:r>
+                <a:rPr lang="en-US" sz="1800" u="sng" dirty="0"/>
+                <a:t>after</a:t>
+              </a:r>
+              <a:r>
+                <a:rPr lang="en-US" sz="1800" dirty="0"/>
+                <a:t> oversampling.</a:t>
+              </a:r>
+            </a:p>
+            <a:p>
+              <a:r>
+                <a:rPr lang="en-US" sz="1800" dirty="0"/>
+                <a:t>We chose to use ratio of 1.</a:t>
+              </a:r>
+            </a:p>
+          </p:txBody>
+        </p:sp>
+      </p:grpSp>
+      <p:grpSp>
+        <p:nvGrpSpPr>
+          <p:cNvPr id="28" name="Group 27">
             <a:extLst>
               <a:ext uri="{FF2B5EF4-FFF2-40B4-BE49-F238E27FC236}">
-                <a16:creationId xmlns:a16="http://schemas.microsoft.com/office/drawing/2014/main" id="{E36B45E4-98C9-4C1E-B593-14D0ECA61051}"/>
+                <a16:creationId xmlns:a16="http://schemas.microsoft.com/office/drawing/2014/main" id="{80A5E82D-BA4E-4FDA-AA1D-F39800F7452B}"/>
               </a:ext>
             </a:extLst>
           </p:cNvPr>
-          <p:cNvSpPr/>
+          <p:cNvGrpSpPr/>
           <p:nvPr/>
-        </p:nvSpPr>
-        <p:spPr>
+        </p:nvGrpSpPr>
+        <p:grpSpPr>
           <a:xfrm>
-            <a:off x="12817650" y="9276304"/>
-            <a:ext cx="3096343" cy="914400"/>
+            <a:off x="18937749" y="5692398"/>
+            <a:ext cx="4394693" cy="4190537"/>
+            <a:chOff x="18921610" y="6066897"/>
+            <a:chExt cx="4394693" cy="4190537"/>
           </a:xfrm>
-          <a:prstGeom prst="roundRect">
-            <a:avLst/>
-          </a:prstGeom>
-        </p:spPr>
-        <p:style>
-          <a:lnRef idx="1">
-            <a:schemeClr val="accent4"/>
-          </a:lnRef>
-          <a:fillRef idx="2">
-            <a:schemeClr val="accent4"/>
-          </a:fillRef>
-          <a:effectRef idx="1">
-            <a:schemeClr val="accent4"/>
-          </a:effectRef>
-          <a:fontRef idx="minor">
-            <a:schemeClr val="dk1"/>
-          </a:fontRef>
-        </p:style>
-        <p:txBody>
-          <a:bodyPr rtlCol="0" anchor="ctr"/>
-          <a:lstStyle/>
-          <a:p>
-            <a:pPr algn="ctr"/>
-            <a:r>
-              <a:rPr lang="en-US" sz="4800" dirty="0"/>
-              <a:t>Apoptosis</a:t>
-            </a:r>
-          </a:p>
-        </p:txBody>
-      </p:sp>
-      <p:sp>
-        <p:nvSpPr>
-          <p:cNvPr id="80" name="Rectangle: Rounded Corners 79">
+        </p:grpSpPr>
+        <p:pic>
+          <p:nvPicPr>
+            <p:cNvPr id="75" name="Picture 74">
+              <a:extLst>
+                <a:ext uri="{FF2B5EF4-FFF2-40B4-BE49-F238E27FC236}">
+                  <a16:creationId xmlns:a16="http://schemas.microsoft.com/office/drawing/2014/main" id="{B139DFFC-1F96-4852-93AC-754F06D5256B}"/>
+                </a:ext>
+              </a:extLst>
+            </p:cNvPr>
+            <p:cNvPicPr/>
+            <p:nvPr/>
+          </p:nvPicPr>
+          <p:blipFill>
+            <a:blip r:embed="rId5"/>
+            <a:stretch>
+              <a:fillRect/>
+            </a:stretch>
+          </p:blipFill>
+          <p:spPr>
+            <a:xfrm>
+              <a:off x="18921610" y="6066897"/>
+              <a:ext cx="4394693" cy="3567577"/>
+            </a:xfrm>
+            <a:prstGeom prst="rect">
+              <a:avLst/>
+            </a:prstGeom>
+          </p:spPr>
+        </p:pic>
+        <p:sp>
+          <p:nvSpPr>
+            <p:cNvPr id="97" name="Rectangle 96">
+              <a:extLst>
+                <a:ext uri="{FF2B5EF4-FFF2-40B4-BE49-F238E27FC236}">
+                  <a16:creationId xmlns:a16="http://schemas.microsoft.com/office/drawing/2014/main" id="{B152981D-8DCD-4337-8873-C9DEB7EFE644}"/>
+                </a:ext>
+              </a:extLst>
+            </p:cNvPr>
+            <p:cNvSpPr/>
+            <p:nvPr/>
+          </p:nvSpPr>
+          <p:spPr>
+            <a:xfrm>
+              <a:off x="18921610" y="9634473"/>
+              <a:ext cx="4394693" cy="622961"/>
+            </a:xfrm>
+            <a:prstGeom prst="rect">
+              <a:avLst/>
+            </a:prstGeom>
+            <a:solidFill>
+              <a:schemeClr val="accent5">
+                <a:alpha val="50000"/>
+              </a:schemeClr>
+            </a:solidFill>
+            <a:ln>
+              <a:noFill/>
+            </a:ln>
+          </p:spPr>
+          <p:style>
+            <a:lnRef idx="0">
+              <a:scrgbClr r="0" g="0" b="0"/>
+            </a:lnRef>
+            <a:fillRef idx="0">
+              <a:scrgbClr r="0" g="0" b="0"/>
+            </a:fillRef>
+            <a:effectRef idx="0">
+              <a:scrgbClr r="0" g="0" b="0"/>
+            </a:effectRef>
+            <a:fontRef idx="minor">
+              <a:schemeClr val="lt1"/>
+            </a:fontRef>
+          </p:style>
+          <p:txBody>
+            <a:bodyPr rot="0" spcFirstLastPara="0" vertOverflow="overflow" horzOverflow="overflow" vert="horz" wrap="square" lIns="68065" tIns="34032" rIns="68065" bIns="34032" numCol="1" spcCol="0" rtlCol="0" fromWordArt="0" anchor="ctr" anchorCtr="0" forceAA="0" compatLnSpc="1">
+              <a:prstTxWarp prst="textNoShape">
+                <a:avLst/>
+              </a:prstTxWarp>
+              <a:noAutofit/>
+            </a:bodyPr>
+            <a:lstStyle/>
+            <a:p>
+              <a:r>
+                <a:rPr lang="en-US" sz="2000" b="1" dirty="0"/>
+                <a:t>Figure 3</a:t>
+              </a:r>
+              <a:r>
+                <a:rPr lang="en-US" sz="2000" dirty="0"/>
+                <a:t>: Parameter tuning of maximal depth allowed in decision tree classifier.</a:t>
+              </a:r>
+              <a:endParaRPr lang="en-IL" sz="2000" dirty="0"/>
+            </a:p>
+          </p:txBody>
+        </p:sp>
+      </p:grpSp>
+      <p:grpSp>
+        <p:nvGrpSpPr>
+          <p:cNvPr id="26" name="Group 25">
             <a:extLst>
               <a:ext uri="{FF2B5EF4-FFF2-40B4-BE49-F238E27FC236}">
-                <a16:creationId xmlns:a16="http://schemas.microsoft.com/office/drawing/2014/main" id="{F9FC12F1-D768-43F4-8C50-1F4497745857}"/>
+                <a16:creationId xmlns:a16="http://schemas.microsoft.com/office/drawing/2014/main" id="{38C0FE48-264E-4782-B2FF-BFDA5097485B}"/>
               </a:ext>
             </a:extLst>
           </p:cNvPr>
-          <p:cNvSpPr/>
+          <p:cNvGrpSpPr/>
           <p:nvPr/>
-        </p:nvSpPr>
-        <p:spPr>
+        </p:nvGrpSpPr>
+        <p:grpSpPr>
           <a:xfrm>
-            <a:off x="936329" y="16223705"/>
-            <a:ext cx="4536504" cy="2223145"/>
+            <a:off x="13191572" y="10145392"/>
+            <a:ext cx="4341625" cy="3895905"/>
+            <a:chOff x="17822029" y="12313668"/>
+            <a:chExt cx="5832648" cy="5233856"/>
           </a:xfrm>
-          <a:prstGeom prst="roundRect">
-            <a:avLst/>
-          </a:prstGeom>
-        </p:spPr>
-        <p:style>
-          <a:lnRef idx="1">
-            <a:schemeClr val="accent5"/>
-          </a:lnRef>
-          <a:fillRef idx="2">
-            <a:schemeClr val="accent5"/>
-          </a:fillRef>
-          <a:effectRef idx="1">
-            <a:schemeClr val="accent5"/>
-          </a:effectRef>
-          <a:fontRef idx="minor">
-            <a:schemeClr val="dk1"/>
-          </a:fontRef>
-        </p:style>
-        <p:txBody>
-          <a:bodyPr rtlCol="0" anchor="ctr"/>
-          <a:lstStyle/>
-          <a:p>
-            <a:pPr algn="ctr"/>
-            <a:r>
-              <a:rPr lang="en-US" sz="4800" dirty="0"/>
-              <a:t>Gene Expression</a:t>
-            </a:r>
-          </a:p>
-          <a:p>
-            <a:pPr algn="ctr"/>
-            <a:r>
-              <a:rPr lang="en-US" sz="4800" dirty="0"/>
-              <a:t>Data</a:t>
-            </a:r>
-            <a:endParaRPr lang="en-US" sz="6600" dirty="0"/>
-          </a:p>
-        </p:txBody>
-      </p:sp>
-      <p:sp>
-        <p:nvSpPr>
-          <p:cNvPr id="81" name="Rectangle: Rounded Corners 80">
+        </p:grpSpPr>
+        <p:pic>
+          <p:nvPicPr>
+            <p:cNvPr id="73" name="Picture 72">
+              <a:extLst>
+                <a:ext uri="{FF2B5EF4-FFF2-40B4-BE49-F238E27FC236}">
+                  <a16:creationId xmlns:a16="http://schemas.microsoft.com/office/drawing/2014/main" id="{BF328C72-A05D-4AF5-BB5D-0E678109112F}"/>
+                </a:ext>
+              </a:extLst>
+            </p:cNvPr>
+            <p:cNvPicPr/>
+            <p:nvPr/>
+          </p:nvPicPr>
+          <p:blipFill>
+            <a:blip r:embed="rId6"/>
+            <a:stretch>
+              <a:fillRect/>
+            </a:stretch>
+          </p:blipFill>
+          <p:spPr>
+            <a:xfrm>
+              <a:off x="17844427" y="12313668"/>
+              <a:ext cx="5810250" cy="4358621"/>
+            </a:xfrm>
+            <a:prstGeom prst="rect">
+              <a:avLst/>
+            </a:prstGeom>
+          </p:spPr>
+        </p:pic>
+        <p:sp>
+          <p:nvSpPr>
+            <p:cNvPr id="98" name="Rectangle 97">
+              <a:extLst>
+                <a:ext uri="{FF2B5EF4-FFF2-40B4-BE49-F238E27FC236}">
+                  <a16:creationId xmlns:a16="http://schemas.microsoft.com/office/drawing/2014/main" id="{8C1A9FE3-1F1A-4EC8-8B20-EF1DFFA68279}"/>
+                </a:ext>
+              </a:extLst>
+            </p:cNvPr>
+            <p:cNvSpPr/>
+            <p:nvPr/>
+          </p:nvSpPr>
+          <p:spPr>
+            <a:xfrm>
+              <a:off x="17822029" y="16681107"/>
+              <a:ext cx="5832648" cy="866417"/>
+            </a:xfrm>
+            <a:prstGeom prst="rect">
+              <a:avLst/>
+            </a:prstGeom>
+            <a:solidFill>
+              <a:schemeClr val="accent5">
+                <a:alpha val="50000"/>
+              </a:schemeClr>
+            </a:solidFill>
+            <a:ln>
+              <a:noFill/>
+            </a:ln>
+          </p:spPr>
+          <p:style>
+            <a:lnRef idx="0">
+              <a:scrgbClr r="0" g="0" b="0"/>
+            </a:lnRef>
+            <a:fillRef idx="0">
+              <a:scrgbClr r="0" g="0" b="0"/>
+            </a:fillRef>
+            <a:effectRef idx="0">
+              <a:scrgbClr r="0" g="0" b="0"/>
+            </a:effectRef>
+            <a:fontRef idx="minor">
+              <a:schemeClr val="lt1"/>
+            </a:fontRef>
+          </p:style>
+          <p:txBody>
+            <a:bodyPr rot="0" spcFirstLastPara="0" vertOverflow="overflow" horzOverflow="overflow" vert="horz" wrap="square" lIns="68065" tIns="34032" rIns="68065" bIns="34032" numCol="1" spcCol="0" rtlCol="0" fromWordArt="0" anchor="ctr" anchorCtr="0" forceAA="0" compatLnSpc="1">
+              <a:prstTxWarp prst="textNoShape">
+                <a:avLst/>
+              </a:prstTxWarp>
+              <a:noAutofit/>
+            </a:bodyPr>
+            <a:lstStyle/>
+            <a:p>
+              <a:r>
+                <a:rPr lang="en-US" sz="2000" b="1" dirty="0"/>
+                <a:t>Figure 4: </a:t>
+              </a:r>
+              <a:r>
+                <a:rPr lang="en-US" sz="2000" dirty="0"/>
+                <a:t>Parameter tuning of maximal number of iterations allowed in SVM.</a:t>
+              </a:r>
+              <a:endParaRPr lang="en-IL" sz="2000" dirty="0"/>
+            </a:p>
+          </p:txBody>
+        </p:sp>
+      </p:grpSp>
+      <p:grpSp>
+        <p:nvGrpSpPr>
+          <p:cNvPr id="23" name="Group 22">
             <a:extLst>
               <a:ext uri="{FF2B5EF4-FFF2-40B4-BE49-F238E27FC236}">
-                <a16:creationId xmlns:a16="http://schemas.microsoft.com/office/drawing/2014/main" id="{0E61ADDE-00AC-4E57-9B5D-8DEA6BFD77BE}"/>
+                <a16:creationId xmlns:a16="http://schemas.microsoft.com/office/drawing/2014/main" id="{59D4A8D9-4EF6-41CB-A860-AA020C0C8967}"/>
               </a:ext>
             </a:extLst>
           </p:cNvPr>
-          <p:cNvSpPr/>
+          <p:cNvGrpSpPr/>
           <p:nvPr/>
-        </p:nvSpPr>
-        <p:spPr>
+        </p:nvGrpSpPr>
+        <p:grpSpPr>
           <a:xfrm>
-            <a:off x="7452877" y="16312157"/>
-            <a:ext cx="3204532" cy="2223145"/>
+            <a:off x="18937749" y="10195682"/>
+            <a:ext cx="4324953" cy="3801501"/>
+            <a:chOff x="25441447" y="12313668"/>
+            <a:chExt cx="5810250" cy="5107031"/>
           </a:xfrm>
-          <a:prstGeom prst="roundRect">
-            <a:avLst/>
-          </a:prstGeom>
-        </p:spPr>
-        <p:style>
-          <a:lnRef idx="1">
-            <a:schemeClr val="accent5"/>
-          </a:lnRef>
-          <a:fillRef idx="2">
-            <a:schemeClr val="accent5"/>
-          </a:fillRef>
-          <a:effectRef idx="1">
-            <a:schemeClr val="accent5"/>
-          </a:effectRef>
-          <a:fontRef idx="minor">
-            <a:schemeClr val="dk1"/>
-          </a:fontRef>
-        </p:style>
-        <p:txBody>
-          <a:bodyPr rtlCol="0" anchor="ctr"/>
-          <a:lstStyle/>
-          <a:p>
-            <a:pPr algn="ctr"/>
-            <a:r>
-              <a:rPr lang="en-US" sz="4800" dirty="0"/>
-              <a:t>Classifier</a:t>
-            </a:r>
-          </a:p>
-        </p:txBody>
-      </p:sp>
-      <p:sp>
-        <p:nvSpPr>
-          <p:cNvPr id="82" name="Rectangle: Rounded Corners 81">
+        </p:grpSpPr>
+        <p:pic>
+          <p:nvPicPr>
+            <p:cNvPr id="72" name="Picture 71">
+              <a:extLst>
+                <a:ext uri="{FF2B5EF4-FFF2-40B4-BE49-F238E27FC236}">
+                  <a16:creationId xmlns:a16="http://schemas.microsoft.com/office/drawing/2014/main" id="{BB6C50D3-16BB-4C33-87F6-EEC9814741B3}"/>
+                </a:ext>
+              </a:extLst>
+            </p:cNvPr>
+            <p:cNvPicPr/>
+            <p:nvPr/>
+          </p:nvPicPr>
+          <p:blipFill>
+            <a:blip r:embed="rId7"/>
+            <a:stretch>
+              <a:fillRect/>
+            </a:stretch>
+          </p:blipFill>
+          <p:spPr>
+            <a:xfrm>
+              <a:off x="25441447" y="12313668"/>
+              <a:ext cx="5810250" cy="4324350"/>
+            </a:xfrm>
+            <a:prstGeom prst="rect">
+              <a:avLst/>
+            </a:prstGeom>
+          </p:spPr>
+        </p:pic>
+        <p:sp>
+          <p:nvSpPr>
+            <p:cNvPr id="99" name="Rectangle 98">
+              <a:extLst>
+                <a:ext uri="{FF2B5EF4-FFF2-40B4-BE49-F238E27FC236}">
+                  <a16:creationId xmlns:a16="http://schemas.microsoft.com/office/drawing/2014/main" id="{67E36CB1-992F-4759-8AE6-6C87DD60FBEC}"/>
+                </a:ext>
+              </a:extLst>
+            </p:cNvPr>
+            <p:cNvSpPr/>
+            <p:nvPr/>
+          </p:nvSpPr>
+          <p:spPr>
+            <a:xfrm>
+              <a:off x="25441447" y="16634148"/>
+              <a:ext cx="5810250" cy="786551"/>
+            </a:xfrm>
+            <a:prstGeom prst="rect">
+              <a:avLst/>
+            </a:prstGeom>
+            <a:solidFill>
+              <a:schemeClr val="accent5">
+                <a:alpha val="50000"/>
+              </a:schemeClr>
+            </a:solidFill>
+            <a:ln>
+              <a:noFill/>
+            </a:ln>
+          </p:spPr>
+          <p:style>
+            <a:lnRef idx="0">
+              <a:scrgbClr r="0" g="0" b="0"/>
+            </a:lnRef>
+            <a:fillRef idx="0">
+              <a:scrgbClr r="0" g="0" b="0"/>
+            </a:fillRef>
+            <a:effectRef idx="0">
+              <a:scrgbClr r="0" g="0" b="0"/>
+            </a:effectRef>
+            <a:fontRef idx="minor">
+              <a:schemeClr val="lt1"/>
+            </a:fontRef>
+          </p:style>
+          <p:txBody>
+            <a:bodyPr rot="0" spcFirstLastPara="0" vertOverflow="overflow" horzOverflow="overflow" vert="horz" wrap="square" lIns="68065" tIns="34032" rIns="68065" bIns="34032" numCol="1" spcCol="0" rtlCol="0" fromWordArt="0" anchor="ctr" anchorCtr="0" forceAA="0" compatLnSpc="1">
+              <a:prstTxWarp prst="textNoShape">
+                <a:avLst/>
+              </a:prstTxWarp>
+              <a:noAutofit/>
+            </a:bodyPr>
+            <a:lstStyle/>
+            <a:p>
+              <a:r>
+                <a:rPr lang="en-US" sz="2000" b="1" dirty="0"/>
+                <a:t>Figure 5</a:t>
+              </a:r>
+              <a:r>
+                <a:rPr lang="en-US" sz="2000" dirty="0"/>
+                <a:t>: Parameter tuning of number of neighbors to consider in KNN classifier.</a:t>
+              </a:r>
+              <a:endParaRPr lang="en-IL" sz="2000" dirty="0"/>
+            </a:p>
+          </p:txBody>
+        </p:sp>
+      </p:grpSp>
+      <p:grpSp>
+        <p:nvGrpSpPr>
+          <p:cNvPr id="19" name="Group 18">
             <a:extLst>
               <a:ext uri="{FF2B5EF4-FFF2-40B4-BE49-F238E27FC236}">
-                <a16:creationId xmlns:a16="http://schemas.microsoft.com/office/drawing/2014/main" id="{E9414CBD-0D81-4412-B3F9-7B0DE7D9D2C3}"/>
+                <a16:creationId xmlns:a16="http://schemas.microsoft.com/office/drawing/2014/main" id="{9EBB785A-79C7-45B7-836E-3AEE981609A9}"/>
               </a:ext>
             </a:extLst>
           </p:cNvPr>
-          <p:cNvSpPr/>
+          <p:cNvGrpSpPr/>
           <p:nvPr/>
-        </p:nvSpPr>
-        <p:spPr>
+        </p:nvGrpSpPr>
+        <p:grpSpPr>
           <a:xfrm>
-            <a:off x="12637453" y="16235493"/>
-            <a:ext cx="3204532" cy="2223145"/>
+            <a:off x="18335442" y="14147751"/>
+            <a:ext cx="5011629" cy="4874450"/>
+            <a:chOff x="24518949" y="23258884"/>
+            <a:chExt cx="6732748" cy="6548458"/>
           </a:xfrm>
-          <a:prstGeom prst="roundRect">
-            <a:avLst/>
-          </a:prstGeom>
-        </p:spPr>
-        <p:style>
-          <a:lnRef idx="1">
-            <a:schemeClr val="accent5"/>
-          </a:lnRef>
-          <a:fillRef idx="2">
-            <a:schemeClr val="accent5"/>
-          </a:fillRef>
-          <a:effectRef idx="1">
-            <a:schemeClr val="accent5"/>
-          </a:effectRef>
-          <a:fontRef idx="minor">
-            <a:schemeClr val="dk1"/>
-          </a:fontRef>
-        </p:style>
-        <p:txBody>
-          <a:bodyPr rtlCol="0" anchor="ctr"/>
-          <a:lstStyle/>
-          <a:p>
-            <a:pPr algn="ctr"/>
-            <a:r>
-              <a:rPr lang="en-US" sz="4800" dirty="0"/>
-              <a:t>Labels</a:t>
-            </a:r>
-          </a:p>
-          <a:p>
-            <a:pPr algn="ctr"/>
-            <a:r>
-              <a:rPr lang="en-US" sz="4800" dirty="0"/>
-              <a:t>(True, False)</a:t>
-            </a:r>
-            <a:endParaRPr lang="en-US" sz="6600" dirty="0"/>
-          </a:p>
-        </p:txBody>
-      </p:sp>
-      <p:sp>
-        <p:nvSpPr>
-          <p:cNvPr id="83" name="Rectangle: Rounded Corners 82">
+        </p:grpSpPr>
+        <p:pic>
+          <p:nvPicPr>
+            <p:cNvPr id="70" name="Picture 69">
+              <a:extLst>
+                <a:ext uri="{FF2B5EF4-FFF2-40B4-BE49-F238E27FC236}">
+                  <a16:creationId xmlns:a16="http://schemas.microsoft.com/office/drawing/2014/main" id="{5E97327B-EBAA-4284-9C21-091076E9F5F2}"/>
+                </a:ext>
+              </a:extLst>
+            </p:cNvPr>
+            <p:cNvPicPr/>
+            <p:nvPr/>
+          </p:nvPicPr>
+          <p:blipFill>
+            <a:blip r:embed="rId8"/>
+            <a:stretch>
+              <a:fillRect/>
+            </a:stretch>
+          </p:blipFill>
+          <p:spPr>
+            <a:xfrm>
+              <a:off x="24518949" y="23258884"/>
+              <a:ext cx="6732748" cy="4807690"/>
+            </a:xfrm>
+            <a:prstGeom prst="rect">
+              <a:avLst/>
+            </a:prstGeom>
+          </p:spPr>
+        </p:pic>
+        <p:sp>
+          <p:nvSpPr>
+            <p:cNvPr id="101" name="Rectangle 100">
+              <a:extLst>
+                <a:ext uri="{FF2B5EF4-FFF2-40B4-BE49-F238E27FC236}">
+                  <a16:creationId xmlns:a16="http://schemas.microsoft.com/office/drawing/2014/main" id="{4B562FFD-6A31-4035-84A4-0D404141B05C}"/>
+                </a:ext>
+              </a:extLst>
+            </p:cNvPr>
+            <p:cNvSpPr/>
+            <p:nvPr/>
+          </p:nvSpPr>
+          <p:spPr>
+            <a:xfrm>
+              <a:off x="24518949" y="28089339"/>
+              <a:ext cx="6732748" cy="1718003"/>
+            </a:xfrm>
+            <a:prstGeom prst="rect">
+              <a:avLst/>
+            </a:prstGeom>
+            <a:solidFill>
+              <a:schemeClr val="accent5">
+                <a:alpha val="50000"/>
+              </a:schemeClr>
+            </a:solidFill>
+            <a:ln>
+              <a:noFill/>
+            </a:ln>
+          </p:spPr>
+          <p:style>
+            <a:lnRef idx="0">
+              <a:scrgbClr r="0" g="0" b="0"/>
+            </a:lnRef>
+            <a:fillRef idx="0">
+              <a:scrgbClr r="0" g="0" b="0"/>
+            </a:fillRef>
+            <a:effectRef idx="0">
+              <a:scrgbClr r="0" g="0" b="0"/>
+            </a:effectRef>
+            <a:fontRef idx="minor">
+              <a:schemeClr val="lt1"/>
+            </a:fontRef>
+          </p:style>
+          <p:txBody>
+            <a:bodyPr rot="0" spcFirstLastPara="0" vertOverflow="overflow" horzOverflow="overflow" vert="horz" wrap="square" lIns="68065" tIns="34032" rIns="68065" bIns="34032" numCol="1" spcCol="0" rtlCol="0" fromWordArt="0" anchor="ctr" anchorCtr="0" forceAA="0" compatLnSpc="1">
+              <a:prstTxWarp prst="textNoShape">
+                <a:avLst/>
+              </a:prstTxWarp>
+              <a:noAutofit/>
+            </a:bodyPr>
+            <a:lstStyle/>
+            <a:p>
+              <a:r>
+                <a:rPr lang="en-US" sz="2000" b="1" dirty="0"/>
+                <a:t>Figure 6</a:t>
+              </a:r>
+              <a:r>
+                <a:rPr lang="en-US" sz="2000" dirty="0"/>
+                <a:t>: Comparison of silhouette score obtained for </a:t>
+              </a:r>
+              <a:r>
+                <a:rPr lang="en-US" sz="2000" dirty="0" err="1"/>
+                <a:t>KMeans</a:t>
+              </a:r>
+              <a:r>
+                <a:rPr lang="en-US" sz="2000" dirty="0"/>
+                <a:t> and Hierarchical clustering, as a function of the number of clusters used. </a:t>
+              </a:r>
+              <a:endParaRPr lang="en-IL" sz="2000" dirty="0"/>
+            </a:p>
+          </p:txBody>
+        </p:sp>
+      </p:grpSp>
+      <p:grpSp>
+        <p:nvGrpSpPr>
+          <p:cNvPr id="22" name="Group 21">
             <a:extLst>
               <a:ext uri="{FF2B5EF4-FFF2-40B4-BE49-F238E27FC236}">
-                <a16:creationId xmlns:a16="http://schemas.microsoft.com/office/drawing/2014/main" id="{DE019C89-69E9-44DA-BEFF-CF7BC154E0DA}"/>
+                <a16:creationId xmlns:a16="http://schemas.microsoft.com/office/drawing/2014/main" id="{F7147464-2FB4-454E-8765-E8565A6530F7}"/>
               </a:ext>
             </a:extLst>
           </p:cNvPr>
-          <p:cNvSpPr/>
+          <p:cNvGrpSpPr/>
           <p:nvPr/>
-        </p:nvSpPr>
-        <p:spPr>
+        </p:nvGrpSpPr>
+        <p:grpSpPr>
           <a:xfrm>
-            <a:off x="937881" y="25559139"/>
-            <a:ext cx="2878768" cy="2223145"/>
+            <a:off x="13001208" y="18104156"/>
+            <a:ext cx="5035693" cy="5404635"/>
+            <a:chOff x="17301901" y="22421135"/>
+            <a:chExt cx="6765076" cy="7260721"/>
           </a:xfrm>
-          <a:prstGeom prst="roundRect">
-            <a:avLst/>
-          </a:prstGeom>
-        </p:spPr>
-        <p:style>
-          <a:lnRef idx="1">
-            <a:schemeClr val="accent1"/>
-          </a:lnRef>
-          <a:fillRef idx="2">
-            <a:schemeClr val="accent1"/>
-          </a:fillRef>
-          <a:effectRef idx="1">
-            <a:schemeClr val="accent1"/>
-          </a:effectRef>
-          <a:fontRef idx="minor">
-            <a:schemeClr val="dk1"/>
-          </a:fontRef>
-        </p:style>
-        <p:txBody>
-          <a:bodyPr rtlCol="0" anchor="ctr"/>
-          <a:lstStyle/>
-          <a:p>
-            <a:pPr algn="ctr"/>
-            <a:r>
-              <a:rPr lang="en-US" sz="4800" dirty="0"/>
-              <a:t>Unite</a:t>
-            </a:r>
-          </a:p>
-          <a:p>
-            <a:pPr algn="ctr"/>
-            <a:r>
-              <a:rPr lang="en-US" sz="4800" dirty="0"/>
-              <a:t>probes</a:t>
-            </a:r>
-          </a:p>
-          <a:p>
-            <a:pPr algn="ctr"/>
-            <a:r>
-              <a:rPr lang="en-US" sz="4800" dirty="0"/>
-              <a:t>by genes</a:t>
-            </a:r>
-          </a:p>
-        </p:txBody>
-      </p:sp>
-      <p:sp>
-        <p:nvSpPr>
-          <p:cNvPr id="84" name="Rectangle: Rounded Corners 83">
+        </p:grpSpPr>
+        <p:sp>
+          <p:nvSpPr>
+            <p:cNvPr id="100" name="Rectangle 99">
+              <a:extLst>
+                <a:ext uri="{FF2B5EF4-FFF2-40B4-BE49-F238E27FC236}">
+                  <a16:creationId xmlns:a16="http://schemas.microsoft.com/office/drawing/2014/main" id="{1C006696-F0AB-4BD3-8A38-D0ABC72FDFB7}"/>
+                </a:ext>
+              </a:extLst>
+            </p:cNvPr>
+            <p:cNvSpPr/>
+            <p:nvPr/>
+          </p:nvSpPr>
+          <p:spPr>
+            <a:xfrm>
+              <a:off x="17301902" y="27857347"/>
+              <a:ext cx="6765075" cy="1824509"/>
+            </a:xfrm>
+            <a:prstGeom prst="rect">
+              <a:avLst/>
+            </a:prstGeom>
+            <a:solidFill>
+              <a:schemeClr val="accent5">
+                <a:alpha val="50000"/>
+              </a:schemeClr>
+            </a:solidFill>
+            <a:ln>
+              <a:noFill/>
+            </a:ln>
+          </p:spPr>
+          <p:style>
+            <a:lnRef idx="0">
+              <a:scrgbClr r="0" g="0" b="0"/>
+            </a:lnRef>
+            <a:fillRef idx="0">
+              <a:scrgbClr r="0" g="0" b="0"/>
+            </a:fillRef>
+            <a:effectRef idx="0">
+              <a:scrgbClr r="0" g="0" b="0"/>
+            </a:effectRef>
+            <a:fontRef idx="minor">
+              <a:schemeClr val="lt1"/>
+            </a:fontRef>
+          </p:style>
+          <p:txBody>
+            <a:bodyPr rot="0" spcFirstLastPara="0" vertOverflow="overflow" horzOverflow="overflow" vert="horz" wrap="square" lIns="68065" tIns="34032" rIns="68065" bIns="34032" numCol="1" spcCol="0" rtlCol="0" fromWordArt="0" anchor="ctr" anchorCtr="0" forceAA="0" compatLnSpc="1">
+              <a:prstTxWarp prst="textNoShape">
+                <a:avLst/>
+              </a:prstTxWarp>
+              <a:noAutofit/>
+            </a:bodyPr>
+            <a:lstStyle/>
+            <a:p>
+              <a:r>
+                <a:rPr lang="en-US" sz="2000" b="1" dirty="0"/>
+                <a:t>Figure 7</a:t>
+              </a:r>
+              <a:r>
+                <a:rPr lang="en-US" sz="2000" dirty="0"/>
+                <a:t>: Comparison between 3 supervised methods, one unsupervised  method and a baseline dummy classifier, considering 3 scoring methods.</a:t>
+              </a:r>
+              <a:endParaRPr lang="en-IL" sz="2000" dirty="0"/>
+            </a:p>
+          </p:txBody>
+        </p:sp>
+        <p:pic>
+          <p:nvPicPr>
+            <p:cNvPr id="21" name="Picture 20">
+              <a:extLst>
+                <a:ext uri="{FF2B5EF4-FFF2-40B4-BE49-F238E27FC236}">
+                  <a16:creationId xmlns:a16="http://schemas.microsoft.com/office/drawing/2014/main" id="{74A49972-5E27-441F-A3A7-06775E32F43F}"/>
+                </a:ext>
+              </a:extLst>
+            </p:cNvPr>
+            <p:cNvPicPr>
+              <a:picLocks noChangeAspect="1"/>
+            </p:cNvPicPr>
+            <p:nvPr/>
+          </p:nvPicPr>
+          <p:blipFill>
+            <a:blip r:embed="rId9"/>
+            <a:stretch>
+              <a:fillRect/>
+            </a:stretch>
+          </p:blipFill>
+          <p:spPr>
+            <a:xfrm>
+              <a:off x="17301901" y="22421135"/>
+              <a:ext cx="6765075" cy="5447666"/>
+            </a:xfrm>
+            <a:prstGeom prst="rect">
+              <a:avLst/>
+            </a:prstGeom>
+          </p:spPr>
+        </p:pic>
+      </p:grpSp>
+      <p:sp>
+        <p:nvSpPr>
+          <p:cNvPr id="102" name="TextBox 101">
             <a:extLst>
               <a:ext uri="{FF2B5EF4-FFF2-40B4-BE49-F238E27FC236}">
-                <a16:creationId xmlns:a16="http://schemas.microsoft.com/office/drawing/2014/main" id="{616A1608-23C1-4FD8-B3F5-9C6DF8FBF47E}"/>
-              </a:ext>
-            </a:extLst>
-          </p:cNvPr>
-          <p:cNvSpPr/>
-          <p:nvPr/>
-        </p:nvSpPr>
-        <p:spPr>
-          <a:xfrm>
-            <a:off x="5536358" y="25559139"/>
-            <a:ext cx="4313448" cy="2223145"/>
-          </a:xfrm>
-          <a:prstGeom prst="roundRect">
-            <a:avLst/>
-          </a:prstGeom>
-        </p:spPr>
-        <p:style>
-          <a:lnRef idx="1">
-            <a:schemeClr val="accent1"/>
-          </a:lnRef>
-          <a:fillRef idx="2">
-            <a:schemeClr val="accent1"/>
-          </a:fillRef>
-          <a:effectRef idx="1">
-            <a:schemeClr val="accent1"/>
-          </a:effectRef>
-          <a:fontRef idx="minor">
-            <a:schemeClr val="dk1"/>
-          </a:fontRef>
-        </p:style>
-        <p:txBody>
-          <a:bodyPr rtlCol="0" anchor="ctr"/>
-          <a:lstStyle/>
-          <a:p>
-            <a:pPr algn="ctr"/>
-            <a:r>
-              <a:rPr lang="en-US" sz="4800" dirty="0"/>
-              <a:t>Apoptosis terms list from </a:t>
-            </a:r>
-            <a:r>
-              <a:rPr lang="en-US" sz="4800" dirty="0" err="1"/>
-              <a:t>amiGO</a:t>
-            </a:r>
-            <a:endParaRPr lang="en-US" sz="4800" dirty="0"/>
-          </a:p>
-        </p:txBody>
-      </p:sp>
-      <p:sp>
-        <p:nvSpPr>
-          <p:cNvPr id="85" name="Rectangle: Rounded Corners 84">
-            <a:extLst>
-              <a:ext uri="{FF2B5EF4-FFF2-40B4-BE49-F238E27FC236}">
-                <a16:creationId xmlns:a16="http://schemas.microsoft.com/office/drawing/2014/main" id="{153B3E7A-70FC-4D1A-8315-58E126147693}"/>
-              </a:ext>
-            </a:extLst>
-          </p:cNvPr>
-          <p:cNvSpPr/>
-          <p:nvPr/>
-        </p:nvSpPr>
-        <p:spPr>
-          <a:xfrm>
-            <a:off x="11888577" y="24480297"/>
-            <a:ext cx="4313448" cy="2223145"/>
-          </a:xfrm>
-          <a:prstGeom prst="roundRect">
-            <a:avLst/>
-          </a:prstGeom>
-        </p:spPr>
-        <p:style>
-          <a:lnRef idx="1">
-            <a:schemeClr val="accent3"/>
-          </a:lnRef>
-          <a:fillRef idx="2">
-            <a:schemeClr val="accent3"/>
-          </a:fillRef>
-          <a:effectRef idx="1">
-            <a:schemeClr val="accent3"/>
-          </a:effectRef>
-          <a:fontRef idx="minor">
-            <a:schemeClr val="dk1"/>
-          </a:fontRef>
-        </p:style>
-        <p:txBody>
-          <a:bodyPr rtlCol="0" anchor="ctr"/>
-          <a:lstStyle/>
-          <a:p>
-            <a:pPr algn="ctr"/>
-            <a:r>
-              <a:rPr lang="en-US" sz="4800" dirty="0"/>
-              <a:t>True if related to apoptosis term</a:t>
-            </a:r>
-          </a:p>
-        </p:txBody>
-      </p:sp>
-      <p:sp>
-        <p:nvSpPr>
-          <p:cNvPr id="86" name="Rectangle: Rounded Corners 85">
-            <a:extLst>
-              <a:ext uri="{FF2B5EF4-FFF2-40B4-BE49-F238E27FC236}">
-                <a16:creationId xmlns:a16="http://schemas.microsoft.com/office/drawing/2014/main" id="{36ADEA7C-452D-4B4E-B25F-C9ED81876B82}"/>
-              </a:ext>
-            </a:extLst>
-          </p:cNvPr>
-          <p:cNvSpPr/>
-          <p:nvPr/>
-        </p:nvSpPr>
-        <p:spPr>
-          <a:xfrm>
-            <a:off x="11888577" y="27229807"/>
-            <a:ext cx="4313448" cy="2223145"/>
-          </a:xfrm>
-          <a:prstGeom prst="roundRect">
-            <a:avLst/>
-          </a:prstGeom>
-        </p:spPr>
-        <p:style>
-          <a:lnRef idx="1">
-            <a:schemeClr val="accent2"/>
-          </a:lnRef>
-          <a:fillRef idx="2">
-            <a:schemeClr val="accent2"/>
-          </a:fillRef>
-          <a:effectRef idx="1">
-            <a:schemeClr val="accent2"/>
-          </a:effectRef>
-          <a:fontRef idx="minor">
-            <a:schemeClr val="dk1"/>
-          </a:fontRef>
-        </p:style>
-        <p:txBody>
-          <a:bodyPr rtlCol="0" anchor="ctr"/>
-          <a:lstStyle/>
-          <a:p>
-            <a:pPr algn="ctr"/>
-            <a:r>
-              <a:rPr lang="en-US" sz="4800" dirty="0"/>
-              <a:t>False otherwise</a:t>
-            </a:r>
-            <a:endParaRPr lang="en-US" sz="6600" dirty="0"/>
-          </a:p>
-        </p:txBody>
-      </p:sp>
-      <p:sp>
-        <p:nvSpPr>
-          <p:cNvPr id="88" name="Rectangle: Rounded Corners 87">
-            <a:extLst>
-              <a:ext uri="{FF2B5EF4-FFF2-40B4-BE49-F238E27FC236}">
-                <a16:creationId xmlns:a16="http://schemas.microsoft.com/office/drawing/2014/main" id="{C25186BC-1F45-4E09-A0A6-31AFBAFA16F0}"/>
-              </a:ext>
-            </a:extLst>
-          </p:cNvPr>
-          <p:cNvSpPr/>
-          <p:nvPr/>
-        </p:nvSpPr>
-        <p:spPr>
-          <a:xfrm>
-            <a:off x="847654" y="29739604"/>
-            <a:ext cx="3257027" cy="969321"/>
-          </a:xfrm>
-          <a:prstGeom prst="roundRect">
-            <a:avLst/>
-          </a:prstGeom>
-        </p:spPr>
-        <p:style>
-          <a:lnRef idx="1">
-            <a:schemeClr val="accent4"/>
-          </a:lnRef>
-          <a:fillRef idx="2">
-            <a:schemeClr val="accent4"/>
-          </a:fillRef>
-          <a:effectRef idx="1">
-            <a:schemeClr val="accent4"/>
-          </a:effectRef>
-          <a:fontRef idx="minor">
-            <a:schemeClr val="dk1"/>
-          </a:fontRef>
-        </p:style>
-        <p:txBody>
-          <a:bodyPr rtlCol="0" anchor="ctr"/>
-          <a:lstStyle/>
-          <a:p>
-            <a:pPr algn="ctr"/>
-            <a:r>
-              <a:rPr lang="en-US" sz="4800" dirty="0"/>
-              <a:t>Normalize</a:t>
-            </a:r>
-          </a:p>
-        </p:txBody>
-      </p:sp>
-      <p:sp>
-        <p:nvSpPr>
-          <p:cNvPr id="89" name="Rectangle: Rounded Corners 88">
-            <a:extLst>
-              <a:ext uri="{FF2B5EF4-FFF2-40B4-BE49-F238E27FC236}">
-                <a16:creationId xmlns:a16="http://schemas.microsoft.com/office/drawing/2014/main" id="{1D5C1069-091B-42AD-B196-93FB8DD451CE}"/>
-              </a:ext>
-            </a:extLst>
-          </p:cNvPr>
-          <p:cNvSpPr/>
-          <p:nvPr/>
-        </p:nvSpPr>
-        <p:spPr>
-          <a:xfrm>
-            <a:off x="5544841" y="29733956"/>
-            <a:ext cx="5315558" cy="969321"/>
-          </a:xfrm>
-          <a:prstGeom prst="roundRect">
-            <a:avLst/>
-          </a:prstGeom>
-        </p:spPr>
-        <p:style>
-          <a:lnRef idx="1">
-            <a:schemeClr val="accent4"/>
-          </a:lnRef>
-          <a:fillRef idx="2">
-            <a:schemeClr val="accent4"/>
-          </a:fillRef>
-          <a:effectRef idx="1">
-            <a:schemeClr val="accent4"/>
-          </a:effectRef>
-          <a:fontRef idx="minor">
-            <a:schemeClr val="dk1"/>
-          </a:fontRef>
-        </p:style>
-        <p:txBody>
-          <a:bodyPr rtlCol="0" anchor="ctr"/>
-          <a:lstStyle/>
-          <a:p>
-            <a:pPr algn="ctr"/>
-            <a:r>
-              <a:rPr lang="en-US" sz="4800" dirty="0"/>
-              <a:t>Variance Filter</a:t>
-            </a:r>
-            <a:endParaRPr lang="en-US" sz="6600" dirty="0"/>
-          </a:p>
-        </p:txBody>
-      </p:sp>
-      <p:sp>
-        <p:nvSpPr>
-          <p:cNvPr id="93" name="Rectangle: Rounded Corners 92">
-            <a:extLst>
-              <a:ext uri="{FF2B5EF4-FFF2-40B4-BE49-F238E27FC236}">
-                <a16:creationId xmlns:a16="http://schemas.microsoft.com/office/drawing/2014/main" id="{86B47A0B-A152-4846-BF30-16B6AB01FC4E}"/>
-              </a:ext>
-            </a:extLst>
-          </p:cNvPr>
-          <p:cNvSpPr/>
-          <p:nvPr/>
-        </p:nvSpPr>
-        <p:spPr>
-          <a:xfrm>
-            <a:off x="3024561" y="31794619"/>
-            <a:ext cx="3257027" cy="969321"/>
-          </a:xfrm>
-          <a:prstGeom prst="roundRect">
-            <a:avLst/>
-          </a:prstGeom>
-        </p:spPr>
-        <p:style>
-          <a:lnRef idx="1">
-            <a:schemeClr val="accent4"/>
-          </a:lnRef>
-          <a:fillRef idx="2">
-            <a:schemeClr val="accent4"/>
-          </a:fillRef>
-          <a:effectRef idx="1">
-            <a:schemeClr val="accent4"/>
-          </a:effectRef>
-          <a:fontRef idx="minor">
-            <a:schemeClr val="dk1"/>
-          </a:fontRef>
-        </p:style>
-        <p:txBody>
-          <a:bodyPr rtlCol="0" anchor="ctr"/>
-          <a:lstStyle/>
-          <a:p>
-            <a:pPr algn="ctr"/>
-            <a:r>
-              <a:rPr lang="en-US" sz="4800" dirty="0"/>
-              <a:t>Clustering</a:t>
-            </a:r>
-          </a:p>
-        </p:txBody>
-      </p:sp>
-      <p:sp>
-        <p:nvSpPr>
-          <p:cNvPr id="94" name="Rectangle: Rounded Corners 93">
-            <a:extLst>
-              <a:ext uri="{FF2B5EF4-FFF2-40B4-BE49-F238E27FC236}">
-                <a16:creationId xmlns:a16="http://schemas.microsoft.com/office/drawing/2014/main" id="{28379860-9190-4ED7-8A28-7ED9B57BBA0E}"/>
-              </a:ext>
-            </a:extLst>
-          </p:cNvPr>
-          <p:cNvSpPr/>
-          <p:nvPr/>
-        </p:nvSpPr>
-        <p:spPr>
-          <a:xfrm>
-            <a:off x="8941446" y="31794619"/>
-            <a:ext cx="4141869" cy="969321"/>
-          </a:xfrm>
-          <a:prstGeom prst="roundRect">
-            <a:avLst/>
-          </a:prstGeom>
-        </p:spPr>
-        <p:style>
-          <a:lnRef idx="1">
-            <a:schemeClr val="accent4"/>
-          </a:lnRef>
-          <a:fillRef idx="2">
-            <a:schemeClr val="accent4"/>
-          </a:fillRef>
-          <a:effectRef idx="1">
-            <a:schemeClr val="accent4"/>
-          </a:effectRef>
-          <a:fontRef idx="minor">
-            <a:schemeClr val="dk1"/>
-          </a:fontRef>
-        </p:style>
-        <p:txBody>
-          <a:bodyPr rtlCol="0" anchor="ctr"/>
-          <a:lstStyle/>
-          <a:p>
-            <a:pPr algn="ctr"/>
-            <a:r>
-              <a:rPr lang="en-US" sz="4800" dirty="0"/>
-              <a:t>Oversampling</a:t>
-            </a:r>
-          </a:p>
-        </p:txBody>
-      </p:sp>
-      <p:sp>
-        <p:nvSpPr>
-          <p:cNvPr id="95" name="Rectangle: Rounded Corners 94">
-            <a:extLst>
-              <a:ext uri="{FF2B5EF4-FFF2-40B4-BE49-F238E27FC236}">
-                <a16:creationId xmlns:a16="http://schemas.microsoft.com/office/drawing/2014/main" id="{619052C1-0773-4201-AC8E-62BE18A6C9A6}"/>
-              </a:ext>
-            </a:extLst>
-          </p:cNvPr>
-          <p:cNvSpPr/>
-          <p:nvPr/>
-        </p:nvSpPr>
-        <p:spPr>
-          <a:xfrm>
-            <a:off x="9479040" y="33761914"/>
-            <a:ext cx="3257027" cy="969321"/>
-          </a:xfrm>
-          <a:prstGeom prst="roundRect">
-            <a:avLst/>
-          </a:prstGeom>
-        </p:spPr>
-        <p:style>
-          <a:lnRef idx="1">
-            <a:schemeClr val="accent4"/>
-          </a:lnRef>
-          <a:fillRef idx="2">
-            <a:schemeClr val="accent4"/>
-          </a:fillRef>
-          <a:effectRef idx="1">
-            <a:schemeClr val="accent4"/>
-          </a:effectRef>
-          <a:fontRef idx="minor">
-            <a:schemeClr val="dk1"/>
-          </a:fontRef>
-        </p:style>
-        <p:txBody>
-          <a:bodyPr rtlCol="0" anchor="ctr"/>
-          <a:lstStyle/>
-          <a:p>
-            <a:pPr algn="ctr"/>
-            <a:r>
-              <a:rPr lang="en-US" sz="4800" dirty="0"/>
-              <a:t>Classifying</a:t>
-            </a:r>
-          </a:p>
-        </p:txBody>
-      </p:sp>
-      <p:sp>
-        <p:nvSpPr>
-          <p:cNvPr id="2" name="TextBox 1">
-            <a:extLst>
-              <a:ext uri="{FF2B5EF4-FFF2-40B4-BE49-F238E27FC236}">
-                <a16:creationId xmlns:a16="http://schemas.microsoft.com/office/drawing/2014/main" id="{B66D7D28-E7B4-4901-965E-CF21C6EE1BD2}"/>
+                <a16:creationId xmlns:a16="http://schemas.microsoft.com/office/drawing/2014/main" id="{D88DCA82-116D-463E-98A3-BD83AF455278}"/>
               </a:ext>
             </a:extLst>
           </p:cNvPr>
@@ -6463,8 +7343,8 @@
         </p:nvSpPr>
         <p:spPr>
           <a:xfrm>
-            <a:off x="1163147" y="40738747"/>
-            <a:ext cx="12719005" cy="400110"/>
+            <a:off x="17767831" y="19211775"/>
+            <a:ext cx="5793827" cy="710964"/>
           </a:xfrm>
           <a:prstGeom prst="rect">
             <a:avLst/>
@@ -6477,24 +7357,20 @@
           </a:bodyPr>
           <a:lstStyle/>
           <a:p>
-            <a:r>
-              <a:rPr lang="en-US" sz="2000" b="1" dirty="0"/>
-              <a:t>Figures 1 and 2</a:t>
-            </a:r>
-            <a:r>
-              <a:rPr lang="en-US" sz="2000" dirty="0"/>
-              <a:t>: Checking the change of the score for 2 methods we used to fix data imbalances.</a:t>
-            </a:r>
-            <a:endParaRPr lang="en-IL" sz="2000" dirty="0"/>
-          </a:p>
-        </p:txBody>
-      </p:sp>
-      <p:sp>
-        <p:nvSpPr>
-          <p:cNvPr id="60" name="TextBox 59">
+            <a:pPr algn="ctr"/>
+            <a:r>
+              <a:rPr lang="en-US" sz="4020" b="1" dirty="0"/>
+              <a:t>Methods Comparison</a:t>
+            </a:r>
+          </a:p>
+        </p:txBody>
+      </p:sp>
+      <p:sp>
+        <p:nvSpPr>
+          <p:cNvPr id="44" name="TextBox 43">
             <a:extLst>
               <a:ext uri="{FF2B5EF4-FFF2-40B4-BE49-F238E27FC236}">
-                <a16:creationId xmlns:a16="http://schemas.microsoft.com/office/drawing/2014/main" id="{FF43DA7F-8550-4AF4-A898-5A33179E0C73}"/>
+                <a16:creationId xmlns:a16="http://schemas.microsoft.com/office/drawing/2014/main" id="{80E69B04-4AD7-476A-ACF6-424D2C06F623}"/>
               </a:ext>
             </a:extLst>
           </p:cNvPr>
@@ -6503,8 +7379,8 @@
         </p:nvSpPr>
         <p:spPr>
           <a:xfrm>
-            <a:off x="25387845" y="11089532"/>
-            <a:ext cx="6151884" cy="707886"/>
+            <a:off x="7367169" y="20484455"/>
+            <a:ext cx="1308692" cy="646331"/>
           </a:xfrm>
           <a:prstGeom prst="rect">
             <a:avLst/>
@@ -6512,188 +7388,21 @@
           <a:noFill/>
         </p:spPr>
         <p:txBody>
-          <a:bodyPr wrap="square" rtlCol="0">
+          <a:bodyPr wrap="none" rtlCol="0">
             <a:spAutoFit/>
           </a:bodyPr>
           <a:lstStyle/>
           <a:p>
             <a:r>
-              <a:rPr lang="en-US" sz="2000" b="1" dirty="0"/>
-              <a:t>Figure 3</a:t>
-            </a:r>
-            <a:r>
-              <a:rPr lang="en-US" sz="2000" dirty="0"/>
-              <a:t>: Checking the affect of parameter tuning on 3 types of score for the Decision Tree classifier</a:t>
-            </a:r>
-            <a:endParaRPr lang="en-IL" sz="2000" dirty="0"/>
-          </a:p>
-        </p:txBody>
-      </p:sp>
-      <p:sp>
-        <p:nvSpPr>
-          <p:cNvPr id="64" name="TextBox 63">
-            <a:extLst>
-              <a:ext uri="{FF2B5EF4-FFF2-40B4-BE49-F238E27FC236}">
-                <a16:creationId xmlns:a16="http://schemas.microsoft.com/office/drawing/2014/main" id="{EFDB3311-439D-4068-81FD-7465C684CB1F}"/>
-              </a:ext>
-            </a:extLst>
-          </p:cNvPr>
-          <p:cNvSpPr txBox="1"/>
-          <p:nvPr/>
-        </p:nvSpPr>
-        <p:spPr>
-          <a:xfrm>
-            <a:off x="18327010" y="17239919"/>
-            <a:ext cx="6151884" cy="707886"/>
-          </a:xfrm>
-          <a:prstGeom prst="rect">
-            <a:avLst/>
-          </a:prstGeom>
-          <a:noFill/>
-        </p:spPr>
-        <p:txBody>
-          <a:bodyPr wrap="square" rtlCol="0">
-            <a:spAutoFit/>
-          </a:bodyPr>
-          <a:lstStyle/>
-          <a:p>
-            <a:r>
-              <a:rPr lang="en-US" sz="2000" b="1" dirty="0"/>
-              <a:t>Figure 4</a:t>
-            </a:r>
-            <a:r>
-              <a:rPr lang="en-US" sz="2000" dirty="0"/>
-              <a:t>: Checking the affect of parameter tuning on 3 types of score for the SVM classifier</a:t>
-            </a:r>
-            <a:endParaRPr lang="en-IL" sz="2000" dirty="0"/>
-          </a:p>
-        </p:txBody>
-      </p:sp>
-      <p:sp>
-        <p:nvSpPr>
-          <p:cNvPr id="66" name="TextBox 65">
-            <a:extLst>
-              <a:ext uri="{FF2B5EF4-FFF2-40B4-BE49-F238E27FC236}">
-                <a16:creationId xmlns:a16="http://schemas.microsoft.com/office/drawing/2014/main" id="{2AA29009-3D8F-49F2-9DE4-283A162221B2}"/>
-              </a:ext>
-            </a:extLst>
-          </p:cNvPr>
-          <p:cNvSpPr txBox="1"/>
-          <p:nvPr/>
-        </p:nvSpPr>
-        <p:spPr>
-          <a:xfrm>
-            <a:off x="24727157" y="17241899"/>
-            <a:ext cx="6151884" cy="707886"/>
-          </a:xfrm>
-          <a:prstGeom prst="rect">
-            <a:avLst/>
-          </a:prstGeom>
-          <a:noFill/>
-        </p:spPr>
-        <p:txBody>
-          <a:bodyPr wrap="square" rtlCol="0">
-            <a:spAutoFit/>
-          </a:bodyPr>
-          <a:lstStyle/>
-          <a:p>
-            <a:r>
-              <a:rPr lang="en-US" sz="2000" b="1" dirty="0"/>
-              <a:t>Figure 5</a:t>
-            </a:r>
-            <a:r>
-              <a:rPr lang="en-US" sz="2000" dirty="0"/>
-              <a:t>: Checking the affect of parameter tuning on 3 types of score for the KNN classifier</a:t>
-            </a:r>
-            <a:endParaRPr lang="en-IL" sz="2000" dirty="0"/>
-          </a:p>
-        </p:txBody>
-      </p:sp>
-      <p:sp>
-        <p:nvSpPr>
-          <p:cNvPr id="68" name="TextBox 67">
-            <a:extLst>
-              <a:ext uri="{FF2B5EF4-FFF2-40B4-BE49-F238E27FC236}">
-                <a16:creationId xmlns:a16="http://schemas.microsoft.com/office/drawing/2014/main" id="{8E26FAD8-2FE2-4032-AFD0-A57BB0542CFD}"/>
-              </a:ext>
-            </a:extLst>
-          </p:cNvPr>
-          <p:cNvSpPr txBox="1"/>
-          <p:nvPr/>
-        </p:nvSpPr>
-        <p:spPr>
-          <a:xfrm>
-            <a:off x="24702252" y="22616908"/>
-            <a:ext cx="6151884" cy="707886"/>
-          </a:xfrm>
-          <a:prstGeom prst="rect">
-            <a:avLst/>
-          </a:prstGeom>
-          <a:noFill/>
-        </p:spPr>
-        <p:txBody>
-          <a:bodyPr wrap="square" rtlCol="0">
-            <a:spAutoFit/>
-          </a:bodyPr>
-          <a:lstStyle/>
-          <a:p>
-            <a:r>
-              <a:rPr lang="en-US" sz="2000" b="1" dirty="0"/>
-              <a:t>Figure 6</a:t>
-            </a:r>
-            <a:r>
-              <a:rPr lang="en-US" sz="2000" dirty="0"/>
-              <a:t>: Comparison between 3 supervised methods by 3 types of score compared to a baseline dummy classifier</a:t>
-            </a:r>
-            <a:endParaRPr lang="en-IL" sz="2000" dirty="0"/>
-          </a:p>
-        </p:txBody>
-      </p:sp>
-      <p:sp>
-        <p:nvSpPr>
-          <p:cNvPr id="87" name="TextBox 86">
-            <a:extLst>
-              <a:ext uri="{FF2B5EF4-FFF2-40B4-BE49-F238E27FC236}">
-                <a16:creationId xmlns:a16="http://schemas.microsoft.com/office/drawing/2014/main" id="{067D7E3A-ACDB-4D99-9ED1-EEBCCE61643C}"/>
-              </a:ext>
-            </a:extLst>
-          </p:cNvPr>
-          <p:cNvSpPr txBox="1"/>
-          <p:nvPr/>
-        </p:nvSpPr>
-        <p:spPr>
-          <a:xfrm>
-            <a:off x="23352414" y="28824273"/>
-            <a:ext cx="6810804" cy="1015663"/>
-          </a:xfrm>
-          <a:prstGeom prst="rect">
-            <a:avLst/>
-          </a:prstGeom>
-          <a:noFill/>
-        </p:spPr>
-        <p:txBody>
-          <a:bodyPr wrap="square" rtlCol="0">
-            <a:spAutoFit/>
-          </a:bodyPr>
-          <a:lstStyle/>
-          <a:p>
-            <a:r>
-              <a:rPr lang="en-US" sz="2000" b="1" dirty="0"/>
-              <a:t>Figure 7</a:t>
-            </a:r>
-            <a:r>
-              <a:rPr lang="en-US" sz="2000" dirty="0"/>
-              <a:t>: Comparison between </a:t>
-            </a:r>
-            <a:r>
-              <a:rPr lang="en-US" sz="2000"/>
-              <a:t>KMeans</a:t>
-            </a:r>
-            <a:r>
-              <a:rPr lang="en-US" sz="2000" dirty="0"/>
-              <a:t> and Hierarchical clustering by using silhouette score as a function of the number of clusters used. The score is calculated using semi clustering.</a:t>
-            </a:r>
-            <a:endParaRPr lang="en-IL" sz="2000" dirty="0"/>
+              <a:rPr lang="en-US" sz="1800" dirty="0"/>
+              <a:t>Set label for</a:t>
+            </a:r>
+          </a:p>
+          <a:p>
+            <a:r>
+              <a:rPr lang="en-US" sz="1800" dirty="0"/>
+              <a:t>each gene:</a:t>
+            </a:r>
           </a:p>
         </p:txBody>
       </p:sp>
